--- a/Design/Wireframes/DRIC wireframes.pptx
+++ b/Design/Wireframes/DRIC wireframes.pptx
@@ -5,13 +5,15 @@
     <p:sldMasterId id="2147483672" r:id="rId1"/>
   </p:sldMasterIdLst>
   <p:notesMasterIdLst>
-    <p:notesMasterId r:id="rId6"/>
+    <p:notesMasterId r:id="rId8"/>
   </p:notesMasterIdLst>
   <p:sldIdLst>
     <p:sldId id="263" r:id="rId2"/>
     <p:sldId id="264" r:id="rId3"/>
     <p:sldId id="265" r:id="rId4"/>
     <p:sldId id="266" r:id="rId5"/>
+    <p:sldId id="267" r:id="rId6"/>
+    <p:sldId id="268" r:id="rId7"/>
   </p:sldIdLst>
   <p:sldSz cx="9144000" cy="6858000" type="screen4x3"/>
   <p:notesSz cx="7010400" cy="9296400"/>
@@ -195,7 +197,7 @@
           <a:p>
             <a:fld id="{8E93098F-1000-4F85-9F35-40A3F3C1DAF8}" type="datetimeFigureOut">
               <a:rPr lang="en-US" smtClean="0"/>
-              <a:t>6/17/2015</a:t>
+              <a:t>6/18/2015</a:t>
             </a:fld>
             <a:endParaRPr lang="en-US"/>
           </a:p>
@@ -869,7 +871,7 @@
             <a:fld id="{032CCAA4-70F9-4347-A6BC-65B95A477A91}" type="datetimeFigureOut">
               <a:rPr lang="en-US" smtClean="0"/>
               <a:pPr/>
-              <a:t>6/17/2015</a:t>
+              <a:t>6/18/2015</a:t>
             </a:fld>
             <a:endParaRPr lang="en-US"/>
           </a:p>
@@ -1054,7 +1056,7 @@
             <a:fld id="{032CCAA4-70F9-4347-A6BC-65B95A477A91}" type="datetimeFigureOut">
               <a:rPr lang="en-US" smtClean="0"/>
               <a:pPr/>
-              <a:t>6/17/2015</a:t>
+              <a:t>6/18/2015</a:t>
             </a:fld>
             <a:endParaRPr lang="en-US"/>
           </a:p>
@@ -1249,7 +1251,7 @@
             <a:fld id="{032CCAA4-70F9-4347-A6BC-65B95A477A91}" type="datetimeFigureOut">
               <a:rPr lang="en-US" smtClean="0"/>
               <a:pPr/>
-              <a:t>6/17/2015</a:t>
+              <a:t>6/18/2015</a:t>
             </a:fld>
             <a:endParaRPr lang="en-US"/>
           </a:p>
@@ -1442,7 +1444,7 @@
             <a:fld id="{032CCAA4-70F9-4347-A6BC-65B95A477A91}" type="datetimeFigureOut">
               <a:rPr lang="en-US" smtClean="0"/>
               <a:pPr/>
-              <a:t>6/17/2015</a:t>
+              <a:t>6/18/2015</a:t>
             </a:fld>
             <a:endParaRPr lang="en-US"/>
           </a:p>
@@ -1649,7 +1651,7 @@
             <a:fld id="{032CCAA4-70F9-4347-A6BC-65B95A477A91}" type="datetimeFigureOut">
               <a:rPr lang="en-US" smtClean="0"/>
               <a:pPr/>
-              <a:t>6/17/2015</a:t>
+              <a:t>6/18/2015</a:t>
             </a:fld>
             <a:endParaRPr lang="en-US"/>
           </a:p>
@@ -1952,7 +1954,7 @@
             <a:fld id="{032CCAA4-70F9-4347-A6BC-65B95A477A91}" type="datetimeFigureOut">
               <a:rPr lang="en-US" smtClean="0"/>
               <a:pPr/>
-              <a:t>6/17/2015</a:t>
+              <a:t>6/18/2015</a:t>
             </a:fld>
             <a:endParaRPr lang="en-US"/>
           </a:p>
@@ -2394,7 +2396,7 @@
             <a:fld id="{032CCAA4-70F9-4347-A6BC-65B95A477A91}" type="datetimeFigureOut">
               <a:rPr lang="en-US" smtClean="0"/>
               <a:pPr/>
-              <a:t>6/17/2015</a:t>
+              <a:t>6/18/2015</a:t>
             </a:fld>
             <a:endParaRPr lang="en-US"/>
           </a:p>
@@ -2527,7 +2529,7 @@
             <a:fld id="{032CCAA4-70F9-4347-A6BC-65B95A477A91}" type="datetimeFigureOut">
               <a:rPr lang="en-US" smtClean="0"/>
               <a:pPr/>
-              <a:t>6/17/2015</a:t>
+              <a:t>6/18/2015</a:t>
             </a:fld>
             <a:endParaRPr lang="en-US"/>
           </a:p>
@@ -2637,7 +2639,7 @@
             <a:fld id="{032CCAA4-70F9-4347-A6BC-65B95A477A91}" type="datetimeFigureOut">
               <a:rPr lang="en-US" smtClean="0"/>
               <a:pPr/>
-              <a:t>6/17/2015</a:t>
+              <a:t>6/18/2015</a:t>
             </a:fld>
             <a:endParaRPr lang="en-US"/>
           </a:p>
@@ -2929,7 +2931,7 @@
             <a:fld id="{032CCAA4-70F9-4347-A6BC-65B95A477A91}" type="datetimeFigureOut">
               <a:rPr lang="en-US" smtClean="0"/>
               <a:pPr/>
-              <a:t>6/17/2015</a:t>
+              <a:t>6/18/2015</a:t>
             </a:fld>
             <a:endParaRPr lang="en-US"/>
           </a:p>
@@ -3201,7 +3203,7 @@
             <a:fld id="{032CCAA4-70F9-4347-A6BC-65B95A477A91}" type="datetimeFigureOut">
               <a:rPr lang="en-US" smtClean="0"/>
               <a:pPr/>
-              <a:t>6/17/2015</a:t>
+              <a:t>6/18/2015</a:t>
             </a:fld>
             <a:endParaRPr lang="en-US"/>
           </a:p>
@@ -3456,7 +3458,7 @@
             <a:fld id="{032CCAA4-70F9-4347-A6BC-65B95A477A91}" type="datetimeFigureOut">
               <a:rPr lang="en-US" smtClean="0"/>
               <a:pPr/>
-              <a:t>6/17/2015</a:t>
+              <a:t>6/18/2015</a:t>
             </a:fld>
             <a:endParaRPr lang="en-US"/>
           </a:p>
@@ -4330,18 +4332,7 @@
                 <a:ea typeface="+mj-ea"/>
                 <a:cs typeface="ＭＳ Ｐゴシック"/>
               </a:rPr>
-              <a:t>By </a:t>
-            </a:r>
-            <a:r>
-              <a:rPr lang="en-US" sz="2200" kern="0" dirty="0" smtClean="0">
-                <a:solidFill>
-                  <a:srgbClr val="A79F94"/>
-                </a:solidFill>
-                <a:latin typeface="85 Helvetica Heavy"/>
-                <a:ea typeface="+mj-ea"/>
-                <a:cs typeface="ＭＳ Ｐゴシック"/>
-              </a:rPr>
-              <a:t>Adam D’Angelo</a:t>
+              <a:t>By Adam D’Angelo</a:t>
             </a:r>
             <a:endParaRPr kumimoji="0" lang="en-US" sz="2200" b="0" i="0" u="none" strike="noStrike" kern="0" cap="none" spc="0" normalizeH="0" baseline="0" noProof="0" dirty="0" smtClean="0">
               <a:ln>
@@ -5153,17 +5144,36 @@
               </a:rPr>
               <a:t>Search</a:t>
             </a:r>
-            <a:endParaRPr kumimoji="0" lang="en-US" sz="1000" b="0" i="0" u="none" strike="noStrike" cap="none" normalizeH="0" baseline="0" dirty="0" smtClean="0">
-              <a:ln>
-                <a:noFill/>
-              </a:ln>
-              <a:solidFill>
-                <a:schemeClr val="tx1"/>
-              </a:solidFill>
-              <a:effectLst/>
-              <a:latin typeface="Arial" charset="0"/>
-              <a:ea typeface="ＭＳ Ｐゴシック" pitchFamily="-60" charset="-128"/>
-            </a:endParaRPr>
+          </a:p>
+        </p:txBody>
+      </p:sp>
+      <p:sp>
+        <p:nvSpPr>
+          <p:cNvPr id="3" name="TextBox 2"/>
+          <p:cNvSpPr txBox="1"/>
+          <p:nvPr/>
+        </p:nvSpPr>
+        <p:spPr>
+          <a:xfrm>
+            <a:off x="6705600" y="3091934"/>
+            <a:ext cx="1447800" cy="1200329"/>
+          </a:xfrm>
+          <a:prstGeom prst="rect">
+            <a:avLst/>
+          </a:prstGeom>
+          <a:noFill/>
+        </p:spPr>
+        <p:txBody>
+          <a:bodyPr wrap="square" rtlCol="0">
+            <a:spAutoFit/>
+          </a:bodyPr>
+          <a:lstStyle/>
+          <a:p>
+            <a:r>
+              <a:rPr lang="en-US" dirty="0" smtClean="0"/>
+              <a:t>Shows top ten recent drug recalls by date</a:t>
+            </a:r>
+            <a:endParaRPr lang="en-US" dirty="0"/>
           </a:p>
         </p:txBody>
       </p:sp>
@@ -5911,17 +5921,36 @@
               </a:rPr>
               <a:t>Search</a:t>
             </a:r>
-            <a:endParaRPr kumimoji="0" lang="en-US" sz="1000" b="0" i="0" u="none" strike="noStrike" cap="none" normalizeH="0" baseline="0" dirty="0" smtClean="0">
-              <a:ln>
-                <a:noFill/>
-              </a:ln>
-              <a:solidFill>
-                <a:schemeClr val="tx1"/>
-              </a:solidFill>
-              <a:effectLst/>
-              <a:latin typeface="Arial" charset="0"/>
-              <a:ea typeface="ＭＳ Ｐゴシック" pitchFamily="-60" charset="-128"/>
-            </a:endParaRPr>
+          </a:p>
+        </p:txBody>
+      </p:sp>
+      <p:sp>
+        <p:nvSpPr>
+          <p:cNvPr id="3" name="TextBox 2"/>
+          <p:cNvSpPr txBox="1"/>
+          <p:nvPr/>
+        </p:nvSpPr>
+        <p:spPr>
+          <a:xfrm>
+            <a:off x="6705600" y="2669977"/>
+            <a:ext cx="2209800" cy="1200329"/>
+          </a:xfrm>
+          <a:prstGeom prst="rect">
+            <a:avLst/>
+          </a:prstGeom>
+          <a:noFill/>
+        </p:spPr>
+        <p:txBody>
+          <a:bodyPr wrap="square" rtlCol="0">
+            <a:spAutoFit/>
+          </a:bodyPr>
+          <a:lstStyle/>
+          <a:p>
+            <a:r>
+              <a:rPr lang="en-US" dirty="0" smtClean="0"/>
+              <a:t>Displays drug recalls related to the name the user entered.</a:t>
+            </a:r>
+            <a:endParaRPr lang="en-US" dirty="0"/>
           </a:p>
         </p:txBody>
       </p:sp>
@@ -6063,14 +6092,366 @@
       </p:pic>
       <p:sp>
         <p:nvSpPr>
-          <p:cNvPr id="6" name="Rectangle 5"/>
+          <p:cNvPr id="7" name="TextBox 6"/>
+          <p:cNvSpPr txBox="1"/>
+          <p:nvPr/>
+        </p:nvSpPr>
+        <p:spPr>
+          <a:xfrm>
+            <a:off x="3314700" y="1460541"/>
+            <a:ext cx="2209800" cy="307777"/>
+          </a:xfrm>
+          <a:prstGeom prst="rect">
+            <a:avLst/>
+          </a:prstGeom>
+          <a:noFill/>
+        </p:spPr>
+        <p:txBody>
+          <a:bodyPr wrap="square" rtlCol="0">
+            <a:spAutoFit/>
+          </a:bodyPr>
+          <a:lstStyle/>
+          <a:p>
+            <a:r>
+              <a:rPr lang="en-US" sz="1400" u="sng" dirty="0" smtClean="0"/>
+              <a:t>Drug #1 Recall Details</a:t>
+            </a:r>
+            <a:endParaRPr lang="en-US" sz="1400" u="sng" dirty="0"/>
+          </a:p>
+        </p:txBody>
+      </p:sp>
+      <p:sp>
+        <p:nvSpPr>
+          <p:cNvPr id="8" name="TextBox 7"/>
+          <p:cNvSpPr txBox="1"/>
+          <p:nvPr/>
+        </p:nvSpPr>
+        <p:spPr>
+          <a:xfrm>
+            <a:off x="4143375" y="795160"/>
+            <a:ext cx="2247900" cy="646331"/>
+          </a:xfrm>
+          <a:prstGeom prst="rect">
+            <a:avLst/>
+          </a:prstGeom>
+          <a:noFill/>
+        </p:spPr>
+        <p:txBody>
+          <a:bodyPr wrap="square" rtlCol="0">
+            <a:spAutoFit/>
+          </a:bodyPr>
+          <a:lstStyle/>
+          <a:p>
+            <a:r>
+              <a:rPr lang="en-US" dirty="0" smtClean="0"/>
+              <a:t>Drug Recall Information Center</a:t>
+            </a:r>
+            <a:endParaRPr lang="en-US" dirty="0"/>
+          </a:p>
+        </p:txBody>
+      </p:sp>
+      <p:sp>
+        <p:nvSpPr>
+          <p:cNvPr id="12" name="Oval 11"/>
           <p:cNvSpPr/>
           <p:nvPr/>
         </p:nvSpPr>
         <p:spPr bwMode="auto">
           <a:xfrm>
-            <a:off x="2965449" y="1862852"/>
-            <a:ext cx="1504950" cy="236696"/>
+            <a:off x="5334000" y="1832015"/>
+            <a:ext cx="696278" cy="732709"/>
+          </a:xfrm>
+          <a:prstGeom prst="ellipse">
+            <a:avLst/>
+          </a:prstGeom>
+          <a:solidFill>
+            <a:srgbClr val="FFFF00"/>
+          </a:solidFill>
+          <a:ln w="9525" cap="flat" cmpd="sng" algn="ctr">
+            <a:solidFill>
+              <a:schemeClr val="tx1"/>
+            </a:solidFill>
+            <a:prstDash val="solid"/>
+            <a:round/>
+            <a:headEnd type="none" w="med" len="med"/>
+            <a:tailEnd type="none" w="med" len="med"/>
+          </a:ln>
+          <a:effectLst/>
+        </p:spPr>
+        <p:txBody>
+          <a:bodyPr vert="horz" wrap="square" lIns="91440" tIns="45720" rIns="91440" bIns="45720" numCol="1" rtlCol="0" anchor="t" anchorCtr="0" compatLnSpc="1">
+            <a:prstTxWarp prst="textNoShape">
+              <a:avLst/>
+            </a:prstTxWarp>
+          </a:bodyPr>
+          <a:lstStyle/>
+          <a:p>
+            <a:pPr marL="0" marR="0" indent="0" algn="ctr" defTabSz="914400" rtl="0" eaLnBrk="0" fontAlgn="base" latinLnBrk="0" hangingPunct="0">
+              <a:lnSpc>
+                <a:spcPct val="200000"/>
+              </a:lnSpc>
+              <a:spcBef>
+                <a:spcPct val="0"/>
+              </a:spcBef>
+              <a:spcAft>
+                <a:spcPct val="0"/>
+              </a:spcAft>
+              <a:buClrTx/>
+              <a:buSzTx/>
+              <a:buFontTx/>
+              <a:buNone/>
+              <a:tabLst/>
+            </a:pPr>
+            <a:r>
+              <a:rPr kumimoji="0" lang="en-US" sz="1000" b="0" i="0" u="none" strike="noStrike" cap="none" normalizeH="0" baseline="0" dirty="0" smtClean="0">
+                <a:ln>
+                  <a:noFill/>
+                </a:ln>
+                <a:solidFill>
+                  <a:schemeClr val="tx1"/>
+                </a:solidFill>
+                <a:effectLst/>
+                <a:latin typeface="Arial" charset="0"/>
+                <a:ea typeface="ＭＳ Ｐゴシック" pitchFamily="-60" charset="-128"/>
+              </a:rPr>
+              <a:t>Low</a:t>
+            </a:r>
+          </a:p>
+        </p:txBody>
+      </p:sp>
+      <p:sp>
+        <p:nvSpPr>
+          <p:cNvPr id="18" name="Rounded Rectangle 17"/>
+          <p:cNvSpPr/>
+          <p:nvPr/>
+        </p:nvSpPr>
+        <p:spPr bwMode="auto">
+          <a:xfrm>
+            <a:off x="4808695" y="5562600"/>
+            <a:ext cx="1582580" cy="224551"/>
+          </a:xfrm>
+          <a:prstGeom prst="roundRect">
+            <a:avLst/>
+          </a:prstGeom>
+          <a:solidFill>
+            <a:schemeClr val="accent3">
+              <a:lumMod val="85000"/>
+            </a:schemeClr>
+          </a:solidFill>
+          <a:ln w="9525" cap="flat" cmpd="sng" algn="ctr">
+            <a:solidFill>
+              <a:schemeClr val="tx1"/>
+            </a:solidFill>
+            <a:prstDash val="solid"/>
+            <a:round/>
+            <a:headEnd type="none" w="med" len="med"/>
+            <a:tailEnd type="none" w="med" len="med"/>
+          </a:ln>
+          <a:effectLst/>
+        </p:spPr>
+        <p:txBody>
+          <a:bodyPr vert="horz" wrap="square" lIns="91440" tIns="45720" rIns="91440" bIns="45720" numCol="1" rtlCol="0" anchor="t" anchorCtr="0" compatLnSpc="1">
+            <a:prstTxWarp prst="textNoShape">
+              <a:avLst/>
+            </a:prstTxWarp>
+          </a:bodyPr>
+          <a:lstStyle/>
+          <a:p>
+            <a:pPr marL="0" marR="0" indent="0" algn="ctr" defTabSz="914400" rtl="0" eaLnBrk="0" fontAlgn="base" latinLnBrk="0" hangingPunct="0">
+              <a:lnSpc>
+                <a:spcPct val="100000"/>
+              </a:lnSpc>
+              <a:spcBef>
+                <a:spcPct val="0"/>
+              </a:spcBef>
+              <a:spcAft>
+                <a:spcPct val="0"/>
+              </a:spcAft>
+              <a:buClrTx/>
+              <a:buSzTx/>
+              <a:buFontTx/>
+              <a:buNone/>
+              <a:tabLst/>
+            </a:pPr>
+            <a:r>
+              <a:rPr kumimoji="0" lang="en-US" sz="1000" b="0" i="0" u="none" strike="noStrike" cap="none" normalizeH="0" baseline="0" dirty="0" smtClean="0">
+                <a:ln>
+                  <a:noFill/>
+                </a:ln>
+                <a:solidFill>
+                  <a:schemeClr val="tx1"/>
+                </a:solidFill>
+                <a:effectLst/>
+                <a:latin typeface="Arial" charset="0"/>
+                <a:ea typeface="ＭＳ Ｐゴシック" pitchFamily="-60" charset="-128"/>
+              </a:rPr>
+              <a:t>Back </a:t>
+            </a:r>
+            <a:r>
+              <a:rPr kumimoji="0" lang="en-US" sz="1000" b="0" i="0" u="none" strike="noStrike" cap="none" normalizeH="0" dirty="0" smtClean="0">
+                <a:ln>
+                  <a:noFill/>
+                </a:ln>
+                <a:solidFill>
+                  <a:schemeClr val="tx1"/>
+                </a:solidFill>
+                <a:effectLst/>
+                <a:latin typeface="Arial" charset="0"/>
+                <a:ea typeface="ＭＳ Ｐゴシック" pitchFamily="-60" charset="-128"/>
+              </a:rPr>
+              <a:t>to search results</a:t>
+            </a:r>
+            <a:endParaRPr kumimoji="0" lang="en-US" sz="1000" b="0" i="0" u="none" strike="noStrike" cap="none" normalizeH="0" baseline="0" dirty="0" smtClean="0">
+              <a:ln>
+                <a:noFill/>
+              </a:ln>
+              <a:solidFill>
+                <a:schemeClr val="tx1"/>
+              </a:solidFill>
+              <a:effectLst/>
+              <a:latin typeface="Arial" charset="0"/>
+              <a:ea typeface="ＭＳ Ｐゴシック" pitchFamily="-60" charset="-128"/>
+            </a:endParaRPr>
+          </a:p>
+        </p:txBody>
+      </p:sp>
+      <p:sp>
+        <p:nvSpPr>
+          <p:cNvPr id="3" name="Rounded Rectangle 2"/>
+          <p:cNvSpPr/>
+          <p:nvPr/>
+        </p:nvSpPr>
+        <p:spPr bwMode="auto">
+          <a:xfrm>
+            <a:off x="4143375" y="1832015"/>
+            <a:ext cx="752475" cy="732709"/>
+          </a:xfrm>
+          <a:prstGeom prst="roundRect">
+            <a:avLst/>
+          </a:prstGeom>
+          <a:solidFill>
+            <a:srgbClr val="92D050"/>
+          </a:solidFill>
+          <a:ln w="9525" cap="flat" cmpd="sng" algn="ctr">
+            <a:solidFill>
+              <a:schemeClr val="tx1"/>
+            </a:solidFill>
+            <a:prstDash val="solid"/>
+            <a:round/>
+            <a:headEnd type="none" w="med" len="med"/>
+            <a:tailEnd type="none" w="med" len="med"/>
+          </a:ln>
+          <a:effectLst/>
+        </p:spPr>
+        <p:txBody>
+          <a:bodyPr vert="horz" wrap="square" lIns="91440" tIns="45720" rIns="91440" bIns="45720" numCol="1" rtlCol="0" anchor="t" anchorCtr="0" compatLnSpc="1">
+            <a:prstTxWarp prst="textNoShape">
+              <a:avLst/>
+            </a:prstTxWarp>
+          </a:bodyPr>
+          <a:lstStyle/>
+          <a:p>
+            <a:pPr marL="0" marR="0" indent="0" algn="l" defTabSz="914400" rtl="0" eaLnBrk="0" fontAlgn="base" latinLnBrk="0" hangingPunct="0">
+              <a:lnSpc>
+                <a:spcPct val="150000"/>
+              </a:lnSpc>
+              <a:spcBef>
+                <a:spcPct val="0"/>
+              </a:spcBef>
+              <a:spcAft>
+                <a:spcPct val="0"/>
+              </a:spcAft>
+              <a:buClrTx/>
+              <a:buSzTx/>
+              <a:buFontTx/>
+              <a:buNone/>
+              <a:tabLst/>
+            </a:pPr>
+            <a:r>
+              <a:rPr kumimoji="0" lang="en-US" sz="800" b="0" i="0" u="none" strike="noStrike" cap="none" normalizeH="0" baseline="0" dirty="0" smtClean="0">
+                <a:ln>
+                  <a:noFill/>
+                </a:ln>
+                <a:solidFill>
+                  <a:schemeClr val="tx1"/>
+                </a:solidFill>
+                <a:effectLst/>
+                <a:latin typeface="Arial" charset="0"/>
+                <a:ea typeface="ＭＳ Ｐゴシック" pitchFamily="-60" charset="-128"/>
+              </a:rPr>
+              <a:t>&lt;Image of drug here from </a:t>
+            </a:r>
+            <a:r>
+              <a:rPr kumimoji="0" lang="en-US" sz="800" b="0" i="0" u="none" strike="noStrike" cap="none" normalizeH="0" baseline="0" dirty="0" err="1" smtClean="0">
+                <a:ln>
+                  <a:noFill/>
+                </a:ln>
+                <a:solidFill>
+                  <a:schemeClr val="tx1"/>
+                </a:solidFill>
+                <a:effectLst/>
+                <a:latin typeface="Arial" charset="0"/>
+                <a:ea typeface="ＭＳ Ｐゴシック" pitchFamily="-60" charset="-128"/>
+              </a:rPr>
+              <a:t>NiH</a:t>
+            </a:r>
+            <a:r>
+              <a:rPr kumimoji="0" lang="en-US" sz="800" b="0" i="0" u="none" strike="noStrike" cap="none" normalizeH="0" baseline="0" dirty="0" smtClean="0">
+                <a:ln>
+                  <a:noFill/>
+                </a:ln>
+                <a:solidFill>
+                  <a:schemeClr val="tx1"/>
+                </a:solidFill>
+                <a:effectLst/>
+                <a:latin typeface="Arial" charset="0"/>
+                <a:ea typeface="ＭＳ Ｐゴシック" pitchFamily="-60" charset="-128"/>
+              </a:rPr>
+              <a:t>&gt;</a:t>
+            </a:r>
+          </a:p>
+        </p:txBody>
+      </p:sp>
+      <p:sp>
+        <p:nvSpPr>
+          <p:cNvPr id="19" name="TextBox 18"/>
+          <p:cNvSpPr txBox="1"/>
+          <p:nvPr/>
+        </p:nvSpPr>
+        <p:spPr>
+          <a:xfrm>
+            <a:off x="3314700" y="2973527"/>
+            <a:ext cx="2209800" cy="307777"/>
+          </a:xfrm>
+          <a:prstGeom prst="rect">
+            <a:avLst/>
+          </a:prstGeom>
+          <a:noFill/>
+        </p:spPr>
+        <p:txBody>
+          <a:bodyPr wrap="square" rtlCol="0">
+            <a:spAutoFit/>
+          </a:bodyPr>
+          <a:lstStyle/>
+          <a:p>
+            <a:r>
+              <a:rPr lang="en-US" sz="1400" u="sng" dirty="0" smtClean="0"/>
+              <a:t>Additional information</a:t>
+            </a:r>
+            <a:endParaRPr lang="en-US" sz="1400" u="sng" dirty="0"/>
+          </a:p>
+        </p:txBody>
+      </p:sp>
+      <p:sp>
+        <p:nvSpPr>
+          <p:cNvPr id="20" name="Rectangle 19"/>
+          <p:cNvSpPr/>
+          <p:nvPr/>
+        </p:nvSpPr>
+        <p:spPr bwMode="auto">
+          <a:xfrm>
+            <a:off x="3032124" y="3281304"/>
+            <a:ext cx="2819400" cy="1608237"/>
           </a:xfrm>
           <a:prstGeom prst="rect">
             <a:avLst/>
@@ -6129,14 +6510,14 @@
       </p:sp>
       <p:sp>
         <p:nvSpPr>
-          <p:cNvPr id="7" name="TextBox 6"/>
+          <p:cNvPr id="22" name="TextBox 21"/>
           <p:cNvSpPr txBox="1"/>
           <p:nvPr/>
         </p:nvSpPr>
         <p:spPr>
           <a:xfrm>
-            <a:off x="3314700" y="2362200"/>
-            <a:ext cx="2209800" cy="307777"/>
+            <a:off x="3276600" y="3441741"/>
+            <a:ext cx="1990725" cy="707886"/>
           </a:xfrm>
           <a:prstGeom prst="rect">
             <a:avLst/>
@@ -6150,389 +6531,29 @@
           <a:lstStyle/>
           <a:p>
             <a:r>
-              <a:rPr lang="en-US" sz="1400" u="sng" dirty="0" smtClean="0"/>
-              <a:t>Drug #1 Recall Details</a:t>
-            </a:r>
-            <a:endParaRPr lang="en-US" sz="1400" u="sng" dirty="0"/>
-          </a:p>
-        </p:txBody>
-      </p:sp>
-      <p:sp>
-        <p:nvSpPr>
-          <p:cNvPr id="8" name="TextBox 7"/>
-          <p:cNvSpPr txBox="1"/>
-          <p:nvPr/>
-        </p:nvSpPr>
-        <p:spPr>
-          <a:xfrm>
-            <a:off x="4143375" y="795160"/>
-            <a:ext cx="2247900" cy="646331"/>
-          </a:xfrm>
-          <a:prstGeom prst="rect">
-            <a:avLst/>
-          </a:prstGeom>
-          <a:noFill/>
-        </p:spPr>
-        <p:txBody>
-          <a:bodyPr wrap="square" rtlCol="0">
-            <a:spAutoFit/>
-          </a:bodyPr>
-          <a:lstStyle/>
-          <a:p>
-            <a:r>
-              <a:rPr lang="en-US" dirty="0" smtClean="0"/>
-              <a:t>Drug Recall Information Center</a:t>
-            </a:r>
-            <a:endParaRPr lang="en-US" dirty="0"/>
-          </a:p>
-        </p:txBody>
-      </p:sp>
-      <p:sp>
-        <p:nvSpPr>
-          <p:cNvPr id="12" name="Oval 11"/>
+              <a:rPr lang="en-US" sz="1000" dirty="0" smtClean="0"/>
+              <a:t>Hyperlinks to Google search results here for “&lt;drug name&gt; + recall” and &lt;drug manufacturer&gt; + recall”.</a:t>
+            </a:r>
+            <a:endParaRPr lang="en-US" sz="1000" dirty="0"/>
+          </a:p>
+        </p:txBody>
+      </p:sp>
+      <p:sp>
+        <p:nvSpPr>
+          <p:cNvPr id="23" name="Rectangle 22"/>
           <p:cNvSpPr/>
           <p:nvPr/>
         </p:nvSpPr>
         <p:spPr bwMode="auto">
           <a:xfrm>
-            <a:off x="5334000" y="2733674"/>
-            <a:ext cx="696278" cy="732709"/>
-          </a:xfrm>
-          <a:prstGeom prst="ellipse">
-            <a:avLst/>
-          </a:prstGeom>
-          <a:solidFill>
-            <a:srgbClr val="FFFF00"/>
-          </a:solidFill>
-          <a:ln w="9525" cap="flat" cmpd="sng" algn="ctr">
-            <a:solidFill>
-              <a:schemeClr val="tx1"/>
-            </a:solidFill>
-            <a:prstDash val="solid"/>
-            <a:round/>
-            <a:headEnd type="none" w="med" len="med"/>
-            <a:tailEnd type="none" w="med" len="med"/>
-          </a:ln>
-          <a:effectLst/>
-        </p:spPr>
-        <p:txBody>
-          <a:bodyPr vert="horz" wrap="square" lIns="91440" tIns="45720" rIns="91440" bIns="45720" numCol="1" rtlCol="0" anchor="t" anchorCtr="0" compatLnSpc="1">
-            <a:prstTxWarp prst="textNoShape">
-              <a:avLst/>
-            </a:prstTxWarp>
-          </a:bodyPr>
-          <a:lstStyle/>
-          <a:p>
-            <a:pPr marL="0" marR="0" indent="0" algn="ctr" defTabSz="914400" rtl="0" eaLnBrk="0" fontAlgn="base" latinLnBrk="0" hangingPunct="0">
-              <a:lnSpc>
-                <a:spcPct val="200000"/>
-              </a:lnSpc>
-              <a:spcBef>
-                <a:spcPct val="0"/>
-              </a:spcBef>
-              <a:spcAft>
-                <a:spcPct val="0"/>
-              </a:spcAft>
-              <a:buClrTx/>
-              <a:buSzTx/>
-              <a:buFontTx/>
-              <a:buNone/>
-              <a:tabLst/>
-            </a:pPr>
-            <a:r>
-              <a:rPr kumimoji="0" lang="en-US" sz="1000" b="0" i="0" u="none" strike="noStrike" cap="none" normalizeH="0" baseline="0" dirty="0" smtClean="0">
-                <a:ln>
-                  <a:noFill/>
-                </a:ln>
-                <a:solidFill>
-                  <a:schemeClr val="tx1"/>
-                </a:solidFill>
-                <a:effectLst/>
-                <a:latin typeface="Arial" charset="0"/>
-                <a:ea typeface="ＭＳ Ｐゴシック" pitchFamily="-60" charset="-128"/>
-              </a:rPr>
-              <a:t>Low</a:t>
-            </a:r>
-            <a:endParaRPr kumimoji="0" lang="en-US" sz="1000" b="0" i="0" u="none" strike="noStrike" cap="none" normalizeH="0" baseline="0" dirty="0" smtClean="0">
-              <a:ln>
-                <a:noFill/>
-              </a:ln>
-              <a:solidFill>
-                <a:schemeClr val="tx1"/>
-              </a:solidFill>
-              <a:effectLst/>
-              <a:latin typeface="Arial" charset="0"/>
-              <a:ea typeface="ＭＳ Ｐゴシック" pitchFamily="-60" charset="-128"/>
-            </a:endParaRPr>
-          </a:p>
-        </p:txBody>
-      </p:sp>
-      <p:sp>
-        <p:nvSpPr>
-          <p:cNvPr id="5" name="TextBox 4"/>
-          <p:cNvSpPr txBox="1"/>
-          <p:nvPr/>
-        </p:nvSpPr>
-        <p:spPr>
-          <a:xfrm>
-            <a:off x="2965449" y="1841182"/>
-            <a:ext cx="1624172" cy="246221"/>
-          </a:xfrm>
-          <a:prstGeom prst="rect">
-            <a:avLst/>
-          </a:prstGeom>
-          <a:noFill/>
-        </p:spPr>
-        <p:txBody>
-          <a:bodyPr wrap="square" rtlCol="0">
-            <a:spAutoFit/>
-          </a:bodyPr>
-          <a:lstStyle/>
-          <a:p>
-            <a:r>
-              <a:rPr lang="en-US" sz="1000" dirty="0" smtClean="0"/>
-              <a:t>Enter the name a drug…</a:t>
-            </a:r>
-            <a:endParaRPr lang="en-US" sz="1000" dirty="0"/>
-          </a:p>
-        </p:txBody>
-      </p:sp>
-      <p:sp>
-        <p:nvSpPr>
-          <p:cNvPr id="18" name="Rounded Rectangle 17"/>
-          <p:cNvSpPr/>
-          <p:nvPr/>
-        </p:nvSpPr>
-        <p:spPr bwMode="auto">
-          <a:xfrm>
-            <a:off x="4589621" y="1862852"/>
-            <a:ext cx="677704" cy="224551"/>
-          </a:xfrm>
-          <a:prstGeom prst="roundRect">
-            <a:avLst/>
-          </a:prstGeom>
-          <a:solidFill>
-            <a:schemeClr val="accent3">
-              <a:lumMod val="85000"/>
-            </a:schemeClr>
-          </a:solidFill>
-          <a:ln w="9525" cap="flat" cmpd="sng" algn="ctr">
-            <a:solidFill>
-              <a:schemeClr val="tx1"/>
-            </a:solidFill>
-            <a:prstDash val="solid"/>
-            <a:round/>
-            <a:headEnd type="none" w="med" len="med"/>
-            <a:tailEnd type="none" w="med" len="med"/>
-          </a:ln>
-          <a:effectLst/>
-        </p:spPr>
-        <p:txBody>
-          <a:bodyPr vert="horz" wrap="square" lIns="91440" tIns="45720" rIns="91440" bIns="45720" numCol="1" rtlCol="0" anchor="t" anchorCtr="0" compatLnSpc="1">
-            <a:prstTxWarp prst="textNoShape">
-              <a:avLst/>
-            </a:prstTxWarp>
-          </a:bodyPr>
-          <a:lstStyle/>
-          <a:p>
-            <a:pPr marL="0" marR="0" indent="0" algn="ctr" defTabSz="914400" rtl="0" eaLnBrk="0" fontAlgn="base" latinLnBrk="0" hangingPunct="0">
-              <a:lnSpc>
-                <a:spcPct val="100000"/>
-              </a:lnSpc>
-              <a:spcBef>
-                <a:spcPct val="0"/>
-              </a:spcBef>
-              <a:spcAft>
-                <a:spcPct val="0"/>
-              </a:spcAft>
-              <a:buClrTx/>
-              <a:buSzTx/>
-              <a:buFontTx/>
-              <a:buNone/>
-              <a:tabLst/>
-            </a:pPr>
-            <a:r>
-              <a:rPr kumimoji="0" lang="en-US" sz="1000" b="0" i="0" u="none" strike="noStrike" cap="none" normalizeH="0" baseline="0" dirty="0" smtClean="0">
-                <a:ln>
-                  <a:noFill/>
-                </a:ln>
-                <a:solidFill>
-                  <a:schemeClr val="tx1"/>
-                </a:solidFill>
-                <a:effectLst/>
-                <a:latin typeface="Arial" charset="0"/>
-                <a:ea typeface="ＭＳ Ｐゴシック" pitchFamily="-60" charset="-128"/>
-              </a:rPr>
-              <a:t>Search</a:t>
-            </a:r>
-            <a:endParaRPr kumimoji="0" lang="en-US" sz="1000" b="0" i="0" u="none" strike="noStrike" cap="none" normalizeH="0" baseline="0" dirty="0" smtClean="0">
-              <a:ln>
-                <a:noFill/>
-              </a:ln>
-              <a:solidFill>
-                <a:schemeClr val="tx1"/>
-              </a:solidFill>
-              <a:effectLst/>
-              <a:latin typeface="Arial" charset="0"/>
-              <a:ea typeface="ＭＳ Ｐゴシック" pitchFamily="-60" charset="-128"/>
-            </a:endParaRPr>
-          </a:p>
-        </p:txBody>
-      </p:sp>
-      <p:sp>
-        <p:nvSpPr>
-          <p:cNvPr id="3" name="Rounded Rectangle 2"/>
-          <p:cNvSpPr/>
-          <p:nvPr/>
-        </p:nvSpPr>
-        <p:spPr bwMode="auto">
-          <a:xfrm>
-            <a:off x="4143375" y="2733674"/>
+            <a:off x="2965449" y="1832014"/>
             <a:ext cx="752475" cy="732709"/>
-          </a:xfrm>
-          <a:prstGeom prst="roundRect">
-            <a:avLst/>
-          </a:prstGeom>
-          <a:solidFill>
-            <a:srgbClr val="92D050"/>
-          </a:solidFill>
-          <a:ln w="9525" cap="flat" cmpd="sng" algn="ctr">
-            <a:solidFill>
-              <a:schemeClr val="tx1"/>
-            </a:solidFill>
-            <a:prstDash val="solid"/>
-            <a:round/>
-            <a:headEnd type="none" w="med" len="med"/>
-            <a:tailEnd type="none" w="med" len="med"/>
-          </a:ln>
-          <a:effectLst/>
-        </p:spPr>
-        <p:txBody>
-          <a:bodyPr vert="horz" wrap="square" lIns="91440" tIns="45720" rIns="91440" bIns="45720" numCol="1" rtlCol="0" anchor="t" anchorCtr="0" compatLnSpc="1">
-            <a:prstTxWarp prst="textNoShape">
-              <a:avLst/>
-            </a:prstTxWarp>
-          </a:bodyPr>
-          <a:lstStyle/>
-          <a:p>
-            <a:pPr marL="0" marR="0" indent="0" algn="l" defTabSz="914400" rtl="0" eaLnBrk="0" fontAlgn="base" latinLnBrk="0" hangingPunct="0">
-              <a:lnSpc>
-                <a:spcPct val="150000"/>
-              </a:lnSpc>
-              <a:spcBef>
-                <a:spcPct val="0"/>
-              </a:spcBef>
-              <a:spcAft>
-                <a:spcPct val="0"/>
-              </a:spcAft>
-              <a:buClrTx/>
-              <a:buSzTx/>
-              <a:buFontTx/>
-              <a:buNone/>
-              <a:tabLst/>
-            </a:pPr>
-            <a:r>
-              <a:rPr kumimoji="0" lang="en-US" sz="800" b="0" i="0" u="none" strike="noStrike" cap="none" normalizeH="0" baseline="0" dirty="0" smtClean="0">
-                <a:ln>
-                  <a:noFill/>
-                </a:ln>
-                <a:solidFill>
-                  <a:schemeClr val="tx1"/>
-                </a:solidFill>
-                <a:effectLst/>
-                <a:latin typeface="Arial" charset="0"/>
-                <a:ea typeface="ＭＳ Ｐゴシック" pitchFamily="-60" charset="-128"/>
-              </a:rPr>
-              <a:t>&lt;Image of drug here from </a:t>
-            </a:r>
-            <a:r>
-              <a:rPr kumimoji="0" lang="en-US" sz="800" b="0" i="0" u="none" strike="noStrike" cap="none" normalizeH="0" baseline="0" dirty="0" err="1" smtClean="0">
-                <a:ln>
-                  <a:noFill/>
-                </a:ln>
-                <a:solidFill>
-                  <a:schemeClr val="tx1"/>
-                </a:solidFill>
-                <a:effectLst/>
-                <a:latin typeface="Arial" charset="0"/>
-                <a:ea typeface="ＭＳ Ｐゴシック" pitchFamily="-60" charset="-128"/>
-              </a:rPr>
-              <a:t>NiH</a:t>
-            </a:r>
-            <a:r>
-              <a:rPr kumimoji="0" lang="en-US" sz="800" b="0" i="0" u="none" strike="noStrike" cap="none" normalizeH="0" baseline="0" dirty="0" smtClean="0">
-                <a:ln>
-                  <a:noFill/>
-                </a:ln>
-                <a:solidFill>
-                  <a:schemeClr val="tx1"/>
-                </a:solidFill>
-                <a:effectLst/>
-                <a:latin typeface="Arial" charset="0"/>
-                <a:ea typeface="ＭＳ Ｐゴシック" pitchFamily="-60" charset="-128"/>
-              </a:rPr>
-              <a:t>&gt;</a:t>
-            </a:r>
-            <a:endParaRPr kumimoji="0" lang="en-US" sz="800" b="0" i="0" u="none" strike="noStrike" cap="none" normalizeH="0" baseline="0" dirty="0" smtClean="0">
-              <a:ln>
-                <a:noFill/>
-              </a:ln>
-              <a:solidFill>
-                <a:schemeClr val="tx1"/>
-              </a:solidFill>
-              <a:effectLst/>
-              <a:latin typeface="Arial" charset="0"/>
-              <a:ea typeface="ＭＳ Ｐゴシック" pitchFamily="-60" charset="-128"/>
-            </a:endParaRPr>
-          </a:p>
-        </p:txBody>
-      </p:sp>
-      <p:sp>
-        <p:nvSpPr>
-          <p:cNvPr id="19" name="TextBox 18"/>
-          <p:cNvSpPr txBox="1"/>
-          <p:nvPr/>
-        </p:nvSpPr>
-        <p:spPr>
-          <a:xfrm>
-            <a:off x="3314700" y="3875186"/>
-            <a:ext cx="2209800" cy="307777"/>
-          </a:xfrm>
-          <a:prstGeom prst="rect">
-            <a:avLst/>
-          </a:prstGeom>
-          <a:noFill/>
-        </p:spPr>
-        <p:txBody>
-          <a:bodyPr wrap="square" rtlCol="0">
-            <a:spAutoFit/>
-          </a:bodyPr>
-          <a:lstStyle/>
-          <a:p>
-            <a:r>
-              <a:rPr lang="en-US" sz="1400" u="sng" dirty="0" smtClean="0"/>
-              <a:t>Additional information</a:t>
-            </a:r>
-            <a:endParaRPr lang="en-US" sz="1400" u="sng" dirty="0"/>
-          </a:p>
-        </p:txBody>
-      </p:sp>
-      <p:sp>
-        <p:nvSpPr>
-          <p:cNvPr id="20" name="Rectangle 19"/>
-          <p:cNvSpPr/>
-          <p:nvPr/>
-        </p:nvSpPr>
-        <p:spPr bwMode="auto">
-          <a:xfrm>
-            <a:off x="3032124" y="4182963"/>
-            <a:ext cx="2819400" cy="1608237"/>
           </a:xfrm>
           <a:prstGeom prst="rect">
             <a:avLst/>
           </a:prstGeom>
           <a:solidFill>
-            <a:schemeClr val="bg1"/>
+            <a:schemeClr val="accent1"/>
           </a:solidFill>
           <a:ln w="9525" cap="flat" cmpd="sng" algn="ctr">
             <a:solidFill>
@@ -6569,102 +6590,6 @@
               <a:buNone/>
               <a:tabLst/>
             </a:pPr>
-            <a:endParaRPr kumimoji="0" lang="en-US" sz="2400" b="0" i="0" u="none" strike="noStrike" cap="none" normalizeH="0" baseline="0" smtClean="0">
-              <a:ln>
-                <a:noFill/>
-              </a:ln>
-              <a:solidFill>
-                <a:schemeClr val="tx1"/>
-              </a:solidFill>
-              <a:effectLst/>
-              <a:latin typeface="Arial" charset="0"/>
-              <a:ea typeface="ＭＳ Ｐゴシック" pitchFamily="-60" charset="-128"/>
-            </a:endParaRPr>
-          </a:p>
-        </p:txBody>
-      </p:sp>
-      <p:sp>
-        <p:nvSpPr>
-          <p:cNvPr id="22" name="TextBox 21"/>
-          <p:cNvSpPr txBox="1"/>
-          <p:nvPr/>
-        </p:nvSpPr>
-        <p:spPr>
-          <a:xfrm>
-            <a:off x="3276600" y="4343400"/>
-            <a:ext cx="1990725" cy="707886"/>
-          </a:xfrm>
-          <a:prstGeom prst="rect">
-            <a:avLst/>
-          </a:prstGeom>
-          <a:noFill/>
-        </p:spPr>
-        <p:txBody>
-          <a:bodyPr wrap="square" rtlCol="0">
-            <a:spAutoFit/>
-          </a:bodyPr>
-          <a:lstStyle/>
-          <a:p>
-            <a:r>
-              <a:rPr lang="en-US" sz="1000" dirty="0" smtClean="0"/>
-              <a:t>Hyperlinks to Google search results here for “&lt;drug name&gt; + recall” and &lt;drug manufacturer&gt; + recall”.</a:t>
-            </a:r>
-            <a:endParaRPr lang="en-US" sz="1000" dirty="0"/>
-          </a:p>
-        </p:txBody>
-      </p:sp>
-      <p:sp>
-        <p:nvSpPr>
-          <p:cNvPr id="23" name="Rectangle 22"/>
-          <p:cNvSpPr/>
-          <p:nvPr/>
-        </p:nvSpPr>
-        <p:spPr bwMode="auto">
-          <a:xfrm>
-            <a:off x="2965449" y="2733673"/>
-            <a:ext cx="752475" cy="732709"/>
-          </a:xfrm>
-          <a:prstGeom prst="rect">
-            <a:avLst/>
-          </a:prstGeom>
-          <a:solidFill>
-            <a:schemeClr val="accent1"/>
-          </a:solidFill>
-          <a:ln w="9525" cap="flat" cmpd="sng" algn="ctr">
-            <a:solidFill>
-              <a:schemeClr val="tx1"/>
-            </a:solidFill>
-            <a:prstDash val="solid"/>
-            <a:round/>
-            <a:headEnd type="none" w="med" len="med"/>
-            <a:tailEnd type="none" w="med" len="med"/>
-          </a:ln>
-          <a:effectLst/>
-        </p:spPr>
-        <p:txBody>
-          <a:bodyPr vert="horz" wrap="square" lIns="91440" tIns="45720" rIns="91440" bIns="45720" numCol="1" rtlCol="0" anchor="t" anchorCtr="0" compatLnSpc="1">
-            <a:prstTxWarp prst="textNoShape">
-              <a:avLst/>
-            </a:prstTxWarp>
-          </a:bodyPr>
-          <a:lstStyle/>
-          <a:p>
-            <a:pPr marL="0" marR="0" indent="0" algn="l" defTabSz="914400" rtl="0" eaLnBrk="0" fontAlgn="base" latinLnBrk="0" hangingPunct="0">
-              <a:lnSpc>
-                <a:spcPct val="100000"/>
-              </a:lnSpc>
-              <a:spcBef>
-                <a:spcPct val="0"/>
-              </a:spcBef>
-              <a:spcAft>
-                <a:spcPct val="0"/>
-              </a:spcAft>
-              <a:buClrTx/>
-              <a:buSzTx/>
-              <a:buFontTx/>
-              <a:buNone/>
-              <a:tabLst/>
-            </a:pPr>
             <a:r>
               <a:rPr kumimoji="0" lang="en-US" sz="1000" b="0" i="0" u="none" strike="noStrike" cap="none" normalizeH="0" baseline="0" dirty="0" smtClean="0">
                 <a:ln>
@@ -6679,17 +6604,6 @@
               </a:rPr>
               <a:t>Drug details here from FDA</a:t>
             </a:r>
-            <a:endParaRPr kumimoji="0" lang="en-US" sz="1000" b="0" i="0" u="none" strike="noStrike" cap="none" normalizeH="0" baseline="0" dirty="0" smtClean="0">
-              <a:ln>
-                <a:noFill/>
-              </a:ln>
-              <a:solidFill>
-                <a:schemeClr val="tx1"/>
-              </a:solidFill>
-              <a:effectLst/>
-              <a:latin typeface="Arial" charset="0"/>
-              <a:ea typeface="ＭＳ Ｐゴシック" pitchFamily="-60" charset="-128"/>
-            </a:endParaRPr>
           </a:p>
         </p:txBody>
       </p:sp>
@@ -6710,6 +6624,1198 @@
       </p:par>
     </p:tnLst>
   </p:timing>
+</p:sld>
+</file>
+
+<file path=ppt/slides/slide5.xml><?xml version="1.0" encoding="utf-8"?>
+<p:sld xmlns:a="http://schemas.openxmlformats.org/drawingml/2006/main" xmlns:r="http://schemas.openxmlformats.org/officeDocument/2006/relationships" xmlns:p="http://schemas.openxmlformats.org/presentationml/2006/main">
+  <p:cSld>
+    <p:spTree>
+      <p:nvGrpSpPr>
+        <p:cNvPr id="1" name=""/>
+        <p:cNvGrpSpPr/>
+        <p:nvPr/>
+      </p:nvGrpSpPr>
+      <p:grpSpPr>
+        <a:xfrm>
+          <a:off x="0" y="0"/>
+          <a:ext cx="0" cy="0"/>
+          <a:chOff x="0" y="0"/>
+          <a:chExt cx="0" cy="0"/>
+        </a:xfrm>
+      </p:grpSpPr>
+      <p:sp>
+        <p:nvSpPr>
+          <p:cNvPr id="6" name="TextBox 5"/>
+          <p:cNvSpPr txBox="1"/>
+          <p:nvPr/>
+        </p:nvSpPr>
+        <p:spPr>
+          <a:xfrm>
+            <a:off x="-271388" y="641619"/>
+            <a:ext cx="1958090" cy="400110"/>
+          </a:xfrm>
+          <a:prstGeom prst="rect">
+            <a:avLst/>
+          </a:prstGeom>
+          <a:noFill/>
+        </p:spPr>
+        <p:txBody>
+          <a:bodyPr wrap="square" rtlCol="0">
+            <a:spAutoFit/>
+          </a:bodyPr>
+          <a:lstStyle/>
+          <a:p>
+            <a:pPr algn="r"/>
+            <a:r>
+              <a:rPr lang="en-US" sz="2000" b="1" dirty="0" smtClean="0"/>
+              <a:t>Logos:</a:t>
+            </a:r>
+            <a:endParaRPr lang="en-US" sz="2000" b="1" dirty="0"/>
+          </a:p>
+        </p:txBody>
+      </p:sp>
+      <p:sp>
+        <p:nvSpPr>
+          <p:cNvPr id="7" name="TextBox 6"/>
+          <p:cNvSpPr txBox="1"/>
+          <p:nvPr/>
+        </p:nvSpPr>
+        <p:spPr>
+          <a:xfrm>
+            <a:off x="91440" y="2447633"/>
+            <a:ext cx="1610336" cy="1015663"/>
+          </a:xfrm>
+          <a:prstGeom prst="rect">
+            <a:avLst/>
+          </a:prstGeom>
+          <a:noFill/>
+        </p:spPr>
+        <p:txBody>
+          <a:bodyPr wrap="square" rtlCol="0">
+            <a:spAutoFit/>
+          </a:bodyPr>
+          <a:lstStyle/>
+          <a:p>
+            <a:pPr algn="r"/>
+            <a:r>
+              <a:rPr lang="en-US" sz="2000" b="1" dirty="0" smtClean="0"/>
+              <a:t>Background and Fill Colors:</a:t>
+            </a:r>
+            <a:endParaRPr lang="en-US" sz="2000" b="1" dirty="0"/>
+          </a:p>
+        </p:txBody>
+      </p:sp>
+      <p:sp>
+        <p:nvSpPr>
+          <p:cNvPr id="9" name="Rectangle 8"/>
+          <p:cNvSpPr/>
+          <p:nvPr/>
+        </p:nvSpPr>
+        <p:spPr>
+          <a:xfrm>
+            <a:off x="1833302" y="2512627"/>
+            <a:ext cx="548640" cy="731520"/>
+          </a:xfrm>
+          <a:prstGeom prst="rect">
+            <a:avLst/>
+          </a:prstGeom>
+          <a:solidFill>
+            <a:srgbClr val="797A7E"/>
+          </a:solidFill>
+          <a:ln>
+            <a:noFill/>
+          </a:ln>
+        </p:spPr>
+        <p:style>
+          <a:lnRef idx="2">
+            <a:schemeClr val="accent1">
+              <a:shade val="50000"/>
+            </a:schemeClr>
+          </a:lnRef>
+          <a:fillRef idx="1">
+            <a:schemeClr val="accent1"/>
+          </a:fillRef>
+          <a:effectRef idx="0">
+            <a:schemeClr val="accent1"/>
+          </a:effectRef>
+          <a:fontRef idx="minor">
+            <a:schemeClr val="lt1"/>
+          </a:fontRef>
+        </p:style>
+        <p:txBody>
+          <a:bodyPr rtlCol="0" anchor="ctr"/>
+          <a:lstStyle/>
+          <a:p>
+            <a:pPr algn="ctr"/>
+            <a:endParaRPr lang="en-US"/>
+          </a:p>
+        </p:txBody>
+      </p:sp>
+      <p:sp>
+        <p:nvSpPr>
+          <p:cNvPr id="11" name="Rectangle 10"/>
+          <p:cNvSpPr/>
+          <p:nvPr/>
+        </p:nvSpPr>
+        <p:spPr>
+          <a:xfrm>
+            <a:off x="1825765" y="5249814"/>
+            <a:ext cx="548640" cy="731520"/>
+          </a:xfrm>
+          <a:prstGeom prst="rect">
+            <a:avLst/>
+          </a:prstGeom>
+          <a:solidFill>
+            <a:srgbClr val="1188FF"/>
+          </a:solidFill>
+          <a:ln>
+            <a:noFill/>
+          </a:ln>
+        </p:spPr>
+        <p:style>
+          <a:lnRef idx="2">
+            <a:schemeClr val="accent1">
+              <a:shade val="50000"/>
+            </a:schemeClr>
+          </a:lnRef>
+          <a:fillRef idx="1">
+            <a:schemeClr val="accent1"/>
+          </a:fillRef>
+          <a:effectRef idx="0">
+            <a:schemeClr val="accent1"/>
+          </a:effectRef>
+          <a:fontRef idx="minor">
+            <a:schemeClr val="lt1"/>
+          </a:fontRef>
+        </p:style>
+        <p:txBody>
+          <a:bodyPr rtlCol="0" anchor="ctr"/>
+          <a:lstStyle/>
+          <a:p>
+            <a:pPr algn="ctr"/>
+            <a:endParaRPr lang="en-US"/>
+          </a:p>
+        </p:txBody>
+      </p:sp>
+      <p:sp>
+        <p:nvSpPr>
+          <p:cNvPr id="12" name="Rectangle 11"/>
+          <p:cNvSpPr/>
+          <p:nvPr/>
+        </p:nvSpPr>
+        <p:spPr>
+          <a:xfrm>
+            <a:off x="2511565" y="4338654"/>
+            <a:ext cx="548640" cy="731520"/>
+          </a:xfrm>
+          <a:prstGeom prst="rect">
+            <a:avLst/>
+          </a:prstGeom>
+          <a:solidFill>
+            <a:srgbClr val="B51845"/>
+          </a:solidFill>
+          <a:ln>
+            <a:noFill/>
+          </a:ln>
+        </p:spPr>
+        <p:style>
+          <a:lnRef idx="2">
+            <a:schemeClr val="accent1">
+              <a:shade val="50000"/>
+            </a:schemeClr>
+          </a:lnRef>
+          <a:fillRef idx="1">
+            <a:schemeClr val="accent1"/>
+          </a:fillRef>
+          <a:effectRef idx="0">
+            <a:schemeClr val="accent1"/>
+          </a:effectRef>
+          <a:fontRef idx="minor">
+            <a:schemeClr val="lt1"/>
+          </a:fontRef>
+        </p:style>
+        <p:txBody>
+          <a:bodyPr rtlCol="0" anchor="ctr"/>
+          <a:lstStyle/>
+          <a:p>
+            <a:pPr algn="ctr"/>
+            <a:endParaRPr lang="en-US"/>
+          </a:p>
+        </p:txBody>
+      </p:sp>
+      <p:sp>
+        <p:nvSpPr>
+          <p:cNvPr id="14" name="TextBox 13"/>
+          <p:cNvSpPr txBox="1"/>
+          <p:nvPr/>
+        </p:nvSpPr>
+        <p:spPr>
+          <a:xfrm>
+            <a:off x="-249650" y="3393144"/>
+            <a:ext cx="1951426" cy="400110"/>
+          </a:xfrm>
+          <a:prstGeom prst="rect">
+            <a:avLst/>
+          </a:prstGeom>
+          <a:noFill/>
+        </p:spPr>
+        <p:txBody>
+          <a:bodyPr wrap="square" rtlCol="0">
+            <a:spAutoFit/>
+          </a:bodyPr>
+          <a:lstStyle/>
+          <a:p>
+            <a:pPr algn="r"/>
+            <a:r>
+              <a:rPr lang="en-US" sz="2000" b="1" dirty="0" smtClean="0"/>
+              <a:t>Font:</a:t>
+            </a:r>
+            <a:endParaRPr lang="en-US" sz="2000" b="1" dirty="0"/>
+          </a:p>
+        </p:txBody>
+      </p:sp>
+      <p:sp>
+        <p:nvSpPr>
+          <p:cNvPr id="15" name="TextBox 14"/>
+          <p:cNvSpPr txBox="1"/>
+          <p:nvPr/>
+        </p:nvSpPr>
+        <p:spPr>
+          <a:xfrm>
+            <a:off x="-226172" y="4338654"/>
+            <a:ext cx="1912874" cy="707886"/>
+          </a:xfrm>
+          <a:prstGeom prst="rect">
+            <a:avLst/>
+          </a:prstGeom>
+          <a:noFill/>
+        </p:spPr>
+        <p:txBody>
+          <a:bodyPr wrap="square" rtlCol="0">
+            <a:spAutoFit/>
+          </a:bodyPr>
+          <a:lstStyle/>
+          <a:p>
+            <a:pPr algn="r"/>
+            <a:r>
+              <a:rPr lang="en-US" sz="2000" b="1" dirty="0" smtClean="0"/>
+              <a:t>Accent Colors:</a:t>
+            </a:r>
+            <a:endParaRPr lang="en-US" sz="2000" b="1" dirty="0"/>
+          </a:p>
+        </p:txBody>
+      </p:sp>
+      <p:sp>
+        <p:nvSpPr>
+          <p:cNvPr id="16" name="Rectangle 15"/>
+          <p:cNvSpPr/>
+          <p:nvPr/>
+        </p:nvSpPr>
+        <p:spPr>
+          <a:xfrm>
+            <a:off x="3893629" y="2524595"/>
+            <a:ext cx="548640" cy="731520"/>
+          </a:xfrm>
+          <a:prstGeom prst="rect">
+            <a:avLst/>
+          </a:prstGeom>
+          <a:noFill/>
+          <a:ln>
+            <a:solidFill>
+              <a:schemeClr val="tx1"/>
+            </a:solidFill>
+          </a:ln>
+        </p:spPr>
+        <p:style>
+          <a:lnRef idx="2">
+            <a:schemeClr val="accent1">
+              <a:shade val="50000"/>
+            </a:schemeClr>
+          </a:lnRef>
+          <a:fillRef idx="1">
+            <a:schemeClr val="accent1"/>
+          </a:fillRef>
+          <a:effectRef idx="0">
+            <a:schemeClr val="accent1"/>
+          </a:effectRef>
+          <a:fontRef idx="minor">
+            <a:schemeClr val="lt1"/>
+          </a:fontRef>
+        </p:style>
+        <p:txBody>
+          <a:bodyPr rtlCol="0" anchor="ctr"/>
+          <a:lstStyle/>
+          <a:p>
+            <a:pPr algn="ctr"/>
+            <a:endParaRPr lang="en-US"/>
+          </a:p>
+        </p:txBody>
+      </p:sp>
+      <p:sp>
+        <p:nvSpPr>
+          <p:cNvPr id="17" name="Rectangle 16"/>
+          <p:cNvSpPr/>
+          <p:nvPr/>
+        </p:nvSpPr>
+        <p:spPr>
+          <a:xfrm>
+            <a:off x="1833749" y="3427494"/>
+            <a:ext cx="548640" cy="731520"/>
+          </a:xfrm>
+          <a:prstGeom prst="rect">
+            <a:avLst/>
+          </a:prstGeom>
+          <a:solidFill>
+            <a:schemeClr val="tx1"/>
+          </a:solidFill>
+          <a:ln>
+            <a:noFill/>
+          </a:ln>
+        </p:spPr>
+        <p:style>
+          <a:lnRef idx="2">
+            <a:schemeClr val="accent1">
+              <a:shade val="50000"/>
+            </a:schemeClr>
+          </a:lnRef>
+          <a:fillRef idx="1">
+            <a:schemeClr val="accent1"/>
+          </a:fillRef>
+          <a:effectRef idx="0">
+            <a:schemeClr val="accent1"/>
+          </a:effectRef>
+          <a:fontRef idx="minor">
+            <a:schemeClr val="lt1"/>
+          </a:fontRef>
+        </p:style>
+        <p:txBody>
+          <a:bodyPr rtlCol="0" anchor="ctr"/>
+          <a:lstStyle/>
+          <a:p>
+            <a:pPr algn="ctr"/>
+            <a:endParaRPr lang="en-US"/>
+          </a:p>
+        </p:txBody>
+      </p:sp>
+      <p:sp>
+        <p:nvSpPr>
+          <p:cNvPr id="19" name="Rectangle 18"/>
+          <p:cNvSpPr/>
+          <p:nvPr/>
+        </p:nvSpPr>
+        <p:spPr>
+          <a:xfrm>
+            <a:off x="3197365" y="2524595"/>
+            <a:ext cx="548640" cy="731520"/>
+          </a:xfrm>
+          <a:prstGeom prst="rect">
+            <a:avLst/>
+          </a:prstGeom>
+          <a:solidFill>
+            <a:srgbClr val="DDDEDF"/>
+          </a:solidFill>
+          <a:ln>
+            <a:noFill/>
+          </a:ln>
+        </p:spPr>
+        <p:style>
+          <a:lnRef idx="2">
+            <a:schemeClr val="accent1">
+              <a:shade val="50000"/>
+            </a:schemeClr>
+          </a:lnRef>
+          <a:fillRef idx="1">
+            <a:schemeClr val="accent1"/>
+          </a:fillRef>
+          <a:effectRef idx="0">
+            <a:schemeClr val="accent1"/>
+          </a:effectRef>
+          <a:fontRef idx="minor">
+            <a:schemeClr val="lt1"/>
+          </a:fontRef>
+        </p:style>
+        <p:txBody>
+          <a:bodyPr rtlCol="0" anchor="ctr"/>
+          <a:lstStyle/>
+          <a:p>
+            <a:pPr algn="ctr"/>
+            <a:endParaRPr lang="en-US"/>
+          </a:p>
+        </p:txBody>
+      </p:sp>
+      <p:sp>
+        <p:nvSpPr>
+          <p:cNvPr id="22" name="Rectangle 21"/>
+          <p:cNvSpPr/>
+          <p:nvPr/>
+        </p:nvSpPr>
+        <p:spPr>
+          <a:xfrm>
+            <a:off x="1825765" y="4338654"/>
+            <a:ext cx="548640" cy="731520"/>
+          </a:xfrm>
+          <a:prstGeom prst="rect">
+            <a:avLst/>
+          </a:prstGeom>
+          <a:solidFill>
+            <a:srgbClr val="D15600"/>
+          </a:solidFill>
+          <a:ln>
+            <a:noFill/>
+          </a:ln>
+        </p:spPr>
+        <p:style>
+          <a:lnRef idx="2">
+            <a:schemeClr val="accent1">
+              <a:shade val="50000"/>
+            </a:schemeClr>
+          </a:lnRef>
+          <a:fillRef idx="1">
+            <a:schemeClr val="accent1"/>
+          </a:fillRef>
+          <a:effectRef idx="0">
+            <a:schemeClr val="accent1"/>
+          </a:effectRef>
+          <a:fontRef idx="minor">
+            <a:schemeClr val="lt1"/>
+          </a:fontRef>
+        </p:style>
+        <p:txBody>
+          <a:bodyPr rtlCol="0" anchor="ctr"/>
+          <a:lstStyle/>
+          <a:p>
+            <a:pPr algn="ctr"/>
+            <a:endParaRPr lang="en-US"/>
+          </a:p>
+        </p:txBody>
+      </p:sp>
+      <p:sp>
+        <p:nvSpPr>
+          <p:cNvPr id="27" name="Rectangle 26"/>
+          <p:cNvSpPr/>
+          <p:nvPr/>
+        </p:nvSpPr>
+        <p:spPr>
+          <a:xfrm>
+            <a:off x="2511565" y="2524595"/>
+            <a:ext cx="548640" cy="731520"/>
+          </a:xfrm>
+          <a:prstGeom prst="rect">
+            <a:avLst/>
+          </a:prstGeom>
+          <a:solidFill>
+            <a:srgbClr val="BCBCBE"/>
+          </a:solidFill>
+          <a:ln>
+            <a:noFill/>
+          </a:ln>
+        </p:spPr>
+        <p:style>
+          <a:lnRef idx="2">
+            <a:schemeClr val="accent1">
+              <a:shade val="50000"/>
+            </a:schemeClr>
+          </a:lnRef>
+          <a:fillRef idx="1">
+            <a:schemeClr val="accent1"/>
+          </a:fillRef>
+          <a:effectRef idx="0">
+            <a:schemeClr val="accent1"/>
+          </a:effectRef>
+          <a:fontRef idx="minor">
+            <a:schemeClr val="lt1"/>
+          </a:fontRef>
+        </p:style>
+        <p:txBody>
+          <a:bodyPr rtlCol="0" anchor="ctr"/>
+          <a:lstStyle/>
+          <a:p>
+            <a:pPr algn="ctr"/>
+            <a:endParaRPr lang="en-US"/>
+          </a:p>
+        </p:txBody>
+      </p:sp>
+      <p:sp>
+        <p:nvSpPr>
+          <p:cNvPr id="28" name="TextBox 27"/>
+          <p:cNvSpPr txBox="1"/>
+          <p:nvPr/>
+        </p:nvSpPr>
+        <p:spPr>
+          <a:xfrm>
+            <a:off x="-226172" y="5215464"/>
+            <a:ext cx="1912874" cy="707886"/>
+          </a:xfrm>
+          <a:prstGeom prst="rect">
+            <a:avLst/>
+          </a:prstGeom>
+          <a:noFill/>
+        </p:spPr>
+        <p:txBody>
+          <a:bodyPr wrap="square" rtlCol="0">
+            <a:spAutoFit/>
+          </a:bodyPr>
+          <a:lstStyle/>
+          <a:p>
+            <a:pPr algn="r"/>
+            <a:r>
+              <a:rPr lang="en-US" sz="2000" b="1" dirty="0" smtClean="0"/>
+              <a:t>18F Logo Color:</a:t>
+            </a:r>
+            <a:endParaRPr lang="en-US" sz="2000" b="1" dirty="0"/>
+          </a:p>
+        </p:txBody>
+      </p:sp>
+      <p:sp>
+        <p:nvSpPr>
+          <p:cNvPr id="29" name="TextBox 28"/>
+          <p:cNvSpPr txBox="1"/>
+          <p:nvPr/>
+        </p:nvSpPr>
+        <p:spPr>
+          <a:xfrm>
+            <a:off x="5966460" y="2536055"/>
+            <a:ext cx="2468880" cy="461665"/>
+          </a:xfrm>
+          <a:prstGeom prst="rect">
+            <a:avLst/>
+          </a:prstGeom>
+          <a:noFill/>
+        </p:spPr>
+        <p:txBody>
+          <a:bodyPr wrap="square" rtlCol="0">
+            <a:spAutoFit/>
+          </a:bodyPr>
+          <a:lstStyle/>
+          <a:p>
+            <a:r>
+              <a:rPr lang="en-US" sz="1200" dirty="0" smtClean="0">
+                <a:latin typeface="Arial" panose="020B0604020202020204" pitchFamily="34" charset="0"/>
+                <a:cs typeface="Arial" panose="020B0604020202020204" pitchFamily="34" charset="0"/>
+              </a:rPr>
+              <a:t>Body Text – Arial/Sans Serif, 12 </a:t>
+            </a:r>
+            <a:r>
+              <a:rPr lang="en-US" sz="1200" dirty="0" err="1" smtClean="0">
+                <a:latin typeface="Arial" panose="020B0604020202020204" pitchFamily="34" charset="0"/>
+                <a:cs typeface="Arial" panose="020B0604020202020204" pitchFamily="34" charset="0"/>
+              </a:rPr>
+              <a:t>pt</a:t>
+            </a:r>
+            <a:endParaRPr lang="en-US" sz="1200" dirty="0">
+              <a:latin typeface="Arial" panose="020B0604020202020204" pitchFamily="34" charset="0"/>
+              <a:cs typeface="Arial" panose="020B0604020202020204" pitchFamily="34" charset="0"/>
+            </a:endParaRPr>
+          </a:p>
+        </p:txBody>
+      </p:sp>
+      <p:sp>
+        <p:nvSpPr>
+          <p:cNvPr id="30" name="TextBox 29"/>
+          <p:cNvSpPr txBox="1"/>
+          <p:nvPr/>
+        </p:nvSpPr>
+        <p:spPr>
+          <a:xfrm>
+            <a:off x="5966460" y="3155519"/>
+            <a:ext cx="2948940" cy="584775"/>
+          </a:xfrm>
+          <a:prstGeom prst="rect">
+            <a:avLst/>
+          </a:prstGeom>
+          <a:noFill/>
+        </p:spPr>
+        <p:txBody>
+          <a:bodyPr wrap="square" rtlCol="0">
+            <a:spAutoFit/>
+          </a:bodyPr>
+          <a:lstStyle/>
+          <a:p>
+            <a:r>
+              <a:rPr lang="en-US" sz="1600" b="1" dirty="0" smtClean="0">
+                <a:latin typeface="Arial" panose="020B0604020202020204" pitchFamily="34" charset="0"/>
+                <a:cs typeface="Arial" panose="020B0604020202020204" pitchFamily="34" charset="0"/>
+              </a:rPr>
+              <a:t>Heading – Arial/Sans Serif Bold 16 </a:t>
+            </a:r>
+            <a:r>
+              <a:rPr lang="en-US" sz="1600" b="1" dirty="0" err="1" smtClean="0">
+                <a:latin typeface="Arial" panose="020B0604020202020204" pitchFamily="34" charset="0"/>
+                <a:cs typeface="Arial" panose="020B0604020202020204" pitchFamily="34" charset="0"/>
+              </a:rPr>
+              <a:t>pt</a:t>
+            </a:r>
+            <a:endParaRPr lang="en-US" sz="1600" b="1" dirty="0">
+              <a:latin typeface="Arial" panose="020B0604020202020204" pitchFamily="34" charset="0"/>
+              <a:cs typeface="Arial" panose="020B0604020202020204" pitchFamily="34" charset="0"/>
+            </a:endParaRPr>
+          </a:p>
+        </p:txBody>
+      </p:sp>
+      <p:sp>
+        <p:nvSpPr>
+          <p:cNvPr id="31" name="TextBox 30"/>
+          <p:cNvSpPr txBox="1"/>
+          <p:nvPr/>
+        </p:nvSpPr>
+        <p:spPr>
+          <a:xfrm>
+            <a:off x="5966460" y="2869959"/>
+            <a:ext cx="3383280" cy="276999"/>
+          </a:xfrm>
+          <a:prstGeom prst="rect">
+            <a:avLst/>
+          </a:prstGeom>
+          <a:noFill/>
+        </p:spPr>
+        <p:txBody>
+          <a:bodyPr wrap="square" rtlCol="0">
+            <a:spAutoFit/>
+          </a:bodyPr>
+          <a:lstStyle/>
+          <a:p>
+            <a:r>
+              <a:rPr lang="en-US" sz="1200" b="1" dirty="0" smtClean="0">
+                <a:latin typeface="Arial" panose="020B0604020202020204" pitchFamily="34" charset="0"/>
+                <a:cs typeface="Arial" panose="020B0604020202020204" pitchFamily="34" charset="0"/>
+              </a:rPr>
+              <a:t>Form Fields or Buttons – Arial 12pt Bold</a:t>
+            </a:r>
+            <a:endParaRPr lang="en-US" sz="1200" b="1" dirty="0">
+              <a:latin typeface="Arial" panose="020B0604020202020204" pitchFamily="34" charset="0"/>
+              <a:cs typeface="Arial" panose="020B0604020202020204" pitchFamily="34" charset="0"/>
+            </a:endParaRPr>
+          </a:p>
+        </p:txBody>
+      </p:sp>
+      <p:sp>
+        <p:nvSpPr>
+          <p:cNvPr id="2" name="TextBox 1"/>
+          <p:cNvSpPr txBox="1"/>
+          <p:nvPr/>
+        </p:nvSpPr>
+        <p:spPr>
+          <a:xfrm>
+            <a:off x="2381941" y="5415519"/>
+            <a:ext cx="6477158" cy="369332"/>
+          </a:xfrm>
+          <a:prstGeom prst="rect">
+            <a:avLst/>
+          </a:prstGeom>
+          <a:noFill/>
+        </p:spPr>
+        <p:txBody>
+          <a:bodyPr wrap="none" rtlCol="0">
+            <a:spAutoFit/>
+          </a:bodyPr>
+          <a:lstStyle/>
+          <a:p>
+            <a:r>
+              <a:rPr lang="en-US" dirty="0" smtClean="0"/>
+              <a:t>We may want to use their instead of our, or add it in in places.</a:t>
+            </a:r>
+            <a:endParaRPr lang="en-US" dirty="0"/>
+          </a:p>
+        </p:txBody>
+      </p:sp>
+      <p:sp>
+        <p:nvSpPr>
+          <p:cNvPr id="23" name="TextBox 22"/>
+          <p:cNvSpPr txBox="1"/>
+          <p:nvPr/>
+        </p:nvSpPr>
+        <p:spPr>
+          <a:xfrm>
+            <a:off x="3060205" y="4519748"/>
+            <a:ext cx="2822119" cy="369332"/>
+          </a:xfrm>
+          <a:prstGeom prst="rect">
+            <a:avLst/>
+          </a:prstGeom>
+          <a:noFill/>
+        </p:spPr>
+        <p:txBody>
+          <a:bodyPr wrap="none" rtlCol="0">
+            <a:spAutoFit/>
+          </a:bodyPr>
+          <a:lstStyle/>
+          <a:p>
+            <a:r>
+              <a:rPr lang="en-US" dirty="0" smtClean="0"/>
+              <a:t>Use red sparingly, if at all.</a:t>
+            </a:r>
+            <a:endParaRPr lang="en-US" dirty="0"/>
+          </a:p>
+        </p:txBody>
+      </p:sp>
+      <p:pic>
+        <p:nvPicPr>
+          <p:cNvPr id="24" name="Picture 2" descr="18F logo"/>
+          <p:cNvPicPr>
+            <a:picLocks noChangeAspect="1" noChangeArrowheads="1"/>
+          </p:cNvPicPr>
+          <p:nvPr/>
+        </p:nvPicPr>
+        <p:blipFill>
+          <a:blip r:embed="rId2" cstate="print">
+            <a:extLst>
+              <a:ext uri="{28A0092B-C50C-407E-A947-70E740481C1C}">
+                <a14:useLocalDpi xmlns:a14="http://schemas.microsoft.com/office/drawing/2010/main" val="0"/>
+              </a:ext>
+            </a:extLst>
+          </a:blip>
+          <a:srcRect/>
+          <a:stretch>
+            <a:fillRect/>
+          </a:stretch>
+        </p:blipFill>
+        <p:spPr bwMode="auto">
+          <a:xfrm>
+            <a:off x="4186999" y="607023"/>
+            <a:ext cx="914400" cy="914400"/>
+          </a:xfrm>
+          <a:prstGeom prst="rect">
+            <a:avLst/>
+          </a:prstGeom>
+          <a:noFill/>
+          <a:extLst>
+            <a:ext uri="{909E8E84-426E-40DD-AFC4-6F175D3DCCD1}">
+              <a14:hiddenFill xmlns:a14="http://schemas.microsoft.com/office/drawing/2010/main">
+                <a:solidFill>
+                  <a:srgbClr val="FFFFFF"/>
+                </a:solidFill>
+              </a14:hiddenFill>
+            </a:ext>
+          </a:extLst>
+        </p:spPr>
+      </p:pic>
+      <p:pic>
+        <p:nvPicPr>
+          <p:cNvPr id="25" name="Picture 24" descr="DEV-Logo_RGB.gif"/>
+          <p:cNvPicPr>
+            <a:picLocks noChangeAspect="1"/>
+          </p:cNvPicPr>
+          <p:nvPr/>
+        </p:nvPicPr>
+        <p:blipFill>
+          <a:blip r:embed="rId3" cstate="print">
+            <a:extLst>
+              <a:ext uri="{28A0092B-C50C-407E-A947-70E740481C1C}">
+                <a14:useLocalDpi xmlns:a14="http://schemas.microsoft.com/office/drawing/2010/main" val="0"/>
+              </a:ext>
+            </a:extLst>
+          </a:blip>
+          <a:srcRect/>
+          <a:stretch>
+            <a:fillRect/>
+          </a:stretch>
+        </p:blipFill>
+        <p:spPr bwMode="auto">
+          <a:xfrm>
+            <a:off x="1871485" y="641619"/>
+            <a:ext cx="1828800" cy="679835"/>
+          </a:xfrm>
+          <a:prstGeom prst="rect">
+            <a:avLst/>
+          </a:prstGeom>
+          <a:noFill/>
+          <a:ln>
+            <a:noFill/>
+          </a:ln>
+        </p:spPr>
+      </p:pic>
+    </p:spTree>
+    <p:extLst>
+      <p:ext uri="{BB962C8B-B14F-4D97-AF65-F5344CB8AC3E}">
+        <p14:creationId xmlns:p14="http://schemas.microsoft.com/office/powerpoint/2010/main" val="2669925249"/>
+      </p:ext>
+    </p:extLst>
+  </p:cSld>
+  <p:clrMapOvr>
+    <a:masterClrMapping/>
+  </p:clrMapOvr>
+</p:sld>
+</file>
+
+<file path=ppt/slides/slide6.xml><?xml version="1.0" encoding="utf-8"?>
+<p:sld xmlns:a="http://schemas.openxmlformats.org/drawingml/2006/main" xmlns:r="http://schemas.openxmlformats.org/officeDocument/2006/relationships" xmlns:p="http://schemas.openxmlformats.org/presentationml/2006/main">
+  <p:cSld>
+    <p:spTree>
+      <p:nvGrpSpPr>
+        <p:cNvPr id="1" name=""/>
+        <p:cNvGrpSpPr/>
+        <p:nvPr/>
+      </p:nvGrpSpPr>
+      <p:grpSpPr>
+        <a:xfrm>
+          <a:off x="0" y="0"/>
+          <a:ext cx="0" cy="0"/>
+          <a:chOff x="0" y="0"/>
+          <a:chExt cx="0" cy="0"/>
+        </a:xfrm>
+      </p:grpSpPr>
+      <p:sp>
+        <p:nvSpPr>
+          <p:cNvPr id="2" name="Title 1"/>
+          <p:cNvSpPr>
+            <a:spLocks noGrp="1"/>
+          </p:cNvSpPr>
+          <p:nvPr>
+            <p:ph type="title"/>
+          </p:nvPr>
+        </p:nvSpPr>
+        <p:spPr/>
+        <p:txBody>
+          <a:bodyPr/>
+          <a:lstStyle/>
+          <a:p>
+            <a:r>
+              <a:rPr lang="en-US" dirty="0" smtClean="0"/>
+              <a:t>Icons</a:t>
+            </a:r>
+            <a:endParaRPr lang="en-US" dirty="0"/>
+          </a:p>
+        </p:txBody>
+      </p:sp>
+      <p:pic>
+        <p:nvPicPr>
+          <p:cNvPr id="11" name="Picture 2" descr="Application Development and Modernization"/>
+          <p:cNvPicPr>
+            <a:picLocks noChangeAspect="1" noChangeArrowheads="1"/>
+          </p:cNvPicPr>
+          <p:nvPr/>
+        </p:nvPicPr>
+        <p:blipFill>
+          <a:blip r:embed="rId2">
+            <a:extLst>
+              <a:ext uri="{28A0092B-C50C-407E-A947-70E740481C1C}">
+                <a14:useLocalDpi xmlns:a14="http://schemas.microsoft.com/office/drawing/2010/main" val="0"/>
+              </a:ext>
+            </a:extLst>
+          </a:blip>
+          <a:srcRect/>
+          <a:stretch>
+            <a:fillRect/>
+          </a:stretch>
+        </p:blipFill>
+        <p:spPr bwMode="auto">
+          <a:xfrm>
+            <a:off x="969491" y="1851750"/>
+            <a:ext cx="476250" cy="476250"/>
+          </a:xfrm>
+          <a:prstGeom prst="rect">
+            <a:avLst/>
+          </a:prstGeom>
+          <a:noFill/>
+          <a:extLst>
+            <a:ext uri="{909E8E84-426E-40DD-AFC4-6F175D3DCCD1}">
+              <a14:hiddenFill xmlns:a14="http://schemas.microsoft.com/office/drawing/2010/main">
+                <a:solidFill>
+                  <a:srgbClr val="FFFFFF"/>
+                </a:solidFill>
+              </a14:hiddenFill>
+            </a:ext>
+          </a:extLst>
+        </p:spPr>
+      </p:pic>
+      <p:pic>
+        <p:nvPicPr>
+          <p:cNvPr id="12" name="Picture 4" descr="Microsoft Applications Solutions"/>
+          <p:cNvPicPr>
+            <a:picLocks noChangeAspect="1" noChangeArrowheads="1"/>
+          </p:cNvPicPr>
+          <p:nvPr/>
+        </p:nvPicPr>
+        <p:blipFill>
+          <a:blip r:embed="rId3">
+            <a:extLst>
+              <a:ext uri="{28A0092B-C50C-407E-A947-70E740481C1C}">
+                <a14:useLocalDpi xmlns:a14="http://schemas.microsoft.com/office/drawing/2010/main" val="0"/>
+              </a:ext>
+            </a:extLst>
+          </a:blip>
+          <a:srcRect/>
+          <a:stretch>
+            <a:fillRect/>
+          </a:stretch>
+        </p:blipFill>
+        <p:spPr bwMode="auto">
+          <a:xfrm>
+            <a:off x="969491" y="2449513"/>
+            <a:ext cx="476250" cy="476250"/>
+          </a:xfrm>
+          <a:prstGeom prst="rect">
+            <a:avLst/>
+          </a:prstGeom>
+          <a:noFill/>
+          <a:extLst>
+            <a:ext uri="{909E8E84-426E-40DD-AFC4-6F175D3DCCD1}">
+              <a14:hiddenFill xmlns:a14="http://schemas.microsoft.com/office/drawing/2010/main">
+                <a:solidFill>
+                  <a:srgbClr val="FFFFFF"/>
+                </a:solidFill>
+              </a14:hiddenFill>
+            </a:ext>
+          </a:extLst>
+        </p:spPr>
+      </p:pic>
+      <p:pic>
+        <p:nvPicPr>
+          <p:cNvPr id="13" name="Picture 6" descr="Systems Architecture and Integration icon"/>
+          <p:cNvPicPr>
+            <a:picLocks noChangeAspect="1" noChangeArrowheads="1"/>
+          </p:cNvPicPr>
+          <p:nvPr/>
+        </p:nvPicPr>
+        <p:blipFill>
+          <a:blip r:embed="rId4" cstate="print">
+            <a:extLst>
+              <a:ext uri="{28A0092B-C50C-407E-A947-70E740481C1C}">
+                <a14:useLocalDpi xmlns:a14="http://schemas.microsoft.com/office/drawing/2010/main" val="0"/>
+              </a:ext>
+            </a:extLst>
+          </a:blip>
+          <a:srcRect/>
+          <a:stretch>
+            <a:fillRect/>
+          </a:stretch>
+        </p:blipFill>
+        <p:spPr bwMode="auto">
+          <a:xfrm>
+            <a:off x="970253" y="3168790"/>
+            <a:ext cx="475488" cy="475488"/>
+          </a:xfrm>
+          <a:prstGeom prst="rect">
+            <a:avLst/>
+          </a:prstGeom>
+          <a:noFill/>
+          <a:extLst>
+            <a:ext uri="{909E8E84-426E-40DD-AFC4-6F175D3DCCD1}">
+              <a14:hiddenFill xmlns:a14="http://schemas.microsoft.com/office/drawing/2010/main">
+                <a:solidFill>
+                  <a:srgbClr val="FFFFFF"/>
+                </a:solidFill>
+              </a14:hiddenFill>
+            </a:ext>
+          </a:extLst>
+        </p:spPr>
+      </p:pic>
+      <p:pic>
+        <p:nvPicPr>
+          <p:cNvPr id="14" name="Picture 8" descr="Data and Database Consulting icon"/>
+          <p:cNvPicPr>
+            <a:picLocks noChangeAspect="1" noChangeArrowheads="1"/>
+          </p:cNvPicPr>
+          <p:nvPr/>
+        </p:nvPicPr>
+        <p:blipFill>
+          <a:blip r:embed="rId5">
+            <a:extLst>
+              <a:ext uri="{28A0092B-C50C-407E-A947-70E740481C1C}">
+                <a14:useLocalDpi xmlns:a14="http://schemas.microsoft.com/office/drawing/2010/main" val="0"/>
+              </a:ext>
+            </a:extLst>
+          </a:blip>
+          <a:srcRect/>
+          <a:stretch>
+            <a:fillRect/>
+          </a:stretch>
+        </p:blipFill>
+        <p:spPr bwMode="auto">
+          <a:xfrm>
+            <a:off x="969491" y="3887305"/>
+            <a:ext cx="476250" cy="476250"/>
+          </a:xfrm>
+          <a:prstGeom prst="rect">
+            <a:avLst/>
+          </a:prstGeom>
+          <a:noFill/>
+          <a:extLst>
+            <a:ext uri="{909E8E84-426E-40DD-AFC4-6F175D3DCCD1}">
+              <a14:hiddenFill xmlns:a14="http://schemas.microsoft.com/office/drawing/2010/main">
+                <a:solidFill>
+                  <a:srgbClr val="FFFFFF"/>
+                </a:solidFill>
+              </a14:hiddenFill>
+            </a:ext>
+          </a:extLst>
+        </p:spPr>
+      </p:pic>
+      <p:pic>
+        <p:nvPicPr>
+          <p:cNvPr id="15" name="Picture 10" descr="BMC Remedy and Infrastructure Management icon"/>
+          <p:cNvPicPr>
+            <a:picLocks noChangeAspect="1" noChangeArrowheads="1"/>
+          </p:cNvPicPr>
+          <p:nvPr/>
+        </p:nvPicPr>
+        <p:blipFill>
+          <a:blip r:embed="rId6">
+            <a:extLst>
+              <a:ext uri="{28A0092B-C50C-407E-A947-70E740481C1C}">
+                <a14:useLocalDpi xmlns:a14="http://schemas.microsoft.com/office/drawing/2010/main" val="0"/>
+              </a:ext>
+            </a:extLst>
+          </a:blip>
+          <a:srcRect/>
+          <a:stretch>
+            <a:fillRect/>
+          </a:stretch>
+        </p:blipFill>
+        <p:spPr bwMode="auto">
+          <a:xfrm>
+            <a:off x="969491" y="4666110"/>
+            <a:ext cx="476250" cy="476250"/>
+          </a:xfrm>
+          <a:prstGeom prst="rect">
+            <a:avLst/>
+          </a:prstGeom>
+          <a:noFill/>
+          <a:extLst>
+            <a:ext uri="{909E8E84-426E-40DD-AFC4-6F175D3DCCD1}">
+              <a14:hiddenFill xmlns:a14="http://schemas.microsoft.com/office/drawing/2010/main">
+                <a:solidFill>
+                  <a:srgbClr val="FFFFFF"/>
+                </a:solidFill>
+              </a14:hiddenFill>
+            </a:ext>
+          </a:extLst>
+        </p:spPr>
+      </p:pic>
+      <p:pic>
+        <p:nvPicPr>
+          <p:cNvPr id="16" name="Picture 12" descr="Multi-Modal Biometrics icon"/>
+          <p:cNvPicPr>
+            <a:picLocks noChangeAspect="1" noChangeArrowheads="1"/>
+          </p:cNvPicPr>
+          <p:nvPr/>
+        </p:nvPicPr>
+        <p:blipFill>
+          <a:blip r:embed="rId7">
+            <a:extLst>
+              <a:ext uri="{28A0092B-C50C-407E-A947-70E740481C1C}">
+                <a14:useLocalDpi xmlns:a14="http://schemas.microsoft.com/office/drawing/2010/main" val="0"/>
+              </a:ext>
+            </a:extLst>
+          </a:blip>
+          <a:srcRect/>
+          <a:stretch>
+            <a:fillRect/>
+          </a:stretch>
+        </p:blipFill>
+        <p:spPr bwMode="auto">
+          <a:xfrm>
+            <a:off x="969491" y="5325097"/>
+            <a:ext cx="476250" cy="476250"/>
+          </a:xfrm>
+          <a:prstGeom prst="rect">
+            <a:avLst/>
+          </a:prstGeom>
+          <a:noFill/>
+          <a:extLst>
+            <a:ext uri="{909E8E84-426E-40DD-AFC4-6F175D3DCCD1}">
+              <a14:hiddenFill xmlns:a14="http://schemas.microsoft.com/office/drawing/2010/main">
+                <a:solidFill>
+                  <a:srgbClr val="FFFFFF"/>
+                </a:solidFill>
+              </a14:hiddenFill>
+            </a:ext>
+          </a:extLst>
+        </p:spPr>
+      </p:pic>
+      <p:pic>
+        <p:nvPicPr>
+          <p:cNvPr id="17" name="Picture 14" descr="Contact and Directions icon"/>
+          <p:cNvPicPr>
+            <a:picLocks noChangeAspect="1" noChangeArrowheads="1"/>
+          </p:cNvPicPr>
+          <p:nvPr/>
+        </p:nvPicPr>
+        <p:blipFill>
+          <a:blip r:embed="rId8">
+            <a:extLst>
+              <a:ext uri="{28A0092B-C50C-407E-A947-70E740481C1C}">
+                <a14:useLocalDpi xmlns:a14="http://schemas.microsoft.com/office/drawing/2010/main" val="0"/>
+              </a:ext>
+            </a:extLst>
+          </a:blip>
+          <a:srcRect/>
+          <a:stretch>
+            <a:fillRect/>
+          </a:stretch>
+        </p:blipFill>
+        <p:spPr bwMode="auto">
+          <a:xfrm>
+            <a:off x="1764074" y="1853009"/>
+            <a:ext cx="476250" cy="476250"/>
+          </a:xfrm>
+          <a:prstGeom prst="rect">
+            <a:avLst/>
+          </a:prstGeom>
+          <a:noFill/>
+          <a:extLst>
+            <a:ext uri="{909E8E84-426E-40DD-AFC4-6F175D3DCCD1}">
+              <a14:hiddenFill xmlns:a14="http://schemas.microsoft.com/office/drawing/2010/main">
+                <a:solidFill>
+                  <a:srgbClr val="FFFFFF"/>
+                </a:solidFill>
+              </a14:hiddenFill>
+            </a:ext>
+          </a:extLst>
+        </p:spPr>
+      </p:pic>
+      <p:pic>
+        <p:nvPicPr>
+          <p:cNvPr id="18" name="Picture 16" descr="MgmtTeam"/>
+          <p:cNvPicPr>
+            <a:picLocks noChangeAspect="1" noChangeArrowheads="1"/>
+          </p:cNvPicPr>
+          <p:nvPr/>
+        </p:nvPicPr>
+        <p:blipFill>
+          <a:blip r:embed="rId9" cstate="print">
+            <a:extLst>
+              <a:ext uri="{28A0092B-C50C-407E-A947-70E740481C1C}">
+                <a14:useLocalDpi xmlns:a14="http://schemas.microsoft.com/office/drawing/2010/main" val="0"/>
+              </a:ext>
+            </a:extLst>
+          </a:blip>
+          <a:srcRect/>
+          <a:stretch>
+            <a:fillRect/>
+          </a:stretch>
+        </p:blipFill>
+        <p:spPr bwMode="auto">
+          <a:xfrm>
+            <a:off x="1764074" y="2449513"/>
+            <a:ext cx="475488" cy="475488"/>
+          </a:xfrm>
+          <a:prstGeom prst="rect">
+            <a:avLst/>
+          </a:prstGeom>
+          <a:noFill/>
+          <a:extLst>
+            <a:ext uri="{909E8E84-426E-40DD-AFC4-6F175D3DCCD1}">
+              <a14:hiddenFill xmlns:a14="http://schemas.microsoft.com/office/drawing/2010/main">
+                <a:solidFill>
+                  <a:srgbClr val="FFFFFF"/>
+                </a:solidFill>
+              </a14:hiddenFill>
+            </a:ext>
+          </a:extLst>
+        </p:spPr>
+      </p:pic>
+    </p:spTree>
+    <p:extLst>
+      <p:ext uri="{BB962C8B-B14F-4D97-AF65-F5344CB8AC3E}">
+        <p14:creationId xmlns:p14="http://schemas.microsoft.com/office/powerpoint/2010/main" val="370414017"/>
+      </p:ext>
+    </p:extLst>
+  </p:cSld>
+  <p:clrMapOvr>
+    <a:masterClrMapping/>
+  </p:clrMapOvr>
 </p:sld>
 </file>
 

--- a/Design/Wireframes/DRIC wireframes.pptx
+++ b/Design/Wireframes/DRIC wireframes.pptx
@@ -5,15 +5,16 @@
     <p:sldMasterId id="2147483672" r:id="rId1"/>
   </p:sldMasterIdLst>
   <p:notesMasterIdLst>
-    <p:notesMasterId r:id="rId8"/>
+    <p:notesMasterId r:id="rId9"/>
   </p:notesMasterIdLst>
   <p:sldIdLst>
     <p:sldId id="263" r:id="rId2"/>
-    <p:sldId id="264" r:id="rId3"/>
-    <p:sldId id="265" r:id="rId4"/>
-    <p:sldId id="266" r:id="rId5"/>
-    <p:sldId id="267" r:id="rId6"/>
-    <p:sldId id="268" r:id="rId7"/>
+    <p:sldId id="269" r:id="rId3"/>
+    <p:sldId id="264" r:id="rId4"/>
+    <p:sldId id="270" r:id="rId5"/>
+    <p:sldId id="271" r:id="rId6"/>
+    <p:sldId id="267" r:id="rId7"/>
+    <p:sldId id="268" r:id="rId8"/>
   </p:sldIdLst>
   <p:sldSz cx="9144000" cy="6858000" type="screen4x3"/>
   <p:notesSz cx="7010400" cy="9296400"/>
@@ -197,7 +198,7 @@
           <a:p>
             <a:fld id="{8E93098F-1000-4F85-9F35-40A3F3C1DAF8}" type="datetimeFigureOut">
               <a:rPr lang="en-US" smtClean="0"/>
-              <a:t>6/18/2015</a:t>
+              <a:t>6/19/2015</a:t>
             </a:fld>
             <a:endParaRPr lang="en-US"/>
           </a:p>
@@ -534,7 +535,7 @@
           <a:p>
             <a:fld id="{9258E4EC-360D-4541-AFA2-219729F15706}" type="slidenum">
               <a:rPr lang="en-US" smtClean="0"/>
-              <a:t>2</a:t>
+              <a:t>3</a:t>
             </a:fld>
             <a:endParaRPr lang="en-US"/>
           </a:p>
@@ -599,7 +600,7 @@
           <a:p>
             <a:r>
               <a:rPr lang="en-US" dirty="0" smtClean="0"/>
-              <a:t>Search results screen</a:t>
+              <a:t>Homepage</a:t>
             </a:r>
             <a:endParaRPr lang="en-US" dirty="0"/>
           </a:p>
@@ -622,7 +623,7 @@
           <a:p>
             <a:fld id="{9258E4EC-360D-4541-AFA2-219729F15706}" type="slidenum">
               <a:rPr lang="en-US" smtClean="0"/>
-              <a:t>3</a:t>
+              <a:t>4</a:t>
             </a:fld>
             <a:endParaRPr lang="en-US"/>
           </a:p>
@@ -631,7 +632,7 @@
     </p:spTree>
     <p:extLst>
       <p:ext uri="{BB962C8B-B14F-4D97-AF65-F5344CB8AC3E}">
-        <p14:creationId xmlns:p14="http://schemas.microsoft.com/office/powerpoint/2010/main" val="3410505636"/>
+        <p14:creationId xmlns:p14="http://schemas.microsoft.com/office/powerpoint/2010/main" val="2645113339"/>
       </p:ext>
     </p:extLst>
   </p:cSld>
@@ -687,15 +688,7 @@
           <a:p>
             <a:r>
               <a:rPr lang="en-US" dirty="0" smtClean="0"/>
-              <a:t>Drug recall</a:t>
-            </a:r>
-            <a:r>
-              <a:rPr lang="en-US" baseline="0" dirty="0" smtClean="0"/>
-              <a:t> </a:t>
-            </a:r>
-            <a:r>
-              <a:rPr lang="en-US" dirty="0" smtClean="0"/>
-              <a:t>details</a:t>
+              <a:t>Homepage</a:t>
             </a:r>
             <a:endParaRPr lang="en-US" dirty="0"/>
           </a:p>
@@ -718,7 +711,7 @@
           <a:p>
             <a:fld id="{9258E4EC-360D-4541-AFA2-219729F15706}" type="slidenum">
               <a:rPr lang="en-US" smtClean="0"/>
-              <a:t>4</a:t>
+              <a:t>5</a:t>
             </a:fld>
             <a:endParaRPr lang="en-US"/>
           </a:p>
@@ -727,7 +720,7 @@
     </p:spTree>
     <p:extLst>
       <p:ext uri="{BB962C8B-B14F-4D97-AF65-F5344CB8AC3E}">
-        <p14:creationId xmlns:p14="http://schemas.microsoft.com/office/powerpoint/2010/main" val="2308832933"/>
+        <p14:creationId xmlns:p14="http://schemas.microsoft.com/office/powerpoint/2010/main" val="2645113339"/>
       </p:ext>
     </p:extLst>
   </p:cSld>
@@ -871,7 +864,7 @@
             <a:fld id="{032CCAA4-70F9-4347-A6BC-65B95A477A91}" type="datetimeFigureOut">
               <a:rPr lang="en-US" smtClean="0"/>
               <a:pPr/>
-              <a:t>6/18/2015</a:t>
+              <a:t>6/19/2015</a:t>
             </a:fld>
             <a:endParaRPr lang="en-US"/>
           </a:p>
@@ -1056,7 +1049,7 @@
             <a:fld id="{032CCAA4-70F9-4347-A6BC-65B95A477A91}" type="datetimeFigureOut">
               <a:rPr lang="en-US" smtClean="0"/>
               <a:pPr/>
-              <a:t>6/18/2015</a:t>
+              <a:t>6/19/2015</a:t>
             </a:fld>
             <a:endParaRPr lang="en-US"/>
           </a:p>
@@ -1251,7 +1244,7 @@
             <a:fld id="{032CCAA4-70F9-4347-A6BC-65B95A477A91}" type="datetimeFigureOut">
               <a:rPr lang="en-US" smtClean="0"/>
               <a:pPr/>
-              <a:t>6/18/2015</a:t>
+              <a:t>6/19/2015</a:t>
             </a:fld>
             <a:endParaRPr lang="en-US"/>
           </a:p>
@@ -1444,7 +1437,7 @@
             <a:fld id="{032CCAA4-70F9-4347-A6BC-65B95A477A91}" type="datetimeFigureOut">
               <a:rPr lang="en-US" smtClean="0"/>
               <a:pPr/>
-              <a:t>6/18/2015</a:t>
+              <a:t>6/19/2015</a:t>
             </a:fld>
             <a:endParaRPr lang="en-US"/>
           </a:p>
@@ -1651,7 +1644,7 @@
             <a:fld id="{032CCAA4-70F9-4347-A6BC-65B95A477A91}" type="datetimeFigureOut">
               <a:rPr lang="en-US" smtClean="0"/>
               <a:pPr/>
-              <a:t>6/18/2015</a:t>
+              <a:t>6/19/2015</a:t>
             </a:fld>
             <a:endParaRPr lang="en-US"/>
           </a:p>
@@ -1954,7 +1947,7 @@
             <a:fld id="{032CCAA4-70F9-4347-A6BC-65B95A477A91}" type="datetimeFigureOut">
               <a:rPr lang="en-US" smtClean="0"/>
               <a:pPr/>
-              <a:t>6/18/2015</a:t>
+              <a:t>6/19/2015</a:t>
             </a:fld>
             <a:endParaRPr lang="en-US"/>
           </a:p>
@@ -2396,7 +2389,7 @@
             <a:fld id="{032CCAA4-70F9-4347-A6BC-65B95A477A91}" type="datetimeFigureOut">
               <a:rPr lang="en-US" smtClean="0"/>
               <a:pPr/>
-              <a:t>6/18/2015</a:t>
+              <a:t>6/19/2015</a:t>
             </a:fld>
             <a:endParaRPr lang="en-US"/>
           </a:p>
@@ -2529,7 +2522,7 @@
             <a:fld id="{032CCAA4-70F9-4347-A6BC-65B95A477A91}" type="datetimeFigureOut">
               <a:rPr lang="en-US" smtClean="0"/>
               <a:pPr/>
-              <a:t>6/18/2015</a:t>
+              <a:t>6/19/2015</a:t>
             </a:fld>
             <a:endParaRPr lang="en-US"/>
           </a:p>
@@ -2639,7 +2632,7 @@
             <a:fld id="{032CCAA4-70F9-4347-A6BC-65B95A477A91}" type="datetimeFigureOut">
               <a:rPr lang="en-US" smtClean="0"/>
               <a:pPr/>
-              <a:t>6/18/2015</a:t>
+              <a:t>6/19/2015</a:t>
             </a:fld>
             <a:endParaRPr lang="en-US"/>
           </a:p>
@@ -2931,7 +2924,7 @@
             <a:fld id="{032CCAA4-70F9-4347-A6BC-65B95A477A91}" type="datetimeFigureOut">
               <a:rPr lang="en-US" smtClean="0"/>
               <a:pPr/>
-              <a:t>6/18/2015</a:t>
+              <a:t>6/19/2015</a:t>
             </a:fld>
             <a:endParaRPr lang="en-US"/>
           </a:p>
@@ -3203,7 +3196,7 @@
             <a:fld id="{032CCAA4-70F9-4347-A6BC-65B95A477A91}" type="datetimeFigureOut">
               <a:rPr lang="en-US" smtClean="0"/>
               <a:pPr/>
-              <a:t>6/18/2015</a:t>
+              <a:t>6/19/2015</a:t>
             </a:fld>
             <a:endParaRPr lang="en-US"/>
           </a:p>
@@ -3458,7 +3451,7 @@
             <a:fld id="{032CCAA4-70F9-4347-A6BC-65B95A477A91}" type="datetimeFigureOut">
               <a:rPr lang="en-US" smtClean="0"/>
               <a:pPr/>
-              <a:t>6/18/2015</a:t>
+              <a:t>6/19/2015</a:t>
             </a:fld>
             <a:endParaRPr lang="en-US"/>
           </a:p>
@@ -4332,7 +4325,85 @@
                 <a:ea typeface="+mj-ea"/>
                 <a:cs typeface="ＭＳ Ｐゴシック"/>
               </a:rPr>
-              <a:t>By Adam D’Angelo</a:t>
+              <a:t>Created By Adam D’Angelo</a:t>
+            </a:r>
+          </a:p>
+          <a:p>
+            <a:pPr fontAlgn="base">
+              <a:spcBef>
+                <a:spcPct val="0"/>
+              </a:spcBef>
+              <a:spcAft>
+                <a:spcPct val="0"/>
+              </a:spcAft>
+            </a:pPr>
+            <a:r>
+              <a:rPr kumimoji="0" lang="en-US" sz="2200" b="0" i="0" u="none" strike="noStrike" kern="0" cap="none" spc="0" normalizeH="0" baseline="0" noProof="0" dirty="0" smtClean="0">
+                <a:ln>
+                  <a:noFill/>
+                </a:ln>
+                <a:solidFill>
+                  <a:srgbClr val="A79F94"/>
+                </a:solidFill>
+                <a:effectLst/>
+                <a:uLnTx/>
+                <a:uFillTx/>
+                <a:latin typeface="85 Helvetica Heavy"/>
+                <a:ea typeface="+mj-ea"/>
+                <a:cs typeface="ＭＳ Ｐゴシック"/>
+              </a:rPr>
+              <a:t>Updated By</a:t>
+            </a:r>
+            <a:r>
+              <a:rPr kumimoji="0" lang="en-US" sz="2200" b="0" i="0" u="none" strike="noStrike" kern="0" cap="none" spc="0" normalizeH="0" noProof="0" dirty="0" smtClean="0">
+                <a:ln>
+                  <a:noFill/>
+                </a:ln>
+                <a:solidFill>
+                  <a:srgbClr val="A79F94"/>
+                </a:solidFill>
+                <a:effectLst/>
+                <a:uLnTx/>
+                <a:uFillTx/>
+                <a:latin typeface="85 Helvetica Heavy"/>
+                <a:ea typeface="+mj-ea"/>
+                <a:cs typeface="ＭＳ Ｐゴシック"/>
+              </a:rPr>
+              <a:t> </a:t>
+            </a:r>
+            <a:r>
+              <a:rPr kumimoji="0" lang="en-US" sz="2200" b="0" i="0" u="none" strike="noStrike" kern="0" cap="none" spc="0" normalizeH="0" noProof="0" dirty="0" err="1" smtClean="0">
+                <a:ln>
+                  <a:noFill/>
+                </a:ln>
+                <a:solidFill>
+                  <a:srgbClr val="A79F94"/>
+                </a:solidFill>
+                <a:effectLst/>
+                <a:uLnTx/>
+                <a:uFillTx/>
+                <a:latin typeface="85 Helvetica Heavy"/>
+                <a:ea typeface="+mj-ea"/>
+                <a:cs typeface="ＭＳ Ｐゴシック"/>
+              </a:rPr>
+              <a:t>DevTech</a:t>
+            </a:r>
+            <a:r>
+              <a:rPr kumimoji="0" lang="en-US" sz="2200" b="0" i="0" u="none" strike="noStrike" kern="0" cap="none" spc="0" normalizeH="0" noProof="0" dirty="0" smtClean="0">
+                <a:ln>
+                  <a:noFill/>
+                </a:ln>
+                <a:solidFill>
+                  <a:srgbClr val="A79F94"/>
+                </a:solidFill>
+                <a:effectLst/>
+                <a:uLnTx/>
+                <a:uFillTx/>
+                <a:latin typeface="85 Helvetica Heavy"/>
+                <a:ea typeface="+mj-ea"/>
+                <a:cs typeface="ＭＳ Ｐゴシック"/>
+              </a:rPr>
+              <a:t> team</a:t>
             </a:r>
             <a:endParaRPr kumimoji="0" lang="en-US" sz="2200" b="0" i="0" u="none" strike="noStrike" kern="0" cap="none" spc="0" normalizeH="0" baseline="0" noProof="0" dirty="0" smtClean="0">
               <a:ln>
@@ -4437,23 +4508,461 @@
           <a:chExt cx="0" cy="0"/>
         </a:xfrm>
       </p:grpSpPr>
-      <p:sp>
-        <p:nvSpPr>
-          <p:cNvPr id="2" name="Rectangle 1"/>
+      <p:graphicFrame>
+        <p:nvGraphicFramePr>
+          <p:cNvPr id="2" name="Table 1"/>
+          <p:cNvGraphicFramePr>
+            <a:graphicFrameLocks noGrp="1"/>
+          </p:cNvGraphicFramePr>
+          <p:nvPr>
+            <p:extLst>
+              <p:ext uri="{D42A27DB-BD31-4B8C-83A1-F6EECF244321}">
+                <p14:modId xmlns:p14="http://schemas.microsoft.com/office/powerpoint/2010/main" val="1599827563"/>
+              </p:ext>
+            </p:extLst>
+          </p:nvPr>
+        </p:nvGraphicFramePr>
+        <p:xfrm>
+          <a:off x="1502228" y="1981200"/>
+          <a:ext cx="6096000" cy="2123440"/>
+        </p:xfrm>
+        <a:graphic>
+          <a:graphicData uri="http://schemas.openxmlformats.org/drawingml/2006/table">
+            <a:tbl>
+              <a:tblPr firstRow="1" bandRow="1">
+                <a:tableStyleId>{5C22544A-7EE6-4342-B048-85BDC9FD1C3A}</a:tableStyleId>
+              </a:tblPr>
+              <a:tblGrid>
+                <a:gridCol w="859972"/>
+                <a:gridCol w="1295400"/>
+                <a:gridCol w="3940628"/>
+              </a:tblGrid>
+              <a:tr h="370840">
+                <a:tc>
+                  <a:txBody>
+                    <a:bodyPr/>
+                    <a:lstStyle/>
+                    <a:p>
+                      <a:pPr algn="ctr"/>
+                      <a:r>
+                        <a:rPr lang="en-US" dirty="0" smtClean="0">
+                          <a:solidFill>
+                            <a:schemeClr val="tx1"/>
+                          </a:solidFill>
+                        </a:rPr>
+                        <a:t>#</a:t>
+                      </a:r>
+                      <a:endParaRPr lang="en-US" dirty="0">
+                        <a:solidFill>
+                          <a:schemeClr val="tx1"/>
+                        </a:solidFill>
+                      </a:endParaRPr>
+                    </a:p>
+                  </a:txBody>
+                  <a:tcPr/>
+                </a:tc>
+                <a:tc>
+                  <a:txBody>
+                    <a:bodyPr/>
+                    <a:lstStyle/>
+                    <a:p>
+                      <a:pPr algn="ctr"/>
+                      <a:r>
+                        <a:rPr lang="en-US" dirty="0" smtClean="0">
+                          <a:solidFill>
+                            <a:schemeClr val="tx1"/>
+                          </a:solidFill>
+                        </a:rPr>
+                        <a:t>Date</a:t>
+                      </a:r>
+                      <a:endParaRPr lang="en-US" dirty="0">
+                        <a:solidFill>
+                          <a:schemeClr val="tx1"/>
+                        </a:solidFill>
+                      </a:endParaRPr>
+                    </a:p>
+                  </a:txBody>
+                  <a:tcPr/>
+                </a:tc>
+                <a:tc>
+                  <a:txBody>
+                    <a:bodyPr/>
+                    <a:lstStyle/>
+                    <a:p>
+                      <a:pPr algn="ctr"/>
+                      <a:r>
+                        <a:rPr lang="en-US" dirty="0" smtClean="0">
+                          <a:solidFill>
+                            <a:schemeClr val="tx1"/>
+                          </a:solidFill>
+                        </a:rPr>
+                        <a:t>Comments</a:t>
+                      </a:r>
+                      <a:endParaRPr lang="en-US" dirty="0">
+                        <a:solidFill>
+                          <a:schemeClr val="tx1"/>
+                        </a:solidFill>
+                      </a:endParaRPr>
+                    </a:p>
+                  </a:txBody>
+                  <a:tcPr/>
+                </a:tc>
+              </a:tr>
+              <a:tr h="370840">
+                <a:tc>
+                  <a:txBody>
+                    <a:bodyPr/>
+                    <a:lstStyle/>
+                    <a:p>
+                      <a:pPr algn="ctr"/>
+                      <a:r>
+                        <a:rPr lang="en-US" dirty="0" smtClean="0"/>
+                        <a:t>1.0</a:t>
+                      </a:r>
+                      <a:endParaRPr lang="en-US" dirty="0"/>
+                    </a:p>
+                  </a:txBody>
+                  <a:tcPr/>
+                </a:tc>
+                <a:tc>
+                  <a:txBody>
+                    <a:bodyPr/>
+                    <a:lstStyle/>
+                    <a:p>
+                      <a:r>
+                        <a:rPr lang="en-US" dirty="0" smtClean="0"/>
+                        <a:t>6/17/2015</a:t>
+                      </a:r>
+                      <a:endParaRPr lang="en-US" dirty="0"/>
+                    </a:p>
+                  </a:txBody>
+                  <a:tcPr/>
+                </a:tc>
+                <a:tc>
+                  <a:txBody>
+                    <a:bodyPr/>
+                    <a:lstStyle/>
+                    <a:p>
+                      <a:r>
+                        <a:rPr lang="en-US" dirty="0" smtClean="0"/>
+                        <a:t>Initial</a:t>
+                      </a:r>
+                      <a:r>
+                        <a:rPr lang="en-US" baseline="0" dirty="0" smtClean="0"/>
+                        <a:t> draft of wireframes</a:t>
+                      </a:r>
+                      <a:endParaRPr lang="en-US" dirty="0"/>
+                    </a:p>
+                  </a:txBody>
+                  <a:tcPr/>
+                </a:tc>
+              </a:tr>
+              <a:tr h="370840">
+                <a:tc>
+                  <a:txBody>
+                    <a:bodyPr/>
+                    <a:lstStyle/>
+                    <a:p>
+                      <a:pPr algn="ctr"/>
+                      <a:r>
+                        <a:rPr lang="en-US" dirty="0" smtClean="0"/>
+                        <a:t>1.1</a:t>
+                      </a:r>
+                      <a:endParaRPr lang="en-US" dirty="0"/>
+                    </a:p>
+                  </a:txBody>
+                  <a:tcPr/>
+                </a:tc>
+                <a:tc>
+                  <a:txBody>
+                    <a:bodyPr/>
+                    <a:lstStyle/>
+                    <a:p>
+                      <a:r>
+                        <a:rPr lang="en-US" dirty="0" smtClean="0"/>
+                        <a:t>6/18/2015</a:t>
+                      </a:r>
+                      <a:endParaRPr lang="en-US" dirty="0"/>
+                    </a:p>
+                  </a:txBody>
+                  <a:tcPr/>
+                </a:tc>
+                <a:tc>
+                  <a:txBody>
+                    <a:bodyPr/>
+                    <a:lstStyle/>
+                    <a:p>
+                      <a:r>
+                        <a:rPr lang="en-US" dirty="0" smtClean="0"/>
+                        <a:t>Updated with logo,</a:t>
+                      </a:r>
+                      <a:r>
+                        <a:rPr lang="en-US" baseline="0" dirty="0" smtClean="0"/>
+                        <a:t> color scheme, icons available for use</a:t>
+                      </a:r>
+                      <a:endParaRPr lang="en-US" dirty="0"/>
+                    </a:p>
+                  </a:txBody>
+                  <a:tcPr/>
+                </a:tc>
+              </a:tr>
+              <a:tr h="370840">
+                <a:tc>
+                  <a:txBody>
+                    <a:bodyPr/>
+                    <a:lstStyle/>
+                    <a:p>
+                      <a:pPr algn="ctr"/>
+                      <a:r>
+                        <a:rPr lang="en-US" dirty="0" smtClean="0"/>
+                        <a:t>1.2</a:t>
+                      </a:r>
+                      <a:endParaRPr lang="en-US" dirty="0"/>
+                    </a:p>
+                  </a:txBody>
+                  <a:tcPr/>
+                </a:tc>
+                <a:tc>
+                  <a:txBody>
+                    <a:bodyPr/>
+                    <a:lstStyle/>
+                    <a:p>
+                      <a:r>
+                        <a:rPr lang="en-US" dirty="0" smtClean="0"/>
+                        <a:t>6/19/2015</a:t>
+                      </a:r>
+                      <a:endParaRPr lang="en-US" dirty="0"/>
+                    </a:p>
+                  </a:txBody>
+                  <a:tcPr/>
+                </a:tc>
+                <a:tc>
+                  <a:txBody>
+                    <a:bodyPr/>
+                    <a:lstStyle/>
+                    <a:p>
+                      <a:r>
+                        <a:rPr lang="en-US" dirty="0" smtClean="0"/>
+                        <a:t>Updated</a:t>
+                      </a:r>
+                      <a:r>
+                        <a:rPr lang="en-US" baseline="0" dirty="0" smtClean="0"/>
+                        <a:t> per 6/19 5:00 PM demo</a:t>
+                      </a:r>
+                      <a:endParaRPr lang="en-US" dirty="0"/>
+                    </a:p>
+                  </a:txBody>
+                  <a:tcPr/>
+                </a:tc>
+              </a:tr>
+              <a:tr h="370840">
+                <a:tc>
+                  <a:txBody>
+                    <a:bodyPr/>
+                    <a:lstStyle/>
+                    <a:p>
+                      <a:endParaRPr lang="en-US" dirty="0"/>
+                    </a:p>
+                  </a:txBody>
+                  <a:tcPr/>
+                </a:tc>
+                <a:tc>
+                  <a:txBody>
+                    <a:bodyPr/>
+                    <a:lstStyle/>
+                    <a:p>
+                      <a:endParaRPr lang="en-US"/>
+                    </a:p>
+                  </a:txBody>
+                  <a:tcPr/>
+                </a:tc>
+                <a:tc>
+                  <a:txBody>
+                    <a:bodyPr/>
+                    <a:lstStyle/>
+                    <a:p>
+                      <a:endParaRPr lang="en-US" dirty="0"/>
+                    </a:p>
+                  </a:txBody>
+                  <a:tcPr/>
+                </a:tc>
+              </a:tr>
+            </a:tbl>
+          </a:graphicData>
+        </a:graphic>
+      </p:graphicFrame>
+      <p:sp>
+        <p:nvSpPr>
+          <p:cNvPr id="3" name="Rectangle 2"/>
           <p:cNvSpPr/>
           <p:nvPr/>
         </p:nvSpPr>
-        <p:spPr bwMode="auto">
+        <p:spPr>
           <a:xfrm>
-            <a:off x="2667000" y="609600"/>
-            <a:ext cx="3886200" cy="5334000"/>
+            <a:off x="2954376" y="914400"/>
+            <a:ext cx="3191708" cy="584775"/>
           </a:xfrm>
           <a:prstGeom prst="rect">
             <a:avLst/>
           </a:prstGeom>
-          <a:solidFill>
-            <a:schemeClr val="bg1"/>
-          </a:solidFill>
+          <a:noFill/>
+        </p:spPr>
+        <p:txBody>
+          <a:bodyPr wrap="none" lIns="91440" tIns="45720" rIns="91440" bIns="45720">
+            <a:spAutoFit/>
+          </a:bodyPr>
+          <a:lstStyle/>
+          <a:p>
+            <a:pPr algn="ctr"/>
+            <a:r>
+              <a:rPr lang="en-US" sz="3200" b="1" cap="none" spc="0" dirty="0" smtClean="0">
+                <a:ln w="1905"/>
+                <a:gradFill>
+                  <a:gsLst>
+                    <a:gs pos="0">
+                      <a:schemeClr val="accent6">
+                        <a:shade val="20000"/>
+                        <a:satMod val="200000"/>
+                      </a:schemeClr>
+                    </a:gs>
+                    <a:gs pos="78000">
+                      <a:schemeClr val="accent6">
+                        <a:tint val="90000"/>
+                        <a:shade val="89000"/>
+                        <a:satMod val="220000"/>
+                      </a:schemeClr>
+                    </a:gs>
+                    <a:gs pos="100000">
+                      <a:schemeClr val="accent6">
+                        <a:tint val="12000"/>
+                        <a:satMod val="255000"/>
+                      </a:schemeClr>
+                    </a:gs>
+                  </a:gsLst>
+                  <a:lin ang="5400000"/>
+                </a:gradFill>
+                <a:effectLst>
+                  <a:innerShdw blurRad="69850" dist="43180" dir="5400000">
+                    <a:srgbClr val="000000">
+                      <a:alpha val="65000"/>
+                    </a:srgbClr>
+                  </a:innerShdw>
+                </a:effectLst>
+              </a:rPr>
+              <a:t>Version History</a:t>
+            </a:r>
+            <a:endParaRPr lang="en-US" sz="3200" b="1" cap="none" spc="0" dirty="0">
+              <a:ln w="1905"/>
+              <a:gradFill>
+                <a:gsLst>
+                  <a:gs pos="0">
+                    <a:schemeClr val="accent6">
+                      <a:shade val="20000"/>
+                      <a:satMod val="200000"/>
+                    </a:schemeClr>
+                  </a:gs>
+                  <a:gs pos="78000">
+                    <a:schemeClr val="accent6">
+                      <a:tint val="90000"/>
+                      <a:shade val="89000"/>
+                      <a:satMod val="220000"/>
+                    </a:schemeClr>
+                  </a:gs>
+                  <a:gs pos="100000">
+                    <a:schemeClr val="accent6">
+                      <a:tint val="12000"/>
+                      <a:satMod val="255000"/>
+                    </a:schemeClr>
+                  </a:gs>
+                </a:gsLst>
+                <a:lin ang="5400000"/>
+              </a:gradFill>
+              <a:effectLst>
+                <a:innerShdw blurRad="69850" dist="43180" dir="5400000">
+                  <a:srgbClr val="000000">
+                    <a:alpha val="65000"/>
+                  </a:srgbClr>
+                </a:innerShdw>
+              </a:effectLst>
+            </a:endParaRPr>
+          </a:p>
+        </p:txBody>
+      </p:sp>
+    </p:spTree>
+    <p:extLst>
+      <p:ext uri="{BB962C8B-B14F-4D97-AF65-F5344CB8AC3E}">
+        <p14:creationId xmlns:p14="http://schemas.microsoft.com/office/powerpoint/2010/main" val="1921477110"/>
+      </p:ext>
+    </p:extLst>
+  </p:cSld>
+  <p:clrMapOvr>
+    <a:masterClrMapping/>
+  </p:clrMapOvr>
+</p:sld>
+</file>
+
+<file path=ppt/slides/slide3.xml><?xml version="1.0" encoding="utf-8"?>
+<p:sld xmlns:a="http://schemas.openxmlformats.org/drawingml/2006/main" xmlns:r="http://schemas.openxmlformats.org/officeDocument/2006/relationships" xmlns:p="http://schemas.openxmlformats.org/presentationml/2006/main">
+  <p:cSld>
+    <p:spTree>
+      <p:nvGrpSpPr>
+        <p:cNvPr id="1" name=""/>
+        <p:cNvGrpSpPr/>
+        <p:nvPr/>
+      </p:nvGrpSpPr>
+      <p:grpSpPr>
+        <a:xfrm>
+          <a:off x="0" y="0"/>
+          <a:ext cx="0" cy="0"/>
+          <a:chOff x="0" y="0"/>
+          <a:chExt cx="0" cy="0"/>
+        </a:xfrm>
+      </p:grpSpPr>
+      <p:sp>
+        <p:nvSpPr>
+          <p:cNvPr id="3" name="TextBox 2"/>
+          <p:cNvSpPr txBox="1"/>
+          <p:nvPr/>
+        </p:nvSpPr>
+        <p:spPr>
+          <a:xfrm>
+            <a:off x="6705600" y="609600"/>
+            <a:ext cx="2133600" cy="923330"/>
+          </a:xfrm>
+          <a:prstGeom prst="rect">
+            <a:avLst/>
+          </a:prstGeom>
+          <a:noFill/>
+        </p:spPr>
+        <p:txBody>
+          <a:bodyPr wrap="square" rtlCol="0">
+            <a:spAutoFit/>
+          </a:bodyPr>
+          <a:lstStyle/>
+          <a:p>
+            <a:r>
+              <a:rPr lang="en-US" dirty="0" smtClean="0"/>
+              <a:t>Shows top ten recent drug recalls for the month</a:t>
+            </a:r>
+            <a:endParaRPr lang="en-US" dirty="0"/>
+          </a:p>
+        </p:txBody>
+      </p:sp>
+      <p:sp>
+        <p:nvSpPr>
+          <p:cNvPr id="2" name="Rectangle 1"/>
+          <p:cNvSpPr/>
+          <p:nvPr/>
+        </p:nvSpPr>
+        <p:spPr bwMode="auto">
+          <a:xfrm>
+            <a:off x="1447800" y="609600"/>
+            <a:ext cx="5105400" cy="5410200"/>
+          </a:xfrm>
+          <a:prstGeom prst="rect">
+            <a:avLst/>
+          </a:prstGeom>
+          <a:noFill/>
           <a:ln w="9525" cap="flat" cmpd="sng" algn="ctr">
             <a:solidFill>
               <a:schemeClr val="tx1"/>
@@ -4524,8 +5033,8 @@
         </p:blipFill>
         <p:spPr bwMode="auto">
           <a:xfrm>
-            <a:off x="2844800" y="932906"/>
-            <a:ext cx="997585" cy="370840"/>
+            <a:off x="4005261" y="5621179"/>
+            <a:ext cx="813479" cy="243002"/>
           </a:xfrm>
           <a:prstGeom prst="rect">
             <a:avLst/>
@@ -4538,14 +5047,44 @@
       </p:pic>
       <p:sp>
         <p:nvSpPr>
-          <p:cNvPr id="6" name="Rectangle 5"/>
+          <p:cNvPr id="7" name="TextBox 6"/>
+          <p:cNvSpPr txBox="1"/>
+          <p:nvPr/>
+        </p:nvSpPr>
+        <p:spPr>
+          <a:xfrm>
+            <a:off x="3314700" y="2057400"/>
+            <a:ext cx="2209800" cy="307777"/>
+          </a:xfrm>
+          <a:prstGeom prst="rect">
+            <a:avLst/>
+          </a:prstGeom>
+          <a:noFill/>
+        </p:spPr>
+        <p:txBody>
+          <a:bodyPr wrap="square" rtlCol="0">
+            <a:spAutoFit/>
+          </a:bodyPr>
+          <a:lstStyle/>
+          <a:p>
+            <a:r>
+              <a:rPr lang="en-US" sz="1400" u="sng" dirty="0" smtClean="0"/>
+              <a:t>Recent drug recalls</a:t>
+            </a:r>
+            <a:endParaRPr lang="en-US" sz="1400" u="sng" dirty="0"/>
+          </a:p>
+        </p:txBody>
+      </p:sp>
+      <p:sp>
+        <p:nvSpPr>
+          <p:cNvPr id="10" name="Rectangle 9"/>
           <p:cNvSpPr/>
           <p:nvPr/>
         </p:nvSpPr>
         <p:spPr bwMode="auto">
           <a:xfrm>
-            <a:off x="2965449" y="1862852"/>
-            <a:ext cx="1504950" cy="236696"/>
+            <a:off x="3047999" y="2669134"/>
+            <a:ext cx="3117849" cy="2434133"/>
           </a:xfrm>
           <a:prstGeom prst="rect">
             <a:avLst/>
@@ -4602,16 +5141,127 @@
           </a:p>
         </p:txBody>
       </p:sp>
-      <p:sp>
-        <p:nvSpPr>
-          <p:cNvPr id="7" name="TextBox 6"/>
+      <p:grpSp>
+        <p:nvGrpSpPr>
+          <p:cNvPr id="28" name="Group 27"/>
+          <p:cNvGrpSpPr/>
+          <p:nvPr/>
+        </p:nvGrpSpPr>
+        <p:grpSpPr>
+          <a:xfrm>
+            <a:off x="3146107" y="2743200"/>
+            <a:ext cx="2695893" cy="246221"/>
+            <a:chOff x="3146107" y="2743200"/>
+            <a:chExt cx="2695893" cy="246221"/>
+          </a:xfrm>
+        </p:grpSpPr>
+        <p:sp>
+          <p:nvSpPr>
+            <p:cNvPr id="11" name="TextBox 10"/>
+            <p:cNvSpPr txBox="1"/>
+            <p:nvPr/>
+          </p:nvSpPr>
+          <p:spPr>
+            <a:xfrm>
+              <a:off x="3337242" y="2743200"/>
+              <a:ext cx="2504758" cy="246221"/>
+            </a:xfrm>
+            <a:prstGeom prst="rect">
+              <a:avLst/>
+            </a:prstGeom>
+            <a:noFill/>
+          </p:spPr>
+          <p:txBody>
+            <a:bodyPr wrap="square" rtlCol="0">
+              <a:spAutoFit/>
+            </a:bodyPr>
+            <a:lstStyle/>
+            <a:p>
+              <a:r>
+                <a:rPr lang="en-US" sz="1000" dirty="0" smtClean="0"/>
+                <a:t>Class 1         Drug #1                   5/29/15</a:t>
+              </a:r>
+              <a:endParaRPr lang="en-US" sz="1000" dirty="0"/>
+            </a:p>
+          </p:txBody>
+        </p:sp>
+        <p:sp>
+          <p:nvSpPr>
+            <p:cNvPr id="12" name="Oval 11"/>
+            <p:cNvSpPr/>
+            <p:nvPr/>
+          </p:nvSpPr>
+          <p:spPr bwMode="auto">
+            <a:xfrm>
+              <a:off x="3146107" y="2773977"/>
+              <a:ext cx="191135" cy="184666"/>
+            </a:xfrm>
+            <a:prstGeom prst="ellipse">
+              <a:avLst/>
+            </a:prstGeom>
+            <a:solidFill>
+              <a:srgbClr val="FFFF00"/>
+            </a:solidFill>
+            <a:ln w="9525" cap="flat" cmpd="sng" algn="ctr">
+              <a:solidFill>
+                <a:schemeClr val="tx1"/>
+              </a:solidFill>
+              <a:prstDash val="solid"/>
+              <a:round/>
+              <a:headEnd type="none" w="med" len="med"/>
+              <a:tailEnd type="none" w="med" len="med"/>
+            </a:ln>
+            <a:effectLst/>
+          </p:spPr>
+          <p:txBody>
+            <a:bodyPr vert="horz" wrap="square" lIns="91440" tIns="45720" rIns="91440" bIns="45720" numCol="1" rtlCol="0" anchor="t" anchorCtr="0" compatLnSpc="1">
+              <a:prstTxWarp prst="textNoShape">
+                <a:avLst/>
+              </a:prstTxWarp>
+            </a:bodyPr>
+            <a:lstStyle/>
+            <a:p>
+              <a:pPr marL="0" marR="0" indent="0" algn="l" defTabSz="914400" rtl="0" eaLnBrk="0" fontAlgn="base" latinLnBrk="0" hangingPunct="0">
+                <a:lnSpc>
+                  <a:spcPct val="100000"/>
+                </a:lnSpc>
+                <a:spcBef>
+                  <a:spcPct val="0"/>
+                </a:spcBef>
+                <a:spcAft>
+                  <a:spcPct val="0"/>
+                </a:spcAft>
+                <a:buClrTx/>
+                <a:buSzTx/>
+                <a:buFontTx/>
+                <a:buNone/>
+                <a:tabLst/>
+              </a:pPr>
+              <a:endParaRPr kumimoji="0" lang="en-US" sz="2400" b="0" i="0" u="none" strike="noStrike" cap="none" normalizeH="0" baseline="0" smtClean="0">
+                <a:ln>
+                  <a:noFill/>
+                </a:ln>
+                <a:solidFill>
+                  <a:schemeClr val="tx1"/>
+                </a:solidFill>
+                <a:effectLst/>
+                <a:latin typeface="Arial" charset="0"/>
+                <a:ea typeface="ＭＳ Ｐゴシック" pitchFamily="-60" charset="-128"/>
+              </a:endParaRPr>
+            </a:p>
+          </p:txBody>
+        </p:sp>
+      </p:grpSp>
+      <p:sp>
+        <p:nvSpPr>
+          <p:cNvPr id="13" name="TextBox 12"/>
           <p:cNvSpPr txBox="1"/>
           <p:nvPr/>
         </p:nvSpPr>
         <p:spPr>
           <a:xfrm>
-            <a:off x="3314700" y="2362200"/>
-            <a:ext cx="2209800" cy="307777"/>
+            <a:off x="2965449" y="2420779"/>
+            <a:ext cx="3200400" cy="246221"/>
           </a:xfrm>
           <a:prstGeom prst="rect">
             <a:avLst/>
@@ -4625,59 +5275,504 @@
           <a:lstStyle/>
           <a:p>
             <a:r>
-              <a:rPr lang="en-US" sz="1400" u="sng" dirty="0" smtClean="0"/>
-              <a:t>Recent drug recalls</a:t>
-            </a:r>
-            <a:endParaRPr lang="en-US" sz="1400" u="sng" dirty="0"/>
-          </a:p>
-        </p:txBody>
-      </p:sp>
-      <p:sp>
-        <p:nvSpPr>
-          <p:cNvPr id="8" name="TextBox 7"/>
-          <p:cNvSpPr txBox="1"/>
+              <a:rPr lang="en-US" sz="1000" dirty="0" smtClean="0"/>
+              <a:t>Classification	      Product Name          Recall Date</a:t>
+            </a:r>
+            <a:endParaRPr lang="en-US" sz="1000" dirty="0"/>
+          </a:p>
+        </p:txBody>
+      </p:sp>
+      <p:grpSp>
+        <p:nvGrpSpPr>
+          <p:cNvPr id="29" name="Group 28"/>
+          <p:cNvGrpSpPr/>
           <p:nvPr/>
-        </p:nvSpPr>
-        <p:spPr>
+        </p:nvGrpSpPr>
+        <p:grpSpPr>
           <a:xfrm>
-            <a:off x="4143375" y="795160"/>
-            <a:ext cx="2247900" cy="646331"/>
+            <a:off x="3139757" y="3096398"/>
+            <a:ext cx="2695893" cy="246221"/>
+            <a:chOff x="3139757" y="3096398"/>
+            <a:chExt cx="2695893" cy="246221"/>
           </a:xfrm>
-          <a:prstGeom prst="rect">
-            <a:avLst/>
-          </a:prstGeom>
-          <a:noFill/>
-        </p:spPr>
-        <p:txBody>
-          <a:bodyPr wrap="square" rtlCol="0">
-            <a:spAutoFit/>
-          </a:bodyPr>
-          <a:lstStyle/>
-          <a:p>
-            <a:r>
-              <a:rPr lang="en-US" dirty="0" smtClean="0"/>
-              <a:t>Drug Recall Information Center</a:t>
-            </a:r>
-            <a:endParaRPr lang="en-US" dirty="0"/>
-          </a:p>
-        </p:txBody>
-      </p:sp>
-      <p:sp>
-        <p:nvSpPr>
-          <p:cNvPr id="10" name="Rectangle 9"/>
+        </p:grpSpPr>
+        <p:sp>
+          <p:nvSpPr>
+            <p:cNvPr id="14" name="TextBox 13"/>
+            <p:cNvSpPr txBox="1"/>
+            <p:nvPr/>
+          </p:nvSpPr>
+          <p:spPr>
+            <a:xfrm>
+              <a:off x="3330892" y="3096398"/>
+              <a:ext cx="2504758" cy="246221"/>
+            </a:xfrm>
+            <a:prstGeom prst="rect">
+              <a:avLst/>
+            </a:prstGeom>
+            <a:noFill/>
+          </p:spPr>
+          <p:txBody>
+            <a:bodyPr wrap="square" rtlCol="0">
+              <a:spAutoFit/>
+            </a:bodyPr>
+            <a:lstStyle/>
+            <a:p>
+              <a:r>
+                <a:rPr lang="en-US" sz="1000" dirty="0" smtClean="0"/>
+                <a:t>Class 3         Drug #2                   5/29/15</a:t>
+              </a:r>
+              <a:endParaRPr lang="en-US" sz="1000" dirty="0"/>
+            </a:p>
+          </p:txBody>
+        </p:sp>
+        <p:sp>
+          <p:nvSpPr>
+            <p:cNvPr id="15" name="Oval 14"/>
+            <p:cNvSpPr/>
+            <p:nvPr/>
+          </p:nvSpPr>
+          <p:spPr bwMode="auto">
+            <a:xfrm>
+              <a:off x="3139757" y="3127175"/>
+              <a:ext cx="191135" cy="184666"/>
+            </a:xfrm>
+            <a:prstGeom prst="ellipse">
+              <a:avLst/>
+            </a:prstGeom>
+            <a:solidFill>
+              <a:srgbClr val="FF0000"/>
+            </a:solidFill>
+            <a:ln w="9525" cap="flat" cmpd="sng" algn="ctr">
+              <a:solidFill>
+                <a:schemeClr val="tx1"/>
+              </a:solidFill>
+              <a:prstDash val="solid"/>
+              <a:round/>
+              <a:headEnd type="none" w="med" len="med"/>
+              <a:tailEnd type="none" w="med" len="med"/>
+            </a:ln>
+            <a:effectLst/>
+          </p:spPr>
+          <p:txBody>
+            <a:bodyPr vert="horz" wrap="square" lIns="91440" tIns="45720" rIns="91440" bIns="45720" numCol="1" rtlCol="0" anchor="t" anchorCtr="0" compatLnSpc="1">
+              <a:prstTxWarp prst="textNoShape">
+                <a:avLst/>
+              </a:prstTxWarp>
+            </a:bodyPr>
+            <a:lstStyle/>
+            <a:p>
+              <a:pPr marL="0" marR="0" indent="0" algn="l" defTabSz="914400" rtl="0" eaLnBrk="0" fontAlgn="base" latinLnBrk="0" hangingPunct="0">
+                <a:lnSpc>
+                  <a:spcPct val="100000"/>
+                </a:lnSpc>
+                <a:spcBef>
+                  <a:spcPct val="0"/>
+                </a:spcBef>
+                <a:spcAft>
+                  <a:spcPct val="0"/>
+                </a:spcAft>
+                <a:buClrTx/>
+                <a:buSzTx/>
+                <a:buFontTx/>
+                <a:buNone/>
+                <a:tabLst/>
+              </a:pPr>
+              <a:endParaRPr kumimoji="0" lang="en-US" sz="2400" b="0" i="0" u="none" strike="noStrike" cap="none" normalizeH="0" baseline="0" smtClean="0">
+                <a:ln>
+                  <a:noFill/>
+                </a:ln>
+                <a:solidFill>
+                  <a:schemeClr val="tx1"/>
+                </a:solidFill>
+                <a:effectLst/>
+                <a:latin typeface="Arial" charset="0"/>
+                <a:ea typeface="ＭＳ Ｐゴシック" pitchFamily="-60" charset="-128"/>
+              </a:endParaRPr>
+            </a:p>
+          </p:txBody>
+        </p:sp>
+      </p:grpSp>
+      <p:grpSp>
+        <p:nvGrpSpPr>
+          <p:cNvPr id="30" name="Group 29"/>
+          <p:cNvGrpSpPr/>
+          <p:nvPr/>
+        </p:nvGrpSpPr>
+        <p:grpSpPr>
+          <a:xfrm>
+            <a:off x="3139757" y="3483291"/>
+            <a:ext cx="2695893" cy="246221"/>
+            <a:chOff x="3139757" y="3483291"/>
+            <a:chExt cx="2695893" cy="246221"/>
+          </a:xfrm>
+        </p:grpSpPr>
+        <p:sp>
+          <p:nvSpPr>
+            <p:cNvPr id="16" name="TextBox 15"/>
+            <p:cNvSpPr txBox="1"/>
+            <p:nvPr/>
+          </p:nvSpPr>
+          <p:spPr>
+            <a:xfrm>
+              <a:off x="3330892" y="3483291"/>
+              <a:ext cx="2504758" cy="246221"/>
+            </a:xfrm>
+            <a:prstGeom prst="rect">
+              <a:avLst/>
+            </a:prstGeom>
+            <a:noFill/>
+          </p:spPr>
+          <p:txBody>
+            <a:bodyPr wrap="square" rtlCol="0">
+              <a:spAutoFit/>
+            </a:bodyPr>
+            <a:lstStyle/>
+            <a:p>
+              <a:r>
+                <a:rPr lang="en-US" sz="1000" dirty="0" smtClean="0"/>
+                <a:t>Class 2         Drug #3                   5/29/15</a:t>
+              </a:r>
+              <a:endParaRPr lang="en-US" sz="1000" dirty="0"/>
+            </a:p>
+          </p:txBody>
+        </p:sp>
+        <p:sp>
+          <p:nvSpPr>
+            <p:cNvPr id="17" name="Oval 16"/>
+            <p:cNvSpPr/>
+            <p:nvPr/>
+          </p:nvSpPr>
+          <p:spPr bwMode="auto">
+            <a:xfrm>
+              <a:off x="3139757" y="3514068"/>
+              <a:ext cx="191135" cy="184666"/>
+            </a:xfrm>
+            <a:prstGeom prst="ellipse">
+              <a:avLst/>
+            </a:prstGeom>
+            <a:solidFill>
+              <a:srgbClr val="FFC000"/>
+            </a:solidFill>
+            <a:ln w="9525" cap="flat" cmpd="sng" algn="ctr">
+              <a:solidFill>
+                <a:schemeClr val="tx1"/>
+              </a:solidFill>
+              <a:prstDash val="solid"/>
+              <a:round/>
+              <a:headEnd type="none" w="med" len="med"/>
+              <a:tailEnd type="none" w="med" len="med"/>
+            </a:ln>
+            <a:effectLst/>
+          </p:spPr>
+          <p:txBody>
+            <a:bodyPr vert="horz" wrap="square" lIns="91440" tIns="45720" rIns="91440" bIns="45720" numCol="1" rtlCol="0" anchor="t" anchorCtr="0" compatLnSpc="1">
+              <a:prstTxWarp prst="textNoShape">
+                <a:avLst/>
+              </a:prstTxWarp>
+            </a:bodyPr>
+            <a:lstStyle/>
+            <a:p>
+              <a:pPr marL="0" marR="0" indent="0" algn="l" defTabSz="914400" rtl="0" eaLnBrk="0" fontAlgn="base" latinLnBrk="0" hangingPunct="0">
+                <a:lnSpc>
+                  <a:spcPct val="100000"/>
+                </a:lnSpc>
+                <a:spcBef>
+                  <a:spcPct val="0"/>
+                </a:spcBef>
+                <a:spcAft>
+                  <a:spcPct val="0"/>
+                </a:spcAft>
+                <a:buClrTx/>
+                <a:buSzTx/>
+                <a:buFontTx/>
+                <a:buNone/>
+                <a:tabLst/>
+              </a:pPr>
+              <a:endParaRPr kumimoji="0" lang="en-US" sz="2400" b="0" i="0" u="none" strike="noStrike" cap="none" normalizeH="0" baseline="0" smtClean="0">
+                <a:ln>
+                  <a:noFill/>
+                </a:ln>
+                <a:solidFill>
+                  <a:schemeClr val="tx1"/>
+                </a:solidFill>
+                <a:effectLst/>
+                <a:latin typeface="Arial" charset="0"/>
+                <a:ea typeface="ＭＳ Ｐゴシック" pitchFamily="-60" charset="-128"/>
+              </a:endParaRPr>
+            </a:p>
+          </p:txBody>
+        </p:sp>
+      </p:grpSp>
+      <p:grpSp>
+        <p:nvGrpSpPr>
+          <p:cNvPr id="27" name="Group 26"/>
+          <p:cNvGrpSpPr/>
+          <p:nvPr/>
+        </p:nvGrpSpPr>
+        <p:grpSpPr>
+          <a:xfrm>
+            <a:off x="2895600" y="1494234"/>
+            <a:ext cx="2301876" cy="258366"/>
+            <a:chOff x="2965449" y="1841182"/>
+            <a:chExt cx="2301876" cy="258366"/>
+          </a:xfrm>
+        </p:grpSpPr>
+        <p:sp>
+          <p:nvSpPr>
+            <p:cNvPr id="6" name="Rectangle 5"/>
+            <p:cNvSpPr/>
+            <p:nvPr/>
+          </p:nvSpPr>
+          <p:spPr bwMode="auto">
+            <a:xfrm>
+              <a:off x="2965449" y="1862852"/>
+              <a:ext cx="1504950" cy="236696"/>
+            </a:xfrm>
+            <a:prstGeom prst="rect">
+              <a:avLst/>
+            </a:prstGeom>
+            <a:solidFill>
+              <a:schemeClr val="bg1"/>
+            </a:solidFill>
+            <a:ln w="9525" cap="flat" cmpd="sng" algn="ctr">
+              <a:solidFill>
+                <a:schemeClr val="tx1"/>
+              </a:solidFill>
+              <a:prstDash val="solid"/>
+              <a:round/>
+              <a:headEnd type="none" w="med" len="med"/>
+              <a:tailEnd type="none" w="med" len="med"/>
+            </a:ln>
+            <a:effectLst/>
+          </p:spPr>
+          <p:txBody>
+            <a:bodyPr vert="horz" wrap="square" lIns="91440" tIns="45720" rIns="91440" bIns="45720" numCol="1" rtlCol="0" anchor="t" anchorCtr="0" compatLnSpc="1">
+              <a:prstTxWarp prst="textNoShape">
+                <a:avLst/>
+              </a:prstTxWarp>
+            </a:bodyPr>
+            <a:lstStyle/>
+            <a:p>
+              <a:pPr marL="0" marR="0" indent="0" algn="l" defTabSz="914400" rtl="0" eaLnBrk="0" fontAlgn="base" latinLnBrk="0" hangingPunct="0">
+                <a:lnSpc>
+                  <a:spcPct val="100000"/>
+                </a:lnSpc>
+                <a:spcBef>
+                  <a:spcPct val="0"/>
+                </a:spcBef>
+                <a:spcAft>
+                  <a:spcPct val="0"/>
+                </a:spcAft>
+                <a:buClrTx/>
+                <a:buSzTx/>
+                <a:buFontTx/>
+                <a:buNone/>
+                <a:tabLst/>
+              </a:pPr>
+              <a:endParaRPr kumimoji="0" lang="en-US" sz="2400" b="0" i="0" u="none" strike="noStrike" cap="none" normalizeH="0" baseline="0" smtClean="0">
+                <a:ln>
+                  <a:noFill/>
+                </a:ln>
+                <a:solidFill>
+                  <a:schemeClr val="tx1"/>
+                </a:solidFill>
+                <a:effectLst/>
+                <a:latin typeface="Arial" charset="0"/>
+                <a:ea typeface="ＭＳ Ｐゴシック" pitchFamily="-60" charset="-128"/>
+              </a:endParaRPr>
+            </a:p>
+          </p:txBody>
+        </p:sp>
+        <p:sp>
+          <p:nvSpPr>
+            <p:cNvPr id="5" name="TextBox 4"/>
+            <p:cNvSpPr txBox="1"/>
+            <p:nvPr/>
+          </p:nvSpPr>
+          <p:spPr>
+            <a:xfrm>
+              <a:off x="2965449" y="1841182"/>
+              <a:ext cx="1624172" cy="246221"/>
+            </a:xfrm>
+            <a:prstGeom prst="rect">
+              <a:avLst/>
+            </a:prstGeom>
+            <a:noFill/>
+          </p:spPr>
+          <p:txBody>
+            <a:bodyPr wrap="square" rtlCol="0">
+              <a:spAutoFit/>
+            </a:bodyPr>
+            <a:lstStyle/>
+            <a:p>
+              <a:r>
+                <a:rPr lang="en-US" sz="1000" dirty="0" smtClean="0"/>
+                <a:t>Enter the name a drug…</a:t>
+              </a:r>
+              <a:endParaRPr lang="en-US" sz="1000" dirty="0"/>
+            </a:p>
+          </p:txBody>
+        </p:sp>
+        <p:sp>
+          <p:nvSpPr>
+            <p:cNvPr id="18" name="Rounded Rectangle 17"/>
+            <p:cNvSpPr/>
+            <p:nvPr/>
+          </p:nvSpPr>
+          <p:spPr bwMode="auto">
+            <a:xfrm>
+              <a:off x="4589621" y="1862852"/>
+              <a:ext cx="677704" cy="224551"/>
+            </a:xfrm>
+            <a:prstGeom prst="roundRect">
+              <a:avLst/>
+            </a:prstGeom>
+            <a:solidFill>
+              <a:schemeClr val="accent3">
+                <a:lumMod val="85000"/>
+              </a:schemeClr>
+            </a:solidFill>
+            <a:ln w="9525" cap="flat" cmpd="sng" algn="ctr">
+              <a:solidFill>
+                <a:schemeClr val="tx1"/>
+              </a:solidFill>
+              <a:prstDash val="solid"/>
+              <a:round/>
+              <a:headEnd type="none" w="med" len="med"/>
+              <a:tailEnd type="none" w="med" len="med"/>
+            </a:ln>
+            <a:effectLst/>
+          </p:spPr>
+          <p:txBody>
+            <a:bodyPr vert="horz" wrap="square" lIns="91440" tIns="45720" rIns="91440" bIns="45720" numCol="1" rtlCol="0" anchor="t" anchorCtr="0" compatLnSpc="1">
+              <a:prstTxWarp prst="textNoShape">
+                <a:avLst/>
+              </a:prstTxWarp>
+            </a:bodyPr>
+            <a:lstStyle/>
+            <a:p>
+              <a:pPr marL="0" marR="0" indent="0" algn="ctr" defTabSz="914400" rtl="0" eaLnBrk="0" fontAlgn="base" latinLnBrk="0" hangingPunct="0">
+                <a:lnSpc>
+                  <a:spcPct val="100000"/>
+                </a:lnSpc>
+                <a:spcBef>
+                  <a:spcPct val="0"/>
+                </a:spcBef>
+                <a:spcAft>
+                  <a:spcPct val="0"/>
+                </a:spcAft>
+                <a:buClrTx/>
+                <a:buSzTx/>
+                <a:buFontTx/>
+                <a:buNone/>
+                <a:tabLst/>
+              </a:pPr>
+              <a:r>
+                <a:rPr kumimoji="0" lang="en-US" sz="1000" b="0" i="0" u="none" strike="noStrike" cap="none" normalizeH="0" baseline="0" dirty="0" smtClean="0">
+                  <a:ln>
+                    <a:noFill/>
+                  </a:ln>
+                  <a:solidFill>
+                    <a:schemeClr val="tx1"/>
+                  </a:solidFill>
+                  <a:effectLst/>
+                  <a:latin typeface="Arial" charset="0"/>
+                  <a:ea typeface="ＭＳ Ｐゴシック" pitchFamily="-60" charset="-128"/>
+                </a:rPr>
+                <a:t>Search</a:t>
+              </a:r>
+            </a:p>
+          </p:txBody>
+        </p:sp>
+      </p:grpSp>
+      <p:sp>
+        <p:nvSpPr>
+          <p:cNvPr id="19" name="Rectangle 18"/>
           <p:cNvSpPr/>
           <p:nvPr/>
         </p:nvSpPr>
         <p:spPr bwMode="auto">
           <a:xfrm>
-            <a:off x="3048000" y="2971800"/>
-            <a:ext cx="2819400" cy="1828800"/>
+            <a:off x="3047998" y="4914900"/>
+            <a:ext cx="3117849" cy="190500"/>
           </a:xfrm>
           <a:prstGeom prst="rect">
             <a:avLst/>
           </a:prstGeom>
           <a:solidFill>
-            <a:schemeClr val="bg1"/>
+            <a:schemeClr val="accent1"/>
+          </a:solidFill>
+          <a:ln w="9525" cap="flat" cmpd="sng" algn="ctr">
+            <a:solidFill>
+              <a:schemeClr val="tx1"/>
+            </a:solidFill>
+            <a:prstDash val="solid"/>
+            <a:round/>
+            <a:headEnd type="none" w="med" len="med"/>
+            <a:tailEnd type="none" w="med" len="med"/>
+          </a:ln>
+          <a:effectLst/>
+        </p:spPr>
+        <p:txBody>
+          <a:bodyPr vert="horz" wrap="square" lIns="91440" tIns="45720" rIns="91440" bIns="45720" numCol="1" rtlCol="0" anchor="t" anchorCtr="0" compatLnSpc="1">
+            <a:prstTxWarp prst="textNoShape">
+              <a:avLst/>
+            </a:prstTxWarp>
+          </a:bodyPr>
+          <a:lstStyle/>
+          <a:p>
+            <a:pPr marL="0" marR="0" indent="0" algn="l" defTabSz="914400" rtl="0" eaLnBrk="0" fontAlgn="base" latinLnBrk="0" hangingPunct="0">
+              <a:lnSpc>
+                <a:spcPct val="100000"/>
+              </a:lnSpc>
+              <a:spcBef>
+                <a:spcPct val="0"/>
+              </a:spcBef>
+              <a:spcAft>
+                <a:spcPct val="0"/>
+              </a:spcAft>
+              <a:buClrTx/>
+              <a:buSzTx/>
+              <a:buFontTx/>
+              <a:buNone/>
+              <a:tabLst/>
+            </a:pPr>
+            <a:r>
+              <a:rPr kumimoji="0" lang="en-US" sz="1100" b="0" i="0" u="none" strike="noStrike" cap="none" normalizeH="0" baseline="0" dirty="0" smtClean="0">
+                <a:ln>
+                  <a:noFill/>
+                </a:ln>
+                <a:solidFill>
+                  <a:schemeClr val="tx1"/>
+                </a:solidFill>
+                <a:effectLst/>
+                <a:latin typeface="Arial" charset="0"/>
+                <a:ea typeface="ＭＳ Ｐゴシック" pitchFamily="-60" charset="-128"/>
+              </a:rPr>
+              <a:t>Pagination</a:t>
+            </a:r>
+          </a:p>
+        </p:txBody>
+      </p:sp>
+      <p:sp>
+        <p:nvSpPr>
+          <p:cNvPr id="21" name="Rectangle 20"/>
+          <p:cNvSpPr/>
+          <p:nvPr/>
+        </p:nvSpPr>
+        <p:spPr bwMode="auto">
+          <a:xfrm>
+            <a:off x="1457325" y="609600"/>
+            <a:ext cx="5095875" cy="503720"/>
+          </a:xfrm>
+          <a:prstGeom prst="rect">
+            <a:avLst/>
+          </a:prstGeom>
+          <a:solidFill>
+            <a:schemeClr val="bg1">
+              <a:lumMod val="95000"/>
+            </a:schemeClr>
           </a:solidFill>
           <a:ln w="9525" cap="flat" cmpd="sng" algn="ctr">
             <a:solidFill>
@@ -4719,7 +5814,9 @@
                 <a:noFill/>
               </a:ln>
               <a:solidFill>
-                <a:schemeClr val="tx1"/>
+                <a:schemeClr val="bg1">
+                  <a:lumMod val="85000"/>
+                </a:schemeClr>
               </a:solidFill>
               <a:effectLst/>
               <a:latin typeface="Arial" charset="0"/>
@@ -4730,19 +5827,23 @@
       </p:sp>
       <p:sp>
         <p:nvSpPr>
-          <p:cNvPr id="11" name="TextBox 10"/>
+          <p:cNvPr id="8" name="TextBox 7"/>
           <p:cNvSpPr txBox="1"/>
           <p:nvPr/>
         </p:nvSpPr>
         <p:spPr>
           <a:xfrm>
-            <a:off x="3343592" y="3091934"/>
-            <a:ext cx="2504758" cy="246221"/>
+            <a:off x="1524000" y="759023"/>
+            <a:ext cx="3294741" cy="307777"/>
           </a:xfrm>
           <a:prstGeom prst="rect">
             <a:avLst/>
           </a:prstGeom>
-          <a:noFill/>
+          <a:solidFill>
+            <a:schemeClr val="bg1">
+              <a:lumMod val="95000"/>
+            </a:schemeClr>
+          </a:solidFill>
         </p:spPr>
         <p:txBody>
           <a:bodyPr wrap="square" rtlCol="0">
@@ -4751,387 +5852,108 @@
           <a:lstStyle/>
           <a:p>
             <a:r>
-              <a:rPr lang="en-US" sz="1000" dirty="0" smtClean="0"/>
-              <a:t>Low           Drug #1                   5/29/15</a:t>
-            </a:r>
-            <a:endParaRPr lang="en-US" sz="1000" dirty="0"/>
-          </a:p>
-        </p:txBody>
-      </p:sp>
-      <p:sp>
-        <p:nvSpPr>
-          <p:cNvPr id="12" name="Oval 11"/>
-          <p:cNvSpPr/>
+              <a:rPr lang="en-US" sz="1400" dirty="0" smtClean="0"/>
+              <a:t>Drug Recall Information Center</a:t>
+            </a:r>
+            <a:endParaRPr lang="en-US" sz="1400" dirty="0"/>
+          </a:p>
+        </p:txBody>
+      </p:sp>
+      <p:grpSp>
+        <p:nvGrpSpPr>
+          <p:cNvPr id="25" name="Group 24"/>
+          <p:cNvGrpSpPr/>
           <p:nvPr/>
-        </p:nvSpPr>
-        <p:spPr bwMode="auto">
+        </p:nvGrpSpPr>
+        <p:grpSpPr>
           <a:xfrm>
-            <a:off x="3146107" y="3122711"/>
-            <a:ext cx="191135" cy="184666"/>
+            <a:off x="2971800" y="5562600"/>
+            <a:ext cx="2597151" cy="380999"/>
+            <a:chOff x="2965449" y="5562600"/>
+            <a:chExt cx="2597151" cy="380999"/>
           </a:xfrm>
-          <a:prstGeom prst="ellipse">
-            <a:avLst/>
-          </a:prstGeom>
-          <a:solidFill>
-            <a:srgbClr val="FFFF00"/>
-          </a:solidFill>
-          <a:ln w="9525" cap="flat" cmpd="sng" algn="ctr">
-            <a:solidFill>
-              <a:schemeClr val="tx1"/>
-            </a:solidFill>
-            <a:prstDash val="solid"/>
-            <a:round/>
-            <a:headEnd type="none" w="med" len="med"/>
-            <a:tailEnd type="none" w="med" len="med"/>
-          </a:ln>
-          <a:effectLst/>
-        </p:spPr>
-        <p:txBody>
-          <a:bodyPr vert="horz" wrap="square" lIns="91440" tIns="45720" rIns="91440" bIns="45720" numCol="1" rtlCol="0" anchor="t" anchorCtr="0" compatLnSpc="1">
-            <a:prstTxWarp prst="textNoShape">
+        </p:grpSpPr>
+        <p:sp>
+          <p:nvSpPr>
+            <p:cNvPr id="23" name="TextBox 22"/>
+            <p:cNvSpPr txBox="1"/>
+            <p:nvPr/>
+          </p:nvSpPr>
+          <p:spPr>
+            <a:xfrm>
+              <a:off x="3057842" y="5621179"/>
+              <a:ext cx="2504758" cy="246221"/>
+            </a:xfrm>
+            <a:prstGeom prst="rect">
               <a:avLst/>
-            </a:prstTxWarp>
-          </a:bodyPr>
-          <a:lstStyle/>
-          <a:p>
-            <a:pPr marL="0" marR="0" indent="0" algn="l" defTabSz="914400" rtl="0" eaLnBrk="0" fontAlgn="base" latinLnBrk="0" hangingPunct="0">
-              <a:lnSpc>
-                <a:spcPct val="100000"/>
-              </a:lnSpc>
-              <a:spcBef>
-                <a:spcPct val="0"/>
-              </a:spcBef>
-              <a:spcAft>
-                <a:spcPct val="0"/>
-              </a:spcAft>
-              <a:buClrTx/>
-              <a:buSzTx/>
-              <a:buFontTx/>
-              <a:buNone/>
-              <a:tabLst/>
-            </a:pPr>
-            <a:endParaRPr kumimoji="0" lang="en-US" sz="2400" b="0" i="0" u="none" strike="noStrike" cap="none" normalizeH="0" baseline="0" smtClean="0">
-              <a:ln>
-                <a:noFill/>
-              </a:ln>
+            </a:prstGeom>
+            <a:noFill/>
+          </p:spPr>
+          <p:txBody>
+            <a:bodyPr wrap="square" rtlCol="0">
+              <a:spAutoFit/>
+            </a:bodyPr>
+            <a:lstStyle/>
+            <a:p>
+              <a:r>
+                <a:rPr lang="en-US" sz="1000" dirty="0" smtClean="0"/>
+                <a:t>Developed by</a:t>
+              </a:r>
+              <a:endParaRPr lang="en-US" sz="1000" dirty="0"/>
+            </a:p>
+          </p:txBody>
+        </p:sp>
+        <p:sp>
+          <p:nvSpPr>
+            <p:cNvPr id="24" name="Rectangle 23"/>
+            <p:cNvSpPr/>
+            <p:nvPr/>
+          </p:nvSpPr>
+          <p:spPr bwMode="auto">
+            <a:xfrm>
+              <a:off x="2965449" y="5562600"/>
+              <a:ext cx="2139951" cy="380999"/>
+            </a:xfrm>
+            <a:prstGeom prst="rect">
+              <a:avLst/>
+            </a:prstGeom>
+            <a:noFill/>
+            <a:ln w="9525" cap="flat" cmpd="sng" algn="ctr">
               <a:solidFill>
                 <a:schemeClr val="tx1"/>
               </a:solidFill>
-              <a:effectLst/>
-              <a:latin typeface="Arial" charset="0"/>
-              <a:ea typeface="ＭＳ Ｐゴシック" pitchFamily="-60" charset="-128"/>
-            </a:endParaRPr>
-          </a:p>
-        </p:txBody>
-      </p:sp>
-      <p:sp>
-        <p:nvSpPr>
-          <p:cNvPr id="13" name="TextBox 12"/>
-          <p:cNvSpPr txBox="1"/>
-          <p:nvPr/>
-        </p:nvSpPr>
-        <p:spPr>
-          <a:xfrm>
-            <a:off x="3048000" y="2725579"/>
-            <a:ext cx="2819400" cy="246221"/>
-          </a:xfrm>
-          <a:prstGeom prst="rect">
-            <a:avLst/>
-          </a:prstGeom>
-          <a:noFill/>
-        </p:spPr>
-        <p:txBody>
-          <a:bodyPr wrap="square" rtlCol="0">
-            <a:spAutoFit/>
-          </a:bodyPr>
-          <a:lstStyle/>
-          <a:p>
-            <a:r>
-              <a:rPr lang="en-US" sz="1000" dirty="0" smtClean="0"/>
-              <a:t>Severity	Name	Date of recall</a:t>
-            </a:r>
-            <a:endParaRPr lang="en-US" sz="1000" dirty="0"/>
-          </a:p>
-        </p:txBody>
-      </p:sp>
-      <p:sp>
-        <p:nvSpPr>
-          <p:cNvPr id="14" name="TextBox 13"/>
-          <p:cNvSpPr txBox="1"/>
-          <p:nvPr/>
-        </p:nvSpPr>
-        <p:spPr>
-          <a:xfrm>
-            <a:off x="3337242" y="3445132"/>
-            <a:ext cx="2504758" cy="246221"/>
-          </a:xfrm>
-          <a:prstGeom prst="rect">
-            <a:avLst/>
-          </a:prstGeom>
-          <a:noFill/>
-        </p:spPr>
-        <p:txBody>
-          <a:bodyPr wrap="square" rtlCol="0">
-            <a:spAutoFit/>
-          </a:bodyPr>
-          <a:lstStyle/>
-          <a:p>
-            <a:r>
-              <a:rPr lang="en-US" sz="1000" dirty="0" smtClean="0"/>
-              <a:t>High          Drug #2                   5/29/15</a:t>
-            </a:r>
-            <a:endParaRPr lang="en-US" sz="1000" dirty="0"/>
-          </a:p>
-        </p:txBody>
-      </p:sp>
-      <p:sp>
-        <p:nvSpPr>
-          <p:cNvPr id="15" name="Oval 14"/>
-          <p:cNvSpPr/>
-          <p:nvPr/>
-        </p:nvSpPr>
-        <p:spPr bwMode="auto">
-          <a:xfrm>
-            <a:off x="3139757" y="3475909"/>
-            <a:ext cx="191135" cy="184666"/>
-          </a:xfrm>
-          <a:prstGeom prst="ellipse">
-            <a:avLst/>
-          </a:prstGeom>
-          <a:solidFill>
-            <a:srgbClr val="FF0000"/>
-          </a:solidFill>
-          <a:ln w="9525" cap="flat" cmpd="sng" algn="ctr">
-            <a:solidFill>
-              <a:schemeClr val="tx1"/>
-            </a:solidFill>
-            <a:prstDash val="solid"/>
-            <a:round/>
-            <a:headEnd type="none" w="med" len="med"/>
-            <a:tailEnd type="none" w="med" len="med"/>
-          </a:ln>
-          <a:effectLst/>
-        </p:spPr>
-        <p:txBody>
-          <a:bodyPr vert="horz" wrap="square" lIns="91440" tIns="45720" rIns="91440" bIns="45720" numCol="1" rtlCol="0" anchor="t" anchorCtr="0" compatLnSpc="1">
-            <a:prstTxWarp prst="textNoShape">
-              <a:avLst/>
-            </a:prstTxWarp>
-          </a:bodyPr>
-          <a:lstStyle/>
-          <a:p>
-            <a:pPr marL="0" marR="0" indent="0" algn="l" defTabSz="914400" rtl="0" eaLnBrk="0" fontAlgn="base" latinLnBrk="0" hangingPunct="0">
-              <a:lnSpc>
-                <a:spcPct val="100000"/>
-              </a:lnSpc>
-              <a:spcBef>
-                <a:spcPct val="0"/>
-              </a:spcBef>
-              <a:spcAft>
-                <a:spcPct val="0"/>
-              </a:spcAft>
-              <a:buClrTx/>
-              <a:buSzTx/>
-              <a:buFontTx/>
-              <a:buNone/>
-              <a:tabLst/>
-            </a:pPr>
-            <a:endParaRPr kumimoji="0" lang="en-US" sz="2400" b="0" i="0" u="none" strike="noStrike" cap="none" normalizeH="0" baseline="0" smtClean="0">
-              <a:ln>
-                <a:noFill/>
-              </a:ln>
-              <a:solidFill>
-                <a:schemeClr val="tx1"/>
-              </a:solidFill>
-              <a:effectLst/>
-              <a:latin typeface="Arial" charset="0"/>
-              <a:ea typeface="ＭＳ Ｐゴシック" pitchFamily="-60" charset="-128"/>
-            </a:endParaRPr>
-          </a:p>
-        </p:txBody>
-      </p:sp>
-      <p:sp>
-        <p:nvSpPr>
-          <p:cNvPr id="16" name="TextBox 15"/>
-          <p:cNvSpPr txBox="1"/>
-          <p:nvPr/>
-        </p:nvSpPr>
-        <p:spPr>
-          <a:xfrm>
-            <a:off x="3337242" y="3832025"/>
-            <a:ext cx="2504758" cy="246221"/>
-          </a:xfrm>
-          <a:prstGeom prst="rect">
-            <a:avLst/>
-          </a:prstGeom>
-          <a:noFill/>
-        </p:spPr>
-        <p:txBody>
-          <a:bodyPr wrap="square" rtlCol="0">
-            <a:spAutoFit/>
-          </a:bodyPr>
-          <a:lstStyle/>
-          <a:p>
-            <a:r>
-              <a:rPr lang="en-US" sz="1000" dirty="0" smtClean="0"/>
-              <a:t>Medium     Drug #3                   5/29/15</a:t>
-            </a:r>
-            <a:endParaRPr lang="en-US" sz="1000" dirty="0"/>
-          </a:p>
-        </p:txBody>
-      </p:sp>
-      <p:sp>
-        <p:nvSpPr>
-          <p:cNvPr id="17" name="Oval 16"/>
-          <p:cNvSpPr/>
-          <p:nvPr/>
-        </p:nvSpPr>
-        <p:spPr bwMode="auto">
-          <a:xfrm>
-            <a:off x="3139757" y="3862802"/>
-            <a:ext cx="191135" cy="184666"/>
-          </a:xfrm>
-          <a:prstGeom prst="ellipse">
-            <a:avLst/>
-          </a:prstGeom>
-          <a:solidFill>
-            <a:srgbClr val="FFC000"/>
-          </a:solidFill>
-          <a:ln w="9525" cap="flat" cmpd="sng" algn="ctr">
-            <a:solidFill>
-              <a:schemeClr val="tx1"/>
-            </a:solidFill>
-            <a:prstDash val="solid"/>
-            <a:round/>
-            <a:headEnd type="none" w="med" len="med"/>
-            <a:tailEnd type="none" w="med" len="med"/>
-          </a:ln>
-          <a:effectLst/>
-        </p:spPr>
-        <p:txBody>
-          <a:bodyPr vert="horz" wrap="square" lIns="91440" tIns="45720" rIns="91440" bIns="45720" numCol="1" rtlCol="0" anchor="t" anchorCtr="0" compatLnSpc="1">
-            <a:prstTxWarp prst="textNoShape">
-              <a:avLst/>
-            </a:prstTxWarp>
-          </a:bodyPr>
-          <a:lstStyle/>
-          <a:p>
-            <a:pPr marL="0" marR="0" indent="0" algn="l" defTabSz="914400" rtl="0" eaLnBrk="0" fontAlgn="base" latinLnBrk="0" hangingPunct="0">
-              <a:lnSpc>
-                <a:spcPct val="100000"/>
-              </a:lnSpc>
-              <a:spcBef>
-                <a:spcPct val="0"/>
-              </a:spcBef>
-              <a:spcAft>
-                <a:spcPct val="0"/>
-              </a:spcAft>
-              <a:buClrTx/>
-              <a:buSzTx/>
-              <a:buFontTx/>
-              <a:buNone/>
-              <a:tabLst/>
-            </a:pPr>
-            <a:endParaRPr kumimoji="0" lang="en-US" sz="2400" b="0" i="0" u="none" strike="noStrike" cap="none" normalizeH="0" baseline="0" smtClean="0">
-              <a:ln>
-                <a:noFill/>
-              </a:ln>
-              <a:solidFill>
-                <a:schemeClr val="tx1"/>
-              </a:solidFill>
-              <a:effectLst/>
-              <a:latin typeface="Arial" charset="0"/>
-              <a:ea typeface="ＭＳ Ｐゴシック" pitchFamily="-60" charset="-128"/>
-            </a:endParaRPr>
-          </a:p>
-        </p:txBody>
-      </p:sp>
-      <p:sp>
-        <p:nvSpPr>
-          <p:cNvPr id="5" name="TextBox 4"/>
-          <p:cNvSpPr txBox="1"/>
-          <p:nvPr/>
-        </p:nvSpPr>
-        <p:spPr>
-          <a:xfrm>
-            <a:off x="2965449" y="1841182"/>
-            <a:ext cx="1624172" cy="246221"/>
-          </a:xfrm>
-          <a:prstGeom prst="rect">
-            <a:avLst/>
-          </a:prstGeom>
-          <a:noFill/>
-        </p:spPr>
-        <p:txBody>
-          <a:bodyPr wrap="square" rtlCol="0">
-            <a:spAutoFit/>
-          </a:bodyPr>
-          <a:lstStyle/>
-          <a:p>
-            <a:r>
-              <a:rPr lang="en-US" sz="1000" dirty="0" smtClean="0"/>
-              <a:t>Enter the name a drug…</a:t>
-            </a:r>
-            <a:endParaRPr lang="en-US" sz="1000" dirty="0"/>
-          </a:p>
-        </p:txBody>
-      </p:sp>
-      <p:sp>
-        <p:nvSpPr>
-          <p:cNvPr id="18" name="Rounded Rectangle 17"/>
-          <p:cNvSpPr/>
-          <p:nvPr/>
-        </p:nvSpPr>
-        <p:spPr bwMode="auto">
-          <a:xfrm>
-            <a:off x="4589621" y="1862852"/>
-            <a:ext cx="677704" cy="224551"/>
-          </a:xfrm>
-          <a:prstGeom prst="roundRect">
-            <a:avLst/>
-          </a:prstGeom>
-          <a:solidFill>
-            <a:schemeClr val="accent3">
-              <a:lumMod val="85000"/>
-            </a:schemeClr>
-          </a:solidFill>
-          <a:ln w="9525" cap="flat" cmpd="sng" algn="ctr">
-            <a:solidFill>
-              <a:schemeClr val="tx1"/>
-            </a:solidFill>
-            <a:prstDash val="solid"/>
-            <a:round/>
-            <a:headEnd type="none" w="med" len="med"/>
-            <a:tailEnd type="none" w="med" len="med"/>
-          </a:ln>
-          <a:effectLst/>
-        </p:spPr>
-        <p:txBody>
-          <a:bodyPr vert="horz" wrap="square" lIns="91440" tIns="45720" rIns="91440" bIns="45720" numCol="1" rtlCol="0" anchor="t" anchorCtr="0" compatLnSpc="1">
-            <a:prstTxWarp prst="textNoShape">
-              <a:avLst/>
-            </a:prstTxWarp>
-          </a:bodyPr>
-          <a:lstStyle/>
-          <a:p>
-            <a:pPr marL="0" marR="0" indent="0" algn="ctr" defTabSz="914400" rtl="0" eaLnBrk="0" fontAlgn="base" latinLnBrk="0" hangingPunct="0">
-              <a:lnSpc>
-                <a:spcPct val="100000"/>
-              </a:lnSpc>
-              <a:spcBef>
-                <a:spcPct val="0"/>
-              </a:spcBef>
-              <a:spcAft>
-                <a:spcPct val="0"/>
-              </a:spcAft>
-              <a:buClrTx/>
-              <a:buSzTx/>
-              <a:buFontTx/>
-              <a:buNone/>
-              <a:tabLst/>
-            </a:pPr>
-            <a:r>
-              <a:rPr kumimoji="0" lang="en-US" sz="1000" b="0" i="0" u="none" strike="noStrike" cap="none" normalizeH="0" baseline="0" dirty="0" smtClean="0">
+              <a:prstDash val="solid"/>
+              <a:round/>
+              <a:headEnd type="none" w="med" len="med"/>
+              <a:tailEnd type="none" w="med" len="med"/>
+            </a:ln>
+            <a:effectLst/>
+          </p:spPr>
+          <p:txBody>
+            <a:bodyPr vert="horz" wrap="square" lIns="91440" tIns="45720" rIns="91440" bIns="45720" numCol="1" rtlCol="0" anchor="t" anchorCtr="0" compatLnSpc="1">
+              <a:prstTxWarp prst="textNoShape">
+                <a:avLst/>
+              </a:prstTxWarp>
+            </a:bodyPr>
+            <a:lstStyle/>
+            <a:p>
+              <a:pPr marL="0" marR="0" indent="0" algn="l" defTabSz="914400" rtl="0" eaLnBrk="0" fontAlgn="base" latinLnBrk="0" hangingPunct="0">
+                <a:lnSpc>
+                  <a:spcPct val="100000"/>
+                </a:lnSpc>
+                <a:spcBef>
+                  <a:spcPct val="0"/>
+                </a:spcBef>
+                <a:spcAft>
+                  <a:spcPct val="0"/>
+                </a:spcAft>
+                <a:buClrTx/>
+                <a:buSzTx/>
+                <a:buFontTx/>
+                <a:buNone/>
+                <a:tabLst/>
+              </a:pPr>
+              <a:endParaRPr kumimoji="0" lang="en-US" sz="2400" b="0" i="0" u="none" strike="noStrike" cap="none" normalizeH="0" baseline="0" smtClean="0">
                 <a:ln>
                   <a:noFill/>
                 </a:ln>
@@ -5141,22 +5963,21 @@
                 <a:effectLst/>
                 <a:latin typeface="Arial" charset="0"/>
                 <a:ea typeface="ＭＳ Ｐゴシック" pitchFamily="-60" charset="-128"/>
-              </a:rPr>
-              <a:t>Search</a:t>
-            </a:r>
-          </a:p>
-        </p:txBody>
-      </p:sp>
-      <p:sp>
-        <p:nvSpPr>
-          <p:cNvPr id="3" name="TextBox 2"/>
+              </a:endParaRPr>
+            </a:p>
+          </p:txBody>
+        </p:sp>
+      </p:grpSp>
+      <p:sp>
+        <p:nvSpPr>
+          <p:cNvPr id="67" name="TextBox 66"/>
           <p:cNvSpPr txBox="1"/>
           <p:nvPr/>
         </p:nvSpPr>
         <p:spPr>
           <a:xfrm>
-            <a:off x="6705600" y="3091934"/>
-            <a:ext cx="1447800" cy="1200329"/>
+            <a:off x="6792686" y="1794187"/>
+            <a:ext cx="2133600" cy="2031325"/>
           </a:xfrm>
           <a:prstGeom prst="rect">
             <a:avLst/>
@@ -5171,744 +5992,113 @@
           <a:p>
             <a:r>
               <a:rPr lang="en-US" dirty="0" smtClean="0"/>
-              <a:t>Shows top ten recent drug recalls by date</a:t>
+              <a:t>Default Filters:</a:t>
+            </a:r>
+          </a:p>
+          <a:p>
+            <a:r>
+              <a:rPr lang="en-US" dirty="0"/>
+              <a:t> </a:t>
+            </a:r>
+            <a:r>
+              <a:rPr lang="en-US" dirty="0" smtClean="0"/>
+              <a:t> -  1 month</a:t>
+            </a:r>
+          </a:p>
+          <a:p>
+            <a:r>
+              <a:rPr lang="en-US" dirty="0"/>
+              <a:t> </a:t>
+            </a:r>
+            <a:r>
+              <a:rPr lang="en-US" dirty="0" smtClean="0"/>
+              <a:t> -  Ongoing</a:t>
+            </a:r>
+          </a:p>
+          <a:p>
+            <a:r>
+              <a:rPr lang="en-US" dirty="0"/>
+              <a:t> </a:t>
+            </a:r>
+            <a:r>
+              <a:rPr lang="en-US" dirty="0" smtClean="0"/>
+              <a:t> -  All</a:t>
+            </a:r>
+          </a:p>
+          <a:p>
+            <a:r>
+              <a:rPr lang="en-US" dirty="0" smtClean="0"/>
+              <a:t>User can update filters to filter recall list</a:t>
             </a:r>
             <a:endParaRPr lang="en-US" dirty="0"/>
           </a:p>
         </p:txBody>
       </p:sp>
-    </p:spTree>
-    <p:extLst>
-      <p:ext uri="{BB962C8B-B14F-4D97-AF65-F5344CB8AC3E}">
-        <p14:creationId xmlns:p14="http://schemas.microsoft.com/office/powerpoint/2010/main" val="2643020664"/>
-      </p:ext>
-    </p:extLst>
-  </p:cSld>
-  <p:clrMapOvr>
-    <a:masterClrMapping/>
-  </p:clrMapOvr>
-  <p:timing>
-    <p:tnLst>
-      <p:par>
-        <p:cTn id="1" dur="indefinite" restart="never" nodeType="tmRoot"/>
-      </p:par>
-    </p:tnLst>
-  </p:timing>
-</p:sld>
-</file>
-
-<file path=ppt/slides/slide3.xml><?xml version="1.0" encoding="utf-8"?>
-<p:sld xmlns:a="http://schemas.openxmlformats.org/drawingml/2006/main" xmlns:r="http://schemas.openxmlformats.org/officeDocument/2006/relationships" xmlns:p="http://schemas.openxmlformats.org/presentationml/2006/main">
-  <p:cSld>
-    <p:spTree>
-      <p:nvGrpSpPr>
-        <p:cNvPr id="1" name=""/>
-        <p:cNvGrpSpPr/>
-        <p:nvPr/>
-      </p:nvGrpSpPr>
-      <p:grpSpPr>
-        <a:xfrm>
-          <a:off x="0" y="0"/>
-          <a:ext cx="0" cy="0"/>
-          <a:chOff x="0" y="0"/>
-          <a:chExt cx="0" cy="0"/>
-        </a:xfrm>
-      </p:grpSpPr>
-      <p:sp>
-        <p:nvSpPr>
-          <p:cNvPr id="2" name="Rectangle 1"/>
-          <p:cNvSpPr/>
+      <p:grpSp>
+        <p:nvGrpSpPr>
+          <p:cNvPr id="68" name="Group 67"/>
+          <p:cNvGrpSpPr/>
           <p:nvPr/>
-        </p:nvSpPr>
-        <p:spPr bwMode="auto">
+        </p:nvGrpSpPr>
+        <p:grpSpPr>
           <a:xfrm>
-            <a:off x="2667000" y="609600"/>
-            <a:ext cx="3886200" cy="5334000"/>
+            <a:off x="1600200" y="2438400"/>
+            <a:ext cx="1371600" cy="2668488"/>
+            <a:chOff x="1600200" y="2438400"/>
+            <a:chExt cx="1371600" cy="2668488"/>
           </a:xfrm>
-          <a:prstGeom prst="rect">
-            <a:avLst/>
-          </a:prstGeom>
-          <a:solidFill>
-            <a:schemeClr val="bg1"/>
-          </a:solidFill>
-          <a:ln w="9525" cap="flat" cmpd="sng" algn="ctr">
-            <a:solidFill>
-              <a:schemeClr val="tx1"/>
-            </a:solidFill>
-            <a:prstDash val="solid"/>
-            <a:round/>
-            <a:headEnd type="none" w="med" len="med"/>
-            <a:tailEnd type="none" w="med" len="med"/>
-          </a:ln>
-          <a:effectLst/>
-        </p:spPr>
-        <p:txBody>
-          <a:bodyPr vert="horz" wrap="square" lIns="91440" tIns="45720" rIns="91440" bIns="45720" numCol="1" rtlCol="0" anchor="t" anchorCtr="0" compatLnSpc="1">
-            <a:prstTxWarp prst="textNoShape">
+        </p:grpSpPr>
+        <p:sp>
+          <p:nvSpPr>
+            <p:cNvPr id="69" name="Rectangle 68"/>
+            <p:cNvSpPr/>
+            <p:nvPr/>
+          </p:nvSpPr>
+          <p:spPr bwMode="auto">
+            <a:xfrm>
+              <a:off x="1600200" y="2666999"/>
+              <a:ext cx="1295400" cy="2436267"/>
+            </a:xfrm>
+            <a:prstGeom prst="rect">
               <a:avLst/>
-            </a:prstTxWarp>
-          </a:bodyPr>
-          <a:lstStyle/>
-          <a:p>
-            <a:pPr marL="0" marR="0" indent="0" algn="l" defTabSz="914400" rtl="0" eaLnBrk="0" fontAlgn="base" latinLnBrk="0" hangingPunct="0">
-              <a:lnSpc>
-                <a:spcPct val="100000"/>
-              </a:lnSpc>
-              <a:spcBef>
-                <a:spcPct val="0"/>
-              </a:spcBef>
-              <a:spcAft>
-                <a:spcPct val="0"/>
-              </a:spcAft>
-              <a:buClrTx/>
-              <a:buSzTx/>
-              <a:buFontTx/>
-              <a:buNone/>
-              <a:tabLst/>
-            </a:pPr>
-            <a:endParaRPr kumimoji="0" lang="en-US" sz="2400" b="0" i="0" u="none" strike="noStrike" cap="none" normalizeH="0" baseline="0" dirty="0" smtClean="0">
-              <a:ln>
-                <a:noFill/>
-              </a:ln>
+            </a:prstGeom>
+            <a:noFill/>
+            <a:ln w="9525" cap="flat" cmpd="sng" algn="ctr">
               <a:solidFill>
                 <a:schemeClr val="tx1"/>
               </a:solidFill>
-              <a:effectLst/>
-              <a:latin typeface="Arial" charset="0"/>
-              <a:ea typeface="ＭＳ Ｐゴシック" pitchFamily="-60" charset="-128"/>
-            </a:endParaRPr>
-          </a:p>
-        </p:txBody>
-      </p:sp>
-      <p:pic>
-        <p:nvPicPr>
-          <p:cNvPr id="4" name="Picture 3" descr="DEV-Logo_RGB.gif"/>
-          <p:cNvPicPr/>
-          <p:nvPr/>
-        </p:nvPicPr>
-        <p:blipFill>
-          <a:blip r:embed="rId3" cstate="print">
-            <a:extLst>
-              <a:ext uri="{28A0092B-C50C-407E-A947-70E740481C1C}">
-                <a14:useLocalDpi xmlns:a14="http://schemas.microsoft.com/office/drawing/2010/main" val="0"/>
-              </a:ext>
-            </a:extLst>
-          </a:blip>
-          <a:srcRect/>
-          <a:stretch>
-            <a:fillRect/>
-          </a:stretch>
-        </p:blipFill>
-        <p:spPr bwMode="auto">
-          <a:xfrm>
-            <a:off x="2844800" y="932906"/>
-            <a:ext cx="997585" cy="370840"/>
-          </a:xfrm>
-          <a:prstGeom prst="rect">
-            <a:avLst/>
-          </a:prstGeom>
-          <a:noFill/>
-          <a:ln>
-            <a:noFill/>
-          </a:ln>
-        </p:spPr>
-      </p:pic>
-      <p:sp>
-        <p:nvSpPr>
-          <p:cNvPr id="6" name="Rectangle 5"/>
-          <p:cNvSpPr/>
-          <p:nvPr/>
-        </p:nvSpPr>
-        <p:spPr bwMode="auto">
-          <a:xfrm>
-            <a:off x="2965449" y="1862852"/>
-            <a:ext cx="1504950" cy="236696"/>
-          </a:xfrm>
-          <a:prstGeom prst="rect">
-            <a:avLst/>
-          </a:prstGeom>
-          <a:solidFill>
-            <a:schemeClr val="bg1"/>
-          </a:solidFill>
-          <a:ln w="9525" cap="flat" cmpd="sng" algn="ctr">
-            <a:solidFill>
-              <a:schemeClr val="tx1"/>
-            </a:solidFill>
-            <a:prstDash val="solid"/>
-            <a:round/>
-            <a:headEnd type="none" w="med" len="med"/>
-            <a:tailEnd type="none" w="med" len="med"/>
-          </a:ln>
-          <a:effectLst/>
-        </p:spPr>
-        <p:txBody>
-          <a:bodyPr vert="horz" wrap="square" lIns="91440" tIns="45720" rIns="91440" bIns="45720" numCol="1" rtlCol="0" anchor="t" anchorCtr="0" compatLnSpc="1">
-            <a:prstTxWarp prst="textNoShape">
-              <a:avLst/>
-            </a:prstTxWarp>
-          </a:bodyPr>
-          <a:lstStyle/>
-          <a:p>
-            <a:pPr marL="0" marR="0" indent="0" algn="l" defTabSz="914400" rtl="0" eaLnBrk="0" fontAlgn="base" latinLnBrk="0" hangingPunct="0">
-              <a:lnSpc>
-                <a:spcPct val="100000"/>
-              </a:lnSpc>
-              <a:spcBef>
-                <a:spcPct val="0"/>
-              </a:spcBef>
-              <a:spcAft>
-                <a:spcPct val="0"/>
-              </a:spcAft>
-              <a:buClrTx/>
-              <a:buSzTx/>
-              <a:buFontTx/>
-              <a:buNone/>
-              <a:tabLst/>
-            </a:pPr>
-            <a:endParaRPr kumimoji="0" lang="en-US" sz="2400" b="0" i="0" u="none" strike="noStrike" cap="none" normalizeH="0" baseline="0" smtClean="0">
-              <a:ln>
-                <a:noFill/>
-              </a:ln>
-              <a:solidFill>
-                <a:schemeClr val="tx1"/>
-              </a:solidFill>
-              <a:effectLst/>
-              <a:latin typeface="Arial" charset="0"/>
-              <a:ea typeface="ＭＳ Ｐゴシック" pitchFamily="-60" charset="-128"/>
-            </a:endParaRPr>
-          </a:p>
-        </p:txBody>
-      </p:sp>
-      <p:sp>
-        <p:nvSpPr>
-          <p:cNvPr id="7" name="TextBox 6"/>
-          <p:cNvSpPr txBox="1"/>
-          <p:nvPr/>
-        </p:nvSpPr>
-        <p:spPr>
-          <a:xfrm>
-            <a:off x="3314700" y="2362200"/>
-            <a:ext cx="2209800" cy="307777"/>
-          </a:xfrm>
-          <a:prstGeom prst="rect">
-            <a:avLst/>
-          </a:prstGeom>
-          <a:noFill/>
-        </p:spPr>
-        <p:txBody>
-          <a:bodyPr wrap="square" rtlCol="0">
-            <a:spAutoFit/>
-          </a:bodyPr>
-          <a:lstStyle/>
-          <a:p>
-            <a:r>
-              <a:rPr lang="en-US" sz="1400" u="sng" dirty="0" smtClean="0"/>
-              <a:t>Search results</a:t>
-            </a:r>
-            <a:endParaRPr lang="en-US" sz="1400" u="sng" dirty="0"/>
-          </a:p>
-        </p:txBody>
-      </p:sp>
-      <p:sp>
-        <p:nvSpPr>
-          <p:cNvPr id="8" name="TextBox 7"/>
-          <p:cNvSpPr txBox="1"/>
-          <p:nvPr/>
-        </p:nvSpPr>
-        <p:spPr>
-          <a:xfrm>
-            <a:off x="4143375" y="795160"/>
-            <a:ext cx="2247900" cy="646331"/>
-          </a:xfrm>
-          <a:prstGeom prst="rect">
-            <a:avLst/>
-          </a:prstGeom>
-          <a:noFill/>
-        </p:spPr>
-        <p:txBody>
-          <a:bodyPr wrap="square" rtlCol="0">
-            <a:spAutoFit/>
-          </a:bodyPr>
-          <a:lstStyle/>
-          <a:p>
-            <a:r>
-              <a:rPr lang="en-US" dirty="0" smtClean="0"/>
-              <a:t>Drug Recall Information Center</a:t>
-            </a:r>
-            <a:endParaRPr lang="en-US" dirty="0"/>
-          </a:p>
-        </p:txBody>
-      </p:sp>
-      <p:sp>
-        <p:nvSpPr>
-          <p:cNvPr id="10" name="Rectangle 9"/>
-          <p:cNvSpPr/>
-          <p:nvPr/>
-        </p:nvSpPr>
-        <p:spPr bwMode="auto">
-          <a:xfrm>
-            <a:off x="3048000" y="2971800"/>
-            <a:ext cx="2819400" cy="1828800"/>
-          </a:xfrm>
-          <a:prstGeom prst="rect">
-            <a:avLst/>
-          </a:prstGeom>
-          <a:solidFill>
-            <a:schemeClr val="bg1"/>
-          </a:solidFill>
-          <a:ln w="9525" cap="flat" cmpd="sng" algn="ctr">
-            <a:solidFill>
-              <a:schemeClr val="tx1"/>
-            </a:solidFill>
-            <a:prstDash val="solid"/>
-            <a:round/>
-            <a:headEnd type="none" w="med" len="med"/>
-            <a:tailEnd type="none" w="med" len="med"/>
-          </a:ln>
-          <a:effectLst/>
-        </p:spPr>
-        <p:txBody>
-          <a:bodyPr vert="horz" wrap="square" lIns="91440" tIns="45720" rIns="91440" bIns="45720" numCol="1" rtlCol="0" anchor="t" anchorCtr="0" compatLnSpc="1">
-            <a:prstTxWarp prst="textNoShape">
-              <a:avLst/>
-            </a:prstTxWarp>
-          </a:bodyPr>
-          <a:lstStyle/>
-          <a:p>
-            <a:pPr marL="0" marR="0" indent="0" algn="l" defTabSz="914400" rtl="0" eaLnBrk="0" fontAlgn="base" latinLnBrk="0" hangingPunct="0">
-              <a:lnSpc>
-                <a:spcPct val="100000"/>
-              </a:lnSpc>
-              <a:spcBef>
-                <a:spcPct val="0"/>
-              </a:spcBef>
-              <a:spcAft>
-                <a:spcPct val="0"/>
-              </a:spcAft>
-              <a:buClrTx/>
-              <a:buSzTx/>
-              <a:buFontTx/>
-              <a:buNone/>
-              <a:tabLst/>
-            </a:pPr>
-            <a:endParaRPr kumimoji="0" lang="en-US" sz="2400" b="0" i="0" u="none" strike="noStrike" cap="none" normalizeH="0" baseline="0" smtClean="0">
-              <a:ln>
-                <a:noFill/>
-              </a:ln>
-              <a:solidFill>
-                <a:schemeClr val="tx1"/>
-              </a:solidFill>
-              <a:effectLst/>
-              <a:latin typeface="Arial" charset="0"/>
-              <a:ea typeface="ＭＳ Ｐゴシック" pitchFamily="-60" charset="-128"/>
-            </a:endParaRPr>
-          </a:p>
-        </p:txBody>
-      </p:sp>
-      <p:sp>
-        <p:nvSpPr>
-          <p:cNvPr id="11" name="TextBox 10"/>
-          <p:cNvSpPr txBox="1"/>
-          <p:nvPr/>
-        </p:nvSpPr>
-        <p:spPr>
-          <a:xfrm>
-            <a:off x="3343592" y="3091934"/>
-            <a:ext cx="2504758" cy="246221"/>
-          </a:xfrm>
-          <a:prstGeom prst="rect">
-            <a:avLst/>
-          </a:prstGeom>
-          <a:noFill/>
-        </p:spPr>
-        <p:txBody>
-          <a:bodyPr wrap="square" rtlCol="0">
-            <a:spAutoFit/>
-          </a:bodyPr>
-          <a:lstStyle/>
-          <a:p>
-            <a:r>
-              <a:rPr lang="en-US" sz="1000" dirty="0" smtClean="0"/>
-              <a:t>Low           Drug #1                   5/29/15</a:t>
-            </a:r>
-            <a:endParaRPr lang="en-US" sz="1000" dirty="0"/>
-          </a:p>
-        </p:txBody>
-      </p:sp>
-      <p:sp>
-        <p:nvSpPr>
-          <p:cNvPr id="12" name="Oval 11"/>
-          <p:cNvSpPr/>
-          <p:nvPr/>
-        </p:nvSpPr>
-        <p:spPr bwMode="auto">
-          <a:xfrm>
-            <a:off x="3146107" y="3122711"/>
-            <a:ext cx="191135" cy="184666"/>
-          </a:xfrm>
-          <a:prstGeom prst="ellipse">
-            <a:avLst/>
-          </a:prstGeom>
-          <a:solidFill>
-            <a:srgbClr val="FFFF00"/>
-          </a:solidFill>
-          <a:ln w="9525" cap="flat" cmpd="sng" algn="ctr">
-            <a:solidFill>
-              <a:schemeClr val="tx1"/>
-            </a:solidFill>
-            <a:prstDash val="solid"/>
-            <a:round/>
-            <a:headEnd type="none" w="med" len="med"/>
-            <a:tailEnd type="none" w="med" len="med"/>
-          </a:ln>
-          <a:effectLst/>
-        </p:spPr>
-        <p:txBody>
-          <a:bodyPr vert="horz" wrap="square" lIns="91440" tIns="45720" rIns="91440" bIns="45720" numCol="1" rtlCol="0" anchor="t" anchorCtr="0" compatLnSpc="1">
-            <a:prstTxWarp prst="textNoShape">
-              <a:avLst/>
-            </a:prstTxWarp>
-          </a:bodyPr>
-          <a:lstStyle/>
-          <a:p>
-            <a:pPr marL="0" marR="0" indent="0" algn="l" defTabSz="914400" rtl="0" eaLnBrk="0" fontAlgn="base" latinLnBrk="0" hangingPunct="0">
-              <a:lnSpc>
-                <a:spcPct val="100000"/>
-              </a:lnSpc>
-              <a:spcBef>
-                <a:spcPct val="0"/>
-              </a:spcBef>
-              <a:spcAft>
-                <a:spcPct val="0"/>
-              </a:spcAft>
-              <a:buClrTx/>
-              <a:buSzTx/>
-              <a:buFontTx/>
-              <a:buNone/>
-              <a:tabLst/>
-            </a:pPr>
-            <a:endParaRPr kumimoji="0" lang="en-US" sz="2400" b="0" i="0" u="none" strike="noStrike" cap="none" normalizeH="0" baseline="0" smtClean="0">
-              <a:ln>
-                <a:noFill/>
-              </a:ln>
-              <a:solidFill>
-                <a:schemeClr val="tx1"/>
-              </a:solidFill>
-              <a:effectLst/>
-              <a:latin typeface="Arial" charset="0"/>
-              <a:ea typeface="ＭＳ Ｐゴシック" pitchFamily="-60" charset="-128"/>
-            </a:endParaRPr>
-          </a:p>
-        </p:txBody>
-      </p:sp>
-      <p:sp>
-        <p:nvSpPr>
-          <p:cNvPr id="13" name="TextBox 12"/>
-          <p:cNvSpPr txBox="1"/>
-          <p:nvPr/>
-        </p:nvSpPr>
-        <p:spPr>
-          <a:xfrm>
-            <a:off x="3048000" y="2725579"/>
-            <a:ext cx="2819400" cy="246221"/>
-          </a:xfrm>
-          <a:prstGeom prst="rect">
-            <a:avLst/>
-          </a:prstGeom>
-          <a:noFill/>
-        </p:spPr>
-        <p:txBody>
-          <a:bodyPr wrap="square" rtlCol="0">
-            <a:spAutoFit/>
-          </a:bodyPr>
-          <a:lstStyle/>
-          <a:p>
-            <a:r>
-              <a:rPr lang="en-US" sz="1000" dirty="0" smtClean="0"/>
-              <a:t>Severity	Name	Date of recall</a:t>
-            </a:r>
-            <a:endParaRPr lang="en-US" sz="1000" dirty="0"/>
-          </a:p>
-        </p:txBody>
-      </p:sp>
-      <p:sp>
-        <p:nvSpPr>
-          <p:cNvPr id="14" name="TextBox 13"/>
-          <p:cNvSpPr txBox="1"/>
-          <p:nvPr/>
-        </p:nvSpPr>
-        <p:spPr>
-          <a:xfrm>
-            <a:off x="3337242" y="3445132"/>
-            <a:ext cx="2504758" cy="246221"/>
-          </a:xfrm>
-          <a:prstGeom prst="rect">
-            <a:avLst/>
-          </a:prstGeom>
-          <a:noFill/>
-        </p:spPr>
-        <p:txBody>
-          <a:bodyPr wrap="square" rtlCol="0">
-            <a:spAutoFit/>
-          </a:bodyPr>
-          <a:lstStyle/>
-          <a:p>
-            <a:r>
-              <a:rPr lang="en-US" sz="1000" dirty="0" smtClean="0"/>
-              <a:t>High          Drug #2                   5/29/15</a:t>
-            </a:r>
-            <a:endParaRPr lang="en-US" sz="1000" dirty="0"/>
-          </a:p>
-        </p:txBody>
-      </p:sp>
-      <p:sp>
-        <p:nvSpPr>
-          <p:cNvPr id="15" name="Oval 14"/>
-          <p:cNvSpPr/>
-          <p:nvPr/>
-        </p:nvSpPr>
-        <p:spPr bwMode="auto">
-          <a:xfrm>
-            <a:off x="3139757" y="3475909"/>
-            <a:ext cx="191135" cy="184666"/>
-          </a:xfrm>
-          <a:prstGeom prst="ellipse">
-            <a:avLst/>
-          </a:prstGeom>
-          <a:solidFill>
-            <a:srgbClr val="FF0000"/>
-          </a:solidFill>
-          <a:ln w="9525" cap="flat" cmpd="sng" algn="ctr">
-            <a:solidFill>
-              <a:schemeClr val="tx1"/>
-            </a:solidFill>
-            <a:prstDash val="solid"/>
-            <a:round/>
-            <a:headEnd type="none" w="med" len="med"/>
-            <a:tailEnd type="none" w="med" len="med"/>
-          </a:ln>
-          <a:effectLst/>
-        </p:spPr>
-        <p:txBody>
-          <a:bodyPr vert="horz" wrap="square" lIns="91440" tIns="45720" rIns="91440" bIns="45720" numCol="1" rtlCol="0" anchor="t" anchorCtr="0" compatLnSpc="1">
-            <a:prstTxWarp prst="textNoShape">
-              <a:avLst/>
-            </a:prstTxWarp>
-          </a:bodyPr>
-          <a:lstStyle/>
-          <a:p>
-            <a:pPr marL="0" marR="0" indent="0" algn="l" defTabSz="914400" rtl="0" eaLnBrk="0" fontAlgn="base" latinLnBrk="0" hangingPunct="0">
-              <a:lnSpc>
-                <a:spcPct val="100000"/>
-              </a:lnSpc>
-              <a:spcBef>
-                <a:spcPct val="0"/>
-              </a:spcBef>
-              <a:spcAft>
-                <a:spcPct val="0"/>
-              </a:spcAft>
-              <a:buClrTx/>
-              <a:buSzTx/>
-              <a:buFontTx/>
-              <a:buNone/>
-              <a:tabLst/>
-            </a:pPr>
-            <a:endParaRPr kumimoji="0" lang="en-US" sz="2400" b="0" i="0" u="none" strike="noStrike" cap="none" normalizeH="0" baseline="0" smtClean="0">
-              <a:ln>
-                <a:noFill/>
-              </a:ln>
-              <a:solidFill>
-                <a:schemeClr val="tx1"/>
-              </a:solidFill>
-              <a:effectLst/>
-              <a:latin typeface="Arial" charset="0"/>
-              <a:ea typeface="ＭＳ Ｐゴシック" pitchFamily="-60" charset="-128"/>
-            </a:endParaRPr>
-          </a:p>
-        </p:txBody>
-      </p:sp>
-      <p:sp>
-        <p:nvSpPr>
-          <p:cNvPr id="16" name="TextBox 15"/>
-          <p:cNvSpPr txBox="1"/>
-          <p:nvPr/>
-        </p:nvSpPr>
-        <p:spPr>
-          <a:xfrm>
-            <a:off x="3337242" y="3832025"/>
-            <a:ext cx="2504758" cy="246221"/>
-          </a:xfrm>
-          <a:prstGeom prst="rect">
-            <a:avLst/>
-          </a:prstGeom>
-          <a:noFill/>
-        </p:spPr>
-        <p:txBody>
-          <a:bodyPr wrap="square" rtlCol="0">
-            <a:spAutoFit/>
-          </a:bodyPr>
-          <a:lstStyle/>
-          <a:p>
-            <a:r>
-              <a:rPr lang="en-US" sz="1000" dirty="0" smtClean="0"/>
-              <a:t>Medium     Drug #3                   5/29/15</a:t>
-            </a:r>
-            <a:endParaRPr lang="en-US" sz="1000" dirty="0"/>
-          </a:p>
-        </p:txBody>
-      </p:sp>
-      <p:sp>
-        <p:nvSpPr>
-          <p:cNvPr id="17" name="Oval 16"/>
-          <p:cNvSpPr/>
-          <p:nvPr/>
-        </p:nvSpPr>
-        <p:spPr bwMode="auto">
-          <a:xfrm>
-            <a:off x="3139757" y="3862802"/>
-            <a:ext cx="191135" cy="184666"/>
-          </a:xfrm>
-          <a:prstGeom prst="ellipse">
-            <a:avLst/>
-          </a:prstGeom>
-          <a:solidFill>
-            <a:srgbClr val="FFC000"/>
-          </a:solidFill>
-          <a:ln w="9525" cap="flat" cmpd="sng" algn="ctr">
-            <a:solidFill>
-              <a:schemeClr val="tx1"/>
-            </a:solidFill>
-            <a:prstDash val="solid"/>
-            <a:round/>
-            <a:headEnd type="none" w="med" len="med"/>
-            <a:tailEnd type="none" w="med" len="med"/>
-          </a:ln>
-          <a:effectLst/>
-        </p:spPr>
-        <p:txBody>
-          <a:bodyPr vert="horz" wrap="square" lIns="91440" tIns="45720" rIns="91440" bIns="45720" numCol="1" rtlCol="0" anchor="t" anchorCtr="0" compatLnSpc="1">
-            <a:prstTxWarp prst="textNoShape">
-              <a:avLst/>
-            </a:prstTxWarp>
-          </a:bodyPr>
-          <a:lstStyle/>
-          <a:p>
-            <a:pPr marL="0" marR="0" indent="0" algn="l" defTabSz="914400" rtl="0" eaLnBrk="0" fontAlgn="base" latinLnBrk="0" hangingPunct="0">
-              <a:lnSpc>
-                <a:spcPct val="100000"/>
-              </a:lnSpc>
-              <a:spcBef>
-                <a:spcPct val="0"/>
-              </a:spcBef>
-              <a:spcAft>
-                <a:spcPct val="0"/>
-              </a:spcAft>
-              <a:buClrTx/>
-              <a:buSzTx/>
-              <a:buFontTx/>
-              <a:buNone/>
-              <a:tabLst/>
-            </a:pPr>
-            <a:endParaRPr kumimoji="0" lang="en-US" sz="2400" b="0" i="0" u="none" strike="noStrike" cap="none" normalizeH="0" baseline="0" smtClean="0">
-              <a:ln>
-                <a:noFill/>
-              </a:ln>
-              <a:solidFill>
-                <a:schemeClr val="tx1"/>
-              </a:solidFill>
-              <a:effectLst/>
-              <a:latin typeface="Arial" charset="0"/>
-              <a:ea typeface="ＭＳ Ｐゴシック" pitchFamily="-60" charset="-128"/>
-            </a:endParaRPr>
-          </a:p>
-        </p:txBody>
-      </p:sp>
-      <p:sp>
-        <p:nvSpPr>
-          <p:cNvPr id="5" name="TextBox 4"/>
-          <p:cNvSpPr txBox="1"/>
-          <p:nvPr/>
-        </p:nvSpPr>
-        <p:spPr>
-          <a:xfrm>
-            <a:off x="2965449" y="1841182"/>
-            <a:ext cx="1624172" cy="246221"/>
-          </a:xfrm>
-          <a:prstGeom prst="rect">
-            <a:avLst/>
-          </a:prstGeom>
-          <a:noFill/>
-        </p:spPr>
-        <p:txBody>
-          <a:bodyPr wrap="square" rtlCol="0">
-            <a:spAutoFit/>
-          </a:bodyPr>
-          <a:lstStyle/>
-          <a:p>
-            <a:r>
-              <a:rPr lang="en-US" sz="1000" dirty="0" smtClean="0"/>
-              <a:t>Enter the name a drug…</a:t>
-            </a:r>
-            <a:endParaRPr lang="en-US" sz="1000" dirty="0"/>
-          </a:p>
-        </p:txBody>
-      </p:sp>
-      <p:sp>
-        <p:nvSpPr>
-          <p:cNvPr id="18" name="Rounded Rectangle 17"/>
-          <p:cNvSpPr/>
-          <p:nvPr/>
-        </p:nvSpPr>
-        <p:spPr bwMode="auto">
-          <a:xfrm>
-            <a:off x="4589621" y="1862852"/>
-            <a:ext cx="677704" cy="224551"/>
-          </a:xfrm>
-          <a:prstGeom prst="roundRect">
-            <a:avLst/>
-          </a:prstGeom>
-          <a:solidFill>
-            <a:schemeClr val="accent3">
-              <a:lumMod val="85000"/>
-            </a:schemeClr>
-          </a:solidFill>
-          <a:ln w="9525" cap="flat" cmpd="sng" algn="ctr">
-            <a:solidFill>
-              <a:schemeClr val="tx1"/>
-            </a:solidFill>
-            <a:prstDash val="solid"/>
-            <a:round/>
-            <a:headEnd type="none" w="med" len="med"/>
-            <a:tailEnd type="none" w="med" len="med"/>
-          </a:ln>
-          <a:effectLst/>
-        </p:spPr>
-        <p:txBody>
-          <a:bodyPr vert="horz" wrap="square" lIns="91440" tIns="45720" rIns="91440" bIns="45720" numCol="1" rtlCol="0" anchor="t" anchorCtr="0" compatLnSpc="1">
-            <a:prstTxWarp prst="textNoShape">
-              <a:avLst/>
-            </a:prstTxWarp>
-          </a:bodyPr>
-          <a:lstStyle/>
-          <a:p>
-            <a:pPr marL="0" marR="0" indent="0" algn="ctr" defTabSz="914400" rtl="0" eaLnBrk="0" fontAlgn="base" latinLnBrk="0" hangingPunct="0">
-              <a:lnSpc>
-                <a:spcPct val="100000"/>
-              </a:lnSpc>
-              <a:spcBef>
-                <a:spcPct val="0"/>
-              </a:spcBef>
-              <a:spcAft>
-                <a:spcPct val="0"/>
-              </a:spcAft>
-              <a:buClrTx/>
-              <a:buSzTx/>
-              <a:buFontTx/>
-              <a:buNone/>
-              <a:tabLst/>
-            </a:pPr>
-            <a:r>
-              <a:rPr kumimoji="0" lang="en-US" sz="1000" b="0" i="0" u="none" strike="noStrike" cap="none" normalizeH="0" baseline="0" dirty="0" smtClean="0">
+              <a:prstDash val="solid"/>
+              <a:round/>
+              <a:headEnd type="none" w="med" len="med"/>
+              <a:tailEnd type="none" w="med" len="med"/>
+            </a:ln>
+            <a:effectLst/>
+          </p:spPr>
+          <p:txBody>
+            <a:bodyPr vert="horz" wrap="square" lIns="91440" tIns="45720" rIns="91440" bIns="45720" numCol="1" rtlCol="0" anchor="t" anchorCtr="0" compatLnSpc="1">
+              <a:prstTxWarp prst="textNoShape">
+                <a:avLst/>
+              </a:prstTxWarp>
+            </a:bodyPr>
+            <a:lstStyle/>
+            <a:p>
+              <a:pPr marL="0" marR="0" indent="0" algn="l" defTabSz="914400" rtl="0" eaLnBrk="0" fontAlgn="base" latinLnBrk="0" hangingPunct="0">
+                <a:lnSpc>
+                  <a:spcPct val="100000"/>
+                </a:lnSpc>
+                <a:spcBef>
+                  <a:spcPct val="0"/>
+                </a:spcBef>
+                <a:spcAft>
+                  <a:spcPct val="0"/>
+                </a:spcAft>
+                <a:buClrTx/>
+                <a:buSzTx/>
+                <a:buFontTx/>
+                <a:buNone/>
+                <a:tabLst/>
+              </a:pPr>
+              <a:endParaRPr kumimoji="0" lang="en-US" sz="2400" b="0" i="0" u="none" strike="noStrike" cap="none" normalizeH="0" baseline="0" smtClean="0">
                 <a:ln>
                   <a:noFill/>
                 </a:ln>
@@ -5918,22 +6108,294 @@
                 <a:effectLst/>
                 <a:latin typeface="Arial" charset="0"/>
                 <a:ea typeface="ＭＳ Ｐゴシック" pitchFamily="-60" charset="-128"/>
-              </a:rPr>
-              <a:t>Search</a:t>
-            </a:r>
-          </a:p>
-        </p:txBody>
-      </p:sp>
-      <p:sp>
-        <p:nvSpPr>
-          <p:cNvPr id="3" name="TextBox 2"/>
+              </a:endParaRPr>
+            </a:p>
+          </p:txBody>
+        </p:sp>
+        <p:sp>
+          <p:nvSpPr>
+            <p:cNvPr id="70" name="TextBox 69"/>
+            <p:cNvSpPr txBox="1"/>
+            <p:nvPr/>
+          </p:nvSpPr>
+          <p:spPr>
+            <a:xfrm>
+              <a:off x="1600200" y="2438400"/>
+              <a:ext cx="1219200" cy="246221"/>
+            </a:xfrm>
+            <a:prstGeom prst="rect">
+              <a:avLst/>
+            </a:prstGeom>
+            <a:noFill/>
+          </p:spPr>
+          <p:txBody>
+            <a:bodyPr wrap="square" rtlCol="0">
+              <a:spAutoFit/>
+            </a:bodyPr>
+            <a:lstStyle/>
+            <a:p>
+              <a:r>
+                <a:rPr lang="en-US" sz="1000" dirty="0" smtClean="0"/>
+                <a:t>Filter:</a:t>
+              </a:r>
+              <a:endParaRPr lang="en-US" sz="1000" dirty="0"/>
+            </a:p>
+          </p:txBody>
+        </p:sp>
+        <p:grpSp>
+          <p:nvGrpSpPr>
+            <p:cNvPr id="71" name="Group 70"/>
+            <p:cNvGrpSpPr/>
+            <p:nvPr/>
+          </p:nvGrpSpPr>
+          <p:grpSpPr>
+            <a:xfrm>
+              <a:off x="1618341" y="2667000"/>
+              <a:ext cx="1353459" cy="734200"/>
+              <a:chOff x="1618341" y="2667000"/>
+              <a:chExt cx="1353459" cy="734200"/>
+            </a:xfrm>
+          </p:grpSpPr>
+          <p:sp>
+            <p:nvSpPr>
+              <p:cNvPr id="76" name="TextBox 75"/>
+              <p:cNvSpPr txBox="1"/>
+              <p:nvPr/>
+            </p:nvSpPr>
+            <p:spPr>
+              <a:xfrm>
+                <a:off x="1618341" y="2667000"/>
+                <a:ext cx="1347108" cy="246221"/>
+              </a:xfrm>
+              <a:prstGeom prst="rect">
+                <a:avLst/>
+              </a:prstGeom>
+              <a:noFill/>
+            </p:spPr>
+            <p:txBody>
+              <a:bodyPr wrap="square" rtlCol="0">
+                <a:spAutoFit/>
+              </a:bodyPr>
+              <a:lstStyle/>
+              <a:p>
+                <a:r>
+                  <a:rPr lang="en-US" sz="1000" dirty="0" smtClean="0"/>
+                  <a:t>Recall In Last:</a:t>
+                </a:r>
+                <a:endParaRPr lang="en-US" sz="1000" dirty="0"/>
+              </a:p>
+            </p:txBody>
+          </p:sp>
+          <p:sp>
+            <p:nvSpPr>
+              <p:cNvPr id="77" name="TextBox 76"/>
+              <p:cNvSpPr txBox="1"/>
+              <p:nvPr/>
+            </p:nvSpPr>
+            <p:spPr>
+              <a:xfrm>
+                <a:off x="1770741" y="2847202"/>
+                <a:ext cx="1201059" cy="553998"/>
+              </a:xfrm>
+              <a:prstGeom prst="rect">
+                <a:avLst/>
+              </a:prstGeom>
+              <a:noFill/>
+            </p:spPr>
+            <p:txBody>
+              <a:bodyPr wrap="square" rtlCol="0">
+                <a:spAutoFit/>
+              </a:bodyPr>
+              <a:lstStyle/>
+              <a:p>
+                <a:r>
+                  <a:rPr lang="en-US" sz="1000" dirty="0" smtClean="0"/>
+                  <a:t>O  1 month</a:t>
+                </a:r>
+              </a:p>
+              <a:p>
+                <a:r>
+                  <a:rPr lang="en-US" sz="1000" dirty="0" smtClean="0"/>
+                  <a:t>O  6 months</a:t>
+                </a:r>
+              </a:p>
+              <a:p>
+                <a:r>
+                  <a:rPr lang="en-US" sz="1000" dirty="0" smtClean="0"/>
+                  <a:t>O  All </a:t>
+                </a:r>
+                <a:endParaRPr lang="en-US" sz="1000" dirty="0"/>
+              </a:p>
+            </p:txBody>
+          </p:sp>
+        </p:grpSp>
+        <p:sp>
+          <p:nvSpPr>
+            <p:cNvPr id="72" name="TextBox 71"/>
+            <p:cNvSpPr txBox="1"/>
+            <p:nvPr/>
+          </p:nvSpPr>
+          <p:spPr>
+            <a:xfrm>
+              <a:off x="1618341" y="3352800"/>
+              <a:ext cx="1201059" cy="246221"/>
+            </a:xfrm>
+            <a:prstGeom prst="rect">
+              <a:avLst/>
+            </a:prstGeom>
+            <a:noFill/>
+          </p:spPr>
+          <p:txBody>
+            <a:bodyPr wrap="square" rtlCol="0">
+              <a:spAutoFit/>
+            </a:bodyPr>
+            <a:lstStyle/>
+            <a:p>
+              <a:r>
+                <a:rPr lang="en-US" sz="1000" dirty="0" smtClean="0"/>
+                <a:t>Status:</a:t>
+              </a:r>
+              <a:endParaRPr lang="en-US" sz="1000" dirty="0"/>
+            </a:p>
+          </p:txBody>
+        </p:sp>
+        <p:sp>
+          <p:nvSpPr>
+            <p:cNvPr id="73" name="TextBox 72"/>
+            <p:cNvSpPr txBox="1"/>
+            <p:nvPr/>
+          </p:nvSpPr>
+          <p:spPr>
+            <a:xfrm>
+              <a:off x="1770741" y="3505200"/>
+              <a:ext cx="1201059" cy="707886"/>
+            </a:xfrm>
+            <a:prstGeom prst="rect">
+              <a:avLst/>
+            </a:prstGeom>
+            <a:noFill/>
+          </p:spPr>
+          <p:txBody>
+            <a:bodyPr wrap="square" rtlCol="0">
+              <a:spAutoFit/>
+            </a:bodyPr>
+            <a:lstStyle/>
+            <a:p>
+              <a:r>
+                <a:rPr lang="en-US" sz="1000" dirty="0" smtClean="0"/>
+                <a:t>O  Ongoing</a:t>
+              </a:r>
+            </a:p>
+            <a:p>
+              <a:r>
+                <a:rPr lang="en-US" sz="1000" dirty="0" smtClean="0"/>
+                <a:t>O  Completed</a:t>
+              </a:r>
+            </a:p>
+            <a:p>
+              <a:r>
+                <a:rPr lang="en-US" sz="1000" dirty="0" smtClean="0"/>
+                <a:t>O  Terminated</a:t>
+              </a:r>
+            </a:p>
+            <a:p>
+              <a:r>
+                <a:rPr lang="en-US" sz="1000" dirty="0" smtClean="0"/>
+                <a:t>O  All </a:t>
+              </a:r>
+              <a:endParaRPr lang="en-US" sz="1000" dirty="0"/>
+            </a:p>
+          </p:txBody>
+        </p:sp>
+        <p:sp>
+          <p:nvSpPr>
+            <p:cNvPr id="74" name="TextBox 73"/>
+            <p:cNvSpPr txBox="1"/>
+            <p:nvPr/>
+          </p:nvSpPr>
+          <p:spPr>
+            <a:xfrm>
+              <a:off x="1618341" y="4218800"/>
+              <a:ext cx="1201059" cy="246221"/>
+            </a:xfrm>
+            <a:prstGeom prst="rect">
+              <a:avLst/>
+            </a:prstGeom>
+            <a:noFill/>
+          </p:spPr>
+          <p:txBody>
+            <a:bodyPr wrap="square" rtlCol="0">
+              <a:spAutoFit/>
+            </a:bodyPr>
+            <a:lstStyle/>
+            <a:p>
+              <a:r>
+                <a:rPr lang="en-US" sz="1000" dirty="0" smtClean="0"/>
+                <a:t>Classification:</a:t>
+              </a:r>
+              <a:endParaRPr lang="en-US" sz="1000" dirty="0"/>
+            </a:p>
+          </p:txBody>
+        </p:sp>
+        <p:sp>
+          <p:nvSpPr>
+            <p:cNvPr id="75" name="TextBox 74"/>
+            <p:cNvSpPr txBox="1"/>
+            <p:nvPr/>
+          </p:nvSpPr>
+          <p:spPr>
+            <a:xfrm>
+              <a:off x="1770741" y="4399002"/>
+              <a:ext cx="1201059" cy="707886"/>
+            </a:xfrm>
+            <a:prstGeom prst="rect">
+              <a:avLst/>
+            </a:prstGeom>
+            <a:noFill/>
+          </p:spPr>
+          <p:txBody>
+            <a:bodyPr wrap="square" rtlCol="0">
+              <a:spAutoFit/>
+            </a:bodyPr>
+            <a:lstStyle/>
+            <a:p>
+              <a:r>
+                <a:rPr lang="en-US" sz="1000" dirty="0" smtClean="0"/>
+                <a:t>O  Class 1</a:t>
+              </a:r>
+            </a:p>
+            <a:p>
+              <a:r>
+                <a:rPr lang="en-US" sz="1000" dirty="0" smtClean="0"/>
+                <a:t>O  Class 2</a:t>
+              </a:r>
+            </a:p>
+            <a:p>
+              <a:r>
+                <a:rPr lang="en-US" sz="1000" dirty="0" smtClean="0"/>
+                <a:t>O  Class 3</a:t>
+              </a:r>
+            </a:p>
+            <a:p>
+              <a:r>
+                <a:rPr lang="en-US" sz="1000" dirty="0" smtClean="0"/>
+                <a:t>O  All</a:t>
+              </a:r>
+              <a:endParaRPr lang="en-US" sz="1000" dirty="0"/>
+            </a:p>
+          </p:txBody>
+        </p:sp>
+      </p:grpSp>
+      <p:sp>
+        <p:nvSpPr>
+          <p:cNvPr id="78" name="TextBox 77"/>
           <p:cNvSpPr txBox="1"/>
           <p:nvPr/>
         </p:nvSpPr>
         <p:spPr>
           <a:xfrm>
-            <a:off x="6705600" y="2669977"/>
-            <a:ext cx="2209800" cy="1200329"/>
+            <a:off x="6814457" y="4010408"/>
+            <a:ext cx="2133600" cy="2031325"/>
           </a:xfrm>
           <a:prstGeom prst="rect">
             <a:avLst/>
@@ -5948,7 +6410,15 @@
           <a:p>
             <a:r>
               <a:rPr lang="en-US" dirty="0" smtClean="0"/>
-              <a:t>Displays drug recalls related to the name the user entered.</a:t>
+              <a:t>Product name = product name or 1</a:t>
+            </a:r>
+            <a:r>
+              <a:rPr lang="en-US" baseline="30000" dirty="0" smtClean="0"/>
+              <a:t>st</a:t>
+            </a:r>
+            <a:r>
+              <a:rPr lang="en-US" dirty="0" smtClean="0"/>
+              <a:t> 20 char of Product Description if name is not available</a:t>
             </a:r>
             <a:endParaRPr lang="en-US" dirty="0"/>
           </a:p>
@@ -5957,7 +6427,7 @@
     </p:spTree>
     <p:extLst>
       <p:ext uri="{BB962C8B-B14F-4D97-AF65-F5344CB8AC3E}">
-        <p14:creationId xmlns:p14="http://schemas.microsoft.com/office/powerpoint/2010/main" val="2652494562"/>
+        <p14:creationId xmlns:p14="http://schemas.microsoft.com/office/powerpoint/2010/main" val="2643020664"/>
       </p:ext>
     </p:extLst>
   </p:cSld>
@@ -5993,21 +6463,53 @@
       </p:grpSpPr>
       <p:sp>
         <p:nvSpPr>
-          <p:cNvPr id="2" name="Rectangle 1"/>
-          <p:cNvSpPr/>
+          <p:cNvPr id="3" name="TextBox 2"/>
+          <p:cNvSpPr txBox="1"/>
           <p:nvPr/>
         </p:nvSpPr>
-        <p:spPr bwMode="auto">
+        <p:spPr>
           <a:xfrm>
-            <a:off x="2667000" y="609600"/>
-            <a:ext cx="3886200" cy="5334000"/>
+            <a:off x="6705600" y="1238462"/>
+            <a:ext cx="2133600" cy="1754326"/>
           </a:xfrm>
           <a:prstGeom prst="rect">
             <a:avLst/>
           </a:prstGeom>
-          <a:solidFill>
-            <a:schemeClr val="bg1"/>
-          </a:solidFill>
+          <a:noFill/>
+        </p:spPr>
+        <p:txBody>
+          <a:bodyPr wrap="square" rtlCol="0">
+            <a:spAutoFit/>
+          </a:bodyPr>
+          <a:lstStyle/>
+          <a:p>
+            <a:r>
+              <a:rPr lang="en-US" dirty="0"/>
+              <a:t>Displays drug recalls based on the user entered key word </a:t>
+            </a:r>
+            <a:r>
+              <a:rPr lang="en-US" dirty="0" smtClean="0"/>
+              <a:t>search. recent drug recalls for the month.</a:t>
+            </a:r>
+            <a:endParaRPr lang="en-US" dirty="0"/>
+          </a:p>
+        </p:txBody>
+      </p:sp>
+      <p:sp>
+        <p:nvSpPr>
+          <p:cNvPr id="2" name="Rectangle 1"/>
+          <p:cNvSpPr/>
+          <p:nvPr/>
+        </p:nvSpPr>
+        <p:spPr bwMode="auto">
+          <a:xfrm>
+            <a:off x="1447800" y="609600"/>
+            <a:ext cx="5105400" cy="5410200"/>
+          </a:xfrm>
+          <a:prstGeom prst="rect">
+            <a:avLst/>
+          </a:prstGeom>
+          <a:noFill/>
           <a:ln w="9525" cap="flat" cmpd="sng" algn="ctr">
             <a:solidFill>
               <a:schemeClr val="tx1"/>
@@ -6078,8 +6580,8 @@
         </p:blipFill>
         <p:spPr bwMode="auto">
           <a:xfrm>
-            <a:off x="2844800" y="932906"/>
-            <a:ext cx="997585" cy="370840"/>
+            <a:off x="4005261" y="5621179"/>
+            <a:ext cx="813479" cy="243002"/>
           </a:xfrm>
           <a:prstGeom prst="rect">
             <a:avLst/>
@@ -6098,7 +6600,7 @@
         </p:nvSpPr>
         <p:spPr>
           <a:xfrm>
-            <a:off x="3314700" y="1460541"/>
+            <a:off x="3314700" y="2057400"/>
             <a:ext cx="2209800" cy="307777"/>
           </a:xfrm>
           <a:prstGeom prst="rect">
@@ -6114,7 +6616,7 @@
           <a:p>
             <a:r>
               <a:rPr lang="en-US" sz="1400" u="sng" dirty="0" smtClean="0"/>
-              <a:t>Drug #1 Recall Details</a:t>
+              <a:t>Recent drug recalls</a:t>
             </a:r>
             <a:endParaRPr lang="en-US" sz="1400" u="sng" dirty="0"/>
           </a:p>
@@ -6122,336 +6624,14 @@
       </p:sp>
       <p:sp>
         <p:nvSpPr>
-          <p:cNvPr id="8" name="TextBox 7"/>
-          <p:cNvSpPr txBox="1"/>
-          <p:nvPr/>
-        </p:nvSpPr>
-        <p:spPr>
-          <a:xfrm>
-            <a:off x="4143375" y="795160"/>
-            <a:ext cx="2247900" cy="646331"/>
-          </a:xfrm>
-          <a:prstGeom prst="rect">
-            <a:avLst/>
-          </a:prstGeom>
-          <a:noFill/>
-        </p:spPr>
-        <p:txBody>
-          <a:bodyPr wrap="square" rtlCol="0">
-            <a:spAutoFit/>
-          </a:bodyPr>
-          <a:lstStyle/>
-          <a:p>
-            <a:r>
-              <a:rPr lang="en-US" dirty="0" smtClean="0"/>
-              <a:t>Drug Recall Information Center</a:t>
-            </a:r>
-            <a:endParaRPr lang="en-US" dirty="0"/>
-          </a:p>
-        </p:txBody>
-      </p:sp>
-      <p:sp>
-        <p:nvSpPr>
-          <p:cNvPr id="12" name="Oval 11"/>
+          <p:cNvPr id="10" name="Rectangle 9"/>
           <p:cNvSpPr/>
           <p:nvPr/>
         </p:nvSpPr>
         <p:spPr bwMode="auto">
           <a:xfrm>
-            <a:off x="5334000" y="1832015"/>
-            <a:ext cx="696278" cy="732709"/>
-          </a:xfrm>
-          <a:prstGeom prst="ellipse">
-            <a:avLst/>
-          </a:prstGeom>
-          <a:solidFill>
-            <a:srgbClr val="FFFF00"/>
-          </a:solidFill>
-          <a:ln w="9525" cap="flat" cmpd="sng" algn="ctr">
-            <a:solidFill>
-              <a:schemeClr val="tx1"/>
-            </a:solidFill>
-            <a:prstDash val="solid"/>
-            <a:round/>
-            <a:headEnd type="none" w="med" len="med"/>
-            <a:tailEnd type="none" w="med" len="med"/>
-          </a:ln>
-          <a:effectLst/>
-        </p:spPr>
-        <p:txBody>
-          <a:bodyPr vert="horz" wrap="square" lIns="91440" tIns="45720" rIns="91440" bIns="45720" numCol="1" rtlCol="0" anchor="t" anchorCtr="0" compatLnSpc="1">
-            <a:prstTxWarp prst="textNoShape">
-              <a:avLst/>
-            </a:prstTxWarp>
-          </a:bodyPr>
-          <a:lstStyle/>
-          <a:p>
-            <a:pPr marL="0" marR="0" indent="0" algn="ctr" defTabSz="914400" rtl="0" eaLnBrk="0" fontAlgn="base" latinLnBrk="0" hangingPunct="0">
-              <a:lnSpc>
-                <a:spcPct val="200000"/>
-              </a:lnSpc>
-              <a:spcBef>
-                <a:spcPct val="0"/>
-              </a:spcBef>
-              <a:spcAft>
-                <a:spcPct val="0"/>
-              </a:spcAft>
-              <a:buClrTx/>
-              <a:buSzTx/>
-              <a:buFontTx/>
-              <a:buNone/>
-              <a:tabLst/>
-            </a:pPr>
-            <a:r>
-              <a:rPr kumimoji="0" lang="en-US" sz="1000" b="0" i="0" u="none" strike="noStrike" cap="none" normalizeH="0" baseline="0" dirty="0" smtClean="0">
-                <a:ln>
-                  <a:noFill/>
-                </a:ln>
-                <a:solidFill>
-                  <a:schemeClr val="tx1"/>
-                </a:solidFill>
-                <a:effectLst/>
-                <a:latin typeface="Arial" charset="0"/>
-                <a:ea typeface="ＭＳ Ｐゴシック" pitchFamily="-60" charset="-128"/>
-              </a:rPr>
-              <a:t>Low</a:t>
-            </a:r>
-          </a:p>
-        </p:txBody>
-      </p:sp>
-      <p:sp>
-        <p:nvSpPr>
-          <p:cNvPr id="18" name="Rounded Rectangle 17"/>
-          <p:cNvSpPr/>
-          <p:nvPr/>
-        </p:nvSpPr>
-        <p:spPr bwMode="auto">
-          <a:xfrm>
-            <a:off x="4808695" y="5562600"/>
-            <a:ext cx="1582580" cy="224551"/>
-          </a:xfrm>
-          <a:prstGeom prst="roundRect">
-            <a:avLst/>
-          </a:prstGeom>
-          <a:solidFill>
-            <a:schemeClr val="accent3">
-              <a:lumMod val="85000"/>
-            </a:schemeClr>
-          </a:solidFill>
-          <a:ln w="9525" cap="flat" cmpd="sng" algn="ctr">
-            <a:solidFill>
-              <a:schemeClr val="tx1"/>
-            </a:solidFill>
-            <a:prstDash val="solid"/>
-            <a:round/>
-            <a:headEnd type="none" w="med" len="med"/>
-            <a:tailEnd type="none" w="med" len="med"/>
-          </a:ln>
-          <a:effectLst/>
-        </p:spPr>
-        <p:txBody>
-          <a:bodyPr vert="horz" wrap="square" lIns="91440" tIns="45720" rIns="91440" bIns="45720" numCol="1" rtlCol="0" anchor="t" anchorCtr="0" compatLnSpc="1">
-            <a:prstTxWarp prst="textNoShape">
-              <a:avLst/>
-            </a:prstTxWarp>
-          </a:bodyPr>
-          <a:lstStyle/>
-          <a:p>
-            <a:pPr marL="0" marR="0" indent="0" algn="ctr" defTabSz="914400" rtl="0" eaLnBrk="0" fontAlgn="base" latinLnBrk="0" hangingPunct="0">
-              <a:lnSpc>
-                <a:spcPct val="100000"/>
-              </a:lnSpc>
-              <a:spcBef>
-                <a:spcPct val="0"/>
-              </a:spcBef>
-              <a:spcAft>
-                <a:spcPct val="0"/>
-              </a:spcAft>
-              <a:buClrTx/>
-              <a:buSzTx/>
-              <a:buFontTx/>
-              <a:buNone/>
-              <a:tabLst/>
-            </a:pPr>
-            <a:r>
-              <a:rPr kumimoji="0" lang="en-US" sz="1000" b="0" i="0" u="none" strike="noStrike" cap="none" normalizeH="0" baseline="0" dirty="0" smtClean="0">
-                <a:ln>
-                  <a:noFill/>
-                </a:ln>
-                <a:solidFill>
-                  <a:schemeClr val="tx1"/>
-                </a:solidFill>
-                <a:effectLst/>
-                <a:latin typeface="Arial" charset="0"/>
-                <a:ea typeface="ＭＳ Ｐゴシック" pitchFamily="-60" charset="-128"/>
-              </a:rPr>
-              <a:t>Back </a:t>
-            </a:r>
-            <a:r>
-              <a:rPr kumimoji="0" lang="en-US" sz="1000" b="0" i="0" u="none" strike="noStrike" cap="none" normalizeH="0" dirty="0" smtClean="0">
-                <a:ln>
-                  <a:noFill/>
-                </a:ln>
-                <a:solidFill>
-                  <a:schemeClr val="tx1"/>
-                </a:solidFill>
-                <a:effectLst/>
-                <a:latin typeface="Arial" charset="0"/>
-                <a:ea typeface="ＭＳ Ｐゴシック" pitchFamily="-60" charset="-128"/>
-              </a:rPr>
-              <a:t>to search results</a:t>
-            </a:r>
-            <a:endParaRPr kumimoji="0" lang="en-US" sz="1000" b="0" i="0" u="none" strike="noStrike" cap="none" normalizeH="0" baseline="0" dirty="0" smtClean="0">
-              <a:ln>
-                <a:noFill/>
-              </a:ln>
-              <a:solidFill>
-                <a:schemeClr val="tx1"/>
-              </a:solidFill>
-              <a:effectLst/>
-              <a:latin typeface="Arial" charset="0"/>
-              <a:ea typeface="ＭＳ Ｐゴシック" pitchFamily="-60" charset="-128"/>
-            </a:endParaRPr>
-          </a:p>
-        </p:txBody>
-      </p:sp>
-      <p:sp>
-        <p:nvSpPr>
-          <p:cNvPr id="3" name="Rounded Rectangle 2"/>
-          <p:cNvSpPr/>
-          <p:nvPr/>
-        </p:nvSpPr>
-        <p:spPr bwMode="auto">
-          <a:xfrm>
-            <a:off x="4143375" y="1832015"/>
-            <a:ext cx="752475" cy="732709"/>
-          </a:xfrm>
-          <a:prstGeom prst="roundRect">
-            <a:avLst/>
-          </a:prstGeom>
-          <a:solidFill>
-            <a:srgbClr val="92D050"/>
-          </a:solidFill>
-          <a:ln w="9525" cap="flat" cmpd="sng" algn="ctr">
-            <a:solidFill>
-              <a:schemeClr val="tx1"/>
-            </a:solidFill>
-            <a:prstDash val="solid"/>
-            <a:round/>
-            <a:headEnd type="none" w="med" len="med"/>
-            <a:tailEnd type="none" w="med" len="med"/>
-          </a:ln>
-          <a:effectLst/>
-        </p:spPr>
-        <p:txBody>
-          <a:bodyPr vert="horz" wrap="square" lIns="91440" tIns="45720" rIns="91440" bIns="45720" numCol="1" rtlCol="0" anchor="t" anchorCtr="0" compatLnSpc="1">
-            <a:prstTxWarp prst="textNoShape">
-              <a:avLst/>
-            </a:prstTxWarp>
-          </a:bodyPr>
-          <a:lstStyle/>
-          <a:p>
-            <a:pPr marL="0" marR="0" indent="0" algn="l" defTabSz="914400" rtl="0" eaLnBrk="0" fontAlgn="base" latinLnBrk="0" hangingPunct="0">
-              <a:lnSpc>
-                <a:spcPct val="150000"/>
-              </a:lnSpc>
-              <a:spcBef>
-                <a:spcPct val="0"/>
-              </a:spcBef>
-              <a:spcAft>
-                <a:spcPct val="0"/>
-              </a:spcAft>
-              <a:buClrTx/>
-              <a:buSzTx/>
-              <a:buFontTx/>
-              <a:buNone/>
-              <a:tabLst/>
-            </a:pPr>
-            <a:r>
-              <a:rPr kumimoji="0" lang="en-US" sz="800" b="0" i="0" u="none" strike="noStrike" cap="none" normalizeH="0" baseline="0" dirty="0" smtClean="0">
-                <a:ln>
-                  <a:noFill/>
-                </a:ln>
-                <a:solidFill>
-                  <a:schemeClr val="tx1"/>
-                </a:solidFill>
-                <a:effectLst/>
-                <a:latin typeface="Arial" charset="0"/>
-                <a:ea typeface="ＭＳ Ｐゴシック" pitchFamily="-60" charset="-128"/>
-              </a:rPr>
-              <a:t>&lt;Image of drug here from </a:t>
-            </a:r>
-            <a:r>
-              <a:rPr kumimoji="0" lang="en-US" sz="800" b="0" i="0" u="none" strike="noStrike" cap="none" normalizeH="0" baseline="0" dirty="0" err="1" smtClean="0">
-                <a:ln>
-                  <a:noFill/>
-                </a:ln>
-                <a:solidFill>
-                  <a:schemeClr val="tx1"/>
-                </a:solidFill>
-                <a:effectLst/>
-                <a:latin typeface="Arial" charset="0"/>
-                <a:ea typeface="ＭＳ Ｐゴシック" pitchFamily="-60" charset="-128"/>
-              </a:rPr>
-              <a:t>NiH</a:t>
-            </a:r>
-            <a:r>
-              <a:rPr kumimoji="0" lang="en-US" sz="800" b="0" i="0" u="none" strike="noStrike" cap="none" normalizeH="0" baseline="0" dirty="0" smtClean="0">
-                <a:ln>
-                  <a:noFill/>
-                </a:ln>
-                <a:solidFill>
-                  <a:schemeClr val="tx1"/>
-                </a:solidFill>
-                <a:effectLst/>
-                <a:latin typeface="Arial" charset="0"/>
-                <a:ea typeface="ＭＳ Ｐゴシック" pitchFamily="-60" charset="-128"/>
-              </a:rPr>
-              <a:t>&gt;</a:t>
-            </a:r>
-          </a:p>
-        </p:txBody>
-      </p:sp>
-      <p:sp>
-        <p:nvSpPr>
-          <p:cNvPr id="19" name="TextBox 18"/>
-          <p:cNvSpPr txBox="1"/>
-          <p:nvPr/>
-        </p:nvSpPr>
-        <p:spPr>
-          <a:xfrm>
-            <a:off x="3314700" y="2973527"/>
-            <a:ext cx="2209800" cy="307777"/>
-          </a:xfrm>
-          <a:prstGeom prst="rect">
-            <a:avLst/>
-          </a:prstGeom>
-          <a:noFill/>
-        </p:spPr>
-        <p:txBody>
-          <a:bodyPr wrap="square" rtlCol="0">
-            <a:spAutoFit/>
-          </a:bodyPr>
-          <a:lstStyle/>
-          <a:p>
-            <a:r>
-              <a:rPr lang="en-US" sz="1400" u="sng" dirty="0" smtClean="0"/>
-              <a:t>Additional information</a:t>
-            </a:r>
-            <a:endParaRPr lang="en-US" sz="1400" u="sng" dirty="0"/>
-          </a:p>
-        </p:txBody>
-      </p:sp>
-      <p:sp>
-        <p:nvSpPr>
-          <p:cNvPr id="20" name="Rectangle 19"/>
-          <p:cNvSpPr/>
-          <p:nvPr/>
-        </p:nvSpPr>
-        <p:spPr bwMode="auto">
-          <a:xfrm>
-            <a:off x="3032124" y="3281304"/>
-            <a:ext cx="2819400" cy="1608237"/>
+            <a:off x="3047999" y="2669134"/>
+            <a:ext cx="3117849" cy="2434133"/>
           </a:xfrm>
           <a:prstGeom prst="rect">
             <a:avLst/>
@@ -6508,16 +6688,127 @@
           </a:p>
         </p:txBody>
       </p:sp>
-      <p:sp>
-        <p:nvSpPr>
-          <p:cNvPr id="22" name="TextBox 21"/>
+      <p:grpSp>
+        <p:nvGrpSpPr>
+          <p:cNvPr id="28" name="Group 27"/>
+          <p:cNvGrpSpPr/>
+          <p:nvPr/>
+        </p:nvGrpSpPr>
+        <p:grpSpPr>
+          <a:xfrm>
+            <a:off x="3146107" y="2743200"/>
+            <a:ext cx="2695893" cy="246221"/>
+            <a:chOff x="3146107" y="2743200"/>
+            <a:chExt cx="2695893" cy="246221"/>
+          </a:xfrm>
+        </p:grpSpPr>
+        <p:sp>
+          <p:nvSpPr>
+            <p:cNvPr id="11" name="TextBox 10"/>
+            <p:cNvSpPr txBox="1"/>
+            <p:nvPr/>
+          </p:nvSpPr>
+          <p:spPr>
+            <a:xfrm>
+              <a:off x="3337242" y="2743200"/>
+              <a:ext cx="2504758" cy="246221"/>
+            </a:xfrm>
+            <a:prstGeom prst="rect">
+              <a:avLst/>
+            </a:prstGeom>
+            <a:noFill/>
+          </p:spPr>
+          <p:txBody>
+            <a:bodyPr wrap="square" rtlCol="0">
+              <a:spAutoFit/>
+            </a:bodyPr>
+            <a:lstStyle/>
+            <a:p>
+              <a:r>
+                <a:rPr lang="en-US" sz="1000" dirty="0" smtClean="0"/>
+                <a:t>Class 1         Drug #1                   5/29/15</a:t>
+              </a:r>
+              <a:endParaRPr lang="en-US" sz="1000" dirty="0"/>
+            </a:p>
+          </p:txBody>
+        </p:sp>
+        <p:sp>
+          <p:nvSpPr>
+            <p:cNvPr id="12" name="Oval 11"/>
+            <p:cNvSpPr/>
+            <p:nvPr/>
+          </p:nvSpPr>
+          <p:spPr bwMode="auto">
+            <a:xfrm>
+              <a:off x="3146107" y="2773977"/>
+              <a:ext cx="191135" cy="184666"/>
+            </a:xfrm>
+            <a:prstGeom prst="ellipse">
+              <a:avLst/>
+            </a:prstGeom>
+            <a:solidFill>
+              <a:srgbClr val="FFFF00"/>
+            </a:solidFill>
+            <a:ln w="9525" cap="flat" cmpd="sng" algn="ctr">
+              <a:solidFill>
+                <a:schemeClr val="tx1"/>
+              </a:solidFill>
+              <a:prstDash val="solid"/>
+              <a:round/>
+              <a:headEnd type="none" w="med" len="med"/>
+              <a:tailEnd type="none" w="med" len="med"/>
+            </a:ln>
+            <a:effectLst/>
+          </p:spPr>
+          <p:txBody>
+            <a:bodyPr vert="horz" wrap="square" lIns="91440" tIns="45720" rIns="91440" bIns="45720" numCol="1" rtlCol="0" anchor="t" anchorCtr="0" compatLnSpc="1">
+              <a:prstTxWarp prst="textNoShape">
+                <a:avLst/>
+              </a:prstTxWarp>
+            </a:bodyPr>
+            <a:lstStyle/>
+            <a:p>
+              <a:pPr marL="0" marR="0" indent="0" algn="l" defTabSz="914400" rtl="0" eaLnBrk="0" fontAlgn="base" latinLnBrk="0" hangingPunct="0">
+                <a:lnSpc>
+                  <a:spcPct val="100000"/>
+                </a:lnSpc>
+                <a:spcBef>
+                  <a:spcPct val="0"/>
+                </a:spcBef>
+                <a:spcAft>
+                  <a:spcPct val="0"/>
+                </a:spcAft>
+                <a:buClrTx/>
+                <a:buSzTx/>
+                <a:buFontTx/>
+                <a:buNone/>
+                <a:tabLst/>
+              </a:pPr>
+              <a:endParaRPr kumimoji="0" lang="en-US" sz="2400" b="0" i="0" u="none" strike="noStrike" cap="none" normalizeH="0" baseline="0" smtClean="0">
+                <a:ln>
+                  <a:noFill/>
+                </a:ln>
+                <a:solidFill>
+                  <a:schemeClr val="tx1"/>
+                </a:solidFill>
+                <a:effectLst/>
+                <a:latin typeface="Arial" charset="0"/>
+                <a:ea typeface="ＭＳ Ｐゴシック" pitchFamily="-60" charset="-128"/>
+              </a:endParaRPr>
+            </a:p>
+          </p:txBody>
+        </p:sp>
+      </p:grpSp>
+      <p:sp>
+        <p:nvSpPr>
+          <p:cNvPr id="13" name="TextBox 12"/>
           <p:cNvSpPr txBox="1"/>
           <p:nvPr/>
         </p:nvSpPr>
         <p:spPr>
           <a:xfrm>
-            <a:off x="3276600" y="3441741"/>
-            <a:ext cx="1990725" cy="707886"/>
+            <a:off x="2965449" y="2420779"/>
+            <a:ext cx="3200400" cy="246221"/>
           </a:xfrm>
           <a:prstGeom prst="rect">
             <a:avLst/>
@@ -6532,22 +6823,426 @@
           <a:p>
             <a:r>
               <a:rPr lang="en-US" sz="1000" dirty="0" smtClean="0"/>
-              <a:t>Hyperlinks to Google search results here for “&lt;drug name&gt; + recall” and &lt;drug manufacturer&gt; + recall”.</a:t>
+              <a:t>Classification	      Product Name          Recall Date</a:t>
             </a:r>
             <a:endParaRPr lang="en-US" sz="1000" dirty="0"/>
           </a:p>
         </p:txBody>
       </p:sp>
-      <p:sp>
-        <p:nvSpPr>
-          <p:cNvPr id="23" name="Rectangle 22"/>
+      <p:grpSp>
+        <p:nvGrpSpPr>
+          <p:cNvPr id="29" name="Group 28"/>
+          <p:cNvGrpSpPr/>
+          <p:nvPr/>
+        </p:nvGrpSpPr>
+        <p:grpSpPr>
+          <a:xfrm>
+            <a:off x="3139757" y="3096398"/>
+            <a:ext cx="2695893" cy="246221"/>
+            <a:chOff x="3139757" y="3096398"/>
+            <a:chExt cx="2695893" cy="246221"/>
+          </a:xfrm>
+        </p:grpSpPr>
+        <p:sp>
+          <p:nvSpPr>
+            <p:cNvPr id="14" name="TextBox 13"/>
+            <p:cNvSpPr txBox="1"/>
+            <p:nvPr/>
+          </p:nvSpPr>
+          <p:spPr>
+            <a:xfrm>
+              <a:off x="3330892" y="3096398"/>
+              <a:ext cx="2504758" cy="246221"/>
+            </a:xfrm>
+            <a:prstGeom prst="rect">
+              <a:avLst/>
+            </a:prstGeom>
+            <a:noFill/>
+          </p:spPr>
+          <p:txBody>
+            <a:bodyPr wrap="square" rtlCol="0">
+              <a:spAutoFit/>
+            </a:bodyPr>
+            <a:lstStyle/>
+            <a:p>
+              <a:r>
+                <a:rPr lang="en-US" sz="1000" dirty="0" smtClean="0"/>
+                <a:t>Class 3         Drug #2                   5/29/15</a:t>
+              </a:r>
+              <a:endParaRPr lang="en-US" sz="1000" dirty="0"/>
+            </a:p>
+          </p:txBody>
+        </p:sp>
+        <p:sp>
+          <p:nvSpPr>
+            <p:cNvPr id="15" name="Oval 14"/>
+            <p:cNvSpPr/>
+            <p:nvPr/>
+          </p:nvSpPr>
+          <p:spPr bwMode="auto">
+            <a:xfrm>
+              <a:off x="3139757" y="3127175"/>
+              <a:ext cx="191135" cy="184666"/>
+            </a:xfrm>
+            <a:prstGeom prst="ellipse">
+              <a:avLst/>
+            </a:prstGeom>
+            <a:solidFill>
+              <a:srgbClr val="FF0000"/>
+            </a:solidFill>
+            <a:ln w="9525" cap="flat" cmpd="sng" algn="ctr">
+              <a:solidFill>
+                <a:schemeClr val="tx1"/>
+              </a:solidFill>
+              <a:prstDash val="solid"/>
+              <a:round/>
+              <a:headEnd type="none" w="med" len="med"/>
+              <a:tailEnd type="none" w="med" len="med"/>
+            </a:ln>
+            <a:effectLst/>
+          </p:spPr>
+          <p:txBody>
+            <a:bodyPr vert="horz" wrap="square" lIns="91440" tIns="45720" rIns="91440" bIns="45720" numCol="1" rtlCol="0" anchor="t" anchorCtr="0" compatLnSpc="1">
+              <a:prstTxWarp prst="textNoShape">
+                <a:avLst/>
+              </a:prstTxWarp>
+            </a:bodyPr>
+            <a:lstStyle/>
+            <a:p>
+              <a:pPr marL="0" marR="0" indent="0" algn="l" defTabSz="914400" rtl="0" eaLnBrk="0" fontAlgn="base" latinLnBrk="0" hangingPunct="0">
+                <a:lnSpc>
+                  <a:spcPct val="100000"/>
+                </a:lnSpc>
+                <a:spcBef>
+                  <a:spcPct val="0"/>
+                </a:spcBef>
+                <a:spcAft>
+                  <a:spcPct val="0"/>
+                </a:spcAft>
+                <a:buClrTx/>
+                <a:buSzTx/>
+                <a:buFontTx/>
+                <a:buNone/>
+                <a:tabLst/>
+              </a:pPr>
+              <a:endParaRPr kumimoji="0" lang="en-US" sz="2400" b="0" i="0" u="none" strike="noStrike" cap="none" normalizeH="0" baseline="0" smtClean="0">
+                <a:ln>
+                  <a:noFill/>
+                </a:ln>
+                <a:solidFill>
+                  <a:schemeClr val="tx1"/>
+                </a:solidFill>
+                <a:effectLst/>
+                <a:latin typeface="Arial" charset="0"/>
+                <a:ea typeface="ＭＳ Ｐゴシック" pitchFamily="-60" charset="-128"/>
+              </a:endParaRPr>
+            </a:p>
+          </p:txBody>
+        </p:sp>
+      </p:grpSp>
+      <p:grpSp>
+        <p:nvGrpSpPr>
+          <p:cNvPr id="30" name="Group 29"/>
+          <p:cNvGrpSpPr/>
+          <p:nvPr/>
+        </p:nvGrpSpPr>
+        <p:grpSpPr>
+          <a:xfrm>
+            <a:off x="3139757" y="3483291"/>
+            <a:ext cx="2695893" cy="246221"/>
+            <a:chOff x="3139757" y="3483291"/>
+            <a:chExt cx="2695893" cy="246221"/>
+          </a:xfrm>
+        </p:grpSpPr>
+        <p:sp>
+          <p:nvSpPr>
+            <p:cNvPr id="16" name="TextBox 15"/>
+            <p:cNvSpPr txBox="1"/>
+            <p:nvPr/>
+          </p:nvSpPr>
+          <p:spPr>
+            <a:xfrm>
+              <a:off x="3330892" y="3483291"/>
+              <a:ext cx="2504758" cy="246221"/>
+            </a:xfrm>
+            <a:prstGeom prst="rect">
+              <a:avLst/>
+            </a:prstGeom>
+            <a:noFill/>
+          </p:spPr>
+          <p:txBody>
+            <a:bodyPr wrap="square" rtlCol="0">
+              <a:spAutoFit/>
+            </a:bodyPr>
+            <a:lstStyle/>
+            <a:p>
+              <a:r>
+                <a:rPr lang="en-US" sz="1000" dirty="0" smtClean="0"/>
+                <a:t>Class 2         Drug #3                   5/29/15</a:t>
+              </a:r>
+              <a:endParaRPr lang="en-US" sz="1000" dirty="0"/>
+            </a:p>
+          </p:txBody>
+        </p:sp>
+        <p:sp>
+          <p:nvSpPr>
+            <p:cNvPr id="17" name="Oval 16"/>
+            <p:cNvSpPr/>
+            <p:nvPr/>
+          </p:nvSpPr>
+          <p:spPr bwMode="auto">
+            <a:xfrm>
+              <a:off x="3139757" y="3514068"/>
+              <a:ext cx="191135" cy="184666"/>
+            </a:xfrm>
+            <a:prstGeom prst="ellipse">
+              <a:avLst/>
+            </a:prstGeom>
+            <a:solidFill>
+              <a:srgbClr val="FFC000"/>
+            </a:solidFill>
+            <a:ln w="9525" cap="flat" cmpd="sng" algn="ctr">
+              <a:solidFill>
+                <a:schemeClr val="tx1"/>
+              </a:solidFill>
+              <a:prstDash val="solid"/>
+              <a:round/>
+              <a:headEnd type="none" w="med" len="med"/>
+              <a:tailEnd type="none" w="med" len="med"/>
+            </a:ln>
+            <a:effectLst/>
+          </p:spPr>
+          <p:txBody>
+            <a:bodyPr vert="horz" wrap="square" lIns="91440" tIns="45720" rIns="91440" bIns="45720" numCol="1" rtlCol="0" anchor="t" anchorCtr="0" compatLnSpc="1">
+              <a:prstTxWarp prst="textNoShape">
+                <a:avLst/>
+              </a:prstTxWarp>
+            </a:bodyPr>
+            <a:lstStyle/>
+            <a:p>
+              <a:pPr marL="0" marR="0" indent="0" algn="l" defTabSz="914400" rtl="0" eaLnBrk="0" fontAlgn="base" latinLnBrk="0" hangingPunct="0">
+                <a:lnSpc>
+                  <a:spcPct val="100000"/>
+                </a:lnSpc>
+                <a:spcBef>
+                  <a:spcPct val="0"/>
+                </a:spcBef>
+                <a:spcAft>
+                  <a:spcPct val="0"/>
+                </a:spcAft>
+                <a:buClrTx/>
+                <a:buSzTx/>
+                <a:buFontTx/>
+                <a:buNone/>
+                <a:tabLst/>
+              </a:pPr>
+              <a:endParaRPr kumimoji="0" lang="en-US" sz="2400" b="0" i="0" u="none" strike="noStrike" cap="none" normalizeH="0" baseline="0" smtClean="0">
+                <a:ln>
+                  <a:noFill/>
+                </a:ln>
+                <a:solidFill>
+                  <a:schemeClr val="tx1"/>
+                </a:solidFill>
+                <a:effectLst/>
+                <a:latin typeface="Arial" charset="0"/>
+                <a:ea typeface="ＭＳ Ｐゴシック" pitchFamily="-60" charset="-128"/>
+              </a:endParaRPr>
+            </a:p>
+          </p:txBody>
+        </p:sp>
+      </p:grpSp>
+      <p:grpSp>
+        <p:nvGrpSpPr>
+          <p:cNvPr id="27" name="Group 26"/>
+          <p:cNvGrpSpPr/>
+          <p:nvPr/>
+        </p:nvGrpSpPr>
+        <p:grpSpPr>
+          <a:xfrm>
+            <a:off x="2895600" y="1494234"/>
+            <a:ext cx="2301876" cy="258366"/>
+            <a:chOff x="2965449" y="1841182"/>
+            <a:chExt cx="2301876" cy="258366"/>
+          </a:xfrm>
+        </p:grpSpPr>
+        <p:sp>
+          <p:nvSpPr>
+            <p:cNvPr id="6" name="Rectangle 5"/>
+            <p:cNvSpPr/>
+            <p:nvPr/>
+          </p:nvSpPr>
+          <p:spPr bwMode="auto">
+            <a:xfrm>
+              <a:off x="2965449" y="1862852"/>
+              <a:ext cx="1504950" cy="236696"/>
+            </a:xfrm>
+            <a:prstGeom prst="rect">
+              <a:avLst/>
+            </a:prstGeom>
+            <a:solidFill>
+              <a:schemeClr val="bg1"/>
+            </a:solidFill>
+            <a:ln w="9525" cap="flat" cmpd="sng" algn="ctr">
+              <a:solidFill>
+                <a:schemeClr val="tx1"/>
+              </a:solidFill>
+              <a:prstDash val="solid"/>
+              <a:round/>
+              <a:headEnd type="none" w="med" len="med"/>
+              <a:tailEnd type="none" w="med" len="med"/>
+            </a:ln>
+            <a:effectLst/>
+          </p:spPr>
+          <p:txBody>
+            <a:bodyPr vert="horz" wrap="square" lIns="91440" tIns="45720" rIns="91440" bIns="45720" numCol="1" rtlCol="0" anchor="t" anchorCtr="0" compatLnSpc="1">
+              <a:prstTxWarp prst="textNoShape">
+                <a:avLst/>
+              </a:prstTxWarp>
+            </a:bodyPr>
+            <a:lstStyle/>
+            <a:p>
+              <a:pPr marL="0" marR="0" indent="0" algn="l" defTabSz="914400" rtl="0" eaLnBrk="0" fontAlgn="base" latinLnBrk="0" hangingPunct="0">
+                <a:lnSpc>
+                  <a:spcPct val="100000"/>
+                </a:lnSpc>
+                <a:spcBef>
+                  <a:spcPct val="0"/>
+                </a:spcBef>
+                <a:spcAft>
+                  <a:spcPct val="0"/>
+                </a:spcAft>
+                <a:buClrTx/>
+                <a:buSzTx/>
+                <a:buFontTx/>
+                <a:buNone/>
+                <a:tabLst/>
+              </a:pPr>
+              <a:endParaRPr kumimoji="0" lang="en-US" sz="2400" b="0" i="0" u="none" strike="noStrike" cap="none" normalizeH="0" baseline="0" smtClean="0">
+                <a:ln>
+                  <a:noFill/>
+                </a:ln>
+                <a:solidFill>
+                  <a:schemeClr val="tx1"/>
+                </a:solidFill>
+                <a:effectLst/>
+                <a:latin typeface="Arial" charset="0"/>
+                <a:ea typeface="ＭＳ Ｐゴシック" pitchFamily="-60" charset="-128"/>
+              </a:endParaRPr>
+            </a:p>
+          </p:txBody>
+        </p:sp>
+        <p:sp>
+          <p:nvSpPr>
+            <p:cNvPr id="5" name="TextBox 4"/>
+            <p:cNvSpPr txBox="1"/>
+            <p:nvPr/>
+          </p:nvSpPr>
+          <p:spPr>
+            <a:xfrm>
+              <a:off x="2965449" y="1841182"/>
+              <a:ext cx="1624172" cy="246221"/>
+            </a:xfrm>
+            <a:prstGeom prst="rect">
+              <a:avLst/>
+            </a:prstGeom>
+            <a:noFill/>
+          </p:spPr>
+          <p:txBody>
+            <a:bodyPr wrap="square" rtlCol="0">
+              <a:spAutoFit/>
+            </a:bodyPr>
+            <a:lstStyle/>
+            <a:p>
+              <a:r>
+                <a:rPr lang="en-US" sz="1000" dirty="0" smtClean="0"/>
+                <a:t>Enter the name a drug…</a:t>
+              </a:r>
+              <a:endParaRPr lang="en-US" sz="1000" dirty="0"/>
+            </a:p>
+          </p:txBody>
+        </p:sp>
+        <p:sp>
+          <p:nvSpPr>
+            <p:cNvPr id="18" name="Rounded Rectangle 17"/>
+            <p:cNvSpPr/>
+            <p:nvPr/>
+          </p:nvSpPr>
+          <p:spPr bwMode="auto">
+            <a:xfrm>
+              <a:off x="4589621" y="1862852"/>
+              <a:ext cx="677704" cy="224551"/>
+            </a:xfrm>
+            <a:prstGeom prst="roundRect">
+              <a:avLst/>
+            </a:prstGeom>
+            <a:solidFill>
+              <a:schemeClr val="accent3">
+                <a:lumMod val="85000"/>
+              </a:schemeClr>
+            </a:solidFill>
+            <a:ln w="9525" cap="flat" cmpd="sng" algn="ctr">
+              <a:solidFill>
+                <a:schemeClr val="tx1"/>
+              </a:solidFill>
+              <a:prstDash val="solid"/>
+              <a:round/>
+              <a:headEnd type="none" w="med" len="med"/>
+              <a:tailEnd type="none" w="med" len="med"/>
+            </a:ln>
+            <a:effectLst/>
+          </p:spPr>
+          <p:txBody>
+            <a:bodyPr vert="horz" wrap="square" lIns="91440" tIns="45720" rIns="91440" bIns="45720" numCol="1" rtlCol="0" anchor="t" anchorCtr="0" compatLnSpc="1">
+              <a:prstTxWarp prst="textNoShape">
+                <a:avLst/>
+              </a:prstTxWarp>
+            </a:bodyPr>
+            <a:lstStyle/>
+            <a:p>
+              <a:pPr marL="0" marR="0" indent="0" algn="ctr" defTabSz="914400" rtl="0" eaLnBrk="0" fontAlgn="base" latinLnBrk="0" hangingPunct="0">
+                <a:lnSpc>
+                  <a:spcPct val="100000"/>
+                </a:lnSpc>
+                <a:spcBef>
+                  <a:spcPct val="0"/>
+                </a:spcBef>
+                <a:spcAft>
+                  <a:spcPct val="0"/>
+                </a:spcAft>
+                <a:buClrTx/>
+                <a:buSzTx/>
+                <a:buFontTx/>
+                <a:buNone/>
+                <a:tabLst/>
+              </a:pPr>
+              <a:r>
+                <a:rPr kumimoji="0" lang="en-US" sz="1000" b="0" i="0" u="none" strike="noStrike" cap="none" normalizeH="0" baseline="0" dirty="0" smtClean="0">
+                  <a:ln>
+                    <a:noFill/>
+                  </a:ln>
+                  <a:solidFill>
+                    <a:schemeClr val="tx1"/>
+                  </a:solidFill>
+                  <a:effectLst/>
+                  <a:latin typeface="Arial" charset="0"/>
+                  <a:ea typeface="ＭＳ Ｐゴシック" pitchFamily="-60" charset="-128"/>
+                </a:rPr>
+                <a:t>Search</a:t>
+              </a:r>
+            </a:p>
+          </p:txBody>
+        </p:sp>
+      </p:grpSp>
+      <p:sp>
+        <p:nvSpPr>
+          <p:cNvPr id="19" name="Rectangle 18"/>
           <p:cNvSpPr/>
           <p:nvPr/>
         </p:nvSpPr>
         <p:spPr bwMode="auto">
           <a:xfrm>
-            <a:off x="2965449" y="1832014"/>
-            <a:ext cx="752475" cy="732709"/>
+            <a:off x="3047998" y="4914900"/>
+            <a:ext cx="3117849" cy="190500"/>
           </a:xfrm>
           <a:prstGeom prst="rect">
             <a:avLst/>
@@ -6591,7 +7286,7 @@
               <a:tabLst/>
             </a:pPr>
             <a:r>
-              <a:rPr kumimoji="0" lang="en-US" sz="1000" b="0" i="0" u="none" strike="noStrike" cap="none" normalizeH="0" baseline="0" dirty="0" smtClean="0">
+              <a:rPr kumimoji="0" lang="en-US" sz="1100" b="0" i="0" u="none" strike="noStrike" cap="none" normalizeH="0" baseline="0" dirty="0" smtClean="0">
                 <a:ln>
                   <a:noFill/>
                 </a:ln>
@@ -6602,15 +7297,619 @@
                 <a:latin typeface="Arial" charset="0"/>
                 <a:ea typeface="ＭＳ Ｐゴシック" pitchFamily="-60" charset="-128"/>
               </a:rPr>
-              <a:t>Drug details here from FDA</a:t>
-            </a:r>
-          </a:p>
-        </p:txBody>
-      </p:sp>
+              <a:t>Pagination</a:t>
+            </a:r>
+          </a:p>
+        </p:txBody>
+      </p:sp>
+      <p:sp>
+        <p:nvSpPr>
+          <p:cNvPr id="21" name="Rectangle 20"/>
+          <p:cNvSpPr/>
+          <p:nvPr/>
+        </p:nvSpPr>
+        <p:spPr bwMode="auto">
+          <a:xfrm>
+            <a:off x="1457325" y="609600"/>
+            <a:ext cx="5095875" cy="503720"/>
+          </a:xfrm>
+          <a:prstGeom prst="rect">
+            <a:avLst/>
+          </a:prstGeom>
+          <a:solidFill>
+            <a:schemeClr val="bg1">
+              <a:lumMod val="95000"/>
+            </a:schemeClr>
+          </a:solidFill>
+          <a:ln w="9525" cap="flat" cmpd="sng" algn="ctr">
+            <a:solidFill>
+              <a:schemeClr val="tx1"/>
+            </a:solidFill>
+            <a:prstDash val="solid"/>
+            <a:round/>
+            <a:headEnd type="none" w="med" len="med"/>
+            <a:tailEnd type="none" w="med" len="med"/>
+          </a:ln>
+          <a:effectLst/>
+        </p:spPr>
+        <p:txBody>
+          <a:bodyPr vert="horz" wrap="square" lIns="91440" tIns="45720" rIns="91440" bIns="45720" numCol="1" rtlCol="0" anchor="t" anchorCtr="0" compatLnSpc="1">
+            <a:prstTxWarp prst="textNoShape">
+              <a:avLst/>
+            </a:prstTxWarp>
+          </a:bodyPr>
+          <a:lstStyle/>
+          <a:p>
+            <a:pPr marL="0" marR="0" indent="0" algn="l" defTabSz="914400" rtl="0" eaLnBrk="0" fontAlgn="base" latinLnBrk="0" hangingPunct="0">
+              <a:lnSpc>
+                <a:spcPct val="100000"/>
+              </a:lnSpc>
+              <a:spcBef>
+                <a:spcPct val="0"/>
+              </a:spcBef>
+              <a:spcAft>
+                <a:spcPct val="0"/>
+              </a:spcAft>
+              <a:buClrTx/>
+              <a:buSzTx/>
+              <a:buFontTx/>
+              <a:buNone/>
+              <a:tabLst/>
+            </a:pPr>
+            <a:endParaRPr kumimoji="0" lang="en-US" sz="2400" b="0" i="0" u="none" strike="noStrike" cap="none" normalizeH="0" baseline="0" smtClean="0">
+              <a:ln>
+                <a:noFill/>
+              </a:ln>
+              <a:solidFill>
+                <a:schemeClr val="bg1">
+                  <a:lumMod val="85000"/>
+                </a:schemeClr>
+              </a:solidFill>
+              <a:effectLst/>
+              <a:latin typeface="Arial" charset="0"/>
+              <a:ea typeface="ＭＳ Ｐゴシック" pitchFamily="-60" charset="-128"/>
+            </a:endParaRPr>
+          </a:p>
+        </p:txBody>
+      </p:sp>
+      <p:sp>
+        <p:nvSpPr>
+          <p:cNvPr id="8" name="TextBox 7"/>
+          <p:cNvSpPr txBox="1"/>
+          <p:nvPr/>
+        </p:nvSpPr>
+        <p:spPr>
+          <a:xfrm>
+            <a:off x="1524000" y="759023"/>
+            <a:ext cx="3294741" cy="307777"/>
+          </a:xfrm>
+          <a:prstGeom prst="rect">
+            <a:avLst/>
+          </a:prstGeom>
+          <a:solidFill>
+            <a:schemeClr val="bg1">
+              <a:lumMod val="95000"/>
+            </a:schemeClr>
+          </a:solidFill>
+        </p:spPr>
+        <p:txBody>
+          <a:bodyPr wrap="square" rtlCol="0">
+            <a:spAutoFit/>
+          </a:bodyPr>
+          <a:lstStyle/>
+          <a:p>
+            <a:r>
+              <a:rPr lang="en-US" sz="1400" dirty="0" smtClean="0"/>
+              <a:t>Drug Recall Information Center</a:t>
+            </a:r>
+            <a:endParaRPr lang="en-US" sz="1400" dirty="0"/>
+          </a:p>
+        </p:txBody>
+      </p:sp>
+      <p:grpSp>
+        <p:nvGrpSpPr>
+          <p:cNvPr id="25" name="Group 24"/>
+          <p:cNvGrpSpPr/>
+          <p:nvPr/>
+        </p:nvGrpSpPr>
+        <p:grpSpPr>
+          <a:xfrm>
+            <a:off x="2971800" y="5562600"/>
+            <a:ext cx="2597151" cy="380999"/>
+            <a:chOff x="2965449" y="5562600"/>
+            <a:chExt cx="2597151" cy="380999"/>
+          </a:xfrm>
+        </p:grpSpPr>
+        <p:sp>
+          <p:nvSpPr>
+            <p:cNvPr id="23" name="TextBox 22"/>
+            <p:cNvSpPr txBox="1"/>
+            <p:nvPr/>
+          </p:nvSpPr>
+          <p:spPr>
+            <a:xfrm>
+              <a:off x="3057842" y="5621179"/>
+              <a:ext cx="2504758" cy="246221"/>
+            </a:xfrm>
+            <a:prstGeom prst="rect">
+              <a:avLst/>
+            </a:prstGeom>
+            <a:noFill/>
+          </p:spPr>
+          <p:txBody>
+            <a:bodyPr wrap="square" rtlCol="0">
+              <a:spAutoFit/>
+            </a:bodyPr>
+            <a:lstStyle/>
+            <a:p>
+              <a:r>
+                <a:rPr lang="en-US" sz="1000" dirty="0" smtClean="0"/>
+                <a:t>Developed by</a:t>
+              </a:r>
+              <a:endParaRPr lang="en-US" sz="1000" dirty="0"/>
+            </a:p>
+          </p:txBody>
+        </p:sp>
+        <p:sp>
+          <p:nvSpPr>
+            <p:cNvPr id="24" name="Rectangle 23"/>
+            <p:cNvSpPr/>
+            <p:nvPr/>
+          </p:nvSpPr>
+          <p:spPr bwMode="auto">
+            <a:xfrm>
+              <a:off x="2965449" y="5562600"/>
+              <a:ext cx="2139951" cy="380999"/>
+            </a:xfrm>
+            <a:prstGeom prst="rect">
+              <a:avLst/>
+            </a:prstGeom>
+            <a:noFill/>
+            <a:ln w="9525" cap="flat" cmpd="sng" algn="ctr">
+              <a:solidFill>
+                <a:schemeClr val="tx1"/>
+              </a:solidFill>
+              <a:prstDash val="solid"/>
+              <a:round/>
+              <a:headEnd type="none" w="med" len="med"/>
+              <a:tailEnd type="none" w="med" len="med"/>
+            </a:ln>
+            <a:effectLst/>
+          </p:spPr>
+          <p:txBody>
+            <a:bodyPr vert="horz" wrap="square" lIns="91440" tIns="45720" rIns="91440" bIns="45720" numCol="1" rtlCol="0" anchor="t" anchorCtr="0" compatLnSpc="1">
+              <a:prstTxWarp prst="textNoShape">
+                <a:avLst/>
+              </a:prstTxWarp>
+            </a:bodyPr>
+            <a:lstStyle/>
+            <a:p>
+              <a:pPr marL="0" marR="0" indent="0" algn="l" defTabSz="914400" rtl="0" eaLnBrk="0" fontAlgn="base" latinLnBrk="0" hangingPunct="0">
+                <a:lnSpc>
+                  <a:spcPct val="100000"/>
+                </a:lnSpc>
+                <a:spcBef>
+                  <a:spcPct val="0"/>
+                </a:spcBef>
+                <a:spcAft>
+                  <a:spcPct val="0"/>
+                </a:spcAft>
+                <a:buClrTx/>
+                <a:buSzTx/>
+                <a:buFontTx/>
+                <a:buNone/>
+                <a:tabLst/>
+              </a:pPr>
+              <a:endParaRPr kumimoji="0" lang="en-US" sz="2400" b="0" i="0" u="none" strike="noStrike" cap="none" normalizeH="0" baseline="0" smtClean="0">
+                <a:ln>
+                  <a:noFill/>
+                </a:ln>
+                <a:solidFill>
+                  <a:schemeClr val="tx1"/>
+                </a:solidFill>
+                <a:effectLst/>
+                <a:latin typeface="Arial" charset="0"/>
+                <a:ea typeface="ＭＳ Ｐゴシック" pitchFamily="-60" charset="-128"/>
+              </a:endParaRPr>
+            </a:p>
+          </p:txBody>
+        </p:sp>
+      </p:grpSp>
+      <p:sp>
+        <p:nvSpPr>
+          <p:cNvPr id="67" name="TextBox 66"/>
+          <p:cNvSpPr txBox="1"/>
+          <p:nvPr/>
+        </p:nvSpPr>
+        <p:spPr>
+          <a:xfrm>
+            <a:off x="6705600" y="3121732"/>
+            <a:ext cx="2133600" cy="1754326"/>
+          </a:xfrm>
+          <a:prstGeom prst="rect">
+            <a:avLst/>
+          </a:prstGeom>
+          <a:noFill/>
+        </p:spPr>
+        <p:txBody>
+          <a:bodyPr wrap="square" rtlCol="0">
+            <a:spAutoFit/>
+          </a:bodyPr>
+          <a:lstStyle/>
+          <a:p>
+            <a:r>
+              <a:rPr lang="en-US" dirty="0" smtClean="0"/>
+              <a:t>User can update filters to filter searched results.</a:t>
+            </a:r>
+          </a:p>
+          <a:p>
+            <a:endParaRPr lang="en-US" dirty="0"/>
+          </a:p>
+          <a:p>
+            <a:r>
+              <a:rPr lang="en-US" dirty="0" smtClean="0"/>
+              <a:t>Provide legend on classification.</a:t>
+            </a:r>
+            <a:endParaRPr lang="en-US" dirty="0"/>
+          </a:p>
+        </p:txBody>
+      </p:sp>
+      <p:grpSp>
+        <p:nvGrpSpPr>
+          <p:cNvPr id="38" name="Group 37"/>
+          <p:cNvGrpSpPr/>
+          <p:nvPr/>
+        </p:nvGrpSpPr>
+        <p:grpSpPr>
+          <a:xfrm>
+            <a:off x="1600200" y="2438400"/>
+            <a:ext cx="1371600" cy="2668488"/>
+            <a:chOff x="1600200" y="2438400"/>
+            <a:chExt cx="1371600" cy="2668488"/>
+          </a:xfrm>
+        </p:grpSpPr>
+        <p:sp>
+          <p:nvSpPr>
+            <p:cNvPr id="39" name="Rectangle 38"/>
+            <p:cNvSpPr/>
+            <p:nvPr/>
+          </p:nvSpPr>
+          <p:spPr bwMode="auto">
+            <a:xfrm>
+              <a:off x="1600200" y="2666999"/>
+              <a:ext cx="1295400" cy="2436267"/>
+            </a:xfrm>
+            <a:prstGeom prst="rect">
+              <a:avLst/>
+            </a:prstGeom>
+            <a:noFill/>
+            <a:ln w="9525" cap="flat" cmpd="sng" algn="ctr">
+              <a:solidFill>
+                <a:schemeClr val="tx1"/>
+              </a:solidFill>
+              <a:prstDash val="solid"/>
+              <a:round/>
+              <a:headEnd type="none" w="med" len="med"/>
+              <a:tailEnd type="none" w="med" len="med"/>
+            </a:ln>
+            <a:effectLst/>
+          </p:spPr>
+          <p:txBody>
+            <a:bodyPr vert="horz" wrap="square" lIns="91440" tIns="45720" rIns="91440" bIns="45720" numCol="1" rtlCol="0" anchor="t" anchorCtr="0" compatLnSpc="1">
+              <a:prstTxWarp prst="textNoShape">
+                <a:avLst/>
+              </a:prstTxWarp>
+            </a:bodyPr>
+            <a:lstStyle/>
+            <a:p>
+              <a:pPr marL="0" marR="0" indent="0" algn="l" defTabSz="914400" rtl="0" eaLnBrk="0" fontAlgn="base" latinLnBrk="0" hangingPunct="0">
+                <a:lnSpc>
+                  <a:spcPct val="100000"/>
+                </a:lnSpc>
+                <a:spcBef>
+                  <a:spcPct val="0"/>
+                </a:spcBef>
+                <a:spcAft>
+                  <a:spcPct val="0"/>
+                </a:spcAft>
+                <a:buClrTx/>
+                <a:buSzTx/>
+                <a:buFontTx/>
+                <a:buNone/>
+                <a:tabLst/>
+              </a:pPr>
+              <a:endParaRPr kumimoji="0" lang="en-US" sz="2400" b="0" i="0" u="none" strike="noStrike" cap="none" normalizeH="0" baseline="0" smtClean="0">
+                <a:ln>
+                  <a:noFill/>
+                </a:ln>
+                <a:solidFill>
+                  <a:schemeClr val="tx1"/>
+                </a:solidFill>
+                <a:effectLst/>
+                <a:latin typeface="Arial" charset="0"/>
+                <a:ea typeface="ＭＳ Ｐゴシック" pitchFamily="-60" charset="-128"/>
+              </a:endParaRPr>
+            </a:p>
+          </p:txBody>
+        </p:sp>
+        <p:sp>
+          <p:nvSpPr>
+            <p:cNvPr id="40" name="TextBox 39"/>
+            <p:cNvSpPr txBox="1"/>
+            <p:nvPr/>
+          </p:nvSpPr>
+          <p:spPr>
+            <a:xfrm>
+              <a:off x="1600200" y="2438400"/>
+              <a:ext cx="1219200" cy="246221"/>
+            </a:xfrm>
+            <a:prstGeom prst="rect">
+              <a:avLst/>
+            </a:prstGeom>
+            <a:noFill/>
+          </p:spPr>
+          <p:txBody>
+            <a:bodyPr wrap="square" rtlCol="0">
+              <a:spAutoFit/>
+            </a:bodyPr>
+            <a:lstStyle/>
+            <a:p>
+              <a:r>
+                <a:rPr lang="en-US" sz="1000" dirty="0" smtClean="0"/>
+                <a:t>Filter:</a:t>
+              </a:r>
+              <a:endParaRPr lang="en-US" sz="1000" dirty="0"/>
+            </a:p>
+          </p:txBody>
+        </p:sp>
+        <p:grpSp>
+          <p:nvGrpSpPr>
+            <p:cNvPr id="41" name="Group 40"/>
+            <p:cNvGrpSpPr/>
+            <p:nvPr/>
+          </p:nvGrpSpPr>
+          <p:grpSpPr>
+            <a:xfrm>
+              <a:off x="1618341" y="2667000"/>
+              <a:ext cx="1353459" cy="734200"/>
+              <a:chOff x="1618341" y="2667000"/>
+              <a:chExt cx="1353459" cy="734200"/>
+            </a:xfrm>
+          </p:grpSpPr>
+          <p:sp>
+            <p:nvSpPr>
+              <p:cNvPr id="46" name="TextBox 45"/>
+              <p:cNvSpPr txBox="1"/>
+              <p:nvPr/>
+            </p:nvSpPr>
+            <p:spPr>
+              <a:xfrm>
+                <a:off x="1618341" y="2667000"/>
+                <a:ext cx="1347108" cy="246221"/>
+              </a:xfrm>
+              <a:prstGeom prst="rect">
+                <a:avLst/>
+              </a:prstGeom>
+              <a:noFill/>
+            </p:spPr>
+            <p:txBody>
+              <a:bodyPr wrap="square" rtlCol="0">
+                <a:spAutoFit/>
+              </a:bodyPr>
+              <a:lstStyle/>
+              <a:p>
+                <a:r>
+                  <a:rPr lang="en-US" sz="1000" dirty="0" smtClean="0"/>
+                  <a:t>Recall In Last:</a:t>
+                </a:r>
+                <a:endParaRPr lang="en-US" sz="1000" dirty="0"/>
+              </a:p>
+            </p:txBody>
+          </p:sp>
+          <p:sp>
+            <p:nvSpPr>
+              <p:cNvPr id="47" name="TextBox 46"/>
+              <p:cNvSpPr txBox="1"/>
+              <p:nvPr/>
+            </p:nvSpPr>
+            <p:spPr>
+              <a:xfrm>
+                <a:off x="1770741" y="2847202"/>
+                <a:ext cx="1201059" cy="553998"/>
+              </a:xfrm>
+              <a:prstGeom prst="rect">
+                <a:avLst/>
+              </a:prstGeom>
+              <a:noFill/>
+            </p:spPr>
+            <p:txBody>
+              <a:bodyPr wrap="square" rtlCol="0">
+                <a:spAutoFit/>
+              </a:bodyPr>
+              <a:lstStyle/>
+              <a:p>
+                <a:r>
+                  <a:rPr lang="en-US" sz="1000" dirty="0" smtClean="0"/>
+                  <a:t>O  1 month</a:t>
+                </a:r>
+              </a:p>
+              <a:p>
+                <a:r>
+                  <a:rPr lang="en-US" sz="1000" dirty="0" smtClean="0"/>
+                  <a:t>O  6 months</a:t>
+                </a:r>
+              </a:p>
+              <a:p>
+                <a:r>
+                  <a:rPr lang="en-US" sz="1000" dirty="0" smtClean="0"/>
+                  <a:t>O  All </a:t>
+                </a:r>
+                <a:endParaRPr lang="en-US" sz="1000" dirty="0"/>
+              </a:p>
+            </p:txBody>
+          </p:sp>
+        </p:grpSp>
+        <p:sp>
+          <p:nvSpPr>
+            <p:cNvPr id="42" name="TextBox 41"/>
+            <p:cNvSpPr txBox="1"/>
+            <p:nvPr/>
+          </p:nvSpPr>
+          <p:spPr>
+            <a:xfrm>
+              <a:off x="1618341" y="3352800"/>
+              <a:ext cx="1201059" cy="246221"/>
+            </a:xfrm>
+            <a:prstGeom prst="rect">
+              <a:avLst/>
+            </a:prstGeom>
+            <a:noFill/>
+          </p:spPr>
+          <p:txBody>
+            <a:bodyPr wrap="square" rtlCol="0">
+              <a:spAutoFit/>
+            </a:bodyPr>
+            <a:lstStyle/>
+            <a:p>
+              <a:r>
+                <a:rPr lang="en-US" sz="1000" dirty="0" smtClean="0"/>
+                <a:t>Status:</a:t>
+              </a:r>
+              <a:endParaRPr lang="en-US" sz="1000" dirty="0"/>
+            </a:p>
+          </p:txBody>
+        </p:sp>
+        <p:sp>
+          <p:nvSpPr>
+            <p:cNvPr id="43" name="TextBox 42"/>
+            <p:cNvSpPr txBox="1"/>
+            <p:nvPr/>
+          </p:nvSpPr>
+          <p:spPr>
+            <a:xfrm>
+              <a:off x="1770741" y="3505200"/>
+              <a:ext cx="1201059" cy="707886"/>
+            </a:xfrm>
+            <a:prstGeom prst="rect">
+              <a:avLst/>
+            </a:prstGeom>
+            <a:noFill/>
+          </p:spPr>
+          <p:txBody>
+            <a:bodyPr wrap="square" rtlCol="0">
+              <a:spAutoFit/>
+            </a:bodyPr>
+            <a:lstStyle/>
+            <a:p>
+              <a:r>
+                <a:rPr lang="en-US" sz="1000" dirty="0" smtClean="0"/>
+                <a:t>O  Ongoing</a:t>
+              </a:r>
+            </a:p>
+            <a:p>
+              <a:r>
+                <a:rPr lang="en-US" sz="1000" dirty="0" smtClean="0"/>
+                <a:t>O  Completed</a:t>
+              </a:r>
+            </a:p>
+            <a:p>
+              <a:r>
+                <a:rPr lang="en-US" sz="1000" dirty="0" smtClean="0"/>
+                <a:t>O  Terminated</a:t>
+              </a:r>
+            </a:p>
+            <a:p>
+              <a:r>
+                <a:rPr lang="en-US" sz="1000" dirty="0" smtClean="0"/>
+                <a:t>O  All </a:t>
+              </a:r>
+              <a:endParaRPr lang="en-US" sz="1000" dirty="0"/>
+            </a:p>
+          </p:txBody>
+        </p:sp>
+        <p:sp>
+          <p:nvSpPr>
+            <p:cNvPr id="44" name="TextBox 43"/>
+            <p:cNvSpPr txBox="1"/>
+            <p:nvPr/>
+          </p:nvSpPr>
+          <p:spPr>
+            <a:xfrm>
+              <a:off x="1618341" y="4218800"/>
+              <a:ext cx="1201059" cy="246221"/>
+            </a:xfrm>
+            <a:prstGeom prst="rect">
+              <a:avLst/>
+            </a:prstGeom>
+            <a:noFill/>
+          </p:spPr>
+          <p:txBody>
+            <a:bodyPr wrap="square" rtlCol="0">
+              <a:spAutoFit/>
+            </a:bodyPr>
+            <a:lstStyle/>
+            <a:p>
+              <a:r>
+                <a:rPr lang="en-US" sz="1000" dirty="0" smtClean="0"/>
+                <a:t>Classification:</a:t>
+              </a:r>
+              <a:endParaRPr lang="en-US" sz="1000" dirty="0"/>
+            </a:p>
+          </p:txBody>
+        </p:sp>
+        <p:sp>
+          <p:nvSpPr>
+            <p:cNvPr id="45" name="TextBox 44"/>
+            <p:cNvSpPr txBox="1"/>
+            <p:nvPr/>
+          </p:nvSpPr>
+          <p:spPr>
+            <a:xfrm>
+              <a:off x="1770741" y="4399002"/>
+              <a:ext cx="1201059" cy="707886"/>
+            </a:xfrm>
+            <a:prstGeom prst="rect">
+              <a:avLst/>
+            </a:prstGeom>
+            <a:noFill/>
+          </p:spPr>
+          <p:txBody>
+            <a:bodyPr wrap="square" rtlCol="0">
+              <a:spAutoFit/>
+            </a:bodyPr>
+            <a:lstStyle/>
+            <a:p>
+              <a:r>
+                <a:rPr lang="en-US" sz="1000" dirty="0" smtClean="0"/>
+                <a:t>O  Class 1</a:t>
+              </a:r>
+            </a:p>
+            <a:p>
+              <a:r>
+                <a:rPr lang="en-US" sz="1000" dirty="0" smtClean="0"/>
+                <a:t>O  Class 2</a:t>
+              </a:r>
+            </a:p>
+            <a:p>
+              <a:r>
+                <a:rPr lang="en-US" sz="1000" dirty="0" smtClean="0"/>
+                <a:t>O  Class 3</a:t>
+              </a:r>
+            </a:p>
+            <a:p>
+              <a:r>
+                <a:rPr lang="en-US" sz="1000" dirty="0" smtClean="0"/>
+                <a:t>O  All</a:t>
+              </a:r>
+              <a:endParaRPr lang="en-US" sz="1000" dirty="0"/>
+            </a:p>
+          </p:txBody>
+        </p:sp>
+      </p:grpSp>
     </p:spTree>
     <p:extLst>
       <p:ext uri="{BB962C8B-B14F-4D97-AF65-F5344CB8AC3E}">
-        <p14:creationId xmlns:p14="http://schemas.microsoft.com/office/powerpoint/2010/main" val="422443060"/>
+        <p14:creationId xmlns:p14="http://schemas.microsoft.com/office/powerpoint/2010/main" val="3044749054"/>
       </p:ext>
     </p:extLst>
   </p:cSld>
@@ -6628,6 +7927,1121 @@
 </file>
 
 <file path=ppt/slides/slide5.xml><?xml version="1.0" encoding="utf-8"?>
+<p:sld xmlns:a="http://schemas.openxmlformats.org/drawingml/2006/main" xmlns:r="http://schemas.openxmlformats.org/officeDocument/2006/relationships" xmlns:p="http://schemas.openxmlformats.org/presentationml/2006/main">
+  <p:cSld>
+    <p:spTree>
+      <p:nvGrpSpPr>
+        <p:cNvPr id="1" name=""/>
+        <p:cNvGrpSpPr/>
+        <p:nvPr/>
+      </p:nvGrpSpPr>
+      <p:grpSpPr>
+        <a:xfrm>
+          <a:off x="0" y="0"/>
+          <a:ext cx="0" cy="0"/>
+          <a:chOff x="0" y="0"/>
+          <a:chExt cx="0" cy="0"/>
+        </a:xfrm>
+      </p:grpSpPr>
+      <p:sp>
+        <p:nvSpPr>
+          <p:cNvPr id="3" name="TextBox 2"/>
+          <p:cNvSpPr txBox="1"/>
+          <p:nvPr/>
+        </p:nvSpPr>
+        <p:spPr>
+          <a:xfrm>
+            <a:off x="6705600" y="1238462"/>
+            <a:ext cx="2133600" cy="1477328"/>
+          </a:xfrm>
+          <a:prstGeom prst="rect">
+            <a:avLst/>
+          </a:prstGeom>
+          <a:noFill/>
+        </p:spPr>
+        <p:txBody>
+          <a:bodyPr wrap="square" rtlCol="0">
+            <a:spAutoFit/>
+          </a:bodyPr>
+          <a:lstStyle/>
+          <a:p>
+            <a:r>
+              <a:rPr lang="en-US" dirty="0"/>
+              <a:t>Displays </a:t>
+            </a:r>
+            <a:r>
+              <a:rPr lang="en-US" dirty="0" smtClean="0"/>
+              <a:t>additional information on the drug recall user has selected to view in detail.</a:t>
+            </a:r>
+            <a:endParaRPr lang="en-US" dirty="0"/>
+          </a:p>
+        </p:txBody>
+      </p:sp>
+      <p:sp>
+        <p:nvSpPr>
+          <p:cNvPr id="2" name="Rectangle 1"/>
+          <p:cNvSpPr/>
+          <p:nvPr/>
+        </p:nvSpPr>
+        <p:spPr bwMode="auto">
+          <a:xfrm>
+            <a:off x="1447800" y="609600"/>
+            <a:ext cx="5105400" cy="5410200"/>
+          </a:xfrm>
+          <a:prstGeom prst="rect">
+            <a:avLst/>
+          </a:prstGeom>
+          <a:noFill/>
+          <a:ln w="9525" cap="flat" cmpd="sng" algn="ctr">
+            <a:solidFill>
+              <a:schemeClr val="tx1"/>
+            </a:solidFill>
+            <a:prstDash val="solid"/>
+            <a:round/>
+            <a:headEnd type="none" w="med" len="med"/>
+            <a:tailEnd type="none" w="med" len="med"/>
+          </a:ln>
+          <a:effectLst/>
+        </p:spPr>
+        <p:txBody>
+          <a:bodyPr vert="horz" wrap="square" lIns="91440" tIns="45720" rIns="91440" bIns="45720" numCol="1" rtlCol="0" anchor="t" anchorCtr="0" compatLnSpc="1">
+            <a:prstTxWarp prst="textNoShape">
+              <a:avLst/>
+            </a:prstTxWarp>
+          </a:bodyPr>
+          <a:lstStyle/>
+          <a:p>
+            <a:pPr marL="0" marR="0" indent="0" algn="l" defTabSz="914400" rtl="0" eaLnBrk="0" fontAlgn="base" latinLnBrk="0" hangingPunct="0">
+              <a:lnSpc>
+                <a:spcPct val="100000"/>
+              </a:lnSpc>
+              <a:spcBef>
+                <a:spcPct val="0"/>
+              </a:spcBef>
+              <a:spcAft>
+                <a:spcPct val="0"/>
+              </a:spcAft>
+              <a:buClrTx/>
+              <a:buSzTx/>
+              <a:buFontTx/>
+              <a:buNone/>
+              <a:tabLst/>
+            </a:pPr>
+            <a:endParaRPr kumimoji="0" lang="en-US" sz="2400" b="0" i="0" u="none" strike="noStrike" cap="none" normalizeH="0" baseline="0" dirty="0" smtClean="0">
+              <a:ln>
+                <a:noFill/>
+              </a:ln>
+              <a:solidFill>
+                <a:schemeClr val="tx1"/>
+              </a:solidFill>
+              <a:effectLst/>
+              <a:latin typeface="Arial" charset="0"/>
+              <a:ea typeface="ＭＳ Ｐゴシック" pitchFamily="-60" charset="-128"/>
+            </a:endParaRPr>
+          </a:p>
+        </p:txBody>
+      </p:sp>
+      <p:pic>
+        <p:nvPicPr>
+          <p:cNvPr id="4" name="Picture 3" descr="DEV-Logo_RGB.gif"/>
+          <p:cNvPicPr/>
+          <p:nvPr/>
+        </p:nvPicPr>
+        <p:blipFill>
+          <a:blip r:embed="rId3" cstate="print">
+            <a:extLst>
+              <a:ext uri="{28A0092B-C50C-407E-A947-70E740481C1C}">
+                <a14:useLocalDpi xmlns:a14="http://schemas.microsoft.com/office/drawing/2010/main" val="0"/>
+              </a:ext>
+            </a:extLst>
+          </a:blip>
+          <a:srcRect/>
+          <a:stretch>
+            <a:fillRect/>
+          </a:stretch>
+        </p:blipFill>
+        <p:spPr bwMode="auto">
+          <a:xfrm>
+            <a:off x="4005261" y="5621179"/>
+            <a:ext cx="813479" cy="243002"/>
+          </a:xfrm>
+          <a:prstGeom prst="rect">
+            <a:avLst/>
+          </a:prstGeom>
+          <a:noFill/>
+          <a:ln>
+            <a:noFill/>
+          </a:ln>
+        </p:spPr>
+      </p:pic>
+      <p:sp>
+        <p:nvSpPr>
+          <p:cNvPr id="21" name="Rectangle 20"/>
+          <p:cNvSpPr/>
+          <p:nvPr/>
+        </p:nvSpPr>
+        <p:spPr bwMode="auto">
+          <a:xfrm>
+            <a:off x="1457325" y="609600"/>
+            <a:ext cx="5095875" cy="503720"/>
+          </a:xfrm>
+          <a:prstGeom prst="rect">
+            <a:avLst/>
+          </a:prstGeom>
+          <a:solidFill>
+            <a:schemeClr val="bg1">
+              <a:lumMod val="95000"/>
+            </a:schemeClr>
+          </a:solidFill>
+          <a:ln w="9525" cap="flat" cmpd="sng" algn="ctr">
+            <a:solidFill>
+              <a:schemeClr val="tx1"/>
+            </a:solidFill>
+            <a:prstDash val="solid"/>
+            <a:round/>
+            <a:headEnd type="none" w="med" len="med"/>
+            <a:tailEnd type="none" w="med" len="med"/>
+          </a:ln>
+          <a:effectLst/>
+        </p:spPr>
+        <p:txBody>
+          <a:bodyPr vert="horz" wrap="square" lIns="91440" tIns="45720" rIns="91440" bIns="45720" numCol="1" rtlCol="0" anchor="t" anchorCtr="0" compatLnSpc="1">
+            <a:prstTxWarp prst="textNoShape">
+              <a:avLst/>
+            </a:prstTxWarp>
+          </a:bodyPr>
+          <a:lstStyle/>
+          <a:p>
+            <a:pPr marL="0" marR="0" indent="0" algn="l" defTabSz="914400" rtl="0" eaLnBrk="0" fontAlgn="base" latinLnBrk="0" hangingPunct="0">
+              <a:lnSpc>
+                <a:spcPct val="100000"/>
+              </a:lnSpc>
+              <a:spcBef>
+                <a:spcPct val="0"/>
+              </a:spcBef>
+              <a:spcAft>
+                <a:spcPct val="0"/>
+              </a:spcAft>
+              <a:buClrTx/>
+              <a:buSzTx/>
+              <a:buFontTx/>
+              <a:buNone/>
+              <a:tabLst/>
+            </a:pPr>
+            <a:endParaRPr kumimoji="0" lang="en-US" sz="2400" b="0" i="0" u="none" strike="noStrike" cap="none" normalizeH="0" baseline="0" smtClean="0">
+              <a:ln>
+                <a:noFill/>
+              </a:ln>
+              <a:solidFill>
+                <a:schemeClr val="bg1">
+                  <a:lumMod val="85000"/>
+                </a:schemeClr>
+              </a:solidFill>
+              <a:effectLst/>
+              <a:latin typeface="Arial" charset="0"/>
+              <a:ea typeface="ＭＳ Ｐゴシック" pitchFamily="-60" charset="-128"/>
+            </a:endParaRPr>
+          </a:p>
+        </p:txBody>
+      </p:sp>
+      <p:sp>
+        <p:nvSpPr>
+          <p:cNvPr id="8" name="TextBox 7"/>
+          <p:cNvSpPr txBox="1"/>
+          <p:nvPr/>
+        </p:nvSpPr>
+        <p:spPr>
+          <a:xfrm>
+            <a:off x="1524000" y="759023"/>
+            <a:ext cx="3294741" cy="307777"/>
+          </a:xfrm>
+          <a:prstGeom prst="rect">
+            <a:avLst/>
+          </a:prstGeom>
+          <a:solidFill>
+            <a:schemeClr val="bg1">
+              <a:lumMod val="95000"/>
+            </a:schemeClr>
+          </a:solidFill>
+        </p:spPr>
+        <p:txBody>
+          <a:bodyPr wrap="square" rtlCol="0">
+            <a:spAutoFit/>
+          </a:bodyPr>
+          <a:lstStyle/>
+          <a:p>
+            <a:r>
+              <a:rPr lang="en-US" sz="1400" dirty="0" smtClean="0"/>
+              <a:t>Drug Recall Information Center</a:t>
+            </a:r>
+            <a:endParaRPr lang="en-US" sz="1400" dirty="0"/>
+          </a:p>
+        </p:txBody>
+      </p:sp>
+      <p:grpSp>
+        <p:nvGrpSpPr>
+          <p:cNvPr id="25" name="Group 24"/>
+          <p:cNvGrpSpPr/>
+          <p:nvPr/>
+        </p:nvGrpSpPr>
+        <p:grpSpPr>
+          <a:xfrm>
+            <a:off x="2971800" y="5562600"/>
+            <a:ext cx="2597151" cy="380999"/>
+            <a:chOff x="2965449" y="5562600"/>
+            <a:chExt cx="2597151" cy="380999"/>
+          </a:xfrm>
+        </p:grpSpPr>
+        <p:sp>
+          <p:nvSpPr>
+            <p:cNvPr id="23" name="TextBox 22"/>
+            <p:cNvSpPr txBox="1"/>
+            <p:nvPr/>
+          </p:nvSpPr>
+          <p:spPr>
+            <a:xfrm>
+              <a:off x="3057842" y="5621179"/>
+              <a:ext cx="2504758" cy="246221"/>
+            </a:xfrm>
+            <a:prstGeom prst="rect">
+              <a:avLst/>
+            </a:prstGeom>
+            <a:noFill/>
+          </p:spPr>
+          <p:txBody>
+            <a:bodyPr wrap="square" rtlCol="0">
+              <a:spAutoFit/>
+            </a:bodyPr>
+            <a:lstStyle/>
+            <a:p>
+              <a:r>
+                <a:rPr lang="en-US" sz="1000" dirty="0" smtClean="0"/>
+                <a:t>Developed by</a:t>
+              </a:r>
+              <a:endParaRPr lang="en-US" sz="1000" dirty="0"/>
+            </a:p>
+          </p:txBody>
+        </p:sp>
+        <p:sp>
+          <p:nvSpPr>
+            <p:cNvPr id="24" name="Rectangle 23"/>
+            <p:cNvSpPr/>
+            <p:nvPr/>
+          </p:nvSpPr>
+          <p:spPr bwMode="auto">
+            <a:xfrm>
+              <a:off x="2965449" y="5562600"/>
+              <a:ext cx="2139951" cy="380999"/>
+            </a:xfrm>
+            <a:prstGeom prst="rect">
+              <a:avLst/>
+            </a:prstGeom>
+            <a:noFill/>
+            <a:ln w="9525" cap="flat" cmpd="sng" algn="ctr">
+              <a:solidFill>
+                <a:schemeClr val="tx1"/>
+              </a:solidFill>
+              <a:prstDash val="solid"/>
+              <a:round/>
+              <a:headEnd type="none" w="med" len="med"/>
+              <a:tailEnd type="none" w="med" len="med"/>
+            </a:ln>
+            <a:effectLst/>
+          </p:spPr>
+          <p:txBody>
+            <a:bodyPr vert="horz" wrap="square" lIns="91440" tIns="45720" rIns="91440" bIns="45720" numCol="1" rtlCol="0" anchor="t" anchorCtr="0" compatLnSpc="1">
+              <a:prstTxWarp prst="textNoShape">
+                <a:avLst/>
+              </a:prstTxWarp>
+            </a:bodyPr>
+            <a:lstStyle/>
+            <a:p>
+              <a:pPr marL="0" marR="0" indent="0" algn="l" defTabSz="914400" rtl="0" eaLnBrk="0" fontAlgn="base" latinLnBrk="0" hangingPunct="0">
+                <a:lnSpc>
+                  <a:spcPct val="100000"/>
+                </a:lnSpc>
+                <a:spcBef>
+                  <a:spcPct val="0"/>
+                </a:spcBef>
+                <a:spcAft>
+                  <a:spcPct val="0"/>
+                </a:spcAft>
+                <a:buClrTx/>
+                <a:buSzTx/>
+                <a:buFontTx/>
+                <a:buNone/>
+                <a:tabLst/>
+              </a:pPr>
+              <a:endParaRPr kumimoji="0" lang="en-US" sz="2400" b="0" i="0" u="none" strike="noStrike" cap="none" normalizeH="0" baseline="0" smtClean="0">
+                <a:ln>
+                  <a:noFill/>
+                </a:ln>
+                <a:solidFill>
+                  <a:schemeClr val="tx1"/>
+                </a:solidFill>
+                <a:effectLst/>
+                <a:latin typeface="Arial" charset="0"/>
+                <a:ea typeface="ＭＳ Ｐゴシック" pitchFamily="-60" charset="-128"/>
+              </a:endParaRPr>
+            </a:p>
+          </p:txBody>
+        </p:sp>
+      </p:grpSp>
+      <p:sp>
+        <p:nvSpPr>
+          <p:cNvPr id="67" name="TextBox 66"/>
+          <p:cNvSpPr txBox="1"/>
+          <p:nvPr/>
+        </p:nvSpPr>
+        <p:spPr>
+          <a:xfrm>
+            <a:off x="6705600" y="3121732"/>
+            <a:ext cx="2133600" cy="1754326"/>
+          </a:xfrm>
+          <a:prstGeom prst="rect">
+            <a:avLst/>
+          </a:prstGeom>
+          <a:noFill/>
+        </p:spPr>
+        <p:txBody>
+          <a:bodyPr wrap="square" rtlCol="0">
+            <a:spAutoFit/>
+          </a:bodyPr>
+          <a:lstStyle/>
+          <a:p>
+            <a:r>
+              <a:rPr lang="en-US" dirty="0" smtClean="0"/>
+              <a:t>Provide users ability to go back home or to the search results (if drilled down from user search)</a:t>
+            </a:r>
+            <a:endParaRPr lang="en-US" dirty="0"/>
+          </a:p>
+        </p:txBody>
+      </p:sp>
+      <p:sp>
+        <p:nvSpPr>
+          <p:cNvPr id="37" name="Rounded Rectangle 36"/>
+          <p:cNvSpPr/>
+          <p:nvPr/>
+        </p:nvSpPr>
+        <p:spPr bwMode="auto">
+          <a:xfrm>
+            <a:off x="5410199" y="5562600"/>
+            <a:ext cx="1027375" cy="337457"/>
+          </a:xfrm>
+          <a:prstGeom prst="roundRect">
+            <a:avLst/>
+          </a:prstGeom>
+          <a:solidFill>
+            <a:schemeClr val="accent3">
+              <a:lumMod val="85000"/>
+            </a:schemeClr>
+          </a:solidFill>
+          <a:ln w="9525" cap="flat" cmpd="sng" algn="ctr">
+            <a:solidFill>
+              <a:schemeClr val="tx1"/>
+            </a:solidFill>
+            <a:prstDash val="solid"/>
+            <a:round/>
+            <a:headEnd type="none" w="med" len="med"/>
+            <a:tailEnd type="none" w="med" len="med"/>
+          </a:ln>
+          <a:effectLst/>
+        </p:spPr>
+        <p:txBody>
+          <a:bodyPr vert="horz" wrap="square" lIns="91440" tIns="45720" rIns="91440" bIns="45720" numCol="1" rtlCol="0" anchor="t" anchorCtr="0" compatLnSpc="1">
+            <a:prstTxWarp prst="textNoShape">
+              <a:avLst/>
+            </a:prstTxWarp>
+          </a:bodyPr>
+          <a:lstStyle/>
+          <a:p>
+            <a:pPr marL="0" marR="0" indent="0" algn="ctr" defTabSz="914400" rtl="0" eaLnBrk="0" fontAlgn="base" latinLnBrk="0" hangingPunct="0">
+              <a:lnSpc>
+                <a:spcPct val="100000"/>
+              </a:lnSpc>
+              <a:spcBef>
+                <a:spcPct val="0"/>
+              </a:spcBef>
+              <a:spcAft>
+                <a:spcPct val="0"/>
+              </a:spcAft>
+              <a:buClrTx/>
+              <a:buSzTx/>
+              <a:buFontTx/>
+              <a:buNone/>
+              <a:tabLst/>
+            </a:pPr>
+            <a:r>
+              <a:rPr kumimoji="0" lang="en-US" sz="1000" b="0" i="0" u="none" strike="noStrike" cap="none" normalizeH="0" baseline="0" dirty="0" smtClean="0">
+                <a:ln>
+                  <a:noFill/>
+                </a:ln>
+                <a:solidFill>
+                  <a:schemeClr val="tx1"/>
+                </a:solidFill>
+                <a:effectLst/>
+                <a:latin typeface="Arial" charset="0"/>
+                <a:ea typeface="ＭＳ Ｐゴシック" pitchFamily="-60" charset="-128"/>
+              </a:rPr>
+              <a:t>Back </a:t>
+            </a:r>
+            <a:r>
+              <a:rPr kumimoji="0" lang="en-US" sz="1000" b="0" i="0" u="none" strike="noStrike" cap="none" normalizeH="0" dirty="0" smtClean="0">
+                <a:ln>
+                  <a:noFill/>
+                </a:ln>
+                <a:solidFill>
+                  <a:schemeClr val="tx1"/>
+                </a:solidFill>
+                <a:effectLst/>
+                <a:latin typeface="Arial" charset="0"/>
+                <a:ea typeface="ＭＳ Ｐゴシック" pitchFamily="-60" charset="-128"/>
+              </a:rPr>
+              <a:t>to search results</a:t>
+            </a:r>
+            <a:endParaRPr kumimoji="0" lang="en-US" sz="1000" b="0" i="0" u="none" strike="noStrike" cap="none" normalizeH="0" baseline="0" dirty="0" smtClean="0">
+              <a:ln>
+                <a:noFill/>
+              </a:ln>
+              <a:solidFill>
+                <a:schemeClr val="tx1"/>
+              </a:solidFill>
+              <a:effectLst/>
+              <a:latin typeface="Arial" charset="0"/>
+              <a:ea typeface="ＭＳ Ｐゴシック" pitchFamily="-60" charset="-128"/>
+            </a:endParaRPr>
+          </a:p>
+        </p:txBody>
+      </p:sp>
+      <p:sp>
+        <p:nvSpPr>
+          <p:cNvPr id="38" name="TextBox 37"/>
+          <p:cNvSpPr txBox="1"/>
+          <p:nvPr/>
+        </p:nvSpPr>
+        <p:spPr>
+          <a:xfrm>
+            <a:off x="1457325" y="1368623"/>
+            <a:ext cx="5095875" cy="307777"/>
+          </a:xfrm>
+          <a:prstGeom prst="rect">
+            <a:avLst/>
+          </a:prstGeom>
+          <a:noFill/>
+        </p:spPr>
+        <p:txBody>
+          <a:bodyPr wrap="square" rtlCol="0">
+            <a:spAutoFit/>
+          </a:bodyPr>
+          <a:lstStyle/>
+          <a:p>
+            <a:pPr algn="ctr"/>
+            <a:r>
+              <a:rPr lang="en-US" sz="1400" u="sng" dirty="0" smtClean="0"/>
+              <a:t>Drug #1 Recall Details</a:t>
+            </a:r>
+            <a:endParaRPr lang="en-US" sz="1400" u="sng" dirty="0"/>
+          </a:p>
+        </p:txBody>
+      </p:sp>
+      <p:sp>
+        <p:nvSpPr>
+          <p:cNvPr id="42" name="Oval 41"/>
+          <p:cNvSpPr/>
+          <p:nvPr/>
+        </p:nvSpPr>
+        <p:spPr bwMode="auto">
+          <a:xfrm>
+            <a:off x="1961197" y="2755377"/>
+            <a:ext cx="696278" cy="732709"/>
+          </a:xfrm>
+          <a:prstGeom prst="ellipse">
+            <a:avLst/>
+          </a:prstGeom>
+          <a:solidFill>
+            <a:srgbClr val="FFFF00"/>
+          </a:solidFill>
+          <a:ln w="9525" cap="flat" cmpd="sng" algn="ctr">
+            <a:solidFill>
+              <a:schemeClr val="tx1"/>
+            </a:solidFill>
+            <a:prstDash val="solid"/>
+            <a:round/>
+            <a:headEnd type="none" w="med" len="med"/>
+            <a:tailEnd type="none" w="med" len="med"/>
+          </a:ln>
+          <a:effectLst/>
+        </p:spPr>
+        <p:txBody>
+          <a:bodyPr vert="horz" wrap="square" lIns="91440" tIns="45720" rIns="91440" bIns="45720" numCol="1" rtlCol="0" anchor="t" anchorCtr="0" compatLnSpc="1">
+            <a:prstTxWarp prst="textNoShape">
+              <a:avLst/>
+            </a:prstTxWarp>
+          </a:bodyPr>
+          <a:lstStyle/>
+          <a:p>
+            <a:pPr marL="0" marR="0" indent="0" algn="ctr" defTabSz="914400" rtl="0" eaLnBrk="0" fontAlgn="base" latinLnBrk="0" hangingPunct="0">
+              <a:lnSpc>
+                <a:spcPct val="200000"/>
+              </a:lnSpc>
+              <a:spcBef>
+                <a:spcPct val="0"/>
+              </a:spcBef>
+              <a:spcAft>
+                <a:spcPct val="0"/>
+              </a:spcAft>
+              <a:buClrTx/>
+              <a:buSzTx/>
+              <a:buFontTx/>
+              <a:buNone/>
+              <a:tabLst/>
+            </a:pPr>
+            <a:r>
+              <a:rPr kumimoji="0" lang="en-US" sz="1000" b="0" i="0" u="none" strike="noStrike" cap="none" normalizeH="0" baseline="0" dirty="0" smtClean="0">
+                <a:ln>
+                  <a:noFill/>
+                </a:ln>
+                <a:solidFill>
+                  <a:schemeClr val="tx1"/>
+                </a:solidFill>
+                <a:effectLst/>
+                <a:latin typeface="Arial" charset="0"/>
+                <a:ea typeface="ＭＳ Ｐゴシック" pitchFamily="-60" charset="-128"/>
+              </a:rPr>
+              <a:t>Low</a:t>
+            </a:r>
+          </a:p>
+        </p:txBody>
+      </p:sp>
+      <p:sp>
+        <p:nvSpPr>
+          <p:cNvPr id="43" name="Rounded Rectangle 42"/>
+          <p:cNvSpPr/>
+          <p:nvPr/>
+        </p:nvSpPr>
+        <p:spPr bwMode="auto">
+          <a:xfrm>
+            <a:off x="1905000" y="1872736"/>
+            <a:ext cx="752475" cy="732709"/>
+          </a:xfrm>
+          <a:prstGeom prst="roundRect">
+            <a:avLst/>
+          </a:prstGeom>
+          <a:solidFill>
+            <a:srgbClr val="92D050"/>
+          </a:solidFill>
+          <a:ln w="9525" cap="flat" cmpd="sng" algn="ctr">
+            <a:solidFill>
+              <a:schemeClr val="tx1"/>
+            </a:solidFill>
+            <a:prstDash val="solid"/>
+            <a:round/>
+            <a:headEnd type="none" w="med" len="med"/>
+            <a:tailEnd type="none" w="med" len="med"/>
+          </a:ln>
+          <a:effectLst/>
+        </p:spPr>
+        <p:txBody>
+          <a:bodyPr vert="horz" wrap="square" lIns="91440" tIns="45720" rIns="91440" bIns="45720" numCol="1" rtlCol="0" anchor="t" anchorCtr="0" compatLnSpc="1">
+            <a:prstTxWarp prst="textNoShape">
+              <a:avLst/>
+            </a:prstTxWarp>
+          </a:bodyPr>
+          <a:lstStyle/>
+          <a:p>
+            <a:pPr marL="0" marR="0" indent="0" algn="l" defTabSz="914400" rtl="0" eaLnBrk="0" fontAlgn="base" latinLnBrk="0" hangingPunct="0">
+              <a:lnSpc>
+                <a:spcPct val="150000"/>
+              </a:lnSpc>
+              <a:spcBef>
+                <a:spcPct val="0"/>
+              </a:spcBef>
+              <a:spcAft>
+                <a:spcPct val="0"/>
+              </a:spcAft>
+              <a:buClrTx/>
+              <a:buSzTx/>
+              <a:buFontTx/>
+              <a:buNone/>
+              <a:tabLst/>
+            </a:pPr>
+            <a:r>
+              <a:rPr kumimoji="0" lang="en-US" sz="800" b="0" i="0" u="none" strike="noStrike" cap="none" normalizeH="0" baseline="0" dirty="0" smtClean="0">
+                <a:ln>
+                  <a:noFill/>
+                </a:ln>
+                <a:solidFill>
+                  <a:schemeClr val="tx1"/>
+                </a:solidFill>
+                <a:effectLst/>
+                <a:latin typeface="Arial" charset="0"/>
+                <a:ea typeface="ＭＳ Ｐゴシック" pitchFamily="-60" charset="-128"/>
+              </a:rPr>
+              <a:t>&lt;Image of drug here from </a:t>
+            </a:r>
+            <a:r>
+              <a:rPr kumimoji="0" lang="en-US" sz="800" b="0" i="0" u="none" strike="noStrike" cap="none" normalizeH="0" baseline="0" dirty="0" err="1" smtClean="0">
+                <a:ln>
+                  <a:noFill/>
+                </a:ln>
+                <a:solidFill>
+                  <a:schemeClr val="tx1"/>
+                </a:solidFill>
+                <a:effectLst/>
+                <a:latin typeface="Arial" charset="0"/>
+                <a:ea typeface="ＭＳ Ｐゴシック" pitchFamily="-60" charset="-128"/>
+              </a:rPr>
+              <a:t>NiH</a:t>
+            </a:r>
+            <a:r>
+              <a:rPr kumimoji="0" lang="en-US" sz="800" b="0" i="0" u="none" strike="noStrike" cap="none" normalizeH="0" baseline="0" dirty="0" smtClean="0">
+                <a:ln>
+                  <a:noFill/>
+                </a:ln>
+                <a:solidFill>
+                  <a:schemeClr val="tx1"/>
+                </a:solidFill>
+                <a:effectLst/>
+                <a:latin typeface="Arial" charset="0"/>
+                <a:ea typeface="ＭＳ Ｐゴシック" pitchFamily="-60" charset="-128"/>
+              </a:rPr>
+              <a:t>&gt;</a:t>
+            </a:r>
+          </a:p>
+        </p:txBody>
+      </p:sp>
+      <p:sp>
+        <p:nvSpPr>
+          <p:cNvPr id="44" name="Rectangle 43"/>
+          <p:cNvSpPr/>
+          <p:nvPr/>
+        </p:nvSpPr>
+        <p:spPr bwMode="auto">
+          <a:xfrm>
+            <a:off x="3018970" y="1905392"/>
+            <a:ext cx="3153230" cy="1582694"/>
+          </a:xfrm>
+          <a:prstGeom prst="rect">
+            <a:avLst/>
+          </a:prstGeom>
+          <a:solidFill>
+            <a:schemeClr val="accent1"/>
+          </a:solidFill>
+          <a:ln w="9525" cap="flat" cmpd="sng" algn="ctr">
+            <a:solidFill>
+              <a:schemeClr val="tx1"/>
+            </a:solidFill>
+            <a:prstDash val="solid"/>
+            <a:round/>
+            <a:headEnd type="none" w="med" len="med"/>
+            <a:tailEnd type="none" w="med" len="med"/>
+          </a:ln>
+          <a:effectLst/>
+        </p:spPr>
+        <p:txBody>
+          <a:bodyPr vert="horz" wrap="square" lIns="91440" tIns="45720" rIns="91440" bIns="45720" numCol="1" rtlCol="0" anchor="t" anchorCtr="0" compatLnSpc="1">
+            <a:prstTxWarp prst="textNoShape">
+              <a:avLst/>
+            </a:prstTxWarp>
+          </a:bodyPr>
+          <a:lstStyle/>
+          <a:p>
+            <a:pPr marL="0" marR="0" indent="0" algn="l" defTabSz="914400" rtl="0" eaLnBrk="0" fontAlgn="base" latinLnBrk="0" hangingPunct="0">
+              <a:lnSpc>
+                <a:spcPct val="100000"/>
+              </a:lnSpc>
+              <a:spcBef>
+                <a:spcPct val="0"/>
+              </a:spcBef>
+              <a:spcAft>
+                <a:spcPct val="0"/>
+              </a:spcAft>
+              <a:buClrTx/>
+              <a:buSzTx/>
+              <a:buFontTx/>
+              <a:buNone/>
+              <a:tabLst/>
+            </a:pPr>
+            <a:r>
+              <a:rPr kumimoji="0" lang="en-US" sz="1000" b="0" i="0" u="none" strike="noStrike" cap="none" normalizeH="0" dirty="0" smtClean="0">
+                <a:ln>
+                  <a:noFill/>
+                </a:ln>
+                <a:solidFill>
+                  <a:schemeClr val="tx1"/>
+                </a:solidFill>
+                <a:effectLst/>
+                <a:latin typeface="Arial" charset="0"/>
+                <a:ea typeface="ＭＳ Ｐゴシック" pitchFamily="-60" charset="-128"/>
+              </a:rPr>
+              <a:t>Recall Date</a:t>
+            </a:r>
+          </a:p>
+          <a:p>
+            <a:pPr marL="0" marR="0" indent="0" algn="l" defTabSz="914400" rtl="0" eaLnBrk="0" fontAlgn="base" latinLnBrk="0" hangingPunct="0">
+              <a:lnSpc>
+                <a:spcPct val="100000"/>
+              </a:lnSpc>
+              <a:spcBef>
+                <a:spcPct val="0"/>
+              </a:spcBef>
+              <a:spcAft>
+                <a:spcPct val="0"/>
+              </a:spcAft>
+              <a:buClrTx/>
+              <a:buSzTx/>
+              <a:buFontTx/>
+              <a:buNone/>
+              <a:tabLst/>
+            </a:pPr>
+            <a:r>
+              <a:rPr lang="en-US" sz="1000" dirty="0" smtClean="0">
+                <a:latin typeface="Arial" charset="0"/>
+                <a:ea typeface="ＭＳ Ｐゴシック" pitchFamily="-60" charset="-128"/>
+              </a:rPr>
+              <a:t>Status </a:t>
+            </a:r>
+            <a:endParaRPr kumimoji="0" lang="en-US" sz="1000" b="0" i="0" u="none" strike="noStrike" cap="none" normalizeH="0" dirty="0" smtClean="0">
+              <a:ln>
+                <a:noFill/>
+              </a:ln>
+              <a:solidFill>
+                <a:schemeClr val="tx1"/>
+              </a:solidFill>
+              <a:effectLst/>
+              <a:latin typeface="Arial" charset="0"/>
+              <a:ea typeface="ＭＳ Ｐゴシック" pitchFamily="-60" charset="-128"/>
+            </a:endParaRPr>
+          </a:p>
+          <a:p>
+            <a:pPr marL="0" marR="0" indent="0" algn="l" defTabSz="914400" rtl="0" eaLnBrk="0" fontAlgn="base" latinLnBrk="0" hangingPunct="0">
+              <a:lnSpc>
+                <a:spcPct val="100000"/>
+              </a:lnSpc>
+              <a:spcBef>
+                <a:spcPct val="0"/>
+              </a:spcBef>
+              <a:spcAft>
+                <a:spcPct val="0"/>
+              </a:spcAft>
+              <a:buClrTx/>
+              <a:buSzTx/>
+              <a:buFontTx/>
+              <a:buNone/>
+              <a:tabLst/>
+            </a:pPr>
+            <a:r>
+              <a:rPr lang="en-US" sz="1000" dirty="0" smtClean="0">
+                <a:latin typeface="Arial" charset="0"/>
+                <a:ea typeface="ＭＳ Ｐゴシック" pitchFamily="-60" charset="-128"/>
+              </a:rPr>
+              <a:t>Product Name</a:t>
+            </a:r>
+          </a:p>
+          <a:p>
+            <a:pPr marL="0" marR="0" indent="0" algn="l" defTabSz="914400" rtl="0" eaLnBrk="0" fontAlgn="base" latinLnBrk="0" hangingPunct="0">
+              <a:lnSpc>
+                <a:spcPct val="100000"/>
+              </a:lnSpc>
+              <a:spcBef>
+                <a:spcPct val="0"/>
+              </a:spcBef>
+              <a:spcAft>
+                <a:spcPct val="0"/>
+              </a:spcAft>
+              <a:buClrTx/>
+              <a:buSzTx/>
+              <a:buFontTx/>
+              <a:buNone/>
+              <a:tabLst/>
+            </a:pPr>
+            <a:r>
+              <a:rPr kumimoji="0" lang="en-US" sz="1000" b="0" i="0" u="none" strike="noStrike" cap="none" normalizeH="0" dirty="0" smtClean="0">
+                <a:ln>
+                  <a:noFill/>
+                </a:ln>
+                <a:solidFill>
+                  <a:schemeClr val="tx1"/>
+                </a:solidFill>
+                <a:effectLst/>
+                <a:latin typeface="Arial" charset="0"/>
+                <a:ea typeface="ＭＳ Ｐゴシック" pitchFamily="-60" charset="-128"/>
+              </a:rPr>
+              <a:t>Product Type </a:t>
+            </a:r>
+          </a:p>
+          <a:p>
+            <a:pPr marL="0" marR="0" indent="0" algn="l" defTabSz="914400" rtl="0" eaLnBrk="0" fontAlgn="base" latinLnBrk="0" hangingPunct="0">
+              <a:lnSpc>
+                <a:spcPct val="100000"/>
+              </a:lnSpc>
+              <a:spcBef>
+                <a:spcPct val="0"/>
+              </a:spcBef>
+              <a:spcAft>
+                <a:spcPct val="0"/>
+              </a:spcAft>
+              <a:buClrTx/>
+              <a:buSzTx/>
+              <a:buFontTx/>
+              <a:buNone/>
+              <a:tabLst/>
+            </a:pPr>
+            <a:r>
+              <a:rPr lang="en-US" sz="1000" baseline="0" dirty="0" smtClean="0">
+                <a:latin typeface="Arial" charset="0"/>
+                <a:ea typeface="ＭＳ Ｐゴシック" pitchFamily="-60" charset="-128"/>
+              </a:rPr>
+              <a:t>Manufacturer (recalling firm)</a:t>
+            </a:r>
+          </a:p>
+          <a:p>
+            <a:pPr marL="0" marR="0" indent="0" algn="l" defTabSz="914400" rtl="0" eaLnBrk="0" fontAlgn="base" latinLnBrk="0" hangingPunct="0">
+              <a:lnSpc>
+                <a:spcPct val="100000"/>
+              </a:lnSpc>
+              <a:spcBef>
+                <a:spcPct val="0"/>
+              </a:spcBef>
+              <a:spcAft>
+                <a:spcPct val="0"/>
+              </a:spcAft>
+              <a:buClrTx/>
+              <a:buSzTx/>
+              <a:buFontTx/>
+              <a:buNone/>
+              <a:tabLst/>
+            </a:pPr>
+            <a:r>
+              <a:rPr kumimoji="0" lang="en-US" sz="1000" b="0" i="0" u="none" strike="noStrike" cap="none" normalizeH="0" dirty="0" smtClean="0">
+                <a:ln>
+                  <a:noFill/>
+                </a:ln>
+                <a:solidFill>
+                  <a:schemeClr val="tx1"/>
+                </a:solidFill>
+                <a:effectLst/>
+                <a:latin typeface="Arial" charset="0"/>
+                <a:ea typeface="ＭＳ Ｐゴシック" pitchFamily="-60" charset="-128"/>
+              </a:rPr>
+              <a:t>Distribution Pattern</a:t>
+            </a:r>
+            <a:endParaRPr kumimoji="0" lang="en-US" sz="1000" b="0" i="0" u="none" strike="noStrike" cap="none" normalizeH="0" baseline="0" dirty="0" smtClean="0">
+              <a:ln>
+                <a:noFill/>
+              </a:ln>
+              <a:solidFill>
+                <a:schemeClr val="tx1"/>
+              </a:solidFill>
+              <a:effectLst/>
+              <a:latin typeface="Arial" charset="0"/>
+              <a:ea typeface="ＭＳ Ｐゴシック" pitchFamily="-60" charset="-128"/>
+            </a:endParaRPr>
+          </a:p>
+        </p:txBody>
+      </p:sp>
+      <p:sp>
+        <p:nvSpPr>
+          <p:cNvPr id="45" name="Rectangle 44"/>
+          <p:cNvSpPr/>
+          <p:nvPr/>
+        </p:nvSpPr>
+        <p:spPr bwMode="auto">
+          <a:xfrm>
+            <a:off x="2133600" y="3733800"/>
+            <a:ext cx="4038600" cy="533400"/>
+          </a:xfrm>
+          <a:prstGeom prst="rect">
+            <a:avLst/>
+          </a:prstGeom>
+          <a:solidFill>
+            <a:schemeClr val="accent1"/>
+          </a:solidFill>
+          <a:ln w="9525" cap="flat" cmpd="sng" algn="ctr">
+            <a:solidFill>
+              <a:schemeClr val="tx1"/>
+            </a:solidFill>
+            <a:prstDash val="solid"/>
+            <a:round/>
+            <a:headEnd type="none" w="med" len="med"/>
+            <a:tailEnd type="none" w="med" len="med"/>
+          </a:ln>
+          <a:effectLst/>
+        </p:spPr>
+        <p:txBody>
+          <a:bodyPr vert="horz" wrap="square" lIns="91440" tIns="45720" rIns="91440" bIns="45720" numCol="1" rtlCol="0" anchor="t" anchorCtr="0" compatLnSpc="1">
+            <a:prstTxWarp prst="textNoShape">
+              <a:avLst/>
+            </a:prstTxWarp>
+          </a:bodyPr>
+          <a:lstStyle/>
+          <a:p>
+            <a:pPr marL="0" marR="0" indent="0" algn="l" defTabSz="914400" rtl="0" eaLnBrk="0" fontAlgn="base" latinLnBrk="0" hangingPunct="0">
+              <a:lnSpc>
+                <a:spcPct val="100000"/>
+              </a:lnSpc>
+              <a:spcBef>
+                <a:spcPct val="0"/>
+              </a:spcBef>
+              <a:spcAft>
+                <a:spcPct val="0"/>
+              </a:spcAft>
+              <a:buClrTx/>
+              <a:buSzTx/>
+              <a:buFontTx/>
+              <a:buNone/>
+              <a:tabLst/>
+            </a:pPr>
+            <a:r>
+              <a:rPr kumimoji="0" lang="en-US" sz="1000" b="0" i="0" u="none" strike="noStrike" cap="none" normalizeH="0" baseline="0" dirty="0" smtClean="0">
+                <a:ln>
+                  <a:noFill/>
+                </a:ln>
+                <a:solidFill>
+                  <a:schemeClr val="tx1"/>
+                </a:solidFill>
+                <a:effectLst/>
+                <a:latin typeface="Arial" charset="0"/>
+                <a:ea typeface="ＭＳ Ｐゴシック" pitchFamily="-60" charset="-128"/>
+              </a:rPr>
+              <a:t>Product Description:</a:t>
+            </a:r>
+            <a:r>
+              <a:rPr kumimoji="0" lang="en-US" sz="1000" b="0" i="0" u="none" strike="noStrike" cap="none" normalizeH="0" dirty="0" smtClean="0">
+                <a:ln>
+                  <a:noFill/>
+                </a:ln>
+                <a:solidFill>
+                  <a:schemeClr val="tx1"/>
+                </a:solidFill>
+                <a:effectLst/>
+                <a:latin typeface="Arial" charset="0"/>
+                <a:ea typeface="ＭＳ Ｐゴシック" pitchFamily="-60" charset="-128"/>
+              </a:rPr>
+              <a:t> </a:t>
+            </a:r>
+            <a:endParaRPr kumimoji="0" lang="en-US" sz="1000" b="0" i="0" u="none" strike="noStrike" cap="none" normalizeH="0" baseline="0" dirty="0" smtClean="0">
+              <a:ln>
+                <a:noFill/>
+              </a:ln>
+              <a:solidFill>
+                <a:schemeClr val="tx1"/>
+              </a:solidFill>
+              <a:effectLst/>
+              <a:latin typeface="Arial" charset="0"/>
+              <a:ea typeface="ＭＳ Ｐゴシック" pitchFamily="-60" charset="-128"/>
+            </a:endParaRPr>
+          </a:p>
+        </p:txBody>
+      </p:sp>
+      <p:sp>
+        <p:nvSpPr>
+          <p:cNvPr id="46" name="Rectangle 45"/>
+          <p:cNvSpPr/>
+          <p:nvPr/>
+        </p:nvSpPr>
+        <p:spPr bwMode="auto">
+          <a:xfrm>
+            <a:off x="2133600" y="4419600"/>
+            <a:ext cx="4038600" cy="533400"/>
+          </a:xfrm>
+          <a:prstGeom prst="rect">
+            <a:avLst/>
+          </a:prstGeom>
+          <a:solidFill>
+            <a:schemeClr val="accent1"/>
+          </a:solidFill>
+          <a:ln w="9525" cap="flat" cmpd="sng" algn="ctr">
+            <a:solidFill>
+              <a:schemeClr val="tx1"/>
+            </a:solidFill>
+            <a:prstDash val="solid"/>
+            <a:round/>
+            <a:headEnd type="none" w="med" len="med"/>
+            <a:tailEnd type="none" w="med" len="med"/>
+          </a:ln>
+          <a:effectLst/>
+        </p:spPr>
+        <p:txBody>
+          <a:bodyPr vert="horz" wrap="square" lIns="91440" tIns="45720" rIns="91440" bIns="45720" numCol="1" rtlCol="0" anchor="t" anchorCtr="0" compatLnSpc="1">
+            <a:prstTxWarp prst="textNoShape">
+              <a:avLst/>
+            </a:prstTxWarp>
+          </a:bodyPr>
+          <a:lstStyle/>
+          <a:p>
+            <a:pPr marL="0" marR="0" indent="0" algn="l" defTabSz="914400" rtl="0" eaLnBrk="0" fontAlgn="base" latinLnBrk="0" hangingPunct="0">
+              <a:lnSpc>
+                <a:spcPct val="100000"/>
+              </a:lnSpc>
+              <a:spcBef>
+                <a:spcPct val="0"/>
+              </a:spcBef>
+              <a:spcAft>
+                <a:spcPct val="0"/>
+              </a:spcAft>
+              <a:buClrTx/>
+              <a:buSzTx/>
+              <a:buFontTx/>
+              <a:buNone/>
+              <a:tabLst/>
+            </a:pPr>
+            <a:r>
+              <a:rPr lang="en-US" sz="1000" dirty="0" smtClean="0">
+                <a:latin typeface="Arial" charset="0"/>
+                <a:ea typeface="ＭＳ Ｐゴシック" pitchFamily="-60" charset="-128"/>
+              </a:rPr>
+              <a:t>Reason for Recall</a:t>
+            </a:r>
+            <a:r>
+              <a:rPr kumimoji="0" lang="en-US" sz="1000" b="0" i="0" u="none" strike="noStrike" cap="none" normalizeH="0" dirty="0" smtClean="0">
+                <a:ln>
+                  <a:noFill/>
+                </a:ln>
+                <a:solidFill>
+                  <a:schemeClr val="tx1"/>
+                </a:solidFill>
+                <a:effectLst/>
+                <a:latin typeface="Arial" charset="0"/>
+                <a:ea typeface="ＭＳ Ｐゴシック" pitchFamily="-60" charset="-128"/>
+              </a:rPr>
+              <a:t> </a:t>
+            </a:r>
+            <a:endParaRPr kumimoji="0" lang="en-US" sz="1000" b="0" i="0" u="none" strike="noStrike" cap="none" normalizeH="0" baseline="0" dirty="0" smtClean="0">
+              <a:ln>
+                <a:noFill/>
+              </a:ln>
+              <a:solidFill>
+                <a:schemeClr val="tx1"/>
+              </a:solidFill>
+              <a:effectLst/>
+              <a:latin typeface="Arial" charset="0"/>
+              <a:ea typeface="ＭＳ Ｐゴシック" pitchFamily="-60" charset="-128"/>
+            </a:endParaRPr>
+          </a:p>
+        </p:txBody>
+      </p:sp>
+    </p:spTree>
+    <p:extLst>
+      <p:ext uri="{BB962C8B-B14F-4D97-AF65-F5344CB8AC3E}">
+        <p14:creationId xmlns:p14="http://schemas.microsoft.com/office/powerpoint/2010/main" val="1484624090"/>
+      </p:ext>
+    </p:extLst>
+  </p:cSld>
+  <p:clrMapOvr>
+    <a:masterClrMapping/>
+  </p:clrMapOvr>
+  <p:timing>
+    <p:tnLst>
+      <p:par>
+        <p:cTn id="1" dur="indefinite" restart="never" nodeType="tmRoot"/>
+      </p:par>
+    </p:tnLst>
+  </p:timing>
+</p:sld>
+</file>
+
+<file path=ppt/slides/slide6.xml><?xml version="1.0" encoding="utf-8"?>
 <p:sld xmlns:a="http://schemas.openxmlformats.org/drawingml/2006/main" xmlns:r="http://schemas.openxmlformats.org/officeDocument/2006/relationships" xmlns:p="http://schemas.openxmlformats.org/presentationml/2006/main">
   <p:cSld>
     <p:spTree>
@@ -7438,7 +9852,7 @@
 </p:sld>
 </file>
 
-<file path=ppt/slides/slide6.xml><?xml version="1.0" encoding="utf-8"?>
+<file path=ppt/slides/slide7.xml><?xml version="1.0" encoding="utf-8"?>
 <p:sld xmlns:a="http://schemas.openxmlformats.org/drawingml/2006/main" xmlns:r="http://schemas.openxmlformats.org/officeDocument/2006/relationships" xmlns:p="http://schemas.openxmlformats.org/presentationml/2006/main">
   <p:cSld>
     <p:spTree>

--- a/Design/Wireframes/DRIC wireframes.pptx
+++ b/Design/Wireframes/DRIC wireframes.pptx
@@ -10,8 +10,8 @@
   <p:sldIdLst>
     <p:sldId id="263" r:id="rId2"/>
     <p:sldId id="269" r:id="rId3"/>
-    <p:sldId id="264" r:id="rId4"/>
-    <p:sldId id="270" r:id="rId5"/>
+    <p:sldId id="272" r:id="rId4"/>
+    <p:sldId id="273" r:id="rId5"/>
     <p:sldId id="271" r:id="rId6"/>
     <p:sldId id="267" r:id="rId7"/>
     <p:sldId id="268" r:id="rId8"/>
@@ -4517,14 +4517,14 @@
           <p:nvPr>
             <p:extLst>
               <p:ext uri="{D42A27DB-BD31-4B8C-83A1-F6EECF244321}">
-                <p14:modId xmlns:p14="http://schemas.microsoft.com/office/powerpoint/2010/main" val="1599827563"/>
+                <p14:modId xmlns:p14="http://schemas.microsoft.com/office/powerpoint/2010/main" val="2862773915"/>
               </p:ext>
             </p:extLst>
           </p:nvPr>
         </p:nvGraphicFramePr>
         <p:xfrm>
           <a:off x="1502228" y="1981200"/>
-          <a:ext cx="6096000" cy="2123440"/>
+          <a:ext cx="6096000" cy="2763520"/>
         </p:xfrm>
         <a:graphic>
           <a:graphicData uri="http://schemas.openxmlformats.org/drawingml/2006/table">
@@ -4761,6 +4761,56 @@
                     <a:bodyPr/>
                     <a:lstStyle/>
                     <a:p>
+                      <a:pPr algn="ctr"/>
+                      <a:r>
+                        <a:rPr lang="en-US" dirty="0" smtClean="0"/>
+                        <a:t>1.3</a:t>
+                      </a:r>
+                      <a:endParaRPr lang="en-US" dirty="0"/>
+                    </a:p>
+                  </a:txBody>
+                  <a:tcPr/>
+                </a:tc>
+                <a:tc>
+                  <a:txBody>
+                    <a:bodyPr/>
+                    <a:lstStyle/>
+                    <a:p>
+                      <a:pPr algn="ctr"/>
+                      <a:r>
+                        <a:rPr lang="en-US" dirty="0" smtClean="0"/>
+                        <a:t>6/19/2015</a:t>
+                      </a:r>
+                      <a:endParaRPr lang="en-US" dirty="0"/>
+                    </a:p>
+                  </a:txBody>
+                  <a:tcPr/>
+                </a:tc>
+                <a:tc>
+                  <a:txBody>
+                    <a:bodyPr/>
+                    <a:lstStyle/>
+                    <a:p>
+                      <a:r>
+                        <a:rPr lang="en-US" dirty="0" smtClean="0"/>
+                        <a:t>Updated per 6/19 6:15</a:t>
+                      </a:r>
+                      <a:r>
+                        <a:rPr lang="en-US" baseline="0" dirty="0" smtClean="0"/>
+                        <a:t> PM design discussion</a:t>
+                      </a:r>
+                      <a:endParaRPr lang="en-US" dirty="0"/>
+                    </a:p>
+                  </a:txBody>
+                  <a:tcPr/>
+                </a:tc>
+              </a:tr>
+              <a:tr h="370840">
+                <a:tc>
+                  <a:txBody>
+                    <a:bodyPr/>
+                    <a:lstStyle/>
+                    <a:p>
                       <a:endParaRPr lang="en-US" dirty="0"/>
                     </a:p>
                   </a:txBody>
@@ -4926,8 +4976,8 @@
         </p:nvSpPr>
         <p:spPr>
           <a:xfrm>
-            <a:off x="6705600" y="609600"/>
-            <a:ext cx="2133600" cy="923330"/>
+            <a:off x="5867400" y="856833"/>
+            <a:ext cx="2971800" cy="2800767"/>
           </a:xfrm>
           <a:prstGeom prst="rect">
             <a:avLst/>
@@ -4941,120 +4991,74 @@
           <a:lstStyle/>
           <a:p>
             <a:r>
-              <a:rPr lang="en-US" dirty="0" smtClean="0"/>
-              <a:t>Shows top ten recent drug recalls for the month</a:t>
-            </a:r>
-            <a:endParaRPr lang="en-US" dirty="0"/>
+              <a:rPr lang="en-US" sz="1600" b="1" u="sng" dirty="0" smtClean="0"/>
+              <a:t>*Default: </a:t>
+            </a:r>
+            <a:r>
+              <a:rPr lang="en-US" sz="1600" dirty="0" smtClean="0"/>
+              <a:t>Shows all drug </a:t>
+            </a:r>
+            <a:r>
+              <a:rPr lang="en-US" sz="1600" dirty="0" smtClean="0"/>
+              <a:t>recalls </a:t>
+            </a:r>
+            <a:r>
+              <a:rPr lang="en-US" sz="1600" dirty="0" smtClean="0"/>
+              <a:t>reports in last 1 month.</a:t>
+            </a:r>
+          </a:p>
+          <a:p>
+            <a:endParaRPr lang="en-US" sz="1600" dirty="0"/>
+          </a:p>
+          <a:p>
+            <a:r>
+              <a:rPr lang="en-US" sz="1600" b="1" dirty="0" smtClean="0"/>
+              <a:t>Search</a:t>
+            </a:r>
+            <a:r>
+              <a:rPr lang="en-US" sz="1600" dirty="0" smtClean="0"/>
+              <a:t> – basic key word search</a:t>
+            </a:r>
+          </a:p>
+          <a:p>
+            <a:endParaRPr lang="en-US" sz="1600" dirty="0"/>
+          </a:p>
+          <a:p>
+            <a:r>
+              <a:rPr lang="en-US" sz="1600" b="1" dirty="0" smtClean="0"/>
+              <a:t>Advanced search </a:t>
+            </a:r>
+            <a:r>
+              <a:rPr lang="en-US" sz="1600" dirty="0" smtClean="0"/>
+              <a:t>– filtered search </a:t>
+            </a:r>
+          </a:p>
+          <a:p>
+            <a:endParaRPr lang="en-US" sz="1600" dirty="0"/>
+          </a:p>
+          <a:p>
+            <a:r>
+              <a:rPr lang="en-US" sz="1600" b="1" dirty="0" smtClean="0"/>
+              <a:t>Clear</a:t>
+            </a:r>
+            <a:r>
+              <a:rPr lang="en-US" sz="1600" dirty="0" smtClean="0"/>
+              <a:t> – clears search results &amp; set to *Default</a:t>
+            </a:r>
+            <a:endParaRPr lang="en-US" sz="1600" dirty="0"/>
           </a:p>
         </p:txBody>
       </p:sp>
       <p:sp>
         <p:nvSpPr>
-          <p:cNvPr id="2" name="Rectangle 1"/>
-          <p:cNvSpPr/>
-          <p:nvPr/>
-        </p:nvSpPr>
-        <p:spPr bwMode="auto">
-          <a:xfrm>
-            <a:off x="1447800" y="609600"/>
-            <a:ext cx="5105400" cy="5410200"/>
-          </a:xfrm>
-          <a:prstGeom prst="rect">
-            <a:avLst/>
-          </a:prstGeom>
-          <a:noFill/>
-          <a:ln w="9525" cap="flat" cmpd="sng" algn="ctr">
-            <a:solidFill>
-              <a:schemeClr val="tx1"/>
-            </a:solidFill>
-            <a:prstDash val="solid"/>
-            <a:round/>
-            <a:headEnd type="none" w="med" len="med"/>
-            <a:tailEnd type="none" w="med" len="med"/>
-          </a:ln>
-          <a:effectLst/>
-        </p:spPr>
-        <p:txBody>
-          <a:bodyPr vert="horz" wrap="square" lIns="91440" tIns="45720" rIns="91440" bIns="45720" numCol="1" rtlCol="0" anchor="t" anchorCtr="0" compatLnSpc="1">
-            <a:prstTxWarp prst="textNoShape">
-              <a:avLst/>
-            </a:prstTxWarp>
-          </a:bodyPr>
-          <a:lstStyle/>
-          <a:p>
-            <a:pPr marL="0" marR="0" indent="0" algn="l" defTabSz="914400" rtl="0" eaLnBrk="0" fontAlgn="base" latinLnBrk="0" hangingPunct="0">
-              <a:lnSpc>
-                <a:spcPct val="100000"/>
-              </a:lnSpc>
-              <a:spcBef>
-                <a:spcPct val="0"/>
-              </a:spcBef>
-              <a:spcAft>
-                <a:spcPct val="0"/>
-              </a:spcAft>
-              <a:buClrTx/>
-              <a:buSzTx/>
-              <a:buFontTx/>
-              <a:buNone/>
-              <a:tabLst/>
-            </a:pPr>
-            <a:endParaRPr kumimoji="0" lang="en-US" sz="2400" b="0" i="0" u="none" strike="noStrike" cap="none" normalizeH="0" baseline="0" dirty="0" smtClean="0">
-              <a:ln>
-                <a:noFill/>
-              </a:ln>
-              <a:solidFill>
-                <a:schemeClr val="tx1"/>
-              </a:solidFill>
-              <a:effectLst/>
-              <a:latin typeface="Arial" charset="0"/>
-              <a:ea typeface="ＭＳ Ｐゴシック" pitchFamily="-60" charset="-128"/>
-            </a:endParaRPr>
-          </a:p>
-        </p:txBody>
-      </p:sp>
-      <p:pic>
-        <p:nvPicPr>
-          <p:cNvPr id="4" name="Picture 3" descr="DEV-Logo_RGB.gif"/>
-          <p:cNvPicPr/>
-          <p:nvPr/>
-        </p:nvPicPr>
-        <p:blipFill>
-          <a:blip r:embed="rId3" cstate="print">
-            <a:extLst>
-              <a:ext uri="{28A0092B-C50C-407E-A947-70E740481C1C}">
-                <a14:useLocalDpi xmlns:a14="http://schemas.microsoft.com/office/drawing/2010/main" val="0"/>
-              </a:ext>
-            </a:extLst>
-          </a:blip>
-          <a:srcRect/>
-          <a:stretch>
-            <a:fillRect/>
-          </a:stretch>
-        </p:blipFill>
-        <p:spPr bwMode="auto">
-          <a:xfrm>
-            <a:off x="4005261" y="5621179"/>
-            <a:ext cx="813479" cy="243002"/>
-          </a:xfrm>
-          <a:prstGeom prst="rect">
-            <a:avLst/>
-          </a:prstGeom>
-          <a:noFill/>
-          <a:ln>
-            <a:noFill/>
-          </a:ln>
-        </p:spPr>
-      </p:pic>
-      <p:sp>
-        <p:nvSpPr>
-          <p:cNvPr id="7" name="TextBox 6"/>
+          <p:cNvPr id="78" name="TextBox 77"/>
           <p:cNvSpPr txBox="1"/>
           <p:nvPr/>
         </p:nvSpPr>
         <p:spPr>
           <a:xfrm>
-            <a:off x="3314700" y="2057400"/>
-            <a:ext cx="2209800" cy="307777"/>
+            <a:off x="5867400" y="3767078"/>
+            <a:ext cx="3080657" cy="2862322"/>
           </a:xfrm>
           <a:prstGeom prst="rect">
             <a:avLst/>
@@ -5068,103 +5072,170 @@
           <a:lstStyle/>
           <a:p>
             <a:r>
-              <a:rPr lang="en-US" sz="1400" u="sng" dirty="0" smtClean="0"/>
-              <a:t>Recent drug recalls</a:t>
-            </a:r>
-            <a:endParaRPr lang="en-US" sz="1400" u="sng" dirty="0"/>
-          </a:p>
-        </p:txBody>
-      </p:sp>
-      <p:sp>
-        <p:nvSpPr>
-          <p:cNvPr id="10" name="Rectangle 9"/>
-          <p:cNvSpPr/>
-          <p:nvPr/>
-        </p:nvSpPr>
-        <p:spPr bwMode="auto">
-          <a:xfrm>
-            <a:off x="3047999" y="2669134"/>
-            <a:ext cx="3117849" cy="2434133"/>
-          </a:xfrm>
-          <a:prstGeom prst="rect">
-            <a:avLst/>
-          </a:prstGeom>
-          <a:solidFill>
-            <a:schemeClr val="bg1"/>
-          </a:solidFill>
-          <a:ln w="9525" cap="flat" cmpd="sng" algn="ctr">
-            <a:solidFill>
-              <a:schemeClr val="tx1"/>
-            </a:solidFill>
-            <a:prstDash val="solid"/>
-            <a:round/>
-            <a:headEnd type="none" w="med" len="med"/>
-            <a:tailEnd type="none" w="med" len="med"/>
-          </a:ln>
-          <a:effectLst/>
-        </p:spPr>
-        <p:txBody>
-          <a:bodyPr vert="horz" wrap="square" lIns="91440" tIns="45720" rIns="91440" bIns="45720" numCol="1" rtlCol="0" anchor="t" anchorCtr="0" compatLnSpc="1">
-            <a:prstTxWarp prst="textNoShape">
-              <a:avLst/>
-            </a:prstTxWarp>
-          </a:bodyPr>
-          <a:lstStyle/>
-          <a:p>
-            <a:pPr marL="0" marR="0" indent="0" algn="l" defTabSz="914400" rtl="0" eaLnBrk="0" fontAlgn="base" latinLnBrk="0" hangingPunct="0">
-              <a:lnSpc>
-                <a:spcPct val="100000"/>
-              </a:lnSpc>
-              <a:spcBef>
-                <a:spcPct val="0"/>
-              </a:spcBef>
-              <a:spcAft>
-                <a:spcPct val="0"/>
-              </a:spcAft>
-              <a:buClrTx/>
-              <a:buSzTx/>
-              <a:buFontTx/>
-              <a:buNone/>
-              <a:tabLst/>
-            </a:pPr>
-            <a:endParaRPr kumimoji="0" lang="en-US" sz="2400" b="0" i="0" u="none" strike="noStrike" cap="none" normalizeH="0" baseline="0" smtClean="0">
-              <a:ln>
-                <a:noFill/>
-              </a:ln>
-              <a:solidFill>
-                <a:schemeClr val="tx1"/>
-              </a:solidFill>
-              <a:effectLst/>
-              <a:latin typeface="Arial" charset="0"/>
-              <a:ea typeface="ＭＳ Ｐゴシック" pitchFamily="-60" charset="-128"/>
-            </a:endParaRPr>
+              <a:rPr lang="en-US" sz="1600" dirty="0" smtClean="0"/>
+              <a:t>Display 10 results per page &amp; provide pagination.</a:t>
+            </a:r>
+          </a:p>
+          <a:p>
+            <a:endParaRPr lang="en-US" sz="1600" dirty="0"/>
+          </a:p>
+          <a:p>
+            <a:r>
+              <a:rPr lang="en-US" sz="1600" dirty="0" smtClean="0"/>
+              <a:t>Product </a:t>
+            </a:r>
+            <a:r>
+              <a:rPr lang="en-US" sz="1600" dirty="0" smtClean="0"/>
+              <a:t>name = product name or 1</a:t>
+            </a:r>
+            <a:r>
+              <a:rPr lang="en-US" sz="1600" baseline="30000" dirty="0" smtClean="0"/>
+              <a:t>st</a:t>
+            </a:r>
+            <a:r>
+              <a:rPr lang="en-US" sz="1600" dirty="0" smtClean="0"/>
+              <a:t> 20 char of Product Description if name is not </a:t>
+            </a:r>
+            <a:r>
+              <a:rPr lang="en-US" sz="1600" dirty="0" smtClean="0"/>
+              <a:t>available</a:t>
+            </a:r>
+          </a:p>
+          <a:p>
+            <a:endParaRPr lang="en-US" sz="1600" dirty="0"/>
+          </a:p>
+          <a:p>
+            <a:r>
+              <a:rPr lang="en-US" sz="1600" dirty="0"/>
+              <a:t>Provide legend on classification.</a:t>
+            </a:r>
+          </a:p>
+          <a:p>
+            <a:endParaRPr lang="en-US" sz="1600" dirty="0"/>
           </a:p>
         </p:txBody>
       </p:sp>
       <p:grpSp>
         <p:nvGrpSpPr>
-          <p:cNvPr id="28" name="Group 27"/>
+          <p:cNvPr id="31" name="Group 30"/>
           <p:cNvGrpSpPr/>
           <p:nvPr/>
         </p:nvGrpSpPr>
         <p:grpSpPr>
           <a:xfrm>
-            <a:off x="3146107" y="2743200"/>
-            <a:ext cx="2695893" cy="246221"/>
-            <a:chOff x="3146107" y="2743200"/>
-            <a:chExt cx="2695893" cy="246221"/>
+            <a:off x="609600" y="968667"/>
+            <a:ext cx="5105400" cy="5279733"/>
+            <a:chOff x="1447800" y="609600"/>
+            <a:chExt cx="5105400" cy="5279733"/>
           </a:xfrm>
         </p:grpSpPr>
         <p:sp>
           <p:nvSpPr>
-            <p:cNvPr id="11" name="TextBox 10"/>
+            <p:cNvPr id="2" name="Rectangle 1"/>
+            <p:cNvSpPr/>
+            <p:nvPr/>
+          </p:nvSpPr>
+          <p:spPr bwMode="auto">
+            <a:xfrm>
+              <a:off x="1447800" y="609600"/>
+              <a:ext cx="5105400" cy="5279733"/>
+            </a:xfrm>
+            <a:prstGeom prst="rect">
+              <a:avLst/>
+            </a:prstGeom>
+            <a:noFill/>
+            <a:ln w="28575" cap="flat" cmpd="sng" algn="ctr">
+              <a:solidFill>
+                <a:schemeClr val="tx1"/>
+              </a:solidFill>
+              <a:prstDash val="solid"/>
+              <a:round/>
+              <a:headEnd type="none" w="med" len="med"/>
+              <a:tailEnd type="none" w="med" len="med"/>
+            </a:ln>
+            <a:effectLst/>
+          </p:spPr>
+          <p:txBody>
+            <a:bodyPr vert="wordArtVert" wrap="square" lIns="91440" tIns="45720" rIns="91440" bIns="45720" numCol="1" rtlCol="0" anchor="t" anchorCtr="0" compatLnSpc="1">
+              <a:prstTxWarp prst="textNoShape">
+                <a:avLst/>
+              </a:prstTxWarp>
+            </a:bodyPr>
+            <a:lstStyle/>
+            <a:p>
+              <a:pPr marL="0" marR="0" indent="0" algn="l" defTabSz="914400" rtl="0" eaLnBrk="0" fontAlgn="base" latinLnBrk="0" hangingPunct="0">
+                <a:lnSpc>
+                  <a:spcPct val="100000"/>
+                </a:lnSpc>
+                <a:spcBef>
+                  <a:spcPct val="0"/>
+                </a:spcBef>
+                <a:spcAft>
+                  <a:spcPct val="0"/>
+                </a:spcAft>
+                <a:buClrTx/>
+                <a:buSzTx/>
+                <a:buFontTx/>
+                <a:buNone/>
+                <a:tabLst/>
+              </a:pPr>
+              <a:endParaRPr kumimoji="0" lang="en-US" sz="2400" b="0" i="0" u="none" strike="noStrike" cap="none" normalizeH="0" baseline="0" dirty="0" smtClean="0">
+                <a:ln>
+                  <a:noFill/>
+                </a:ln>
+                <a:solidFill>
+                  <a:schemeClr val="tx1"/>
+                </a:solidFill>
+                <a:effectLst/>
+                <a:latin typeface="Arial" charset="0"/>
+                <a:ea typeface="ＭＳ Ｐゴシック" pitchFamily="-60" charset="-128"/>
+              </a:endParaRPr>
+            </a:p>
+          </p:txBody>
+        </p:sp>
+        <p:pic>
+          <p:nvPicPr>
+            <p:cNvPr id="4" name="Picture 3" descr="DEV-Logo_RGB.gif"/>
+            <p:cNvPicPr/>
+            <p:nvPr/>
+          </p:nvPicPr>
+          <p:blipFill>
+            <a:blip r:embed="rId3" cstate="print">
+              <a:extLst>
+                <a:ext uri="{28A0092B-C50C-407E-A947-70E740481C1C}">
+                  <a14:useLocalDpi xmlns:a14="http://schemas.microsoft.com/office/drawing/2010/main" val="0"/>
+                </a:ext>
+              </a:extLst>
+            </a:blip>
+            <a:srcRect/>
+            <a:stretch>
+              <a:fillRect/>
+            </a:stretch>
+          </p:blipFill>
+          <p:spPr bwMode="auto">
+            <a:xfrm>
+              <a:off x="4005261" y="5392579"/>
+              <a:ext cx="813479" cy="243002"/>
+            </a:xfrm>
+            <a:prstGeom prst="rect">
+              <a:avLst/>
+            </a:prstGeom>
+            <a:noFill/>
+            <a:ln>
+              <a:noFill/>
+            </a:ln>
+          </p:spPr>
+        </p:pic>
+        <p:sp>
+          <p:nvSpPr>
+            <p:cNvPr id="7" name="TextBox 6"/>
             <p:cNvSpPr txBox="1"/>
             <p:nvPr/>
           </p:nvSpPr>
           <p:spPr>
             <a:xfrm>
-              <a:off x="3337242" y="2743200"/>
-              <a:ext cx="2504758" cy="246221"/>
+              <a:off x="1981200" y="2209800"/>
+              <a:ext cx="4105274" cy="307777"/>
             </a:xfrm>
             <a:prstGeom prst="rect">
               <a:avLst/>
@@ -5177,30 +5248,31 @@
             </a:bodyPr>
             <a:lstStyle/>
             <a:p>
+              <a:pPr algn="ctr"/>
               <a:r>
-                <a:rPr lang="en-US" sz="1000" dirty="0" smtClean="0"/>
-                <a:t>Class 1         Drug #1                   5/29/15</a:t>
+                <a:rPr lang="en-US" sz="1400" u="sng" dirty="0" smtClean="0"/>
+                <a:t>Drug Recall Reports</a:t>
               </a:r>
-              <a:endParaRPr lang="en-US" sz="1000" dirty="0"/>
+              <a:endParaRPr lang="en-US" sz="1400" u="sng" dirty="0"/>
             </a:p>
           </p:txBody>
         </p:sp>
         <p:sp>
           <p:nvSpPr>
-            <p:cNvPr id="12" name="Oval 11"/>
+            <p:cNvPr id="10" name="Rectangle 9"/>
             <p:cNvSpPr/>
             <p:nvPr/>
           </p:nvSpPr>
           <p:spPr bwMode="auto">
             <a:xfrm>
-              <a:off x="3146107" y="2773977"/>
-              <a:ext cx="191135" cy="184666"/>
+              <a:off x="1993902" y="2775270"/>
+              <a:ext cx="4025898" cy="2341016"/>
             </a:xfrm>
-            <a:prstGeom prst="ellipse">
+            <a:prstGeom prst="rect">
               <a:avLst/>
             </a:prstGeom>
             <a:solidFill>
-              <a:srgbClr val="FFFF00"/>
+              <a:schemeClr val="bg1"/>
             </a:solidFill>
             <a:ln w="9525" cap="flat" cmpd="sng" algn="ctr">
               <a:solidFill>
@@ -5251,61 +5323,16 @@
             </a:p>
           </p:txBody>
         </p:sp>
-      </p:grpSp>
-      <p:sp>
-        <p:nvSpPr>
-          <p:cNvPr id="13" name="TextBox 12"/>
-          <p:cNvSpPr txBox="1"/>
-          <p:nvPr/>
-        </p:nvSpPr>
-        <p:spPr>
-          <a:xfrm>
-            <a:off x="2965449" y="2420779"/>
-            <a:ext cx="3200400" cy="246221"/>
-          </a:xfrm>
-          <a:prstGeom prst="rect">
-            <a:avLst/>
-          </a:prstGeom>
-          <a:noFill/>
-        </p:spPr>
-        <p:txBody>
-          <a:bodyPr wrap="square" rtlCol="0">
-            <a:spAutoFit/>
-          </a:bodyPr>
-          <a:lstStyle/>
-          <a:p>
-            <a:r>
-              <a:rPr lang="en-US" sz="1000" dirty="0" smtClean="0"/>
-              <a:t>Classification	      Product Name          Recall Date</a:t>
-            </a:r>
-            <a:endParaRPr lang="en-US" sz="1000" dirty="0"/>
-          </a:p>
-        </p:txBody>
-      </p:sp>
-      <p:grpSp>
-        <p:nvGrpSpPr>
-          <p:cNvPr id="29" name="Group 28"/>
-          <p:cNvGrpSpPr/>
-          <p:nvPr/>
-        </p:nvGrpSpPr>
-        <p:grpSpPr>
-          <a:xfrm>
-            <a:off x="3139757" y="3096398"/>
-            <a:ext cx="2695893" cy="246221"/>
-            <a:chOff x="3139757" y="3096398"/>
-            <a:chExt cx="2695893" cy="246221"/>
-          </a:xfrm>
-        </p:grpSpPr>
         <p:sp>
           <p:nvSpPr>
-            <p:cNvPr id="14" name="TextBox 13"/>
+            <p:cNvPr id="13" name="TextBox 12"/>
             <p:cNvSpPr txBox="1"/>
             <p:nvPr/>
           </p:nvSpPr>
           <p:spPr>
             <a:xfrm>
-              <a:off x="3330892" y="3096398"/>
-              <a:ext cx="2504758" cy="246221"/>
+              <a:off x="1981201" y="2590800"/>
+              <a:ext cx="4184648" cy="246221"/>
             </a:xfrm>
             <a:prstGeom prst="rect">
               <a:avLst/>
@@ -5320,204 +5347,278 @@
             <a:p>
               <a:r>
                 <a:rPr lang="en-US" sz="1000" dirty="0" smtClean="0"/>
-                <a:t>Class 3         Drug #2                   5/29/15</a:t>
+                <a:t>Recall Number      Classification</a:t>
+              </a:r>
+              <a:r>
+                <a:rPr lang="en-US" sz="1000" dirty="0" smtClean="0"/>
+                <a:t>	      Product Name          </a:t>
+              </a:r>
+              <a:r>
+                <a:rPr lang="en-US" sz="1000" dirty="0" smtClean="0"/>
+                <a:t>Report  Date</a:t>
               </a:r>
               <a:endParaRPr lang="en-US" sz="1000" dirty="0"/>
             </a:p>
           </p:txBody>
         </p:sp>
-        <p:sp>
-          <p:nvSpPr>
-            <p:cNvPr id="15" name="Oval 14"/>
-            <p:cNvSpPr/>
+        <p:grpSp>
+          <p:nvGrpSpPr>
+            <p:cNvPr id="20" name="Group 19"/>
+            <p:cNvGrpSpPr/>
             <p:nvPr/>
-          </p:nvSpPr>
-          <p:spPr bwMode="auto">
+          </p:nvGrpSpPr>
+          <p:grpSpPr>
             <a:xfrm>
-              <a:off x="3139757" y="3127175"/>
-              <a:ext cx="191135" cy="184666"/>
+              <a:off x="1993902" y="3342467"/>
+              <a:ext cx="4092572" cy="260866"/>
+              <a:chOff x="1993902" y="3342467"/>
+              <a:chExt cx="4092572" cy="260866"/>
             </a:xfrm>
-            <a:prstGeom prst="ellipse">
-              <a:avLst/>
-            </a:prstGeom>
-            <a:solidFill>
-              <a:srgbClr val="FF0000"/>
-            </a:solidFill>
-            <a:ln w="9525" cap="flat" cmpd="sng" algn="ctr">
+          </p:grpSpPr>
+          <p:sp>
+            <p:nvSpPr>
+              <p:cNvPr id="14" name="TextBox 13"/>
+              <p:cNvSpPr txBox="1"/>
+              <p:nvPr/>
+            </p:nvSpPr>
+            <p:spPr>
+              <a:xfrm>
+                <a:off x="1993902" y="3357112"/>
+                <a:ext cx="4092572" cy="246221"/>
+              </a:xfrm>
+              <a:prstGeom prst="rect">
+                <a:avLst/>
+              </a:prstGeom>
+              <a:noFill/>
+            </p:spPr>
+            <p:txBody>
+              <a:bodyPr wrap="square" rtlCol="0">
+                <a:spAutoFit/>
+              </a:bodyPr>
+              <a:lstStyle/>
+              <a:p>
+                <a:r>
+                  <a:rPr lang="en-US" sz="1000" u="sng" dirty="0" smtClean="0">
+                    <a:solidFill>
+                      <a:srgbClr val="0070C0"/>
+                    </a:solidFill>
+                  </a:rPr>
+                  <a:t>D-609-198  </a:t>
+                </a:r>
+                <a:r>
+                  <a:rPr lang="en-US" sz="1000" dirty="0" smtClean="0"/>
+                  <a:t>                   Class </a:t>
+                </a:r>
+                <a:r>
+                  <a:rPr lang="en-US" sz="1000" dirty="0" smtClean="0"/>
+                  <a:t>3         Drug </a:t>
+                </a:r>
+                <a:r>
+                  <a:rPr lang="en-US" sz="1000" dirty="0" smtClean="0"/>
+                  <a:t>1                        5/29/15</a:t>
+                </a:r>
+                <a:endParaRPr lang="en-US" sz="1000" dirty="0"/>
+              </a:p>
+            </p:txBody>
+          </p:sp>
+          <p:sp>
+            <p:nvSpPr>
+              <p:cNvPr id="15" name="Oval 14"/>
+              <p:cNvSpPr/>
+              <p:nvPr/>
+            </p:nvSpPr>
+            <p:spPr bwMode="auto">
+              <a:xfrm>
+                <a:off x="3139757" y="3342467"/>
+                <a:ext cx="204191" cy="184666"/>
+              </a:xfrm>
+              <a:prstGeom prst="ellipse">
+                <a:avLst/>
+              </a:prstGeom>
               <a:solidFill>
-                <a:schemeClr val="tx1"/>
+                <a:srgbClr val="FF0000"/>
               </a:solidFill>
-              <a:prstDash val="solid"/>
-              <a:round/>
-              <a:headEnd type="none" w="med" len="med"/>
-              <a:tailEnd type="none" w="med" len="med"/>
-            </a:ln>
-            <a:effectLst/>
-          </p:spPr>
-          <p:txBody>
-            <a:bodyPr vert="horz" wrap="square" lIns="91440" tIns="45720" rIns="91440" bIns="45720" numCol="1" rtlCol="0" anchor="t" anchorCtr="0" compatLnSpc="1">
-              <a:prstTxWarp prst="textNoShape">
-                <a:avLst/>
-              </a:prstTxWarp>
-            </a:bodyPr>
-            <a:lstStyle/>
-            <a:p>
-              <a:pPr marL="0" marR="0" indent="0" algn="l" defTabSz="914400" rtl="0" eaLnBrk="0" fontAlgn="base" latinLnBrk="0" hangingPunct="0">
-                <a:lnSpc>
-                  <a:spcPct val="100000"/>
-                </a:lnSpc>
-                <a:spcBef>
-                  <a:spcPct val="0"/>
-                </a:spcBef>
-                <a:spcAft>
-                  <a:spcPct val="0"/>
-                </a:spcAft>
-                <a:buClrTx/>
-                <a:buSzTx/>
-                <a:buFontTx/>
-                <a:buNone/>
-                <a:tabLst/>
-              </a:pPr>
-              <a:endParaRPr kumimoji="0" lang="en-US" sz="2400" b="0" i="0" u="none" strike="noStrike" cap="none" normalizeH="0" baseline="0" smtClean="0">
-                <a:ln>
-                  <a:noFill/>
-                </a:ln>
+              <a:ln w="9525" cap="flat" cmpd="sng" algn="ctr">
                 <a:solidFill>
                   <a:schemeClr val="tx1"/>
                 </a:solidFill>
-                <a:effectLst/>
-                <a:latin typeface="Arial" charset="0"/>
-                <a:ea typeface="ＭＳ Ｐゴシック" pitchFamily="-60" charset="-128"/>
-              </a:endParaRPr>
-            </a:p>
-          </p:txBody>
-        </p:sp>
-      </p:grpSp>
-      <p:grpSp>
-        <p:nvGrpSpPr>
-          <p:cNvPr id="30" name="Group 29"/>
-          <p:cNvGrpSpPr/>
-          <p:nvPr/>
-        </p:nvGrpSpPr>
-        <p:grpSpPr>
-          <a:xfrm>
-            <a:off x="3139757" y="3483291"/>
-            <a:ext cx="2695893" cy="246221"/>
-            <a:chOff x="3139757" y="3483291"/>
-            <a:chExt cx="2695893" cy="246221"/>
-          </a:xfrm>
-        </p:grpSpPr>
-        <p:sp>
-          <p:nvSpPr>
-            <p:cNvPr id="16" name="TextBox 15"/>
-            <p:cNvSpPr txBox="1"/>
+                <a:prstDash val="solid"/>
+                <a:round/>
+                <a:headEnd type="none" w="med" len="med"/>
+                <a:tailEnd type="none" w="med" len="med"/>
+              </a:ln>
+              <a:effectLst/>
+            </p:spPr>
+            <p:txBody>
+              <a:bodyPr vert="horz" wrap="square" lIns="91440" tIns="45720" rIns="91440" bIns="45720" numCol="1" rtlCol="0" anchor="t" anchorCtr="0" compatLnSpc="1">
+                <a:prstTxWarp prst="textNoShape">
+                  <a:avLst/>
+                </a:prstTxWarp>
+              </a:bodyPr>
+              <a:lstStyle/>
+              <a:p>
+                <a:pPr marL="0" marR="0" indent="0" algn="l" defTabSz="914400" rtl="0" eaLnBrk="0" fontAlgn="base" latinLnBrk="0" hangingPunct="0">
+                  <a:lnSpc>
+                    <a:spcPct val="100000"/>
+                  </a:lnSpc>
+                  <a:spcBef>
+                    <a:spcPct val="0"/>
+                  </a:spcBef>
+                  <a:spcAft>
+                    <a:spcPct val="0"/>
+                  </a:spcAft>
+                  <a:buClrTx/>
+                  <a:buSzTx/>
+                  <a:buFontTx/>
+                  <a:buNone/>
+                  <a:tabLst/>
+                </a:pPr>
+                <a:endParaRPr kumimoji="0" lang="en-US" sz="2400" b="0" i="0" u="none" strike="noStrike" cap="none" normalizeH="0" baseline="0" smtClean="0">
+                  <a:ln>
+                    <a:noFill/>
+                  </a:ln>
+                  <a:solidFill>
+                    <a:schemeClr val="tx1"/>
+                  </a:solidFill>
+                  <a:effectLst/>
+                  <a:latin typeface="Arial" charset="0"/>
+                  <a:ea typeface="ＭＳ Ｐゴシック" pitchFamily="-60" charset="-128"/>
+                </a:endParaRPr>
+              </a:p>
+            </p:txBody>
+          </p:sp>
+        </p:grpSp>
+        <p:grpSp>
+          <p:nvGrpSpPr>
+            <p:cNvPr id="26" name="Group 25"/>
+            <p:cNvGrpSpPr/>
             <p:nvPr/>
-          </p:nvSpPr>
-          <p:spPr>
+          </p:nvGrpSpPr>
+          <p:grpSpPr>
             <a:xfrm>
-              <a:off x="3330892" y="3483291"/>
-              <a:ext cx="2504758" cy="246221"/>
+              <a:off x="1993903" y="3739693"/>
+              <a:ext cx="4025897" cy="246221"/>
+              <a:chOff x="1993903" y="3739693"/>
+              <a:chExt cx="4025897" cy="246221"/>
             </a:xfrm>
-            <a:prstGeom prst="rect">
-              <a:avLst/>
-            </a:prstGeom>
-            <a:noFill/>
-          </p:spPr>
-          <p:txBody>
-            <a:bodyPr wrap="square" rtlCol="0">
-              <a:spAutoFit/>
-            </a:bodyPr>
-            <a:lstStyle/>
-            <a:p>
-              <a:r>
-                <a:rPr lang="en-US" sz="1000" dirty="0" smtClean="0"/>
-                <a:t>Class 2         Drug #3                   5/29/15</a:t>
-              </a:r>
-              <a:endParaRPr lang="en-US" sz="1000" dirty="0"/>
-            </a:p>
-          </p:txBody>
-        </p:sp>
-        <p:sp>
-          <p:nvSpPr>
-            <p:cNvPr id="17" name="Oval 16"/>
-            <p:cNvSpPr/>
-            <p:nvPr/>
-          </p:nvSpPr>
-          <p:spPr bwMode="auto">
-            <a:xfrm>
-              <a:off x="3139757" y="3514068"/>
-              <a:ext cx="191135" cy="184666"/>
-            </a:xfrm>
-            <a:prstGeom prst="ellipse">
-              <a:avLst/>
-            </a:prstGeom>
-            <a:solidFill>
-              <a:srgbClr val="FFC000"/>
-            </a:solidFill>
-            <a:ln w="9525" cap="flat" cmpd="sng" algn="ctr">
+          </p:grpSpPr>
+          <p:sp>
+            <p:nvSpPr>
+              <p:cNvPr id="16" name="TextBox 15"/>
+              <p:cNvSpPr txBox="1"/>
+              <p:nvPr/>
+            </p:nvSpPr>
+            <p:spPr>
+              <a:xfrm>
+                <a:off x="1993903" y="3739693"/>
+                <a:ext cx="4025897" cy="246221"/>
+              </a:xfrm>
+              <a:prstGeom prst="rect">
+                <a:avLst/>
+              </a:prstGeom>
+              <a:noFill/>
+            </p:spPr>
+            <p:txBody>
+              <a:bodyPr wrap="square" rtlCol="0">
+                <a:spAutoFit/>
+              </a:bodyPr>
+              <a:lstStyle/>
+              <a:p>
+                <a:r>
+                  <a:rPr lang="en-US" sz="1000" u="sng" dirty="0" smtClean="0">
+                    <a:solidFill>
+                      <a:srgbClr val="0070C0"/>
+                    </a:solidFill>
+                  </a:rPr>
+                  <a:t>D-345-4567 </a:t>
+                </a:r>
+                <a:r>
+                  <a:rPr lang="en-US" sz="1000" dirty="0" smtClean="0"/>
+                  <a:t>                  Class </a:t>
+                </a:r>
+                <a:r>
+                  <a:rPr lang="en-US" sz="1000" dirty="0" smtClean="0"/>
+                  <a:t>2         Drug </a:t>
+                </a:r>
+                <a:r>
+                  <a:rPr lang="en-US" sz="1000" dirty="0" smtClean="0"/>
+                  <a:t>1 , Drug2            </a:t>
+                </a:r>
+                <a:r>
+                  <a:rPr lang="en-US" sz="1000" dirty="0" smtClean="0"/>
+                  <a:t>5/29/15</a:t>
+                </a:r>
+                <a:endParaRPr lang="en-US" sz="1000" dirty="0"/>
+              </a:p>
+            </p:txBody>
+          </p:sp>
+          <p:sp>
+            <p:nvSpPr>
+              <p:cNvPr id="17" name="Oval 16"/>
+              <p:cNvSpPr/>
+              <p:nvPr/>
+            </p:nvSpPr>
+            <p:spPr bwMode="auto">
+              <a:xfrm>
+                <a:off x="3139757" y="3770470"/>
+                <a:ext cx="191135" cy="184666"/>
+              </a:xfrm>
+              <a:prstGeom prst="ellipse">
+                <a:avLst/>
+              </a:prstGeom>
               <a:solidFill>
-                <a:schemeClr val="tx1"/>
+                <a:srgbClr val="FFC000"/>
               </a:solidFill>
-              <a:prstDash val="solid"/>
-              <a:round/>
-              <a:headEnd type="none" w="med" len="med"/>
-              <a:tailEnd type="none" w="med" len="med"/>
-            </a:ln>
-            <a:effectLst/>
-          </p:spPr>
-          <p:txBody>
-            <a:bodyPr vert="horz" wrap="square" lIns="91440" tIns="45720" rIns="91440" bIns="45720" numCol="1" rtlCol="0" anchor="t" anchorCtr="0" compatLnSpc="1">
-              <a:prstTxWarp prst="textNoShape">
-                <a:avLst/>
-              </a:prstTxWarp>
-            </a:bodyPr>
-            <a:lstStyle/>
-            <a:p>
-              <a:pPr marL="0" marR="0" indent="0" algn="l" defTabSz="914400" rtl="0" eaLnBrk="0" fontAlgn="base" latinLnBrk="0" hangingPunct="0">
-                <a:lnSpc>
-                  <a:spcPct val="100000"/>
-                </a:lnSpc>
-                <a:spcBef>
-                  <a:spcPct val="0"/>
-                </a:spcBef>
-                <a:spcAft>
-                  <a:spcPct val="0"/>
-                </a:spcAft>
-                <a:buClrTx/>
-                <a:buSzTx/>
-                <a:buFontTx/>
-                <a:buNone/>
-                <a:tabLst/>
-              </a:pPr>
-              <a:endParaRPr kumimoji="0" lang="en-US" sz="2400" b="0" i="0" u="none" strike="noStrike" cap="none" normalizeH="0" baseline="0" smtClean="0">
-                <a:ln>
-                  <a:noFill/>
-                </a:ln>
+              <a:ln w="9525" cap="flat" cmpd="sng" algn="ctr">
                 <a:solidFill>
                   <a:schemeClr val="tx1"/>
                 </a:solidFill>
-                <a:effectLst/>
-                <a:latin typeface="Arial" charset="0"/>
-                <a:ea typeface="ＭＳ Ｐゴシック" pitchFamily="-60" charset="-128"/>
-              </a:endParaRPr>
-            </a:p>
-          </p:txBody>
-        </p:sp>
-      </p:grpSp>
-      <p:grpSp>
-        <p:nvGrpSpPr>
-          <p:cNvPr id="27" name="Group 26"/>
-          <p:cNvGrpSpPr/>
-          <p:nvPr/>
-        </p:nvGrpSpPr>
-        <p:grpSpPr>
-          <a:xfrm>
-            <a:off x="2895600" y="1494234"/>
-            <a:ext cx="2301876" cy="258366"/>
-            <a:chOff x="2965449" y="1841182"/>
-            <a:chExt cx="2301876" cy="258366"/>
-          </a:xfrm>
-        </p:grpSpPr>
+                <a:prstDash val="solid"/>
+                <a:round/>
+                <a:headEnd type="none" w="med" len="med"/>
+                <a:tailEnd type="none" w="med" len="med"/>
+              </a:ln>
+              <a:effectLst/>
+            </p:spPr>
+            <p:txBody>
+              <a:bodyPr vert="horz" wrap="square" lIns="91440" tIns="45720" rIns="91440" bIns="45720" numCol="1" rtlCol="0" anchor="t" anchorCtr="0" compatLnSpc="1">
+                <a:prstTxWarp prst="textNoShape">
+                  <a:avLst/>
+                </a:prstTxWarp>
+              </a:bodyPr>
+              <a:lstStyle/>
+              <a:p>
+                <a:pPr marL="0" marR="0" indent="0" algn="l" defTabSz="914400" rtl="0" eaLnBrk="0" fontAlgn="base" latinLnBrk="0" hangingPunct="0">
+                  <a:lnSpc>
+                    <a:spcPct val="100000"/>
+                  </a:lnSpc>
+                  <a:spcBef>
+                    <a:spcPct val="0"/>
+                  </a:spcBef>
+                  <a:spcAft>
+                    <a:spcPct val="0"/>
+                  </a:spcAft>
+                  <a:buClrTx/>
+                  <a:buSzTx/>
+                  <a:buFontTx/>
+                  <a:buNone/>
+                  <a:tabLst/>
+                </a:pPr>
+                <a:endParaRPr kumimoji="0" lang="en-US" sz="2400" b="0" i="0" u="none" strike="noStrike" cap="none" normalizeH="0" baseline="0" smtClean="0">
+                  <a:ln>
+                    <a:noFill/>
+                  </a:ln>
+                  <a:solidFill>
+                    <a:schemeClr val="tx1"/>
+                  </a:solidFill>
+                  <a:effectLst/>
+                  <a:latin typeface="Arial" charset="0"/>
+                  <a:ea typeface="ＭＳ Ｐゴシック" pitchFamily="-60" charset="-128"/>
+                </a:endParaRPr>
+              </a:p>
+            </p:txBody>
+          </p:sp>
+        </p:grpSp>
         <p:sp>
           <p:nvSpPr>
             <p:cNvPr id="6" name="Rectangle 5"/>
@@ -5526,8 +5627,8 @@
           </p:nvSpPr>
           <p:spPr bwMode="auto">
             <a:xfrm>
-              <a:off x="2965449" y="1862852"/>
-              <a:ext cx="1504950" cy="236696"/>
+              <a:off x="2891314" y="1277779"/>
+              <a:ext cx="2366486" cy="253738"/>
             </a:xfrm>
             <a:prstGeom prst="rect">
               <a:avLst/>
@@ -5592,8 +5693,8 @@
           </p:nvSpPr>
           <p:spPr>
             <a:xfrm>
-              <a:off x="2965449" y="1841182"/>
-              <a:ext cx="1624172" cy="246221"/>
+              <a:off x="2819400" y="1277779"/>
+              <a:ext cx="2220436" cy="246221"/>
             </a:xfrm>
             <a:prstGeom prst="rect">
               <a:avLst/>
@@ -5622,8 +5723,8 @@
           </p:nvSpPr>
           <p:spPr bwMode="auto">
             <a:xfrm>
-              <a:off x="4589621" y="1862852"/>
-              <a:ext cx="677704" cy="224551"/>
+              <a:off x="2895600" y="1647298"/>
+              <a:ext cx="677704" cy="323510"/>
             </a:xfrm>
             <a:prstGeom prst="roundRect">
               <a:avLst/>
@@ -5685,61 +5786,361 @@
             </a:p>
           </p:txBody>
         </p:sp>
-      </p:grpSp>
-      <p:sp>
-        <p:nvSpPr>
-          <p:cNvPr id="19" name="Rectangle 18"/>
-          <p:cNvSpPr/>
-          <p:nvPr/>
-        </p:nvSpPr>
-        <p:spPr bwMode="auto">
-          <a:xfrm>
-            <a:off x="3047998" y="4914900"/>
-            <a:ext cx="3117849" cy="190500"/>
-          </a:xfrm>
-          <a:prstGeom prst="rect">
-            <a:avLst/>
-          </a:prstGeom>
-          <a:solidFill>
-            <a:schemeClr val="accent1"/>
-          </a:solidFill>
-          <a:ln w="9525" cap="flat" cmpd="sng" algn="ctr">
+        <p:sp>
+          <p:nvSpPr>
+            <p:cNvPr id="19" name="Rectangle 18"/>
+            <p:cNvSpPr/>
+            <p:nvPr/>
+          </p:nvSpPr>
+          <p:spPr bwMode="auto">
+            <a:xfrm>
+              <a:off x="1981200" y="4933270"/>
+              <a:ext cx="4038600" cy="172130"/>
+            </a:xfrm>
+            <a:prstGeom prst="rect">
+              <a:avLst/>
+            </a:prstGeom>
             <a:solidFill>
-              <a:schemeClr val="tx1"/>
+              <a:schemeClr val="accent1"/>
             </a:solidFill>
-            <a:prstDash val="solid"/>
-            <a:round/>
-            <a:headEnd type="none" w="med" len="med"/>
-            <a:tailEnd type="none" w="med" len="med"/>
-          </a:ln>
-          <a:effectLst/>
-        </p:spPr>
-        <p:txBody>
-          <a:bodyPr vert="horz" wrap="square" lIns="91440" tIns="45720" rIns="91440" bIns="45720" numCol="1" rtlCol="0" anchor="t" anchorCtr="0" compatLnSpc="1">
-            <a:prstTxWarp prst="textNoShape">
+            <a:ln w="9525" cap="flat" cmpd="sng" algn="ctr">
+              <a:solidFill>
+                <a:schemeClr val="tx1"/>
+              </a:solidFill>
+              <a:prstDash val="solid"/>
+              <a:round/>
+              <a:headEnd type="none" w="med" len="med"/>
+              <a:tailEnd type="none" w="med" len="med"/>
+            </a:ln>
+            <a:effectLst/>
+          </p:spPr>
+          <p:txBody>
+            <a:bodyPr vert="horz" wrap="square" lIns="91440" tIns="45720" rIns="91440" bIns="45720" numCol="1" rtlCol="0" anchor="t" anchorCtr="0" compatLnSpc="1">
+              <a:prstTxWarp prst="textNoShape">
+                <a:avLst/>
+              </a:prstTxWarp>
+            </a:bodyPr>
+            <a:lstStyle/>
+            <a:p>
+              <a:pPr marL="0" marR="0" indent="0" algn="l" defTabSz="914400" rtl="0" eaLnBrk="0" fontAlgn="base" latinLnBrk="0" hangingPunct="0">
+                <a:lnSpc>
+                  <a:spcPct val="100000"/>
+                </a:lnSpc>
+                <a:spcBef>
+                  <a:spcPct val="0"/>
+                </a:spcBef>
+                <a:spcAft>
+                  <a:spcPct val="0"/>
+                </a:spcAft>
+                <a:buClrTx/>
+                <a:buSzTx/>
+                <a:buFontTx/>
+                <a:buNone/>
+                <a:tabLst/>
+              </a:pPr>
+              <a:r>
+                <a:rPr kumimoji="0" lang="en-US" sz="1100" b="0" i="0" u="none" strike="noStrike" cap="none" normalizeH="0" baseline="0" dirty="0" smtClean="0">
+                  <a:ln>
+                    <a:noFill/>
+                  </a:ln>
+                  <a:solidFill>
+                    <a:schemeClr val="tx1"/>
+                  </a:solidFill>
+                  <a:effectLst/>
+                  <a:latin typeface="Arial" charset="0"/>
+                  <a:ea typeface="ＭＳ Ｐゴシック" pitchFamily="-60" charset="-128"/>
+                </a:rPr>
+                <a:t>Pagination</a:t>
+              </a:r>
+            </a:p>
+          </p:txBody>
+        </p:sp>
+        <p:sp>
+          <p:nvSpPr>
+            <p:cNvPr id="21" name="Rectangle 20"/>
+            <p:cNvSpPr/>
+            <p:nvPr/>
+          </p:nvSpPr>
+          <p:spPr bwMode="auto">
+            <a:xfrm>
+              <a:off x="1457325" y="609600"/>
+              <a:ext cx="5095875" cy="503720"/>
+            </a:xfrm>
+            <a:prstGeom prst="rect">
               <a:avLst/>
-            </a:prstTxWarp>
-          </a:bodyPr>
-          <a:lstStyle/>
-          <a:p>
-            <a:pPr marL="0" marR="0" indent="0" algn="l" defTabSz="914400" rtl="0" eaLnBrk="0" fontAlgn="base" latinLnBrk="0" hangingPunct="0">
-              <a:lnSpc>
-                <a:spcPct val="100000"/>
-              </a:lnSpc>
-              <a:spcBef>
-                <a:spcPct val="0"/>
-              </a:spcBef>
-              <a:spcAft>
-                <a:spcPct val="0"/>
-              </a:spcAft>
-              <a:buClrTx/>
-              <a:buSzTx/>
-              <a:buFontTx/>
-              <a:buNone/>
-              <a:tabLst/>
-            </a:pPr>
-            <a:r>
-              <a:rPr kumimoji="0" lang="en-US" sz="1100" b="0" i="0" u="none" strike="noStrike" cap="none" normalizeH="0" baseline="0" dirty="0" smtClean="0">
+            </a:prstGeom>
+            <a:solidFill>
+              <a:schemeClr val="bg1">
+                <a:lumMod val="95000"/>
+              </a:schemeClr>
+            </a:solidFill>
+            <a:ln w="9525" cap="flat" cmpd="sng" algn="ctr">
+              <a:solidFill>
+                <a:schemeClr val="tx1"/>
+              </a:solidFill>
+              <a:prstDash val="solid"/>
+              <a:round/>
+              <a:headEnd type="none" w="med" len="med"/>
+              <a:tailEnd type="none" w="med" len="med"/>
+            </a:ln>
+            <a:effectLst/>
+          </p:spPr>
+          <p:txBody>
+            <a:bodyPr vert="horz" wrap="square" lIns="91440" tIns="45720" rIns="91440" bIns="45720" numCol="1" rtlCol="0" anchor="t" anchorCtr="0" compatLnSpc="1">
+              <a:prstTxWarp prst="textNoShape">
+                <a:avLst/>
+              </a:prstTxWarp>
+            </a:bodyPr>
+            <a:lstStyle/>
+            <a:p>
+              <a:pPr marL="0" marR="0" indent="0" algn="l" defTabSz="914400" rtl="0" eaLnBrk="0" fontAlgn="base" latinLnBrk="0" hangingPunct="0">
+                <a:lnSpc>
+                  <a:spcPct val="100000"/>
+                </a:lnSpc>
+                <a:spcBef>
+                  <a:spcPct val="0"/>
+                </a:spcBef>
+                <a:spcAft>
+                  <a:spcPct val="0"/>
+                </a:spcAft>
+                <a:buClrTx/>
+                <a:buSzTx/>
+                <a:buFontTx/>
+                <a:buNone/>
+                <a:tabLst/>
+              </a:pPr>
+              <a:endParaRPr kumimoji="0" lang="en-US" sz="2400" b="0" i="0" u="none" strike="noStrike" cap="none" normalizeH="0" baseline="0" smtClean="0">
+                <a:ln>
+                  <a:noFill/>
+                </a:ln>
+                <a:solidFill>
+                  <a:schemeClr val="bg1">
+                    <a:lumMod val="85000"/>
+                  </a:schemeClr>
+                </a:solidFill>
+                <a:effectLst/>
+                <a:latin typeface="Arial" charset="0"/>
+                <a:ea typeface="ＭＳ Ｐゴシック" pitchFamily="-60" charset="-128"/>
+              </a:endParaRPr>
+            </a:p>
+          </p:txBody>
+        </p:sp>
+        <p:sp>
+          <p:nvSpPr>
+            <p:cNvPr id="8" name="TextBox 7"/>
+            <p:cNvSpPr txBox="1"/>
+            <p:nvPr/>
+          </p:nvSpPr>
+          <p:spPr>
+            <a:xfrm>
+              <a:off x="1524000" y="759023"/>
+              <a:ext cx="3294741" cy="307777"/>
+            </a:xfrm>
+            <a:prstGeom prst="rect">
+              <a:avLst/>
+            </a:prstGeom>
+            <a:solidFill>
+              <a:schemeClr val="bg1">
+                <a:lumMod val="95000"/>
+              </a:schemeClr>
+            </a:solidFill>
+          </p:spPr>
+          <p:txBody>
+            <a:bodyPr wrap="square" rtlCol="0">
+              <a:spAutoFit/>
+            </a:bodyPr>
+            <a:lstStyle/>
+            <a:p>
+              <a:r>
+                <a:rPr lang="en-US" sz="1400" dirty="0" smtClean="0"/>
+                <a:t>Drug Recall </a:t>
+              </a:r>
+              <a:r>
+                <a:rPr lang="en-US" sz="1400" dirty="0" smtClean="0"/>
+                <a:t>Information Center</a:t>
+              </a:r>
+              <a:endParaRPr lang="en-US" sz="1400" dirty="0"/>
+            </a:p>
+          </p:txBody>
+        </p:sp>
+        <p:grpSp>
+          <p:nvGrpSpPr>
+            <p:cNvPr id="25" name="Group 24"/>
+            <p:cNvGrpSpPr/>
+            <p:nvPr/>
+          </p:nvGrpSpPr>
+          <p:grpSpPr>
+            <a:xfrm>
+              <a:off x="2971800" y="5334000"/>
+              <a:ext cx="2139951" cy="380999"/>
+              <a:chOff x="2965449" y="5334000"/>
+              <a:chExt cx="2139951" cy="380999"/>
+            </a:xfrm>
+          </p:grpSpPr>
+          <p:sp>
+            <p:nvSpPr>
+              <p:cNvPr id="23" name="TextBox 22"/>
+              <p:cNvSpPr txBox="1"/>
+              <p:nvPr/>
+            </p:nvSpPr>
+            <p:spPr>
+              <a:xfrm>
+                <a:off x="3057842" y="5392579"/>
+                <a:ext cx="1515903" cy="246221"/>
+              </a:xfrm>
+              <a:prstGeom prst="rect">
+                <a:avLst/>
+              </a:prstGeom>
+              <a:noFill/>
+            </p:spPr>
+            <p:txBody>
+              <a:bodyPr wrap="square" rtlCol="0">
+                <a:spAutoFit/>
+              </a:bodyPr>
+              <a:lstStyle/>
+              <a:p>
+                <a:r>
+                  <a:rPr lang="en-US" sz="1000" dirty="0" smtClean="0"/>
+                  <a:t>Developed by</a:t>
+                </a:r>
+                <a:endParaRPr lang="en-US" sz="1000" dirty="0"/>
+              </a:p>
+            </p:txBody>
+          </p:sp>
+          <p:sp>
+            <p:nvSpPr>
+              <p:cNvPr id="24" name="Rectangle 23"/>
+              <p:cNvSpPr/>
+              <p:nvPr/>
+            </p:nvSpPr>
+            <p:spPr bwMode="auto">
+              <a:xfrm>
+                <a:off x="2965449" y="5334000"/>
+                <a:ext cx="2139951" cy="380999"/>
+              </a:xfrm>
+              <a:prstGeom prst="rect">
+                <a:avLst/>
+              </a:prstGeom>
+              <a:noFill/>
+              <a:ln w="9525" cap="flat" cmpd="sng" algn="ctr">
+                <a:solidFill>
+                  <a:schemeClr val="tx1"/>
+                </a:solidFill>
+                <a:prstDash val="solid"/>
+                <a:round/>
+                <a:headEnd type="none" w="med" len="med"/>
+                <a:tailEnd type="none" w="med" len="med"/>
+              </a:ln>
+              <a:effectLst/>
+            </p:spPr>
+            <p:txBody>
+              <a:bodyPr vert="horz" wrap="square" lIns="91440" tIns="45720" rIns="91440" bIns="45720" numCol="1" rtlCol="0" anchor="t" anchorCtr="0" compatLnSpc="1">
+                <a:prstTxWarp prst="textNoShape">
+                  <a:avLst/>
+                </a:prstTxWarp>
+              </a:bodyPr>
+              <a:lstStyle/>
+              <a:p>
+                <a:pPr marL="0" marR="0" indent="0" algn="l" defTabSz="914400" rtl="0" eaLnBrk="0" fontAlgn="base" latinLnBrk="0" hangingPunct="0">
+                  <a:lnSpc>
+                    <a:spcPct val="100000"/>
+                  </a:lnSpc>
+                  <a:spcBef>
+                    <a:spcPct val="0"/>
+                  </a:spcBef>
+                  <a:spcAft>
+                    <a:spcPct val="0"/>
+                  </a:spcAft>
+                  <a:buClrTx/>
+                  <a:buSzTx/>
+                  <a:buFontTx/>
+                  <a:buNone/>
+                  <a:tabLst/>
+                </a:pPr>
+                <a:endParaRPr kumimoji="0" lang="en-US" sz="2400" b="0" i="0" u="none" strike="noStrike" cap="none" normalizeH="0" baseline="0" smtClean="0">
+                  <a:ln>
+                    <a:noFill/>
+                  </a:ln>
+                  <a:solidFill>
+                    <a:schemeClr val="tx1"/>
+                  </a:solidFill>
+                  <a:effectLst/>
+                  <a:latin typeface="Arial" charset="0"/>
+                  <a:ea typeface="ＭＳ Ｐゴシック" pitchFamily="-60" charset="-128"/>
+                </a:endParaRPr>
+              </a:p>
+            </p:txBody>
+          </p:sp>
+        </p:grpSp>
+        <p:sp>
+          <p:nvSpPr>
+            <p:cNvPr id="39" name="Rounded Rectangle 38"/>
+            <p:cNvSpPr/>
+            <p:nvPr/>
+          </p:nvSpPr>
+          <p:spPr bwMode="auto">
+            <a:xfrm>
+              <a:off x="3661648" y="1647298"/>
+              <a:ext cx="830104" cy="338482"/>
+            </a:xfrm>
+            <a:prstGeom prst="roundRect">
+              <a:avLst/>
+            </a:prstGeom>
+            <a:solidFill>
+              <a:schemeClr val="accent3">
+                <a:lumMod val="85000"/>
+              </a:schemeClr>
+            </a:solidFill>
+            <a:ln w="9525" cap="flat" cmpd="sng" algn="ctr">
+              <a:solidFill>
+                <a:schemeClr val="tx1"/>
+              </a:solidFill>
+              <a:prstDash val="solid"/>
+              <a:round/>
+              <a:headEnd type="none" w="med" len="med"/>
+              <a:tailEnd type="none" w="med" len="med"/>
+            </a:ln>
+            <a:effectLst/>
+          </p:spPr>
+          <p:txBody>
+            <a:bodyPr vert="horz" wrap="square" lIns="91440" tIns="45720" rIns="91440" bIns="45720" numCol="1" rtlCol="0" anchor="t" anchorCtr="0" compatLnSpc="1">
+              <a:prstTxWarp prst="textNoShape">
+                <a:avLst/>
+              </a:prstTxWarp>
+            </a:bodyPr>
+            <a:lstStyle/>
+            <a:p>
+              <a:pPr marL="0" marR="0" indent="0" algn="ctr" defTabSz="914400" rtl="0" eaLnBrk="0" fontAlgn="base" latinLnBrk="0" hangingPunct="0">
+                <a:lnSpc>
+                  <a:spcPct val="100000"/>
+                </a:lnSpc>
+                <a:spcBef>
+                  <a:spcPct val="0"/>
+                </a:spcBef>
+                <a:spcAft>
+                  <a:spcPct val="0"/>
+                </a:spcAft>
+                <a:buClrTx/>
+                <a:buSzTx/>
+                <a:buFontTx/>
+                <a:buNone/>
+                <a:tabLst/>
+              </a:pPr>
+              <a:r>
+                <a:rPr kumimoji="0" lang="en-US" sz="1000" b="0" i="0" u="none" strike="noStrike" cap="none" normalizeH="0" baseline="0" dirty="0" smtClean="0">
+                  <a:ln>
+                    <a:noFill/>
+                  </a:ln>
+                  <a:solidFill>
+                    <a:schemeClr val="tx1"/>
+                  </a:solidFill>
+                  <a:effectLst/>
+                  <a:latin typeface="Arial" charset="0"/>
+                  <a:ea typeface="ＭＳ Ｐゴシック" pitchFamily="-60" charset="-128"/>
+                </a:rPr>
+                <a:t>Advanced Search</a:t>
+              </a:r>
+              <a:endParaRPr kumimoji="0" lang="en-US" sz="1000" b="0" i="0" u="none" strike="noStrike" cap="none" normalizeH="0" baseline="0" dirty="0" smtClean="0">
                 <a:ln>
                   <a:noFill/>
                 </a:ln>
@@ -5749,140 +6150,274 @@
                 <a:effectLst/>
                 <a:latin typeface="Arial" charset="0"/>
                 <a:ea typeface="ＭＳ Ｐゴシック" pitchFamily="-60" charset="-128"/>
-              </a:rPr>
-              <a:t>Pagination</a:t>
-            </a:r>
-          </a:p>
-        </p:txBody>
-      </p:sp>
-      <p:sp>
-        <p:nvSpPr>
-          <p:cNvPr id="21" name="Rectangle 20"/>
-          <p:cNvSpPr/>
-          <p:nvPr/>
-        </p:nvSpPr>
-        <p:spPr bwMode="auto">
-          <a:xfrm>
-            <a:off x="1457325" y="609600"/>
-            <a:ext cx="5095875" cy="503720"/>
-          </a:xfrm>
-          <a:prstGeom prst="rect">
-            <a:avLst/>
-          </a:prstGeom>
-          <a:solidFill>
-            <a:schemeClr val="bg1">
-              <a:lumMod val="95000"/>
-            </a:schemeClr>
-          </a:solidFill>
-          <a:ln w="9525" cap="flat" cmpd="sng" algn="ctr">
-            <a:solidFill>
-              <a:schemeClr val="tx1"/>
-            </a:solidFill>
-            <a:prstDash val="solid"/>
-            <a:round/>
-            <a:headEnd type="none" w="med" len="med"/>
-            <a:tailEnd type="none" w="med" len="med"/>
-          </a:ln>
-          <a:effectLst/>
-        </p:spPr>
-        <p:txBody>
-          <a:bodyPr vert="horz" wrap="square" lIns="91440" tIns="45720" rIns="91440" bIns="45720" numCol="1" rtlCol="0" anchor="t" anchorCtr="0" compatLnSpc="1">
-            <a:prstTxWarp prst="textNoShape">
-              <a:avLst/>
-            </a:prstTxWarp>
-          </a:bodyPr>
-          <a:lstStyle/>
-          <a:p>
-            <a:pPr marL="0" marR="0" indent="0" algn="l" defTabSz="914400" rtl="0" eaLnBrk="0" fontAlgn="base" latinLnBrk="0" hangingPunct="0">
-              <a:lnSpc>
-                <a:spcPct val="100000"/>
-              </a:lnSpc>
-              <a:spcBef>
-                <a:spcPct val="0"/>
-              </a:spcBef>
-              <a:spcAft>
-                <a:spcPct val="0"/>
-              </a:spcAft>
-              <a:buClrTx/>
-              <a:buSzTx/>
-              <a:buFontTx/>
-              <a:buNone/>
-              <a:tabLst/>
-            </a:pPr>
-            <a:endParaRPr kumimoji="0" lang="en-US" sz="2400" b="0" i="0" u="none" strike="noStrike" cap="none" normalizeH="0" baseline="0" smtClean="0">
-              <a:ln>
-                <a:noFill/>
-              </a:ln>
-              <a:solidFill>
-                <a:schemeClr val="bg1">
-                  <a:lumMod val="85000"/>
-                </a:schemeClr>
-              </a:solidFill>
-              <a:effectLst/>
-              <a:latin typeface="Arial" charset="0"/>
-              <a:ea typeface="ＭＳ Ｐゴシック" pitchFamily="-60" charset="-128"/>
-            </a:endParaRPr>
-          </a:p>
-        </p:txBody>
-      </p:sp>
-      <p:sp>
-        <p:nvSpPr>
-          <p:cNvPr id="8" name="TextBox 7"/>
-          <p:cNvSpPr txBox="1"/>
-          <p:nvPr/>
-        </p:nvSpPr>
-        <p:spPr>
-          <a:xfrm>
-            <a:off x="1524000" y="759023"/>
-            <a:ext cx="3294741" cy="307777"/>
-          </a:xfrm>
-          <a:prstGeom prst="rect">
-            <a:avLst/>
-          </a:prstGeom>
-          <a:solidFill>
-            <a:schemeClr val="bg1">
-              <a:lumMod val="95000"/>
-            </a:schemeClr>
-          </a:solidFill>
-        </p:spPr>
-        <p:txBody>
-          <a:bodyPr wrap="square" rtlCol="0">
-            <a:spAutoFit/>
-          </a:bodyPr>
-          <a:lstStyle/>
-          <a:p>
-            <a:r>
-              <a:rPr lang="en-US" sz="1400" dirty="0" smtClean="0"/>
-              <a:t>Drug Recall Information Center</a:t>
-            </a:r>
-            <a:endParaRPr lang="en-US" sz="1400" dirty="0"/>
-          </a:p>
-        </p:txBody>
-      </p:sp>
-      <p:grpSp>
-        <p:nvGrpSpPr>
-          <p:cNvPr id="25" name="Group 24"/>
-          <p:cNvGrpSpPr/>
-          <p:nvPr/>
-        </p:nvGrpSpPr>
-        <p:grpSpPr>
-          <a:xfrm>
-            <a:off x="2971800" y="5562600"/>
-            <a:ext cx="2597151" cy="380999"/>
-            <a:chOff x="2965449" y="5562600"/>
-            <a:chExt cx="2597151" cy="380999"/>
-          </a:xfrm>
-        </p:grpSpPr>
+              </a:endParaRPr>
+            </a:p>
+          </p:txBody>
+        </p:sp>
         <p:sp>
           <p:nvSpPr>
-            <p:cNvPr id="23" name="TextBox 22"/>
+            <p:cNvPr id="40" name="Rounded Rectangle 39"/>
+            <p:cNvSpPr/>
+            <p:nvPr/>
+          </p:nvSpPr>
+          <p:spPr bwMode="auto">
+            <a:xfrm>
+              <a:off x="4580096" y="1657690"/>
+              <a:ext cx="677704" cy="323510"/>
+            </a:xfrm>
+            <a:prstGeom prst="roundRect">
+              <a:avLst/>
+            </a:prstGeom>
+            <a:solidFill>
+              <a:schemeClr val="accent3">
+                <a:lumMod val="85000"/>
+              </a:schemeClr>
+            </a:solidFill>
+            <a:ln w="9525" cap="flat" cmpd="sng" algn="ctr">
+              <a:solidFill>
+                <a:schemeClr val="tx1"/>
+              </a:solidFill>
+              <a:prstDash val="solid"/>
+              <a:round/>
+              <a:headEnd type="none" w="med" len="med"/>
+              <a:tailEnd type="none" w="med" len="med"/>
+            </a:ln>
+            <a:effectLst/>
+          </p:spPr>
+          <p:txBody>
+            <a:bodyPr vert="horz" wrap="square" lIns="91440" tIns="45720" rIns="91440" bIns="45720" numCol="1" rtlCol="0" anchor="t" anchorCtr="0" compatLnSpc="1">
+              <a:prstTxWarp prst="textNoShape">
+                <a:avLst/>
+              </a:prstTxWarp>
+            </a:bodyPr>
+            <a:lstStyle/>
+            <a:p>
+              <a:pPr marL="0" marR="0" indent="0" algn="ctr" defTabSz="914400" rtl="0" eaLnBrk="0" fontAlgn="base" latinLnBrk="0" hangingPunct="0">
+                <a:lnSpc>
+                  <a:spcPct val="100000"/>
+                </a:lnSpc>
+                <a:spcBef>
+                  <a:spcPct val="0"/>
+                </a:spcBef>
+                <a:spcAft>
+                  <a:spcPct val="0"/>
+                </a:spcAft>
+                <a:buClrTx/>
+                <a:buSzTx/>
+                <a:buFontTx/>
+                <a:buNone/>
+                <a:tabLst/>
+              </a:pPr>
+              <a:r>
+                <a:rPr kumimoji="0" lang="en-US" sz="1000" b="0" i="0" u="none" strike="noStrike" cap="none" normalizeH="0" baseline="0" dirty="0" smtClean="0">
+                  <a:ln>
+                    <a:noFill/>
+                  </a:ln>
+                  <a:solidFill>
+                    <a:schemeClr val="tx1"/>
+                  </a:solidFill>
+                  <a:effectLst/>
+                  <a:latin typeface="Arial" charset="0"/>
+                  <a:ea typeface="ＭＳ Ｐゴシック" pitchFamily="-60" charset="-128"/>
+                </a:rPr>
+                <a:t>Clear</a:t>
+              </a:r>
+              <a:endParaRPr kumimoji="0" lang="en-US" sz="1000" b="0" i="0" u="none" strike="noStrike" cap="none" normalizeH="0" baseline="0" dirty="0" smtClean="0">
+                <a:ln>
+                  <a:noFill/>
+                </a:ln>
+                <a:solidFill>
+                  <a:schemeClr val="tx1"/>
+                </a:solidFill>
+                <a:effectLst/>
+                <a:latin typeface="Arial" charset="0"/>
+                <a:ea typeface="ＭＳ Ｐゴシック" pitchFamily="-60" charset="-128"/>
+              </a:endParaRPr>
+            </a:p>
+          </p:txBody>
+        </p:sp>
+        <p:grpSp>
+          <p:nvGrpSpPr>
+            <p:cNvPr id="22" name="Group 21"/>
+            <p:cNvGrpSpPr/>
+            <p:nvPr/>
+          </p:nvGrpSpPr>
+          <p:grpSpPr>
+            <a:xfrm>
+              <a:off x="1993902" y="2943998"/>
+              <a:ext cx="4171947" cy="394318"/>
+              <a:chOff x="1993902" y="2943998"/>
+              <a:chExt cx="4171947" cy="394318"/>
+            </a:xfrm>
+          </p:grpSpPr>
+          <p:grpSp>
+            <p:nvGrpSpPr>
+              <p:cNvPr id="28" name="Group 27"/>
+              <p:cNvGrpSpPr/>
+              <p:nvPr/>
+            </p:nvGrpSpPr>
+            <p:grpSpPr>
+              <a:xfrm>
+                <a:off x="1993902" y="2943998"/>
+                <a:ext cx="4171947" cy="246221"/>
+                <a:chOff x="2117469" y="2773977"/>
+                <a:chExt cx="3724531" cy="246221"/>
+              </a:xfrm>
+            </p:grpSpPr>
+            <p:sp>
+              <p:nvSpPr>
+                <p:cNvPr id="11" name="TextBox 10"/>
+                <p:cNvSpPr txBox="1"/>
+                <p:nvPr/>
+              </p:nvSpPr>
+              <p:spPr>
+                <a:xfrm>
+                  <a:off x="2117469" y="2773977"/>
+                  <a:ext cx="3724531" cy="246221"/>
+                </a:xfrm>
+                <a:prstGeom prst="rect">
+                  <a:avLst/>
+                </a:prstGeom>
+                <a:noFill/>
+              </p:spPr>
+              <p:txBody>
+                <a:bodyPr wrap="square" rtlCol="0">
+                  <a:spAutoFit/>
+                </a:bodyPr>
+                <a:lstStyle/>
+                <a:p>
+                  <a:r>
+                    <a:rPr lang="en-US" sz="1000" u="sng" dirty="0" smtClean="0">
+                      <a:solidFill>
+                        <a:srgbClr val="0070C0"/>
+                      </a:solidFill>
+                    </a:rPr>
+                    <a:t>D-123-0981 </a:t>
+                  </a:r>
+                  <a:r>
+                    <a:rPr lang="en-US" sz="1000" dirty="0" smtClean="0"/>
+                    <a:t>                   Class </a:t>
+                  </a:r>
+                  <a:r>
+                    <a:rPr lang="en-US" sz="1000" dirty="0" smtClean="0"/>
+                    <a:t>1         Drug </a:t>
+                  </a:r>
+                  <a:r>
+                    <a:rPr lang="en-US" sz="1000" dirty="0" smtClean="0"/>
+                    <a:t>1 , Drug 2          5/29/15</a:t>
+                  </a:r>
+                  <a:endParaRPr lang="en-US" sz="1000" dirty="0"/>
+                </a:p>
+              </p:txBody>
+            </p:sp>
+            <p:sp>
+              <p:nvSpPr>
+                <p:cNvPr id="12" name="Oval 11"/>
+                <p:cNvSpPr/>
+                <p:nvPr/>
+              </p:nvSpPr>
+              <p:spPr bwMode="auto">
+                <a:xfrm>
+                  <a:off x="3146107" y="2773977"/>
+                  <a:ext cx="191135" cy="184666"/>
+                </a:xfrm>
+                <a:prstGeom prst="ellipse">
+                  <a:avLst/>
+                </a:prstGeom>
+                <a:solidFill>
+                  <a:srgbClr val="FFFF00"/>
+                </a:solidFill>
+                <a:ln w="9525" cap="flat" cmpd="sng" algn="ctr">
+                  <a:solidFill>
+                    <a:schemeClr val="tx1"/>
+                  </a:solidFill>
+                  <a:prstDash val="solid"/>
+                  <a:round/>
+                  <a:headEnd type="none" w="med" len="med"/>
+                  <a:tailEnd type="none" w="med" len="med"/>
+                </a:ln>
+                <a:effectLst/>
+              </p:spPr>
+              <p:txBody>
+                <a:bodyPr vert="horz" wrap="square" lIns="91440" tIns="45720" rIns="91440" bIns="45720" numCol="1" rtlCol="0" anchor="t" anchorCtr="0" compatLnSpc="1">
+                  <a:prstTxWarp prst="textNoShape">
+                    <a:avLst/>
+                  </a:prstTxWarp>
+                </a:bodyPr>
+                <a:lstStyle/>
+                <a:p>
+                  <a:pPr marL="0" marR="0" indent="0" algn="l" defTabSz="914400" rtl="0" eaLnBrk="0" fontAlgn="base" latinLnBrk="0" hangingPunct="0">
+                    <a:lnSpc>
+                      <a:spcPct val="100000"/>
+                    </a:lnSpc>
+                    <a:spcBef>
+                      <a:spcPct val="0"/>
+                    </a:spcBef>
+                    <a:spcAft>
+                      <a:spcPct val="0"/>
+                    </a:spcAft>
+                    <a:buClrTx/>
+                    <a:buSzTx/>
+                    <a:buFontTx/>
+                    <a:buNone/>
+                    <a:tabLst/>
+                  </a:pPr>
+                  <a:endParaRPr kumimoji="0" lang="en-US" sz="2400" b="0" i="0" u="none" strike="noStrike" cap="none" normalizeH="0" baseline="0" smtClean="0">
+                    <a:ln>
+                      <a:noFill/>
+                    </a:ln>
+                    <a:solidFill>
+                      <a:schemeClr val="tx1"/>
+                    </a:solidFill>
+                    <a:effectLst/>
+                    <a:latin typeface="Arial" charset="0"/>
+                    <a:ea typeface="ＭＳ Ｐゴシック" pitchFamily="-60" charset="-128"/>
+                  </a:endParaRPr>
+                </a:p>
+              </p:txBody>
+            </p:sp>
+          </p:grpSp>
+          <p:sp>
+            <p:nvSpPr>
+              <p:cNvPr id="41" name="TextBox 40"/>
+              <p:cNvSpPr txBox="1"/>
+              <p:nvPr/>
+            </p:nvSpPr>
+            <p:spPr>
+              <a:xfrm>
+                <a:off x="3314700" y="3092095"/>
+                <a:ext cx="2805647" cy="246221"/>
+              </a:xfrm>
+              <a:prstGeom prst="rect">
+                <a:avLst/>
+              </a:prstGeom>
+              <a:noFill/>
+            </p:spPr>
+            <p:txBody>
+              <a:bodyPr wrap="square" rtlCol="0">
+                <a:spAutoFit/>
+              </a:bodyPr>
+              <a:lstStyle/>
+              <a:p>
+                <a:r>
+                  <a:rPr lang="en-US" sz="1000" dirty="0" smtClean="0"/>
+                  <a:t>                      Drug 3 , Drug 4</a:t>
+                </a:r>
+                <a:endParaRPr lang="en-US" sz="1000" dirty="0"/>
+              </a:p>
+            </p:txBody>
+          </p:sp>
+        </p:grpSp>
+        <p:sp>
+          <p:nvSpPr>
+            <p:cNvPr id="55" name="TextBox 54"/>
             <p:cNvSpPr txBox="1"/>
             <p:nvPr/>
           </p:nvSpPr>
           <p:spPr>
             <a:xfrm>
-              <a:off x="3057842" y="5621179"/>
-              <a:ext cx="2504758" cy="246221"/>
+              <a:off x="2143451" y="4267200"/>
+              <a:ext cx="719492" cy="666070"/>
             </a:xfrm>
             <a:prstGeom prst="rect">
               <a:avLst/>
@@ -5890,29 +6425,275 @@
             <a:noFill/>
           </p:spPr>
           <p:txBody>
-            <a:bodyPr wrap="square" rtlCol="0">
+            <a:bodyPr vert="wordArtVert" wrap="square" rtlCol="0">
               <a:spAutoFit/>
             </a:bodyPr>
             <a:lstStyle/>
             <a:p>
               <a:r>
-                <a:rPr lang="en-US" sz="1000" dirty="0" smtClean="0"/>
-                <a:t>Developed by</a:t>
+                <a:rPr lang="en-US" sz="3200" dirty="0" smtClean="0"/>
+                <a:t>…</a:t>
               </a:r>
-              <a:endParaRPr lang="en-US" sz="1000" dirty="0"/>
             </a:p>
           </p:txBody>
         </p:sp>
+      </p:grpSp>
+      <p:sp>
+        <p:nvSpPr>
+          <p:cNvPr id="60" name="TextBox 59"/>
+          <p:cNvSpPr txBox="1"/>
+          <p:nvPr/>
+        </p:nvSpPr>
+        <p:spPr>
+          <a:xfrm>
+            <a:off x="2362200" y="304800"/>
+            <a:ext cx="4724400" cy="338554"/>
+          </a:xfrm>
+          <a:prstGeom prst="rect">
+            <a:avLst/>
+          </a:prstGeom>
+          <a:noFill/>
+        </p:spPr>
+        <p:txBody>
+          <a:bodyPr wrap="square" rtlCol="0">
+            <a:spAutoFit/>
+          </a:bodyPr>
+          <a:lstStyle/>
+          <a:p>
+            <a:pPr algn="ctr"/>
+            <a:r>
+              <a:rPr lang="en-US" sz="1600" b="1" dirty="0" smtClean="0"/>
+              <a:t>DRIC Home Page</a:t>
+            </a:r>
+            <a:endParaRPr lang="en-US" sz="1600" b="1" dirty="0"/>
+          </a:p>
+        </p:txBody>
+      </p:sp>
+    </p:spTree>
+    <p:extLst>
+      <p:ext uri="{BB962C8B-B14F-4D97-AF65-F5344CB8AC3E}">
+        <p14:creationId xmlns:p14="http://schemas.microsoft.com/office/powerpoint/2010/main" val="3189162478"/>
+      </p:ext>
+    </p:extLst>
+  </p:cSld>
+  <p:clrMapOvr>
+    <a:masterClrMapping/>
+  </p:clrMapOvr>
+  <p:timing>
+    <p:tnLst>
+      <p:par>
+        <p:cTn id="1" dur="indefinite" restart="never" nodeType="tmRoot"/>
+      </p:par>
+    </p:tnLst>
+  </p:timing>
+</p:sld>
+</file>
+
+<file path=ppt/slides/slide4.xml><?xml version="1.0" encoding="utf-8"?>
+<p:sld xmlns:a="http://schemas.openxmlformats.org/drawingml/2006/main" xmlns:r="http://schemas.openxmlformats.org/officeDocument/2006/relationships" xmlns:p="http://schemas.openxmlformats.org/presentationml/2006/main">
+  <p:cSld>
+    <p:spTree>
+      <p:nvGrpSpPr>
+        <p:cNvPr id="1" name=""/>
+        <p:cNvGrpSpPr/>
+        <p:nvPr/>
+      </p:nvGrpSpPr>
+      <p:grpSpPr>
+        <a:xfrm>
+          <a:off x="0" y="0"/>
+          <a:ext cx="0" cy="0"/>
+          <a:chOff x="0" y="0"/>
+          <a:chExt cx="0" cy="0"/>
+        </a:xfrm>
+      </p:grpSpPr>
+      <p:sp>
+        <p:nvSpPr>
+          <p:cNvPr id="3" name="TextBox 2"/>
+          <p:cNvSpPr txBox="1"/>
+          <p:nvPr/>
+        </p:nvSpPr>
+        <p:spPr>
+          <a:xfrm>
+            <a:off x="5867400" y="1164271"/>
+            <a:ext cx="2971800" cy="5509200"/>
+          </a:xfrm>
+          <a:prstGeom prst="rect">
+            <a:avLst/>
+          </a:prstGeom>
+          <a:noFill/>
+        </p:spPr>
+        <p:txBody>
+          <a:bodyPr wrap="square" rtlCol="0">
+            <a:spAutoFit/>
+          </a:bodyPr>
+          <a:lstStyle/>
+          <a:p>
+            <a:r>
+              <a:rPr lang="en-US" sz="1600" dirty="0" smtClean="0"/>
+              <a:t>Filters available on advanced search:</a:t>
+            </a:r>
+          </a:p>
+          <a:p>
+            <a:pPr marL="285750" indent="-285750">
+              <a:buFont typeface="Arial" panose="020B0604020202020204" pitchFamily="34" charset="0"/>
+              <a:buChar char="•"/>
+            </a:pPr>
+            <a:r>
+              <a:rPr lang="en-US" sz="1600" dirty="0" smtClean="0"/>
+              <a:t>Reported in Last</a:t>
+            </a:r>
+          </a:p>
+          <a:p>
+            <a:pPr marL="285750" indent="-285750">
+              <a:buFont typeface="Arial" panose="020B0604020202020204" pitchFamily="34" charset="0"/>
+              <a:buChar char="•"/>
+            </a:pPr>
+            <a:r>
+              <a:rPr lang="en-US" sz="1600" dirty="0" smtClean="0"/>
+              <a:t>Status</a:t>
+            </a:r>
+          </a:p>
+          <a:p>
+            <a:pPr marL="285750" indent="-285750">
+              <a:buFont typeface="Arial" panose="020B0604020202020204" pitchFamily="34" charset="0"/>
+              <a:buChar char="•"/>
+            </a:pPr>
+            <a:r>
+              <a:rPr lang="en-US" sz="1600" dirty="0" smtClean="0"/>
+              <a:t>Classification</a:t>
+            </a:r>
+          </a:p>
+          <a:p>
+            <a:endParaRPr lang="en-US" sz="1600" dirty="0" smtClean="0"/>
+          </a:p>
+          <a:p>
+            <a:r>
+              <a:rPr lang="en-US" sz="1600" dirty="0" smtClean="0"/>
+              <a:t>Default values are:</a:t>
+            </a:r>
+          </a:p>
+          <a:p>
+            <a:pPr marL="285750" indent="-285750">
+              <a:buFont typeface="Arial" panose="020B0604020202020204" pitchFamily="34" charset="0"/>
+              <a:buChar char="•"/>
+            </a:pPr>
+            <a:r>
+              <a:rPr lang="en-US" sz="1600" dirty="0"/>
+              <a:t>Reported in </a:t>
+            </a:r>
+            <a:r>
+              <a:rPr lang="en-US" sz="1600" dirty="0" smtClean="0"/>
+              <a:t>Last – 1 month</a:t>
+            </a:r>
+            <a:endParaRPr lang="en-US" sz="1600" dirty="0"/>
+          </a:p>
+          <a:p>
+            <a:pPr marL="285750" indent="-285750">
+              <a:buFont typeface="Arial" panose="020B0604020202020204" pitchFamily="34" charset="0"/>
+              <a:buChar char="•"/>
+            </a:pPr>
+            <a:r>
+              <a:rPr lang="en-US" sz="1600" dirty="0" smtClean="0"/>
+              <a:t>Status - All</a:t>
+            </a:r>
+            <a:endParaRPr lang="en-US" sz="1600" dirty="0"/>
+          </a:p>
+          <a:p>
+            <a:pPr marL="285750" indent="-285750">
+              <a:buFont typeface="Arial" panose="020B0604020202020204" pitchFamily="34" charset="0"/>
+              <a:buChar char="•"/>
+            </a:pPr>
+            <a:r>
+              <a:rPr lang="en-US" sz="1600" dirty="0" smtClean="0"/>
+              <a:t>Classification - All</a:t>
+            </a:r>
+            <a:endParaRPr lang="en-US" sz="1600" dirty="0"/>
+          </a:p>
+          <a:p>
+            <a:pPr marL="285750" indent="-285750">
+              <a:buFont typeface="Arial" panose="020B0604020202020204" pitchFamily="34" charset="0"/>
+              <a:buChar char="•"/>
+            </a:pPr>
+            <a:endParaRPr lang="en-US" sz="1600" dirty="0" smtClean="0"/>
+          </a:p>
+          <a:p>
+            <a:r>
+              <a:rPr lang="en-US" sz="1600" dirty="0" smtClean="0"/>
+              <a:t>Provide users ability to change/update some or all default values to perform advanced search with key word.</a:t>
+            </a:r>
+          </a:p>
+          <a:p>
+            <a:endParaRPr lang="en-US" sz="1600" dirty="0"/>
+          </a:p>
+          <a:p>
+            <a:r>
+              <a:rPr lang="en-US" sz="1600" dirty="0" smtClean="0"/>
+              <a:t>Search results are displayed on the home page Drug Recall Report list section.</a:t>
+            </a:r>
+          </a:p>
+          <a:p>
+            <a:endParaRPr lang="en-US" sz="1600" dirty="0"/>
+          </a:p>
+          <a:p>
+            <a:endParaRPr lang="en-US" sz="1600" dirty="0"/>
+          </a:p>
+        </p:txBody>
+      </p:sp>
+      <p:sp>
+        <p:nvSpPr>
+          <p:cNvPr id="60" name="TextBox 59"/>
+          <p:cNvSpPr txBox="1"/>
+          <p:nvPr/>
+        </p:nvSpPr>
+        <p:spPr>
+          <a:xfrm>
+            <a:off x="2362200" y="304800"/>
+            <a:ext cx="4724400" cy="338554"/>
+          </a:xfrm>
+          <a:prstGeom prst="rect">
+            <a:avLst/>
+          </a:prstGeom>
+          <a:noFill/>
+        </p:spPr>
+        <p:txBody>
+          <a:bodyPr wrap="square" rtlCol="0">
+            <a:spAutoFit/>
+          </a:bodyPr>
+          <a:lstStyle/>
+          <a:p>
+            <a:pPr algn="ctr"/>
+            <a:r>
+              <a:rPr lang="en-US" sz="1600" b="1" dirty="0" smtClean="0"/>
+              <a:t>Advanced Search</a:t>
+            </a:r>
+            <a:endParaRPr lang="en-US" sz="1600" b="1" dirty="0"/>
+          </a:p>
+        </p:txBody>
+      </p:sp>
+      <p:grpSp>
+        <p:nvGrpSpPr>
+          <p:cNvPr id="73" name="Group 72"/>
+          <p:cNvGrpSpPr/>
+          <p:nvPr/>
+        </p:nvGrpSpPr>
+        <p:grpSpPr>
+          <a:xfrm>
+            <a:off x="1828800" y="990600"/>
+            <a:ext cx="3033887" cy="5105399"/>
+            <a:chOff x="1828800" y="990600"/>
+            <a:chExt cx="3033887" cy="5105399"/>
+          </a:xfrm>
+        </p:grpSpPr>
         <p:sp>
           <p:nvSpPr>
-            <p:cNvPr id="24" name="Rectangle 23"/>
+            <p:cNvPr id="35" name="Rectangle 34"/>
             <p:cNvSpPr/>
             <p:nvPr/>
           </p:nvSpPr>
           <p:spPr bwMode="auto">
             <a:xfrm>
-              <a:off x="2965449" y="5562600"/>
-              <a:ext cx="2139951" cy="380999"/>
+              <a:off x="1828800" y="990600"/>
+              <a:ext cx="2878667" cy="5105399"/>
             </a:xfrm>
             <a:prstGeom prst="rect">
               <a:avLst/>
@@ -5953,7 +6734,7 @@
                 <a:buNone/>
                 <a:tabLst/>
               </a:pPr>
-              <a:endParaRPr kumimoji="0" lang="en-US" sz="2400" b="0" i="0" u="none" strike="noStrike" cap="none" normalizeH="0" baseline="0" smtClean="0">
+              <a:endParaRPr kumimoji="0" lang="en-US" sz="4400" b="0" i="0" u="none" strike="noStrike" cap="none" normalizeH="0" baseline="0" smtClean="0">
                 <a:ln>
                   <a:noFill/>
                 </a:ln>
@@ -5967,102 +6748,293 @@
             </a:p>
           </p:txBody>
         </p:sp>
-      </p:grpSp>
-      <p:sp>
-        <p:nvSpPr>
-          <p:cNvPr id="67" name="TextBox 66"/>
-          <p:cNvSpPr txBox="1"/>
-          <p:nvPr/>
-        </p:nvSpPr>
-        <p:spPr>
-          <a:xfrm>
-            <a:off x="6792686" y="1794187"/>
-            <a:ext cx="2133600" cy="2031325"/>
-          </a:xfrm>
-          <a:prstGeom prst="rect">
-            <a:avLst/>
-          </a:prstGeom>
-          <a:noFill/>
-        </p:spPr>
-        <p:txBody>
-          <a:bodyPr wrap="square" rtlCol="0">
-            <a:spAutoFit/>
-          </a:bodyPr>
-          <a:lstStyle/>
-          <a:p>
-            <a:r>
-              <a:rPr lang="en-US" dirty="0" smtClean="0"/>
-              <a:t>Default Filters:</a:t>
-            </a:r>
-          </a:p>
-          <a:p>
-            <a:r>
-              <a:rPr lang="en-US" dirty="0"/>
-              <a:t> </a:t>
-            </a:r>
-            <a:r>
-              <a:rPr lang="en-US" dirty="0" smtClean="0"/>
-              <a:t> -  1 month</a:t>
-            </a:r>
-          </a:p>
-          <a:p>
-            <a:r>
-              <a:rPr lang="en-US" dirty="0"/>
-              <a:t> </a:t>
-            </a:r>
-            <a:r>
-              <a:rPr lang="en-US" dirty="0" smtClean="0"/>
-              <a:t> -  Ongoing</a:t>
-            </a:r>
-          </a:p>
-          <a:p>
-            <a:r>
-              <a:rPr lang="en-US" dirty="0"/>
-              <a:t> </a:t>
-            </a:r>
-            <a:r>
-              <a:rPr lang="en-US" dirty="0" smtClean="0"/>
-              <a:t> -  All</a:t>
-            </a:r>
-          </a:p>
-          <a:p>
-            <a:r>
-              <a:rPr lang="en-US" dirty="0" smtClean="0"/>
-              <a:t>User can update filters to filter recall list</a:t>
-            </a:r>
-            <a:endParaRPr lang="en-US" dirty="0"/>
-          </a:p>
-        </p:txBody>
-      </p:sp>
-      <p:grpSp>
-        <p:nvGrpSpPr>
-          <p:cNvPr id="68" name="Group 67"/>
-          <p:cNvGrpSpPr/>
-          <p:nvPr/>
-        </p:nvGrpSpPr>
-        <p:grpSpPr>
-          <a:xfrm>
-            <a:off x="1600200" y="2438400"/>
-            <a:ext cx="1371600" cy="2668488"/>
-            <a:chOff x="1600200" y="2438400"/>
-            <a:chExt cx="1371600" cy="2668488"/>
-          </a:xfrm>
-        </p:grpSpPr>
+        <p:grpSp>
+          <p:nvGrpSpPr>
+            <p:cNvPr id="37" name="Group 36"/>
+            <p:cNvGrpSpPr/>
+            <p:nvPr/>
+          </p:nvGrpSpPr>
+          <p:grpSpPr>
+            <a:xfrm>
+              <a:off x="1869113" y="1793344"/>
+              <a:ext cx="2993574" cy="1137377"/>
+              <a:chOff x="1618341" y="2667000"/>
+              <a:chExt cx="1347108" cy="644010"/>
+            </a:xfrm>
+          </p:grpSpPr>
+          <p:sp>
+            <p:nvSpPr>
+              <p:cNvPr id="45" name="TextBox 44"/>
+              <p:cNvSpPr txBox="1"/>
+              <p:nvPr/>
+            </p:nvSpPr>
+            <p:spPr>
+              <a:xfrm>
+                <a:off x="1618341" y="2667000"/>
+                <a:ext cx="1347108" cy="236465"/>
+              </a:xfrm>
+              <a:prstGeom prst="rect">
+                <a:avLst/>
+              </a:prstGeom>
+              <a:noFill/>
+            </p:spPr>
+            <p:txBody>
+              <a:bodyPr wrap="square" rtlCol="0">
+                <a:spAutoFit/>
+              </a:bodyPr>
+              <a:lstStyle/>
+              <a:p>
+                <a:r>
+                  <a:rPr lang="en-US" sz="1600" dirty="0" smtClean="0"/>
+                  <a:t>Reported </a:t>
+                </a:r>
+                <a:r>
+                  <a:rPr lang="en-US" sz="1600" dirty="0" smtClean="0"/>
+                  <a:t>In Last:</a:t>
+                </a:r>
+                <a:endParaRPr lang="en-US" sz="1600" dirty="0"/>
+              </a:p>
+            </p:txBody>
+          </p:sp>
+          <p:sp>
+            <p:nvSpPr>
+              <p:cNvPr id="46" name="TextBox 45"/>
+              <p:cNvSpPr txBox="1"/>
+              <p:nvPr/>
+            </p:nvSpPr>
+            <p:spPr>
+              <a:xfrm>
+                <a:off x="1907901" y="2847202"/>
+                <a:ext cx="961029" cy="463808"/>
+              </a:xfrm>
+              <a:prstGeom prst="rect">
+                <a:avLst/>
+              </a:prstGeom>
+              <a:noFill/>
+            </p:spPr>
+            <p:txBody>
+              <a:bodyPr wrap="square" rtlCol="0">
+                <a:spAutoFit/>
+              </a:bodyPr>
+              <a:lstStyle/>
+              <a:p>
+                <a:r>
+                  <a:rPr lang="en-US" sz="1600" dirty="0" smtClean="0"/>
+                  <a:t>1 </a:t>
+                </a:r>
+                <a:r>
+                  <a:rPr lang="en-US" sz="1600" dirty="0" smtClean="0"/>
+                  <a:t>month</a:t>
+                </a:r>
+              </a:p>
+              <a:p>
+                <a:r>
+                  <a:rPr lang="en-US" sz="1600" dirty="0" smtClean="0"/>
+                  <a:t>6 </a:t>
+                </a:r>
+                <a:r>
+                  <a:rPr lang="en-US" sz="1600" dirty="0" smtClean="0"/>
+                  <a:t>months</a:t>
+                </a:r>
+              </a:p>
+              <a:p>
+                <a:r>
+                  <a:rPr lang="en-US" sz="1600" dirty="0" smtClean="0"/>
+                  <a:t>All </a:t>
+                </a:r>
+                <a:endParaRPr lang="en-US" sz="1600" dirty="0"/>
+              </a:p>
+            </p:txBody>
+          </p:sp>
+        </p:grpSp>
         <p:sp>
           <p:nvSpPr>
-            <p:cNvPr id="69" name="Rectangle 68"/>
+            <p:cNvPr id="38" name="TextBox 37"/>
+            <p:cNvSpPr txBox="1"/>
+            <p:nvPr/>
+          </p:nvSpPr>
+          <p:spPr>
+            <a:xfrm>
+              <a:off x="1869113" y="3004525"/>
+              <a:ext cx="2669020" cy="417616"/>
+            </a:xfrm>
+            <a:prstGeom prst="rect">
+              <a:avLst/>
+            </a:prstGeom>
+            <a:noFill/>
+          </p:spPr>
+          <p:txBody>
+            <a:bodyPr wrap="square" rtlCol="0">
+              <a:spAutoFit/>
+            </a:bodyPr>
+            <a:lstStyle/>
+            <a:p>
+              <a:r>
+                <a:rPr lang="en-US" sz="1600" dirty="0" smtClean="0"/>
+                <a:t>Status:</a:t>
+              </a:r>
+              <a:endParaRPr lang="en-US" sz="1600" dirty="0"/>
+            </a:p>
+          </p:txBody>
+        </p:sp>
+        <p:sp>
+          <p:nvSpPr>
+            <p:cNvPr id="42" name="TextBox 41"/>
+            <p:cNvSpPr txBox="1"/>
+            <p:nvPr/>
+          </p:nvSpPr>
+          <p:spPr>
+            <a:xfrm>
+              <a:off x="2512580" y="3273677"/>
+              <a:ext cx="2135620" cy="1061829"/>
+            </a:xfrm>
+            <a:prstGeom prst="rect">
+              <a:avLst/>
+            </a:prstGeom>
+            <a:noFill/>
+          </p:spPr>
+          <p:txBody>
+            <a:bodyPr wrap="square" rtlCol="0">
+              <a:spAutoFit/>
+            </a:bodyPr>
+            <a:lstStyle/>
+            <a:p>
+              <a:r>
+                <a:rPr lang="en-US" sz="1600" dirty="0" smtClean="0"/>
+                <a:t>Ongoing</a:t>
+              </a:r>
+              <a:endParaRPr lang="en-US" sz="1600" dirty="0" smtClean="0"/>
+            </a:p>
+            <a:p>
+              <a:r>
+                <a:rPr lang="en-US" sz="1600" dirty="0" smtClean="0"/>
+                <a:t>Completed</a:t>
+              </a:r>
+              <a:endParaRPr lang="en-US" sz="1600" dirty="0" smtClean="0"/>
+            </a:p>
+            <a:p>
+              <a:r>
+                <a:rPr lang="en-US" sz="1600" dirty="0" smtClean="0"/>
+                <a:t>Terminated</a:t>
+              </a:r>
+              <a:endParaRPr lang="en-US" sz="1600" dirty="0" smtClean="0"/>
+            </a:p>
+            <a:p>
+              <a:r>
+                <a:rPr lang="en-US" sz="1600" dirty="0" smtClean="0"/>
+                <a:t>All </a:t>
+              </a:r>
+              <a:endParaRPr lang="en-US" sz="1600" dirty="0"/>
+            </a:p>
+          </p:txBody>
+        </p:sp>
+        <p:sp>
+          <p:nvSpPr>
+            <p:cNvPr id="43" name="TextBox 42"/>
+            <p:cNvSpPr txBox="1"/>
+            <p:nvPr/>
+          </p:nvSpPr>
+          <p:spPr>
+            <a:xfrm>
+              <a:off x="1869113" y="4533956"/>
+              <a:ext cx="2669020" cy="417616"/>
+            </a:xfrm>
+            <a:prstGeom prst="rect">
+              <a:avLst/>
+            </a:prstGeom>
+            <a:noFill/>
+          </p:spPr>
+          <p:txBody>
+            <a:bodyPr wrap="square" rtlCol="0">
+              <a:spAutoFit/>
+            </a:bodyPr>
+            <a:lstStyle/>
+            <a:p>
+              <a:r>
+                <a:rPr lang="en-US" sz="1600" dirty="0" smtClean="0"/>
+                <a:t>Classification:</a:t>
+              </a:r>
+              <a:endParaRPr lang="en-US" sz="1600" dirty="0"/>
+            </a:p>
+          </p:txBody>
+        </p:sp>
+        <p:sp>
+          <p:nvSpPr>
+            <p:cNvPr id="44" name="TextBox 43"/>
+            <p:cNvSpPr txBox="1"/>
+            <p:nvPr/>
+          </p:nvSpPr>
+          <p:spPr>
+            <a:xfrm>
+              <a:off x="2512580" y="4852208"/>
+              <a:ext cx="2135620" cy="1061829"/>
+            </a:xfrm>
+            <a:prstGeom prst="rect">
+              <a:avLst/>
+            </a:prstGeom>
+            <a:noFill/>
+          </p:spPr>
+          <p:txBody>
+            <a:bodyPr wrap="square" rtlCol="0">
+              <a:spAutoFit/>
+            </a:bodyPr>
+            <a:lstStyle/>
+            <a:p>
+              <a:r>
+                <a:rPr lang="en-US" sz="1600" dirty="0" smtClean="0"/>
+                <a:t>Class </a:t>
+              </a:r>
+              <a:r>
+                <a:rPr lang="en-US" sz="1600" dirty="0" smtClean="0"/>
+                <a:t>1</a:t>
+              </a:r>
+            </a:p>
+            <a:p>
+              <a:r>
+                <a:rPr lang="en-US" sz="1600" dirty="0" smtClean="0"/>
+                <a:t>Class </a:t>
+              </a:r>
+              <a:r>
+                <a:rPr lang="en-US" sz="1600" dirty="0" smtClean="0"/>
+                <a:t>2</a:t>
+              </a:r>
+            </a:p>
+            <a:p>
+              <a:r>
+                <a:rPr lang="en-US" sz="1600" dirty="0" smtClean="0"/>
+                <a:t>Class </a:t>
+              </a:r>
+              <a:r>
+                <a:rPr lang="en-US" sz="1600" dirty="0" smtClean="0"/>
+                <a:t>3</a:t>
+              </a:r>
+            </a:p>
+            <a:p>
+              <a:r>
+                <a:rPr lang="en-US" sz="1600" dirty="0" smtClean="0"/>
+                <a:t>All</a:t>
+              </a:r>
+              <a:endParaRPr lang="en-US" sz="1600" dirty="0"/>
+            </a:p>
+          </p:txBody>
+        </p:sp>
+        <p:sp>
+          <p:nvSpPr>
+            <p:cNvPr id="9" name="Oval 8"/>
             <p:cNvSpPr/>
             <p:nvPr/>
           </p:nvSpPr>
           <p:spPr bwMode="auto">
             <a:xfrm>
-              <a:off x="1600200" y="2666999"/>
-              <a:ext cx="1295400" cy="2436267"/>
+              <a:off x="2305050" y="2190363"/>
+              <a:ext cx="114300" cy="114448"/>
             </a:xfrm>
-            <a:prstGeom prst="rect">
+            <a:prstGeom prst="ellipse">
               <a:avLst/>
             </a:prstGeom>
-            <a:noFill/>
+            <a:solidFill>
+              <a:schemeClr val="tx1"/>
+            </a:solidFill>
             <a:ln w="9525" cap="flat" cmpd="sng" algn="ctr">
               <a:solidFill>
                 <a:schemeClr val="tx1"/>
@@ -6114,640 +7086,20 @@
         </p:sp>
         <p:sp>
           <p:nvSpPr>
-            <p:cNvPr id="70" name="TextBox 69"/>
-            <p:cNvSpPr txBox="1"/>
-            <p:nvPr/>
-          </p:nvSpPr>
-          <p:spPr>
-            <a:xfrm>
-              <a:off x="1600200" y="2438400"/>
-              <a:ext cx="1219200" cy="246221"/>
-            </a:xfrm>
-            <a:prstGeom prst="rect">
-              <a:avLst/>
-            </a:prstGeom>
-            <a:noFill/>
-          </p:spPr>
-          <p:txBody>
-            <a:bodyPr wrap="square" rtlCol="0">
-              <a:spAutoFit/>
-            </a:bodyPr>
-            <a:lstStyle/>
-            <a:p>
-              <a:r>
-                <a:rPr lang="en-US" sz="1000" dirty="0" smtClean="0"/>
-                <a:t>Filter:</a:t>
-              </a:r>
-              <a:endParaRPr lang="en-US" sz="1000" dirty="0"/>
-            </a:p>
-          </p:txBody>
-        </p:sp>
-        <p:grpSp>
-          <p:nvGrpSpPr>
-            <p:cNvPr id="71" name="Group 70"/>
-            <p:cNvGrpSpPr/>
-            <p:nvPr/>
-          </p:nvGrpSpPr>
-          <p:grpSpPr>
-            <a:xfrm>
-              <a:off x="1618341" y="2667000"/>
-              <a:ext cx="1353459" cy="734200"/>
-              <a:chOff x="1618341" y="2667000"/>
-              <a:chExt cx="1353459" cy="734200"/>
-            </a:xfrm>
-          </p:grpSpPr>
-          <p:sp>
-            <p:nvSpPr>
-              <p:cNvPr id="76" name="TextBox 75"/>
-              <p:cNvSpPr txBox="1"/>
-              <p:nvPr/>
-            </p:nvSpPr>
-            <p:spPr>
-              <a:xfrm>
-                <a:off x="1618341" y="2667000"/>
-                <a:ext cx="1347108" cy="246221"/>
-              </a:xfrm>
-              <a:prstGeom prst="rect">
-                <a:avLst/>
-              </a:prstGeom>
-              <a:noFill/>
-            </p:spPr>
-            <p:txBody>
-              <a:bodyPr wrap="square" rtlCol="0">
-                <a:spAutoFit/>
-              </a:bodyPr>
-              <a:lstStyle/>
-              <a:p>
-                <a:r>
-                  <a:rPr lang="en-US" sz="1000" dirty="0" smtClean="0"/>
-                  <a:t>Recall In Last:</a:t>
-                </a:r>
-                <a:endParaRPr lang="en-US" sz="1000" dirty="0"/>
-              </a:p>
-            </p:txBody>
-          </p:sp>
-          <p:sp>
-            <p:nvSpPr>
-              <p:cNvPr id="77" name="TextBox 76"/>
-              <p:cNvSpPr txBox="1"/>
-              <p:nvPr/>
-            </p:nvSpPr>
-            <p:spPr>
-              <a:xfrm>
-                <a:off x="1770741" y="2847202"/>
-                <a:ext cx="1201059" cy="553998"/>
-              </a:xfrm>
-              <a:prstGeom prst="rect">
-                <a:avLst/>
-              </a:prstGeom>
-              <a:noFill/>
-            </p:spPr>
-            <p:txBody>
-              <a:bodyPr wrap="square" rtlCol="0">
-                <a:spAutoFit/>
-              </a:bodyPr>
-              <a:lstStyle/>
-              <a:p>
-                <a:r>
-                  <a:rPr lang="en-US" sz="1000" dirty="0" smtClean="0"/>
-                  <a:t>O  1 month</a:t>
-                </a:r>
-              </a:p>
-              <a:p>
-                <a:r>
-                  <a:rPr lang="en-US" sz="1000" dirty="0" smtClean="0"/>
-                  <a:t>O  6 months</a:t>
-                </a:r>
-              </a:p>
-              <a:p>
-                <a:r>
-                  <a:rPr lang="en-US" sz="1000" dirty="0" smtClean="0"/>
-                  <a:t>O  All </a:t>
-                </a:r>
-                <a:endParaRPr lang="en-US" sz="1000" dirty="0"/>
-              </a:p>
-            </p:txBody>
-          </p:sp>
-        </p:grpSp>
-        <p:sp>
-          <p:nvSpPr>
-            <p:cNvPr id="72" name="TextBox 71"/>
-            <p:cNvSpPr txBox="1"/>
-            <p:nvPr/>
-          </p:nvSpPr>
-          <p:spPr>
-            <a:xfrm>
-              <a:off x="1618341" y="3352800"/>
-              <a:ext cx="1201059" cy="246221"/>
-            </a:xfrm>
-            <a:prstGeom prst="rect">
-              <a:avLst/>
-            </a:prstGeom>
-            <a:noFill/>
-          </p:spPr>
-          <p:txBody>
-            <a:bodyPr wrap="square" rtlCol="0">
-              <a:spAutoFit/>
-            </a:bodyPr>
-            <a:lstStyle/>
-            <a:p>
-              <a:r>
-                <a:rPr lang="en-US" sz="1000" dirty="0" smtClean="0"/>
-                <a:t>Status:</a:t>
-              </a:r>
-              <a:endParaRPr lang="en-US" sz="1000" dirty="0"/>
-            </a:p>
-          </p:txBody>
-        </p:sp>
-        <p:sp>
-          <p:nvSpPr>
-            <p:cNvPr id="73" name="TextBox 72"/>
-            <p:cNvSpPr txBox="1"/>
-            <p:nvPr/>
-          </p:nvSpPr>
-          <p:spPr>
-            <a:xfrm>
-              <a:off x="1770741" y="3505200"/>
-              <a:ext cx="1201059" cy="707886"/>
-            </a:xfrm>
-            <a:prstGeom prst="rect">
-              <a:avLst/>
-            </a:prstGeom>
-            <a:noFill/>
-          </p:spPr>
-          <p:txBody>
-            <a:bodyPr wrap="square" rtlCol="0">
-              <a:spAutoFit/>
-            </a:bodyPr>
-            <a:lstStyle/>
-            <a:p>
-              <a:r>
-                <a:rPr lang="en-US" sz="1000" dirty="0" smtClean="0"/>
-                <a:t>O  Ongoing</a:t>
-              </a:r>
-            </a:p>
-            <a:p>
-              <a:r>
-                <a:rPr lang="en-US" sz="1000" dirty="0" smtClean="0"/>
-                <a:t>O  Completed</a:t>
-              </a:r>
-            </a:p>
-            <a:p>
-              <a:r>
-                <a:rPr lang="en-US" sz="1000" dirty="0" smtClean="0"/>
-                <a:t>O  Terminated</a:t>
-              </a:r>
-            </a:p>
-            <a:p>
-              <a:r>
-                <a:rPr lang="en-US" sz="1000" dirty="0" smtClean="0"/>
-                <a:t>O  All </a:t>
-              </a:r>
-              <a:endParaRPr lang="en-US" sz="1000" dirty="0"/>
-            </a:p>
-          </p:txBody>
-        </p:sp>
-        <p:sp>
-          <p:nvSpPr>
-            <p:cNvPr id="74" name="TextBox 73"/>
-            <p:cNvSpPr txBox="1"/>
-            <p:nvPr/>
-          </p:nvSpPr>
-          <p:spPr>
-            <a:xfrm>
-              <a:off x="1618341" y="4218800"/>
-              <a:ext cx="1201059" cy="246221"/>
-            </a:xfrm>
-            <a:prstGeom prst="rect">
-              <a:avLst/>
-            </a:prstGeom>
-            <a:noFill/>
-          </p:spPr>
-          <p:txBody>
-            <a:bodyPr wrap="square" rtlCol="0">
-              <a:spAutoFit/>
-            </a:bodyPr>
-            <a:lstStyle/>
-            <a:p>
-              <a:r>
-                <a:rPr lang="en-US" sz="1000" dirty="0" smtClean="0"/>
-                <a:t>Classification:</a:t>
-              </a:r>
-              <a:endParaRPr lang="en-US" sz="1000" dirty="0"/>
-            </a:p>
-          </p:txBody>
-        </p:sp>
-        <p:sp>
-          <p:nvSpPr>
-            <p:cNvPr id="75" name="TextBox 74"/>
-            <p:cNvSpPr txBox="1"/>
-            <p:nvPr/>
-          </p:nvSpPr>
-          <p:spPr>
-            <a:xfrm>
-              <a:off x="1770741" y="4399002"/>
-              <a:ext cx="1201059" cy="707886"/>
-            </a:xfrm>
-            <a:prstGeom prst="rect">
-              <a:avLst/>
-            </a:prstGeom>
-            <a:noFill/>
-          </p:spPr>
-          <p:txBody>
-            <a:bodyPr wrap="square" rtlCol="0">
-              <a:spAutoFit/>
-            </a:bodyPr>
-            <a:lstStyle/>
-            <a:p>
-              <a:r>
-                <a:rPr lang="en-US" sz="1000" dirty="0" smtClean="0"/>
-                <a:t>O  Class 1</a:t>
-              </a:r>
-            </a:p>
-            <a:p>
-              <a:r>
-                <a:rPr lang="en-US" sz="1000" dirty="0" smtClean="0"/>
-                <a:t>O  Class 2</a:t>
-              </a:r>
-            </a:p>
-            <a:p>
-              <a:r>
-                <a:rPr lang="en-US" sz="1000" dirty="0" smtClean="0"/>
-                <a:t>O  Class 3</a:t>
-              </a:r>
-            </a:p>
-            <a:p>
-              <a:r>
-                <a:rPr lang="en-US" sz="1000" dirty="0" smtClean="0"/>
-                <a:t>O  All</a:t>
-              </a:r>
-              <a:endParaRPr lang="en-US" sz="1000" dirty="0"/>
-            </a:p>
-          </p:txBody>
-        </p:sp>
-      </p:grpSp>
-      <p:sp>
-        <p:nvSpPr>
-          <p:cNvPr id="78" name="TextBox 77"/>
-          <p:cNvSpPr txBox="1"/>
-          <p:nvPr/>
-        </p:nvSpPr>
-        <p:spPr>
-          <a:xfrm>
-            <a:off x="6814457" y="4010408"/>
-            <a:ext cx="2133600" cy="2031325"/>
-          </a:xfrm>
-          <a:prstGeom prst="rect">
-            <a:avLst/>
-          </a:prstGeom>
-          <a:noFill/>
-        </p:spPr>
-        <p:txBody>
-          <a:bodyPr wrap="square" rtlCol="0">
-            <a:spAutoFit/>
-          </a:bodyPr>
-          <a:lstStyle/>
-          <a:p>
-            <a:r>
-              <a:rPr lang="en-US" dirty="0" smtClean="0"/>
-              <a:t>Product name = product name or 1</a:t>
-            </a:r>
-            <a:r>
-              <a:rPr lang="en-US" baseline="30000" dirty="0" smtClean="0"/>
-              <a:t>st</a:t>
-            </a:r>
-            <a:r>
-              <a:rPr lang="en-US" dirty="0" smtClean="0"/>
-              <a:t> 20 char of Product Description if name is not available</a:t>
-            </a:r>
-            <a:endParaRPr lang="en-US" dirty="0"/>
-          </a:p>
-        </p:txBody>
-      </p:sp>
-    </p:spTree>
-    <p:extLst>
-      <p:ext uri="{BB962C8B-B14F-4D97-AF65-F5344CB8AC3E}">
-        <p14:creationId xmlns:p14="http://schemas.microsoft.com/office/powerpoint/2010/main" val="2643020664"/>
-      </p:ext>
-    </p:extLst>
-  </p:cSld>
-  <p:clrMapOvr>
-    <a:masterClrMapping/>
-  </p:clrMapOvr>
-  <p:timing>
-    <p:tnLst>
-      <p:par>
-        <p:cTn id="1" dur="indefinite" restart="never" nodeType="tmRoot"/>
-      </p:par>
-    </p:tnLst>
-  </p:timing>
-</p:sld>
-</file>
-
-<file path=ppt/slides/slide4.xml><?xml version="1.0" encoding="utf-8"?>
-<p:sld xmlns:a="http://schemas.openxmlformats.org/drawingml/2006/main" xmlns:r="http://schemas.openxmlformats.org/officeDocument/2006/relationships" xmlns:p="http://schemas.openxmlformats.org/presentationml/2006/main">
-  <p:cSld>
-    <p:spTree>
-      <p:nvGrpSpPr>
-        <p:cNvPr id="1" name=""/>
-        <p:cNvGrpSpPr/>
-        <p:nvPr/>
-      </p:nvGrpSpPr>
-      <p:grpSpPr>
-        <a:xfrm>
-          <a:off x="0" y="0"/>
-          <a:ext cx="0" cy="0"/>
-          <a:chOff x="0" y="0"/>
-          <a:chExt cx="0" cy="0"/>
-        </a:xfrm>
-      </p:grpSpPr>
-      <p:sp>
-        <p:nvSpPr>
-          <p:cNvPr id="3" name="TextBox 2"/>
-          <p:cNvSpPr txBox="1"/>
-          <p:nvPr/>
-        </p:nvSpPr>
-        <p:spPr>
-          <a:xfrm>
-            <a:off x="6705600" y="1238462"/>
-            <a:ext cx="2133600" cy="1754326"/>
-          </a:xfrm>
-          <a:prstGeom prst="rect">
-            <a:avLst/>
-          </a:prstGeom>
-          <a:noFill/>
-        </p:spPr>
-        <p:txBody>
-          <a:bodyPr wrap="square" rtlCol="0">
-            <a:spAutoFit/>
-          </a:bodyPr>
-          <a:lstStyle/>
-          <a:p>
-            <a:r>
-              <a:rPr lang="en-US" dirty="0"/>
-              <a:t>Displays drug recalls based on the user entered key word </a:t>
-            </a:r>
-            <a:r>
-              <a:rPr lang="en-US" dirty="0" smtClean="0"/>
-              <a:t>search. recent drug recalls for the month.</a:t>
-            </a:r>
-            <a:endParaRPr lang="en-US" dirty="0"/>
-          </a:p>
-        </p:txBody>
-      </p:sp>
-      <p:sp>
-        <p:nvSpPr>
-          <p:cNvPr id="2" name="Rectangle 1"/>
-          <p:cNvSpPr/>
-          <p:nvPr/>
-        </p:nvSpPr>
-        <p:spPr bwMode="auto">
-          <a:xfrm>
-            <a:off x="1447800" y="609600"/>
-            <a:ext cx="5105400" cy="5410200"/>
-          </a:xfrm>
-          <a:prstGeom prst="rect">
-            <a:avLst/>
-          </a:prstGeom>
-          <a:noFill/>
-          <a:ln w="9525" cap="flat" cmpd="sng" algn="ctr">
-            <a:solidFill>
-              <a:schemeClr val="tx1"/>
-            </a:solidFill>
-            <a:prstDash val="solid"/>
-            <a:round/>
-            <a:headEnd type="none" w="med" len="med"/>
-            <a:tailEnd type="none" w="med" len="med"/>
-          </a:ln>
-          <a:effectLst/>
-        </p:spPr>
-        <p:txBody>
-          <a:bodyPr vert="horz" wrap="square" lIns="91440" tIns="45720" rIns="91440" bIns="45720" numCol="1" rtlCol="0" anchor="t" anchorCtr="0" compatLnSpc="1">
-            <a:prstTxWarp prst="textNoShape">
-              <a:avLst/>
-            </a:prstTxWarp>
-          </a:bodyPr>
-          <a:lstStyle/>
-          <a:p>
-            <a:pPr marL="0" marR="0" indent="0" algn="l" defTabSz="914400" rtl="0" eaLnBrk="0" fontAlgn="base" latinLnBrk="0" hangingPunct="0">
-              <a:lnSpc>
-                <a:spcPct val="100000"/>
-              </a:lnSpc>
-              <a:spcBef>
-                <a:spcPct val="0"/>
-              </a:spcBef>
-              <a:spcAft>
-                <a:spcPct val="0"/>
-              </a:spcAft>
-              <a:buClrTx/>
-              <a:buSzTx/>
-              <a:buFontTx/>
-              <a:buNone/>
-              <a:tabLst/>
-            </a:pPr>
-            <a:endParaRPr kumimoji="0" lang="en-US" sz="2400" b="0" i="0" u="none" strike="noStrike" cap="none" normalizeH="0" baseline="0" dirty="0" smtClean="0">
-              <a:ln>
-                <a:noFill/>
-              </a:ln>
-              <a:solidFill>
-                <a:schemeClr val="tx1"/>
-              </a:solidFill>
-              <a:effectLst/>
-              <a:latin typeface="Arial" charset="0"/>
-              <a:ea typeface="ＭＳ Ｐゴシック" pitchFamily="-60" charset="-128"/>
-            </a:endParaRPr>
-          </a:p>
-        </p:txBody>
-      </p:sp>
-      <p:pic>
-        <p:nvPicPr>
-          <p:cNvPr id="4" name="Picture 3" descr="DEV-Logo_RGB.gif"/>
-          <p:cNvPicPr/>
-          <p:nvPr/>
-        </p:nvPicPr>
-        <p:blipFill>
-          <a:blip r:embed="rId3" cstate="print">
-            <a:extLst>
-              <a:ext uri="{28A0092B-C50C-407E-A947-70E740481C1C}">
-                <a14:useLocalDpi xmlns:a14="http://schemas.microsoft.com/office/drawing/2010/main" val="0"/>
-              </a:ext>
-            </a:extLst>
-          </a:blip>
-          <a:srcRect/>
-          <a:stretch>
-            <a:fillRect/>
-          </a:stretch>
-        </p:blipFill>
-        <p:spPr bwMode="auto">
-          <a:xfrm>
-            <a:off x="4005261" y="5621179"/>
-            <a:ext cx="813479" cy="243002"/>
-          </a:xfrm>
-          <a:prstGeom prst="rect">
-            <a:avLst/>
-          </a:prstGeom>
-          <a:noFill/>
-          <a:ln>
-            <a:noFill/>
-          </a:ln>
-        </p:spPr>
-      </p:pic>
-      <p:sp>
-        <p:nvSpPr>
-          <p:cNvPr id="7" name="TextBox 6"/>
-          <p:cNvSpPr txBox="1"/>
-          <p:nvPr/>
-        </p:nvSpPr>
-        <p:spPr>
-          <a:xfrm>
-            <a:off x="3314700" y="2057400"/>
-            <a:ext cx="2209800" cy="307777"/>
-          </a:xfrm>
-          <a:prstGeom prst="rect">
-            <a:avLst/>
-          </a:prstGeom>
-          <a:noFill/>
-        </p:spPr>
-        <p:txBody>
-          <a:bodyPr wrap="square" rtlCol="0">
-            <a:spAutoFit/>
-          </a:bodyPr>
-          <a:lstStyle/>
-          <a:p>
-            <a:r>
-              <a:rPr lang="en-US" sz="1400" u="sng" dirty="0" smtClean="0"/>
-              <a:t>Recent drug recalls</a:t>
-            </a:r>
-            <a:endParaRPr lang="en-US" sz="1400" u="sng" dirty="0"/>
-          </a:p>
-        </p:txBody>
-      </p:sp>
-      <p:sp>
-        <p:nvSpPr>
-          <p:cNvPr id="10" name="Rectangle 9"/>
-          <p:cNvSpPr/>
-          <p:nvPr/>
-        </p:nvSpPr>
-        <p:spPr bwMode="auto">
-          <a:xfrm>
-            <a:off x="3047999" y="2669134"/>
-            <a:ext cx="3117849" cy="2434133"/>
-          </a:xfrm>
-          <a:prstGeom prst="rect">
-            <a:avLst/>
-          </a:prstGeom>
-          <a:solidFill>
-            <a:schemeClr val="bg1"/>
-          </a:solidFill>
-          <a:ln w="9525" cap="flat" cmpd="sng" algn="ctr">
-            <a:solidFill>
-              <a:schemeClr val="tx1"/>
-            </a:solidFill>
-            <a:prstDash val="solid"/>
-            <a:round/>
-            <a:headEnd type="none" w="med" len="med"/>
-            <a:tailEnd type="none" w="med" len="med"/>
-          </a:ln>
-          <a:effectLst/>
-        </p:spPr>
-        <p:txBody>
-          <a:bodyPr vert="horz" wrap="square" lIns="91440" tIns="45720" rIns="91440" bIns="45720" numCol="1" rtlCol="0" anchor="t" anchorCtr="0" compatLnSpc="1">
-            <a:prstTxWarp prst="textNoShape">
-              <a:avLst/>
-            </a:prstTxWarp>
-          </a:bodyPr>
-          <a:lstStyle/>
-          <a:p>
-            <a:pPr marL="0" marR="0" indent="0" algn="l" defTabSz="914400" rtl="0" eaLnBrk="0" fontAlgn="base" latinLnBrk="0" hangingPunct="0">
-              <a:lnSpc>
-                <a:spcPct val="100000"/>
-              </a:lnSpc>
-              <a:spcBef>
-                <a:spcPct val="0"/>
-              </a:spcBef>
-              <a:spcAft>
-                <a:spcPct val="0"/>
-              </a:spcAft>
-              <a:buClrTx/>
-              <a:buSzTx/>
-              <a:buFontTx/>
-              <a:buNone/>
-              <a:tabLst/>
-            </a:pPr>
-            <a:endParaRPr kumimoji="0" lang="en-US" sz="2400" b="0" i="0" u="none" strike="noStrike" cap="none" normalizeH="0" baseline="0" smtClean="0">
-              <a:ln>
-                <a:noFill/>
-              </a:ln>
-              <a:solidFill>
-                <a:schemeClr val="tx1"/>
-              </a:solidFill>
-              <a:effectLst/>
-              <a:latin typeface="Arial" charset="0"/>
-              <a:ea typeface="ＭＳ Ｐゴシック" pitchFamily="-60" charset="-128"/>
-            </a:endParaRPr>
-          </a:p>
-        </p:txBody>
-      </p:sp>
-      <p:grpSp>
-        <p:nvGrpSpPr>
-          <p:cNvPr id="28" name="Group 27"/>
-          <p:cNvGrpSpPr/>
-          <p:nvPr/>
-        </p:nvGrpSpPr>
-        <p:grpSpPr>
-          <a:xfrm>
-            <a:off x="3146107" y="2743200"/>
-            <a:ext cx="2695893" cy="246221"/>
-            <a:chOff x="3146107" y="2743200"/>
-            <a:chExt cx="2695893" cy="246221"/>
-          </a:xfrm>
-        </p:grpSpPr>
-        <p:sp>
-          <p:nvSpPr>
-            <p:cNvPr id="11" name="TextBox 10"/>
-            <p:cNvSpPr txBox="1"/>
-            <p:nvPr/>
-          </p:nvSpPr>
-          <p:spPr>
-            <a:xfrm>
-              <a:off x="3337242" y="2743200"/>
-              <a:ext cx="2504758" cy="246221"/>
-            </a:xfrm>
-            <a:prstGeom prst="rect">
-              <a:avLst/>
-            </a:prstGeom>
-            <a:noFill/>
-          </p:spPr>
-          <p:txBody>
-            <a:bodyPr wrap="square" rtlCol="0">
-              <a:spAutoFit/>
-            </a:bodyPr>
-            <a:lstStyle/>
-            <a:p>
-              <a:r>
-                <a:rPr lang="en-US" sz="1000" dirty="0" smtClean="0"/>
-                <a:t>Class 1         Drug #1                   5/29/15</a:t>
-              </a:r>
-              <a:endParaRPr lang="en-US" sz="1000" dirty="0"/>
-            </a:p>
-          </p:txBody>
-        </p:sp>
-        <p:sp>
-          <p:nvSpPr>
-            <p:cNvPr id="12" name="Oval 11"/>
+            <p:cNvPr id="58" name="Oval 57"/>
             <p:cNvSpPr/>
             <p:nvPr/>
           </p:nvSpPr>
           <p:spPr bwMode="auto">
             <a:xfrm>
-              <a:off x="3146107" y="2773977"/>
-              <a:ext cx="191135" cy="184666"/>
+              <a:off x="2305050" y="2440318"/>
+              <a:ext cx="114300" cy="114448"/>
             </a:xfrm>
             <a:prstGeom prst="ellipse">
               <a:avLst/>
             </a:prstGeom>
             <a:solidFill>
-              <a:srgbClr val="FFFF00"/>
+              <a:schemeClr val="bg1"/>
             </a:solidFill>
             <a:ln w="9525" cap="flat" cmpd="sng" algn="ctr">
               <a:solidFill>
@@ -6798,97 +7150,22 @@
             </a:p>
           </p:txBody>
         </p:sp>
-      </p:grpSp>
-      <p:sp>
-        <p:nvSpPr>
-          <p:cNvPr id="13" name="TextBox 12"/>
-          <p:cNvSpPr txBox="1"/>
-          <p:nvPr/>
-        </p:nvSpPr>
-        <p:spPr>
-          <a:xfrm>
-            <a:off x="2965449" y="2420779"/>
-            <a:ext cx="3200400" cy="246221"/>
-          </a:xfrm>
-          <a:prstGeom prst="rect">
-            <a:avLst/>
-          </a:prstGeom>
-          <a:noFill/>
-        </p:spPr>
-        <p:txBody>
-          <a:bodyPr wrap="square" rtlCol="0">
-            <a:spAutoFit/>
-          </a:bodyPr>
-          <a:lstStyle/>
-          <a:p>
-            <a:r>
-              <a:rPr lang="en-US" sz="1000" dirty="0" smtClean="0"/>
-              <a:t>Classification	      Product Name          Recall Date</a:t>
-            </a:r>
-            <a:endParaRPr lang="en-US" sz="1000" dirty="0"/>
-          </a:p>
-        </p:txBody>
-      </p:sp>
-      <p:grpSp>
-        <p:nvGrpSpPr>
-          <p:cNvPr id="29" name="Group 28"/>
-          <p:cNvGrpSpPr/>
-          <p:nvPr/>
-        </p:nvGrpSpPr>
-        <p:grpSpPr>
-          <a:xfrm>
-            <a:off x="3139757" y="3096398"/>
-            <a:ext cx="2695893" cy="246221"/>
-            <a:chOff x="3139757" y="3096398"/>
-            <a:chExt cx="2695893" cy="246221"/>
-          </a:xfrm>
-        </p:grpSpPr>
         <p:sp>
           <p:nvSpPr>
-            <p:cNvPr id="14" name="TextBox 13"/>
-            <p:cNvSpPr txBox="1"/>
-            <p:nvPr/>
-          </p:nvSpPr>
-          <p:spPr>
-            <a:xfrm>
-              <a:off x="3330892" y="3096398"/>
-              <a:ext cx="2504758" cy="246221"/>
-            </a:xfrm>
-            <a:prstGeom prst="rect">
-              <a:avLst/>
-            </a:prstGeom>
-            <a:noFill/>
-          </p:spPr>
-          <p:txBody>
-            <a:bodyPr wrap="square" rtlCol="0">
-              <a:spAutoFit/>
-            </a:bodyPr>
-            <a:lstStyle/>
-            <a:p>
-              <a:r>
-                <a:rPr lang="en-US" sz="1000" dirty="0" smtClean="0"/>
-                <a:t>Class 3         Drug #2                   5/29/15</a:t>
-              </a:r>
-              <a:endParaRPr lang="en-US" sz="1000" dirty="0"/>
-            </a:p>
-          </p:txBody>
-        </p:sp>
-        <p:sp>
-          <p:nvSpPr>
-            <p:cNvPr id="15" name="Oval 14"/>
+            <p:cNvPr id="59" name="Oval 58"/>
             <p:cNvSpPr/>
             <p:nvPr/>
           </p:nvSpPr>
           <p:spPr bwMode="auto">
             <a:xfrm>
-              <a:off x="3139757" y="3127175"/>
-              <a:ext cx="191135" cy="184666"/>
+              <a:off x="2305050" y="2704952"/>
+              <a:ext cx="114300" cy="114448"/>
             </a:xfrm>
             <a:prstGeom prst="ellipse">
               <a:avLst/>
             </a:prstGeom>
             <a:solidFill>
-              <a:srgbClr val="FF0000"/>
+              <a:schemeClr val="bg1"/>
             </a:solidFill>
             <a:ln w="9525" cap="flat" cmpd="sng" algn="ctr">
               <a:solidFill>
@@ -6939,67 +7216,22 @@
             </a:p>
           </p:txBody>
         </p:sp>
-      </p:grpSp>
-      <p:grpSp>
-        <p:nvGrpSpPr>
-          <p:cNvPr id="30" name="Group 29"/>
-          <p:cNvGrpSpPr/>
-          <p:nvPr/>
-        </p:nvGrpSpPr>
-        <p:grpSpPr>
-          <a:xfrm>
-            <a:off x="3139757" y="3483291"/>
-            <a:ext cx="2695893" cy="246221"/>
-            <a:chOff x="3139757" y="3483291"/>
-            <a:chExt cx="2695893" cy="246221"/>
-          </a:xfrm>
-        </p:grpSpPr>
         <p:sp>
           <p:nvSpPr>
-            <p:cNvPr id="16" name="TextBox 15"/>
-            <p:cNvSpPr txBox="1"/>
-            <p:nvPr/>
-          </p:nvSpPr>
-          <p:spPr>
-            <a:xfrm>
-              <a:off x="3330892" y="3483291"/>
-              <a:ext cx="2504758" cy="246221"/>
-            </a:xfrm>
-            <a:prstGeom prst="rect">
-              <a:avLst/>
-            </a:prstGeom>
-            <a:noFill/>
-          </p:spPr>
-          <p:txBody>
-            <a:bodyPr wrap="square" rtlCol="0">
-              <a:spAutoFit/>
-            </a:bodyPr>
-            <a:lstStyle/>
-            <a:p>
-              <a:r>
-                <a:rPr lang="en-US" sz="1000" dirty="0" smtClean="0"/>
-                <a:t>Class 2         Drug #3                   5/29/15</a:t>
-              </a:r>
-              <a:endParaRPr lang="en-US" sz="1000" dirty="0"/>
-            </a:p>
-          </p:txBody>
-        </p:sp>
-        <p:sp>
-          <p:nvSpPr>
-            <p:cNvPr id="17" name="Oval 16"/>
+            <p:cNvPr id="62" name="Oval 61"/>
             <p:cNvSpPr/>
             <p:nvPr/>
           </p:nvSpPr>
           <p:spPr bwMode="auto">
             <a:xfrm>
-              <a:off x="3139757" y="3514068"/>
-              <a:ext cx="191135" cy="184666"/>
+              <a:off x="2305050" y="3390752"/>
+              <a:ext cx="114300" cy="114448"/>
             </a:xfrm>
             <a:prstGeom prst="ellipse">
               <a:avLst/>
             </a:prstGeom>
             <a:solidFill>
-              <a:srgbClr val="FFC000"/>
+              <a:schemeClr val="bg1"/>
             </a:solidFill>
             <a:ln w="9525" cap="flat" cmpd="sng" algn="ctr">
               <a:solidFill>
@@ -7050,31 +7282,478 @@
             </a:p>
           </p:txBody>
         </p:sp>
-      </p:grpSp>
-      <p:grpSp>
-        <p:nvGrpSpPr>
-          <p:cNvPr id="27" name="Group 26"/>
-          <p:cNvGrpSpPr/>
-          <p:nvPr/>
-        </p:nvGrpSpPr>
-        <p:grpSpPr>
-          <a:xfrm>
-            <a:off x="2895600" y="1494234"/>
-            <a:ext cx="2301876" cy="258366"/>
-            <a:chOff x="2965449" y="1841182"/>
-            <a:chExt cx="2301876" cy="258366"/>
-          </a:xfrm>
-        </p:grpSpPr>
         <p:sp>
           <p:nvSpPr>
-            <p:cNvPr id="6" name="Rectangle 5"/>
+            <p:cNvPr id="63" name="Oval 62"/>
             <p:cNvSpPr/>
             <p:nvPr/>
           </p:nvSpPr>
           <p:spPr bwMode="auto">
             <a:xfrm>
-              <a:off x="2965449" y="1862852"/>
-              <a:ext cx="1504950" cy="236696"/>
+              <a:off x="2305050" y="3619352"/>
+              <a:ext cx="114300" cy="114448"/>
+            </a:xfrm>
+            <a:prstGeom prst="ellipse">
+              <a:avLst/>
+            </a:prstGeom>
+            <a:solidFill>
+              <a:schemeClr val="bg1"/>
+            </a:solidFill>
+            <a:ln w="9525" cap="flat" cmpd="sng" algn="ctr">
+              <a:solidFill>
+                <a:schemeClr val="tx1"/>
+              </a:solidFill>
+              <a:prstDash val="solid"/>
+              <a:round/>
+              <a:headEnd type="none" w="med" len="med"/>
+              <a:tailEnd type="none" w="med" len="med"/>
+            </a:ln>
+            <a:effectLst/>
+          </p:spPr>
+          <p:txBody>
+            <a:bodyPr vert="horz" wrap="square" lIns="91440" tIns="45720" rIns="91440" bIns="45720" numCol="1" rtlCol="0" anchor="t" anchorCtr="0" compatLnSpc="1">
+              <a:prstTxWarp prst="textNoShape">
+                <a:avLst/>
+              </a:prstTxWarp>
+            </a:bodyPr>
+            <a:lstStyle/>
+            <a:p>
+              <a:pPr marL="0" marR="0" indent="0" algn="l" defTabSz="914400" rtl="0" eaLnBrk="0" fontAlgn="base" latinLnBrk="0" hangingPunct="0">
+                <a:lnSpc>
+                  <a:spcPct val="100000"/>
+                </a:lnSpc>
+                <a:spcBef>
+                  <a:spcPct val="0"/>
+                </a:spcBef>
+                <a:spcAft>
+                  <a:spcPct val="0"/>
+                </a:spcAft>
+                <a:buClrTx/>
+                <a:buSzTx/>
+                <a:buFontTx/>
+                <a:buNone/>
+                <a:tabLst/>
+              </a:pPr>
+              <a:endParaRPr kumimoji="0" lang="en-US" sz="2400" b="0" i="0" u="none" strike="noStrike" cap="none" normalizeH="0" baseline="0" smtClean="0">
+                <a:ln>
+                  <a:noFill/>
+                </a:ln>
+                <a:solidFill>
+                  <a:schemeClr val="tx1"/>
+                </a:solidFill>
+                <a:effectLst/>
+                <a:latin typeface="Arial" charset="0"/>
+                <a:ea typeface="ＭＳ Ｐゴシック" pitchFamily="-60" charset="-128"/>
+              </a:endParaRPr>
+            </a:p>
+          </p:txBody>
+        </p:sp>
+        <p:sp>
+          <p:nvSpPr>
+            <p:cNvPr id="64" name="Oval 63"/>
+            <p:cNvSpPr/>
+            <p:nvPr/>
+          </p:nvSpPr>
+          <p:spPr bwMode="auto">
+            <a:xfrm>
+              <a:off x="2305050" y="3886200"/>
+              <a:ext cx="114300" cy="114448"/>
+            </a:xfrm>
+            <a:prstGeom prst="ellipse">
+              <a:avLst/>
+            </a:prstGeom>
+            <a:solidFill>
+              <a:schemeClr val="bg1"/>
+            </a:solidFill>
+            <a:ln w="9525" cap="flat" cmpd="sng" algn="ctr">
+              <a:solidFill>
+                <a:schemeClr val="tx1"/>
+              </a:solidFill>
+              <a:prstDash val="solid"/>
+              <a:round/>
+              <a:headEnd type="none" w="med" len="med"/>
+              <a:tailEnd type="none" w="med" len="med"/>
+            </a:ln>
+            <a:effectLst/>
+          </p:spPr>
+          <p:txBody>
+            <a:bodyPr vert="horz" wrap="square" lIns="91440" tIns="45720" rIns="91440" bIns="45720" numCol="1" rtlCol="0" anchor="t" anchorCtr="0" compatLnSpc="1">
+              <a:prstTxWarp prst="textNoShape">
+                <a:avLst/>
+              </a:prstTxWarp>
+            </a:bodyPr>
+            <a:lstStyle/>
+            <a:p>
+              <a:pPr marL="0" marR="0" indent="0" algn="l" defTabSz="914400" rtl="0" eaLnBrk="0" fontAlgn="base" latinLnBrk="0" hangingPunct="0">
+                <a:lnSpc>
+                  <a:spcPct val="100000"/>
+                </a:lnSpc>
+                <a:spcBef>
+                  <a:spcPct val="0"/>
+                </a:spcBef>
+                <a:spcAft>
+                  <a:spcPct val="0"/>
+                </a:spcAft>
+                <a:buClrTx/>
+                <a:buSzTx/>
+                <a:buFontTx/>
+                <a:buNone/>
+                <a:tabLst/>
+              </a:pPr>
+              <a:endParaRPr kumimoji="0" lang="en-US" sz="2400" b="0" i="0" u="none" strike="noStrike" cap="none" normalizeH="0" baseline="0" smtClean="0">
+                <a:ln>
+                  <a:noFill/>
+                </a:ln>
+                <a:solidFill>
+                  <a:schemeClr val="tx1"/>
+                </a:solidFill>
+                <a:effectLst/>
+                <a:latin typeface="Arial" charset="0"/>
+                <a:ea typeface="ＭＳ Ｐゴシック" pitchFamily="-60" charset="-128"/>
+              </a:endParaRPr>
+            </a:p>
+          </p:txBody>
+        </p:sp>
+        <p:sp>
+          <p:nvSpPr>
+            <p:cNvPr id="65" name="Oval 64"/>
+            <p:cNvSpPr/>
+            <p:nvPr/>
+          </p:nvSpPr>
+          <p:spPr bwMode="auto">
+            <a:xfrm>
+              <a:off x="2305050" y="4119446"/>
+              <a:ext cx="114300" cy="114448"/>
+            </a:xfrm>
+            <a:prstGeom prst="ellipse">
+              <a:avLst/>
+            </a:prstGeom>
+            <a:solidFill>
+              <a:schemeClr val="tx1"/>
+            </a:solidFill>
+            <a:ln w="9525" cap="flat" cmpd="sng" algn="ctr">
+              <a:solidFill>
+                <a:schemeClr val="tx1"/>
+              </a:solidFill>
+              <a:prstDash val="solid"/>
+              <a:round/>
+              <a:headEnd type="none" w="med" len="med"/>
+              <a:tailEnd type="none" w="med" len="med"/>
+            </a:ln>
+            <a:effectLst/>
+          </p:spPr>
+          <p:txBody>
+            <a:bodyPr vert="horz" wrap="square" lIns="91440" tIns="45720" rIns="91440" bIns="45720" numCol="1" rtlCol="0" anchor="t" anchorCtr="0" compatLnSpc="1">
+              <a:prstTxWarp prst="textNoShape">
+                <a:avLst/>
+              </a:prstTxWarp>
+            </a:bodyPr>
+            <a:lstStyle/>
+            <a:p>
+              <a:pPr marL="0" marR="0" indent="0" algn="l" defTabSz="914400" rtl="0" eaLnBrk="0" fontAlgn="base" latinLnBrk="0" hangingPunct="0">
+                <a:lnSpc>
+                  <a:spcPct val="100000"/>
+                </a:lnSpc>
+                <a:spcBef>
+                  <a:spcPct val="0"/>
+                </a:spcBef>
+                <a:spcAft>
+                  <a:spcPct val="0"/>
+                </a:spcAft>
+                <a:buClrTx/>
+                <a:buSzTx/>
+                <a:buFontTx/>
+                <a:buNone/>
+                <a:tabLst/>
+              </a:pPr>
+              <a:endParaRPr kumimoji="0" lang="en-US" sz="2400" b="0" i="0" u="none" strike="noStrike" cap="none" normalizeH="0" baseline="0" smtClean="0">
+                <a:ln>
+                  <a:noFill/>
+                </a:ln>
+                <a:solidFill>
+                  <a:schemeClr val="tx1"/>
+                </a:solidFill>
+                <a:effectLst/>
+                <a:latin typeface="Arial" charset="0"/>
+                <a:ea typeface="ＭＳ Ｐゴシック" pitchFamily="-60" charset="-128"/>
+              </a:endParaRPr>
+            </a:p>
+          </p:txBody>
+        </p:sp>
+        <p:sp>
+          <p:nvSpPr>
+            <p:cNvPr id="66" name="Oval 65"/>
+            <p:cNvSpPr/>
+            <p:nvPr/>
+          </p:nvSpPr>
+          <p:spPr bwMode="auto">
+            <a:xfrm>
+              <a:off x="2305050" y="4953000"/>
+              <a:ext cx="114300" cy="114448"/>
+            </a:xfrm>
+            <a:prstGeom prst="ellipse">
+              <a:avLst/>
+            </a:prstGeom>
+            <a:solidFill>
+              <a:schemeClr val="bg1"/>
+            </a:solidFill>
+            <a:ln w="9525" cap="flat" cmpd="sng" algn="ctr">
+              <a:solidFill>
+                <a:schemeClr val="tx1"/>
+              </a:solidFill>
+              <a:prstDash val="solid"/>
+              <a:round/>
+              <a:headEnd type="none" w="med" len="med"/>
+              <a:tailEnd type="none" w="med" len="med"/>
+            </a:ln>
+            <a:effectLst/>
+          </p:spPr>
+          <p:txBody>
+            <a:bodyPr vert="horz" wrap="square" lIns="91440" tIns="45720" rIns="91440" bIns="45720" numCol="1" rtlCol="0" anchor="t" anchorCtr="0" compatLnSpc="1">
+              <a:prstTxWarp prst="textNoShape">
+                <a:avLst/>
+              </a:prstTxWarp>
+            </a:bodyPr>
+            <a:lstStyle/>
+            <a:p>
+              <a:pPr marL="0" marR="0" indent="0" algn="l" defTabSz="914400" rtl="0" eaLnBrk="0" fontAlgn="base" latinLnBrk="0" hangingPunct="0">
+                <a:lnSpc>
+                  <a:spcPct val="100000"/>
+                </a:lnSpc>
+                <a:spcBef>
+                  <a:spcPct val="0"/>
+                </a:spcBef>
+                <a:spcAft>
+                  <a:spcPct val="0"/>
+                </a:spcAft>
+                <a:buClrTx/>
+                <a:buSzTx/>
+                <a:buFontTx/>
+                <a:buNone/>
+                <a:tabLst/>
+              </a:pPr>
+              <a:endParaRPr kumimoji="0" lang="en-US" sz="2400" b="0" i="0" u="none" strike="noStrike" cap="none" normalizeH="0" baseline="0" smtClean="0">
+                <a:ln>
+                  <a:noFill/>
+                </a:ln>
+                <a:solidFill>
+                  <a:schemeClr val="tx1"/>
+                </a:solidFill>
+                <a:effectLst/>
+                <a:latin typeface="Arial" charset="0"/>
+                <a:ea typeface="ＭＳ Ｐゴシック" pitchFamily="-60" charset="-128"/>
+              </a:endParaRPr>
+            </a:p>
+          </p:txBody>
+        </p:sp>
+        <p:sp>
+          <p:nvSpPr>
+            <p:cNvPr id="67" name="Oval 66"/>
+            <p:cNvSpPr/>
+            <p:nvPr/>
+          </p:nvSpPr>
+          <p:spPr bwMode="auto">
+            <a:xfrm>
+              <a:off x="2305050" y="5194316"/>
+              <a:ext cx="114300" cy="114448"/>
+            </a:xfrm>
+            <a:prstGeom prst="ellipse">
+              <a:avLst/>
+            </a:prstGeom>
+            <a:solidFill>
+              <a:schemeClr val="bg1"/>
+            </a:solidFill>
+            <a:ln w="9525" cap="flat" cmpd="sng" algn="ctr">
+              <a:solidFill>
+                <a:schemeClr val="tx1"/>
+              </a:solidFill>
+              <a:prstDash val="solid"/>
+              <a:round/>
+              <a:headEnd type="none" w="med" len="med"/>
+              <a:tailEnd type="none" w="med" len="med"/>
+            </a:ln>
+            <a:effectLst/>
+          </p:spPr>
+          <p:txBody>
+            <a:bodyPr vert="horz" wrap="square" lIns="91440" tIns="45720" rIns="91440" bIns="45720" numCol="1" rtlCol="0" anchor="t" anchorCtr="0" compatLnSpc="1">
+              <a:prstTxWarp prst="textNoShape">
+                <a:avLst/>
+              </a:prstTxWarp>
+            </a:bodyPr>
+            <a:lstStyle/>
+            <a:p>
+              <a:pPr marL="0" marR="0" indent="0" algn="l" defTabSz="914400" rtl="0" eaLnBrk="0" fontAlgn="base" latinLnBrk="0" hangingPunct="0">
+                <a:lnSpc>
+                  <a:spcPct val="100000"/>
+                </a:lnSpc>
+                <a:spcBef>
+                  <a:spcPct val="0"/>
+                </a:spcBef>
+                <a:spcAft>
+                  <a:spcPct val="0"/>
+                </a:spcAft>
+                <a:buClrTx/>
+                <a:buSzTx/>
+                <a:buFontTx/>
+                <a:buNone/>
+                <a:tabLst/>
+              </a:pPr>
+              <a:endParaRPr kumimoji="0" lang="en-US" sz="2400" b="0" i="0" u="none" strike="noStrike" cap="none" normalizeH="0" baseline="0" smtClean="0">
+                <a:ln>
+                  <a:noFill/>
+                </a:ln>
+                <a:solidFill>
+                  <a:schemeClr val="tx1"/>
+                </a:solidFill>
+                <a:effectLst/>
+                <a:latin typeface="Arial" charset="0"/>
+                <a:ea typeface="ＭＳ Ｐゴシック" pitchFamily="-60" charset="-128"/>
+              </a:endParaRPr>
+            </a:p>
+          </p:txBody>
+        </p:sp>
+        <p:sp>
+          <p:nvSpPr>
+            <p:cNvPr id="68" name="Oval 67"/>
+            <p:cNvSpPr/>
+            <p:nvPr/>
+          </p:nvSpPr>
+          <p:spPr bwMode="auto">
+            <a:xfrm>
+              <a:off x="2305050" y="5448152"/>
+              <a:ext cx="114300" cy="114448"/>
+            </a:xfrm>
+            <a:prstGeom prst="ellipse">
+              <a:avLst/>
+            </a:prstGeom>
+            <a:solidFill>
+              <a:schemeClr val="bg1"/>
+            </a:solidFill>
+            <a:ln w="9525" cap="flat" cmpd="sng" algn="ctr">
+              <a:solidFill>
+                <a:schemeClr val="tx1"/>
+              </a:solidFill>
+              <a:prstDash val="solid"/>
+              <a:round/>
+              <a:headEnd type="none" w="med" len="med"/>
+              <a:tailEnd type="none" w="med" len="med"/>
+            </a:ln>
+            <a:effectLst/>
+          </p:spPr>
+          <p:txBody>
+            <a:bodyPr vert="horz" wrap="square" lIns="91440" tIns="45720" rIns="91440" bIns="45720" numCol="1" rtlCol="0" anchor="t" anchorCtr="0" compatLnSpc="1">
+              <a:prstTxWarp prst="textNoShape">
+                <a:avLst/>
+              </a:prstTxWarp>
+            </a:bodyPr>
+            <a:lstStyle/>
+            <a:p>
+              <a:pPr marL="0" marR="0" indent="0" algn="l" defTabSz="914400" rtl="0" eaLnBrk="0" fontAlgn="base" latinLnBrk="0" hangingPunct="0">
+                <a:lnSpc>
+                  <a:spcPct val="100000"/>
+                </a:lnSpc>
+                <a:spcBef>
+                  <a:spcPct val="0"/>
+                </a:spcBef>
+                <a:spcAft>
+                  <a:spcPct val="0"/>
+                </a:spcAft>
+                <a:buClrTx/>
+                <a:buSzTx/>
+                <a:buFontTx/>
+                <a:buNone/>
+                <a:tabLst/>
+              </a:pPr>
+              <a:endParaRPr kumimoji="0" lang="en-US" sz="2400" b="0" i="0" u="none" strike="noStrike" cap="none" normalizeH="0" baseline="0" smtClean="0">
+                <a:ln>
+                  <a:noFill/>
+                </a:ln>
+                <a:solidFill>
+                  <a:schemeClr val="tx1"/>
+                </a:solidFill>
+                <a:effectLst/>
+                <a:latin typeface="Arial" charset="0"/>
+                <a:ea typeface="ＭＳ Ｐゴシック" pitchFamily="-60" charset="-128"/>
+              </a:endParaRPr>
+            </a:p>
+          </p:txBody>
+        </p:sp>
+        <p:sp>
+          <p:nvSpPr>
+            <p:cNvPr id="69" name="Oval 68"/>
+            <p:cNvSpPr/>
+            <p:nvPr/>
+          </p:nvSpPr>
+          <p:spPr bwMode="auto">
+            <a:xfrm>
+              <a:off x="2305050" y="5676752"/>
+              <a:ext cx="114300" cy="114448"/>
+            </a:xfrm>
+            <a:prstGeom prst="ellipse">
+              <a:avLst/>
+            </a:prstGeom>
+            <a:solidFill>
+              <a:schemeClr val="tx1"/>
+            </a:solidFill>
+            <a:ln w="9525" cap="flat" cmpd="sng" algn="ctr">
+              <a:solidFill>
+                <a:schemeClr val="tx1"/>
+              </a:solidFill>
+              <a:prstDash val="solid"/>
+              <a:round/>
+              <a:headEnd type="none" w="med" len="med"/>
+              <a:tailEnd type="none" w="med" len="med"/>
+            </a:ln>
+            <a:effectLst/>
+          </p:spPr>
+          <p:txBody>
+            <a:bodyPr vert="horz" wrap="square" lIns="91440" tIns="45720" rIns="91440" bIns="45720" numCol="1" rtlCol="0" anchor="t" anchorCtr="0" compatLnSpc="1">
+              <a:prstTxWarp prst="textNoShape">
+                <a:avLst/>
+              </a:prstTxWarp>
+            </a:bodyPr>
+            <a:lstStyle/>
+            <a:p>
+              <a:pPr marL="0" marR="0" indent="0" algn="l" defTabSz="914400" rtl="0" eaLnBrk="0" fontAlgn="base" latinLnBrk="0" hangingPunct="0">
+                <a:lnSpc>
+                  <a:spcPct val="100000"/>
+                </a:lnSpc>
+                <a:spcBef>
+                  <a:spcPct val="0"/>
+                </a:spcBef>
+                <a:spcAft>
+                  <a:spcPct val="0"/>
+                </a:spcAft>
+                <a:buClrTx/>
+                <a:buSzTx/>
+                <a:buFontTx/>
+                <a:buNone/>
+                <a:tabLst/>
+              </a:pPr>
+              <a:endParaRPr kumimoji="0" lang="en-US" sz="2400" b="0" i="0" u="none" strike="noStrike" cap="none" normalizeH="0" baseline="0" smtClean="0">
+                <a:ln>
+                  <a:noFill/>
+                </a:ln>
+                <a:solidFill>
+                  <a:schemeClr val="tx1"/>
+                </a:solidFill>
+                <a:effectLst/>
+                <a:latin typeface="Arial" charset="0"/>
+                <a:ea typeface="ＭＳ Ｐゴシック" pitchFamily="-60" charset="-128"/>
+              </a:endParaRPr>
+            </a:p>
+          </p:txBody>
+        </p:sp>
+        <p:sp>
+          <p:nvSpPr>
+            <p:cNvPr id="71" name="Rectangle 70"/>
+            <p:cNvSpPr/>
+            <p:nvPr/>
+          </p:nvSpPr>
+          <p:spPr bwMode="auto">
+            <a:xfrm>
+              <a:off x="1992734" y="1346462"/>
+              <a:ext cx="2366486" cy="253738"/>
             </a:xfrm>
             <a:prstGeom prst="rect">
               <a:avLst/>
@@ -7133,14 +7812,652 @@
         </p:sp>
         <p:sp>
           <p:nvSpPr>
-            <p:cNvPr id="5" name="TextBox 4"/>
+            <p:cNvPr id="72" name="TextBox 71"/>
             <p:cNvSpPr txBox="1"/>
             <p:nvPr/>
           </p:nvSpPr>
           <p:spPr>
             <a:xfrm>
-              <a:off x="2965449" y="1841182"/>
-              <a:ext cx="1624172" cy="246221"/>
+              <a:off x="1920820" y="1346462"/>
+              <a:ext cx="2220436" cy="246221"/>
+            </a:xfrm>
+            <a:prstGeom prst="rect">
+              <a:avLst/>
+            </a:prstGeom>
+            <a:noFill/>
+          </p:spPr>
+          <p:txBody>
+            <a:bodyPr wrap="square" rtlCol="0">
+              <a:spAutoFit/>
+            </a:bodyPr>
+            <a:lstStyle/>
+            <a:p>
+              <a:r>
+                <a:rPr lang="en-US" sz="1000" dirty="0" smtClean="0"/>
+                <a:t>Enter the name a drug…</a:t>
+              </a:r>
+              <a:endParaRPr lang="en-US" sz="1000" dirty="0"/>
+            </a:p>
+          </p:txBody>
+        </p:sp>
+      </p:grpSp>
+    </p:spTree>
+    <p:extLst>
+      <p:ext uri="{BB962C8B-B14F-4D97-AF65-F5344CB8AC3E}">
+        <p14:creationId xmlns:p14="http://schemas.microsoft.com/office/powerpoint/2010/main" val="2801539198"/>
+      </p:ext>
+    </p:extLst>
+  </p:cSld>
+  <p:clrMapOvr>
+    <a:masterClrMapping/>
+  </p:clrMapOvr>
+  <p:timing>
+    <p:tnLst>
+      <p:par>
+        <p:cTn id="1" dur="indefinite" restart="never" nodeType="tmRoot"/>
+      </p:par>
+    </p:tnLst>
+  </p:timing>
+</p:sld>
+</file>
+
+<file path=ppt/slides/slide5.xml><?xml version="1.0" encoding="utf-8"?>
+<p:sld xmlns:a="http://schemas.openxmlformats.org/drawingml/2006/main" xmlns:r="http://schemas.openxmlformats.org/officeDocument/2006/relationships" xmlns:p="http://schemas.openxmlformats.org/presentationml/2006/main">
+  <p:cSld>
+    <p:spTree>
+      <p:nvGrpSpPr>
+        <p:cNvPr id="1" name=""/>
+        <p:cNvGrpSpPr/>
+        <p:nvPr/>
+      </p:nvGrpSpPr>
+      <p:grpSpPr>
+        <a:xfrm>
+          <a:off x="0" y="0"/>
+          <a:ext cx="0" cy="0"/>
+          <a:chOff x="0" y="0"/>
+          <a:chExt cx="0" cy="0"/>
+        </a:xfrm>
+      </p:grpSpPr>
+      <p:grpSp>
+        <p:nvGrpSpPr>
+          <p:cNvPr id="18" name="Group 17"/>
+          <p:cNvGrpSpPr/>
+          <p:nvPr/>
+        </p:nvGrpSpPr>
+        <p:grpSpPr>
+          <a:xfrm>
+            <a:off x="609600" y="968667"/>
+            <a:ext cx="5105400" cy="5279733"/>
+            <a:chOff x="1447800" y="609600"/>
+            <a:chExt cx="5105400" cy="5279733"/>
+          </a:xfrm>
+        </p:grpSpPr>
+        <p:sp>
+          <p:nvSpPr>
+            <p:cNvPr id="19" name="Rectangle 18"/>
+            <p:cNvSpPr/>
+            <p:nvPr/>
+          </p:nvSpPr>
+          <p:spPr bwMode="auto">
+            <a:xfrm>
+              <a:off x="1447800" y="609600"/>
+              <a:ext cx="5105400" cy="5279733"/>
+            </a:xfrm>
+            <a:prstGeom prst="rect">
+              <a:avLst/>
+            </a:prstGeom>
+            <a:noFill/>
+            <a:ln w="28575" cap="flat" cmpd="sng" algn="ctr">
+              <a:solidFill>
+                <a:schemeClr val="tx1"/>
+              </a:solidFill>
+              <a:prstDash val="solid"/>
+              <a:round/>
+              <a:headEnd type="none" w="med" len="med"/>
+              <a:tailEnd type="none" w="med" len="med"/>
+            </a:ln>
+            <a:effectLst/>
+          </p:spPr>
+          <p:txBody>
+            <a:bodyPr vert="wordArtVert" wrap="square" lIns="91440" tIns="45720" rIns="91440" bIns="45720" numCol="1" rtlCol="0" anchor="t" anchorCtr="0" compatLnSpc="1">
+              <a:prstTxWarp prst="textNoShape">
+                <a:avLst/>
+              </a:prstTxWarp>
+            </a:bodyPr>
+            <a:lstStyle/>
+            <a:p>
+              <a:pPr marL="0" marR="0" indent="0" algn="l" defTabSz="914400" rtl="0" eaLnBrk="0" fontAlgn="base" latinLnBrk="0" hangingPunct="0">
+                <a:lnSpc>
+                  <a:spcPct val="100000"/>
+                </a:lnSpc>
+                <a:spcBef>
+                  <a:spcPct val="0"/>
+                </a:spcBef>
+                <a:spcAft>
+                  <a:spcPct val="0"/>
+                </a:spcAft>
+                <a:buClrTx/>
+                <a:buSzTx/>
+                <a:buFontTx/>
+                <a:buNone/>
+                <a:tabLst/>
+              </a:pPr>
+              <a:endParaRPr kumimoji="0" lang="en-US" sz="2400" b="0" i="0" u="none" strike="noStrike" cap="none" normalizeH="0" baseline="0" dirty="0" smtClean="0">
+                <a:ln>
+                  <a:noFill/>
+                </a:ln>
+                <a:solidFill>
+                  <a:schemeClr val="tx1"/>
+                </a:solidFill>
+                <a:effectLst/>
+                <a:latin typeface="Arial" charset="0"/>
+                <a:ea typeface="ＭＳ Ｐゴシック" pitchFamily="-60" charset="-128"/>
+              </a:endParaRPr>
+            </a:p>
+          </p:txBody>
+        </p:sp>
+        <p:pic>
+          <p:nvPicPr>
+            <p:cNvPr id="20" name="Picture 19" descr="DEV-Logo_RGB.gif"/>
+            <p:cNvPicPr/>
+            <p:nvPr/>
+          </p:nvPicPr>
+          <p:blipFill>
+            <a:blip r:embed="rId3" cstate="print">
+              <a:extLst>
+                <a:ext uri="{28A0092B-C50C-407E-A947-70E740481C1C}">
+                  <a14:useLocalDpi xmlns:a14="http://schemas.microsoft.com/office/drawing/2010/main" val="0"/>
+                </a:ext>
+              </a:extLst>
+            </a:blip>
+            <a:srcRect/>
+            <a:stretch>
+              <a:fillRect/>
+            </a:stretch>
+          </p:blipFill>
+          <p:spPr bwMode="auto">
+            <a:xfrm>
+              <a:off x="4005261" y="5392579"/>
+              <a:ext cx="813479" cy="243002"/>
+            </a:xfrm>
+            <a:prstGeom prst="rect">
+              <a:avLst/>
+            </a:prstGeom>
+            <a:noFill/>
+            <a:ln>
+              <a:noFill/>
+            </a:ln>
+          </p:spPr>
+        </p:pic>
+        <p:sp>
+          <p:nvSpPr>
+            <p:cNvPr id="22" name="TextBox 21"/>
+            <p:cNvSpPr txBox="1"/>
+            <p:nvPr/>
+          </p:nvSpPr>
+          <p:spPr>
+            <a:xfrm>
+              <a:off x="1981200" y="2209800"/>
+              <a:ext cx="4105274" cy="307777"/>
+            </a:xfrm>
+            <a:prstGeom prst="rect">
+              <a:avLst/>
+            </a:prstGeom>
+            <a:noFill/>
+          </p:spPr>
+          <p:txBody>
+            <a:bodyPr wrap="square" rtlCol="0">
+              <a:spAutoFit/>
+            </a:bodyPr>
+            <a:lstStyle/>
+            <a:p>
+              <a:pPr algn="ctr"/>
+              <a:r>
+                <a:rPr lang="en-US" sz="1400" u="sng" dirty="0" smtClean="0"/>
+                <a:t>Drug Recall Reports</a:t>
+              </a:r>
+              <a:endParaRPr lang="en-US" sz="1400" u="sng" dirty="0"/>
+            </a:p>
+          </p:txBody>
+        </p:sp>
+        <p:sp>
+          <p:nvSpPr>
+            <p:cNvPr id="26" name="Rectangle 25"/>
+            <p:cNvSpPr/>
+            <p:nvPr/>
+          </p:nvSpPr>
+          <p:spPr bwMode="auto">
+            <a:xfrm>
+              <a:off x="1993902" y="2775270"/>
+              <a:ext cx="4025898" cy="2341016"/>
+            </a:xfrm>
+            <a:prstGeom prst="rect">
+              <a:avLst/>
+            </a:prstGeom>
+            <a:solidFill>
+              <a:schemeClr val="bg1"/>
+            </a:solidFill>
+            <a:ln w="9525" cap="flat" cmpd="sng" algn="ctr">
+              <a:solidFill>
+                <a:schemeClr val="tx1"/>
+              </a:solidFill>
+              <a:prstDash val="solid"/>
+              <a:round/>
+              <a:headEnd type="none" w="med" len="med"/>
+              <a:tailEnd type="none" w="med" len="med"/>
+            </a:ln>
+            <a:effectLst/>
+          </p:spPr>
+          <p:txBody>
+            <a:bodyPr vert="horz" wrap="square" lIns="91440" tIns="45720" rIns="91440" bIns="45720" numCol="1" rtlCol="0" anchor="t" anchorCtr="0" compatLnSpc="1">
+              <a:prstTxWarp prst="textNoShape">
+                <a:avLst/>
+              </a:prstTxWarp>
+            </a:bodyPr>
+            <a:lstStyle/>
+            <a:p>
+              <a:pPr marL="0" marR="0" indent="0" algn="l" defTabSz="914400" rtl="0" eaLnBrk="0" fontAlgn="base" latinLnBrk="0" hangingPunct="0">
+                <a:lnSpc>
+                  <a:spcPct val="100000"/>
+                </a:lnSpc>
+                <a:spcBef>
+                  <a:spcPct val="0"/>
+                </a:spcBef>
+                <a:spcAft>
+                  <a:spcPct val="0"/>
+                </a:spcAft>
+                <a:buClrTx/>
+                <a:buSzTx/>
+                <a:buFontTx/>
+                <a:buNone/>
+                <a:tabLst/>
+              </a:pPr>
+              <a:endParaRPr kumimoji="0" lang="en-US" sz="2400" b="0" i="0" u="none" strike="noStrike" cap="none" normalizeH="0" baseline="0" smtClean="0">
+                <a:ln>
+                  <a:noFill/>
+                </a:ln>
+                <a:solidFill>
+                  <a:schemeClr val="tx1"/>
+                </a:solidFill>
+                <a:effectLst/>
+                <a:latin typeface="Arial" charset="0"/>
+                <a:ea typeface="ＭＳ Ｐゴシック" pitchFamily="-60" charset="-128"/>
+              </a:endParaRPr>
+            </a:p>
+          </p:txBody>
+        </p:sp>
+        <p:sp>
+          <p:nvSpPr>
+            <p:cNvPr id="27" name="TextBox 26"/>
+            <p:cNvSpPr txBox="1"/>
+            <p:nvPr/>
+          </p:nvSpPr>
+          <p:spPr>
+            <a:xfrm>
+              <a:off x="1981201" y="2590800"/>
+              <a:ext cx="4184648" cy="246221"/>
+            </a:xfrm>
+            <a:prstGeom prst="rect">
+              <a:avLst/>
+            </a:prstGeom>
+            <a:noFill/>
+          </p:spPr>
+          <p:txBody>
+            <a:bodyPr wrap="square" rtlCol="0">
+              <a:spAutoFit/>
+            </a:bodyPr>
+            <a:lstStyle/>
+            <a:p>
+              <a:r>
+                <a:rPr lang="en-US" sz="1000" dirty="0" smtClean="0"/>
+                <a:t>Recall Number      Classification</a:t>
+              </a:r>
+              <a:r>
+                <a:rPr lang="en-US" sz="1000" dirty="0" smtClean="0"/>
+                <a:t>	      Product Name          </a:t>
+              </a:r>
+              <a:r>
+                <a:rPr lang="en-US" sz="1000" dirty="0" smtClean="0"/>
+                <a:t>Report  Date</a:t>
+              </a:r>
+              <a:endParaRPr lang="en-US" sz="1000" dirty="0"/>
+            </a:p>
+          </p:txBody>
+        </p:sp>
+        <p:grpSp>
+          <p:nvGrpSpPr>
+            <p:cNvPr id="28" name="Group 27"/>
+            <p:cNvGrpSpPr/>
+            <p:nvPr/>
+          </p:nvGrpSpPr>
+          <p:grpSpPr>
+            <a:xfrm>
+              <a:off x="1993902" y="3342467"/>
+              <a:ext cx="4092572" cy="260866"/>
+              <a:chOff x="1993902" y="3342467"/>
+              <a:chExt cx="4092572" cy="260866"/>
+            </a:xfrm>
+          </p:grpSpPr>
+          <p:sp>
+            <p:nvSpPr>
+              <p:cNvPr id="56" name="TextBox 55"/>
+              <p:cNvSpPr txBox="1"/>
+              <p:nvPr/>
+            </p:nvSpPr>
+            <p:spPr>
+              <a:xfrm>
+                <a:off x="1993902" y="3357112"/>
+                <a:ext cx="4092572" cy="246221"/>
+              </a:xfrm>
+              <a:prstGeom prst="rect">
+                <a:avLst/>
+              </a:prstGeom>
+              <a:noFill/>
+            </p:spPr>
+            <p:txBody>
+              <a:bodyPr wrap="square" rtlCol="0">
+                <a:spAutoFit/>
+              </a:bodyPr>
+              <a:lstStyle/>
+              <a:p>
+                <a:r>
+                  <a:rPr lang="en-US" sz="1000" u="sng" dirty="0" smtClean="0">
+                    <a:solidFill>
+                      <a:srgbClr val="0070C0"/>
+                    </a:solidFill>
+                  </a:rPr>
+                  <a:t>D-609-198  </a:t>
+                </a:r>
+                <a:r>
+                  <a:rPr lang="en-US" sz="1000" dirty="0" smtClean="0"/>
+                  <a:t>                   Class </a:t>
+                </a:r>
+                <a:r>
+                  <a:rPr lang="en-US" sz="1000" dirty="0" smtClean="0"/>
+                  <a:t>3         Drug </a:t>
+                </a:r>
+                <a:r>
+                  <a:rPr lang="en-US" sz="1000" dirty="0" smtClean="0"/>
+                  <a:t>1                        5/29/15</a:t>
+                </a:r>
+                <a:endParaRPr lang="en-US" sz="1000" dirty="0"/>
+              </a:p>
+            </p:txBody>
+          </p:sp>
+          <p:sp>
+            <p:nvSpPr>
+              <p:cNvPr id="57" name="Oval 56"/>
+              <p:cNvSpPr/>
+              <p:nvPr/>
+            </p:nvSpPr>
+            <p:spPr bwMode="auto">
+              <a:xfrm>
+                <a:off x="3139757" y="3342467"/>
+                <a:ext cx="204191" cy="184666"/>
+              </a:xfrm>
+              <a:prstGeom prst="ellipse">
+                <a:avLst/>
+              </a:prstGeom>
+              <a:solidFill>
+                <a:srgbClr val="FF0000"/>
+              </a:solidFill>
+              <a:ln w="9525" cap="flat" cmpd="sng" algn="ctr">
+                <a:solidFill>
+                  <a:schemeClr val="tx1"/>
+                </a:solidFill>
+                <a:prstDash val="solid"/>
+                <a:round/>
+                <a:headEnd type="none" w="med" len="med"/>
+                <a:tailEnd type="none" w="med" len="med"/>
+              </a:ln>
+              <a:effectLst/>
+            </p:spPr>
+            <p:txBody>
+              <a:bodyPr vert="horz" wrap="square" lIns="91440" tIns="45720" rIns="91440" bIns="45720" numCol="1" rtlCol="0" anchor="t" anchorCtr="0" compatLnSpc="1">
+                <a:prstTxWarp prst="textNoShape">
+                  <a:avLst/>
+                </a:prstTxWarp>
+              </a:bodyPr>
+              <a:lstStyle/>
+              <a:p>
+                <a:pPr marL="0" marR="0" indent="0" algn="l" defTabSz="914400" rtl="0" eaLnBrk="0" fontAlgn="base" latinLnBrk="0" hangingPunct="0">
+                  <a:lnSpc>
+                    <a:spcPct val="100000"/>
+                  </a:lnSpc>
+                  <a:spcBef>
+                    <a:spcPct val="0"/>
+                  </a:spcBef>
+                  <a:spcAft>
+                    <a:spcPct val="0"/>
+                  </a:spcAft>
+                  <a:buClrTx/>
+                  <a:buSzTx/>
+                  <a:buFontTx/>
+                  <a:buNone/>
+                  <a:tabLst/>
+                </a:pPr>
+                <a:endParaRPr kumimoji="0" lang="en-US" sz="2400" b="0" i="0" u="none" strike="noStrike" cap="none" normalizeH="0" baseline="0" smtClean="0">
+                  <a:ln>
+                    <a:noFill/>
+                  </a:ln>
+                  <a:solidFill>
+                    <a:schemeClr val="tx1"/>
+                  </a:solidFill>
+                  <a:effectLst/>
+                  <a:latin typeface="Arial" charset="0"/>
+                  <a:ea typeface="ＭＳ Ｐゴシック" pitchFamily="-60" charset="-128"/>
+                </a:endParaRPr>
+              </a:p>
+            </p:txBody>
+          </p:sp>
+        </p:grpSp>
+        <p:grpSp>
+          <p:nvGrpSpPr>
+            <p:cNvPr id="29" name="Group 28"/>
+            <p:cNvGrpSpPr/>
+            <p:nvPr/>
+          </p:nvGrpSpPr>
+          <p:grpSpPr>
+            <a:xfrm>
+              <a:off x="1993903" y="3739693"/>
+              <a:ext cx="4025897" cy="246221"/>
+              <a:chOff x="1993903" y="3739693"/>
+              <a:chExt cx="4025897" cy="246221"/>
+            </a:xfrm>
+          </p:grpSpPr>
+          <p:sp>
+            <p:nvSpPr>
+              <p:cNvPr id="54" name="TextBox 53"/>
+              <p:cNvSpPr txBox="1"/>
+              <p:nvPr/>
+            </p:nvSpPr>
+            <p:spPr>
+              <a:xfrm>
+                <a:off x="1993903" y="3739693"/>
+                <a:ext cx="4025897" cy="246221"/>
+              </a:xfrm>
+              <a:prstGeom prst="rect">
+                <a:avLst/>
+              </a:prstGeom>
+              <a:noFill/>
+            </p:spPr>
+            <p:txBody>
+              <a:bodyPr wrap="square" rtlCol="0">
+                <a:spAutoFit/>
+              </a:bodyPr>
+              <a:lstStyle/>
+              <a:p>
+                <a:r>
+                  <a:rPr lang="en-US" sz="1000" u="sng" dirty="0" smtClean="0">
+                    <a:solidFill>
+                      <a:srgbClr val="0070C0"/>
+                    </a:solidFill>
+                  </a:rPr>
+                  <a:t>D-345-4567 </a:t>
+                </a:r>
+                <a:r>
+                  <a:rPr lang="en-US" sz="1000" dirty="0" smtClean="0"/>
+                  <a:t>                  Class </a:t>
+                </a:r>
+                <a:r>
+                  <a:rPr lang="en-US" sz="1000" dirty="0" smtClean="0"/>
+                  <a:t>2         Drug </a:t>
+                </a:r>
+                <a:r>
+                  <a:rPr lang="en-US" sz="1000" dirty="0" smtClean="0"/>
+                  <a:t>1 , Drug2            </a:t>
+                </a:r>
+                <a:r>
+                  <a:rPr lang="en-US" sz="1000" dirty="0" smtClean="0"/>
+                  <a:t>5/29/15</a:t>
+                </a:r>
+                <a:endParaRPr lang="en-US" sz="1000" dirty="0"/>
+              </a:p>
+            </p:txBody>
+          </p:sp>
+          <p:sp>
+            <p:nvSpPr>
+              <p:cNvPr id="55" name="Oval 54"/>
+              <p:cNvSpPr/>
+              <p:nvPr/>
+            </p:nvSpPr>
+            <p:spPr bwMode="auto">
+              <a:xfrm>
+                <a:off x="3139757" y="3770470"/>
+                <a:ext cx="191135" cy="184666"/>
+              </a:xfrm>
+              <a:prstGeom prst="ellipse">
+                <a:avLst/>
+              </a:prstGeom>
+              <a:solidFill>
+                <a:srgbClr val="FFC000"/>
+              </a:solidFill>
+              <a:ln w="9525" cap="flat" cmpd="sng" algn="ctr">
+                <a:solidFill>
+                  <a:schemeClr val="tx1"/>
+                </a:solidFill>
+                <a:prstDash val="solid"/>
+                <a:round/>
+                <a:headEnd type="none" w="med" len="med"/>
+                <a:tailEnd type="none" w="med" len="med"/>
+              </a:ln>
+              <a:effectLst/>
+            </p:spPr>
+            <p:txBody>
+              <a:bodyPr vert="horz" wrap="square" lIns="91440" tIns="45720" rIns="91440" bIns="45720" numCol="1" rtlCol="0" anchor="t" anchorCtr="0" compatLnSpc="1">
+                <a:prstTxWarp prst="textNoShape">
+                  <a:avLst/>
+                </a:prstTxWarp>
+              </a:bodyPr>
+              <a:lstStyle/>
+              <a:p>
+                <a:pPr marL="0" marR="0" indent="0" algn="l" defTabSz="914400" rtl="0" eaLnBrk="0" fontAlgn="base" latinLnBrk="0" hangingPunct="0">
+                  <a:lnSpc>
+                    <a:spcPct val="100000"/>
+                  </a:lnSpc>
+                  <a:spcBef>
+                    <a:spcPct val="0"/>
+                  </a:spcBef>
+                  <a:spcAft>
+                    <a:spcPct val="0"/>
+                  </a:spcAft>
+                  <a:buClrTx/>
+                  <a:buSzTx/>
+                  <a:buFontTx/>
+                  <a:buNone/>
+                  <a:tabLst/>
+                </a:pPr>
+                <a:endParaRPr kumimoji="0" lang="en-US" sz="2400" b="0" i="0" u="none" strike="noStrike" cap="none" normalizeH="0" baseline="0" smtClean="0">
+                  <a:ln>
+                    <a:noFill/>
+                  </a:ln>
+                  <a:solidFill>
+                    <a:schemeClr val="tx1"/>
+                  </a:solidFill>
+                  <a:effectLst/>
+                  <a:latin typeface="Arial" charset="0"/>
+                  <a:ea typeface="ＭＳ Ｐゴシック" pitchFamily="-60" charset="-128"/>
+                </a:endParaRPr>
+              </a:p>
+            </p:txBody>
+          </p:sp>
+        </p:grpSp>
+        <p:sp>
+          <p:nvSpPr>
+            <p:cNvPr id="30" name="Rectangle 29"/>
+            <p:cNvSpPr/>
+            <p:nvPr/>
+          </p:nvSpPr>
+          <p:spPr bwMode="auto">
+            <a:xfrm>
+              <a:off x="2891314" y="1277779"/>
+              <a:ext cx="2366486" cy="253738"/>
+            </a:xfrm>
+            <a:prstGeom prst="rect">
+              <a:avLst/>
+            </a:prstGeom>
+            <a:solidFill>
+              <a:schemeClr val="bg1"/>
+            </a:solidFill>
+            <a:ln w="9525" cap="flat" cmpd="sng" algn="ctr">
+              <a:solidFill>
+                <a:schemeClr val="tx1"/>
+              </a:solidFill>
+              <a:prstDash val="solid"/>
+              <a:round/>
+              <a:headEnd type="none" w="med" len="med"/>
+              <a:tailEnd type="none" w="med" len="med"/>
+            </a:ln>
+            <a:effectLst/>
+          </p:spPr>
+          <p:txBody>
+            <a:bodyPr vert="horz" wrap="square" lIns="91440" tIns="45720" rIns="91440" bIns="45720" numCol="1" rtlCol="0" anchor="t" anchorCtr="0" compatLnSpc="1">
+              <a:prstTxWarp prst="textNoShape">
+                <a:avLst/>
+              </a:prstTxWarp>
+            </a:bodyPr>
+            <a:lstStyle/>
+            <a:p>
+              <a:pPr marL="0" marR="0" indent="0" algn="l" defTabSz="914400" rtl="0" eaLnBrk="0" fontAlgn="base" latinLnBrk="0" hangingPunct="0">
+                <a:lnSpc>
+                  <a:spcPct val="100000"/>
+                </a:lnSpc>
+                <a:spcBef>
+                  <a:spcPct val="0"/>
+                </a:spcBef>
+                <a:spcAft>
+                  <a:spcPct val="0"/>
+                </a:spcAft>
+                <a:buClrTx/>
+                <a:buSzTx/>
+                <a:buFontTx/>
+                <a:buNone/>
+                <a:tabLst/>
+              </a:pPr>
+              <a:endParaRPr kumimoji="0" lang="en-US" sz="2400" b="0" i="0" u="none" strike="noStrike" cap="none" normalizeH="0" baseline="0" smtClean="0">
+                <a:ln>
+                  <a:noFill/>
+                </a:ln>
+                <a:solidFill>
+                  <a:schemeClr val="tx1"/>
+                </a:solidFill>
+                <a:effectLst/>
+                <a:latin typeface="Arial" charset="0"/>
+                <a:ea typeface="ＭＳ Ｐゴシック" pitchFamily="-60" charset="-128"/>
+              </a:endParaRPr>
+            </a:p>
+          </p:txBody>
+        </p:sp>
+        <p:sp>
+          <p:nvSpPr>
+            <p:cNvPr id="31" name="TextBox 30"/>
+            <p:cNvSpPr txBox="1"/>
+            <p:nvPr/>
+          </p:nvSpPr>
+          <p:spPr>
+            <a:xfrm>
+              <a:off x="2819400" y="1277779"/>
+              <a:ext cx="2220436" cy="246221"/>
             </a:xfrm>
             <a:prstGeom prst="rect">
               <a:avLst/>
@@ -7163,14 +8480,14 @@
         </p:sp>
         <p:sp>
           <p:nvSpPr>
-            <p:cNvPr id="18" name="Rounded Rectangle 17"/>
+            <p:cNvPr id="32" name="Rounded Rectangle 31"/>
             <p:cNvSpPr/>
             <p:nvPr/>
           </p:nvSpPr>
           <p:spPr bwMode="auto">
             <a:xfrm>
-              <a:off x="4589621" y="1862852"/>
-              <a:ext cx="677704" cy="224551"/>
+              <a:off x="2895600" y="1647298"/>
+              <a:ext cx="677704" cy="323510"/>
             </a:xfrm>
             <a:prstGeom prst="roundRect">
               <a:avLst/>
@@ -7232,239 +8549,94 @@
             </a:p>
           </p:txBody>
         </p:sp>
-      </p:grpSp>
-      <p:sp>
-        <p:nvSpPr>
-          <p:cNvPr id="19" name="Rectangle 18"/>
-          <p:cNvSpPr/>
-          <p:nvPr/>
-        </p:nvSpPr>
-        <p:spPr bwMode="auto">
-          <a:xfrm>
-            <a:off x="3047998" y="4914900"/>
-            <a:ext cx="3117849" cy="190500"/>
-          </a:xfrm>
-          <a:prstGeom prst="rect">
-            <a:avLst/>
-          </a:prstGeom>
-          <a:solidFill>
-            <a:schemeClr val="accent1"/>
-          </a:solidFill>
-          <a:ln w="9525" cap="flat" cmpd="sng" algn="ctr">
-            <a:solidFill>
-              <a:schemeClr val="tx1"/>
-            </a:solidFill>
-            <a:prstDash val="solid"/>
-            <a:round/>
-            <a:headEnd type="none" w="med" len="med"/>
-            <a:tailEnd type="none" w="med" len="med"/>
-          </a:ln>
-          <a:effectLst/>
-        </p:spPr>
-        <p:txBody>
-          <a:bodyPr vert="horz" wrap="square" lIns="91440" tIns="45720" rIns="91440" bIns="45720" numCol="1" rtlCol="0" anchor="t" anchorCtr="0" compatLnSpc="1">
-            <a:prstTxWarp prst="textNoShape">
-              <a:avLst/>
-            </a:prstTxWarp>
-          </a:bodyPr>
-          <a:lstStyle/>
-          <a:p>
-            <a:pPr marL="0" marR="0" indent="0" algn="l" defTabSz="914400" rtl="0" eaLnBrk="0" fontAlgn="base" latinLnBrk="0" hangingPunct="0">
-              <a:lnSpc>
-                <a:spcPct val="100000"/>
-              </a:lnSpc>
-              <a:spcBef>
-                <a:spcPct val="0"/>
-              </a:spcBef>
-              <a:spcAft>
-                <a:spcPct val="0"/>
-              </a:spcAft>
-              <a:buClrTx/>
-              <a:buSzTx/>
-              <a:buFontTx/>
-              <a:buNone/>
-              <a:tabLst/>
-            </a:pPr>
-            <a:r>
-              <a:rPr kumimoji="0" lang="en-US" sz="1100" b="0" i="0" u="none" strike="noStrike" cap="none" normalizeH="0" baseline="0" dirty="0" smtClean="0">
-                <a:ln>
-                  <a:noFill/>
-                </a:ln>
-                <a:solidFill>
-                  <a:schemeClr val="tx1"/>
-                </a:solidFill>
-                <a:effectLst/>
-                <a:latin typeface="Arial" charset="0"/>
-                <a:ea typeface="ＭＳ Ｐゴシック" pitchFamily="-60" charset="-128"/>
-              </a:rPr>
-              <a:t>Pagination</a:t>
-            </a:r>
-          </a:p>
-        </p:txBody>
-      </p:sp>
-      <p:sp>
-        <p:nvSpPr>
-          <p:cNvPr id="21" name="Rectangle 20"/>
-          <p:cNvSpPr/>
-          <p:nvPr/>
-        </p:nvSpPr>
-        <p:spPr bwMode="auto">
-          <a:xfrm>
-            <a:off x="1457325" y="609600"/>
-            <a:ext cx="5095875" cy="503720"/>
-          </a:xfrm>
-          <a:prstGeom prst="rect">
-            <a:avLst/>
-          </a:prstGeom>
-          <a:solidFill>
-            <a:schemeClr val="bg1">
-              <a:lumMod val="95000"/>
-            </a:schemeClr>
-          </a:solidFill>
-          <a:ln w="9525" cap="flat" cmpd="sng" algn="ctr">
-            <a:solidFill>
-              <a:schemeClr val="tx1"/>
-            </a:solidFill>
-            <a:prstDash val="solid"/>
-            <a:round/>
-            <a:headEnd type="none" w="med" len="med"/>
-            <a:tailEnd type="none" w="med" len="med"/>
-          </a:ln>
-          <a:effectLst/>
-        </p:spPr>
-        <p:txBody>
-          <a:bodyPr vert="horz" wrap="square" lIns="91440" tIns="45720" rIns="91440" bIns="45720" numCol="1" rtlCol="0" anchor="t" anchorCtr="0" compatLnSpc="1">
-            <a:prstTxWarp prst="textNoShape">
-              <a:avLst/>
-            </a:prstTxWarp>
-          </a:bodyPr>
-          <a:lstStyle/>
-          <a:p>
-            <a:pPr marL="0" marR="0" indent="0" algn="l" defTabSz="914400" rtl="0" eaLnBrk="0" fontAlgn="base" latinLnBrk="0" hangingPunct="0">
-              <a:lnSpc>
-                <a:spcPct val="100000"/>
-              </a:lnSpc>
-              <a:spcBef>
-                <a:spcPct val="0"/>
-              </a:spcBef>
-              <a:spcAft>
-                <a:spcPct val="0"/>
-              </a:spcAft>
-              <a:buClrTx/>
-              <a:buSzTx/>
-              <a:buFontTx/>
-              <a:buNone/>
-              <a:tabLst/>
-            </a:pPr>
-            <a:endParaRPr kumimoji="0" lang="en-US" sz="2400" b="0" i="0" u="none" strike="noStrike" cap="none" normalizeH="0" baseline="0" smtClean="0">
-              <a:ln>
-                <a:noFill/>
-              </a:ln>
-              <a:solidFill>
-                <a:schemeClr val="bg1">
-                  <a:lumMod val="85000"/>
-                </a:schemeClr>
-              </a:solidFill>
-              <a:effectLst/>
-              <a:latin typeface="Arial" charset="0"/>
-              <a:ea typeface="ＭＳ Ｐゴシック" pitchFamily="-60" charset="-128"/>
-            </a:endParaRPr>
-          </a:p>
-        </p:txBody>
-      </p:sp>
-      <p:sp>
-        <p:nvSpPr>
-          <p:cNvPr id="8" name="TextBox 7"/>
-          <p:cNvSpPr txBox="1"/>
-          <p:nvPr/>
-        </p:nvSpPr>
-        <p:spPr>
-          <a:xfrm>
-            <a:off x="1524000" y="759023"/>
-            <a:ext cx="3294741" cy="307777"/>
-          </a:xfrm>
-          <a:prstGeom prst="rect">
-            <a:avLst/>
-          </a:prstGeom>
-          <a:solidFill>
-            <a:schemeClr val="bg1">
-              <a:lumMod val="95000"/>
-            </a:schemeClr>
-          </a:solidFill>
-        </p:spPr>
-        <p:txBody>
-          <a:bodyPr wrap="square" rtlCol="0">
-            <a:spAutoFit/>
-          </a:bodyPr>
-          <a:lstStyle/>
-          <a:p>
-            <a:r>
-              <a:rPr lang="en-US" sz="1400" dirty="0" smtClean="0"/>
-              <a:t>Drug Recall Information Center</a:t>
-            </a:r>
-            <a:endParaRPr lang="en-US" sz="1400" dirty="0"/>
-          </a:p>
-        </p:txBody>
-      </p:sp>
-      <p:grpSp>
-        <p:nvGrpSpPr>
-          <p:cNvPr id="25" name="Group 24"/>
-          <p:cNvGrpSpPr/>
-          <p:nvPr/>
-        </p:nvGrpSpPr>
-        <p:grpSpPr>
-          <a:xfrm>
-            <a:off x="2971800" y="5562600"/>
-            <a:ext cx="2597151" cy="380999"/>
-            <a:chOff x="2965449" y="5562600"/>
-            <a:chExt cx="2597151" cy="380999"/>
-          </a:xfrm>
-        </p:grpSpPr>
         <p:sp>
           <p:nvSpPr>
-            <p:cNvPr id="23" name="TextBox 22"/>
-            <p:cNvSpPr txBox="1"/>
+            <p:cNvPr id="33" name="Rectangle 32"/>
+            <p:cNvSpPr/>
             <p:nvPr/>
           </p:nvSpPr>
-          <p:spPr>
+          <p:spPr bwMode="auto">
             <a:xfrm>
-              <a:off x="3057842" y="5621179"/>
-              <a:ext cx="2504758" cy="246221"/>
+              <a:off x="1981200" y="4933270"/>
+              <a:ext cx="4038600" cy="172130"/>
             </a:xfrm>
             <a:prstGeom prst="rect">
               <a:avLst/>
             </a:prstGeom>
-            <a:noFill/>
+            <a:solidFill>
+              <a:schemeClr val="accent1"/>
+            </a:solidFill>
+            <a:ln w="9525" cap="flat" cmpd="sng" algn="ctr">
+              <a:solidFill>
+                <a:schemeClr val="tx1"/>
+              </a:solidFill>
+              <a:prstDash val="solid"/>
+              <a:round/>
+              <a:headEnd type="none" w="med" len="med"/>
+              <a:tailEnd type="none" w="med" len="med"/>
+            </a:ln>
+            <a:effectLst/>
           </p:spPr>
           <p:txBody>
-            <a:bodyPr wrap="square" rtlCol="0">
-              <a:spAutoFit/>
+            <a:bodyPr vert="horz" wrap="square" lIns="91440" tIns="45720" rIns="91440" bIns="45720" numCol="1" rtlCol="0" anchor="t" anchorCtr="0" compatLnSpc="1">
+              <a:prstTxWarp prst="textNoShape">
+                <a:avLst/>
+              </a:prstTxWarp>
             </a:bodyPr>
             <a:lstStyle/>
             <a:p>
+              <a:pPr marL="0" marR="0" indent="0" algn="l" defTabSz="914400" rtl="0" eaLnBrk="0" fontAlgn="base" latinLnBrk="0" hangingPunct="0">
+                <a:lnSpc>
+                  <a:spcPct val="100000"/>
+                </a:lnSpc>
+                <a:spcBef>
+                  <a:spcPct val="0"/>
+                </a:spcBef>
+                <a:spcAft>
+                  <a:spcPct val="0"/>
+                </a:spcAft>
+                <a:buClrTx/>
+                <a:buSzTx/>
+                <a:buFontTx/>
+                <a:buNone/>
+                <a:tabLst/>
+              </a:pPr>
               <a:r>
-                <a:rPr lang="en-US" sz="1000" dirty="0" smtClean="0"/>
-                <a:t>Developed by</a:t>
+                <a:rPr kumimoji="0" lang="en-US" sz="1100" b="0" i="0" u="none" strike="noStrike" cap="none" normalizeH="0" baseline="0" dirty="0" smtClean="0">
+                  <a:ln>
+                    <a:noFill/>
+                  </a:ln>
+                  <a:solidFill>
+                    <a:schemeClr val="tx1"/>
+                  </a:solidFill>
+                  <a:effectLst/>
+                  <a:latin typeface="Arial" charset="0"/>
+                  <a:ea typeface="ＭＳ Ｐゴシック" pitchFamily="-60" charset="-128"/>
+                </a:rPr>
+                <a:t>Pagination</a:t>
               </a:r>
-              <a:endParaRPr lang="en-US" sz="1000" dirty="0"/>
             </a:p>
           </p:txBody>
         </p:sp>
         <p:sp>
           <p:nvSpPr>
-            <p:cNvPr id="24" name="Rectangle 23"/>
+            <p:cNvPr id="34" name="Rectangle 33"/>
             <p:cNvSpPr/>
             <p:nvPr/>
           </p:nvSpPr>
           <p:spPr bwMode="auto">
             <a:xfrm>
-              <a:off x="2965449" y="5562600"/>
-              <a:ext cx="2139951" cy="380999"/>
+              <a:off x="1457325" y="609600"/>
+              <a:ext cx="5095875" cy="503720"/>
             </a:xfrm>
             <a:prstGeom prst="rect">
               <a:avLst/>
             </a:prstGeom>
-            <a:noFill/>
+            <a:solidFill>
+              <a:schemeClr val="bg1">
+                <a:lumMod val="95000"/>
+              </a:schemeClr>
+            </a:solidFill>
             <a:ln w="9525" cap="flat" cmpd="sng" algn="ctr">
               <a:solidFill>
                 <a:schemeClr val="tx1"/>
@@ -7505,7 +8677,9 @@
                   <a:noFill/>
                 </a:ln>
                 <a:solidFill>
-                  <a:schemeClr val="tx1"/>
+                  <a:schemeClr val="bg1">
+                    <a:lumMod val="85000"/>
+                  </a:schemeClr>
                 </a:solidFill>
                 <a:effectLst/>
                 <a:latin typeface="Arial" charset="0"/>
@@ -7514,75 +8688,172 @@
             </a:p>
           </p:txBody>
         </p:sp>
-      </p:grpSp>
-      <p:sp>
-        <p:nvSpPr>
-          <p:cNvPr id="67" name="TextBox 66"/>
-          <p:cNvSpPr txBox="1"/>
-          <p:nvPr/>
-        </p:nvSpPr>
-        <p:spPr>
-          <a:xfrm>
-            <a:off x="6705600" y="3121732"/>
-            <a:ext cx="2133600" cy="1754326"/>
-          </a:xfrm>
-          <a:prstGeom prst="rect">
-            <a:avLst/>
-          </a:prstGeom>
-          <a:noFill/>
-        </p:spPr>
-        <p:txBody>
-          <a:bodyPr wrap="square" rtlCol="0">
-            <a:spAutoFit/>
-          </a:bodyPr>
-          <a:lstStyle/>
-          <a:p>
-            <a:r>
-              <a:rPr lang="en-US" dirty="0" smtClean="0"/>
-              <a:t>User can update filters to filter searched results.</a:t>
-            </a:r>
-          </a:p>
-          <a:p>
-            <a:endParaRPr lang="en-US" dirty="0"/>
-          </a:p>
-          <a:p>
-            <a:r>
-              <a:rPr lang="en-US" dirty="0" smtClean="0"/>
-              <a:t>Provide legend on classification.</a:t>
-            </a:r>
-            <a:endParaRPr lang="en-US" dirty="0"/>
-          </a:p>
-        </p:txBody>
-      </p:sp>
-      <p:grpSp>
-        <p:nvGrpSpPr>
-          <p:cNvPr id="38" name="Group 37"/>
-          <p:cNvGrpSpPr/>
-          <p:nvPr/>
-        </p:nvGrpSpPr>
-        <p:grpSpPr>
-          <a:xfrm>
-            <a:off x="1600200" y="2438400"/>
-            <a:ext cx="1371600" cy="2668488"/>
-            <a:chOff x="1600200" y="2438400"/>
-            <a:chExt cx="1371600" cy="2668488"/>
-          </a:xfrm>
-        </p:grpSpPr>
         <p:sp>
           <p:nvSpPr>
-            <p:cNvPr id="39" name="Rectangle 38"/>
+            <p:cNvPr id="35" name="TextBox 34"/>
+            <p:cNvSpPr txBox="1"/>
+            <p:nvPr/>
+          </p:nvSpPr>
+          <p:spPr>
+            <a:xfrm>
+              <a:off x="1524000" y="759023"/>
+              <a:ext cx="3294741" cy="307777"/>
+            </a:xfrm>
+            <a:prstGeom prst="rect">
+              <a:avLst/>
+            </a:prstGeom>
+            <a:solidFill>
+              <a:schemeClr val="bg1">
+                <a:lumMod val="95000"/>
+              </a:schemeClr>
+            </a:solidFill>
+          </p:spPr>
+          <p:txBody>
+            <a:bodyPr wrap="square" rtlCol="0">
+              <a:spAutoFit/>
+            </a:bodyPr>
+            <a:lstStyle/>
+            <a:p>
+              <a:r>
+                <a:rPr lang="en-US" sz="1400" dirty="0" smtClean="0"/>
+                <a:t>Drug Recall </a:t>
+              </a:r>
+              <a:r>
+                <a:rPr lang="en-US" sz="1400" dirty="0" smtClean="0"/>
+                <a:t>Information Center</a:t>
+              </a:r>
+              <a:endParaRPr lang="en-US" sz="1400" dirty="0"/>
+            </a:p>
+          </p:txBody>
+        </p:sp>
+        <p:grpSp>
+          <p:nvGrpSpPr>
+            <p:cNvPr id="36" name="Group 35"/>
+            <p:cNvGrpSpPr/>
+            <p:nvPr/>
+          </p:nvGrpSpPr>
+          <p:grpSpPr>
+            <a:xfrm>
+              <a:off x="2971800" y="5334000"/>
+              <a:ext cx="2139951" cy="380999"/>
+              <a:chOff x="2965449" y="5334000"/>
+              <a:chExt cx="2139951" cy="380999"/>
+            </a:xfrm>
+          </p:grpSpPr>
+          <p:sp>
+            <p:nvSpPr>
+              <p:cNvPr id="52" name="TextBox 51"/>
+              <p:cNvSpPr txBox="1"/>
+              <p:nvPr/>
+            </p:nvSpPr>
+            <p:spPr>
+              <a:xfrm>
+                <a:off x="3057842" y="5392579"/>
+                <a:ext cx="1515903" cy="246221"/>
+              </a:xfrm>
+              <a:prstGeom prst="rect">
+                <a:avLst/>
+              </a:prstGeom>
+              <a:noFill/>
+            </p:spPr>
+            <p:txBody>
+              <a:bodyPr wrap="square" rtlCol="0">
+                <a:spAutoFit/>
+              </a:bodyPr>
+              <a:lstStyle/>
+              <a:p>
+                <a:r>
+                  <a:rPr lang="en-US" sz="1000" dirty="0" smtClean="0"/>
+                  <a:t>Developed by</a:t>
+                </a:r>
+                <a:endParaRPr lang="en-US" sz="1000" dirty="0"/>
+              </a:p>
+            </p:txBody>
+          </p:sp>
+          <p:sp>
+            <p:nvSpPr>
+              <p:cNvPr id="53" name="Rectangle 52"/>
+              <p:cNvSpPr/>
+              <p:nvPr/>
+            </p:nvSpPr>
+            <p:spPr bwMode="auto">
+              <a:xfrm>
+                <a:off x="2965449" y="5334000"/>
+                <a:ext cx="2139951" cy="380999"/>
+              </a:xfrm>
+              <a:prstGeom prst="rect">
+                <a:avLst/>
+              </a:prstGeom>
+              <a:noFill/>
+              <a:ln w="9525" cap="flat" cmpd="sng" algn="ctr">
+                <a:solidFill>
+                  <a:schemeClr val="tx1"/>
+                </a:solidFill>
+                <a:prstDash val="solid"/>
+                <a:round/>
+                <a:headEnd type="none" w="med" len="med"/>
+                <a:tailEnd type="none" w="med" len="med"/>
+              </a:ln>
+              <a:effectLst/>
+            </p:spPr>
+            <p:txBody>
+              <a:bodyPr vert="horz" wrap="square" lIns="91440" tIns="45720" rIns="91440" bIns="45720" numCol="1" rtlCol="0" anchor="t" anchorCtr="0" compatLnSpc="1">
+                <a:prstTxWarp prst="textNoShape">
+                  <a:avLst/>
+                </a:prstTxWarp>
+              </a:bodyPr>
+              <a:lstStyle/>
+              <a:p>
+                <a:pPr marL="0" marR="0" indent="0" algn="l" defTabSz="914400" rtl="0" eaLnBrk="0" fontAlgn="base" latinLnBrk="0" hangingPunct="0">
+                  <a:lnSpc>
+                    <a:spcPct val="100000"/>
+                  </a:lnSpc>
+                  <a:spcBef>
+                    <a:spcPct val="0"/>
+                  </a:spcBef>
+                  <a:spcAft>
+                    <a:spcPct val="0"/>
+                  </a:spcAft>
+                  <a:buClrTx/>
+                  <a:buSzTx/>
+                  <a:buFontTx/>
+                  <a:buNone/>
+                  <a:tabLst/>
+                </a:pPr>
+                <a:endParaRPr kumimoji="0" lang="en-US" sz="2400" b="0" i="0" u="none" strike="noStrike" cap="none" normalizeH="0" baseline="0" smtClean="0">
+                  <a:ln>
+                    <a:noFill/>
+                  </a:ln>
+                  <a:solidFill>
+                    <a:schemeClr val="tx1"/>
+                  </a:solidFill>
+                  <a:effectLst/>
+                  <a:latin typeface="Arial" charset="0"/>
+                  <a:ea typeface="ＭＳ Ｐゴシック" pitchFamily="-60" charset="-128"/>
+                </a:endParaRPr>
+              </a:p>
+            </p:txBody>
+          </p:sp>
+        </p:grpSp>
+        <p:sp>
+          <p:nvSpPr>
+            <p:cNvPr id="39" name="Rounded Rectangle 38"/>
             <p:cNvSpPr/>
             <p:nvPr/>
           </p:nvSpPr>
           <p:spPr bwMode="auto">
             <a:xfrm>
-              <a:off x="1600200" y="2666999"/>
-              <a:ext cx="1295400" cy="2436267"/>
+              <a:off x="3661648" y="1647298"/>
+              <a:ext cx="830104" cy="338482"/>
             </a:xfrm>
-            <a:prstGeom prst="rect">
+            <a:prstGeom prst="roundRect">
               <a:avLst/>
             </a:prstGeom>
-            <a:noFill/>
+            <a:solidFill>
+              <a:schemeClr val="accent3">
+                <a:lumMod val="85000"/>
+              </a:schemeClr>
+            </a:solidFill>
             <a:ln w="9525" cap="flat" cmpd="sng" algn="ctr">
               <a:solidFill>
                 <a:schemeClr val="tx1"/>
@@ -7602,7 +8873,7 @@
             </a:bodyPr>
             <a:lstStyle/>
             <a:p>
-              <a:pPr marL="0" marR="0" indent="0" algn="l" defTabSz="914400" rtl="0" eaLnBrk="0" fontAlgn="base" latinLnBrk="0" hangingPunct="0">
+              <a:pPr marL="0" marR="0" indent="0" algn="ctr" defTabSz="914400" rtl="0" eaLnBrk="0" fontAlgn="base" latinLnBrk="0" hangingPunct="0">
                 <a:lnSpc>
                   <a:spcPct val="100000"/>
                 </a:lnSpc>
@@ -7618,7 +8889,21 @@
                 <a:buNone/>
                 <a:tabLst/>
               </a:pPr>
-              <a:endParaRPr kumimoji="0" lang="en-US" sz="2400" b="0" i="0" u="none" strike="noStrike" cap="none" normalizeH="0" baseline="0" smtClean="0">
+              <a:r>
+                <a:rPr kumimoji="0" lang="en-US" sz="1000" b="0" i="0" u="none" strike="noStrike" cap="none" normalizeH="0" baseline="0" dirty="0" smtClean="0">
+                  <a:ln>
+                    <a:noFill/>
+                  </a:ln>
+                  <a:solidFill>
+                    <a:schemeClr val="tx1"/>
+                  </a:solidFill>
+                  <a:effectLst/>
+                  <a:latin typeface="Arial" charset="0"/>
+                  <a:ea typeface="ＭＳ Ｐゴシック" pitchFamily="-60" charset="-128"/>
+                </a:rPr>
+                <a:t>Advanced Search</a:t>
+              </a:r>
+              <a:endParaRPr kumimoji="0" lang="en-US" sz="1000" b="0" i="0" u="none" strike="noStrike" cap="none" normalizeH="0" baseline="0" dirty="0" smtClean="0">
                 <a:ln>
                   <a:noFill/>
                 </a:ln>
@@ -7634,31 +8919,83 @@
         </p:sp>
         <p:sp>
           <p:nvSpPr>
-            <p:cNvPr id="40" name="TextBox 39"/>
-            <p:cNvSpPr txBox="1"/>
+            <p:cNvPr id="40" name="Rounded Rectangle 39"/>
+            <p:cNvSpPr/>
             <p:nvPr/>
           </p:nvSpPr>
-          <p:spPr>
+          <p:spPr bwMode="auto">
             <a:xfrm>
-              <a:off x="1600200" y="2438400"/>
-              <a:ext cx="1219200" cy="246221"/>
+              <a:off x="4580096" y="1657690"/>
+              <a:ext cx="677704" cy="323510"/>
             </a:xfrm>
-            <a:prstGeom prst="rect">
+            <a:prstGeom prst="roundRect">
               <a:avLst/>
             </a:prstGeom>
-            <a:noFill/>
+            <a:solidFill>
+              <a:schemeClr val="accent3">
+                <a:lumMod val="85000"/>
+              </a:schemeClr>
+            </a:solidFill>
+            <a:ln w="9525" cap="flat" cmpd="sng" algn="ctr">
+              <a:solidFill>
+                <a:schemeClr val="tx1"/>
+              </a:solidFill>
+              <a:prstDash val="solid"/>
+              <a:round/>
+              <a:headEnd type="none" w="med" len="med"/>
+              <a:tailEnd type="none" w="med" len="med"/>
+            </a:ln>
+            <a:effectLst/>
           </p:spPr>
           <p:txBody>
-            <a:bodyPr wrap="square" rtlCol="0">
-              <a:spAutoFit/>
+            <a:bodyPr vert="horz" wrap="square" lIns="91440" tIns="45720" rIns="91440" bIns="45720" numCol="1" rtlCol="0" anchor="t" anchorCtr="0" compatLnSpc="1">
+              <a:prstTxWarp prst="textNoShape">
+                <a:avLst/>
+              </a:prstTxWarp>
             </a:bodyPr>
             <a:lstStyle/>
             <a:p>
+              <a:pPr marL="0" marR="0" indent="0" algn="ctr" defTabSz="914400" rtl="0" eaLnBrk="0" fontAlgn="base" latinLnBrk="0" hangingPunct="0">
+                <a:lnSpc>
+                  <a:spcPct val="100000"/>
+                </a:lnSpc>
+                <a:spcBef>
+                  <a:spcPct val="0"/>
+                </a:spcBef>
+                <a:spcAft>
+                  <a:spcPct val="0"/>
+                </a:spcAft>
+                <a:buClrTx/>
+                <a:buSzTx/>
+                <a:buFontTx/>
+                <a:buNone/>
+                <a:tabLst/>
+              </a:pPr>
               <a:r>
-                <a:rPr lang="en-US" sz="1000" dirty="0" smtClean="0"/>
-                <a:t>Filter:</a:t>
+                <a:rPr kumimoji="0" lang="en-US" sz="1000" b="0" i="0" u="none" strike="noStrike" cap="none" normalizeH="0" baseline="0" dirty="0" smtClean="0">
+                  <a:ln>
+                    <a:noFill/>
+                  </a:ln>
+                  <a:solidFill>
+                    <a:schemeClr val="tx1"/>
+                  </a:solidFill>
+                  <a:effectLst/>
+                  <a:latin typeface="Arial" charset="0"/>
+                  <a:ea typeface="ＭＳ Ｐゴシック" pitchFamily="-60" charset="-128"/>
+                </a:rPr>
+                <a:t>Clear</a:t>
               </a:r>
-              <a:endParaRPr lang="en-US" sz="1000" dirty="0"/>
+              <a:endParaRPr kumimoji="0" lang="en-US" sz="1000" b="0" i="0" u="none" strike="noStrike" cap="none" normalizeH="0" baseline="0" dirty="0" smtClean="0">
+                <a:ln>
+                  <a:noFill/>
+                </a:ln>
+                <a:solidFill>
+                  <a:schemeClr val="tx1"/>
+                </a:solidFill>
+                <a:effectLst/>
+                <a:latin typeface="Arial" charset="0"/>
+                <a:ea typeface="ＭＳ Ｐゴシック" pitchFamily="-60" charset="-128"/>
+              </a:endParaRPr>
             </a:p>
           </p:txBody>
         </p:sp>
@@ -7670,22 +9007,149 @@
           </p:nvGrpSpPr>
           <p:grpSpPr>
             <a:xfrm>
-              <a:off x="1618341" y="2667000"/>
-              <a:ext cx="1353459" cy="734200"/>
-              <a:chOff x="1618341" y="2667000"/>
-              <a:chExt cx="1353459" cy="734200"/>
+              <a:off x="1993902" y="2943998"/>
+              <a:ext cx="4171947" cy="394318"/>
+              <a:chOff x="1993902" y="2943998"/>
+              <a:chExt cx="4171947" cy="394318"/>
             </a:xfrm>
           </p:grpSpPr>
+          <p:grpSp>
+            <p:nvGrpSpPr>
+              <p:cNvPr id="48" name="Group 47"/>
+              <p:cNvGrpSpPr/>
+              <p:nvPr/>
+            </p:nvGrpSpPr>
+            <p:grpSpPr>
+              <a:xfrm>
+                <a:off x="1993902" y="2943998"/>
+                <a:ext cx="4171947" cy="246221"/>
+                <a:chOff x="2117469" y="2773977"/>
+                <a:chExt cx="3724531" cy="246221"/>
+              </a:xfrm>
+            </p:grpSpPr>
+            <p:sp>
+              <p:nvSpPr>
+                <p:cNvPr id="50" name="TextBox 49"/>
+                <p:cNvSpPr txBox="1"/>
+                <p:nvPr/>
+              </p:nvSpPr>
+              <p:spPr>
+                <a:xfrm>
+                  <a:off x="2117469" y="2773977"/>
+                  <a:ext cx="3724531" cy="246221"/>
+                </a:xfrm>
+                <a:prstGeom prst="rect">
+                  <a:avLst/>
+                </a:prstGeom>
+                <a:noFill/>
+              </p:spPr>
+              <p:txBody>
+                <a:bodyPr wrap="square" rtlCol="0">
+                  <a:spAutoFit/>
+                </a:bodyPr>
+                <a:lstStyle/>
+                <a:p>
+                  <a:r>
+                    <a:rPr lang="en-US" sz="1000" u="sng" dirty="0" smtClean="0">
+                      <a:solidFill>
+                        <a:srgbClr val="0070C0"/>
+                      </a:solidFill>
+                    </a:rPr>
+                    <a:t>D-123-0981 </a:t>
+                  </a:r>
+                  <a:r>
+                    <a:rPr lang="en-US" sz="1000" dirty="0" smtClean="0"/>
+                    <a:t>                   Class </a:t>
+                  </a:r>
+                  <a:r>
+                    <a:rPr lang="en-US" sz="1000" dirty="0" smtClean="0"/>
+                    <a:t>1         Drug </a:t>
+                  </a:r>
+                  <a:r>
+                    <a:rPr lang="en-US" sz="1000" dirty="0" smtClean="0"/>
+                    <a:t>1 , Drug 2          5/29/15</a:t>
+                  </a:r>
+                  <a:endParaRPr lang="en-US" sz="1000" dirty="0"/>
+                </a:p>
+              </p:txBody>
+            </p:sp>
+            <p:sp>
+              <p:nvSpPr>
+                <p:cNvPr id="51" name="Oval 50"/>
+                <p:cNvSpPr/>
+                <p:nvPr/>
+              </p:nvSpPr>
+              <p:spPr bwMode="auto">
+                <a:xfrm>
+                  <a:off x="3146107" y="2773977"/>
+                  <a:ext cx="191135" cy="184666"/>
+                </a:xfrm>
+                <a:prstGeom prst="ellipse">
+                  <a:avLst/>
+                </a:prstGeom>
+                <a:solidFill>
+                  <a:srgbClr val="FFFF00"/>
+                </a:solidFill>
+                <a:ln w="9525" cap="flat" cmpd="sng" algn="ctr">
+                  <a:solidFill>
+                    <a:schemeClr val="tx1"/>
+                  </a:solidFill>
+                  <a:prstDash val="solid"/>
+                  <a:round/>
+                  <a:headEnd type="none" w="med" len="med"/>
+                  <a:tailEnd type="none" w="med" len="med"/>
+                </a:ln>
+                <a:effectLst/>
+              </p:spPr>
+              <p:txBody>
+                <a:bodyPr vert="horz" wrap="square" lIns="91440" tIns="45720" rIns="91440" bIns="45720" numCol="1" rtlCol="0" anchor="t" anchorCtr="0" compatLnSpc="1">
+                  <a:prstTxWarp prst="textNoShape">
+                    <a:avLst/>
+                  </a:prstTxWarp>
+                </a:bodyPr>
+                <a:lstStyle/>
+                <a:p>
+                  <a:pPr marL="0" marR="0" indent="0" algn="l" defTabSz="914400" rtl="0" eaLnBrk="0" fontAlgn="base" latinLnBrk="0" hangingPunct="0">
+                    <a:lnSpc>
+                      <a:spcPct val="100000"/>
+                    </a:lnSpc>
+                    <a:spcBef>
+                      <a:spcPct val="0"/>
+                    </a:spcBef>
+                    <a:spcAft>
+                      <a:spcPct val="0"/>
+                    </a:spcAft>
+                    <a:buClrTx/>
+                    <a:buSzTx/>
+                    <a:buFontTx/>
+                    <a:buNone/>
+                    <a:tabLst/>
+                  </a:pPr>
+                  <a:endParaRPr kumimoji="0" lang="en-US" sz="2400" b="0" i="0" u="none" strike="noStrike" cap="none" normalizeH="0" baseline="0" smtClean="0">
+                    <a:ln>
+                      <a:noFill/>
+                    </a:ln>
+                    <a:solidFill>
+                      <a:schemeClr val="tx1"/>
+                    </a:solidFill>
+                    <a:effectLst/>
+                    <a:latin typeface="Arial" charset="0"/>
+                    <a:ea typeface="ＭＳ Ｐゴシック" pitchFamily="-60" charset="-128"/>
+                  </a:endParaRPr>
+                </a:p>
+              </p:txBody>
+            </p:sp>
+          </p:grpSp>
           <p:sp>
             <p:nvSpPr>
-              <p:cNvPr id="46" name="TextBox 45"/>
+              <p:cNvPr id="49" name="TextBox 48"/>
               <p:cNvSpPr txBox="1"/>
               <p:nvPr/>
             </p:nvSpPr>
             <p:spPr>
               <a:xfrm>
-                <a:off x="1618341" y="2667000"/>
-                <a:ext cx="1347108" cy="246221"/>
+                <a:off x="3314700" y="3092095"/>
+                <a:ext cx="2805647" cy="246221"/>
               </a:xfrm>
               <a:prstGeom prst="rect">
                 <a:avLst/>
@@ -7700,49 +9164,7 @@
               <a:p>
                 <a:r>
                   <a:rPr lang="en-US" sz="1000" dirty="0" smtClean="0"/>
-                  <a:t>Recall In Last:</a:t>
-                </a:r>
-                <a:endParaRPr lang="en-US" sz="1000" dirty="0"/>
-              </a:p>
-            </p:txBody>
-          </p:sp>
-          <p:sp>
-            <p:nvSpPr>
-              <p:cNvPr id="47" name="TextBox 46"/>
-              <p:cNvSpPr txBox="1"/>
-              <p:nvPr/>
-            </p:nvSpPr>
-            <p:spPr>
-              <a:xfrm>
-                <a:off x="1770741" y="2847202"/>
-                <a:ext cx="1201059" cy="553998"/>
-              </a:xfrm>
-              <a:prstGeom prst="rect">
-                <a:avLst/>
-              </a:prstGeom>
-              <a:noFill/>
-            </p:spPr>
-            <p:txBody>
-              <a:bodyPr wrap="square" rtlCol="0">
-                <a:spAutoFit/>
-              </a:bodyPr>
-              <a:lstStyle/>
-              <a:p>
-                <a:r>
-                  <a:rPr lang="en-US" sz="1000" dirty="0" smtClean="0"/>
-                  <a:t>O  1 month</a:t>
-                </a:r>
-              </a:p>
-              <a:p>
-                <a:r>
-                  <a:rPr lang="en-US" sz="1000" dirty="0" smtClean="0"/>
-                  <a:t>O  6 months</a:t>
-                </a:r>
-              </a:p>
-              <a:p>
-                <a:r>
-                  <a:rPr lang="en-US" sz="1000" dirty="0" smtClean="0"/>
-                  <a:t>O  All </a:t>
+                  <a:t>                      Drug 3 , Drug 4</a:t>
                 </a:r>
                 <a:endParaRPr lang="en-US" sz="1000" dirty="0"/>
               </a:p>
@@ -7751,14 +9173,14 @@
         </p:grpSp>
         <p:sp>
           <p:nvSpPr>
-            <p:cNvPr id="42" name="TextBox 41"/>
+            <p:cNvPr id="47" name="TextBox 46"/>
             <p:cNvSpPr txBox="1"/>
             <p:nvPr/>
           </p:nvSpPr>
           <p:spPr>
             <a:xfrm>
-              <a:off x="1618341" y="3352800"/>
-              <a:ext cx="1201059" cy="246221"/>
+              <a:off x="2143451" y="4267200"/>
+              <a:ext cx="719492" cy="666070"/>
             </a:xfrm>
             <a:prstGeom prst="rect">
               <a:avLst/>
@@ -7766,183 +9188,19 @@
             <a:noFill/>
           </p:spPr>
           <p:txBody>
-            <a:bodyPr wrap="square" rtlCol="0">
+            <a:bodyPr vert="wordArtVert" wrap="square" rtlCol="0">
               <a:spAutoFit/>
             </a:bodyPr>
             <a:lstStyle/>
             <a:p>
               <a:r>
-                <a:rPr lang="en-US" sz="1000" dirty="0" smtClean="0"/>
-                <a:t>Status:</a:t>
+                <a:rPr lang="en-US" sz="3200" dirty="0" smtClean="0"/>
+                <a:t>…</a:t>
               </a:r>
-              <a:endParaRPr lang="en-US" sz="1000" dirty="0"/>
-            </a:p>
-          </p:txBody>
-        </p:sp>
-        <p:sp>
-          <p:nvSpPr>
-            <p:cNvPr id="43" name="TextBox 42"/>
-            <p:cNvSpPr txBox="1"/>
-            <p:nvPr/>
-          </p:nvSpPr>
-          <p:spPr>
-            <a:xfrm>
-              <a:off x="1770741" y="3505200"/>
-              <a:ext cx="1201059" cy="707886"/>
-            </a:xfrm>
-            <a:prstGeom prst="rect">
-              <a:avLst/>
-            </a:prstGeom>
-            <a:noFill/>
-          </p:spPr>
-          <p:txBody>
-            <a:bodyPr wrap="square" rtlCol="0">
-              <a:spAutoFit/>
-            </a:bodyPr>
-            <a:lstStyle/>
-            <a:p>
-              <a:r>
-                <a:rPr lang="en-US" sz="1000" dirty="0" smtClean="0"/>
-                <a:t>O  Ongoing</a:t>
-              </a:r>
-            </a:p>
-            <a:p>
-              <a:r>
-                <a:rPr lang="en-US" sz="1000" dirty="0" smtClean="0"/>
-                <a:t>O  Completed</a:t>
-              </a:r>
-            </a:p>
-            <a:p>
-              <a:r>
-                <a:rPr lang="en-US" sz="1000" dirty="0" smtClean="0"/>
-                <a:t>O  Terminated</a:t>
-              </a:r>
-            </a:p>
-            <a:p>
-              <a:r>
-                <a:rPr lang="en-US" sz="1000" dirty="0" smtClean="0"/>
-                <a:t>O  All </a:t>
-              </a:r>
-              <a:endParaRPr lang="en-US" sz="1000" dirty="0"/>
-            </a:p>
-          </p:txBody>
-        </p:sp>
-        <p:sp>
-          <p:nvSpPr>
-            <p:cNvPr id="44" name="TextBox 43"/>
-            <p:cNvSpPr txBox="1"/>
-            <p:nvPr/>
-          </p:nvSpPr>
-          <p:spPr>
-            <a:xfrm>
-              <a:off x="1618341" y="4218800"/>
-              <a:ext cx="1201059" cy="246221"/>
-            </a:xfrm>
-            <a:prstGeom prst="rect">
-              <a:avLst/>
-            </a:prstGeom>
-            <a:noFill/>
-          </p:spPr>
-          <p:txBody>
-            <a:bodyPr wrap="square" rtlCol="0">
-              <a:spAutoFit/>
-            </a:bodyPr>
-            <a:lstStyle/>
-            <a:p>
-              <a:r>
-                <a:rPr lang="en-US" sz="1000" dirty="0" smtClean="0"/>
-                <a:t>Classification:</a:t>
-              </a:r>
-              <a:endParaRPr lang="en-US" sz="1000" dirty="0"/>
-            </a:p>
-          </p:txBody>
-        </p:sp>
-        <p:sp>
-          <p:nvSpPr>
-            <p:cNvPr id="45" name="TextBox 44"/>
-            <p:cNvSpPr txBox="1"/>
-            <p:nvPr/>
-          </p:nvSpPr>
-          <p:spPr>
-            <a:xfrm>
-              <a:off x="1770741" y="4399002"/>
-              <a:ext cx="1201059" cy="707886"/>
-            </a:xfrm>
-            <a:prstGeom prst="rect">
-              <a:avLst/>
-            </a:prstGeom>
-            <a:noFill/>
-          </p:spPr>
-          <p:txBody>
-            <a:bodyPr wrap="square" rtlCol="0">
-              <a:spAutoFit/>
-            </a:bodyPr>
-            <a:lstStyle/>
-            <a:p>
-              <a:r>
-                <a:rPr lang="en-US" sz="1000" dirty="0" smtClean="0"/>
-                <a:t>O  Class 1</a:t>
-              </a:r>
-            </a:p>
-            <a:p>
-              <a:r>
-                <a:rPr lang="en-US" sz="1000" dirty="0" smtClean="0"/>
-                <a:t>O  Class 2</a:t>
-              </a:r>
-            </a:p>
-            <a:p>
-              <a:r>
-                <a:rPr lang="en-US" sz="1000" dirty="0" smtClean="0"/>
-                <a:t>O  Class 3</a:t>
-              </a:r>
-            </a:p>
-            <a:p>
-              <a:r>
-                <a:rPr lang="en-US" sz="1000" dirty="0" smtClean="0"/>
-                <a:t>O  All</a:t>
-              </a:r>
-              <a:endParaRPr lang="en-US" sz="1000" dirty="0"/>
             </a:p>
           </p:txBody>
         </p:sp>
       </p:grpSp>
-    </p:spTree>
-    <p:extLst>
-      <p:ext uri="{BB962C8B-B14F-4D97-AF65-F5344CB8AC3E}">
-        <p14:creationId xmlns:p14="http://schemas.microsoft.com/office/powerpoint/2010/main" val="3044749054"/>
-      </p:ext>
-    </p:extLst>
-  </p:cSld>
-  <p:clrMapOvr>
-    <a:masterClrMapping/>
-  </p:clrMapOvr>
-  <p:timing>
-    <p:tnLst>
-      <p:par>
-        <p:cTn id="1" dur="indefinite" restart="never" nodeType="tmRoot"/>
-      </p:par>
-    </p:tnLst>
-  </p:timing>
-</p:sld>
-</file>
-
-<file path=ppt/slides/slide5.xml><?xml version="1.0" encoding="utf-8"?>
-<p:sld xmlns:a="http://schemas.openxmlformats.org/drawingml/2006/main" xmlns:r="http://schemas.openxmlformats.org/officeDocument/2006/relationships" xmlns:p="http://schemas.openxmlformats.org/presentationml/2006/main">
-  <p:cSld>
-    <p:spTree>
-      <p:nvGrpSpPr>
-        <p:cNvPr id="1" name=""/>
-        <p:cNvGrpSpPr/>
-        <p:nvPr/>
-      </p:nvGrpSpPr>
-      <p:grpSpPr>
-        <a:xfrm>
-          <a:off x="0" y="0"/>
-          <a:ext cx="0" cy="0"/>
-          <a:chOff x="0" y="0"/>
-          <a:chExt cx="0" cy="0"/>
-        </a:xfrm>
-      </p:grpSpPr>
       <p:sp>
         <p:nvSpPr>
           <p:cNvPr id="3" name="TextBox 2"/>
@@ -7951,8 +9209,8 @@
         </p:nvSpPr>
         <p:spPr>
           <a:xfrm>
-            <a:off x="6705600" y="1238462"/>
-            <a:ext cx="2133600" cy="1477328"/>
+            <a:off x="6248400" y="1238462"/>
+            <a:ext cx="2590800" cy="4247317"/>
           </a:xfrm>
           <a:prstGeom prst="rect">
             <a:avLst/>
@@ -7971,7 +9229,47 @@
             </a:r>
             <a:r>
               <a:rPr lang="en-US" dirty="0" smtClean="0"/>
-              <a:t>additional information on the drug recall user has selected to view in detail.</a:t>
+              <a:t>additional information on the drug recall </a:t>
+            </a:r>
+            <a:r>
+              <a:rPr lang="en-US" dirty="0" smtClean="0"/>
+              <a:t>report user </a:t>
+            </a:r>
+            <a:r>
+              <a:rPr lang="en-US" dirty="0" smtClean="0"/>
+              <a:t>has selected to view in detail</a:t>
+            </a:r>
+            <a:r>
+              <a:rPr lang="en-US" dirty="0" smtClean="0"/>
+              <a:t>.</a:t>
+            </a:r>
+          </a:p>
+          <a:p>
+            <a:endParaRPr lang="en-US" dirty="0"/>
+          </a:p>
+          <a:p>
+            <a:r>
+              <a:rPr lang="en-US" dirty="0"/>
+              <a:t>Provide users ability to go back to the </a:t>
+            </a:r>
+            <a:r>
+              <a:rPr lang="en-US" dirty="0" smtClean="0"/>
+              <a:t>drug recall report list.</a:t>
+            </a:r>
+          </a:p>
+          <a:p>
+            <a:endParaRPr lang="en-US" dirty="0"/>
+          </a:p>
+          <a:p>
+            <a:r>
+              <a:rPr lang="en-US" dirty="0" smtClean="0"/>
+              <a:t>Provide users ability to easily navigate through the detailed report </a:t>
+            </a:r>
+          </a:p>
+          <a:p>
+            <a:r>
+              <a:rPr lang="en-US" dirty="0" smtClean="0"/>
+              <a:t>(i.e. scroll bar / html bookmarks)</a:t>
             </a:r>
             <a:endParaRPr lang="en-US" dirty="0"/>
           </a:p>
@@ -7985,13 +9283,15 @@
         </p:nvSpPr>
         <p:spPr bwMode="auto">
           <a:xfrm>
-            <a:off x="1447800" y="609600"/>
-            <a:ext cx="5105400" cy="5410200"/>
+            <a:off x="1981200" y="1266330"/>
+            <a:ext cx="3962400" cy="4485316"/>
           </a:xfrm>
           <a:prstGeom prst="rect">
             <a:avLst/>
           </a:prstGeom>
-          <a:noFill/>
+          <a:solidFill>
+            <a:schemeClr val="bg1"/>
+          </a:solidFill>
           <a:ln w="9525" cap="flat" cmpd="sng" algn="ctr">
             <a:solidFill>
               <a:schemeClr val="tx1"/>
@@ -8041,282 +9341,6 @@
           </a:p>
         </p:txBody>
       </p:sp>
-      <p:pic>
-        <p:nvPicPr>
-          <p:cNvPr id="4" name="Picture 3" descr="DEV-Logo_RGB.gif"/>
-          <p:cNvPicPr/>
-          <p:nvPr/>
-        </p:nvPicPr>
-        <p:blipFill>
-          <a:blip r:embed="rId3" cstate="print">
-            <a:extLst>
-              <a:ext uri="{28A0092B-C50C-407E-A947-70E740481C1C}">
-                <a14:useLocalDpi xmlns:a14="http://schemas.microsoft.com/office/drawing/2010/main" val="0"/>
-              </a:ext>
-            </a:extLst>
-          </a:blip>
-          <a:srcRect/>
-          <a:stretch>
-            <a:fillRect/>
-          </a:stretch>
-        </p:blipFill>
-        <p:spPr bwMode="auto">
-          <a:xfrm>
-            <a:off x="4005261" y="5621179"/>
-            <a:ext cx="813479" cy="243002"/>
-          </a:xfrm>
-          <a:prstGeom prst="rect">
-            <a:avLst/>
-          </a:prstGeom>
-          <a:noFill/>
-          <a:ln>
-            <a:noFill/>
-          </a:ln>
-        </p:spPr>
-      </p:pic>
-      <p:sp>
-        <p:nvSpPr>
-          <p:cNvPr id="21" name="Rectangle 20"/>
-          <p:cNvSpPr/>
-          <p:nvPr/>
-        </p:nvSpPr>
-        <p:spPr bwMode="auto">
-          <a:xfrm>
-            <a:off x="1457325" y="609600"/>
-            <a:ext cx="5095875" cy="503720"/>
-          </a:xfrm>
-          <a:prstGeom prst="rect">
-            <a:avLst/>
-          </a:prstGeom>
-          <a:solidFill>
-            <a:schemeClr val="bg1">
-              <a:lumMod val="95000"/>
-            </a:schemeClr>
-          </a:solidFill>
-          <a:ln w="9525" cap="flat" cmpd="sng" algn="ctr">
-            <a:solidFill>
-              <a:schemeClr val="tx1"/>
-            </a:solidFill>
-            <a:prstDash val="solid"/>
-            <a:round/>
-            <a:headEnd type="none" w="med" len="med"/>
-            <a:tailEnd type="none" w="med" len="med"/>
-          </a:ln>
-          <a:effectLst/>
-        </p:spPr>
-        <p:txBody>
-          <a:bodyPr vert="horz" wrap="square" lIns="91440" tIns="45720" rIns="91440" bIns="45720" numCol="1" rtlCol="0" anchor="t" anchorCtr="0" compatLnSpc="1">
-            <a:prstTxWarp prst="textNoShape">
-              <a:avLst/>
-            </a:prstTxWarp>
-          </a:bodyPr>
-          <a:lstStyle/>
-          <a:p>
-            <a:pPr marL="0" marR="0" indent="0" algn="l" defTabSz="914400" rtl="0" eaLnBrk="0" fontAlgn="base" latinLnBrk="0" hangingPunct="0">
-              <a:lnSpc>
-                <a:spcPct val="100000"/>
-              </a:lnSpc>
-              <a:spcBef>
-                <a:spcPct val="0"/>
-              </a:spcBef>
-              <a:spcAft>
-                <a:spcPct val="0"/>
-              </a:spcAft>
-              <a:buClrTx/>
-              <a:buSzTx/>
-              <a:buFontTx/>
-              <a:buNone/>
-              <a:tabLst/>
-            </a:pPr>
-            <a:endParaRPr kumimoji="0" lang="en-US" sz="2400" b="0" i="0" u="none" strike="noStrike" cap="none" normalizeH="0" baseline="0" smtClean="0">
-              <a:ln>
-                <a:noFill/>
-              </a:ln>
-              <a:solidFill>
-                <a:schemeClr val="bg1">
-                  <a:lumMod val="85000"/>
-                </a:schemeClr>
-              </a:solidFill>
-              <a:effectLst/>
-              <a:latin typeface="Arial" charset="0"/>
-              <a:ea typeface="ＭＳ Ｐゴシック" pitchFamily="-60" charset="-128"/>
-            </a:endParaRPr>
-          </a:p>
-        </p:txBody>
-      </p:sp>
-      <p:sp>
-        <p:nvSpPr>
-          <p:cNvPr id="8" name="TextBox 7"/>
-          <p:cNvSpPr txBox="1"/>
-          <p:nvPr/>
-        </p:nvSpPr>
-        <p:spPr>
-          <a:xfrm>
-            <a:off x="1524000" y="759023"/>
-            <a:ext cx="3294741" cy="307777"/>
-          </a:xfrm>
-          <a:prstGeom prst="rect">
-            <a:avLst/>
-          </a:prstGeom>
-          <a:solidFill>
-            <a:schemeClr val="bg1">
-              <a:lumMod val="95000"/>
-            </a:schemeClr>
-          </a:solidFill>
-        </p:spPr>
-        <p:txBody>
-          <a:bodyPr wrap="square" rtlCol="0">
-            <a:spAutoFit/>
-          </a:bodyPr>
-          <a:lstStyle/>
-          <a:p>
-            <a:r>
-              <a:rPr lang="en-US" sz="1400" dirty="0" smtClean="0"/>
-              <a:t>Drug Recall Information Center</a:t>
-            </a:r>
-            <a:endParaRPr lang="en-US" sz="1400" dirty="0"/>
-          </a:p>
-        </p:txBody>
-      </p:sp>
-      <p:grpSp>
-        <p:nvGrpSpPr>
-          <p:cNvPr id="25" name="Group 24"/>
-          <p:cNvGrpSpPr/>
-          <p:nvPr/>
-        </p:nvGrpSpPr>
-        <p:grpSpPr>
-          <a:xfrm>
-            <a:off x="2971800" y="5562600"/>
-            <a:ext cx="2597151" cy="380999"/>
-            <a:chOff x="2965449" y="5562600"/>
-            <a:chExt cx="2597151" cy="380999"/>
-          </a:xfrm>
-        </p:grpSpPr>
-        <p:sp>
-          <p:nvSpPr>
-            <p:cNvPr id="23" name="TextBox 22"/>
-            <p:cNvSpPr txBox="1"/>
-            <p:nvPr/>
-          </p:nvSpPr>
-          <p:spPr>
-            <a:xfrm>
-              <a:off x="3057842" y="5621179"/>
-              <a:ext cx="2504758" cy="246221"/>
-            </a:xfrm>
-            <a:prstGeom prst="rect">
-              <a:avLst/>
-            </a:prstGeom>
-            <a:noFill/>
-          </p:spPr>
-          <p:txBody>
-            <a:bodyPr wrap="square" rtlCol="0">
-              <a:spAutoFit/>
-            </a:bodyPr>
-            <a:lstStyle/>
-            <a:p>
-              <a:r>
-                <a:rPr lang="en-US" sz="1000" dirty="0" smtClean="0"/>
-                <a:t>Developed by</a:t>
-              </a:r>
-              <a:endParaRPr lang="en-US" sz="1000" dirty="0"/>
-            </a:p>
-          </p:txBody>
-        </p:sp>
-        <p:sp>
-          <p:nvSpPr>
-            <p:cNvPr id="24" name="Rectangle 23"/>
-            <p:cNvSpPr/>
-            <p:nvPr/>
-          </p:nvSpPr>
-          <p:spPr bwMode="auto">
-            <a:xfrm>
-              <a:off x="2965449" y="5562600"/>
-              <a:ext cx="2139951" cy="380999"/>
-            </a:xfrm>
-            <a:prstGeom prst="rect">
-              <a:avLst/>
-            </a:prstGeom>
-            <a:noFill/>
-            <a:ln w="9525" cap="flat" cmpd="sng" algn="ctr">
-              <a:solidFill>
-                <a:schemeClr val="tx1"/>
-              </a:solidFill>
-              <a:prstDash val="solid"/>
-              <a:round/>
-              <a:headEnd type="none" w="med" len="med"/>
-              <a:tailEnd type="none" w="med" len="med"/>
-            </a:ln>
-            <a:effectLst/>
-          </p:spPr>
-          <p:txBody>
-            <a:bodyPr vert="horz" wrap="square" lIns="91440" tIns="45720" rIns="91440" bIns="45720" numCol="1" rtlCol="0" anchor="t" anchorCtr="0" compatLnSpc="1">
-              <a:prstTxWarp prst="textNoShape">
-                <a:avLst/>
-              </a:prstTxWarp>
-            </a:bodyPr>
-            <a:lstStyle/>
-            <a:p>
-              <a:pPr marL="0" marR="0" indent="0" algn="l" defTabSz="914400" rtl="0" eaLnBrk="0" fontAlgn="base" latinLnBrk="0" hangingPunct="0">
-                <a:lnSpc>
-                  <a:spcPct val="100000"/>
-                </a:lnSpc>
-                <a:spcBef>
-                  <a:spcPct val="0"/>
-                </a:spcBef>
-                <a:spcAft>
-                  <a:spcPct val="0"/>
-                </a:spcAft>
-                <a:buClrTx/>
-                <a:buSzTx/>
-                <a:buFontTx/>
-                <a:buNone/>
-                <a:tabLst/>
-              </a:pPr>
-              <a:endParaRPr kumimoji="0" lang="en-US" sz="2400" b="0" i="0" u="none" strike="noStrike" cap="none" normalizeH="0" baseline="0" smtClean="0">
-                <a:ln>
-                  <a:noFill/>
-                </a:ln>
-                <a:solidFill>
-                  <a:schemeClr val="tx1"/>
-                </a:solidFill>
-                <a:effectLst/>
-                <a:latin typeface="Arial" charset="0"/>
-                <a:ea typeface="ＭＳ Ｐゴシック" pitchFamily="-60" charset="-128"/>
-              </a:endParaRPr>
-            </a:p>
-          </p:txBody>
-        </p:sp>
-      </p:grpSp>
-      <p:sp>
-        <p:nvSpPr>
-          <p:cNvPr id="67" name="TextBox 66"/>
-          <p:cNvSpPr txBox="1"/>
-          <p:nvPr/>
-        </p:nvSpPr>
-        <p:spPr>
-          <a:xfrm>
-            <a:off x="6705600" y="3121732"/>
-            <a:ext cx="2133600" cy="1754326"/>
-          </a:xfrm>
-          <a:prstGeom prst="rect">
-            <a:avLst/>
-          </a:prstGeom>
-          <a:noFill/>
-        </p:spPr>
-        <p:txBody>
-          <a:bodyPr wrap="square" rtlCol="0">
-            <a:spAutoFit/>
-          </a:bodyPr>
-          <a:lstStyle/>
-          <a:p>
-            <a:r>
-              <a:rPr lang="en-US" dirty="0" smtClean="0"/>
-              <a:t>Provide users ability to go back home or to the search results (if drilled down from user search)</a:t>
-            </a:r>
-            <a:endParaRPr lang="en-US" dirty="0"/>
-          </a:p>
-        </p:txBody>
-      </p:sp>
       <p:sp>
         <p:nvSpPr>
           <p:cNvPr id="37" name="Rounded Rectangle 36"/>
@@ -8325,7 +9349,7 @@
         </p:nvSpPr>
         <p:spPr bwMode="auto">
           <a:xfrm>
-            <a:off x="5410199" y="5562600"/>
+            <a:off x="3525752" y="5137896"/>
             <a:ext cx="1027375" cy="337457"/>
           </a:xfrm>
           <a:prstGeom prst="roundRect">
@@ -8383,21 +9407,7 @@
                 <a:latin typeface="Arial" charset="0"/>
                 <a:ea typeface="ＭＳ Ｐゴシック" pitchFamily="-60" charset="-128"/>
               </a:rPr>
-              <a:t>Back </a:t>
-            </a:r>
-            <a:r>
-              <a:rPr kumimoji="0" lang="en-US" sz="1000" b="0" i="0" u="none" strike="noStrike" cap="none" normalizeH="0" dirty="0" smtClean="0">
-                <a:ln>
-                  <a:noFill/>
-                </a:ln>
-                <a:solidFill>
-                  <a:schemeClr val="tx1"/>
-                </a:solidFill>
-                <a:effectLst/>
-                <a:latin typeface="Arial" charset="0"/>
-                <a:ea typeface="ＭＳ Ｐゴシック" pitchFamily="-60" charset="-128"/>
-              </a:rPr>
-              <a:t>to search results</a:t>
+              <a:t>Close</a:t>
             </a:r>
             <a:endParaRPr kumimoji="0" lang="en-US" sz="1000" b="0" i="0" u="none" strike="noStrike" cap="none" normalizeH="0" baseline="0" dirty="0" smtClean="0">
               <a:ln>
@@ -8421,8 +9431,8 @@
         </p:nvSpPr>
         <p:spPr>
           <a:xfrm>
-            <a:off x="1457325" y="1368623"/>
-            <a:ext cx="5095875" cy="307777"/>
+            <a:off x="1981200" y="1483273"/>
+            <a:ext cx="3962400" cy="307777"/>
           </a:xfrm>
           <a:prstGeom prst="rect">
             <a:avLst/>
@@ -8438,78 +9448,13 @@
             <a:pPr algn="ctr"/>
             <a:r>
               <a:rPr lang="en-US" sz="1400" u="sng" dirty="0" smtClean="0"/>
-              <a:t>Drug #1 Recall Details</a:t>
+              <a:t>Drug </a:t>
+            </a:r>
+            <a:r>
+              <a:rPr lang="en-US" sz="1400" u="sng" dirty="0" smtClean="0"/>
+              <a:t>Recall Report Details</a:t>
             </a:r>
             <a:endParaRPr lang="en-US" sz="1400" u="sng" dirty="0"/>
-          </a:p>
-        </p:txBody>
-      </p:sp>
-      <p:sp>
-        <p:nvSpPr>
-          <p:cNvPr id="42" name="Oval 41"/>
-          <p:cNvSpPr/>
-          <p:nvPr/>
-        </p:nvSpPr>
-        <p:spPr bwMode="auto">
-          <a:xfrm>
-            <a:off x="1961197" y="2755377"/>
-            <a:ext cx="696278" cy="732709"/>
-          </a:xfrm>
-          <a:prstGeom prst="ellipse">
-            <a:avLst/>
-          </a:prstGeom>
-          <a:solidFill>
-            <a:srgbClr val="FFFF00"/>
-          </a:solidFill>
-          <a:ln w="9525" cap="flat" cmpd="sng" algn="ctr">
-            <a:solidFill>
-              <a:schemeClr val="tx1"/>
-            </a:solidFill>
-            <a:prstDash val="solid"/>
-            <a:round/>
-            <a:headEnd type="none" w="med" len="med"/>
-            <a:tailEnd type="none" w="med" len="med"/>
-          </a:ln>
-          <a:effectLst/>
-        </p:spPr>
-        <p:txBody>
-          <a:bodyPr vert="horz" wrap="square" lIns="91440" tIns="45720" rIns="91440" bIns="45720" numCol="1" rtlCol="0" anchor="t" anchorCtr="0" compatLnSpc="1">
-            <a:prstTxWarp prst="textNoShape">
-              <a:avLst/>
-            </a:prstTxWarp>
-          </a:bodyPr>
-          <a:lstStyle/>
-          <a:p>
-            <a:pPr marL="0" marR="0" indent="0" algn="ctr" defTabSz="914400" rtl="0" eaLnBrk="0" fontAlgn="base" latinLnBrk="0" hangingPunct="0">
-              <a:lnSpc>
-                <a:spcPct val="200000"/>
-              </a:lnSpc>
-              <a:spcBef>
-                <a:spcPct val="0"/>
-              </a:spcBef>
-              <a:spcAft>
-                <a:spcPct val="0"/>
-              </a:spcAft>
-              <a:buClrTx/>
-              <a:buSzTx/>
-              <a:buFontTx/>
-              <a:buNone/>
-              <a:tabLst/>
-            </a:pPr>
-            <a:r>
-              <a:rPr kumimoji="0" lang="en-US" sz="1000" b="0" i="0" u="none" strike="noStrike" cap="none" normalizeH="0" baseline="0" dirty="0" smtClean="0">
-                <a:ln>
-                  <a:noFill/>
-                </a:ln>
-                <a:solidFill>
-                  <a:schemeClr val="tx1"/>
-                </a:solidFill>
-                <a:effectLst/>
-                <a:latin typeface="Arial" charset="0"/>
-                <a:ea typeface="ＭＳ Ｐゴシック" pitchFamily="-60" charset="-128"/>
-              </a:rPr>
-              <a:t>Low</a:t>
-            </a:r>
           </a:p>
         </p:txBody>
       </p:sp>
@@ -8521,7 +9466,7 @@
         </p:nvSpPr>
         <p:spPr bwMode="auto">
           <a:xfrm>
-            <a:off x="1905000" y="1872736"/>
+            <a:off x="3503085" y="1978492"/>
             <a:ext cx="752475" cy="732709"/>
           </a:xfrm>
           <a:prstGeom prst="roundRect">
@@ -8618,8 +9563,8 @@
         </p:nvSpPr>
         <p:spPr bwMode="auto">
           <a:xfrm>
-            <a:off x="3018970" y="1905392"/>
-            <a:ext cx="3153230" cy="1582694"/>
+            <a:off x="2462825" y="2949867"/>
+            <a:ext cx="3153230" cy="1847364"/>
           </a:xfrm>
           <a:prstGeom prst="rect">
             <a:avLst/>
@@ -8674,157 +9619,14 @@
                 <a:latin typeface="Arial" charset="0"/>
                 <a:ea typeface="ＭＳ Ｐゴシック" pitchFamily="-60" charset="-128"/>
               </a:rPr>
-              <a:t>Recall Date</a:t>
-            </a:r>
-          </a:p>
-          <a:p>
-            <a:pPr marL="0" marR="0" indent="0" algn="l" defTabSz="914400" rtl="0" eaLnBrk="0" fontAlgn="base" latinLnBrk="0" hangingPunct="0">
-              <a:lnSpc>
-                <a:spcPct val="100000"/>
-              </a:lnSpc>
-              <a:spcBef>
-                <a:spcPct val="0"/>
-              </a:spcBef>
-              <a:spcAft>
-                <a:spcPct val="0"/>
-              </a:spcAft>
-              <a:buClrTx/>
-              <a:buSzTx/>
-              <a:buFontTx/>
-              <a:buNone/>
-              <a:tabLst/>
-            </a:pPr>
+              <a:t>Drug reca</a:t>
+            </a:r>
             <a:r>
               <a:rPr lang="en-US" sz="1000" dirty="0" smtClean="0">
                 <a:latin typeface="Arial" charset="0"/>
                 <a:ea typeface="ＭＳ Ｐゴシック" pitchFamily="-60" charset="-128"/>
               </a:rPr>
-              <a:t>Status </a:t>
-            </a:r>
-            <a:endParaRPr kumimoji="0" lang="en-US" sz="1000" b="0" i="0" u="none" strike="noStrike" cap="none" normalizeH="0" dirty="0" smtClean="0">
-              <a:ln>
-                <a:noFill/>
-              </a:ln>
-              <a:solidFill>
-                <a:schemeClr val="tx1"/>
-              </a:solidFill>
-              <a:effectLst/>
-              <a:latin typeface="Arial" charset="0"/>
-              <a:ea typeface="ＭＳ Ｐゴシック" pitchFamily="-60" charset="-128"/>
-            </a:endParaRPr>
-          </a:p>
-          <a:p>
-            <a:pPr marL="0" marR="0" indent="0" algn="l" defTabSz="914400" rtl="0" eaLnBrk="0" fontAlgn="base" latinLnBrk="0" hangingPunct="0">
-              <a:lnSpc>
-                <a:spcPct val="100000"/>
-              </a:lnSpc>
-              <a:spcBef>
-                <a:spcPct val="0"/>
-              </a:spcBef>
-              <a:spcAft>
-                <a:spcPct val="0"/>
-              </a:spcAft>
-              <a:buClrTx/>
-              <a:buSzTx/>
-              <a:buFontTx/>
-              <a:buNone/>
-              <a:tabLst/>
-            </a:pPr>
-            <a:r>
-              <a:rPr lang="en-US" sz="1000" dirty="0" smtClean="0">
-                <a:latin typeface="Arial" charset="0"/>
-                <a:ea typeface="ＭＳ Ｐゴシック" pitchFamily="-60" charset="-128"/>
-              </a:rPr>
-              <a:t>Product Name</a:t>
-            </a:r>
-          </a:p>
-          <a:p>
-            <a:pPr marL="0" marR="0" indent="0" algn="l" defTabSz="914400" rtl="0" eaLnBrk="0" fontAlgn="base" latinLnBrk="0" hangingPunct="0">
-              <a:lnSpc>
-                <a:spcPct val="100000"/>
-              </a:lnSpc>
-              <a:spcBef>
-                <a:spcPct val="0"/>
-              </a:spcBef>
-              <a:spcAft>
-                <a:spcPct val="0"/>
-              </a:spcAft>
-              <a:buClrTx/>
-              <a:buSzTx/>
-              <a:buFontTx/>
-              <a:buNone/>
-              <a:tabLst/>
-            </a:pPr>
-            <a:r>
-              <a:rPr kumimoji="0" lang="en-US" sz="1000" b="0" i="0" u="none" strike="noStrike" cap="none" normalizeH="0" dirty="0" smtClean="0">
-                <a:ln>
-                  <a:noFill/>
-                </a:ln>
-                <a:solidFill>
-                  <a:schemeClr val="tx1"/>
-                </a:solidFill>
-                <a:effectLst/>
-                <a:latin typeface="Arial" charset="0"/>
-                <a:ea typeface="ＭＳ Ｐゴシック" pitchFamily="-60" charset="-128"/>
-              </a:rPr>
-              <a:t>Product Type </a:t>
-            </a:r>
-          </a:p>
-          <a:p>
-            <a:pPr marL="0" marR="0" indent="0" algn="l" defTabSz="914400" rtl="0" eaLnBrk="0" fontAlgn="base" latinLnBrk="0" hangingPunct="0">
-              <a:lnSpc>
-                <a:spcPct val="100000"/>
-              </a:lnSpc>
-              <a:spcBef>
-                <a:spcPct val="0"/>
-              </a:spcBef>
-              <a:spcAft>
-                <a:spcPct val="0"/>
-              </a:spcAft>
-              <a:buClrTx/>
-              <a:buSzTx/>
-              <a:buFontTx/>
-              <a:buNone/>
-              <a:tabLst/>
-            </a:pPr>
-            <a:r>
-              <a:rPr lang="en-US" sz="1000" baseline="0" dirty="0" smtClean="0">
-                <a:latin typeface="Arial" charset="0"/>
-                <a:ea typeface="ＭＳ Ｐゴシック" pitchFamily="-60" charset="-128"/>
-              </a:rPr>
-              <a:t>Manufacturer (recalling firm)</a:t>
-            </a:r>
-          </a:p>
-          <a:p>
-            <a:pPr marL="0" marR="0" indent="0" algn="l" defTabSz="914400" rtl="0" eaLnBrk="0" fontAlgn="base" latinLnBrk="0" hangingPunct="0">
-              <a:lnSpc>
-                <a:spcPct val="100000"/>
-              </a:lnSpc>
-              <a:spcBef>
-                <a:spcPct val="0"/>
-              </a:spcBef>
-              <a:spcAft>
-                <a:spcPct val="0"/>
-              </a:spcAft>
-              <a:buClrTx/>
-              <a:buSzTx/>
-              <a:buFontTx/>
-              <a:buNone/>
-              <a:tabLst/>
-            </a:pPr>
-            <a:r>
-              <a:rPr kumimoji="0" lang="en-US" sz="1000" b="0" i="0" u="none" strike="noStrike" cap="none" normalizeH="0" dirty="0" smtClean="0">
-                <a:ln>
-                  <a:noFill/>
-                </a:ln>
-                <a:solidFill>
-                  <a:schemeClr val="tx1"/>
-                </a:solidFill>
-                <a:effectLst/>
-                <a:latin typeface="Arial" charset="0"/>
-                <a:ea typeface="ＭＳ Ｐゴシック" pitchFamily="-60" charset="-128"/>
-              </a:rPr>
-              <a:t>Distribution Pattern</a:t>
+              <a:t>ll report details data</a:t>
             </a:r>
             <a:endParaRPr kumimoji="0" lang="en-US" sz="1000" b="0" i="0" u="none" strike="noStrike" cap="none" normalizeH="0" baseline="0" dirty="0" smtClean="0">
               <a:ln>
@@ -8842,182 +9644,32 @@
       </p:sp>
       <p:sp>
         <p:nvSpPr>
-          <p:cNvPr id="45" name="Rectangle 44"/>
-          <p:cNvSpPr/>
+          <p:cNvPr id="58" name="TextBox 57"/>
+          <p:cNvSpPr txBox="1"/>
           <p:nvPr/>
         </p:nvSpPr>
-        <p:spPr bwMode="auto">
+        <p:spPr>
           <a:xfrm>
-            <a:off x="2133600" y="3733800"/>
-            <a:ext cx="4038600" cy="533400"/>
+            <a:off x="2362200" y="304800"/>
+            <a:ext cx="4724400" cy="338554"/>
           </a:xfrm>
           <a:prstGeom prst="rect">
             <a:avLst/>
           </a:prstGeom>
-          <a:solidFill>
-            <a:schemeClr val="accent1"/>
-          </a:solidFill>
-          <a:ln w="9525" cap="flat" cmpd="sng" algn="ctr">
-            <a:solidFill>
-              <a:schemeClr val="tx1"/>
-            </a:solidFill>
-            <a:prstDash val="solid"/>
-            <a:round/>
-            <a:headEnd type="none" w="med" len="med"/>
-            <a:tailEnd type="none" w="med" len="med"/>
-          </a:ln>
-          <a:effectLst/>
+          <a:noFill/>
         </p:spPr>
         <p:txBody>
-          <a:bodyPr vert="horz" wrap="square" lIns="91440" tIns="45720" rIns="91440" bIns="45720" numCol="1" rtlCol="0" anchor="t" anchorCtr="0" compatLnSpc="1">
-            <a:prstTxWarp prst="textNoShape">
-              <a:avLst/>
-            </a:prstTxWarp>
+          <a:bodyPr wrap="square" rtlCol="0">
+            <a:spAutoFit/>
           </a:bodyPr>
           <a:lstStyle/>
           <a:p>
-            <a:pPr marL="0" marR="0" indent="0" algn="l" defTabSz="914400" rtl="0" eaLnBrk="0" fontAlgn="base" latinLnBrk="0" hangingPunct="0">
-              <a:lnSpc>
-                <a:spcPct val="100000"/>
-              </a:lnSpc>
-              <a:spcBef>
-                <a:spcPct val="0"/>
-              </a:spcBef>
-              <a:spcAft>
-                <a:spcPct val="0"/>
-              </a:spcAft>
-              <a:buClrTx/>
-              <a:buSzTx/>
-              <a:buFontTx/>
-              <a:buNone/>
-              <a:tabLst/>
-            </a:pPr>
-            <a:r>
-              <a:rPr kumimoji="0" lang="en-US" sz="1000" b="0" i="0" u="none" strike="noStrike" cap="none" normalizeH="0" baseline="0" dirty="0" smtClean="0">
-                <a:ln>
-                  <a:noFill/>
-                </a:ln>
-                <a:solidFill>
-                  <a:schemeClr val="tx1"/>
-                </a:solidFill>
-                <a:effectLst/>
-                <a:latin typeface="Arial" charset="0"/>
-                <a:ea typeface="ＭＳ Ｐゴシック" pitchFamily="-60" charset="-128"/>
-              </a:rPr>
-              <a:t>Product Description:</a:t>
-            </a:r>
-            <a:r>
-              <a:rPr kumimoji="0" lang="en-US" sz="1000" b="0" i="0" u="none" strike="noStrike" cap="none" normalizeH="0" dirty="0" smtClean="0">
-                <a:ln>
-                  <a:noFill/>
-                </a:ln>
-                <a:solidFill>
-                  <a:schemeClr val="tx1"/>
-                </a:solidFill>
-                <a:effectLst/>
-                <a:latin typeface="Arial" charset="0"/>
-                <a:ea typeface="ＭＳ Ｐゴシック" pitchFamily="-60" charset="-128"/>
-              </a:rPr>
-              <a:t> </a:t>
-            </a:r>
-            <a:endParaRPr kumimoji="0" lang="en-US" sz="1000" b="0" i="0" u="none" strike="noStrike" cap="none" normalizeH="0" baseline="0" dirty="0" smtClean="0">
-              <a:ln>
-                <a:noFill/>
-              </a:ln>
-              <a:solidFill>
-                <a:schemeClr val="tx1"/>
-              </a:solidFill>
-              <a:effectLst/>
-              <a:latin typeface="Arial" charset="0"/>
-              <a:ea typeface="ＭＳ Ｐゴシック" pitchFamily="-60" charset="-128"/>
-            </a:endParaRPr>
-          </a:p>
-        </p:txBody>
-      </p:sp>
-      <p:sp>
-        <p:nvSpPr>
-          <p:cNvPr id="46" name="Rectangle 45"/>
-          <p:cNvSpPr/>
-          <p:nvPr/>
-        </p:nvSpPr>
-        <p:spPr bwMode="auto">
-          <a:xfrm>
-            <a:off x="2133600" y="4419600"/>
-            <a:ext cx="4038600" cy="533400"/>
-          </a:xfrm>
-          <a:prstGeom prst="rect">
-            <a:avLst/>
-          </a:prstGeom>
-          <a:solidFill>
-            <a:schemeClr val="accent1"/>
-          </a:solidFill>
-          <a:ln w="9525" cap="flat" cmpd="sng" algn="ctr">
-            <a:solidFill>
-              <a:schemeClr val="tx1"/>
-            </a:solidFill>
-            <a:prstDash val="solid"/>
-            <a:round/>
-            <a:headEnd type="none" w="med" len="med"/>
-            <a:tailEnd type="none" w="med" len="med"/>
-          </a:ln>
-          <a:effectLst/>
-        </p:spPr>
-        <p:txBody>
-          <a:bodyPr vert="horz" wrap="square" lIns="91440" tIns="45720" rIns="91440" bIns="45720" numCol="1" rtlCol="0" anchor="t" anchorCtr="0" compatLnSpc="1">
-            <a:prstTxWarp prst="textNoShape">
-              <a:avLst/>
-            </a:prstTxWarp>
-          </a:bodyPr>
-          <a:lstStyle/>
-          <a:p>
-            <a:pPr marL="0" marR="0" indent="0" algn="l" defTabSz="914400" rtl="0" eaLnBrk="0" fontAlgn="base" latinLnBrk="0" hangingPunct="0">
-              <a:lnSpc>
-                <a:spcPct val="100000"/>
-              </a:lnSpc>
-              <a:spcBef>
-                <a:spcPct val="0"/>
-              </a:spcBef>
-              <a:spcAft>
-                <a:spcPct val="0"/>
-              </a:spcAft>
-              <a:buClrTx/>
-              <a:buSzTx/>
-              <a:buFontTx/>
-              <a:buNone/>
-              <a:tabLst/>
-            </a:pPr>
-            <a:r>
-              <a:rPr lang="en-US" sz="1000" dirty="0" smtClean="0">
-                <a:latin typeface="Arial" charset="0"/>
-                <a:ea typeface="ＭＳ Ｐゴシック" pitchFamily="-60" charset="-128"/>
-              </a:rPr>
-              <a:t>Reason for Recall</a:t>
-            </a:r>
-            <a:r>
-              <a:rPr kumimoji="0" lang="en-US" sz="1000" b="0" i="0" u="none" strike="noStrike" cap="none" normalizeH="0" dirty="0" smtClean="0">
-                <a:ln>
-                  <a:noFill/>
-                </a:ln>
-                <a:solidFill>
-                  <a:schemeClr val="tx1"/>
-                </a:solidFill>
-                <a:effectLst/>
-                <a:latin typeface="Arial" charset="0"/>
-                <a:ea typeface="ＭＳ Ｐゴシック" pitchFamily="-60" charset="-128"/>
-              </a:rPr>
-              <a:t> </a:t>
-            </a:r>
-            <a:endParaRPr kumimoji="0" lang="en-US" sz="1000" b="0" i="0" u="none" strike="noStrike" cap="none" normalizeH="0" baseline="0" dirty="0" smtClean="0">
-              <a:ln>
-                <a:noFill/>
-              </a:ln>
-              <a:solidFill>
-                <a:schemeClr val="tx1"/>
-              </a:solidFill>
-              <a:effectLst/>
-              <a:latin typeface="Arial" charset="0"/>
-              <a:ea typeface="ＭＳ Ｐゴシック" pitchFamily="-60" charset="-128"/>
-            </a:endParaRPr>
+            <a:pPr algn="ctr"/>
+            <a:r>
+              <a:rPr lang="en-US" sz="1600" b="1" dirty="0" smtClean="0"/>
+              <a:t>Drug Recall Report Details Page</a:t>
+            </a:r>
+            <a:endParaRPr lang="en-US" sz="1600" b="1" dirty="0"/>
           </a:p>
         </p:txBody>
       </p:sp>

--- a/Design/Wireframes/DRIC wireframes.pptx
+++ b/Design/Wireframes/DRIC wireframes.pptx
@@ -5,7 +5,7 @@
     <p:sldMasterId id="2147483672" r:id="rId1"/>
   </p:sldMasterIdLst>
   <p:notesMasterIdLst>
-    <p:notesMasterId r:id="rId9"/>
+    <p:notesMasterId r:id="rId10"/>
   </p:notesMasterIdLst>
   <p:sldIdLst>
     <p:sldId id="263" r:id="rId2"/>
@@ -13,8 +13,9 @@
     <p:sldId id="272" r:id="rId4"/>
     <p:sldId id="273" r:id="rId5"/>
     <p:sldId id="271" r:id="rId6"/>
-    <p:sldId id="267" r:id="rId7"/>
-    <p:sldId id="268" r:id="rId8"/>
+    <p:sldId id="274" r:id="rId7"/>
+    <p:sldId id="267" r:id="rId8"/>
+    <p:sldId id="268" r:id="rId9"/>
   </p:sldIdLst>
   <p:sldSz cx="9144000" cy="6858000" type="screen4x3"/>
   <p:notesSz cx="7010400" cy="9296400"/>
@@ -113,6 +114,22 @@
       </a:defRPr>
     </a:lvl9pPr>
   </p:defaultTextStyle>
+  <p:extLst>
+    <p:ext uri="{EFAFB233-063F-42B5-8137-9DF3F51BA10A}">
+      <p15:sldGuideLst xmlns:p15="http://schemas.microsoft.com/office/powerpoint/2012/main">
+        <p15:guide id="1" orient="horz" pos="2160">
+          <p15:clr>
+            <a:srgbClr val="A4A3A4"/>
+          </p15:clr>
+        </p15:guide>
+        <p15:guide id="2" pos="2880">
+          <p15:clr>
+            <a:srgbClr val="A4A3A4"/>
+          </p15:clr>
+        </p15:guide>
+      </p15:sldGuideLst>
+    </p:ext>
+  </p:extLst>
 </p:presentation>
 </file>
 
@@ -198,7 +215,7 @@
           <a:p>
             <a:fld id="{8E93098F-1000-4F85-9F35-40A3F3C1DAF8}" type="datetimeFigureOut">
               <a:rPr lang="en-US" smtClean="0"/>
-              <a:t>6/19/2015</a:t>
+              <a:t>6/23/2015</a:t>
             </a:fld>
             <a:endParaRPr lang="en-US"/>
           </a:p>
@@ -864,7 +881,7 @@
             <a:fld id="{032CCAA4-70F9-4347-A6BC-65B95A477A91}" type="datetimeFigureOut">
               <a:rPr lang="en-US" smtClean="0"/>
               <a:pPr/>
-              <a:t>6/19/2015</a:t>
+              <a:t>6/23/2015</a:t>
             </a:fld>
             <a:endParaRPr lang="en-US"/>
           </a:p>
@@ -1049,7 +1066,7 @@
             <a:fld id="{032CCAA4-70F9-4347-A6BC-65B95A477A91}" type="datetimeFigureOut">
               <a:rPr lang="en-US" smtClean="0"/>
               <a:pPr/>
-              <a:t>6/19/2015</a:t>
+              <a:t>6/23/2015</a:t>
             </a:fld>
             <a:endParaRPr lang="en-US"/>
           </a:p>
@@ -1244,7 +1261,7 @@
             <a:fld id="{032CCAA4-70F9-4347-A6BC-65B95A477A91}" type="datetimeFigureOut">
               <a:rPr lang="en-US" smtClean="0"/>
               <a:pPr/>
-              <a:t>6/19/2015</a:t>
+              <a:t>6/23/2015</a:t>
             </a:fld>
             <a:endParaRPr lang="en-US"/>
           </a:p>
@@ -1437,7 +1454,7 @@
             <a:fld id="{032CCAA4-70F9-4347-A6BC-65B95A477A91}" type="datetimeFigureOut">
               <a:rPr lang="en-US" smtClean="0"/>
               <a:pPr/>
-              <a:t>6/19/2015</a:t>
+              <a:t>6/23/2015</a:t>
             </a:fld>
             <a:endParaRPr lang="en-US"/>
           </a:p>
@@ -1644,7 +1661,7 @@
             <a:fld id="{032CCAA4-70F9-4347-A6BC-65B95A477A91}" type="datetimeFigureOut">
               <a:rPr lang="en-US" smtClean="0"/>
               <a:pPr/>
-              <a:t>6/19/2015</a:t>
+              <a:t>6/23/2015</a:t>
             </a:fld>
             <a:endParaRPr lang="en-US"/>
           </a:p>
@@ -1947,7 +1964,7 @@
             <a:fld id="{032CCAA4-70F9-4347-A6BC-65B95A477A91}" type="datetimeFigureOut">
               <a:rPr lang="en-US" smtClean="0"/>
               <a:pPr/>
-              <a:t>6/19/2015</a:t>
+              <a:t>6/23/2015</a:t>
             </a:fld>
             <a:endParaRPr lang="en-US"/>
           </a:p>
@@ -2389,7 +2406,7 @@
             <a:fld id="{032CCAA4-70F9-4347-A6BC-65B95A477A91}" type="datetimeFigureOut">
               <a:rPr lang="en-US" smtClean="0"/>
               <a:pPr/>
-              <a:t>6/19/2015</a:t>
+              <a:t>6/23/2015</a:t>
             </a:fld>
             <a:endParaRPr lang="en-US"/>
           </a:p>
@@ -2522,7 +2539,7 @@
             <a:fld id="{032CCAA4-70F9-4347-A6BC-65B95A477A91}" type="datetimeFigureOut">
               <a:rPr lang="en-US" smtClean="0"/>
               <a:pPr/>
-              <a:t>6/19/2015</a:t>
+              <a:t>6/23/2015</a:t>
             </a:fld>
             <a:endParaRPr lang="en-US"/>
           </a:p>
@@ -2632,7 +2649,7 @@
             <a:fld id="{032CCAA4-70F9-4347-A6BC-65B95A477A91}" type="datetimeFigureOut">
               <a:rPr lang="en-US" smtClean="0"/>
               <a:pPr/>
-              <a:t>6/19/2015</a:t>
+              <a:t>6/23/2015</a:t>
             </a:fld>
             <a:endParaRPr lang="en-US"/>
           </a:p>
@@ -2924,7 +2941,7 @@
             <a:fld id="{032CCAA4-70F9-4347-A6BC-65B95A477A91}" type="datetimeFigureOut">
               <a:rPr lang="en-US" smtClean="0"/>
               <a:pPr/>
-              <a:t>6/19/2015</a:t>
+              <a:t>6/23/2015</a:t>
             </a:fld>
             <a:endParaRPr lang="en-US"/>
           </a:p>
@@ -3196,7 +3213,7 @@
             <a:fld id="{032CCAA4-70F9-4347-A6BC-65B95A477A91}" type="datetimeFigureOut">
               <a:rPr lang="en-US" smtClean="0"/>
               <a:pPr/>
-              <a:t>6/19/2015</a:t>
+              <a:t>6/23/2015</a:t>
             </a:fld>
             <a:endParaRPr lang="en-US"/>
           </a:p>
@@ -3451,7 +3468,7 @@
             <a:fld id="{032CCAA4-70F9-4347-A6BC-65B95A477A91}" type="datetimeFigureOut">
               <a:rPr lang="en-US" smtClean="0"/>
               <a:pPr/>
-              <a:t>6/19/2015</a:t>
+              <a:t>6/23/2015</a:t>
             </a:fld>
             <a:endParaRPr lang="en-US"/>
           </a:p>
@@ -4517,7 +4534,7 @@
           <p:nvPr>
             <p:extLst>
               <p:ext uri="{D42A27DB-BD31-4B8C-83A1-F6EECF244321}">
-                <p14:modId xmlns:p14="http://schemas.microsoft.com/office/powerpoint/2010/main" val="2862773915"/>
+                <p14:modId xmlns:p14="http://schemas.microsoft.com/office/powerpoint/2010/main" val="3541950731"/>
               </p:ext>
             </p:extLst>
           </p:nvPr>
@@ -4811,6 +4828,10 @@
                     <a:bodyPr/>
                     <a:lstStyle/>
                     <a:p>
+                      <a:r>
+                        <a:rPr lang="en-US" dirty="0" smtClean="0"/>
+                        <a:t>1.4</a:t>
+                      </a:r>
                       <a:endParaRPr lang="en-US" dirty="0"/>
                     </a:p>
                   </a:txBody>
@@ -4821,7 +4842,11 @@
                     <a:bodyPr/>
                     <a:lstStyle/>
                     <a:p>
-                      <a:endParaRPr lang="en-US"/>
+                      <a:r>
+                        <a:rPr lang="en-US" dirty="0" smtClean="0"/>
+                        <a:t>6/23/2015</a:t>
+                      </a:r>
+                      <a:endParaRPr lang="en-US" dirty="0"/>
                     </a:p>
                   </a:txBody>
                   <a:tcPr/>
@@ -4831,6 +4856,10 @@
                     <a:bodyPr/>
                     <a:lstStyle/>
                     <a:p>
+                      <a:r>
+                        <a:rPr lang="en-US" dirty="0" smtClean="0"/>
+                        <a:t>Updated per 6/23 11:00 AM demo</a:t>
+                      </a:r>
                       <a:endParaRPr lang="en-US" dirty="0"/>
                     </a:p>
                   </a:txBody>
@@ -4996,16 +5025,13 @@
             </a:r>
             <a:r>
               <a:rPr lang="en-US" sz="1600" dirty="0" smtClean="0"/>
-              <a:t>Shows all drug </a:t>
+              <a:t>Result do NOT show</a:t>
             </a:r>
             <a:r>
               <a:rPr lang="en-US" sz="1600" dirty="0" smtClean="0"/>
-              <a:t>recalls </a:t>
-            </a:r>
-            <a:r>
-              <a:rPr lang="en-US" sz="1600" dirty="0" smtClean="0"/>
-              <a:t>reports in last 1 month.</a:t>
-            </a:r>
+              <a:t>.</a:t>
+            </a:r>
+            <a:endParaRPr lang="en-US" sz="1600" dirty="0" smtClean="0"/>
           </a:p>
           <a:p>
             <a:endParaRPr lang="en-US" sz="1600" dirty="0"/>
@@ -5058,7 +5084,7 @@
         <p:spPr>
           <a:xfrm>
             <a:off x="5867400" y="3767078"/>
-            <a:ext cx="3080657" cy="2862322"/>
+            <a:ext cx="3080657" cy="1323439"/>
           </a:xfrm>
           <a:prstGeom prst="rect">
             <a:avLst/>
@@ -5073,8 +5099,13 @@
           <a:p>
             <a:r>
               <a:rPr lang="en-US" sz="1600" dirty="0" smtClean="0"/>
-              <a:t>Display 10 results per page &amp; provide pagination.</a:t>
-            </a:r>
+              <a:t>Display </a:t>
+            </a:r>
+            <a:r>
+              <a:rPr lang="en-US" sz="1600" dirty="0" smtClean="0"/>
+              <a:t>up to 100 results</a:t>
+            </a:r>
+            <a:endParaRPr lang="en-US" sz="1600" dirty="0" smtClean="0"/>
           </a:p>
           <a:p>
             <a:endParaRPr lang="en-US" sz="1600" dirty="0"/>
@@ -5082,36 +5113,9 @@
           <a:p>
             <a:r>
               <a:rPr lang="en-US" sz="1600" dirty="0" smtClean="0"/>
-              <a:t>Product </a:t>
-            </a:r>
-            <a:r>
-              <a:rPr lang="en-US" sz="1600" dirty="0" smtClean="0"/>
-              <a:t>name = product name or 1</a:t>
-            </a:r>
-            <a:r>
-              <a:rPr lang="en-US" sz="1600" baseline="30000" dirty="0" smtClean="0"/>
-              <a:t>st</a:t>
-            </a:r>
-            <a:r>
-              <a:rPr lang="en-US" sz="1600" dirty="0" smtClean="0"/>
-              <a:t> 20 char of Product Description if name is not </a:t>
-            </a:r>
-            <a:r>
-              <a:rPr lang="en-US" sz="1600" dirty="0" smtClean="0"/>
-              <a:t>available</a:t>
-            </a:r>
-          </a:p>
-          <a:p>
-            <a:endParaRPr lang="en-US" sz="1600" dirty="0"/>
-          </a:p>
-          <a:p>
-            <a:r>
-              <a:rPr lang="en-US" sz="1600" dirty="0"/>
-              <a:t>Provide legend on classification.</a:t>
-            </a:r>
-          </a:p>
-          <a:p>
-            <a:endParaRPr lang="en-US" sz="1600" dirty="0"/>
+              <a:t>Recall Description = Recall Description up to first comma or 50 characters</a:t>
+            </a:r>
+            <a:endParaRPr lang="en-US" sz="1600" dirty="0" smtClean="0"/>
           </a:p>
         </p:txBody>
       </p:sp>
@@ -5235,7 +5239,7 @@
           <p:spPr>
             <a:xfrm>
               <a:off x="1981200" y="2209800"/>
-              <a:ext cx="4105274" cy="307777"/>
+              <a:ext cx="4105274" cy="276999"/>
             </a:xfrm>
             <a:prstGeom prst="rect">
               <a:avLst/>
@@ -5250,10 +5254,10 @@
             <a:p>
               <a:pPr algn="ctr"/>
               <a:r>
-                <a:rPr lang="en-US" sz="1400" u="sng" dirty="0" smtClean="0"/>
-                <a:t>Drug Recall Reports</a:t>
+                <a:rPr lang="en-US" sz="1200" u="sng" dirty="0" smtClean="0"/>
+                <a:t>Results (X of Y)</a:t>
               </a:r>
-              <a:endParaRPr lang="en-US" sz="1400" u="sng" dirty="0"/>
+              <a:endParaRPr lang="en-US" sz="1200" u="sng" dirty="0"/>
             </a:p>
           </p:txBody>
         </p:sp>
@@ -5331,7 +5335,7 @@
           </p:nvSpPr>
           <p:spPr>
             <a:xfrm>
-              <a:off x="1981201" y="2590800"/>
+              <a:off x="1542597" y="2561786"/>
               <a:ext cx="4184648" cy="246221"/>
             </a:xfrm>
             <a:prstGeom prst="rect">
@@ -5347,278 +5351,24 @@
             <a:p>
               <a:r>
                 <a:rPr lang="en-US" sz="1000" dirty="0" smtClean="0"/>
-                <a:t>Recall Number      Classification</a:t>
+                <a:t>	      </a:t>
               </a:r>
               <a:r>
                 <a:rPr lang="en-US" sz="1000" dirty="0" smtClean="0"/>
-                <a:t>	      Product Name          </a:t>
+                <a:t>Recall Description (Short Name), </a:t>
               </a:r>
               <a:r>
                 <a:rPr lang="en-US" sz="1000" dirty="0" smtClean="0"/>
-                <a:t>Report  Date</a:t>
+                <a:t>Report  </a:t>
+              </a:r>
+              <a:r>
+                <a:rPr lang="en-US" sz="1000" dirty="0" smtClean="0"/>
+                <a:t>Date</a:t>
               </a:r>
               <a:endParaRPr lang="en-US" sz="1000" dirty="0"/>
             </a:p>
           </p:txBody>
         </p:sp>
-        <p:grpSp>
-          <p:nvGrpSpPr>
-            <p:cNvPr id="20" name="Group 19"/>
-            <p:cNvGrpSpPr/>
-            <p:nvPr/>
-          </p:nvGrpSpPr>
-          <p:grpSpPr>
-            <a:xfrm>
-              <a:off x="1993902" y="3342467"/>
-              <a:ext cx="4092572" cy="260866"/>
-              <a:chOff x="1993902" y="3342467"/>
-              <a:chExt cx="4092572" cy="260866"/>
-            </a:xfrm>
-          </p:grpSpPr>
-          <p:sp>
-            <p:nvSpPr>
-              <p:cNvPr id="14" name="TextBox 13"/>
-              <p:cNvSpPr txBox="1"/>
-              <p:nvPr/>
-            </p:nvSpPr>
-            <p:spPr>
-              <a:xfrm>
-                <a:off x="1993902" y="3357112"/>
-                <a:ext cx="4092572" cy="246221"/>
-              </a:xfrm>
-              <a:prstGeom prst="rect">
-                <a:avLst/>
-              </a:prstGeom>
-              <a:noFill/>
-            </p:spPr>
-            <p:txBody>
-              <a:bodyPr wrap="square" rtlCol="0">
-                <a:spAutoFit/>
-              </a:bodyPr>
-              <a:lstStyle/>
-              <a:p>
-                <a:r>
-                  <a:rPr lang="en-US" sz="1000" u="sng" dirty="0" smtClean="0">
-                    <a:solidFill>
-                      <a:srgbClr val="0070C0"/>
-                    </a:solidFill>
-                  </a:rPr>
-                  <a:t>D-609-198  </a:t>
-                </a:r>
-                <a:r>
-                  <a:rPr lang="en-US" sz="1000" dirty="0" smtClean="0"/>
-                  <a:t>                   Class </a:t>
-                </a:r>
-                <a:r>
-                  <a:rPr lang="en-US" sz="1000" dirty="0" smtClean="0"/>
-                  <a:t>3         Drug </a:t>
-                </a:r>
-                <a:r>
-                  <a:rPr lang="en-US" sz="1000" dirty="0" smtClean="0"/>
-                  <a:t>1                        5/29/15</a:t>
-                </a:r>
-                <a:endParaRPr lang="en-US" sz="1000" dirty="0"/>
-              </a:p>
-            </p:txBody>
-          </p:sp>
-          <p:sp>
-            <p:nvSpPr>
-              <p:cNvPr id="15" name="Oval 14"/>
-              <p:cNvSpPr/>
-              <p:nvPr/>
-            </p:nvSpPr>
-            <p:spPr bwMode="auto">
-              <a:xfrm>
-                <a:off x="3139757" y="3342467"/>
-                <a:ext cx="204191" cy="184666"/>
-              </a:xfrm>
-              <a:prstGeom prst="ellipse">
-                <a:avLst/>
-              </a:prstGeom>
-              <a:solidFill>
-                <a:srgbClr val="FF0000"/>
-              </a:solidFill>
-              <a:ln w="9525" cap="flat" cmpd="sng" algn="ctr">
-                <a:solidFill>
-                  <a:schemeClr val="tx1"/>
-                </a:solidFill>
-                <a:prstDash val="solid"/>
-                <a:round/>
-                <a:headEnd type="none" w="med" len="med"/>
-                <a:tailEnd type="none" w="med" len="med"/>
-              </a:ln>
-              <a:effectLst/>
-            </p:spPr>
-            <p:txBody>
-              <a:bodyPr vert="horz" wrap="square" lIns="91440" tIns="45720" rIns="91440" bIns="45720" numCol="1" rtlCol="0" anchor="t" anchorCtr="0" compatLnSpc="1">
-                <a:prstTxWarp prst="textNoShape">
-                  <a:avLst/>
-                </a:prstTxWarp>
-              </a:bodyPr>
-              <a:lstStyle/>
-              <a:p>
-                <a:pPr marL="0" marR="0" indent="0" algn="l" defTabSz="914400" rtl="0" eaLnBrk="0" fontAlgn="base" latinLnBrk="0" hangingPunct="0">
-                  <a:lnSpc>
-                    <a:spcPct val="100000"/>
-                  </a:lnSpc>
-                  <a:spcBef>
-                    <a:spcPct val="0"/>
-                  </a:spcBef>
-                  <a:spcAft>
-                    <a:spcPct val="0"/>
-                  </a:spcAft>
-                  <a:buClrTx/>
-                  <a:buSzTx/>
-                  <a:buFontTx/>
-                  <a:buNone/>
-                  <a:tabLst/>
-                </a:pPr>
-                <a:endParaRPr kumimoji="0" lang="en-US" sz="2400" b="0" i="0" u="none" strike="noStrike" cap="none" normalizeH="0" baseline="0" smtClean="0">
-                  <a:ln>
-                    <a:noFill/>
-                  </a:ln>
-                  <a:solidFill>
-                    <a:schemeClr val="tx1"/>
-                  </a:solidFill>
-                  <a:effectLst/>
-                  <a:latin typeface="Arial" charset="0"/>
-                  <a:ea typeface="ＭＳ Ｐゴシック" pitchFamily="-60" charset="-128"/>
-                </a:endParaRPr>
-              </a:p>
-            </p:txBody>
-          </p:sp>
-        </p:grpSp>
-        <p:grpSp>
-          <p:nvGrpSpPr>
-            <p:cNvPr id="26" name="Group 25"/>
-            <p:cNvGrpSpPr/>
-            <p:nvPr/>
-          </p:nvGrpSpPr>
-          <p:grpSpPr>
-            <a:xfrm>
-              <a:off x="1993903" y="3739693"/>
-              <a:ext cx="4025897" cy="246221"/>
-              <a:chOff x="1993903" y="3739693"/>
-              <a:chExt cx="4025897" cy="246221"/>
-            </a:xfrm>
-          </p:grpSpPr>
-          <p:sp>
-            <p:nvSpPr>
-              <p:cNvPr id="16" name="TextBox 15"/>
-              <p:cNvSpPr txBox="1"/>
-              <p:nvPr/>
-            </p:nvSpPr>
-            <p:spPr>
-              <a:xfrm>
-                <a:off x="1993903" y="3739693"/>
-                <a:ext cx="4025897" cy="246221"/>
-              </a:xfrm>
-              <a:prstGeom prst="rect">
-                <a:avLst/>
-              </a:prstGeom>
-              <a:noFill/>
-            </p:spPr>
-            <p:txBody>
-              <a:bodyPr wrap="square" rtlCol="0">
-                <a:spAutoFit/>
-              </a:bodyPr>
-              <a:lstStyle/>
-              <a:p>
-                <a:r>
-                  <a:rPr lang="en-US" sz="1000" u="sng" dirty="0" smtClean="0">
-                    <a:solidFill>
-                      <a:srgbClr val="0070C0"/>
-                    </a:solidFill>
-                  </a:rPr>
-                  <a:t>D-345-4567 </a:t>
-                </a:r>
-                <a:r>
-                  <a:rPr lang="en-US" sz="1000" dirty="0" smtClean="0"/>
-                  <a:t>                  Class </a:t>
-                </a:r>
-                <a:r>
-                  <a:rPr lang="en-US" sz="1000" dirty="0" smtClean="0"/>
-                  <a:t>2         Drug </a:t>
-                </a:r>
-                <a:r>
-                  <a:rPr lang="en-US" sz="1000" dirty="0" smtClean="0"/>
-                  <a:t>1 , Drug2            </a:t>
-                </a:r>
-                <a:r>
-                  <a:rPr lang="en-US" sz="1000" dirty="0" smtClean="0"/>
-                  <a:t>5/29/15</a:t>
-                </a:r>
-                <a:endParaRPr lang="en-US" sz="1000" dirty="0"/>
-              </a:p>
-            </p:txBody>
-          </p:sp>
-          <p:sp>
-            <p:nvSpPr>
-              <p:cNvPr id="17" name="Oval 16"/>
-              <p:cNvSpPr/>
-              <p:nvPr/>
-            </p:nvSpPr>
-            <p:spPr bwMode="auto">
-              <a:xfrm>
-                <a:off x="3139757" y="3770470"/>
-                <a:ext cx="191135" cy="184666"/>
-              </a:xfrm>
-              <a:prstGeom prst="ellipse">
-                <a:avLst/>
-              </a:prstGeom>
-              <a:solidFill>
-                <a:srgbClr val="FFC000"/>
-              </a:solidFill>
-              <a:ln w="9525" cap="flat" cmpd="sng" algn="ctr">
-                <a:solidFill>
-                  <a:schemeClr val="tx1"/>
-                </a:solidFill>
-                <a:prstDash val="solid"/>
-                <a:round/>
-                <a:headEnd type="none" w="med" len="med"/>
-                <a:tailEnd type="none" w="med" len="med"/>
-              </a:ln>
-              <a:effectLst/>
-            </p:spPr>
-            <p:txBody>
-              <a:bodyPr vert="horz" wrap="square" lIns="91440" tIns="45720" rIns="91440" bIns="45720" numCol="1" rtlCol="0" anchor="t" anchorCtr="0" compatLnSpc="1">
-                <a:prstTxWarp prst="textNoShape">
-                  <a:avLst/>
-                </a:prstTxWarp>
-              </a:bodyPr>
-              <a:lstStyle/>
-              <a:p>
-                <a:pPr marL="0" marR="0" indent="0" algn="l" defTabSz="914400" rtl="0" eaLnBrk="0" fontAlgn="base" latinLnBrk="0" hangingPunct="0">
-                  <a:lnSpc>
-                    <a:spcPct val="100000"/>
-                  </a:lnSpc>
-                  <a:spcBef>
-                    <a:spcPct val="0"/>
-                  </a:spcBef>
-                  <a:spcAft>
-                    <a:spcPct val="0"/>
-                  </a:spcAft>
-                  <a:buClrTx/>
-                  <a:buSzTx/>
-                  <a:buFontTx/>
-                  <a:buNone/>
-                  <a:tabLst/>
-                </a:pPr>
-                <a:endParaRPr kumimoji="0" lang="en-US" sz="2400" b="0" i="0" u="none" strike="noStrike" cap="none" normalizeH="0" baseline="0" smtClean="0">
-                  <a:ln>
-                    <a:noFill/>
-                  </a:ln>
-                  <a:solidFill>
-                    <a:schemeClr val="tx1"/>
-                  </a:solidFill>
-                  <a:effectLst/>
-                  <a:latin typeface="Arial" charset="0"/>
-                  <a:ea typeface="ＭＳ Ｐゴシック" pitchFamily="-60" charset="-128"/>
-                </a:endParaRPr>
-              </a:p>
-            </p:txBody>
-          </p:sp>
-        </p:grpSp>
         <p:sp>
           <p:nvSpPr>
             <p:cNvPr id="6" name="Rectangle 5"/>
@@ -5709,7 +5459,15 @@
             <a:p>
               <a:r>
                 <a:rPr lang="en-US" sz="1000" dirty="0" smtClean="0"/>
-                <a:t>Enter the name a drug…</a:t>
+                <a:t>Search (e.g. </a:t>
+              </a:r>
+              <a:r>
+                <a:rPr lang="en-US" sz="1000" dirty="0" err="1" smtClean="0"/>
+                <a:t>advil</a:t>
+              </a:r>
+              <a:r>
+                <a:rPr lang="en-US" sz="1000" dirty="0" smtClean="0"/>
+                <a:t>)</a:t>
               </a:r>
               <a:endParaRPr lang="en-US" sz="1000" dirty="0"/>
             </a:p>
@@ -5782,75 +5540,6 @@
                   <a:ea typeface="ＭＳ Ｐゴシック" pitchFamily="-60" charset="-128"/>
                 </a:rPr>
                 <a:t>Search</a:t>
-              </a:r>
-            </a:p>
-          </p:txBody>
-        </p:sp>
-        <p:sp>
-          <p:nvSpPr>
-            <p:cNvPr id="19" name="Rectangle 18"/>
-            <p:cNvSpPr/>
-            <p:nvPr/>
-          </p:nvSpPr>
-          <p:spPr bwMode="auto">
-            <a:xfrm>
-              <a:off x="1981200" y="4933270"/>
-              <a:ext cx="4038600" cy="172130"/>
-            </a:xfrm>
-            <a:prstGeom prst="rect">
-              <a:avLst/>
-            </a:prstGeom>
-            <a:solidFill>
-              <a:schemeClr val="accent1"/>
-            </a:solidFill>
-            <a:ln w="9525" cap="flat" cmpd="sng" algn="ctr">
-              <a:solidFill>
-                <a:schemeClr val="tx1"/>
-              </a:solidFill>
-              <a:prstDash val="solid"/>
-              <a:round/>
-              <a:headEnd type="none" w="med" len="med"/>
-              <a:tailEnd type="none" w="med" len="med"/>
-            </a:ln>
-            <a:effectLst/>
-          </p:spPr>
-          <p:txBody>
-            <a:bodyPr vert="horz" wrap="square" lIns="91440" tIns="45720" rIns="91440" bIns="45720" numCol="1" rtlCol="0" anchor="t" anchorCtr="0" compatLnSpc="1">
-              <a:prstTxWarp prst="textNoShape">
-                <a:avLst/>
-              </a:prstTxWarp>
-            </a:bodyPr>
-            <a:lstStyle/>
-            <a:p>
-              <a:pPr marL="0" marR="0" indent="0" algn="l" defTabSz="914400" rtl="0" eaLnBrk="0" fontAlgn="base" latinLnBrk="0" hangingPunct="0">
-                <a:lnSpc>
-                  <a:spcPct val="100000"/>
-                </a:lnSpc>
-                <a:spcBef>
-                  <a:spcPct val="0"/>
-                </a:spcBef>
-                <a:spcAft>
-                  <a:spcPct val="0"/>
-                </a:spcAft>
-                <a:buClrTx/>
-                <a:buSzTx/>
-                <a:buFontTx/>
-                <a:buNone/>
-                <a:tabLst/>
-              </a:pPr>
-              <a:r>
-                <a:rPr kumimoji="0" lang="en-US" sz="1100" b="0" i="0" u="none" strike="noStrike" cap="none" normalizeH="0" baseline="0" dirty="0" smtClean="0">
-                  <a:ln>
-                    <a:noFill/>
-                  </a:ln>
-                  <a:solidFill>
-                    <a:schemeClr val="tx1"/>
-                  </a:solidFill>
-                  <a:effectLst/>
-                  <a:latin typeface="Arial" charset="0"/>
-                  <a:ea typeface="ＭＳ Ｐゴシック" pitchFamily="-60" charset="-128"/>
-                </a:rPr>
-                <a:t>Pagination</a:t>
               </a:r>
             </a:p>
           </p:txBody>
@@ -5933,7 +5622,7 @@
           </p:nvSpPr>
           <p:spPr>
             <a:xfrm>
-              <a:off x="1524000" y="759023"/>
+              <a:off x="2432504" y="758223"/>
               <a:ext cx="3294741" cy="307777"/>
             </a:xfrm>
             <a:prstGeom prst="rect">
@@ -5951,13 +5640,10 @@
             </a:bodyPr>
             <a:lstStyle/>
             <a:p>
+              <a:pPr algn="ctr"/>
               <a:r>
                 <a:rPr lang="en-US" sz="1400" dirty="0" smtClean="0"/>
-                <a:t>Drug Recall </a:t>
-              </a:r>
-              <a:r>
-                <a:rPr lang="en-US" sz="1400" dirty="0" smtClean="0"/>
-                <a:t>Information Center</a:t>
+                <a:t>Drug Recall Information Center</a:t>
               </a:r>
               <a:endParaRPr lang="en-US" sz="1400" dirty="0"/>
             </a:p>
@@ -6140,17 +5826,6 @@
                 </a:rPr>
                 <a:t>Advanced Search</a:t>
               </a:r>
-              <a:endParaRPr kumimoji="0" lang="en-US" sz="1000" b="0" i="0" u="none" strike="noStrike" cap="none" normalizeH="0" baseline="0" dirty="0" smtClean="0">
-                <a:ln>
-                  <a:noFill/>
-                </a:ln>
-                <a:solidFill>
-                  <a:schemeClr val="tx1"/>
-                </a:solidFill>
-                <a:effectLst/>
-                <a:latin typeface="Arial" charset="0"/>
-                <a:ea typeface="ＭＳ Ｐゴシック" pitchFamily="-60" charset="-128"/>
-              </a:endParaRPr>
             </a:p>
           </p:txBody>
         </p:sp>
@@ -6222,192 +5897,9 @@
                 </a:rPr>
                 <a:t>Clear</a:t>
               </a:r>
-              <a:endParaRPr kumimoji="0" lang="en-US" sz="1000" b="0" i="0" u="none" strike="noStrike" cap="none" normalizeH="0" baseline="0" dirty="0" smtClean="0">
-                <a:ln>
-                  <a:noFill/>
-                </a:ln>
-                <a:solidFill>
-                  <a:schemeClr val="tx1"/>
-                </a:solidFill>
-                <a:effectLst/>
-                <a:latin typeface="Arial" charset="0"/>
-                <a:ea typeface="ＭＳ Ｐゴシック" pitchFamily="-60" charset="-128"/>
-              </a:endParaRPr>
             </a:p>
           </p:txBody>
         </p:sp>
-        <p:grpSp>
-          <p:nvGrpSpPr>
-            <p:cNvPr id="22" name="Group 21"/>
-            <p:cNvGrpSpPr/>
-            <p:nvPr/>
-          </p:nvGrpSpPr>
-          <p:grpSpPr>
-            <a:xfrm>
-              <a:off x="1993902" y="2943998"/>
-              <a:ext cx="4171947" cy="394318"/>
-              <a:chOff x="1993902" y="2943998"/>
-              <a:chExt cx="4171947" cy="394318"/>
-            </a:xfrm>
-          </p:grpSpPr>
-          <p:grpSp>
-            <p:nvGrpSpPr>
-              <p:cNvPr id="28" name="Group 27"/>
-              <p:cNvGrpSpPr/>
-              <p:nvPr/>
-            </p:nvGrpSpPr>
-            <p:grpSpPr>
-              <a:xfrm>
-                <a:off x="1993902" y="2943998"/>
-                <a:ext cx="4171947" cy="246221"/>
-                <a:chOff x="2117469" y="2773977"/>
-                <a:chExt cx="3724531" cy="246221"/>
-              </a:xfrm>
-            </p:grpSpPr>
-            <p:sp>
-              <p:nvSpPr>
-                <p:cNvPr id="11" name="TextBox 10"/>
-                <p:cNvSpPr txBox="1"/>
-                <p:nvPr/>
-              </p:nvSpPr>
-              <p:spPr>
-                <a:xfrm>
-                  <a:off x="2117469" y="2773977"/>
-                  <a:ext cx="3724531" cy="246221"/>
-                </a:xfrm>
-                <a:prstGeom prst="rect">
-                  <a:avLst/>
-                </a:prstGeom>
-                <a:noFill/>
-              </p:spPr>
-              <p:txBody>
-                <a:bodyPr wrap="square" rtlCol="0">
-                  <a:spAutoFit/>
-                </a:bodyPr>
-                <a:lstStyle/>
-                <a:p>
-                  <a:r>
-                    <a:rPr lang="en-US" sz="1000" u="sng" dirty="0" smtClean="0">
-                      <a:solidFill>
-                        <a:srgbClr val="0070C0"/>
-                      </a:solidFill>
-                    </a:rPr>
-                    <a:t>D-123-0981 </a:t>
-                  </a:r>
-                  <a:r>
-                    <a:rPr lang="en-US" sz="1000" dirty="0" smtClean="0"/>
-                    <a:t>                   Class </a:t>
-                  </a:r>
-                  <a:r>
-                    <a:rPr lang="en-US" sz="1000" dirty="0" smtClean="0"/>
-                    <a:t>1         Drug </a:t>
-                  </a:r>
-                  <a:r>
-                    <a:rPr lang="en-US" sz="1000" dirty="0" smtClean="0"/>
-                    <a:t>1 , Drug 2          5/29/15</a:t>
-                  </a:r>
-                  <a:endParaRPr lang="en-US" sz="1000" dirty="0"/>
-                </a:p>
-              </p:txBody>
-            </p:sp>
-            <p:sp>
-              <p:nvSpPr>
-                <p:cNvPr id="12" name="Oval 11"/>
-                <p:cNvSpPr/>
-                <p:nvPr/>
-              </p:nvSpPr>
-              <p:spPr bwMode="auto">
-                <a:xfrm>
-                  <a:off x="3146107" y="2773977"/>
-                  <a:ext cx="191135" cy="184666"/>
-                </a:xfrm>
-                <a:prstGeom prst="ellipse">
-                  <a:avLst/>
-                </a:prstGeom>
-                <a:solidFill>
-                  <a:srgbClr val="FFFF00"/>
-                </a:solidFill>
-                <a:ln w="9525" cap="flat" cmpd="sng" algn="ctr">
-                  <a:solidFill>
-                    <a:schemeClr val="tx1"/>
-                  </a:solidFill>
-                  <a:prstDash val="solid"/>
-                  <a:round/>
-                  <a:headEnd type="none" w="med" len="med"/>
-                  <a:tailEnd type="none" w="med" len="med"/>
-                </a:ln>
-                <a:effectLst/>
-              </p:spPr>
-              <p:txBody>
-                <a:bodyPr vert="horz" wrap="square" lIns="91440" tIns="45720" rIns="91440" bIns="45720" numCol="1" rtlCol="0" anchor="t" anchorCtr="0" compatLnSpc="1">
-                  <a:prstTxWarp prst="textNoShape">
-                    <a:avLst/>
-                  </a:prstTxWarp>
-                </a:bodyPr>
-                <a:lstStyle/>
-                <a:p>
-                  <a:pPr marL="0" marR="0" indent="0" algn="l" defTabSz="914400" rtl="0" eaLnBrk="0" fontAlgn="base" latinLnBrk="0" hangingPunct="0">
-                    <a:lnSpc>
-                      <a:spcPct val="100000"/>
-                    </a:lnSpc>
-                    <a:spcBef>
-                      <a:spcPct val="0"/>
-                    </a:spcBef>
-                    <a:spcAft>
-                      <a:spcPct val="0"/>
-                    </a:spcAft>
-                    <a:buClrTx/>
-                    <a:buSzTx/>
-                    <a:buFontTx/>
-                    <a:buNone/>
-                    <a:tabLst/>
-                  </a:pPr>
-                  <a:endParaRPr kumimoji="0" lang="en-US" sz="2400" b="0" i="0" u="none" strike="noStrike" cap="none" normalizeH="0" baseline="0" smtClean="0">
-                    <a:ln>
-                      <a:noFill/>
-                    </a:ln>
-                    <a:solidFill>
-                      <a:schemeClr val="tx1"/>
-                    </a:solidFill>
-                    <a:effectLst/>
-                    <a:latin typeface="Arial" charset="0"/>
-                    <a:ea typeface="ＭＳ Ｐゴシック" pitchFamily="-60" charset="-128"/>
-                  </a:endParaRPr>
-                </a:p>
-              </p:txBody>
-            </p:sp>
-          </p:grpSp>
-          <p:sp>
-            <p:nvSpPr>
-              <p:cNvPr id="41" name="TextBox 40"/>
-              <p:cNvSpPr txBox="1"/>
-              <p:nvPr/>
-            </p:nvSpPr>
-            <p:spPr>
-              <a:xfrm>
-                <a:off x="3314700" y="3092095"/>
-                <a:ext cx="2805647" cy="246221"/>
-              </a:xfrm>
-              <a:prstGeom prst="rect">
-                <a:avLst/>
-              </a:prstGeom>
-              <a:noFill/>
-            </p:spPr>
-            <p:txBody>
-              <a:bodyPr wrap="square" rtlCol="0">
-                <a:spAutoFit/>
-              </a:bodyPr>
-              <a:lstStyle/>
-              <a:p>
-                <a:r>
-                  <a:rPr lang="en-US" sz="1000" dirty="0" smtClean="0"/>
-                  <a:t>                      Drug 3 , Drug 4</a:t>
-                </a:r>
-                <a:endParaRPr lang="en-US" sz="1000" dirty="0"/>
-              </a:p>
-            </p:txBody>
-          </p:sp>
-        </p:grpSp>
         <p:sp>
           <p:nvSpPr>
             <p:cNvPr id="55" name="TextBox 54"/>
@@ -6466,6 +5958,114 @@
               <a:t>DRIC Home Page</a:t>
             </a:r>
             <a:endParaRPr lang="en-US" sz="1600" b="1" dirty="0"/>
+          </a:p>
+        </p:txBody>
+      </p:sp>
+      <p:sp>
+        <p:nvSpPr>
+          <p:cNvPr id="34" name="TextBox 33"/>
+          <p:cNvSpPr txBox="1"/>
+          <p:nvPr/>
+        </p:nvSpPr>
+        <p:spPr>
+          <a:xfrm>
+            <a:off x="1166597" y="3342659"/>
+            <a:ext cx="4171938" cy="400110"/>
+          </a:xfrm>
+          <a:prstGeom prst="rect">
+            <a:avLst/>
+          </a:prstGeom>
+          <a:noFill/>
+        </p:spPr>
+        <p:txBody>
+          <a:bodyPr wrap="square" rtlCol="0">
+            <a:spAutoFit/>
+          </a:bodyPr>
+          <a:lstStyle/>
+          <a:p>
+            <a:r>
+              <a:rPr lang="en-US" sz="1000" dirty="0" smtClean="0"/>
+              <a:t>Drug 1 XYZ of type B was recalled</a:t>
+            </a:r>
+          </a:p>
+          <a:p>
+            <a:r>
+              <a:rPr lang="en-US" sz="1000" dirty="0" smtClean="0"/>
+              <a:t>Report Date: 12/4/10</a:t>
+            </a:r>
+            <a:endParaRPr lang="en-US" sz="1000" dirty="0"/>
+          </a:p>
+        </p:txBody>
+      </p:sp>
+      <p:sp>
+        <p:nvSpPr>
+          <p:cNvPr id="35" name="TextBox 34"/>
+          <p:cNvSpPr txBox="1"/>
+          <p:nvPr/>
+        </p:nvSpPr>
+        <p:spPr>
+          <a:xfrm>
+            <a:off x="1166597" y="3805169"/>
+            <a:ext cx="4171938" cy="400110"/>
+          </a:xfrm>
+          <a:prstGeom prst="rect">
+            <a:avLst/>
+          </a:prstGeom>
+          <a:noFill/>
+        </p:spPr>
+        <p:txBody>
+          <a:bodyPr wrap="square" rtlCol="0">
+            <a:spAutoFit/>
+          </a:bodyPr>
+          <a:lstStyle/>
+          <a:p>
+            <a:r>
+              <a:rPr lang="en-US" sz="1000" dirty="0" smtClean="0"/>
+              <a:t>Drug 2 XYZ of type B was recalled</a:t>
+            </a:r>
+          </a:p>
+          <a:p>
+            <a:r>
+              <a:rPr lang="en-US" sz="1000" dirty="0" smtClean="0"/>
+              <a:t>Report Date: 5/29/15</a:t>
+            </a:r>
+            <a:endParaRPr lang="en-US" sz="1000" dirty="0"/>
+          </a:p>
+        </p:txBody>
+      </p:sp>
+      <p:sp>
+        <p:nvSpPr>
+          <p:cNvPr id="36" name="TextBox 35"/>
+          <p:cNvSpPr txBox="1"/>
+          <p:nvPr/>
+        </p:nvSpPr>
+        <p:spPr>
+          <a:xfrm>
+            <a:off x="1155697" y="4222938"/>
+            <a:ext cx="4171938" cy="400110"/>
+          </a:xfrm>
+          <a:prstGeom prst="rect">
+            <a:avLst/>
+          </a:prstGeom>
+          <a:noFill/>
+        </p:spPr>
+        <p:txBody>
+          <a:bodyPr wrap="square" rtlCol="0">
+            <a:spAutoFit/>
+          </a:bodyPr>
+          <a:lstStyle/>
+          <a:p>
+            <a:r>
+              <a:rPr lang="en-US" sz="1000" dirty="0" smtClean="0"/>
+              <a:t>Drug 3 XYZ of type B was recalled</a:t>
+            </a:r>
+          </a:p>
+          <a:p>
+            <a:r>
+              <a:rPr lang="en-US" sz="1000" dirty="0" smtClean="0"/>
+              <a:t>Report Date: 3/31/13</a:t>
+            </a:r>
+            <a:endParaRPr lang="en-US" sz="1000" dirty="0"/>
           </a:p>
         </p:txBody>
       </p:sp>
@@ -6786,11 +6386,7 @@
               <a:p>
                 <a:r>
                   <a:rPr lang="en-US" sz="1600" dirty="0" smtClean="0"/>
-                  <a:t>Reported </a:t>
-                </a:r>
-                <a:r>
-                  <a:rPr lang="en-US" sz="1600" dirty="0" smtClean="0"/>
-                  <a:t>In Last:</a:t>
+                  <a:t>Reported In Last:</a:t>
                 </a:r>
                 <a:endParaRPr lang="en-US" sz="1600" dirty="0"/>
               </a:p>
@@ -6820,21 +6416,13 @@
               <a:p>
                 <a:r>
                   <a:rPr lang="en-US" sz="1600" dirty="0" smtClean="0"/>
-                  <a:t>1 </a:t>
-                </a:r>
-                <a:r>
-                  <a:rPr lang="en-US" sz="1600" dirty="0" smtClean="0"/>
-                  <a:t>month</a:t>
+                  <a:t>1 month</a:t>
                 </a:r>
               </a:p>
               <a:p>
                 <a:r>
                   <a:rPr lang="en-US" sz="1600" dirty="0" smtClean="0"/>
-                  <a:t>6 </a:t>
-                </a:r>
-                <a:r>
-                  <a:rPr lang="en-US" sz="1600" dirty="0" smtClean="0"/>
-                  <a:t>months</a:t>
+                  <a:t>6 months</a:t>
                 </a:r>
               </a:p>
               <a:p>
@@ -6903,21 +6491,18 @@
                 <a:rPr lang="en-US" sz="1600" dirty="0" smtClean="0"/>
                 <a:t>Ongoing</a:t>
               </a:r>
-              <a:endParaRPr lang="en-US" sz="1600" dirty="0" smtClean="0"/>
             </a:p>
             <a:p>
               <a:r>
                 <a:rPr lang="en-US" sz="1600" dirty="0" smtClean="0"/>
                 <a:t>Completed</a:t>
               </a:r>
-              <a:endParaRPr lang="en-US" sz="1600" dirty="0" smtClean="0"/>
             </a:p>
             <a:p>
               <a:r>
                 <a:rPr lang="en-US" sz="1600" dirty="0" smtClean="0"/>
                 <a:t>Terminated</a:t>
               </a:r>
-              <a:endParaRPr lang="en-US" sz="1600" dirty="0" smtClean="0"/>
             </a:p>
             <a:p>
               <a:r>
@@ -6982,31 +6567,19 @@
             <a:p>
               <a:r>
                 <a:rPr lang="en-US" sz="1600" dirty="0" smtClean="0"/>
-                <a:t>Class </a:t>
-              </a:r>
-              <a:r>
-                <a:rPr lang="en-US" sz="1600" dirty="0" smtClean="0"/>
-                <a:t>1</a:t>
+                <a:t>Class 1</a:t>
               </a:r>
             </a:p>
             <a:p>
               <a:r>
                 <a:rPr lang="en-US" sz="1600" dirty="0" smtClean="0"/>
-                <a:t>Class </a:t>
-              </a:r>
-              <a:r>
-                <a:rPr lang="en-US" sz="1600" dirty="0" smtClean="0"/>
-                <a:t>2</a:t>
+                <a:t>Class 2</a:t>
               </a:r>
             </a:p>
             <a:p>
               <a:r>
                 <a:rPr lang="en-US" sz="1600" dirty="0" smtClean="0"/>
-                <a:t>Class </a:t>
-              </a:r>
-              <a:r>
-                <a:rPr lang="en-US" sz="1600" dirty="0" smtClean="0"/>
-                <a:t>3</a:t>
+                <a:t>Class 3</a:t>
               </a:r>
             </a:p>
             <a:p>
@@ -7878,9 +7451,230 @@
           <a:chExt cx="0" cy="0"/>
         </a:xfrm>
       </p:grpSpPr>
+      <p:sp>
+        <p:nvSpPr>
+          <p:cNvPr id="3" name="TextBox 2"/>
+          <p:cNvSpPr txBox="1"/>
+          <p:nvPr/>
+        </p:nvSpPr>
+        <p:spPr>
+          <a:xfrm>
+            <a:off x="6268717" y="763908"/>
+            <a:ext cx="2590800" cy="5262979"/>
+          </a:xfrm>
+          <a:prstGeom prst="rect">
+            <a:avLst/>
+          </a:prstGeom>
+          <a:noFill/>
+        </p:spPr>
+        <p:txBody>
+          <a:bodyPr wrap="square" rtlCol="0">
+            <a:spAutoFit/>
+          </a:bodyPr>
+          <a:lstStyle/>
+          <a:p>
+            <a:r>
+              <a:rPr lang="en-US" sz="1400" dirty="0" smtClean="0"/>
+              <a:t>Displays additional information on the drug recall report user has selected to view in detail.</a:t>
+            </a:r>
+            <a:endParaRPr lang="en-US" sz="1400" dirty="0" smtClean="0"/>
+          </a:p>
+          <a:p>
+            <a:endParaRPr lang="en-US" sz="1400" dirty="0"/>
+          </a:p>
+          <a:p>
+            <a:r>
+              <a:rPr lang="en-US" sz="1400" dirty="0"/>
+              <a:t>Provide users ability to go back to the </a:t>
+            </a:r>
+            <a:r>
+              <a:rPr lang="en-US" sz="1400" dirty="0" smtClean="0"/>
+              <a:t>drug recall report list.</a:t>
+            </a:r>
+          </a:p>
+          <a:p>
+            <a:endParaRPr lang="en-US" sz="1400" dirty="0"/>
+          </a:p>
+          <a:p>
+            <a:r>
+              <a:rPr lang="en-US" sz="1400" dirty="0" smtClean="0"/>
+              <a:t>Provide users ability to easily navigate through the detailed report </a:t>
+            </a:r>
+          </a:p>
+          <a:p>
+            <a:r>
+              <a:rPr lang="en-US" sz="1400" dirty="0" smtClean="0"/>
+              <a:t>(i.e. scroll bar / html bookmarks</a:t>
+            </a:r>
+            <a:r>
+              <a:rPr lang="en-US" sz="1400" dirty="0" smtClean="0"/>
+              <a:t>)</a:t>
+            </a:r>
+          </a:p>
+          <a:p>
+            <a:endParaRPr lang="en-US" sz="1400" dirty="0"/>
+          </a:p>
+          <a:p>
+            <a:pPr lvl="0" eaLnBrk="0" fontAlgn="base" hangingPunct="0">
+              <a:spcBef>
+                <a:spcPct val="0"/>
+              </a:spcBef>
+              <a:spcAft>
+                <a:spcPct val="0"/>
+              </a:spcAft>
+            </a:pPr>
+            <a:r>
+              <a:rPr lang="en-US" altLang="en-US" sz="1400" dirty="0" smtClean="0">
+                <a:latin typeface="Arial" panose="020B0604020202020204" pitchFamily="34" charset="0"/>
+                <a:ea typeface="Calibri" panose="020F0502020204030204" pitchFamily="34" charset="0"/>
+                <a:cs typeface="Arial" panose="020B0604020202020204" pitchFamily="34" charset="0"/>
+              </a:rPr>
+              <a:t>DESIGN </a:t>
+            </a:r>
+            <a:r>
+              <a:rPr lang="en-US" altLang="en-US" sz="1400" dirty="0">
+                <a:latin typeface="Arial" panose="020B0604020202020204" pitchFamily="34" charset="0"/>
+                <a:ea typeface="Calibri" panose="020F0502020204030204" pitchFamily="34" charset="0"/>
+                <a:cs typeface="Arial" panose="020B0604020202020204" pitchFamily="34" charset="0"/>
+              </a:rPr>
+              <a:t>NOTES: </a:t>
+            </a:r>
+            <a:endParaRPr lang="en-US" altLang="en-US" sz="1400" dirty="0"/>
+          </a:p>
+          <a:p>
+            <a:pPr lvl="0" eaLnBrk="0" fontAlgn="base" hangingPunct="0">
+              <a:spcBef>
+                <a:spcPct val="0"/>
+              </a:spcBef>
+              <a:spcAft>
+                <a:spcPct val="0"/>
+              </a:spcAft>
+            </a:pPr>
+            <a:r>
+              <a:rPr lang="en-US" altLang="en-US" sz="1400" dirty="0">
+                <a:latin typeface="Arial" panose="020B0604020202020204" pitchFamily="34" charset="0"/>
+                <a:ea typeface="Calibri" panose="020F0502020204030204" pitchFamily="34" charset="0"/>
+                <a:cs typeface="Arial" panose="020B0604020202020204" pitchFamily="34" charset="0"/>
+              </a:rPr>
+              <a:t>#1 - </a:t>
+            </a:r>
+            <a:r>
+              <a:rPr lang="en-US" altLang="en-US" sz="1400" dirty="0" smtClean="0">
+                <a:latin typeface="Arial" panose="020B0604020202020204" pitchFamily="34" charset="0"/>
+                <a:ea typeface="Calibri" panose="020F0502020204030204" pitchFamily="34" charset="0"/>
+                <a:cs typeface="Arial" panose="020B0604020202020204" pitchFamily="34" charset="0"/>
+              </a:rPr>
+              <a:t>Legend </a:t>
+            </a:r>
+            <a:r>
+              <a:rPr lang="en-US" altLang="en-US" sz="1400" dirty="0">
+                <a:latin typeface="Arial" panose="020B0604020202020204" pitchFamily="34" charset="0"/>
+                <a:ea typeface="Calibri" panose="020F0502020204030204" pitchFamily="34" charset="0"/>
+                <a:cs typeface="Arial" panose="020B0604020202020204" pitchFamily="34" charset="0"/>
+              </a:rPr>
+              <a:t>(design options) </a:t>
+            </a:r>
+            <a:r>
+              <a:rPr lang="en-US" altLang="en-US" sz="1400" dirty="0">
+                <a:latin typeface="Calibri" panose="020F0502020204030204" pitchFamily="34" charset="0"/>
+                <a:ea typeface="Calibri" panose="020F0502020204030204" pitchFamily="34" charset="0"/>
+                <a:cs typeface="Arial" panose="020B0604020202020204" pitchFamily="34" charset="0"/>
+              </a:rPr>
+              <a:t>–</a:t>
+            </a:r>
+            <a:r>
+              <a:rPr lang="en-US" altLang="en-US" sz="1400" dirty="0">
+                <a:latin typeface="Arial" panose="020B0604020202020204" pitchFamily="34" charset="0"/>
+                <a:ea typeface="Calibri" panose="020F0502020204030204" pitchFamily="34" charset="0"/>
+                <a:cs typeface="Arial" panose="020B0604020202020204" pitchFamily="34" charset="0"/>
+              </a:rPr>
+              <a:t> Italics, Hover over, external link</a:t>
+            </a:r>
+            <a:endParaRPr lang="en-US" altLang="en-US" sz="1400" dirty="0"/>
+          </a:p>
+          <a:p>
+            <a:pPr lvl="0" eaLnBrk="0" fontAlgn="base" hangingPunct="0">
+              <a:spcBef>
+                <a:spcPct val="0"/>
+              </a:spcBef>
+              <a:spcAft>
+                <a:spcPct val="0"/>
+              </a:spcAft>
+            </a:pPr>
+            <a:endParaRPr lang="en-US" altLang="en-US" sz="1400" dirty="0" smtClean="0">
+              <a:latin typeface="Arial" panose="020B0604020202020204" pitchFamily="34" charset="0"/>
+              <a:ea typeface="Calibri" panose="020F0502020204030204" pitchFamily="34" charset="0"/>
+              <a:cs typeface="Arial" panose="020B0604020202020204" pitchFamily="34" charset="0"/>
+            </a:endParaRPr>
+          </a:p>
+          <a:p>
+            <a:pPr lvl="0" eaLnBrk="0" fontAlgn="base" hangingPunct="0">
+              <a:spcBef>
+                <a:spcPct val="0"/>
+              </a:spcBef>
+              <a:spcAft>
+                <a:spcPct val="0"/>
+              </a:spcAft>
+            </a:pPr>
+            <a:r>
+              <a:rPr lang="en-US" altLang="en-US" sz="1400" dirty="0" smtClean="0">
+                <a:latin typeface="Arial" panose="020B0604020202020204" pitchFamily="34" charset="0"/>
+                <a:ea typeface="Calibri" panose="020F0502020204030204" pitchFamily="34" charset="0"/>
+                <a:cs typeface="Arial" panose="020B0604020202020204" pitchFamily="34" charset="0"/>
+              </a:rPr>
+              <a:t>Other </a:t>
+            </a:r>
+            <a:r>
+              <a:rPr lang="en-US" altLang="en-US" sz="1400" dirty="0">
+                <a:latin typeface="Arial" panose="020B0604020202020204" pitchFamily="34" charset="0"/>
+                <a:ea typeface="Calibri" panose="020F0502020204030204" pitchFamily="34" charset="0"/>
+                <a:cs typeface="Arial" panose="020B0604020202020204" pitchFamily="34" charset="0"/>
+              </a:rPr>
+              <a:t>notes: Not concerned with field formatting (e.g. dates). Use raw response from API for now.</a:t>
+            </a:r>
+            <a:endParaRPr lang="en-US" altLang="en-US" sz="1400" dirty="0">
+              <a:latin typeface="Arial" panose="020B0604020202020204" pitchFamily="34" charset="0"/>
+            </a:endParaRPr>
+          </a:p>
+          <a:p>
+            <a:endParaRPr lang="en-US" sz="1400" dirty="0"/>
+          </a:p>
+        </p:txBody>
+      </p:sp>
+      <p:sp>
+        <p:nvSpPr>
+          <p:cNvPr id="58" name="TextBox 57"/>
+          <p:cNvSpPr txBox="1"/>
+          <p:nvPr/>
+        </p:nvSpPr>
+        <p:spPr>
+          <a:xfrm>
+            <a:off x="2362200" y="304800"/>
+            <a:ext cx="4724400" cy="338554"/>
+          </a:xfrm>
+          <a:prstGeom prst="rect">
+            <a:avLst/>
+          </a:prstGeom>
+          <a:noFill/>
+        </p:spPr>
+        <p:txBody>
+          <a:bodyPr wrap="square" rtlCol="0">
+            <a:spAutoFit/>
+          </a:bodyPr>
+          <a:lstStyle/>
+          <a:p>
+            <a:pPr algn="ctr"/>
+            <a:r>
+              <a:rPr lang="en-US" sz="1600" b="1" dirty="0" smtClean="0"/>
+              <a:t>Drug Recall Report Details Page</a:t>
+            </a:r>
+            <a:endParaRPr lang="en-US" sz="1600" b="1" dirty="0"/>
+          </a:p>
+        </p:txBody>
+      </p:sp>
       <p:grpSp>
         <p:nvGrpSpPr>
-          <p:cNvPr id="18" name="Group 17"/>
+          <p:cNvPr id="62" name="Group 61"/>
           <p:cNvGrpSpPr/>
           <p:nvPr/>
         </p:nvGrpSpPr>
@@ -7894,7 +7688,7 @@
         </p:grpSpPr>
         <p:sp>
           <p:nvSpPr>
-            <p:cNvPr id="19" name="Rectangle 18"/>
+            <p:cNvPr id="63" name="Rectangle 62"/>
             <p:cNvSpPr/>
             <p:nvPr/>
           </p:nvSpPr>
@@ -7958,7 +7752,7 @@
         </p:sp>
         <p:pic>
           <p:nvPicPr>
-            <p:cNvPr id="20" name="Picture 19" descr="DEV-Logo_RGB.gif"/>
+            <p:cNvPr id="64" name="Picture 63" descr="DEV-Logo_RGB.gif"/>
             <p:cNvPicPr/>
             <p:nvPr/>
           </p:nvPicPr>
@@ -7991,14 +7785,14 @@
         </p:pic>
         <p:sp>
           <p:nvSpPr>
-            <p:cNvPr id="22" name="TextBox 21"/>
+            <p:cNvPr id="65" name="TextBox 64"/>
             <p:cNvSpPr txBox="1"/>
             <p:nvPr/>
           </p:nvSpPr>
           <p:spPr>
             <a:xfrm>
               <a:off x="1981200" y="2209800"/>
-              <a:ext cx="4105274" cy="307777"/>
+              <a:ext cx="4105274" cy="276999"/>
             </a:xfrm>
             <a:prstGeom prst="rect">
               <a:avLst/>
@@ -8013,16 +7807,16 @@
             <a:p>
               <a:pPr algn="ctr"/>
               <a:r>
-                <a:rPr lang="en-US" sz="1400" u="sng" dirty="0" smtClean="0"/>
-                <a:t>Drug Recall Reports</a:t>
+                <a:rPr lang="en-US" sz="1200" u="sng" dirty="0" smtClean="0"/>
+                <a:t>Results (X of Y)</a:t>
               </a:r>
-              <a:endParaRPr lang="en-US" sz="1400" u="sng" dirty="0"/>
+              <a:endParaRPr lang="en-US" sz="1200" u="sng" dirty="0"/>
             </a:p>
           </p:txBody>
         </p:sp>
         <p:sp>
           <p:nvSpPr>
-            <p:cNvPr id="26" name="Rectangle 25"/>
+            <p:cNvPr id="66" name="Rectangle 65"/>
             <p:cNvSpPr/>
             <p:nvPr/>
           </p:nvSpPr>
@@ -8088,13 +7882,13 @@
         </p:sp>
         <p:sp>
           <p:nvSpPr>
-            <p:cNvPr id="27" name="TextBox 26"/>
+            <p:cNvPr id="67" name="TextBox 66"/>
             <p:cNvSpPr txBox="1"/>
             <p:nvPr/>
           </p:nvSpPr>
           <p:spPr>
             <a:xfrm>
-              <a:off x="1981201" y="2590800"/>
+              <a:off x="1542597" y="2561786"/>
               <a:ext cx="4184648" cy="246221"/>
             </a:xfrm>
             <a:prstGeom prst="rect">
@@ -8110,281 +7904,27 @@
             <a:p>
               <a:r>
                 <a:rPr lang="en-US" sz="1000" dirty="0" smtClean="0"/>
-                <a:t>Recall Number      Classification</a:t>
+                <a:t>	      </a:t>
               </a:r>
               <a:r>
                 <a:rPr lang="en-US" sz="1000" dirty="0" smtClean="0"/>
-                <a:t>	      Product Name          </a:t>
+                <a:t>Recall Description (Short Name), </a:t>
               </a:r>
               <a:r>
                 <a:rPr lang="en-US" sz="1000" dirty="0" smtClean="0"/>
-                <a:t>Report  Date</a:t>
+                <a:t>Report  </a:t>
+              </a:r>
+              <a:r>
+                <a:rPr lang="en-US" sz="1000" dirty="0" smtClean="0"/>
+                <a:t>Date</a:t>
               </a:r>
               <a:endParaRPr lang="en-US" sz="1000" dirty="0"/>
             </a:p>
           </p:txBody>
         </p:sp>
-        <p:grpSp>
-          <p:nvGrpSpPr>
-            <p:cNvPr id="28" name="Group 27"/>
-            <p:cNvGrpSpPr/>
-            <p:nvPr/>
-          </p:nvGrpSpPr>
-          <p:grpSpPr>
-            <a:xfrm>
-              <a:off x="1993902" y="3342467"/>
-              <a:ext cx="4092572" cy="260866"/>
-              <a:chOff x="1993902" y="3342467"/>
-              <a:chExt cx="4092572" cy="260866"/>
-            </a:xfrm>
-          </p:grpSpPr>
-          <p:sp>
-            <p:nvSpPr>
-              <p:cNvPr id="56" name="TextBox 55"/>
-              <p:cNvSpPr txBox="1"/>
-              <p:nvPr/>
-            </p:nvSpPr>
-            <p:spPr>
-              <a:xfrm>
-                <a:off x="1993902" y="3357112"/>
-                <a:ext cx="4092572" cy="246221"/>
-              </a:xfrm>
-              <a:prstGeom prst="rect">
-                <a:avLst/>
-              </a:prstGeom>
-              <a:noFill/>
-            </p:spPr>
-            <p:txBody>
-              <a:bodyPr wrap="square" rtlCol="0">
-                <a:spAutoFit/>
-              </a:bodyPr>
-              <a:lstStyle/>
-              <a:p>
-                <a:r>
-                  <a:rPr lang="en-US" sz="1000" u="sng" dirty="0" smtClean="0">
-                    <a:solidFill>
-                      <a:srgbClr val="0070C0"/>
-                    </a:solidFill>
-                  </a:rPr>
-                  <a:t>D-609-198  </a:t>
-                </a:r>
-                <a:r>
-                  <a:rPr lang="en-US" sz="1000" dirty="0" smtClean="0"/>
-                  <a:t>                   Class </a:t>
-                </a:r>
-                <a:r>
-                  <a:rPr lang="en-US" sz="1000" dirty="0" smtClean="0"/>
-                  <a:t>3         Drug </a:t>
-                </a:r>
-                <a:r>
-                  <a:rPr lang="en-US" sz="1000" dirty="0" smtClean="0"/>
-                  <a:t>1                        5/29/15</a:t>
-                </a:r>
-                <a:endParaRPr lang="en-US" sz="1000" dirty="0"/>
-              </a:p>
-            </p:txBody>
-          </p:sp>
-          <p:sp>
-            <p:nvSpPr>
-              <p:cNvPr id="57" name="Oval 56"/>
-              <p:cNvSpPr/>
-              <p:nvPr/>
-            </p:nvSpPr>
-            <p:spPr bwMode="auto">
-              <a:xfrm>
-                <a:off x="3139757" y="3342467"/>
-                <a:ext cx="204191" cy="184666"/>
-              </a:xfrm>
-              <a:prstGeom prst="ellipse">
-                <a:avLst/>
-              </a:prstGeom>
-              <a:solidFill>
-                <a:srgbClr val="FF0000"/>
-              </a:solidFill>
-              <a:ln w="9525" cap="flat" cmpd="sng" algn="ctr">
-                <a:solidFill>
-                  <a:schemeClr val="tx1"/>
-                </a:solidFill>
-                <a:prstDash val="solid"/>
-                <a:round/>
-                <a:headEnd type="none" w="med" len="med"/>
-                <a:tailEnd type="none" w="med" len="med"/>
-              </a:ln>
-              <a:effectLst/>
-            </p:spPr>
-            <p:txBody>
-              <a:bodyPr vert="horz" wrap="square" lIns="91440" tIns="45720" rIns="91440" bIns="45720" numCol="1" rtlCol="0" anchor="t" anchorCtr="0" compatLnSpc="1">
-                <a:prstTxWarp prst="textNoShape">
-                  <a:avLst/>
-                </a:prstTxWarp>
-              </a:bodyPr>
-              <a:lstStyle/>
-              <a:p>
-                <a:pPr marL="0" marR="0" indent="0" algn="l" defTabSz="914400" rtl="0" eaLnBrk="0" fontAlgn="base" latinLnBrk="0" hangingPunct="0">
-                  <a:lnSpc>
-                    <a:spcPct val="100000"/>
-                  </a:lnSpc>
-                  <a:spcBef>
-                    <a:spcPct val="0"/>
-                  </a:spcBef>
-                  <a:spcAft>
-                    <a:spcPct val="0"/>
-                  </a:spcAft>
-                  <a:buClrTx/>
-                  <a:buSzTx/>
-                  <a:buFontTx/>
-                  <a:buNone/>
-                  <a:tabLst/>
-                </a:pPr>
-                <a:endParaRPr kumimoji="0" lang="en-US" sz="2400" b="0" i="0" u="none" strike="noStrike" cap="none" normalizeH="0" baseline="0" smtClean="0">
-                  <a:ln>
-                    <a:noFill/>
-                  </a:ln>
-                  <a:solidFill>
-                    <a:schemeClr val="tx1"/>
-                  </a:solidFill>
-                  <a:effectLst/>
-                  <a:latin typeface="Arial" charset="0"/>
-                  <a:ea typeface="ＭＳ Ｐゴシック" pitchFamily="-60" charset="-128"/>
-                </a:endParaRPr>
-              </a:p>
-            </p:txBody>
-          </p:sp>
-        </p:grpSp>
-        <p:grpSp>
-          <p:nvGrpSpPr>
-            <p:cNvPr id="29" name="Group 28"/>
-            <p:cNvGrpSpPr/>
-            <p:nvPr/>
-          </p:nvGrpSpPr>
-          <p:grpSpPr>
-            <a:xfrm>
-              <a:off x="1993903" y="3739693"/>
-              <a:ext cx="4025897" cy="246221"/>
-              <a:chOff x="1993903" y="3739693"/>
-              <a:chExt cx="4025897" cy="246221"/>
-            </a:xfrm>
-          </p:grpSpPr>
-          <p:sp>
-            <p:nvSpPr>
-              <p:cNvPr id="54" name="TextBox 53"/>
-              <p:cNvSpPr txBox="1"/>
-              <p:nvPr/>
-            </p:nvSpPr>
-            <p:spPr>
-              <a:xfrm>
-                <a:off x="1993903" y="3739693"/>
-                <a:ext cx="4025897" cy="246221"/>
-              </a:xfrm>
-              <a:prstGeom prst="rect">
-                <a:avLst/>
-              </a:prstGeom>
-              <a:noFill/>
-            </p:spPr>
-            <p:txBody>
-              <a:bodyPr wrap="square" rtlCol="0">
-                <a:spAutoFit/>
-              </a:bodyPr>
-              <a:lstStyle/>
-              <a:p>
-                <a:r>
-                  <a:rPr lang="en-US" sz="1000" u="sng" dirty="0" smtClean="0">
-                    <a:solidFill>
-                      <a:srgbClr val="0070C0"/>
-                    </a:solidFill>
-                  </a:rPr>
-                  <a:t>D-345-4567 </a:t>
-                </a:r>
-                <a:r>
-                  <a:rPr lang="en-US" sz="1000" dirty="0" smtClean="0"/>
-                  <a:t>                  Class </a:t>
-                </a:r>
-                <a:r>
-                  <a:rPr lang="en-US" sz="1000" dirty="0" smtClean="0"/>
-                  <a:t>2         Drug </a:t>
-                </a:r>
-                <a:r>
-                  <a:rPr lang="en-US" sz="1000" dirty="0" smtClean="0"/>
-                  <a:t>1 , Drug2            </a:t>
-                </a:r>
-                <a:r>
-                  <a:rPr lang="en-US" sz="1000" dirty="0" smtClean="0"/>
-                  <a:t>5/29/15</a:t>
-                </a:r>
-                <a:endParaRPr lang="en-US" sz="1000" dirty="0"/>
-              </a:p>
-            </p:txBody>
-          </p:sp>
-          <p:sp>
-            <p:nvSpPr>
-              <p:cNvPr id="55" name="Oval 54"/>
-              <p:cNvSpPr/>
-              <p:nvPr/>
-            </p:nvSpPr>
-            <p:spPr bwMode="auto">
-              <a:xfrm>
-                <a:off x="3139757" y="3770470"/>
-                <a:ext cx="191135" cy="184666"/>
-              </a:xfrm>
-              <a:prstGeom prst="ellipse">
-                <a:avLst/>
-              </a:prstGeom>
-              <a:solidFill>
-                <a:srgbClr val="FFC000"/>
-              </a:solidFill>
-              <a:ln w="9525" cap="flat" cmpd="sng" algn="ctr">
-                <a:solidFill>
-                  <a:schemeClr val="tx1"/>
-                </a:solidFill>
-                <a:prstDash val="solid"/>
-                <a:round/>
-                <a:headEnd type="none" w="med" len="med"/>
-                <a:tailEnd type="none" w="med" len="med"/>
-              </a:ln>
-              <a:effectLst/>
-            </p:spPr>
-            <p:txBody>
-              <a:bodyPr vert="horz" wrap="square" lIns="91440" tIns="45720" rIns="91440" bIns="45720" numCol="1" rtlCol="0" anchor="t" anchorCtr="0" compatLnSpc="1">
-                <a:prstTxWarp prst="textNoShape">
-                  <a:avLst/>
-                </a:prstTxWarp>
-              </a:bodyPr>
-              <a:lstStyle/>
-              <a:p>
-                <a:pPr marL="0" marR="0" indent="0" algn="l" defTabSz="914400" rtl="0" eaLnBrk="0" fontAlgn="base" latinLnBrk="0" hangingPunct="0">
-                  <a:lnSpc>
-                    <a:spcPct val="100000"/>
-                  </a:lnSpc>
-                  <a:spcBef>
-                    <a:spcPct val="0"/>
-                  </a:spcBef>
-                  <a:spcAft>
-                    <a:spcPct val="0"/>
-                  </a:spcAft>
-                  <a:buClrTx/>
-                  <a:buSzTx/>
-                  <a:buFontTx/>
-                  <a:buNone/>
-                  <a:tabLst/>
-                </a:pPr>
-                <a:endParaRPr kumimoji="0" lang="en-US" sz="2400" b="0" i="0" u="none" strike="noStrike" cap="none" normalizeH="0" baseline="0" smtClean="0">
-                  <a:ln>
-                    <a:noFill/>
-                  </a:ln>
-                  <a:solidFill>
-                    <a:schemeClr val="tx1"/>
-                  </a:solidFill>
-                  <a:effectLst/>
-                  <a:latin typeface="Arial" charset="0"/>
-                  <a:ea typeface="ＭＳ Ｐゴシック" pitchFamily="-60" charset="-128"/>
-                </a:endParaRPr>
-              </a:p>
-            </p:txBody>
-          </p:sp>
-        </p:grpSp>
         <p:sp>
           <p:nvSpPr>
-            <p:cNvPr id="30" name="Rectangle 29"/>
+            <p:cNvPr id="68" name="Rectangle 67"/>
             <p:cNvSpPr/>
             <p:nvPr/>
           </p:nvSpPr>
@@ -8450,7 +7990,7 @@
         </p:sp>
         <p:sp>
           <p:nvSpPr>
-            <p:cNvPr id="31" name="TextBox 30"/>
+            <p:cNvPr id="69" name="TextBox 68"/>
             <p:cNvSpPr txBox="1"/>
             <p:nvPr/>
           </p:nvSpPr>
@@ -8472,7 +8012,15 @@
             <a:p>
               <a:r>
                 <a:rPr lang="en-US" sz="1000" dirty="0" smtClean="0"/>
-                <a:t>Enter the name a drug…</a:t>
+                <a:t>Search (e.g. </a:t>
+              </a:r>
+              <a:r>
+                <a:rPr lang="en-US" sz="1000" dirty="0" err="1" smtClean="0"/>
+                <a:t>advil</a:t>
+              </a:r>
+              <a:r>
+                <a:rPr lang="en-US" sz="1000" dirty="0" smtClean="0"/>
+                <a:t>)</a:t>
               </a:r>
               <a:endParaRPr lang="en-US" sz="1000" dirty="0"/>
             </a:p>
@@ -8480,7 +8028,7 @@
         </p:sp>
         <p:sp>
           <p:nvSpPr>
-            <p:cNvPr id="32" name="Rounded Rectangle 31"/>
+            <p:cNvPr id="70" name="Rounded Rectangle 69"/>
             <p:cNvSpPr/>
             <p:nvPr/>
           </p:nvSpPr>
@@ -8551,76 +8099,7 @@
         </p:sp>
         <p:sp>
           <p:nvSpPr>
-            <p:cNvPr id="33" name="Rectangle 32"/>
-            <p:cNvSpPr/>
-            <p:nvPr/>
-          </p:nvSpPr>
-          <p:spPr bwMode="auto">
-            <a:xfrm>
-              <a:off x="1981200" y="4933270"/>
-              <a:ext cx="4038600" cy="172130"/>
-            </a:xfrm>
-            <a:prstGeom prst="rect">
-              <a:avLst/>
-            </a:prstGeom>
-            <a:solidFill>
-              <a:schemeClr val="accent1"/>
-            </a:solidFill>
-            <a:ln w="9525" cap="flat" cmpd="sng" algn="ctr">
-              <a:solidFill>
-                <a:schemeClr val="tx1"/>
-              </a:solidFill>
-              <a:prstDash val="solid"/>
-              <a:round/>
-              <a:headEnd type="none" w="med" len="med"/>
-              <a:tailEnd type="none" w="med" len="med"/>
-            </a:ln>
-            <a:effectLst/>
-          </p:spPr>
-          <p:txBody>
-            <a:bodyPr vert="horz" wrap="square" lIns="91440" tIns="45720" rIns="91440" bIns="45720" numCol="1" rtlCol="0" anchor="t" anchorCtr="0" compatLnSpc="1">
-              <a:prstTxWarp prst="textNoShape">
-                <a:avLst/>
-              </a:prstTxWarp>
-            </a:bodyPr>
-            <a:lstStyle/>
-            <a:p>
-              <a:pPr marL="0" marR="0" indent="0" algn="l" defTabSz="914400" rtl="0" eaLnBrk="0" fontAlgn="base" latinLnBrk="0" hangingPunct="0">
-                <a:lnSpc>
-                  <a:spcPct val="100000"/>
-                </a:lnSpc>
-                <a:spcBef>
-                  <a:spcPct val="0"/>
-                </a:spcBef>
-                <a:spcAft>
-                  <a:spcPct val="0"/>
-                </a:spcAft>
-                <a:buClrTx/>
-                <a:buSzTx/>
-                <a:buFontTx/>
-                <a:buNone/>
-                <a:tabLst/>
-              </a:pPr>
-              <a:r>
-                <a:rPr kumimoji="0" lang="en-US" sz="1100" b="0" i="0" u="none" strike="noStrike" cap="none" normalizeH="0" baseline="0" dirty="0" smtClean="0">
-                  <a:ln>
-                    <a:noFill/>
-                  </a:ln>
-                  <a:solidFill>
-                    <a:schemeClr val="tx1"/>
-                  </a:solidFill>
-                  <a:effectLst/>
-                  <a:latin typeface="Arial" charset="0"/>
-                  <a:ea typeface="ＭＳ Ｐゴシック" pitchFamily="-60" charset="-128"/>
-                </a:rPr>
-                <a:t>Pagination</a:t>
-              </a:r>
-            </a:p>
-          </p:txBody>
-        </p:sp>
-        <p:sp>
-          <p:nvSpPr>
-            <p:cNvPr id="34" name="Rectangle 33"/>
+            <p:cNvPr id="71" name="Rectangle 70"/>
             <p:cNvSpPr/>
             <p:nvPr/>
           </p:nvSpPr>
@@ -8690,13 +8169,13 @@
         </p:sp>
         <p:sp>
           <p:nvSpPr>
-            <p:cNvPr id="35" name="TextBox 34"/>
+            <p:cNvPr id="72" name="TextBox 71"/>
             <p:cNvSpPr txBox="1"/>
             <p:nvPr/>
           </p:nvSpPr>
           <p:spPr>
             <a:xfrm>
-              <a:off x="1524000" y="759023"/>
+              <a:off x="2432504" y="758223"/>
               <a:ext cx="3294741" cy="307777"/>
             </a:xfrm>
             <a:prstGeom prst="rect">
@@ -8714,13 +8193,10 @@
             </a:bodyPr>
             <a:lstStyle/>
             <a:p>
+              <a:pPr algn="ctr"/>
               <a:r>
                 <a:rPr lang="en-US" sz="1400" dirty="0" smtClean="0"/>
-                <a:t>Drug Recall </a:t>
-              </a:r>
-              <a:r>
-                <a:rPr lang="en-US" sz="1400" dirty="0" smtClean="0"/>
-                <a:t>Information Center</a:t>
+                <a:t>Drug Recall Information Center</a:t>
               </a:r>
               <a:endParaRPr lang="en-US" sz="1400" dirty="0"/>
             </a:p>
@@ -8728,7 +8204,7 @@
         </p:sp>
         <p:grpSp>
           <p:nvGrpSpPr>
-            <p:cNvPr id="36" name="Group 35"/>
+            <p:cNvPr id="73" name="Group 72"/>
             <p:cNvGrpSpPr/>
             <p:nvPr/>
           </p:nvGrpSpPr>
@@ -8742,7 +8218,7 @@
           </p:grpSpPr>
           <p:sp>
             <p:nvSpPr>
-              <p:cNvPr id="52" name="TextBox 51"/>
+              <p:cNvPr id="77" name="TextBox 76"/>
               <p:cNvSpPr txBox="1"/>
               <p:nvPr/>
             </p:nvSpPr>
@@ -8772,7 +8248,7 @@
           </p:sp>
           <p:sp>
             <p:nvSpPr>
-              <p:cNvPr id="53" name="Rectangle 52"/>
+              <p:cNvPr id="78" name="Rectangle 77"/>
               <p:cNvSpPr/>
               <p:nvPr/>
             </p:nvSpPr>
@@ -8837,7 +8313,7 @@
         </p:grpSp>
         <p:sp>
           <p:nvSpPr>
-            <p:cNvPr id="39" name="Rounded Rectangle 38"/>
+            <p:cNvPr id="74" name="Rounded Rectangle 73"/>
             <p:cNvSpPr/>
             <p:nvPr/>
           </p:nvSpPr>
@@ -8903,23 +8379,12 @@
                 </a:rPr>
                 <a:t>Advanced Search</a:t>
               </a:r>
-              <a:endParaRPr kumimoji="0" lang="en-US" sz="1000" b="0" i="0" u="none" strike="noStrike" cap="none" normalizeH="0" baseline="0" dirty="0" smtClean="0">
-                <a:ln>
-                  <a:noFill/>
-                </a:ln>
-                <a:solidFill>
-                  <a:schemeClr val="tx1"/>
-                </a:solidFill>
-                <a:effectLst/>
-                <a:latin typeface="Arial" charset="0"/>
-                <a:ea typeface="ＭＳ Ｐゴシック" pitchFamily="-60" charset="-128"/>
-              </a:endParaRPr>
             </a:p>
           </p:txBody>
         </p:sp>
         <p:sp>
           <p:nvSpPr>
-            <p:cNvPr id="40" name="Rounded Rectangle 39"/>
+            <p:cNvPr id="75" name="Rounded Rectangle 74"/>
             <p:cNvSpPr/>
             <p:nvPr/>
           </p:nvSpPr>
@@ -8985,195 +8450,12 @@
                 </a:rPr>
                 <a:t>Clear</a:t>
               </a:r>
-              <a:endParaRPr kumimoji="0" lang="en-US" sz="1000" b="0" i="0" u="none" strike="noStrike" cap="none" normalizeH="0" baseline="0" dirty="0" smtClean="0">
-                <a:ln>
-                  <a:noFill/>
-                </a:ln>
-                <a:solidFill>
-                  <a:schemeClr val="tx1"/>
-                </a:solidFill>
-                <a:effectLst/>
-                <a:latin typeface="Arial" charset="0"/>
-                <a:ea typeface="ＭＳ Ｐゴシック" pitchFamily="-60" charset="-128"/>
-              </a:endParaRPr>
             </a:p>
           </p:txBody>
         </p:sp>
-        <p:grpSp>
-          <p:nvGrpSpPr>
-            <p:cNvPr id="41" name="Group 40"/>
-            <p:cNvGrpSpPr/>
-            <p:nvPr/>
-          </p:nvGrpSpPr>
-          <p:grpSpPr>
-            <a:xfrm>
-              <a:off x="1993902" y="2943998"/>
-              <a:ext cx="4171947" cy="394318"/>
-              <a:chOff x="1993902" y="2943998"/>
-              <a:chExt cx="4171947" cy="394318"/>
-            </a:xfrm>
-          </p:grpSpPr>
-          <p:grpSp>
-            <p:nvGrpSpPr>
-              <p:cNvPr id="48" name="Group 47"/>
-              <p:cNvGrpSpPr/>
-              <p:nvPr/>
-            </p:nvGrpSpPr>
-            <p:grpSpPr>
-              <a:xfrm>
-                <a:off x="1993902" y="2943998"/>
-                <a:ext cx="4171947" cy="246221"/>
-                <a:chOff x="2117469" y="2773977"/>
-                <a:chExt cx="3724531" cy="246221"/>
-              </a:xfrm>
-            </p:grpSpPr>
-            <p:sp>
-              <p:nvSpPr>
-                <p:cNvPr id="50" name="TextBox 49"/>
-                <p:cNvSpPr txBox="1"/>
-                <p:nvPr/>
-              </p:nvSpPr>
-              <p:spPr>
-                <a:xfrm>
-                  <a:off x="2117469" y="2773977"/>
-                  <a:ext cx="3724531" cy="246221"/>
-                </a:xfrm>
-                <a:prstGeom prst="rect">
-                  <a:avLst/>
-                </a:prstGeom>
-                <a:noFill/>
-              </p:spPr>
-              <p:txBody>
-                <a:bodyPr wrap="square" rtlCol="0">
-                  <a:spAutoFit/>
-                </a:bodyPr>
-                <a:lstStyle/>
-                <a:p>
-                  <a:r>
-                    <a:rPr lang="en-US" sz="1000" u="sng" dirty="0" smtClean="0">
-                      <a:solidFill>
-                        <a:srgbClr val="0070C0"/>
-                      </a:solidFill>
-                    </a:rPr>
-                    <a:t>D-123-0981 </a:t>
-                  </a:r>
-                  <a:r>
-                    <a:rPr lang="en-US" sz="1000" dirty="0" smtClean="0"/>
-                    <a:t>                   Class </a:t>
-                  </a:r>
-                  <a:r>
-                    <a:rPr lang="en-US" sz="1000" dirty="0" smtClean="0"/>
-                    <a:t>1         Drug </a:t>
-                  </a:r>
-                  <a:r>
-                    <a:rPr lang="en-US" sz="1000" dirty="0" smtClean="0"/>
-                    <a:t>1 , Drug 2          5/29/15</a:t>
-                  </a:r>
-                  <a:endParaRPr lang="en-US" sz="1000" dirty="0"/>
-                </a:p>
-              </p:txBody>
-            </p:sp>
-            <p:sp>
-              <p:nvSpPr>
-                <p:cNvPr id="51" name="Oval 50"/>
-                <p:cNvSpPr/>
-                <p:nvPr/>
-              </p:nvSpPr>
-              <p:spPr bwMode="auto">
-                <a:xfrm>
-                  <a:off x="3146107" y="2773977"/>
-                  <a:ext cx="191135" cy="184666"/>
-                </a:xfrm>
-                <a:prstGeom prst="ellipse">
-                  <a:avLst/>
-                </a:prstGeom>
-                <a:solidFill>
-                  <a:srgbClr val="FFFF00"/>
-                </a:solidFill>
-                <a:ln w="9525" cap="flat" cmpd="sng" algn="ctr">
-                  <a:solidFill>
-                    <a:schemeClr val="tx1"/>
-                  </a:solidFill>
-                  <a:prstDash val="solid"/>
-                  <a:round/>
-                  <a:headEnd type="none" w="med" len="med"/>
-                  <a:tailEnd type="none" w="med" len="med"/>
-                </a:ln>
-                <a:effectLst/>
-              </p:spPr>
-              <p:txBody>
-                <a:bodyPr vert="horz" wrap="square" lIns="91440" tIns="45720" rIns="91440" bIns="45720" numCol="1" rtlCol="0" anchor="t" anchorCtr="0" compatLnSpc="1">
-                  <a:prstTxWarp prst="textNoShape">
-                    <a:avLst/>
-                  </a:prstTxWarp>
-                </a:bodyPr>
-                <a:lstStyle/>
-                <a:p>
-                  <a:pPr marL="0" marR="0" indent="0" algn="l" defTabSz="914400" rtl="0" eaLnBrk="0" fontAlgn="base" latinLnBrk="0" hangingPunct="0">
-                    <a:lnSpc>
-                      <a:spcPct val="100000"/>
-                    </a:lnSpc>
-                    <a:spcBef>
-                      <a:spcPct val="0"/>
-                    </a:spcBef>
-                    <a:spcAft>
-                      <a:spcPct val="0"/>
-                    </a:spcAft>
-                    <a:buClrTx/>
-                    <a:buSzTx/>
-                    <a:buFontTx/>
-                    <a:buNone/>
-                    <a:tabLst/>
-                  </a:pPr>
-                  <a:endParaRPr kumimoji="0" lang="en-US" sz="2400" b="0" i="0" u="none" strike="noStrike" cap="none" normalizeH="0" baseline="0" smtClean="0">
-                    <a:ln>
-                      <a:noFill/>
-                    </a:ln>
-                    <a:solidFill>
-                      <a:schemeClr val="tx1"/>
-                    </a:solidFill>
-                    <a:effectLst/>
-                    <a:latin typeface="Arial" charset="0"/>
-                    <a:ea typeface="ＭＳ Ｐゴシック" pitchFamily="-60" charset="-128"/>
-                  </a:endParaRPr>
-                </a:p>
-              </p:txBody>
-            </p:sp>
-          </p:grpSp>
-          <p:sp>
-            <p:nvSpPr>
-              <p:cNvPr id="49" name="TextBox 48"/>
-              <p:cNvSpPr txBox="1"/>
-              <p:nvPr/>
-            </p:nvSpPr>
-            <p:spPr>
-              <a:xfrm>
-                <a:off x="3314700" y="3092095"/>
-                <a:ext cx="2805647" cy="246221"/>
-              </a:xfrm>
-              <a:prstGeom prst="rect">
-                <a:avLst/>
-              </a:prstGeom>
-              <a:noFill/>
-            </p:spPr>
-            <p:txBody>
-              <a:bodyPr wrap="square" rtlCol="0">
-                <a:spAutoFit/>
-              </a:bodyPr>
-              <a:lstStyle/>
-              <a:p>
-                <a:r>
-                  <a:rPr lang="en-US" sz="1000" dirty="0" smtClean="0"/>
-                  <a:t>                      Drug 3 , Drug 4</a:t>
-                </a:r>
-                <a:endParaRPr lang="en-US" sz="1000" dirty="0"/>
-              </a:p>
-            </p:txBody>
-          </p:sp>
-        </p:grpSp>
         <p:sp>
           <p:nvSpPr>
-            <p:cNvPr id="47" name="TextBox 46"/>
+            <p:cNvPr id="76" name="TextBox 75"/>
             <p:cNvSpPr txBox="1"/>
             <p:nvPr/>
           </p:nvSpPr>
@@ -9203,14 +8485,14 @@
       </p:grpSp>
       <p:sp>
         <p:nvSpPr>
-          <p:cNvPr id="3" name="TextBox 2"/>
+          <p:cNvPr id="79" name="TextBox 78"/>
           <p:cNvSpPr txBox="1"/>
           <p:nvPr/>
         </p:nvSpPr>
         <p:spPr>
           <a:xfrm>
-            <a:off x="6248400" y="1238462"/>
-            <a:ext cx="2590800" cy="4247317"/>
+            <a:off x="1166597" y="3342659"/>
+            <a:ext cx="4171938" cy="400110"/>
           </a:xfrm>
           <a:prstGeom prst="rect">
             <a:avLst/>
@@ -9224,67 +8506,101 @@
           <a:lstStyle/>
           <a:p>
             <a:r>
-              <a:rPr lang="en-US" dirty="0"/>
-              <a:t>Displays </a:t>
-            </a:r>
-            <a:r>
-              <a:rPr lang="en-US" dirty="0" smtClean="0"/>
-              <a:t>additional information on the drug recall </a:t>
-            </a:r>
-            <a:r>
-              <a:rPr lang="en-US" dirty="0" smtClean="0"/>
-              <a:t>report user </a:t>
-            </a:r>
-            <a:r>
-              <a:rPr lang="en-US" dirty="0" smtClean="0"/>
-              <a:t>has selected to view in detail</a:t>
-            </a:r>
-            <a:r>
-              <a:rPr lang="en-US" dirty="0" smtClean="0"/>
-              <a:t>.</a:t>
-            </a:r>
-          </a:p>
-          <a:p>
-            <a:endParaRPr lang="en-US" dirty="0"/>
-          </a:p>
-          <a:p>
-            <a:r>
-              <a:rPr lang="en-US" dirty="0"/>
-              <a:t>Provide users ability to go back to the </a:t>
-            </a:r>
-            <a:r>
-              <a:rPr lang="en-US" dirty="0" smtClean="0"/>
-              <a:t>drug recall report list.</a:t>
-            </a:r>
-          </a:p>
-          <a:p>
-            <a:endParaRPr lang="en-US" dirty="0"/>
-          </a:p>
-          <a:p>
-            <a:r>
-              <a:rPr lang="en-US" dirty="0" smtClean="0"/>
-              <a:t>Provide users ability to easily navigate through the detailed report </a:t>
-            </a:r>
-          </a:p>
-          <a:p>
-            <a:r>
-              <a:rPr lang="en-US" dirty="0" smtClean="0"/>
-              <a:t>(i.e. scroll bar / html bookmarks)</a:t>
-            </a:r>
-            <a:endParaRPr lang="en-US" dirty="0"/>
+              <a:rPr lang="en-US" sz="1000" dirty="0" smtClean="0"/>
+              <a:t>Drug 1 XYZ of type B was recalled</a:t>
+            </a:r>
+          </a:p>
+          <a:p>
+            <a:r>
+              <a:rPr lang="en-US" sz="1000" dirty="0" smtClean="0"/>
+              <a:t>Report Date: 12/4/10</a:t>
+            </a:r>
+            <a:endParaRPr lang="en-US" sz="1000" dirty="0"/>
           </a:p>
         </p:txBody>
       </p:sp>
       <p:sp>
         <p:nvSpPr>
-          <p:cNvPr id="2" name="Rectangle 1"/>
+          <p:cNvPr id="80" name="TextBox 79"/>
+          <p:cNvSpPr txBox="1"/>
+          <p:nvPr/>
+        </p:nvSpPr>
+        <p:spPr>
+          <a:xfrm>
+            <a:off x="1166597" y="3805169"/>
+            <a:ext cx="4171938" cy="400110"/>
+          </a:xfrm>
+          <a:prstGeom prst="rect">
+            <a:avLst/>
+          </a:prstGeom>
+          <a:noFill/>
+        </p:spPr>
+        <p:txBody>
+          <a:bodyPr wrap="square" rtlCol="0">
+            <a:spAutoFit/>
+          </a:bodyPr>
+          <a:lstStyle/>
+          <a:p>
+            <a:r>
+              <a:rPr lang="en-US" sz="1000" dirty="0" smtClean="0"/>
+              <a:t>Drug 2 XYZ of type B was recalled</a:t>
+            </a:r>
+          </a:p>
+          <a:p>
+            <a:r>
+              <a:rPr lang="en-US" sz="1000" dirty="0" smtClean="0"/>
+              <a:t>Report Date: 5/29/15</a:t>
+            </a:r>
+            <a:endParaRPr lang="en-US" sz="1000" dirty="0"/>
+          </a:p>
+        </p:txBody>
+      </p:sp>
+      <p:sp>
+        <p:nvSpPr>
+          <p:cNvPr id="81" name="TextBox 80"/>
+          <p:cNvSpPr txBox="1"/>
+          <p:nvPr/>
+        </p:nvSpPr>
+        <p:spPr>
+          <a:xfrm>
+            <a:off x="1155697" y="4222938"/>
+            <a:ext cx="4171938" cy="400110"/>
+          </a:xfrm>
+          <a:prstGeom prst="rect">
+            <a:avLst/>
+          </a:prstGeom>
+          <a:noFill/>
+        </p:spPr>
+        <p:txBody>
+          <a:bodyPr wrap="square" rtlCol="0">
+            <a:spAutoFit/>
+          </a:bodyPr>
+          <a:lstStyle/>
+          <a:p>
+            <a:r>
+              <a:rPr lang="en-US" sz="1000" dirty="0" smtClean="0"/>
+              <a:t>Drug 3 XYZ of type B was recalled</a:t>
+            </a:r>
+          </a:p>
+          <a:p>
+            <a:r>
+              <a:rPr lang="en-US" sz="1000" dirty="0" smtClean="0"/>
+              <a:t>Report Date: 3/31/13</a:t>
+            </a:r>
+            <a:endParaRPr lang="en-US" sz="1000" dirty="0"/>
+          </a:p>
+        </p:txBody>
+      </p:sp>
+      <p:sp>
+        <p:nvSpPr>
+          <p:cNvPr id="82" name="Rectangle 81"/>
           <p:cNvSpPr/>
           <p:nvPr/>
         </p:nvSpPr>
         <p:spPr bwMode="auto">
           <a:xfrm>
-            <a:off x="1981200" y="1266330"/>
-            <a:ext cx="3962400" cy="4485316"/>
+            <a:off x="2133600" y="1447800"/>
+            <a:ext cx="3962400" cy="4615900"/>
           </a:xfrm>
           <a:prstGeom prst="rect">
             <a:avLst/>
@@ -9343,43 +8659,64 @@
       </p:sp>
       <p:sp>
         <p:nvSpPr>
-          <p:cNvPr id="37" name="Rounded Rectangle 36"/>
-          <p:cNvSpPr/>
+          <p:cNvPr id="83" name="Rectangle 5"/>
+          <p:cNvSpPr>
+            <a:spLocks noChangeArrowheads="1"/>
+          </p:cNvSpPr>
           <p:nvPr/>
         </p:nvSpPr>
         <p:spPr bwMode="auto">
           <a:xfrm>
-            <a:off x="3525752" y="5137896"/>
-            <a:ext cx="1027375" cy="337457"/>
+            <a:off x="2219325" y="1530592"/>
+            <a:ext cx="3657600" cy="1431161"/>
           </a:xfrm>
-          <a:prstGeom prst="roundRect">
+          <a:prstGeom prst="rect">
             <a:avLst/>
           </a:prstGeom>
-          <a:solidFill>
-            <a:schemeClr val="accent3">
-              <a:lumMod val="85000"/>
-            </a:schemeClr>
-          </a:solidFill>
-          <a:ln w="9525" cap="flat" cmpd="sng" algn="ctr">
-            <a:solidFill>
-              <a:schemeClr val="tx1"/>
-            </a:solidFill>
-            <a:prstDash val="solid"/>
-            <a:round/>
-            <a:headEnd type="none" w="med" len="med"/>
-            <a:tailEnd type="none" w="med" len="med"/>
+          <a:noFill/>
+          <a:ln>
+            <a:noFill/>
           </a:ln>
           <a:effectLst/>
+          <a:extLst>
+            <a:ext uri="{909E8E84-426E-40DD-AFC4-6F175D3DCCD1}">
+              <a14:hiddenFill xmlns:a14="http://schemas.microsoft.com/office/drawing/2010/main">
+                <a:solidFill>
+                  <a:schemeClr val="accent1"/>
+                </a:solidFill>
+              </a14:hiddenFill>
+            </a:ext>
+            <a:ext uri="{91240B29-F687-4F45-9708-019B960494DF}">
+              <a14:hiddenLine xmlns:a14="http://schemas.microsoft.com/office/drawing/2010/main" w="9525">
+                <a:solidFill>
+                  <a:schemeClr val="tx1"/>
+                </a:solidFill>
+                <a:miter lim="800000"/>
+                <a:headEnd/>
+                <a:tailEnd/>
+              </a14:hiddenLine>
+            </a:ext>
+            <a:ext uri="{AF507438-7753-43E0-B8FC-AC1667EBCBE1}">
+              <a14:hiddenEffects xmlns:a14="http://schemas.microsoft.com/office/drawing/2010/main">
+                <a:effectLst>
+                  <a:outerShdw dist="35921" dir="2700000" algn="ctr" rotWithShape="0">
+                    <a:schemeClr val="bg2"/>
+                  </a:outerShdw>
+                </a:effectLst>
+              </a14:hiddenEffects>
+            </a:ext>
+          </a:extLst>
         </p:spPr>
         <p:txBody>
-          <a:bodyPr vert="horz" wrap="square" lIns="91440" tIns="45720" rIns="91440" bIns="45720" numCol="1" rtlCol="0" anchor="t" anchorCtr="0" compatLnSpc="1">
+          <a:bodyPr vert="horz" wrap="square" lIns="91440" tIns="45720" rIns="91440" bIns="45720" numCol="1" anchor="ctr" anchorCtr="0" compatLnSpc="1">
             <a:prstTxWarp prst="textNoShape">
               <a:avLst/>
             </a:prstTxWarp>
+            <a:spAutoFit/>
           </a:bodyPr>
           <a:lstStyle/>
           <a:p>
-            <a:pPr marL="0" marR="0" indent="0" algn="ctr" defTabSz="914400" rtl="0" eaLnBrk="0" fontAlgn="base" latinLnBrk="0" hangingPunct="0">
+            <a:pPr marL="0" marR="0" lvl="0" indent="0" algn="l" defTabSz="914400" rtl="0" eaLnBrk="0" fontAlgn="base" latinLnBrk="0" hangingPunct="0">
               <a:lnSpc>
                 <a:spcPct val="100000"/>
               </a:lnSpc>
@@ -9396,7 +8733,7 @@
               <a:tabLst/>
             </a:pPr>
             <a:r>
-              <a:rPr kumimoji="0" lang="en-US" sz="1000" b="0" i="0" u="none" strike="noStrike" cap="none" normalizeH="0" baseline="0" dirty="0" smtClean="0">
+              <a:rPr kumimoji="0" lang="en-US" altLang="en-US" sz="1200" b="1" i="0" u="none" strike="noStrike" cap="none" normalizeH="0" baseline="0" dirty="0" smtClean="0">
                 <a:ln>
                   <a:noFill/>
                 </a:ln>
@@ -9404,12 +8741,58 @@
                   <a:schemeClr val="tx1"/>
                 </a:solidFill>
                 <a:effectLst/>
-                <a:latin typeface="Arial" charset="0"/>
-                <a:ea typeface="ＭＳ Ｐゴシック" pitchFamily="-60" charset="-128"/>
+                <a:latin typeface="Arial" panose="020B0604020202020204" pitchFamily="34" charset="0"/>
+                <a:ea typeface="Calibri" panose="020F0502020204030204" pitchFamily="34" charset="0"/>
+                <a:cs typeface="Arial" panose="020B0604020202020204" pitchFamily="34" charset="0"/>
               </a:rPr>
-              <a:t>Close</a:t>
-            </a:r>
-            <a:endParaRPr kumimoji="0" lang="en-US" sz="1000" b="0" i="0" u="none" strike="noStrike" cap="none" normalizeH="0" baseline="0" dirty="0" smtClean="0">
+              <a:t>Production Description Short Name </a:t>
+            </a:r>
+            <a:r>
+              <a:rPr kumimoji="0" lang="en-US" altLang="en-US" sz="1100" b="1" i="0" u="none" strike="noStrike" cap="none" normalizeH="0" baseline="0" dirty="0" smtClean="0">
+                <a:ln>
+                  <a:noFill/>
+                </a:ln>
+                <a:solidFill>
+                  <a:schemeClr val="tx1"/>
+                </a:solidFill>
+                <a:effectLst/>
+                <a:latin typeface="Arial" panose="020B0604020202020204" pitchFamily="34" charset="0"/>
+                <a:ea typeface="Calibri" panose="020F0502020204030204" pitchFamily="34" charset="0"/>
+                <a:cs typeface="Arial" panose="020B0604020202020204" pitchFamily="34" charset="0"/>
+              </a:rPr>
+              <a:t>(This is bold and slightly larger than other text. There</a:t>
+            </a:r>
+            <a:r>
+              <a:rPr kumimoji="0" lang="en-US" altLang="en-US" sz="1100" b="1" i="0" u="none" strike="noStrike" cap="none" normalizeH="0" baseline="0" dirty="0" smtClean="0">
+                <a:ln>
+                  <a:noFill/>
+                </a:ln>
+                <a:solidFill>
+                  <a:schemeClr val="tx1"/>
+                </a:solidFill>
+                <a:effectLst/>
+                <a:latin typeface="Calibri" panose="020F0502020204030204" pitchFamily="34" charset="0"/>
+                <a:ea typeface="Calibri" panose="020F0502020204030204" pitchFamily="34" charset="0"/>
+                <a:cs typeface="Arial" panose="020B0604020202020204" pitchFamily="34" charset="0"/>
+              </a:rPr>
+              <a:t>’</a:t>
+            </a:r>
+            <a:r>
+              <a:rPr kumimoji="0" lang="en-US" altLang="en-US" sz="1100" b="1" i="0" u="none" strike="noStrike" cap="none" normalizeH="0" baseline="0" dirty="0" smtClean="0">
+                <a:ln>
+                  <a:noFill/>
+                </a:ln>
+                <a:solidFill>
+                  <a:schemeClr val="tx1"/>
+                </a:solidFill>
+                <a:effectLst/>
+                <a:latin typeface="Arial" panose="020B0604020202020204" pitchFamily="34" charset="0"/>
+                <a:ea typeface="Calibri" panose="020F0502020204030204" pitchFamily="34" charset="0"/>
+                <a:cs typeface="Arial" panose="020B0604020202020204" pitchFamily="34" charset="0"/>
+              </a:rPr>
+              <a:t>s no label, it just is the title since it matches item from list)</a:t>
+            </a:r>
+            <a:endParaRPr kumimoji="0" lang="en-US" altLang="en-US" sz="1200" b="1" i="0" u="none" strike="noStrike" cap="none" normalizeH="0" baseline="0" dirty="0" smtClean="0">
               <a:ln>
                 <a:noFill/>
               </a:ln>
@@ -9417,181 +8800,13 @@
                 <a:schemeClr val="tx1"/>
               </a:solidFill>
               <a:effectLst/>
-              <a:latin typeface="Arial" charset="0"/>
-              <a:ea typeface="ＭＳ Ｐゴシック" pitchFamily="-60" charset="-128"/>
+              <a:latin typeface="Arial" panose="020B0604020202020204" pitchFamily="34" charset="0"/>
+              <a:ea typeface="Calibri" panose="020F0502020204030204" pitchFamily="34" charset="0"/>
+              <a:cs typeface="Arial" panose="020B0604020202020204" pitchFamily="34" charset="0"/>
             </a:endParaRPr>
           </a:p>
-        </p:txBody>
-      </p:sp>
-      <p:sp>
-        <p:nvSpPr>
-          <p:cNvPr id="38" name="TextBox 37"/>
-          <p:cNvSpPr txBox="1"/>
-          <p:nvPr/>
-        </p:nvSpPr>
-        <p:spPr>
-          <a:xfrm>
-            <a:off x="1981200" y="1483273"/>
-            <a:ext cx="3962400" cy="307777"/>
-          </a:xfrm>
-          <a:prstGeom prst="rect">
-            <a:avLst/>
-          </a:prstGeom>
-          <a:noFill/>
-        </p:spPr>
-        <p:txBody>
-          <a:bodyPr wrap="square" rtlCol="0">
-            <a:spAutoFit/>
-          </a:bodyPr>
-          <a:lstStyle/>
-          <a:p>
-            <a:pPr algn="ctr"/>
-            <a:r>
-              <a:rPr lang="en-US" sz="1400" u="sng" dirty="0" smtClean="0"/>
-              <a:t>Drug </a:t>
-            </a:r>
-            <a:r>
-              <a:rPr lang="en-US" sz="1400" u="sng" dirty="0" smtClean="0"/>
-              <a:t>Recall Report Details</a:t>
-            </a:r>
-            <a:endParaRPr lang="en-US" sz="1400" u="sng" dirty="0"/>
-          </a:p>
-        </p:txBody>
-      </p:sp>
-      <p:sp>
-        <p:nvSpPr>
-          <p:cNvPr id="43" name="Rounded Rectangle 42"/>
-          <p:cNvSpPr/>
-          <p:nvPr/>
-        </p:nvSpPr>
-        <p:spPr bwMode="auto">
-          <a:xfrm>
-            <a:off x="3503085" y="1978492"/>
-            <a:ext cx="752475" cy="732709"/>
-          </a:xfrm>
-          <a:prstGeom prst="roundRect">
-            <a:avLst/>
-          </a:prstGeom>
-          <a:solidFill>
-            <a:srgbClr val="92D050"/>
-          </a:solidFill>
-          <a:ln w="9525" cap="flat" cmpd="sng" algn="ctr">
-            <a:solidFill>
-              <a:schemeClr val="tx1"/>
-            </a:solidFill>
-            <a:prstDash val="solid"/>
-            <a:round/>
-            <a:headEnd type="none" w="med" len="med"/>
-            <a:tailEnd type="none" w="med" len="med"/>
-          </a:ln>
-          <a:effectLst/>
-        </p:spPr>
-        <p:txBody>
-          <a:bodyPr vert="horz" wrap="square" lIns="91440" tIns="45720" rIns="91440" bIns="45720" numCol="1" rtlCol="0" anchor="t" anchorCtr="0" compatLnSpc="1">
-            <a:prstTxWarp prst="textNoShape">
-              <a:avLst/>
-            </a:prstTxWarp>
-          </a:bodyPr>
-          <a:lstStyle/>
-          <a:p>
-            <a:pPr marL="0" marR="0" indent="0" algn="l" defTabSz="914400" rtl="0" eaLnBrk="0" fontAlgn="base" latinLnBrk="0" hangingPunct="0">
-              <a:lnSpc>
-                <a:spcPct val="150000"/>
-              </a:lnSpc>
-              <a:spcBef>
-                <a:spcPct val="0"/>
-              </a:spcBef>
-              <a:spcAft>
-                <a:spcPct val="0"/>
-              </a:spcAft>
-              <a:buClrTx/>
-              <a:buSzTx/>
-              <a:buFontTx/>
-              <a:buNone/>
-              <a:tabLst/>
-            </a:pPr>
-            <a:r>
-              <a:rPr kumimoji="0" lang="en-US" sz="800" b="0" i="0" u="none" strike="noStrike" cap="none" normalizeH="0" baseline="0" dirty="0" smtClean="0">
-                <a:ln>
-                  <a:noFill/>
-                </a:ln>
-                <a:solidFill>
-                  <a:schemeClr val="tx1"/>
-                </a:solidFill>
-                <a:effectLst/>
-                <a:latin typeface="Arial" charset="0"/>
-                <a:ea typeface="ＭＳ Ｐゴシック" pitchFamily="-60" charset="-128"/>
-              </a:rPr>
-              <a:t>&lt;Image of drug here from </a:t>
-            </a:r>
-            <a:r>
-              <a:rPr kumimoji="0" lang="en-US" sz="800" b="0" i="0" u="none" strike="noStrike" cap="none" normalizeH="0" baseline="0" dirty="0" err="1" smtClean="0">
-                <a:ln>
-                  <a:noFill/>
-                </a:ln>
-                <a:solidFill>
-                  <a:schemeClr val="tx1"/>
-                </a:solidFill>
-                <a:effectLst/>
-                <a:latin typeface="Arial" charset="0"/>
-                <a:ea typeface="ＭＳ Ｐゴシック" pitchFamily="-60" charset="-128"/>
-              </a:rPr>
-              <a:t>NiH</a:t>
-            </a:r>
-            <a:r>
-              <a:rPr kumimoji="0" lang="en-US" sz="800" b="0" i="0" u="none" strike="noStrike" cap="none" normalizeH="0" baseline="0" dirty="0" smtClean="0">
-                <a:ln>
-                  <a:noFill/>
-                </a:ln>
-                <a:solidFill>
-                  <a:schemeClr val="tx1"/>
-                </a:solidFill>
-                <a:effectLst/>
-                <a:latin typeface="Arial" charset="0"/>
-                <a:ea typeface="ＭＳ Ｐゴシック" pitchFamily="-60" charset="-128"/>
-              </a:rPr>
-              <a:t>&gt;</a:t>
-            </a:r>
-          </a:p>
-        </p:txBody>
-      </p:sp>
-      <p:sp>
-        <p:nvSpPr>
-          <p:cNvPr id="44" name="Rectangle 43"/>
-          <p:cNvSpPr/>
-          <p:nvPr/>
-        </p:nvSpPr>
-        <p:spPr bwMode="auto">
-          <a:xfrm>
-            <a:off x="2462825" y="2949867"/>
-            <a:ext cx="3153230" cy="1847364"/>
-          </a:xfrm>
-          <a:prstGeom prst="rect">
-            <a:avLst/>
-          </a:prstGeom>
-          <a:solidFill>
-            <a:schemeClr val="accent1"/>
-          </a:solidFill>
-          <a:ln w="9525" cap="flat" cmpd="sng" algn="ctr">
-            <a:solidFill>
-              <a:schemeClr val="tx1"/>
-            </a:solidFill>
-            <a:prstDash val="solid"/>
-            <a:round/>
-            <a:headEnd type="none" w="med" len="med"/>
-            <a:tailEnd type="none" w="med" len="med"/>
-          </a:ln>
-          <a:effectLst/>
-        </p:spPr>
-        <p:txBody>
-          <a:bodyPr vert="horz" wrap="square" lIns="91440" tIns="45720" rIns="91440" bIns="45720" numCol="1" rtlCol="0" anchor="t" anchorCtr="0" compatLnSpc="1">
-            <a:prstTxWarp prst="textNoShape">
-              <a:avLst/>
-            </a:prstTxWarp>
-          </a:bodyPr>
-          <a:lstStyle/>
-          <a:p>
-            <a:pPr marL="0" marR="0" indent="0" algn="l" defTabSz="914400" rtl="0" eaLnBrk="0" fontAlgn="base" latinLnBrk="0" hangingPunct="0">
+          <a:p>
+            <a:pPr marL="0" marR="0" lvl="0" indent="0" algn="l" defTabSz="914400" rtl="0" eaLnBrk="0" fontAlgn="base" latinLnBrk="0" hangingPunct="0">
               <a:lnSpc>
                 <a:spcPct val="100000"/>
               </a:lnSpc>
@@ -9607,8 +8822,35 @@
               <a:buNone/>
               <a:tabLst/>
             </a:pPr>
-            <a:r>
-              <a:rPr kumimoji="0" lang="en-US" sz="1000" b="0" i="0" u="none" strike="noStrike" cap="none" normalizeH="0" dirty="0" smtClean="0">
+            <a:endParaRPr kumimoji="0" lang="en-US" altLang="en-US" sz="600" b="0" i="0" u="none" strike="noStrike" cap="none" normalizeH="0" baseline="0" dirty="0" smtClean="0">
+              <a:ln>
+                <a:noFill/>
+              </a:ln>
+              <a:solidFill>
+                <a:schemeClr val="tx1"/>
+              </a:solidFill>
+              <a:effectLst/>
+            </a:endParaRPr>
+          </a:p>
+          <a:p>
+            <a:pPr marL="0" marR="0" lvl="0" indent="0" algn="l" defTabSz="914400" rtl="0" eaLnBrk="0" fontAlgn="base" latinLnBrk="0" hangingPunct="0">
+              <a:lnSpc>
+                <a:spcPct val="100000"/>
+              </a:lnSpc>
+              <a:spcBef>
+                <a:spcPct val="0"/>
+              </a:spcBef>
+              <a:spcAft>
+                <a:spcPct val="0"/>
+              </a:spcAft>
+              <a:buClrTx/>
+              <a:buSzTx/>
+              <a:buFontTx/>
+              <a:buNone/>
+              <a:tabLst/>
+            </a:pPr>
+            <a:r>
+              <a:rPr kumimoji="0" lang="en-US" altLang="en-US" sz="1100" b="1" i="0" u="none" strike="noStrike" cap="none" normalizeH="0" baseline="0" dirty="0" smtClean="0">
                 <a:ln>
                   <a:noFill/>
                 </a:ln>
@@ -9616,19 +8858,193 @@
                   <a:schemeClr val="tx1"/>
                 </a:solidFill>
                 <a:effectLst/>
-                <a:latin typeface="Arial" charset="0"/>
-                <a:ea typeface="ＭＳ Ｐゴシック" pitchFamily="-60" charset="-128"/>
+                <a:latin typeface="Arial" panose="020B0604020202020204" pitchFamily="34" charset="0"/>
+                <a:ea typeface="Calibri" panose="020F0502020204030204" pitchFamily="34" charset="0"/>
+                <a:cs typeface="Arial" panose="020B0604020202020204" pitchFamily="34" charset="0"/>
               </a:rPr>
-              <a:t>Drug reca</a:t>
-            </a:r>
-            <a:r>
-              <a:rPr lang="en-US" sz="1000" dirty="0" smtClean="0">
-                <a:latin typeface="Arial" charset="0"/>
-                <a:ea typeface="ＭＳ Ｐゴシック" pitchFamily="-60" charset="-128"/>
+              <a:t>Related Image (from </a:t>
+            </a:r>
+            <a:r>
+              <a:rPr kumimoji="0" lang="en-US" altLang="en-US" sz="1100" b="1" i="0" u="none" strike="noStrike" cap="none" normalizeH="0" baseline="0" dirty="0" err="1" smtClean="0">
+                <a:ln>
+                  <a:noFill/>
+                </a:ln>
+                <a:solidFill>
+                  <a:schemeClr val="tx1"/>
+                </a:solidFill>
+                <a:effectLst/>
+                <a:latin typeface="Arial" panose="020B0604020202020204" pitchFamily="34" charset="0"/>
+                <a:ea typeface="Calibri" panose="020F0502020204030204" pitchFamily="34" charset="0"/>
+                <a:cs typeface="Arial" panose="020B0604020202020204" pitchFamily="34" charset="0"/>
               </a:rPr>
-              <a:t>ll report details data</a:t>
-            </a:r>
-            <a:endParaRPr kumimoji="0" lang="en-US" sz="1000" b="0" i="0" u="none" strike="noStrike" cap="none" normalizeH="0" baseline="0" dirty="0" smtClean="0">
+              <a:t>RXxxxx</a:t>
+            </a:r>
+            <a:r>
+              <a:rPr kumimoji="0" lang="en-US" altLang="en-US" sz="1100" b="1" i="0" u="none" strike="noStrike" cap="none" normalizeH="0" baseline="0" dirty="0" smtClean="0">
+                <a:ln>
+                  <a:noFill/>
+                </a:ln>
+                <a:solidFill>
+                  <a:schemeClr val="tx1"/>
+                </a:solidFill>
+                <a:effectLst/>
+                <a:latin typeface="Arial" panose="020B0604020202020204" pitchFamily="34" charset="0"/>
+                <a:ea typeface="Calibri" panose="020F0502020204030204" pitchFamily="34" charset="0"/>
+                <a:cs typeface="Arial" panose="020B0604020202020204" pitchFamily="34" charset="0"/>
+              </a:rPr>
+              <a:t>)</a:t>
+            </a:r>
+            <a:r>
+              <a:rPr kumimoji="0" lang="en-US" altLang="en-US" sz="1100" b="0" i="1" u="none" strike="noStrike" cap="none" normalizeH="0" baseline="0" dirty="0" smtClean="0">
+                <a:ln>
+                  <a:noFill/>
+                </a:ln>
+                <a:solidFill>
+                  <a:schemeClr val="tx1"/>
+                </a:solidFill>
+                <a:effectLst/>
+                <a:latin typeface="Arial" panose="020B0604020202020204" pitchFamily="34" charset="0"/>
+                <a:ea typeface="Calibri" panose="020F0502020204030204" pitchFamily="34" charset="0"/>
+                <a:cs typeface="Arial" panose="020B0604020202020204" pitchFamily="34" charset="0"/>
+              </a:rPr>
+              <a:t> </a:t>
+            </a:r>
+            <a:r>
+              <a:rPr kumimoji="0" lang="en-US" altLang="en-US" sz="900" b="0" i="1" u="none" strike="noStrike" cap="none" normalizeH="0" baseline="0" dirty="0" smtClean="0">
+                <a:ln>
+                  <a:noFill/>
+                </a:ln>
+                <a:solidFill>
+                  <a:schemeClr val="tx1"/>
+                </a:solidFill>
+                <a:effectLst/>
+                <a:latin typeface="Arial" panose="020B0604020202020204" pitchFamily="34" charset="0"/>
+                <a:ea typeface="Calibri" panose="020F0502020204030204" pitchFamily="34" charset="0"/>
+                <a:cs typeface="Arial" panose="020B0604020202020204" pitchFamily="34" charset="0"/>
+              </a:rPr>
+              <a:t>[I</a:t>
+            </a:r>
+            <a:r>
+              <a:rPr kumimoji="0" lang="en-US" altLang="en-US" sz="900" b="0" i="1" u="none" strike="noStrike" cap="none" normalizeH="0" baseline="0" dirty="0" smtClean="0">
+                <a:ln>
+                  <a:noFill/>
+                </a:ln>
+                <a:solidFill>
+                  <a:schemeClr val="tx1"/>
+                </a:solidFill>
+                <a:effectLst/>
+                <a:latin typeface="Calibri" panose="020F0502020204030204" pitchFamily="34" charset="0"/>
+                <a:ea typeface="Calibri" panose="020F0502020204030204" pitchFamily="34" charset="0"/>
+                <a:cs typeface="Arial" panose="020B0604020202020204" pitchFamily="34" charset="0"/>
+              </a:rPr>
+              <a:t>’</a:t>
+            </a:r>
+            <a:r>
+              <a:rPr kumimoji="0" lang="en-US" altLang="en-US" sz="900" b="0" i="1" u="none" strike="noStrike" cap="none" normalizeH="0" baseline="0" dirty="0" smtClean="0">
+                <a:ln>
+                  <a:noFill/>
+                </a:ln>
+                <a:solidFill>
+                  <a:schemeClr val="tx1"/>
+                </a:solidFill>
+                <a:effectLst/>
+                <a:latin typeface="Arial" panose="020B0604020202020204" pitchFamily="34" charset="0"/>
+                <a:ea typeface="Calibri" panose="020F0502020204030204" pitchFamily="34" charset="0"/>
+                <a:cs typeface="Arial" panose="020B0604020202020204" pitchFamily="34" charset="0"/>
+              </a:rPr>
+              <a:t>m recommending we put the name of the site] [Can we </a:t>
+            </a:r>
+            <a:r>
+              <a:rPr kumimoji="0" lang="en-US" altLang="en-US" sz="900" b="0" i="1" u="none" strike="noStrike" cap="none" normalizeH="0" baseline="0" dirty="0" smtClean="0">
+                <a:ln>
+                  <a:noFill/>
+                </a:ln>
+                <a:solidFill>
+                  <a:schemeClr val="tx1"/>
+                </a:solidFill>
+                <a:effectLst/>
+                <a:latin typeface="Calibri" panose="020F0502020204030204" pitchFamily="34" charset="0"/>
+                <a:ea typeface="Calibri" panose="020F0502020204030204" pitchFamily="34" charset="0"/>
+                <a:cs typeface="Arial" panose="020B0604020202020204" pitchFamily="34" charset="0"/>
+              </a:rPr>
+              <a:t>“</a:t>
+            </a:r>
+            <a:r>
+              <a:rPr kumimoji="0" lang="en-US" altLang="en-US" sz="900" b="0" i="1" u="none" strike="noStrike" cap="none" normalizeH="0" baseline="0" dirty="0" smtClean="0">
+                <a:ln>
+                  <a:noFill/>
+                </a:ln>
+                <a:solidFill>
+                  <a:schemeClr val="tx1"/>
+                </a:solidFill>
+                <a:effectLst/>
+                <a:latin typeface="Arial" panose="020B0604020202020204" pitchFamily="34" charset="0"/>
+                <a:ea typeface="Calibri" panose="020F0502020204030204" pitchFamily="34" charset="0"/>
+                <a:cs typeface="Arial" panose="020B0604020202020204" pitchFamily="34" charset="0"/>
+              </a:rPr>
+              <a:t>size</a:t>
+            </a:r>
+            <a:r>
+              <a:rPr kumimoji="0" lang="en-US" altLang="en-US" sz="900" b="0" i="1" u="none" strike="noStrike" cap="none" normalizeH="0" baseline="0" dirty="0" smtClean="0">
+                <a:ln>
+                  <a:noFill/>
+                </a:ln>
+                <a:solidFill>
+                  <a:schemeClr val="tx1"/>
+                </a:solidFill>
+                <a:effectLst/>
+                <a:latin typeface="Calibri" panose="020F0502020204030204" pitchFamily="34" charset="0"/>
+                <a:ea typeface="Calibri" panose="020F0502020204030204" pitchFamily="34" charset="0"/>
+                <a:cs typeface="Arial" panose="020B0604020202020204" pitchFamily="34" charset="0"/>
+              </a:rPr>
+              <a:t>”</a:t>
+            </a:r>
+            <a:r>
+              <a:rPr kumimoji="0" lang="en-US" altLang="en-US" sz="900" b="0" i="1" u="none" strike="noStrike" cap="none" normalizeH="0" baseline="0" dirty="0" smtClean="0">
+                <a:ln>
+                  <a:noFill/>
+                </a:ln>
+                <a:solidFill>
+                  <a:schemeClr val="tx1"/>
+                </a:solidFill>
+                <a:effectLst/>
+                <a:latin typeface="Arial" panose="020B0604020202020204" pitchFamily="34" charset="0"/>
+                <a:ea typeface="Calibri" panose="020F0502020204030204" pitchFamily="34" charset="0"/>
+                <a:cs typeface="Arial" panose="020B0604020202020204" pitchFamily="34" charset="0"/>
+              </a:rPr>
+              <a:t> the image? It</a:t>
+            </a:r>
+            <a:r>
+              <a:rPr kumimoji="0" lang="en-US" altLang="en-US" sz="900" b="0" i="1" u="none" strike="noStrike" cap="none" normalizeH="0" baseline="0" dirty="0" smtClean="0">
+                <a:ln>
+                  <a:noFill/>
+                </a:ln>
+                <a:solidFill>
+                  <a:schemeClr val="tx1"/>
+                </a:solidFill>
+                <a:effectLst/>
+                <a:latin typeface="Calibri" panose="020F0502020204030204" pitchFamily="34" charset="0"/>
+                <a:ea typeface="Calibri" panose="020F0502020204030204" pitchFamily="34" charset="0"/>
+                <a:cs typeface="Arial" panose="020B0604020202020204" pitchFamily="34" charset="0"/>
+              </a:rPr>
+              <a:t>’</a:t>
+            </a:r>
+            <a:r>
+              <a:rPr kumimoji="0" lang="en-US" altLang="en-US" sz="900" b="0" i="1" u="none" strike="noStrike" cap="none" normalizeH="0" baseline="0" dirty="0" smtClean="0">
+                <a:ln>
+                  <a:noFill/>
+                </a:ln>
+                <a:solidFill>
+                  <a:schemeClr val="tx1"/>
+                </a:solidFill>
+                <a:effectLst/>
+                <a:latin typeface="Arial" panose="020B0604020202020204" pitchFamily="34" charset="0"/>
+                <a:ea typeface="Calibri" panose="020F0502020204030204" pitchFamily="34" charset="0"/>
+                <a:cs typeface="Arial" panose="020B0604020202020204" pitchFamily="34" charset="0"/>
+              </a:rPr>
+              <a:t>ll just be the image of the first drug number list.]</a:t>
+            </a:r>
+            <a:endParaRPr kumimoji="0" lang="en-US" altLang="en-US" sz="900" b="0" i="0" u="none" strike="noStrike" cap="none" normalizeH="0" baseline="0" dirty="0" smtClean="0">
               <a:ln>
                 <a:noFill/>
               </a:ln>
@@ -9636,43 +9052,817 @@
                 <a:schemeClr val="tx1"/>
               </a:solidFill>
               <a:effectLst/>
-              <a:latin typeface="Arial" charset="0"/>
-              <a:ea typeface="ＭＳ Ｐゴシック" pitchFamily="-60" charset="-128"/>
+            </a:endParaRPr>
+          </a:p>
+          <a:p>
+            <a:pPr marL="0" marR="0" lvl="0" indent="0" algn="l" defTabSz="914400" rtl="0" eaLnBrk="0" fontAlgn="base" latinLnBrk="0" hangingPunct="0">
+              <a:lnSpc>
+                <a:spcPct val="100000"/>
+              </a:lnSpc>
+              <a:spcBef>
+                <a:spcPct val="0"/>
+              </a:spcBef>
+              <a:spcAft>
+                <a:spcPct val="0"/>
+              </a:spcAft>
+              <a:buClrTx/>
+              <a:buSzTx/>
+              <a:buFontTx/>
+              <a:buNone/>
+              <a:tabLst/>
+            </a:pPr>
+            <a:endParaRPr kumimoji="0" lang="en-US" altLang="en-US" sz="1800" b="0" i="0" u="none" strike="noStrike" cap="none" normalizeH="0" baseline="0" dirty="0" smtClean="0">
+              <a:ln>
+                <a:noFill/>
+              </a:ln>
+              <a:solidFill>
+                <a:schemeClr val="tx1"/>
+              </a:solidFill>
+              <a:effectLst/>
+              <a:latin typeface="Arial" panose="020B0604020202020204" pitchFamily="34" charset="0"/>
             </a:endParaRPr>
           </a:p>
         </p:txBody>
       </p:sp>
       <p:sp>
         <p:nvSpPr>
-          <p:cNvPr id="58" name="TextBox 57"/>
-          <p:cNvSpPr txBox="1"/>
+          <p:cNvPr id="84" name="Rectangle 83"/>
+          <p:cNvSpPr>
+            <a:spLocks noChangeArrowheads="1"/>
+          </p:cNvSpPr>
           <p:nvPr/>
         </p:nvSpPr>
-        <p:spPr>
+        <p:spPr bwMode="auto">
           <a:xfrm>
-            <a:off x="2362200" y="304800"/>
-            <a:ext cx="4724400" cy="338554"/>
+            <a:off x="2236811" y="3416821"/>
+            <a:ext cx="3755977" cy="2646878"/>
           </a:xfrm>
           <a:prstGeom prst="rect">
             <a:avLst/>
           </a:prstGeom>
           <a:noFill/>
+          <a:ln>
+            <a:noFill/>
+          </a:ln>
+          <a:effectLst/>
+          <a:extLst>
+            <a:ext uri="{909E8E84-426E-40DD-AFC4-6F175D3DCCD1}">
+              <a14:hiddenFill xmlns:a14="http://schemas.microsoft.com/office/drawing/2010/main">
+                <a:solidFill>
+                  <a:schemeClr val="accent1"/>
+                </a:solidFill>
+              </a14:hiddenFill>
+            </a:ext>
+            <a:ext uri="{91240B29-F687-4F45-9708-019B960494DF}">
+              <a14:hiddenLine xmlns:a14="http://schemas.microsoft.com/office/drawing/2010/main" w="9525">
+                <a:solidFill>
+                  <a:schemeClr val="tx1"/>
+                </a:solidFill>
+                <a:miter lim="800000"/>
+                <a:headEnd/>
+                <a:tailEnd/>
+              </a14:hiddenLine>
+            </a:ext>
+            <a:ext uri="{AF507438-7753-43E0-B8FC-AC1667EBCBE1}">
+              <a14:hiddenEffects xmlns:a14="http://schemas.microsoft.com/office/drawing/2010/main">
+                <a:effectLst>
+                  <a:outerShdw dist="35921" dir="2700000" algn="ctr" rotWithShape="0">
+                    <a:schemeClr val="bg2"/>
+                  </a:outerShdw>
+                </a:effectLst>
+              </a14:hiddenEffects>
+            </a:ext>
+          </a:extLst>
         </p:spPr>
         <p:txBody>
-          <a:bodyPr wrap="square" rtlCol="0">
+          <a:bodyPr vert="horz" wrap="square" lIns="91440" tIns="45720" rIns="91440" bIns="45720" numCol="1" anchor="ctr" anchorCtr="0" compatLnSpc="1">
+            <a:prstTxWarp prst="textNoShape">
+              <a:avLst/>
+            </a:prstTxWarp>
             <a:spAutoFit/>
           </a:bodyPr>
           <a:lstStyle/>
           <a:p>
-            <a:pPr algn="ctr"/>
-            <a:r>
-              <a:rPr lang="en-US" sz="1600" b="1" dirty="0" smtClean="0"/>
-              <a:t>Drug Recall Report Details Page</a:t>
-            </a:r>
-            <a:endParaRPr lang="en-US" sz="1600" b="1" dirty="0"/>
+            <a:pPr marL="0" marR="0" lvl="0" indent="0" algn="l" defTabSz="914400" rtl="0" eaLnBrk="0" fontAlgn="base" latinLnBrk="0" hangingPunct="0">
+              <a:lnSpc>
+                <a:spcPct val="100000"/>
+              </a:lnSpc>
+              <a:spcBef>
+                <a:spcPct val="0"/>
+              </a:spcBef>
+              <a:spcAft>
+                <a:spcPct val="0"/>
+              </a:spcAft>
+              <a:buClrTx/>
+              <a:buSzTx/>
+              <a:buFontTx/>
+              <a:buNone/>
+              <a:tabLst/>
+            </a:pPr>
+            <a:r>
+              <a:rPr kumimoji="0" lang="en-US" altLang="en-US" sz="1100" b="1" i="0" u="none" strike="noStrike" cap="none" normalizeH="0" baseline="0" dirty="0" smtClean="0">
+                <a:ln>
+                  <a:noFill/>
+                </a:ln>
+                <a:solidFill>
+                  <a:schemeClr val="tx1"/>
+                </a:solidFill>
+                <a:effectLst/>
+                <a:latin typeface="Arial" panose="020B0604020202020204" pitchFamily="34" charset="0"/>
+                <a:ea typeface="Calibri" panose="020F0502020204030204" pitchFamily="34" charset="0"/>
+                <a:cs typeface="Arial" panose="020B0604020202020204" pitchFamily="34" charset="0"/>
+              </a:rPr>
+              <a:t>Product Description</a:t>
+            </a:r>
+            <a:endParaRPr kumimoji="0" lang="en-US" altLang="en-US" sz="600" b="0" i="0" u="none" strike="noStrike" cap="none" normalizeH="0" baseline="0" dirty="0" smtClean="0">
+              <a:ln>
+                <a:noFill/>
+              </a:ln>
+              <a:solidFill>
+                <a:schemeClr val="tx1"/>
+              </a:solidFill>
+              <a:effectLst/>
+            </a:endParaRPr>
+          </a:p>
+          <a:p>
+            <a:pPr eaLnBrk="0" fontAlgn="base" hangingPunct="0">
+              <a:spcBef>
+                <a:spcPct val="0"/>
+              </a:spcBef>
+              <a:spcAft>
+                <a:spcPct val="0"/>
+              </a:spcAft>
+            </a:pPr>
+            <a:r>
+              <a:rPr kumimoji="0" lang="en-US" altLang="en-US" sz="1100" b="0" i="0" u="none" strike="noStrike" cap="none" normalizeH="0" baseline="0" dirty="0" smtClean="0">
+                <a:ln>
+                  <a:noFill/>
+                </a:ln>
+                <a:solidFill>
+                  <a:schemeClr val="tx1"/>
+                </a:solidFill>
+                <a:effectLst/>
+                <a:latin typeface="Arial" panose="020B0604020202020204" pitchFamily="34" charset="0"/>
+                <a:ea typeface="Calibri" panose="020F0502020204030204" pitchFamily="34" charset="0"/>
+                <a:cs typeface="Arial" panose="020B0604020202020204" pitchFamily="34" charset="0"/>
+              </a:rPr>
+              <a:t>Full </a:t>
+            </a:r>
+            <a:r>
+              <a:rPr kumimoji="0" lang="en-US" altLang="en-US" sz="1100" b="0" i="0" u="none" strike="noStrike" cap="none" normalizeH="0" baseline="0" dirty="0" err="1" smtClean="0">
+                <a:ln>
+                  <a:noFill/>
+                </a:ln>
+                <a:solidFill>
+                  <a:schemeClr val="tx1"/>
+                </a:solidFill>
+                <a:effectLst/>
+                <a:latin typeface="Arial" panose="020B0604020202020204" pitchFamily="34" charset="0"/>
+                <a:ea typeface="Calibri" panose="020F0502020204030204" pitchFamily="34" charset="0"/>
+                <a:cs typeface="Arial" panose="020B0604020202020204" pitchFamily="34" charset="0"/>
+              </a:rPr>
+              <a:t>Description</a:t>
+            </a:r>
+            <a:r>
+              <a:rPr lang="en-US" altLang="en-US" sz="1100" dirty="0" err="1">
+                <a:latin typeface="Arial" panose="020B0604020202020204" pitchFamily="34" charset="0"/>
+                <a:ea typeface="Calibri" panose="020F0502020204030204" pitchFamily="34" charset="0"/>
+                <a:cs typeface="Arial" panose="020B0604020202020204" pitchFamily="34" charset="0"/>
+              </a:rPr>
+              <a:t>Text</a:t>
+            </a:r>
+            <a:r>
+              <a:rPr lang="en-US" altLang="en-US" sz="1100" dirty="0">
+                <a:latin typeface="Arial" panose="020B0604020202020204" pitchFamily="34" charset="0"/>
+                <a:ea typeface="Calibri" panose="020F0502020204030204" pitchFamily="34" charset="0"/>
+                <a:cs typeface="Arial" panose="020B0604020202020204" pitchFamily="34" charset="0"/>
+              </a:rPr>
+              <a:t> goes here</a:t>
+            </a:r>
+            <a:endParaRPr lang="en-US" altLang="en-US" sz="1100" dirty="0"/>
+          </a:p>
+          <a:p>
+            <a:pPr eaLnBrk="0" fontAlgn="base" hangingPunct="0">
+              <a:spcBef>
+                <a:spcPct val="0"/>
+              </a:spcBef>
+              <a:spcAft>
+                <a:spcPct val="0"/>
+              </a:spcAft>
+            </a:pPr>
+            <a:r>
+              <a:rPr lang="en-US" altLang="en-US" sz="1100" dirty="0">
+                <a:latin typeface="Arial" panose="020B0604020202020204" pitchFamily="34" charset="0"/>
+                <a:ea typeface="Calibri" panose="020F0502020204030204" pitchFamily="34" charset="0"/>
+                <a:cs typeface="Arial" panose="020B0604020202020204" pitchFamily="34" charset="0"/>
+              </a:rPr>
+              <a:t>Text goes here</a:t>
+            </a:r>
+            <a:endParaRPr lang="en-US" altLang="en-US" sz="1100" dirty="0"/>
+          </a:p>
+          <a:p>
+            <a:pPr eaLnBrk="0" fontAlgn="base" hangingPunct="0">
+              <a:spcBef>
+                <a:spcPct val="0"/>
+              </a:spcBef>
+              <a:spcAft>
+                <a:spcPct val="0"/>
+              </a:spcAft>
+            </a:pPr>
+            <a:r>
+              <a:rPr lang="en-US" altLang="en-US" sz="1100" dirty="0">
+                <a:latin typeface="Arial" panose="020B0604020202020204" pitchFamily="34" charset="0"/>
+                <a:ea typeface="Calibri" panose="020F0502020204030204" pitchFamily="34" charset="0"/>
+                <a:cs typeface="Arial" panose="020B0604020202020204" pitchFamily="34" charset="0"/>
+              </a:rPr>
+              <a:t>Text goes here</a:t>
+            </a:r>
+            <a:endParaRPr lang="en-US" altLang="en-US" sz="1100" dirty="0"/>
+          </a:p>
+          <a:p>
+            <a:pPr eaLnBrk="0" fontAlgn="base" hangingPunct="0">
+              <a:spcBef>
+                <a:spcPct val="0"/>
+              </a:spcBef>
+              <a:spcAft>
+                <a:spcPct val="0"/>
+              </a:spcAft>
+            </a:pPr>
+            <a:r>
+              <a:rPr lang="en-US" altLang="en-US" sz="1100" dirty="0">
+                <a:latin typeface="Arial" panose="020B0604020202020204" pitchFamily="34" charset="0"/>
+                <a:ea typeface="Calibri" panose="020F0502020204030204" pitchFamily="34" charset="0"/>
+                <a:cs typeface="Arial" panose="020B0604020202020204" pitchFamily="34" charset="0"/>
+              </a:rPr>
+              <a:t>Text goes here</a:t>
+            </a:r>
+            <a:endParaRPr lang="en-US" altLang="en-US" sz="1100" dirty="0"/>
+          </a:p>
+          <a:p>
+            <a:pPr marL="0" marR="0" lvl="0" indent="0" algn="l" defTabSz="914400" rtl="0" eaLnBrk="0" fontAlgn="base" latinLnBrk="0" hangingPunct="0">
+              <a:lnSpc>
+                <a:spcPct val="100000"/>
+              </a:lnSpc>
+              <a:spcBef>
+                <a:spcPct val="0"/>
+              </a:spcBef>
+              <a:spcAft>
+                <a:spcPct val="0"/>
+              </a:spcAft>
+              <a:buClrTx/>
+              <a:buSzTx/>
+              <a:buFontTx/>
+              <a:buNone/>
+              <a:tabLst/>
+            </a:pPr>
+            <a:endParaRPr kumimoji="0" lang="en-US" altLang="en-US" sz="600" b="0" i="0" u="none" strike="noStrike" cap="none" normalizeH="0" baseline="0" dirty="0" smtClean="0">
+              <a:ln>
+                <a:noFill/>
+              </a:ln>
+              <a:solidFill>
+                <a:schemeClr val="tx1"/>
+              </a:solidFill>
+              <a:effectLst/>
+            </a:endParaRPr>
+          </a:p>
+          <a:p>
+            <a:pPr marL="0" marR="0" lvl="0" indent="0" algn="l" defTabSz="914400" rtl="0" eaLnBrk="0" fontAlgn="base" latinLnBrk="0" hangingPunct="0">
+              <a:lnSpc>
+                <a:spcPct val="100000"/>
+              </a:lnSpc>
+              <a:spcBef>
+                <a:spcPct val="0"/>
+              </a:spcBef>
+              <a:spcAft>
+                <a:spcPct val="0"/>
+              </a:spcAft>
+              <a:buClrTx/>
+              <a:buSzTx/>
+              <a:buFontTx/>
+              <a:buNone/>
+              <a:tabLst/>
+            </a:pPr>
+            <a:r>
+              <a:rPr kumimoji="0" lang="en-US" altLang="en-US" sz="1100" b="1" i="0" u="none" strike="noStrike" cap="none" normalizeH="0" baseline="0" dirty="0" smtClean="0">
+                <a:ln>
+                  <a:noFill/>
+                </a:ln>
+                <a:solidFill>
+                  <a:schemeClr val="tx1"/>
+                </a:solidFill>
+                <a:effectLst/>
+                <a:latin typeface="Arial" panose="020B0604020202020204" pitchFamily="34" charset="0"/>
+                <a:ea typeface="Calibri" panose="020F0502020204030204" pitchFamily="34" charset="0"/>
+                <a:cs typeface="Arial" panose="020B0604020202020204" pitchFamily="34" charset="0"/>
+              </a:rPr>
+              <a:t>Reason for Recall</a:t>
+            </a:r>
+            <a:endParaRPr kumimoji="0" lang="en-US" altLang="en-US" sz="600" b="0" i="0" u="none" strike="noStrike" cap="none" normalizeH="0" baseline="0" dirty="0" smtClean="0">
+              <a:ln>
+                <a:noFill/>
+              </a:ln>
+              <a:solidFill>
+                <a:schemeClr val="tx1"/>
+              </a:solidFill>
+              <a:effectLst/>
+            </a:endParaRPr>
+          </a:p>
+          <a:p>
+            <a:pPr eaLnBrk="0" fontAlgn="base" hangingPunct="0">
+              <a:spcBef>
+                <a:spcPct val="0"/>
+              </a:spcBef>
+              <a:spcAft>
+                <a:spcPct val="0"/>
+              </a:spcAft>
+            </a:pPr>
+            <a:r>
+              <a:rPr kumimoji="0" lang="en-US" altLang="en-US" sz="1100" b="0" i="0" u="none" strike="noStrike" cap="none" normalizeH="0" baseline="0" dirty="0" smtClean="0">
+                <a:ln>
+                  <a:noFill/>
+                </a:ln>
+                <a:solidFill>
+                  <a:schemeClr val="tx1"/>
+                </a:solidFill>
+                <a:effectLst/>
+                <a:latin typeface="Arial" panose="020B0604020202020204" pitchFamily="34" charset="0"/>
+                <a:ea typeface="Calibri" panose="020F0502020204030204" pitchFamily="34" charset="0"/>
+                <a:cs typeface="Arial" panose="020B0604020202020204" pitchFamily="34" charset="0"/>
+              </a:rPr>
+              <a:t>Text goes </a:t>
+            </a:r>
+            <a:r>
+              <a:rPr kumimoji="0" lang="en-US" altLang="en-US" sz="1100" b="0" i="0" u="none" strike="noStrike" cap="none" normalizeH="0" baseline="0" dirty="0" err="1" smtClean="0">
+                <a:ln>
+                  <a:noFill/>
+                </a:ln>
+                <a:solidFill>
+                  <a:schemeClr val="tx1"/>
+                </a:solidFill>
+                <a:effectLst/>
+                <a:latin typeface="Arial" panose="020B0604020202020204" pitchFamily="34" charset="0"/>
+                <a:ea typeface="Calibri" panose="020F0502020204030204" pitchFamily="34" charset="0"/>
+                <a:cs typeface="Arial" panose="020B0604020202020204" pitchFamily="34" charset="0"/>
+              </a:rPr>
+              <a:t>here</a:t>
+            </a:r>
+            <a:r>
+              <a:rPr lang="en-US" altLang="en-US" sz="1100" dirty="0" err="1">
+                <a:latin typeface="Arial" panose="020B0604020202020204" pitchFamily="34" charset="0"/>
+                <a:ea typeface="Calibri" panose="020F0502020204030204" pitchFamily="34" charset="0"/>
+                <a:cs typeface="Arial" panose="020B0604020202020204" pitchFamily="34" charset="0"/>
+              </a:rPr>
+              <a:t>Text</a:t>
+            </a:r>
+            <a:r>
+              <a:rPr lang="en-US" altLang="en-US" sz="1100" dirty="0">
+                <a:latin typeface="Arial" panose="020B0604020202020204" pitchFamily="34" charset="0"/>
+                <a:ea typeface="Calibri" panose="020F0502020204030204" pitchFamily="34" charset="0"/>
+                <a:cs typeface="Arial" panose="020B0604020202020204" pitchFamily="34" charset="0"/>
+              </a:rPr>
+              <a:t> goes here</a:t>
+            </a:r>
+            <a:endParaRPr lang="en-US" altLang="en-US" sz="1100" dirty="0"/>
+          </a:p>
+          <a:p>
+            <a:pPr marL="0" marR="0" lvl="0" indent="0" algn="l" defTabSz="914400" rtl="0" eaLnBrk="0" fontAlgn="base" latinLnBrk="0" hangingPunct="0">
+              <a:lnSpc>
+                <a:spcPct val="100000"/>
+              </a:lnSpc>
+              <a:spcBef>
+                <a:spcPct val="0"/>
+              </a:spcBef>
+              <a:spcAft>
+                <a:spcPct val="0"/>
+              </a:spcAft>
+              <a:buClrTx/>
+              <a:buSzTx/>
+              <a:buFontTx/>
+              <a:buNone/>
+              <a:tabLst/>
+            </a:pPr>
+            <a:endParaRPr kumimoji="0" lang="en-US" altLang="en-US" sz="600" b="0" i="0" u="none" strike="noStrike" cap="none" normalizeH="0" baseline="0" dirty="0" smtClean="0">
+              <a:ln>
+                <a:noFill/>
+              </a:ln>
+              <a:solidFill>
+                <a:schemeClr val="tx1"/>
+              </a:solidFill>
+              <a:effectLst/>
+            </a:endParaRPr>
+          </a:p>
+          <a:p>
+            <a:pPr marL="0" marR="0" lvl="0" indent="0" algn="l" defTabSz="914400" rtl="0" eaLnBrk="0" fontAlgn="base" latinLnBrk="0" hangingPunct="0">
+              <a:lnSpc>
+                <a:spcPct val="100000"/>
+              </a:lnSpc>
+              <a:spcBef>
+                <a:spcPct val="0"/>
+              </a:spcBef>
+              <a:spcAft>
+                <a:spcPct val="0"/>
+              </a:spcAft>
+              <a:buClrTx/>
+              <a:buSzTx/>
+              <a:buFontTx/>
+              <a:buNone/>
+              <a:tabLst/>
+            </a:pPr>
+            <a:r>
+              <a:rPr kumimoji="0" lang="en-US" altLang="en-US" sz="1100" b="1" i="0" u="none" strike="noStrike" cap="none" normalizeH="0" baseline="0" dirty="0" smtClean="0">
+                <a:ln>
+                  <a:noFill/>
+                </a:ln>
+                <a:solidFill>
+                  <a:schemeClr val="tx1"/>
+                </a:solidFill>
+                <a:effectLst/>
+                <a:latin typeface="Arial" panose="020B0604020202020204" pitchFamily="34" charset="0"/>
+                <a:ea typeface="Calibri" panose="020F0502020204030204" pitchFamily="34" charset="0"/>
+                <a:cs typeface="Arial" panose="020B0604020202020204" pitchFamily="34" charset="0"/>
+              </a:rPr>
+              <a:t>Classification </a:t>
+            </a:r>
+            <a:r>
+              <a:rPr kumimoji="0" lang="en-US" altLang="en-US" sz="900" b="0" i="0" u="none" strike="noStrike" cap="none" normalizeH="0" baseline="0" dirty="0" smtClean="0">
+                <a:ln>
+                  <a:noFill/>
+                </a:ln>
+                <a:solidFill>
+                  <a:schemeClr val="tx1"/>
+                </a:solidFill>
+                <a:effectLst/>
+                <a:latin typeface="Arial" panose="020B0604020202020204" pitchFamily="34" charset="0"/>
+                <a:ea typeface="Calibri" panose="020F0502020204030204" pitchFamily="34" charset="0"/>
+                <a:cs typeface="Arial" panose="020B0604020202020204" pitchFamily="34" charset="0"/>
+              </a:rPr>
+              <a:t>(See Note #1)</a:t>
+            </a:r>
+            <a:r>
+              <a:rPr kumimoji="0" lang="en-US" altLang="en-US" sz="900" b="1" i="0" u="none" strike="noStrike" cap="none" normalizeH="0" baseline="0" dirty="0" smtClean="0">
+                <a:ln>
+                  <a:noFill/>
+                </a:ln>
+                <a:solidFill>
+                  <a:schemeClr val="tx1"/>
+                </a:solidFill>
+                <a:effectLst/>
+                <a:latin typeface="Arial" panose="020B0604020202020204" pitchFamily="34" charset="0"/>
+                <a:ea typeface="Calibri" panose="020F0502020204030204" pitchFamily="34" charset="0"/>
+                <a:cs typeface="Arial" panose="020B0604020202020204" pitchFamily="34" charset="0"/>
+              </a:rPr>
+              <a:t>	</a:t>
+            </a:r>
+            <a:r>
+              <a:rPr kumimoji="0" lang="en-US" altLang="en-US" sz="900" b="0" i="0" u="none" strike="noStrike" cap="none" normalizeH="0" baseline="0" dirty="0" smtClean="0">
+                <a:ln>
+                  <a:noFill/>
+                </a:ln>
+                <a:solidFill>
+                  <a:schemeClr val="tx1"/>
+                </a:solidFill>
+                <a:effectLst/>
+                <a:latin typeface="Arial" panose="020B0604020202020204" pitchFamily="34" charset="0"/>
+                <a:ea typeface="Calibri" panose="020F0502020204030204" pitchFamily="34" charset="0"/>
+                <a:cs typeface="Arial" panose="020B0604020202020204" pitchFamily="34" charset="0"/>
+              </a:rPr>
+              <a:t>III</a:t>
+            </a:r>
+            <a:endParaRPr kumimoji="0" lang="en-US" altLang="en-US" sz="600" b="0" i="0" u="none" strike="noStrike" cap="none" normalizeH="0" baseline="0" dirty="0" smtClean="0">
+              <a:ln>
+                <a:noFill/>
+              </a:ln>
+              <a:solidFill>
+                <a:schemeClr val="tx1"/>
+              </a:solidFill>
+              <a:effectLst/>
+            </a:endParaRPr>
+          </a:p>
+          <a:p>
+            <a:pPr marL="0" marR="0" lvl="0" indent="0" algn="l" defTabSz="914400" rtl="0" eaLnBrk="0" fontAlgn="base" latinLnBrk="0" hangingPunct="0">
+              <a:lnSpc>
+                <a:spcPct val="100000"/>
+              </a:lnSpc>
+              <a:spcBef>
+                <a:spcPct val="0"/>
+              </a:spcBef>
+              <a:spcAft>
+                <a:spcPct val="0"/>
+              </a:spcAft>
+              <a:buClrTx/>
+              <a:buSzTx/>
+              <a:buFontTx/>
+              <a:buNone/>
+              <a:tabLst/>
+            </a:pPr>
+            <a:endParaRPr kumimoji="0" lang="en-US" altLang="en-US" sz="1100" b="1" i="0" u="none" strike="noStrike" cap="none" normalizeH="0" baseline="0" dirty="0" smtClean="0">
+              <a:ln>
+                <a:noFill/>
+              </a:ln>
+              <a:solidFill>
+                <a:schemeClr val="tx1"/>
+              </a:solidFill>
+              <a:effectLst/>
+              <a:latin typeface="Arial" panose="020B0604020202020204" pitchFamily="34" charset="0"/>
+              <a:ea typeface="Calibri" panose="020F0502020204030204" pitchFamily="34" charset="0"/>
+              <a:cs typeface="Arial" panose="020B0604020202020204" pitchFamily="34" charset="0"/>
+            </a:endParaRPr>
+          </a:p>
+          <a:p>
+            <a:pPr marL="0" marR="0" lvl="0" indent="0" algn="l" defTabSz="914400" rtl="0" eaLnBrk="0" fontAlgn="base" latinLnBrk="0" hangingPunct="0">
+              <a:lnSpc>
+                <a:spcPct val="100000"/>
+              </a:lnSpc>
+              <a:spcBef>
+                <a:spcPct val="0"/>
+              </a:spcBef>
+              <a:spcAft>
+                <a:spcPct val="0"/>
+              </a:spcAft>
+              <a:buClrTx/>
+              <a:buSzTx/>
+              <a:buFontTx/>
+              <a:buNone/>
+              <a:tabLst/>
+            </a:pPr>
+            <a:r>
+              <a:rPr kumimoji="0" lang="en-US" altLang="en-US" sz="1100" b="1" i="0" u="none" strike="noStrike" cap="none" normalizeH="0" baseline="0" dirty="0" smtClean="0">
+                <a:ln>
+                  <a:noFill/>
+                </a:ln>
+                <a:solidFill>
+                  <a:schemeClr val="tx1"/>
+                </a:solidFill>
+                <a:effectLst/>
+                <a:latin typeface="Arial" panose="020B0604020202020204" pitchFamily="34" charset="0"/>
+                <a:ea typeface="Calibri" panose="020F0502020204030204" pitchFamily="34" charset="0"/>
+                <a:cs typeface="Arial" panose="020B0604020202020204" pitchFamily="34" charset="0"/>
+              </a:rPr>
+              <a:t>Status		</a:t>
+            </a:r>
+            <a:r>
+              <a:rPr kumimoji="0" lang="en-US" altLang="en-US" sz="1100" b="0" i="0" u="none" strike="noStrike" cap="none" normalizeH="0" baseline="0" dirty="0" smtClean="0">
+                <a:ln>
+                  <a:noFill/>
+                </a:ln>
+                <a:solidFill>
+                  <a:schemeClr val="tx1"/>
+                </a:solidFill>
+                <a:effectLst/>
+                <a:latin typeface="Arial" panose="020B0604020202020204" pitchFamily="34" charset="0"/>
+                <a:ea typeface="Calibri" panose="020F0502020204030204" pitchFamily="34" charset="0"/>
+                <a:cs typeface="Arial" panose="020B0604020202020204" pitchFamily="34" charset="0"/>
+              </a:rPr>
+              <a:t>Ongoing</a:t>
+            </a:r>
+            <a:endParaRPr kumimoji="0" lang="en-US" altLang="en-US" sz="600" b="0" i="0" u="none" strike="noStrike" cap="none" normalizeH="0" baseline="0" dirty="0" smtClean="0">
+              <a:ln>
+                <a:noFill/>
+              </a:ln>
+              <a:solidFill>
+                <a:schemeClr val="tx1"/>
+              </a:solidFill>
+              <a:effectLst/>
+            </a:endParaRPr>
+          </a:p>
+          <a:p>
+            <a:pPr marL="0" marR="0" lvl="0" indent="0" algn="l" defTabSz="914400" rtl="0" eaLnBrk="0" fontAlgn="base" latinLnBrk="0" hangingPunct="0">
+              <a:lnSpc>
+                <a:spcPct val="100000"/>
+              </a:lnSpc>
+              <a:spcBef>
+                <a:spcPct val="0"/>
+              </a:spcBef>
+              <a:spcAft>
+                <a:spcPct val="0"/>
+              </a:spcAft>
+              <a:buClrTx/>
+              <a:buSzTx/>
+              <a:buFontTx/>
+              <a:buNone/>
+              <a:tabLst/>
+            </a:pPr>
+            <a:endParaRPr kumimoji="0" lang="en-US" altLang="en-US" sz="1100" b="1" i="0" u="none" strike="noStrike" cap="none" normalizeH="0" baseline="0" dirty="0" smtClean="0">
+              <a:ln>
+                <a:noFill/>
+              </a:ln>
+              <a:solidFill>
+                <a:schemeClr val="tx1"/>
+              </a:solidFill>
+              <a:effectLst/>
+              <a:latin typeface="Arial" panose="020B0604020202020204" pitchFamily="34" charset="0"/>
+              <a:ea typeface="Calibri" panose="020F0502020204030204" pitchFamily="34" charset="0"/>
+              <a:cs typeface="Arial" panose="020B0604020202020204" pitchFamily="34" charset="0"/>
+            </a:endParaRPr>
+          </a:p>
+          <a:p>
+            <a:pPr marL="0" marR="0" lvl="0" indent="0" algn="l" defTabSz="914400" rtl="0" eaLnBrk="0" fontAlgn="base" latinLnBrk="0" hangingPunct="0">
+              <a:lnSpc>
+                <a:spcPct val="100000"/>
+              </a:lnSpc>
+              <a:spcBef>
+                <a:spcPct val="0"/>
+              </a:spcBef>
+              <a:spcAft>
+                <a:spcPct val="0"/>
+              </a:spcAft>
+              <a:buClrTx/>
+              <a:buSzTx/>
+              <a:buFontTx/>
+              <a:buNone/>
+              <a:tabLst/>
+            </a:pPr>
+            <a:r>
+              <a:rPr kumimoji="0" lang="en-US" altLang="en-US" sz="1100" b="1" i="0" u="none" strike="noStrike" cap="none" normalizeH="0" baseline="0" dirty="0" smtClean="0">
+                <a:ln>
+                  <a:noFill/>
+                </a:ln>
+                <a:solidFill>
+                  <a:schemeClr val="tx1"/>
+                </a:solidFill>
+                <a:effectLst/>
+                <a:latin typeface="Arial" panose="020B0604020202020204" pitchFamily="34" charset="0"/>
+                <a:ea typeface="Calibri" panose="020F0502020204030204" pitchFamily="34" charset="0"/>
+                <a:cs typeface="Arial" panose="020B0604020202020204" pitchFamily="34" charset="0"/>
+              </a:rPr>
+              <a:t>Report Number	</a:t>
+            </a:r>
+            <a:r>
+              <a:rPr kumimoji="0" lang="en-US" altLang="en-US" sz="1100" b="0" i="0" u="none" strike="noStrike" cap="none" normalizeH="0" baseline="0" dirty="0" smtClean="0">
+                <a:ln>
+                  <a:noFill/>
+                </a:ln>
+                <a:solidFill>
+                  <a:schemeClr val="tx1"/>
+                </a:solidFill>
+                <a:effectLst/>
+                <a:latin typeface="Arial" panose="020B0604020202020204" pitchFamily="34" charset="0"/>
+                <a:ea typeface="Calibri" panose="020F0502020204030204" pitchFamily="34" charset="0"/>
+                <a:cs typeface="Arial" panose="020B0604020202020204" pitchFamily="34" charset="0"/>
+              </a:rPr>
+              <a:t>Example 345-872</a:t>
+            </a:r>
+            <a:endParaRPr kumimoji="0" lang="en-US" altLang="en-US" sz="600" b="0" i="0" u="none" strike="noStrike" cap="none" normalizeH="0" baseline="0" dirty="0" smtClean="0">
+              <a:ln>
+                <a:noFill/>
+              </a:ln>
+              <a:solidFill>
+                <a:schemeClr val="tx1"/>
+              </a:solidFill>
+              <a:effectLst/>
+            </a:endParaRPr>
+          </a:p>
+          <a:p>
+            <a:pPr marL="0" marR="0" lvl="0" indent="0" algn="l" defTabSz="914400" rtl="0" eaLnBrk="0" fontAlgn="base" latinLnBrk="0" hangingPunct="0">
+              <a:lnSpc>
+                <a:spcPct val="100000"/>
+              </a:lnSpc>
+              <a:spcBef>
+                <a:spcPct val="0"/>
+              </a:spcBef>
+              <a:spcAft>
+                <a:spcPct val="0"/>
+              </a:spcAft>
+              <a:buClrTx/>
+              <a:buSzTx/>
+              <a:buFontTx/>
+              <a:buNone/>
+              <a:tabLst/>
+            </a:pPr>
+            <a:endParaRPr kumimoji="0" lang="en-US" altLang="en-US" sz="1100" b="1" i="0" u="none" strike="noStrike" cap="none" normalizeH="0" baseline="0" dirty="0" smtClean="0">
+              <a:ln>
+                <a:noFill/>
+              </a:ln>
+              <a:solidFill>
+                <a:schemeClr val="tx1"/>
+              </a:solidFill>
+              <a:effectLst/>
+              <a:latin typeface="Arial" panose="020B0604020202020204" pitchFamily="34" charset="0"/>
+              <a:ea typeface="Calibri" panose="020F0502020204030204" pitchFamily="34" charset="0"/>
+              <a:cs typeface="Arial" panose="020B0604020202020204" pitchFamily="34" charset="0"/>
+            </a:endParaRPr>
+          </a:p>
+          <a:p>
+            <a:pPr marL="0" marR="0" lvl="0" indent="0" algn="l" defTabSz="914400" rtl="0" eaLnBrk="0" fontAlgn="base" latinLnBrk="0" hangingPunct="0">
+              <a:lnSpc>
+                <a:spcPct val="100000"/>
+              </a:lnSpc>
+              <a:spcBef>
+                <a:spcPct val="0"/>
+              </a:spcBef>
+              <a:spcAft>
+                <a:spcPct val="0"/>
+              </a:spcAft>
+              <a:buClrTx/>
+              <a:buSzTx/>
+              <a:buFontTx/>
+              <a:buNone/>
+              <a:tabLst/>
+            </a:pPr>
+            <a:r>
+              <a:rPr kumimoji="0" lang="en-US" altLang="en-US" sz="1100" b="1" i="0" u="none" strike="noStrike" cap="none" normalizeH="0" baseline="0" dirty="0" smtClean="0">
+                <a:ln>
+                  <a:noFill/>
+                </a:ln>
+                <a:solidFill>
+                  <a:schemeClr val="tx1"/>
+                </a:solidFill>
+                <a:effectLst/>
+                <a:latin typeface="Arial" panose="020B0604020202020204" pitchFamily="34" charset="0"/>
+                <a:ea typeface="Calibri" panose="020F0502020204030204" pitchFamily="34" charset="0"/>
+                <a:cs typeface="Arial" panose="020B0604020202020204" pitchFamily="34" charset="0"/>
+              </a:rPr>
+              <a:t>Report Date		</a:t>
+            </a:r>
+            <a:r>
+              <a:rPr kumimoji="0" lang="en-US" altLang="en-US" sz="1100" b="0" i="0" u="none" strike="noStrike" cap="none" normalizeH="0" baseline="0" dirty="0" smtClean="0">
+                <a:ln>
+                  <a:noFill/>
+                </a:ln>
+                <a:solidFill>
+                  <a:schemeClr val="tx1"/>
+                </a:solidFill>
+                <a:effectLst/>
+                <a:latin typeface="Arial" panose="020B0604020202020204" pitchFamily="34" charset="0"/>
+                <a:ea typeface="Calibri" panose="020F0502020204030204" pitchFamily="34" charset="0"/>
+                <a:cs typeface="Arial" panose="020B0604020202020204" pitchFamily="34" charset="0"/>
+              </a:rPr>
+              <a:t>2015-01-12</a:t>
+            </a:r>
+            <a:endParaRPr kumimoji="0" lang="en-US" altLang="en-US" sz="600" b="0" i="0" u="none" strike="noStrike" cap="none" normalizeH="0" baseline="0" dirty="0" smtClean="0">
+              <a:ln>
+                <a:noFill/>
+              </a:ln>
+              <a:solidFill>
+                <a:schemeClr val="tx1"/>
+              </a:solidFill>
+              <a:effectLst/>
+            </a:endParaRPr>
           </a:p>
         </p:txBody>
       </p:sp>
+      <p:pic>
+        <p:nvPicPr>
+          <p:cNvPr id="85" name="Picture 84"/>
+          <p:cNvPicPr/>
+          <p:nvPr/>
+        </p:nvPicPr>
+        <p:blipFill rotWithShape="1">
+          <a:blip r:embed="rId4" cstate="print">
+            <a:extLst>
+              <a:ext uri="{28A0092B-C50C-407E-A947-70E740481C1C}">
+                <a14:useLocalDpi xmlns:a14="http://schemas.microsoft.com/office/drawing/2010/main" val="0"/>
+              </a:ext>
+            </a:extLst>
+          </a:blip>
+          <a:srcRect l="8221" r="15730"/>
+          <a:stretch/>
+        </p:blipFill>
+        <p:spPr bwMode="auto">
+          <a:xfrm>
+            <a:off x="2350452" y="2692790"/>
+            <a:ext cx="589280" cy="643072"/>
+          </a:xfrm>
+          <a:prstGeom prst="rect">
+            <a:avLst/>
+          </a:prstGeom>
+          <a:solidFill>
+            <a:srgbClr val="FFFFFF">
+              <a:shade val="85000"/>
+            </a:srgbClr>
+          </a:solidFill>
+          <a:ln w="88900" cap="sq">
+            <a:solidFill>
+              <a:srgbClr val="FFFFFF"/>
+            </a:solidFill>
+            <a:miter lim="800000"/>
+          </a:ln>
+          <a:effectLst>
+            <a:outerShdw blurRad="55000" dist="18000" dir="5400000" algn="tl" rotWithShape="0">
+              <a:srgbClr val="000000">
+                <a:alpha val="40000"/>
+              </a:srgbClr>
+            </a:outerShdw>
+          </a:effectLst>
+          <a:scene3d>
+            <a:camera prst="orthographicFront"/>
+            <a:lightRig rig="twoPt" dir="t">
+              <a:rot lat="0" lon="0" rev="7200000"/>
+            </a:lightRig>
+          </a:scene3d>
+          <a:sp3d>
+            <a:bevelT w="25400" h="19050"/>
+            <a:contourClr>
+              <a:srgbClr val="FFFFFF"/>
+            </a:contourClr>
+          </a:sp3d>
+          <a:extLst>
+            <a:ext uri="{53640926-AAD7-44D8-BBD7-CCE9431645EC}">
+              <a14:shadowObscured xmlns:a14="http://schemas.microsoft.com/office/drawing/2010/main"/>
+            </a:ext>
+          </a:extLst>
+        </p:spPr>
+      </p:pic>
     </p:spTree>
     <p:extLst>
       <p:ext uri="{BB962C8B-B14F-4D97-AF65-F5344CB8AC3E}">
@@ -9694,6 +9884,1308 @@
 </file>
 
 <file path=ppt/slides/slide6.xml><?xml version="1.0" encoding="utf-8"?>
+<p:sld xmlns:a="http://schemas.openxmlformats.org/drawingml/2006/main" xmlns:r="http://schemas.openxmlformats.org/officeDocument/2006/relationships" xmlns:p="http://schemas.openxmlformats.org/presentationml/2006/main">
+  <p:cSld>
+    <p:spTree>
+      <p:nvGrpSpPr>
+        <p:cNvPr id="1" name=""/>
+        <p:cNvGrpSpPr/>
+        <p:nvPr/>
+      </p:nvGrpSpPr>
+      <p:grpSpPr>
+        <a:xfrm>
+          <a:off x="0" y="0"/>
+          <a:ext cx="0" cy="0"/>
+          <a:chOff x="0" y="0"/>
+          <a:chExt cx="0" cy="0"/>
+        </a:xfrm>
+      </p:grpSpPr>
+      <p:sp>
+        <p:nvSpPr>
+          <p:cNvPr id="9" name="Rectangle 8"/>
+          <p:cNvSpPr/>
+          <p:nvPr/>
+        </p:nvSpPr>
+        <p:spPr bwMode="auto">
+          <a:xfrm>
+            <a:off x="1981200" y="1266330"/>
+            <a:ext cx="3962400" cy="4615900"/>
+          </a:xfrm>
+          <a:prstGeom prst="rect">
+            <a:avLst/>
+          </a:prstGeom>
+          <a:solidFill>
+            <a:schemeClr val="bg1"/>
+          </a:solidFill>
+          <a:ln w="9525" cap="flat" cmpd="sng" algn="ctr">
+            <a:solidFill>
+              <a:schemeClr val="tx1"/>
+            </a:solidFill>
+            <a:prstDash val="solid"/>
+            <a:round/>
+            <a:headEnd type="none" w="med" len="med"/>
+            <a:tailEnd type="none" w="med" len="med"/>
+          </a:ln>
+          <a:effectLst/>
+        </p:spPr>
+        <p:txBody>
+          <a:bodyPr vert="horz" wrap="square" lIns="91440" tIns="45720" rIns="91440" bIns="45720" numCol="1" rtlCol="0" anchor="t" anchorCtr="0" compatLnSpc="1">
+            <a:prstTxWarp prst="textNoShape">
+              <a:avLst/>
+            </a:prstTxWarp>
+          </a:bodyPr>
+          <a:lstStyle/>
+          <a:p>
+            <a:pPr marL="0" marR="0" indent="0" algn="l" defTabSz="914400" rtl="0" eaLnBrk="0" fontAlgn="base" latinLnBrk="0" hangingPunct="0">
+              <a:lnSpc>
+                <a:spcPct val="100000"/>
+              </a:lnSpc>
+              <a:spcBef>
+                <a:spcPct val="0"/>
+              </a:spcBef>
+              <a:spcAft>
+                <a:spcPct val="0"/>
+              </a:spcAft>
+              <a:buClrTx/>
+              <a:buSzTx/>
+              <a:buFontTx/>
+              <a:buNone/>
+              <a:tabLst/>
+            </a:pPr>
+            <a:endParaRPr kumimoji="0" lang="en-US" sz="2400" b="0" i="0" u="none" strike="noStrike" cap="none" normalizeH="0" baseline="0" dirty="0" smtClean="0">
+              <a:ln>
+                <a:noFill/>
+              </a:ln>
+              <a:solidFill>
+                <a:schemeClr val="tx1"/>
+              </a:solidFill>
+              <a:effectLst/>
+              <a:latin typeface="Arial" charset="0"/>
+              <a:ea typeface="ＭＳ Ｐゴシック" pitchFamily="-60" charset="-128"/>
+            </a:endParaRPr>
+          </a:p>
+        </p:txBody>
+      </p:sp>
+      <p:sp>
+        <p:nvSpPr>
+          <p:cNvPr id="10" name="Rectangle 5"/>
+          <p:cNvSpPr>
+            <a:spLocks noChangeArrowheads="1"/>
+          </p:cNvSpPr>
+          <p:nvPr/>
+        </p:nvSpPr>
+        <p:spPr bwMode="auto">
+          <a:xfrm>
+            <a:off x="2066925" y="1349122"/>
+            <a:ext cx="3657600" cy="1431161"/>
+          </a:xfrm>
+          <a:prstGeom prst="rect">
+            <a:avLst/>
+          </a:prstGeom>
+          <a:noFill/>
+          <a:ln>
+            <a:noFill/>
+          </a:ln>
+          <a:effectLst/>
+          <a:extLst>
+            <a:ext uri="{909E8E84-426E-40DD-AFC4-6F175D3DCCD1}">
+              <a14:hiddenFill xmlns:a14="http://schemas.microsoft.com/office/drawing/2010/main">
+                <a:solidFill>
+                  <a:schemeClr val="accent1"/>
+                </a:solidFill>
+              </a14:hiddenFill>
+            </a:ext>
+            <a:ext uri="{91240B29-F687-4F45-9708-019B960494DF}">
+              <a14:hiddenLine xmlns:a14="http://schemas.microsoft.com/office/drawing/2010/main" w="9525">
+                <a:solidFill>
+                  <a:schemeClr val="tx1"/>
+                </a:solidFill>
+                <a:miter lim="800000"/>
+                <a:headEnd/>
+                <a:tailEnd/>
+              </a14:hiddenLine>
+            </a:ext>
+            <a:ext uri="{AF507438-7753-43E0-B8FC-AC1667EBCBE1}">
+              <a14:hiddenEffects xmlns:a14="http://schemas.microsoft.com/office/drawing/2010/main">
+                <a:effectLst>
+                  <a:outerShdw dist="35921" dir="2700000" algn="ctr" rotWithShape="0">
+                    <a:schemeClr val="bg2"/>
+                  </a:outerShdw>
+                </a:effectLst>
+              </a14:hiddenEffects>
+            </a:ext>
+          </a:extLst>
+        </p:spPr>
+        <p:txBody>
+          <a:bodyPr vert="horz" wrap="square" lIns="91440" tIns="45720" rIns="91440" bIns="45720" numCol="1" anchor="ctr" anchorCtr="0" compatLnSpc="1">
+            <a:prstTxWarp prst="textNoShape">
+              <a:avLst/>
+            </a:prstTxWarp>
+            <a:spAutoFit/>
+          </a:bodyPr>
+          <a:lstStyle/>
+          <a:p>
+            <a:pPr marL="0" marR="0" lvl="0" indent="0" algn="l" defTabSz="914400" rtl="0" eaLnBrk="0" fontAlgn="base" latinLnBrk="0" hangingPunct="0">
+              <a:lnSpc>
+                <a:spcPct val="100000"/>
+              </a:lnSpc>
+              <a:spcBef>
+                <a:spcPct val="0"/>
+              </a:spcBef>
+              <a:spcAft>
+                <a:spcPct val="0"/>
+              </a:spcAft>
+              <a:buClrTx/>
+              <a:buSzTx/>
+              <a:buFontTx/>
+              <a:buNone/>
+              <a:tabLst/>
+            </a:pPr>
+            <a:r>
+              <a:rPr kumimoji="0" lang="en-US" altLang="en-US" sz="1200" b="1" i="0" u="none" strike="noStrike" cap="none" normalizeH="0" baseline="0" dirty="0" smtClean="0">
+                <a:ln>
+                  <a:noFill/>
+                </a:ln>
+                <a:solidFill>
+                  <a:schemeClr val="tx1"/>
+                </a:solidFill>
+                <a:effectLst/>
+                <a:latin typeface="Arial" panose="020B0604020202020204" pitchFamily="34" charset="0"/>
+                <a:ea typeface="Calibri" panose="020F0502020204030204" pitchFamily="34" charset="0"/>
+                <a:cs typeface="Arial" panose="020B0604020202020204" pitchFamily="34" charset="0"/>
+              </a:rPr>
+              <a:t>Production Description Short Name </a:t>
+            </a:r>
+            <a:r>
+              <a:rPr kumimoji="0" lang="en-US" altLang="en-US" sz="1100" b="1" i="0" u="none" strike="noStrike" cap="none" normalizeH="0" baseline="0" dirty="0" smtClean="0">
+                <a:ln>
+                  <a:noFill/>
+                </a:ln>
+                <a:solidFill>
+                  <a:schemeClr val="tx1"/>
+                </a:solidFill>
+                <a:effectLst/>
+                <a:latin typeface="Arial" panose="020B0604020202020204" pitchFamily="34" charset="0"/>
+                <a:ea typeface="Calibri" panose="020F0502020204030204" pitchFamily="34" charset="0"/>
+                <a:cs typeface="Arial" panose="020B0604020202020204" pitchFamily="34" charset="0"/>
+              </a:rPr>
+              <a:t>(This is bold and slightly larger than other text. There</a:t>
+            </a:r>
+            <a:r>
+              <a:rPr kumimoji="0" lang="en-US" altLang="en-US" sz="1100" b="1" i="0" u="none" strike="noStrike" cap="none" normalizeH="0" baseline="0" dirty="0" smtClean="0">
+                <a:ln>
+                  <a:noFill/>
+                </a:ln>
+                <a:solidFill>
+                  <a:schemeClr val="tx1"/>
+                </a:solidFill>
+                <a:effectLst/>
+                <a:latin typeface="Calibri" panose="020F0502020204030204" pitchFamily="34" charset="0"/>
+                <a:ea typeface="Calibri" panose="020F0502020204030204" pitchFamily="34" charset="0"/>
+                <a:cs typeface="Arial" panose="020B0604020202020204" pitchFamily="34" charset="0"/>
+              </a:rPr>
+              <a:t>’</a:t>
+            </a:r>
+            <a:r>
+              <a:rPr kumimoji="0" lang="en-US" altLang="en-US" sz="1100" b="1" i="0" u="none" strike="noStrike" cap="none" normalizeH="0" baseline="0" dirty="0" smtClean="0">
+                <a:ln>
+                  <a:noFill/>
+                </a:ln>
+                <a:solidFill>
+                  <a:schemeClr val="tx1"/>
+                </a:solidFill>
+                <a:effectLst/>
+                <a:latin typeface="Arial" panose="020B0604020202020204" pitchFamily="34" charset="0"/>
+                <a:ea typeface="Calibri" panose="020F0502020204030204" pitchFamily="34" charset="0"/>
+                <a:cs typeface="Arial" panose="020B0604020202020204" pitchFamily="34" charset="0"/>
+              </a:rPr>
+              <a:t>s no label, it just is the title since it matches item from list)</a:t>
+            </a:r>
+            <a:endParaRPr kumimoji="0" lang="en-US" altLang="en-US" sz="1200" b="1" i="0" u="none" strike="noStrike" cap="none" normalizeH="0" baseline="0" dirty="0" smtClean="0">
+              <a:ln>
+                <a:noFill/>
+              </a:ln>
+              <a:solidFill>
+                <a:schemeClr val="tx1"/>
+              </a:solidFill>
+              <a:effectLst/>
+              <a:latin typeface="Arial" panose="020B0604020202020204" pitchFamily="34" charset="0"/>
+              <a:ea typeface="Calibri" panose="020F0502020204030204" pitchFamily="34" charset="0"/>
+              <a:cs typeface="Arial" panose="020B0604020202020204" pitchFamily="34" charset="0"/>
+            </a:endParaRPr>
+          </a:p>
+          <a:p>
+            <a:pPr marL="0" marR="0" lvl="0" indent="0" algn="l" defTabSz="914400" rtl="0" eaLnBrk="0" fontAlgn="base" latinLnBrk="0" hangingPunct="0">
+              <a:lnSpc>
+                <a:spcPct val="100000"/>
+              </a:lnSpc>
+              <a:spcBef>
+                <a:spcPct val="0"/>
+              </a:spcBef>
+              <a:spcAft>
+                <a:spcPct val="0"/>
+              </a:spcAft>
+              <a:buClrTx/>
+              <a:buSzTx/>
+              <a:buFontTx/>
+              <a:buNone/>
+              <a:tabLst/>
+            </a:pPr>
+            <a:endParaRPr kumimoji="0" lang="en-US" altLang="en-US" sz="600" b="0" i="0" u="none" strike="noStrike" cap="none" normalizeH="0" baseline="0" dirty="0" smtClean="0">
+              <a:ln>
+                <a:noFill/>
+              </a:ln>
+              <a:solidFill>
+                <a:schemeClr val="tx1"/>
+              </a:solidFill>
+              <a:effectLst/>
+            </a:endParaRPr>
+          </a:p>
+          <a:p>
+            <a:pPr marL="0" marR="0" lvl="0" indent="0" algn="l" defTabSz="914400" rtl="0" eaLnBrk="0" fontAlgn="base" latinLnBrk="0" hangingPunct="0">
+              <a:lnSpc>
+                <a:spcPct val="100000"/>
+              </a:lnSpc>
+              <a:spcBef>
+                <a:spcPct val="0"/>
+              </a:spcBef>
+              <a:spcAft>
+                <a:spcPct val="0"/>
+              </a:spcAft>
+              <a:buClrTx/>
+              <a:buSzTx/>
+              <a:buFontTx/>
+              <a:buNone/>
+              <a:tabLst/>
+            </a:pPr>
+            <a:r>
+              <a:rPr kumimoji="0" lang="en-US" altLang="en-US" sz="1100" b="1" i="0" u="none" strike="noStrike" cap="none" normalizeH="0" baseline="0" dirty="0" smtClean="0">
+                <a:ln>
+                  <a:noFill/>
+                </a:ln>
+                <a:solidFill>
+                  <a:schemeClr val="tx1"/>
+                </a:solidFill>
+                <a:effectLst/>
+                <a:latin typeface="Arial" panose="020B0604020202020204" pitchFamily="34" charset="0"/>
+                <a:ea typeface="Calibri" panose="020F0502020204030204" pitchFamily="34" charset="0"/>
+                <a:cs typeface="Arial" panose="020B0604020202020204" pitchFamily="34" charset="0"/>
+              </a:rPr>
+              <a:t>Related Image (from </a:t>
+            </a:r>
+            <a:r>
+              <a:rPr kumimoji="0" lang="en-US" altLang="en-US" sz="1100" b="1" i="0" u="none" strike="noStrike" cap="none" normalizeH="0" baseline="0" dirty="0" err="1" smtClean="0">
+                <a:ln>
+                  <a:noFill/>
+                </a:ln>
+                <a:solidFill>
+                  <a:schemeClr val="tx1"/>
+                </a:solidFill>
+                <a:effectLst/>
+                <a:latin typeface="Arial" panose="020B0604020202020204" pitchFamily="34" charset="0"/>
+                <a:ea typeface="Calibri" panose="020F0502020204030204" pitchFamily="34" charset="0"/>
+                <a:cs typeface="Arial" panose="020B0604020202020204" pitchFamily="34" charset="0"/>
+              </a:rPr>
+              <a:t>RXxxxx</a:t>
+            </a:r>
+            <a:r>
+              <a:rPr kumimoji="0" lang="en-US" altLang="en-US" sz="1100" b="1" i="0" u="none" strike="noStrike" cap="none" normalizeH="0" baseline="0" dirty="0" smtClean="0">
+                <a:ln>
+                  <a:noFill/>
+                </a:ln>
+                <a:solidFill>
+                  <a:schemeClr val="tx1"/>
+                </a:solidFill>
+                <a:effectLst/>
+                <a:latin typeface="Arial" panose="020B0604020202020204" pitchFamily="34" charset="0"/>
+                <a:ea typeface="Calibri" panose="020F0502020204030204" pitchFamily="34" charset="0"/>
+                <a:cs typeface="Arial" panose="020B0604020202020204" pitchFamily="34" charset="0"/>
+              </a:rPr>
+              <a:t>)</a:t>
+            </a:r>
+            <a:r>
+              <a:rPr kumimoji="0" lang="en-US" altLang="en-US" sz="1100" b="0" i="1" u="none" strike="noStrike" cap="none" normalizeH="0" baseline="0" dirty="0" smtClean="0">
+                <a:ln>
+                  <a:noFill/>
+                </a:ln>
+                <a:solidFill>
+                  <a:schemeClr val="tx1"/>
+                </a:solidFill>
+                <a:effectLst/>
+                <a:latin typeface="Arial" panose="020B0604020202020204" pitchFamily="34" charset="0"/>
+                <a:ea typeface="Calibri" panose="020F0502020204030204" pitchFamily="34" charset="0"/>
+                <a:cs typeface="Arial" panose="020B0604020202020204" pitchFamily="34" charset="0"/>
+              </a:rPr>
+              <a:t> </a:t>
+            </a:r>
+            <a:r>
+              <a:rPr kumimoji="0" lang="en-US" altLang="en-US" sz="900" b="0" i="1" u="none" strike="noStrike" cap="none" normalizeH="0" baseline="0" dirty="0" smtClean="0">
+                <a:ln>
+                  <a:noFill/>
+                </a:ln>
+                <a:solidFill>
+                  <a:schemeClr val="tx1"/>
+                </a:solidFill>
+                <a:effectLst/>
+                <a:latin typeface="Arial" panose="020B0604020202020204" pitchFamily="34" charset="0"/>
+                <a:ea typeface="Calibri" panose="020F0502020204030204" pitchFamily="34" charset="0"/>
+                <a:cs typeface="Arial" panose="020B0604020202020204" pitchFamily="34" charset="0"/>
+              </a:rPr>
+              <a:t>[I</a:t>
+            </a:r>
+            <a:r>
+              <a:rPr kumimoji="0" lang="en-US" altLang="en-US" sz="900" b="0" i="1" u="none" strike="noStrike" cap="none" normalizeH="0" baseline="0" dirty="0" smtClean="0">
+                <a:ln>
+                  <a:noFill/>
+                </a:ln>
+                <a:solidFill>
+                  <a:schemeClr val="tx1"/>
+                </a:solidFill>
+                <a:effectLst/>
+                <a:latin typeface="Calibri" panose="020F0502020204030204" pitchFamily="34" charset="0"/>
+                <a:ea typeface="Calibri" panose="020F0502020204030204" pitchFamily="34" charset="0"/>
+                <a:cs typeface="Arial" panose="020B0604020202020204" pitchFamily="34" charset="0"/>
+              </a:rPr>
+              <a:t>’</a:t>
+            </a:r>
+            <a:r>
+              <a:rPr kumimoji="0" lang="en-US" altLang="en-US" sz="900" b="0" i="1" u="none" strike="noStrike" cap="none" normalizeH="0" baseline="0" dirty="0" smtClean="0">
+                <a:ln>
+                  <a:noFill/>
+                </a:ln>
+                <a:solidFill>
+                  <a:schemeClr val="tx1"/>
+                </a:solidFill>
+                <a:effectLst/>
+                <a:latin typeface="Arial" panose="020B0604020202020204" pitchFamily="34" charset="0"/>
+                <a:ea typeface="Calibri" panose="020F0502020204030204" pitchFamily="34" charset="0"/>
+                <a:cs typeface="Arial" panose="020B0604020202020204" pitchFamily="34" charset="0"/>
+              </a:rPr>
+              <a:t>m recommending we put the name of the site] [Can we </a:t>
+            </a:r>
+            <a:r>
+              <a:rPr kumimoji="0" lang="en-US" altLang="en-US" sz="900" b="0" i="1" u="none" strike="noStrike" cap="none" normalizeH="0" baseline="0" dirty="0" smtClean="0">
+                <a:ln>
+                  <a:noFill/>
+                </a:ln>
+                <a:solidFill>
+                  <a:schemeClr val="tx1"/>
+                </a:solidFill>
+                <a:effectLst/>
+                <a:latin typeface="Calibri" panose="020F0502020204030204" pitchFamily="34" charset="0"/>
+                <a:ea typeface="Calibri" panose="020F0502020204030204" pitchFamily="34" charset="0"/>
+                <a:cs typeface="Arial" panose="020B0604020202020204" pitchFamily="34" charset="0"/>
+              </a:rPr>
+              <a:t>“</a:t>
+            </a:r>
+            <a:r>
+              <a:rPr kumimoji="0" lang="en-US" altLang="en-US" sz="900" b="0" i="1" u="none" strike="noStrike" cap="none" normalizeH="0" baseline="0" dirty="0" smtClean="0">
+                <a:ln>
+                  <a:noFill/>
+                </a:ln>
+                <a:solidFill>
+                  <a:schemeClr val="tx1"/>
+                </a:solidFill>
+                <a:effectLst/>
+                <a:latin typeface="Arial" panose="020B0604020202020204" pitchFamily="34" charset="0"/>
+                <a:ea typeface="Calibri" panose="020F0502020204030204" pitchFamily="34" charset="0"/>
+                <a:cs typeface="Arial" panose="020B0604020202020204" pitchFamily="34" charset="0"/>
+              </a:rPr>
+              <a:t>size</a:t>
+            </a:r>
+            <a:r>
+              <a:rPr kumimoji="0" lang="en-US" altLang="en-US" sz="900" b="0" i="1" u="none" strike="noStrike" cap="none" normalizeH="0" baseline="0" dirty="0" smtClean="0">
+                <a:ln>
+                  <a:noFill/>
+                </a:ln>
+                <a:solidFill>
+                  <a:schemeClr val="tx1"/>
+                </a:solidFill>
+                <a:effectLst/>
+                <a:latin typeface="Calibri" panose="020F0502020204030204" pitchFamily="34" charset="0"/>
+                <a:ea typeface="Calibri" panose="020F0502020204030204" pitchFamily="34" charset="0"/>
+                <a:cs typeface="Arial" panose="020B0604020202020204" pitchFamily="34" charset="0"/>
+              </a:rPr>
+              <a:t>”</a:t>
+            </a:r>
+            <a:r>
+              <a:rPr kumimoji="0" lang="en-US" altLang="en-US" sz="900" b="0" i="1" u="none" strike="noStrike" cap="none" normalizeH="0" baseline="0" dirty="0" smtClean="0">
+                <a:ln>
+                  <a:noFill/>
+                </a:ln>
+                <a:solidFill>
+                  <a:schemeClr val="tx1"/>
+                </a:solidFill>
+                <a:effectLst/>
+                <a:latin typeface="Arial" panose="020B0604020202020204" pitchFamily="34" charset="0"/>
+                <a:ea typeface="Calibri" panose="020F0502020204030204" pitchFamily="34" charset="0"/>
+                <a:cs typeface="Arial" panose="020B0604020202020204" pitchFamily="34" charset="0"/>
+              </a:rPr>
+              <a:t> the image? It</a:t>
+            </a:r>
+            <a:r>
+              <a:rPr kumimoji="0" lang="en-US" altLang="en-US" sz="900" b="0" i="1" u="none" strike="noStrike" cap="none" normalizeH="0" baseline="0" dirty="0" smtClean="0">
+                <a:ln>
+                  <a:noFill/>
+                </a:ln>
+                <a:solidFill>
+                  <a:schemeClr val="tx1"/>
+                </a:solidFill>
+                <a:effectLst/>
+                <a:latin typeface="Calibri" panose="020F0502020204030204" pitchFamily="34" charset="0"/>
+                <a:ea typeface="Calibri" panose="020F0502020204030204" pitchFamily="34" charset="0"/>
+                <a:cs typeface="Arial" panose="020B0604020202020204" pitchFamily="34" charset="0"/>
+              </a:rPr>
+              <a:t>’</a:t>
+            </a:r>
+            <a:r>
+              <a:rPr kumimoji="0" lang="en-US" altLang="en-US" sz="900" b="0" i="1" u="none" strike="noStrike" cap="none" normalizeH="0" baseline="0" dirty="0" smtClean="0">
+                <a:ln>
+                  <a:noFill/>
+                </a:ln>
+                <a:solidFill>
+                  <a:schemeClr val="tx1"/>
+                </a:solidFill>
+                <a:effectLst/>
+                <a:latin typeface="Arial" panose="020B0604020202020204" pitchFamily="34" charset="0"/>
+                <a:ea typeface="Calibri" panose="020F0502020204030204" pitchFamily="34" charset="0"/>
+                <a:cs typeface="Arial" panose="020B0604020202020204" pitchFamily="34" charset="0"/>
+              </a:rPr>
+              <a:t>ll just be the image of the first drug number list.]</a:t>
+            </a:r>
+            <a:endParaRPr kumimoji="0" lang="en-US" altLang="en-US" sz="900" b="0" i="0" u="none" strike="noStrike" cap="none" normalizeH="0" baseline="0" dirty="0" smtClean="0">
+              <a:ln>
+                <a:noFill/>
+              </a:ln>
+              <a:solidFill>
+                <a:schemeClr val="tx1"/>
+              </a:solidFill>
+              <a:effectLst/>
+            </a:endParaRPr>
+          </a:p>
+          <a:p>
+            <a:pPr marL="0" marR="0" lvl="0" indent="0" algn="l" defTabSz="914400" rtl="0" eaLnBrk="0" fontAlgn="base" latinLnBrk="0" hangingPunct="0">
+              <a:lnSpc>
+                <a:spcPct val="100000"/>
+              </a:lnSpc>
+              <a:spcBef>
+                <a:spcPct val="0"/>
+              </a:spcBef>
+              <a:spcAft>
+                <a:spcPct val="0"/>
+              </a:spcAft>
+              <a:buClrTx/>
+              <a:buSzTx/>
+              <a:buFontTx/>
+              <a:buNone/>
+              <a:tabLst/>
+            </a:pPr>
+            <a:endParaRPr kumimoji="0" lang="en-US" altLang="en-US" sz="1800" b="0" i="0" u="none" strike="noStrike" cap="none" normalizeH="0" baseline="0" dirty="0" smtClean="0">
+              <a:ln>
+                <a:noFill/>
+              </a:ln>
+              <a:solidFill>
+                <a:schemeClr val="tx1"/>
+              </a:solidFill>
+              <a:effectLst/>
+              <a:latin typeface="Arial" panose="020B0604020202020204" pitchFamily="34" charset="0"/>
+            </a:endParaRPr>
+          </a:p>
+        </p:txBody>
+      </p:sp>
+      <p:sp>
+        <p:nvSpPr>
+          <p:cNvPr id="11" name="Rectangle 10"/>
+          <p:cNvSpPr>
+            <a:spLocks noChangeArrowheads="1"/>
+          </p:cNvSpPr>
+          <p:nvPr/>
+        </p:nvSpPr>
+        <p:spPr bwMode="auto">
+          <a:xfrm>
+            <a:off x="2084411" y="3235351"/>
+            <a:ext cx="3755977" cy="2646878"/>
+          </a:xfrm>
+          <a:prstGeom prst="rect">
+            <a:avLst/>
+          </a:prstGeom>
+          <a:noFill/>
+          <a:ln>
+            <a:noFill/>
+          </a:ln>
+          <a:effectLst/>
+          <a:extLst>
+            <a:ext uri="{909E8E84-426E-40DD-AFC4-6F175D3DCCD1}">
+              <a14:hiddenFill xmlns:a14="http://schemas.microsoft.com/office/drawing/2010/main">
+                <a:solidFill>
+                  <a:schemeClr val="accent1"/>
+                </a:solidFill>
+              </a14:hiddenFill>
+            </a:ext>
+            <a:ext uri="{91240B29-F687-4F45-9708-019B960494DF}">
+              <a14:hiddenLine xmlns:a14="http://schemas.microsoft.com/office/drawing/2010/main" w="9525">
+                <a:solidFill>
+                  <a:schemeClr val="tx1"/>
+                </a:solidFill>
+                <a:miter lim="800000"/>
+                <a:headEnd/>
+                <a:tailEnd/>
+              </a14:hiddenLine>
+            </a:ext>
+            <a:ext uri="{AF507438-7753-43E0-B8FC-AC1667EBCBE1}">
+              <a14:hiddenEffects xmlns:a14="http://schemas.microsoft.com/office/drawing/2010/main">
+                <a:effectLst>
+                  <a:outerShdw dist="35921" dir="2700000" algn="ctr" rotWithShape="0">
+                    <a:schemeClr val="bg2"/>
+                  </a:outerShdw>
+                </a:effectLst>
+              </a14:hiddenEffects>
+            </a:ext>
+          </a:extLst>
+        </p:spPr>
+        <p:txBody>
+          <a:bodyPr vert="horz" wrap="square" lIns="91440" tIns="45720" rIns="91440" bIns="45720" numCol="1" anchor="ctr" anchorCtr="0" compatLnSpc="1">
+            <a:prstTxWarp prst="textNoShape">
+              <a:avLst/>
+            </a:prstTxWarp>
+            <a:spAutoFit/>
+          </a:bodyPr>
+          <a:lstStyle/>
+          <a:p>
+            <a:pPr marL="0" marR="0" lvl="0" indent="0" algn="l" defTabSz="914400" rtl="0" eaLnBrk="0" fontAlgn="base" latinLnBrk="0" hangingPunct="0">
+              <a:lnSpc>
+                <a:spcPct val="100000"/>
+              </a:lnSpc>
+              <a:spcBef>
+                <a:spcPct val="0"/>
+              </a:spcBef>
+              <a:spcAft>
+                <a:spcPct val="0"/>
+              </a:spcAft>
+              <a:buClrTx/>
+              <a:buSzTx/>
+              <a:buFontTx/>
+              <a:buNone/>
+              <a:tabLst/>
+            </a:pPr>
+            <a:r>
+              <a:rPr kumimoji="0" lang="en-US" altLang="en-US" sz="1100" b="1" i="0" u="none" strike="noStrike" cap="none" normalizeH="0" baseline="0" dirty="0" smtClean="0">
+                <a:ln>
+                  <a:noFill/>
+                </a:ln>
+                <a:solidFill>
+                  <a:schemeClr val="tx1"/>
+                </a:solidFill>
+                <a:effectLst/>
+                <a:latin typeface="Arial" panose="020B0604020202020204" pitchFamily="34" charset="0"/>
+                <a:ea typeface="Calibri" panose="020F0502020204030204" pitchFamily="34" charset="0"/>
+                <a:cs typeface="Arial" panose="020B0604020202020204" pitchFamily="34" charset="0"/>
+              </a:rPr>
+              <a:t>Product Description</a:t>
+            </a:r>
+            <a:endParaRPr kumimoji="0" lang="en-US" altLang="en-US" sz="600" b="0" i="0" u="none" strike="noStrike" cap="none" normalizeH="0" baseline="0" dirty="0" smtClean="0">
+              <a:ln>
+                <a:noFill/>
+              </a:ln>
+              <a:solidFill>
+                <a:schemeClr val="tx1"/>
+              </a:solidFill>
+              <a:effectLst/>
+            </a:endParaRPr>
+          </a:p>
+          <a:p>
+            <a:pPr eaLnBrk="0" fontAlgn="base" hangingPunct="0">
+              <a:spcBef>
+                <a:spcPct val="0"/>
+              </a:spcBef>
+              <a:spcAft>
+                <a:spcPct val="0"/>
+              </a:spcAft>
+            </a:pPr>
+            <a:r>
+              <a:rPr kumimoji="0" lang="en-US" altLang="en-US" sz="1100" b="0" i="0" u="none" strike="noStrike" cap="none" normalizeH="0" baseline="0" dirty="0" smtClean="0">
+                <a:ln>
+                  <a:noFill/>
+                </a:ln>
+                <a:solidFill>
+                  <a:schemeClr val="tx1"/>
+                </a:solidFill>
+                <a:effectLst/>
+                <a:latin typeface="Arial" panose="020B0604020202020204" pitchFamily="34" charset="0"/>
+                <a:ea typeface="Calibri" panose="020F0502020204030204" pitchFamily="34" charset="0"/>
+                <a:cs typeface="Arial" panose="020B0604020202020204" pitchFamily="34" charset="0"/>
+              </a:rPr>
+              <a:t>Full </a:t>
+            </a:r>
+            <a:r>
+              <a:rPr kumimoji="0" lang="en-US" altLang="en-US" sz="1100" b="0" i="0" u="none" strike="noStrike" cap="none" normalizeH="0" baseline="0" dirty="0" err="1" smtClean="0">
+                <a:ln>
+                  <a:noFill/>
+                </a:ln>
+                <a:solidFill>
+                  <a:schemeClr val="tx1"/>
+                </a:solidFill>
+                <a:effectLst/>
+                <a:latin typeface="Arial" panose="020B0604020202020204" pitchFamily="34" charset="0"/>
+                <a:ea typeface="Calibri" panose="020F0502020204030204" pitchFamily="34" charset="0"/>
+                <a:cs typeface="Arial" panose="020B0604020202020204" pitchFamily="34" charset="0"/>
+              </a:rPr>
+              <a:t>Description</a:t>
+            </a:r>
+            <a:r>
+              <a:rPr lang="en-US" altLang="en-US" sz="1100" dirty="0" err="1">
+                <a:latin typeface="Arial" panose="020B0604020202020204" pitchFamily="34" charset="0"/>
+                <a:ea typeface="Calibri" panose="020F0502020204030204" pitchFamily="34" charset="0"/>
+                <a:cs typeface="Arial" panose="020B0604020202020204" pitchFamily="34" charset="0"/>
+              </a:rPr>
+              <a:t>Text</a:t>
+            </a:r>
+            <a:r>
+              <a:rPr lang="en-US" altLang="en-US" sz="1100" dirty="0">
+                <a:latin typeface="Arial" panose="020B0604020202020204" pitchFamily="34" charset="0"/>
+                <a:ea typeface="Calibri" panose="020F0502020204030204" pitchFamily="34" charset="0"/>
+                <a:cs typeface="Arial" panose="020B0604020202020204" pitchFamily="34" charset="0"/>
+              </a:rPr>
+              <a:t> goes here</a:t>
+            </a:r>
+            <a:endParaRPr lang="en-US" altLang="en-US" sz="1100" dirty="0"/>
+          </a:p>
+          <a:p>
+            <a:pPr eaLnBrk="0" fontAlgn="base" hangingPunct="0">
+              <a:spcBef>
+                <a:spcPct val="0"/>
+              </a:spcBef>
+              <a:spcAft>
+                <a:spcPct val="0"/>
+              </a:spcAft>
+            </a:pPr>
+            <a:r>
+              <a:rPr lang="en-US" altLang="en-US" sz="1100" dirty="0">
+                <a:latin typeface="Arial" panose="020B0604020202020204" pitchFamily="34" charset="0"/>
+                <a:ea typeface="Calibri" panose="020F0502020204030204" pitchFamily="34" charset="0"/>
+                <a:cs typeface="Arial" panose="020B0604020202020204" pitchFamily="34" charset="0"/>
+              </a:rPr>
+              <a:t>Text goes here</a:t>
+            </a:r>
+            <a:endParaRPr lang="en-US" altLang="en-US" sz="1100" dirty="0"/>
+          </a:p>
+          <a:p>
+            <a:pPr eaLnBrk="0" fontAlgn="base" hangingPunct="0">
+              <a:spcBef>
+                <a:spcPct val="0"/>
+              </a:spcBef>
+              <a:spcAft>
+                <a:spcPct val="0"/>
+              </a:spcAft>
+            </a:pPr>
+            <a:r>
+              <a:rPr lang="en-US" altLang="en-US" sz="1100" dirty="0">
+                <a:latin typeface="Arial" panose="020B0604020202020204" pitchFamily="34" charset="0"/>
+                <a:ea typeface="Calibri" panose="020F0502020204030204" pitchFamily="34" charset="0"/>
+                <a:cs typeface="Arial" panose="020B0604020202020204" pitchFamily="34" charset="0"/>
+              </a:rPr>
+              <a:t>Text goes here</a:t>
+            </a:r>
+            <a:endParaRPr lang="en-US" altLang="en-US" sz="1100" dirty="0"/>
+          </a:p>
+          <a:p>
+            <a:pPr eaLnBrk="0" fontAlgn="base" hangingPunct="0">
+              <a:spcBef>
+                <a:spcPct val="0"/>
+              </a:spcBef>
+              <a:spcAft>
+                <a:spcPct val="0"/>
+              </a:spcAft>
+            </a:pPr>
+            <a:r>
+              <a:rPr lang="en-US" altLang="en-US" sz="1100" dirty="0">
+                <a:latin typeface="Arial" panose="020B0604020202020204" pitchFamily="34" charset="0"/>
+                <a:ea typeface="Calibri" panose="020F0502020204030204" pitchFamily="34" charset="0"/>
+                <a:cs typeface="Arial" panose="020B0604020202020204" pitchFamily="34" charset="0"/>
+              </a:rPr>
+              <a:t>Text goes here</a:t>
+            </a:r>
+            <a:endParaRPr lang="en-US" altLang="en-US" sz="1100" dirty="0"/>
+          </a:p>
+          <a:p>
+            <a:pPr marL="0" marR="0" lvl="0" indent="0" algn="l" defTabSz="914400" rtl="0" eaLnBrk="0" fontAlgn="base" latinLnBrk="0" hangingPunct="0">
+              <a:lnSpc>
+                <a:spcPct val="100000"/>
+              </a:lnSpc>
+              <a:spcBef>
+                <a:spcPct val="0"/>
+              </a:spcBef>
+              <a:spcAft>
+                <a:spcPct val="0"/>
+              </a:spcAft>
+              <a:buClrTx/>
+              <a:buSzTx/>
+              <a:buFontTx/>
+              <a:buNone/>
+              <a:tabLst/>
+            </a:pPr>
+            <a:endParaRPr kumimoji="0" lang="en-US" altLang="en-US" sz="600" b="0" i="0" u="none" strike="noStrike" cap="none" normalizeH="0" baseline="0" dirty="0" smtClean="0">
+              <a:ln>
+                <a:noFill/>
+              </a:ln>
+              <a:solidFill>
+                <a:schemeClr val="tx1"/>
+              </a:solidFill>
+              <a:effectLst/>
+            </a:endParaRPr>
+          </a:p>
+          <a:p>
+            <a:pPr marL="0" marR="0" lvl="0" indent="0" algn="l" defTabSz="914400" rtl="0" eaLnBrk="0" fontAlgn="base" latinLnBrk="0" hangingPunct="0">
+              <a:lnSpc>
+                <a:spcPct val="100000"/>
+              </a:lnSpc>
+              <a:spcBef>
+                <a:spcPct val="0"/>
+              </a:spcBef>
+              <a:spcAft>
+                <a:spcPct val="0"/>
+              </a:spcAft>
+              <a:buClrTx/>
+              <a:buSzTx/>
+              <a:buFontTx/>
+              <a:buNone/>
+              <a:tabLst/>
+            </a:pPr>
+            <a:r>
+              <a:rPr kumimoji="0" lang="en-US" altLang="en-US" sz="1100" b="1" i="0" u="none" strike="noStrike" cap="none" normalizeH="0" baseline="0" dirty="0" smtClean="0">
+                <a:ln>
+                  <a:noFill/>
+                </a:ln>
+                <a:solidFill>
+                  <a:schemeClr val="tx1"/>
+                </a:solidFill>
+                <a:effectLst/>
+                <a:latin typeface="Arial" panose="020B0604020202020204" pitchFamily="34" charset="0"/>
+                <a:ea typeface="Calibri" panose="020F0502020204030204" pitchFamily="34" charset="0"/>
+                <a:cs typeface="Arial" panose="020B0604020202020204" pitchFamily="34" charset="0"/>
+              </a:rPr>
+              <a:t>Reason for Recall</a:t>
+            </a:r>
+            <a:endParaRPr kumimoji="0" lang="en-US" altLang="en-US" sz="600" b="0" i="0" u="none" strike="noStrike" cap="none" normalizeH="0" baseline="0" dirty="0" smtClean="0">
+              <a:ln>
+                <a:noFill/>
+              </a:ln>
+              <a:solidFill>
+                <a:schemeClr val="tx1"/>
+              </a:solidFill>
+              <a:effectLst/>
+            </a:endParaRPr>
+          </a:p>
+          <a:p>
+            <a:pPr eaLnBrk="0" fontAlgn="base" hangingPunct="0">
+              <a:spcBef>
+                <a:spcPct val="0"/>
+              </a:spcBef>
+              <a:spcAft>
+                <a:spcPct val="0"/>
+              </a:spcAft>
+            </a:pPr>
+            <a:r>
+              <a:rPr kumimoji="0" lang="en-US" altLang="en-US" sz="1100" b="0" i="0" u="none" strike="noStrike" cap="none" normalizeH="0" baseline="0" dirty="0" smtClean="0">
+                <a:ln>
+                  <a:noFill/>
+                </a:ln>
+                <a:solidFill>
+                  <a:schemeClr val="tx1"/>
+                </a:solidFill>
+                <a:effectLst/>
+                <a:latin typeface="Arial" panose="020B0604020202020204" pitchFamily="34" charset="0"/>
+                <a:ea typeface="Calibri" panose="020F0502020204030204" pitchFamily="34" charset="0"/>
+                <a:cs typeface="Arial" panose="020B0604020202020204" pitchFamily="34" charset="0"/>
+              </a:rPr>
+              <a:t>Text goes </a:t>
+            </a:r>
+            <a:r>
+              <a:rPr kumimoji="0" lang="en-US" altLang="en-US" sz="1100" b="0" i="0" u="none" strike="noStrike" cap="none" normalizeH="0" baseline="0" dirty="0" err="1" smtClean="0">
+                <a:ln>
+                  <a:noFill/>
+                </a:ln>
+                <a:solidFill>
+                  <a:schemeClr val="tx1"/>
+                </a:solidFill>
+                <a:effectLst/>
+                <a:latin typeface="Arial" panose="020B0604020202020204" pitchFamily="34" charset="0"/>
+                <a:ea typeface="Calibri" panose="020F0502020204030204" pitchFamily="34" charset="0"/>
+                <a:cs typeface="Arial" panose="020B0604020202020204" pitchFamily="34" charset="0"/>
+              </a:rPr>
+              <a:t>here</a:t>
+            </a:r>
+            <a:r>
+              <a:rPr lang="en-US" altLang="en-US" sz="1100" dirty="0" err="1">
+                <a:latin typeface="Arial" panose="020B0604020202020204" pitchFamily="34" charset="0"/>
+                <a:ea typeface="Calibri" panose="020F0502020204030204" pitchFamily="34" charset="0"/>
+                <a:cs typeface="Arial" panose="020B0604020202020204" pitchFamily="34" charset="0"/>
+              </a:rPr>
+              <a:t>Text</a:t>
+            </a:r>
+            <a:r>
+              <a:rPr lang="en-US" altLang="en-US" sz="1100" dirty="0">
+                <a:latin typeface="Arial" panose="020B0604020202020204" pitchFamily="34" charset="0"/>
+                <a:ea typeface="Calibri" panose="020F0502020204030204" pitchFamily="34" charset="0"/>
+                <a:cs typeface="Arial" panose="020B0604020202020204" pitchFamily="34" charset="0"/>
+              </a:rPr>
+              <a:t> goes here</a:t>
+            </a:r>
+            <a:endParaRPr lang="en-US" altLang="en-US" sz="1100" dirty="0"/>
+          </a:p>
+          <a:p>
+            <a:pPr marL="0" marR="0" lvl="0" indent="0" algn="l" defTabSz="914400" rtl="0" eaLnBrk="0" fontAlgn="base" latinLnBrk="0" hangingPunct="0">
+              <a:lnSpc>
+                <a:spcPct val="100000"/>
+              </a:lnSpc>
+              <a:spcBef>
+                <a:spcPct val="0"/>
+              </a:spcBef>
+              <a:spcAft>
+                <a:spcPct val="0"/>
+              </a:spcAft>
+              <a:buClrTx/>
+              <a:buSzTx/>
+              <a:buFontTx/>
+              <a:buNone/>
+              <a:tabLst/>
+            </a:pPr>
+            <a:endParaRPr kumimoji="0" lang="en-US" altLang="en-US" sz="600" b="0" i="0" u="none" strike="noStrike" cap="none" normalizeH="0" baseline="0" dirty="0" smtClean="0">
+              <a:ln>
+                <a:noFill/>
+              </a:ln>
+              <a:solidFill>
+                <a:schemeClr val="tx1"/>
+              </a:solidFill>
+              <a:effectLst/>
+            </a:endParaRPr>
+          </a:p>
+          <a:p>
+            <a:pPr marL="0" marR="0" lvl="0" indent="0" algn="l" defTabSz="914400" rtl="0" eaLnBrk="0" fontAlgn="base" latinLnBrk="0" hangingPunct="0">
+              <a:lnSpc>
+                <a:spcPct val="100000"/>
+              </a:lnSpc>
+              <a:spcBef>
+                <a:spcPct val="0"/>
+              </a:spcBef>
+              <a:spcAft>
+                <a:spcPct val="0"/>
+              </a:spcAft>
+              <a:buClrTx/>
+              <a:buSzTx/>
+              <a:buFontTx/>
+              <a:buNone/>
+              <a:tabLst/>
+            </a:pPr>
+            <a:r>
+              <a:rPr kumimoji="0" lang="en-US" altLang="en-US" sz="1100" b="1" i="0" u="none" strike="noStrike" cap="none" normalizeH="0" baseline="0" dirty="0" smtClean="0">
+                <a:ln>
+                  <a:noFill/>
+                </a:ln>
+                <a:solidFill>
+                  <a:schemeClr val="tx1"/>
+                </a:solidFill>
+                <a:effectLst/>
+                <a:latin typeface="Arial" panose="020B0604020202020204" pitchFamily="34" charset="0"/>
+                <a:ea typeface="Calibri" panose="020F0502020204030204" pitchFamily="34" charset="0"/>
+                <a:cs typeface="Arial" panose="020B0604020202020204" pitchFamily="34" charset="0"/>
+              </a:rPr>
+              <a:t>Classification </a:t>
+            </a:r>
+            <a:r>
+              <a:rPr kumimoji="0" lang="en-US" altLang="en-US" sz="900" b="0" i="0" u="none" strike="noStrike" cap="none" normalizeH="0" baseline="0" dirty="0" smtClean="0">
+                <a:ln>
+                  <a:noFill/>
+                </a:ln>
+                <a:solidFill>
+                  <a:schemeClr val="tx1"/>
+                </a:solidFill>
+                <a:effectLst/>
+                <a:latin typeface="Arial" panose="020B0604020202020204" pitchFamily="34" charset="0"/>
+                <a:ea typeface="Calibri" panose="020F0502020204030204" pitchFamily="34" charset="0"/>
+                <a:cs typeface="Arial" panose="020B0604020202020204" pitchFamily="34" charset="0"/>
+              </a:rPr>
+              <a:t>(See Note #1)</a:t>
+            </a:r>
+            <a:r>
+              <a:rPr kumimoji="0" lang="en-US" altLang="en-US" sz="900" b="1" i="0" u="none" strike="noStrike" cap="none" normalizeH="0" baseline="0" dirty="0" smtClean="0">
+                <a:ln>
+                  <a:noFill/>
+                </a:ln>
+                <a:solidFill>
+                  <a:schemeClr val="tx1"/>
+                </a:solidFill>
+                <a:effectLst/>
+                <a:latin typeface="Arial" panose="020B0604020202020204" pitchFamily="34" charset="0"/>
+                <a:ea typeface="Calibri" panose="020F0502020204030204" pitchFamily="34" charset="0"/>
+                <a:cs typeface="Arial" panose="020B0604020202020204" pitchFamily="34" charset="0"/>
+              </a:rPr>
+              <a:t>	</a:t>
+            </a:r>
+            <a:r>
+              <a:rPr kumimoji="0" lang="en-US" altLang="en-US" sz="900" b="0" i="0" u="none" strike="noStrike" cap="none" normalizeH="0" baseline="0" dirty="0" smtClean="0">
+                <a:ln>
+                  <a:noFill/>
+                </a:ln>
+                <a:solidFill>
+                  <a:schemeClr val="tx1"/>
+                </a:solidFill>
+                <a:effectLst/>
+                <a:latin typeface="Arial" panose="020B0604020202020204" pitchFamily="34" charset="0"/>
+                <a:ea typeface="Calibri" panose="020F0502020204030204" pitchFamily="34" charset="0"/>
+                <a:cs typeface="Arial" panose="020B0604020202020204" pitchFamily="34" charset="0"/>
+              </a:rPr>
+              <a:t>III</a:t>
+            </a:r>
+            <a:endParaRPr kumimoji="0" lang="en-US" altLang="en-US" sz="600" b="0" i="0" u="none" strike="noStrike" cap="none" normalizeH="0" baseline="0" dirty="0" smtClean="0">
+              <a:ln>
+                <a:noFill/>
+              </a:ln>
+              <a:solidFill>
+                <a:schemeClr val="tx1"/>
+              </a:solidFill>
+              <a:effectLst/>
+            </a:endParaRPr>
+          </a:p>
+          <a:p>
+            <a:pPr marL="0" marR="0" lvl="0" indent="0" algn="l" defTabSz="914400" rtl="0" eaLnBrk="0" fontAlgn="base" latinLnBrk="0" hangingPunct="0">
+              <a:lnSpc>
+                <a:spcPct val="100000"/>
+              </a:lnSpc>
+              <a:spcBef>
+                <a:spcPct val="0"/>
+              </a:spcBef>
+              <a:spcAft>
+                <a:spcPct val="0"/>
+              </a:spcAft>
+              <a:buClrTx/>
+              <a:buSzTx/>
+              <a:buFontTx/>
+              <a:buNone/>
+              <a:tabLst/>
+            </a:pPr>
+            <a:endParaRPr kumimoji="0" lang="en-US" altLang="en-US" sz="1100" b="1" i="0" u="none" strike="noStrike" cap="none" normalizeH="0" baseline="0" dirty="0" smtClean="0">
+              <a:ln>
+                <a:noFill/>
+              </a:ln>
+              <a:solidFill>
+                <a:schemeClr val="tx1"/>
+              </a:solidFill>
+              <a:effectLst/>
+              <a:latin typeface="Arial" panose="020B0604020202020204" pitchFamily="34" charset="0"/>
+              <a:ea typeface="Calibri" panose="020F0502020204030204" pitchFamily="34" charset="0"/>
+              <a:cs typeface="Arial" panose="020B0604020202020204" pitchFamily="34" charset="0"/>
+            </a:endParaRPr>
+          </a:p>
+          <a:p>
+            <a:pPr marL="0" marR="0" lvl="0" indent="0" algn="l" defTabSz="914400" rtl="0" eaLnBrk="0" fontAlgn="base" latinLnBrk="0" hangingPunct="0">
+              <a:lnSpc>
+                <a:spcPct val="100000"/>
+              </a:lnSpc>
+              <a:spcBef>
+                <a:spcPct val="0"/>
+              </a:spcBef>
+              <a:spcAft>
+                <a:spcPct val="0"/>
+              </a:spcAft>
+              <a:buClrTx/>
+              <a:buSzTx/>
+              <a:buFontTx/>
+              <a:buNone/>
+              <a:tabLst/>
+            </a:pPr>
+            <a:r>
+              <a:rPr kumimoji="0" lang="en-US" altLang="en-US" sz="1100" b="1" i="0" u="none" strike="noStrike" cap="none" normalizeH="0" baseline="0" dirty="0" smtClean="0">
+                <a:ln>
+                  <a:noFill/>
+                </a:ln>
+                <a:solidFill>
+                  <a:schemeClr val="tx1"/>
+                </a:solidFill>
+                <a:effectLst/>
+                <a:latin typeface="Arial" panose="020B0604020202020204" pitchFamily="34" charset="0"/>
+                <a:ea typeface="Calibri" panose="020F0502020204030204" pitchFamily="34" charset="0"/>
+                <a:cs typeface="Arial" panose="020B0604020202020204" pitchFamily="34" charset="0"/>
+              </a:rPr>
+              <a:t>Status		</a:t>
+            </a:r>
+            <a:r>
+              <a:rPr kumimoji="0" lang="en-US" altLang="en-US" sz="1100" b="0" i="0" u="none" strike="noStrike" cap="none" normalizeH="0" baseline="0" dirty="0" smtClean="0">
+                <a:ln>
+                  <a:noFill/>
+                </a:ln>
+                <a:solidFill>
+                  <a:schemeClr val="tx1"/>
+                </a:solidFill>
+                <a:effectLst/>
+                <a:latin typeface="Arial" panose="020B0604020202020204" pitchFamily="34" charset="0"/>
+                <a:ea typeface="Calibri" panose="020F0502020204030204" pitchFamily="34" charset="0"/>
+                <a:cs typeface="Arial" panose="020B0604020202020204" pitchFamily="34" charset="0"/>
+              </a:rPr>
+              <a:t>Ongoing</a:t>
+            </a:r>
+            <a:endParaRPr kumimoji="0" lang="en-US" altLang="en-US" sz="600" b="0" i="0" u="none" strike="noStrike" cap="none" normalizeH="0" baseline="0" dirty="0" smtClean="0">
+              <a:ln>
+                <a:noFill/>
+              </a:ln>
+              <a:solidFill>
+                <a:schemeClr val="tx1"/>
+              </a:solidFill>
+              <a:effectLst/>
+            </a:endParaRPr>
+          </a:p>
+          <a:p>
+            <a:pPr marL="0" marR="0" lvl="0" indent="0" algn="l" defTabSz="914400" rtl="0" eaLnBrk="0" fontAlgn="base" latinLnBrk="0" hangingPunct="0">
+              <a:lnSpc>
+                <a:spcPct val="100000"/>
+              </a:lnSpc>
+              <a:spcBef>
+                <a:spcPct val="0"/>
+              </a:spcBef>
+              <a:spcAft>
+                <a:spcPct val="0"/>
+              </a:spcAft>
+              <a:buClrTx/>
+              <a:buSzTx/>
+              <a:buFontTx/>
+              <a:buNone/>
+              <a:tabLst/>
+            </a:pPr>
+            <a:endParaRPr kumimoji="0" lang="en-US" altLang="en-US" sz="1100" b="1" i="0" u="none" strike="noStrike" cap="none" normalizeH="0" baseline="0" dirty="0" smtClean="0">
+              <a:ln>
+                <a:noFill/>
+              </a:ln>
+              <a:solidFill>
+                <a:schemeClr val="tx1"/>
+              </a:solidFill>
+              <a:effectLst/>
+              <a:latin typeface="Arial" panose="020B0604020202020204" pitchFamily="34" charset="0"/>
+              <a:ea typeface="Calibri" panose="020F0502020204030204" pitchFamily="34" charset="0"/>
+              <a:cs typeface="Arial" panose="020B0604020202020204" pitchFamily="34" charset="0"/>
+            </a:endParaRPr>
+          </a:p>
+          <a:p>
+            <a:pPr marL="0" marR="0" lvl="0" indent="0" algn="l" defTabSz="914400" rtl="0" eaLnBrk="0" fontAlgn="base" latinLnBrk="0" hangingPunct="0">
+              <a:lnSpc>
+                <a:spcPct val="100000"/>
+              </a:lnSpc>
+              <a:spcBef>
+                <a:spcPct val="0"/>
+              </a:spcBef>
+              <a:spcAft>
+                <a:spcPct val="0"/>
+              </a:spcAft>
+              <a:buClrTx/>
+              <a:buSzTx/>
+              <a:buFontTx/>
+              <a:buNone/>
+              <a:tabLst/>
+            </a:pPr>
+            <a:r>
+              <a:rPr kumimoji="0" lang="en-US" altLang="en-US" sz="1100" b="1" i="0" u="none" strike="noStrike" cap="none" normalizeH="0" baseline="0" dirty="0" smtClean="0">
+                <a:ln>
+                  <a:noFill/>
+                </a:ln>
+                <a:solidFill>
+                  <a:schemeClr val="tx1"/>
+                </a:solidFill>
+                <a:effectLst/>
+                <a:latin typeface="Arial" panose="020B0604020202020204" pitchFamily="34" charset="0"/>
+                <a:ea typeface="Calibri" panose="020F0502020204030204" pitchFamily="34" charset="0"/>
+                <a:cs typeface="Arial" panose="020B0604020202020204" pitchFamily="34" charset="0"/>
+              </a:rPr>
+              <a:t>Report Number	</a:t>
+            </a:r>
+            <a:r>
+              <a:rPr kumimoji="0" lang="en-US" altLang="en-US" sz="1100" b="0" i="0" u="none" strike="noStrike" cap="none" normalizeH="0" baseline="0" dirty="0" smtClean="0">
+                <a:ln>
+                  <a:noFill/>
+                </a:ln>
+                <a:solidFill>
+                  <a:schemeClr val="tx1"/>
+                </a:solidFill>
+                <a:effectLst/>
+                <a:latin typeface="Arial" panose="020B0604020202020204" pitchFamily="34" charset="0"/>
+                <a:ea typeface="Calibri" panose="020F0502020204030204" pitchFamily="34" charset="0"/>
+                <a:cs typeface="Arial" panose="020B0604020202020204" pitchFamily="34" charset="0"/>
+              </a:rPr>
+              <a:t>Example 345-872</a:t>
+            </a:r>
+            <a:endParaRPr kumimoji="0" lang="en-US" altLang="en-US" sz="600" b="0" i="0" u="none" strike="noStrike" cap="none" normalizeH="0" baseline="0" dirty="0" smtClean="0">
+              <a:ln>
+                <a:noFill/>
+              </a:ln>
+              <a:solidFill>
+                <a:schemeClr val="tx1"/>
+              </a:solidFill>
+              <a:effectLst/>
+            </a:endParaRPr>
+          </a:p>
+          <a:p>
+            <a:pPr marL="0" marR="0" lvl="0" indent="0" algn="l" defTabSz="914400" rtl="0" eaLnBrk="0" fontAlgn="base" latinLnBrk="0" hangingPunct="0">
+              <a:lnSpc>
+                <a:spcPct val="100000"/>
+              </a:lnSpc>
+              <a:spcBef>
+                <a:spcPct val="0"/>
+              </a:spcBef>
+              <a:spcAft>
+                <a:spcPct val="0"/>
+              </a:spcAft>
+              <a:buClrTx/>
+              <a:buSzTx/>
+              <a:buFontTx/>
+              <a:buNone/>
+              <a:tabLst/>
+            </a:pPr>
+            <a:endParaRPr kumimoji="0" lang="en-US" altLang="en-US" sz="1100" b="1" i="0" u="none" strike="noStrike" cap="none" normalizeH="0" baseline="0" dirty="0" smtClean="0">
+              <a:ln>
+                <a:noFill/>
+              </a:ln>
+              <a:solidFill>
+                <a:schemeClr val="tx1"/>
+              </a:solidFill>
+              <a:effectLst/>
+              <a:latin typeface="Arial" panose="020B0604020202020204" pitchFamily="34" charset="0"/>
+              <a:ea typeface="Calibri" panose="020F0502020204030204" pitchFamily="34" charset="0"/>
+              <a:cs typeface="Arial" panose="020B0604020202020204" pitchFamily="34" charset="0"/>
+            </a:endParaRPr>
+          </a:p>
+          <a:p>
+            <a:pPr marL="0" marR="0" lvl="0" indent="0" algn="l" defTabSz="914400" rtl="0" eaLnBrk="0" fontAlgn="base" latinLnBrk="0" hangingPunct="0">
+              <a:lnSpc>
+                <a:spcPct val="100000"/>
+              </a:lnSpc>
+              <a:spcBef>
+                <a:spcPct val="0"/>
+              </a:spcBef>
+              <a:spcAft>
+                <a:spcPct val="0"/>
+              </a:spcAft>
+              <a:buClrTx/>
+              <a:buSzTx/>
+              <a:buFontTx/>
+              <a:buNone/>
+              <a:tabLst/>
+            </a:pPr>
+            <a:r>
+              <a:rPr kumimoji="0" lang="en-US" altLang="en-US" sz="1100" b="1" i="0" u="none" strike="noStrike" cap="none" normalizeH="0" baseline="0" dirty="0" smtClean="0">
+                <a:ln>
+                  <a:noFill/>
+                </a:ln>
+                <a:solidFill>
+                  <a:schemeClr val="tx1"/>
+                </a:solidFill>
+                <a:effectLst/>
+                <a:latin typeface="Arial" panose="020B0604020202020204" pitchFamily="34" charset="0"/>
+                <a:ea typeface="Calibri" panose="020F0502020204030204" pitchFamily="34" charset="0"/>
+                <a:cs typeface="Arial" panose="020B0604020202020204" pitchFamily="34" charset="0"/>
+              </a:rPr>
+              <a:t>Report Date		</a:t>
+            </a:r>
+            <a:r>
+              <a:rPr kumimoji="0" lang="en-US" altLang="en-US" sz="1100" b="0" i="0" u="none" strike="noStrike" cap="none" normalizeH="0" baseline="0" dirty="0" smtClean="0">
+                <a:ln>
+                  <a:noFill/>
+                </a:ln>
+                <a:solidFill>
+                  <a:schemeClr val="tx1"/>
+                </a:solidFill>
+                <a:effectLst/>
+                <a:latin typeface="Arial" panose="020B0604020202020204" pitchFamily="34" charset="0"/>
+                <a:ea typeface="Calibri" panose="020F0502020204030204" pitchFamily="34" charset="0"/>
+                <a:cs typeface="Arial" panose="020B0604020202020204" pitchFamily="34" charset="0"/>
+              </a:rPr>
+              <a:t>2015-01-12</a:t>
+            </a:r>
+            <a:endParaRPr kumimoji="0" lang="en-US" altLang="en-US" sz="600" b="0" i="0" u="none" strike="noStrike" cap="none" normalizeH="0" baseline="0" dirty="0" smtClean="0">
+              <a:ln>
+                <a:noFill/>
+              </a:ln>
+              <a:solidFill>
+                <a:schemeClr val="tx1"/>
+              </a:solidFill>
+              <a:effectLst/>
+            </a:endParaRPr>
+          </a:p>
+        </p:txBody>
+      </p:sp>
+      <p:pic>
+        <p:nvPicPr>
+          <p:cNvPr id="12" name="Picture 11"/>
+          <p:cNvPicPr/>
+          <p:nvPr/>
+        </p:nvPicPr>
+        <p:blipFill rotWithShape="1">
+          <a:blip r:embed="rId2" cstate="print">
+            <a:extLst>
+              <a:ext uri="{28A0092B-C50C-407E-A947-70E740481C1C}">
+                <a14:useLocalDpi xmlns:a14="http://schemas.microsoft.com/office/drawing/2010/main" val="0"/>
+              </a:ext>
+            </a:extLst>
+          </a:blip>
+          <a:srcRect l="8221" r="15730"/>
+          <a:stretch/>
+        </p:blipFill>
+        <p:spPr bwMode="auto">
+          <a:xfrm>
+            <a:off x="2198052" y="2511320"/>
+            <a:ext cx="589280" cy="643072"/>
+          </a:xfrm>
+          <a:prstGeom prst="rect">
+            <a:avLst/>
+          </a:prstGeom>
+          <a:solidFill>
+            <a:srgbClr val="FFFFFF">
+              <a:shade val="85000"/>
+            </a:srgbClr>
+          </a:solidFill>
+          <a:ln w="88900" cap="sq">
+            <a:solidFill>
+              <a:srgbClr val="FFFFFF"/>
+            </a:solidFill>
+            <a:miter lim="800000"/>
+          </a:ln>
+          <a:effectLst>
+            <a:outerShdw blurRad="55000" dist="18000" dir="5400000" algn="tl" rotWithShape="0">
+              <a:srgbClr val="000000">
+                <a:alpha val="40000"/>
+              </a:srgbClr>
+            </a:outerShdw>
+          </a:effectLst>
+          <a:scene3d>
+            <a:camera prst="orthographicFront"/>
+            <a:lightRig rig="twoPt" dir="t">
+              <a:rot lat="0" lon="0" rev="7200000"/>
+            </a:lightRig>
+          </a:scene3d>
+          <a:sp3d>
+            <a:bevelT w="25400" h="19050"/>
+            <a:contourClr>
+              <a:srgbClr val="FFFFFF"/>
+            </a:contourClr>
+          </a:sp3d>
+          <a:extLst>
+            <a:ext uri="{53640926-AAD7-44D8-BBD7-CCE9431645EC}">
+              <a14:shadowObscured xmlns:a14="http://schemas.microsoft.com/office/drawing/2010/main"/>
+            </a:ext>
+          </a:extLst>
+        </p:spPr>
+      </p:pic>
+    </p:spTree>
+    <p:extLst>
+      <p:ext uri="{BB962C8B-B14F-4D97-AF65-F5344CB8AC3E}">
+        <p14:creationId xmlns:p14="http://schemas.microsoft.com/office/powerpoint/2010/main" val="1290906032"/>
+      </p:ext>
+    </p:extLst>
+  </p:cSld>
+  <p:clrMapOvr>
+    <a:masterClrMapping/>
+  </p:clrMapOvr>
+</p:sld>
+</file>
+
+<file path=ppt/slides/slide7.xml><?xml version="1.0" encoding="utf-8"?>
 <p:sld xmlns:a="http://schemas.openxmlformats.org/drawingml/2006/main" xmlns:r="http://schemas.openxmlformats.org/officeDocument/2006/relationships" xmlns:p="http://schemas.openxmlformats.org/presentationml/2006/main">
   <p:cSld>
     <p:spTree>
@@ -10504,7 +11996,7 @@
 </p:sld>
 </file>
 
-<file path=ppt/slides/slide7.xml><?xml version="1.0" encoding="utf-8"?>
+<file path=ppt/slides/slide8.xml><?xml version="1.0" encoding="utf-8"?>
 <p:sld xmlns:a="http://schemas.openxmlformats.org/drawingml/2006/main" xmlns:r="http://schemas.openxmlformats.org/officeDocument/2006/relationships" xmlns:p="http://schemas.openxmlformats.org/presentationml/2006/main">
   <p:cSld>
     <p:spTree>
